--- a/preso.pptx
+++ b/preso.pptx
@@ -3707,7 +3707,7 @@
       </p:grpSpPr>
       <p:sp>
         <p:nvSpPr>
-          <p:cNvPr id="4" name="Rectangle 3">
+          <p:cNvPr id="4" name="K8s cluster">
             <a:extLst>
               <a:ext uri="{FF2B5EF4-FFF2-40B4-BE49-F238E27FC236}">
                 <a16:creationId xmlns:a16="http://schemas.microsoft.com/office/drawing/2014/main" id="{831A18A1-1E23-7A4C-B645-2373E8D3BFE7}"/>
@@ -3719,8 +3719,8 @@
         </p:nvSpPr>
         <p:spPr>
           <a:xfrm>
-            <a:off x="331695" y="313765"/>
-            <a:ext cx="5556358" cy="6194611"/>
+            <a:off x="331694" y="313765"/>
+            <a:ext cx="7257825" cy="6194611"/>
           </a:xfrm>
           <a:prstGeom prst="rect">
             <a:avLst/>
@@ -3755,7 +3755,7 @@
       </p:sp>
       <p:sp>
         <p:nvSpPr>
-          <p:cNvPr id="9" name="Rectangle 8">
+          <p:cNvPr id="9" name="Target">
             <a:extLst>
               <a:ext uri="{FF2B5EF4-FFF2-40B4-BE49-F238E27FC236}">
                 <a16:creationId xmlns:a16="http://schemas.microsoft.com/office/drawing/2014/main" id="{F3274F57-36FD-354F-8767-4F02319800B1}"/>
@@ -3767,7 +3767,7 @@
         </p:nvSpPr>
         <p:spPr>
           <a:xfrm>
-            <a:off x="953717" y="2884289"/>
+            <a:off x="3146722" y="2540660"/>
             <a:ext cx="880217" cy="666571"/>
           </a:xfrm>
           <a:prstGeom prst="rect">
@@ -3804,7 +3804,7 @@
       </p:sp>
       <p:sp>
         <p:nvSpPr>
-          <p:cNvPr id="10" name="Oval 9">
+          <p:cNvPr id="10" name="ScaledObject">
             <a:extLst>
               <a:ext uri="{FF2B5EF4-FFF2-40B4-BE49-F238E27FC236}">
                 <a16:creationId xmlns:a16="http://schemas.microsoft.com/office/drawing/2014/main" id="{2A7FA6F1-4E2E-7E43-92D1-7F65E9E18730}"/>
@@ -3816,7 +3816,7 @@
         </p:nvSpPr>
         <p:spPr>
           <a:xfrm>
-            <a:off x="2478235" y="4559148"/>
+            <a:off x="2917147" y="4559148"/>
             <a:ext cx="1196411" cy="1158626"/>
           </a:xfrm>
           <a:prstGeom prst="ellipse">
@@ -3854,7 +3854,7 @@
       </p:sp>
       <p:pic>
         <p:nvPicPr>
-          <p:cNvPr id="11" name="Picture 10" descr="A picture containing drawing&#10;&#10;Description automatically generated">
+          <p:cNvPr id="11" name="queue" descr="A picture containing drawing&#10;&#10;Description automatically generated">
             <a:extLst>
               <a:ext uri="{FF2B5EF4-FFF2-40B4-BE49-F238E27FC236}">
                 <a16:creationId xmlns:a16="http://schemas.microsoft.com/office/drawing/2014/main" id="{BB6860C5-A612-C44B-8217-8121FFE2A390}"/>
@@ -3874,7 +3874,7 @@
         </p:blipFill>
         <p:spPr>
           <a:xfrm>
-            <a:off x="7129746" y="592213"/>
+            <a:off x="8601930" y="607411"/>
             <a:ext cx="1191305" cy="1191305"/>
           </a:xfrm>
           <a:prstGeom prst="rect">
@@ -3884,7 +3884,7 @@
       </p:pic>
       <p:pic>
         <p:nvPicPr>
-          <p:cNvPr id="12" name="Picture 8" descr="Kubernetes - Wikipedia">
+          <p:cNvPr id="12" name="K8s logo" descr="Kubernetes - Wikipedia">
             <a:extLst>
               <a:ext uri="{FF2B5EF4-FFF2-40B4-BE49-F238E27FC236}">
                 <a16:creationId xmlns:a16="http://schemas.microsoft.com/office/drawing/2014/main" id="{3887F463-ACD4-1346-B765-EFF06E10AFE3}"/>
@@ -3911,7 +3911,7 @@
         </p:blipFill>
         <p:spPr bwMode="auto">
           <a:xfrm>
-            <a:off x="5281300" y="349624"/>
+            <a:off x="6923947" y="349624"/>
             <a:ext cx="535159" cy="519525"/>
           </a:xfrm>
           <a:prstGeom prst="rect">
@@ -3929,165 +3929,12 @@
           </a:extLst>
         </p:spPr>
       </p:pic>
-      <p:grpSp>
-        <p:nvGrpSpPr>
-          <p:cNvPr id="15" name="Group 14">
-            <a:extLst>
-              <a:ext uri="{FF2B5EF4-FFF2-40B4-BE49-F238E27FC236}">
-                <a16:creationId xmlns:a16="http://schemas.microsoft.com/office/drawing/2014/main" id="{DC082FEB-84C5-AB46-B065-11A9514D3B81}"/>
-              </a:ext>
-            </a:extLst>
-          </p:cNvPr>
-          <p:cNvGrpSpPr/>
-          <p:nvPr/>
-        </p:nvGrpSpPr>
-        <p:grpSpPr>
-          <a:xfrm>
-            <a:off x="4244283" y="2792380"/>
-            <a:ext cx="1196411" cy="850391"/>
-            <a:chOff x="3495228" y="2260362"/>
-            <a:chExt cx="1196411" cy="850391"/>
-          </a:xfrm>
-        </p:grpSpPr>
-        <p:sp>
-          <p:nvSpPr>
-            <p:cNvPr id="7" name="Rectangle 6">
-              <a:extLst>
-                <a:ext uri="{FF2B5EF4-FFF2-40B4-BE49-F238E27FC236}">
-                  <a16:creationId xmlns:a16="http://schemas.microsoft.com/office/drawing/2014/main" id="{3011F17D-3568-A14B-AEF5-7FC060455641}"/>
-                </a:ext>
-              </a:extLst>
-            </p:cNvPr>
-            <p:cNvSpPr/>
-            <p:nvPr/>
-          </p:nvSpPr>
-          <p:spPr>
-            <a:xfrm>
-              <a:off x="3495228" y="2260362"/>
-              <a:ext cx="1196411" cy="850391"/>
-            </a:xfrm>
-            <a:prstGeom prst="rect">
-              <a:avLst/>
-            </a:prstGeom>
-          </p:spPr>
-          <p:style>
-            <a:lnRef idx="2">
-              <a:schemeClr val="accent2">
-                <a:shade val="50000"/>
-              </a:schemeClr>
-            </a:lnRef>
-            <a:fillRef idx="1">
-              <a:schemeClr val="accent2"/>
-            </a:fillRef>
-            <a:effectRef idx="0">
-              <a:schemeClr val="accent2"/>
-            </a:effectRef>
-            <a:fontRef idx="minor">
-              <a:schemeClr val="lt1"/>
-            </a:fontRef>
-          </p:style>
-          <p:txBody>
-            <a:bodyPr rtlCol="0" anchor="ctr" anchorCtr="1"/>
-            <a:lstStyle/>
-            <a:p>
-              <a:pPr algn="ctr"/>
-              <a:endParaRPr lang="en-US" dirty="0"/>
-            </a:p>
-          </p:txBody>
-        </p:sp>
-        <p:pic>
-          <p:nvPicPr>
-            <p:cNvPr id="13" name="Picture 2">
-              <a:extLst>
-                <a:ext uri="{FF2B5EF4-FFF2-40B4-BE49-F238E27FC236}">
-                  <a16:creationId xmlns:a16="http://schemas.microsoft.com/office/drawing/2014/main" id="{F26A7939-E93E-BA49-9C24-1A261D50F337}"/>
-                </a:ext>
-              </a:extLst>
-            </p:cNvPr>
-            <p:cNvPicPr>
-              <a:picLocks noChangeAspect="1" noChangeArrowheads="1"/>
-            </p:cNvPicPr>
-            <p:nvPr/>
-          </p:nvPicPr>
-          <p:blipFill>
-            <a:blip r:embed="rId4">
-              <a:extLst>
-                <a:ext uri="{28A0092B-C50C-407E-A947-70E740481C1C}">
-                  <a14:useLocalDpi xmlns:a14="http://schemas.microsoft.com/office/drawing/2010/main" val="0"/>
-                </a:ext>
-              </a:extLst>
-            </a:blip>
-            <a:srcRect/>
-            <a:stretch>
-              <a:fillRect/>
-            </a:stretch>
-          </p:blipFill>
-          <p:spPr bwMode="auto">
-            <a:xfrm>
-              <a:off x="3714869" y="2367185"/>
-              <a:ext cx="757131" cy="295017"/>
-            </a:xfrm>
-            <a:prstGeom prst="rect">
-              <a:avLst/>
-            </a:prstGeom>
-            <a:noFill/>
-            <a:extLst>
-              <a:ext uri="{909E8E84-426E-40DD-AFC4-6F175D3DCCD1}">
-                <a14:hiddenFill xmlns:a14="http://schemas.microsoft.com/office/drawing/2010/main">
-                  <a:solidFill>
-                    <a:srgbClr val="FFFFFF"/>
-                  </a:solidFill>
-                </a14:hiddenFill>
-              </a:ext>
-            </a:extLst>
-          </p:spPr>
-        </p:pic>
-        <p:sp>
-          <p:nvSpPr>
-            <p:cNvPr id="14" name="TextBox 13">
-              <a:extLst>
-                <a:ext uri="{FF2B5EF4-FFF2-40B4-BE49-F238E27FC236}">
-                  <a16:creationId xmlns:a16="http://schemas.microsoft.com/office/drawing/2014/main" id="{CE8879E2-085A-4942-A33C-01270229D3F5}"/>
-                </a:ext>
-              </a:extLst>
-            </p:cNvPr>
-            <p:cNvSpPr txBox="1"/>
-            <p:nvPr/>
-          </p:nvSpPr>
-          <p:spPr>
-            <a:xfrm>
-              <a:off x="3576048" y="2621696"/>
-              <a:ext cx="1034770" cy="369332"/>
-            </a:xfrm>
-            <a:prstGeom prst="rect">
-              <a:avLst/>
-            </a:prstGeom>
-            <a:noFill/>
-          </p:spPr>
-          <p:txBody>
-            <a:bodyPr wrap="none" rtlCol="0">
-              <a:spAutoFit/>
-            </a:bodyPr>
-            <a:lstStyle/>
-            <a:p>
-              <a:r>
-                <a:rPr lang="en-US" dirty="0">
-                  <a:solidFill>
-                    <a:schemeClr val="bg1"/>
-                  </a:solidFill>
-                </a:rPr>
-                <a:t>Operator</a:t>
-              </a:r>
-            </a:p>
-          </p:txBody>
-        </p:sp>
-      </p:grpSp>
-      <p:sp>
-        <p:nvSpPr>
-          <p:cNvPr id="16" name="Oval 15">
-            <a:extLst>
-              <a:ext uri="{FF2B5EF4-FFF2-40B4-BE49-F238E27FC236}">
-                <a16:creationId xmlns:a16="http://schemas.microsoft.com/office/drawing/2014/main" id="{B3BA1375-15CB-AA4E-93F5-EC9DDE8B0A99}"/>
+      <p:sp>
+        <p:nvSpPr>
+          <p:cNvPr id="7" name="KEDA operator">
+            <a:extLst>
+              <a:ext uri="{FF2B5EF4-FFF2-40B4-BE49-F238E27FC236}">
+                <a16:creationId xmlns:a16="http://schemas.microsoft.com/office/drawing/2014/main" id="{3011F17D-3568-A14B-AEF5-7FC060455641}"/>
               </a:ext>
             </a:extLst>
           </p:cNvPr>
@@ -4096,7 +3943,139 @@
         </p:nvSpPr>
         <p:spPr>
           <a:xfrm>
-            <a:off x="2644346" y="3220865"/>
+            <a:off x="6262695" y="2540660"/>
+            <a:ext cx="1196411" cy="1330267"/>
+          </a:xfrm>
+          <a:prstGeom prst="rect">
+            <a:avLst/>
+          </a:prstGeom>
+        </p:spPr>
+        <p:style>
+          <a:lnRef idx="2">
+            <a:schemeClr val="accent2">
+              <a:shade val="50000"/>
+            </a:schemeClr>
+          </a:lnRef>
+          <a:fillRef idx="1">
+            <a:schemeClr val="accent2"/>
+          </a:fillRef>
+          <a:effectRef idx="0">
+            <a:schemeClr val="accent2"/>
+          </a:effectRef>
+          <a:fontRef idx="minor">
+            <a:schemeClr val="lt1"/>
+          </a:fontRef>
+        </p:style>
+        <p:txBody>
+          <a:bodyPr rtlCol="0" anchor="ctr" anchorCtr="1"/>
+          <a:lstStyle/>
+          <a:p>
+            <a:pPr algn="ctr"/>
+            <a:endParaRPr lang="en-US" dirty="0"/>
+          </a:p>
+        </p:txBody>
+      </p:sp>
+      <p:pic>
+        <p:nvPicPr>
+          <p:cNvPr id="13" name="KEDA logo">
+            <a:extLst>
+              <a:ext uri="{FF2B5EF4-FFF2-40B4-BE49-F238E27FC236}">
+                <a16:creationId xmlns:a16="http://schemas.microsoft.com/office/drawing/2014/main" id="{F26A7939-E93E-BA49-9C24-1A261D50F337}"/>
+              </a:ext>
+            </a:extLst>
+          </p:cNvPr>
+          <p:cNvPicPr>
+            <a:picLocks noChangeAspect="1" noChangeArrowheads="1"/>
+          </p:cNvPicPr>
+          <p:nvPr/>
+        </p:nvPicPr>
+        <p:blipFill>
+          <a:blip r:embed="rId4">
+            <a:extLst>
+              <a:ext uri="{28A0092B-C50C-407E-A947-70E740481C1C}">
+                <a14:useLocalDpi xmlns:a14="http://schemas.microsoft.com/office/drawing/2010/main" val="0"/>
+              </a:ext>
+            </a:extLst>
+          </a:blip>
+          <a:srcRect/>
+          <a:stretch>
+            <a:fillRect/>
+          </a:stretch>
+        </p:blipFill>
+        <p:spPr bwMode="auto">
+          <a:xfrm>
+            <a:off x="6482336" y="2980768"/>
+            <a:ext cx="757131" cy="295017"/>
+          </a:xfrm>
+          <a:prstGeom prst="rect">
+            <a:avLst/>
+          </a:prstGeom>
+          <a:noFill/>
+          <a:extLst>
+            <a:ext uri="{909E8E84-426E-40DD-AFC4-6F175D3DCCD1}">
+              <a14:hiddenFill xmlns:a14="http://schemas.microsoft.com/office/drawing/2010/main">
+                <a:solidFill>
+                  <a:srgbClr val="FFFFFF"/>
+                </a:solidFill>
+              </a14:hiddenFill>
+            </a:ext>
+          </a:extLst>
+        </p:spPr>
+      </p:pic>
+      <p:sp>
+        <p:nvSpPr>
+          <p:cNvPr id="14" name="Text Operator">
+            <a:extLst>
+              <a:ext uri="{FF2B5EF4-FFF2-40B4-BE49-F238E27FC236}">
+                <a16:creationId xmlns:a16="http://schemas.microsoft.com/office/drawing/2014/main" id="{CE8879E2-085A-4942-A33C-01270229D3F5}"/>
+              </a:ext>
+            </a:extLst>
+          </p:cNvPr>
+          <p:cNvSpPr txBox="1"/>
+          <p:nvPr/>
+        </p:nvSpPr>
+        <p:spPr>
+          <a:xfrm>
+            <a:off x="6343515" y="3235279"/>
+            <a:ext cx="1034770" cy="369332"/>
+          </a:xfrm>
+          <a:prstGeom prst="rect">
+            <a:avLst/>
+          </a:prstGeom>
+          <a:noFill/>
+        </p:spPr>
+        <p:txBody>
+          <a:bodyPr wrap="none" rtlCol="0">
+            <a:spAutoFit/>
+          </a:bodyPr>
+          <a:lstStyle/>
+          <a:p>
+            <a:r>
+              <a:rPr lang="en-US" dirty="0">
+                <a:solidFill>
+                  <a:schemeClr val="bg1"/>
+                </a:solidFill>
+              </a:rPr>
+              <a:t>Operator</a:t>
+            </a:r>
+          </a:p>
+        </p:txBody>
+      </p:sp>
+      <p:sp>
+        <p:nvSpPr>
+          <p:cNvPr id="16" name="hpa">
+            <a:extLst>
+              <a:ext uri="{FF2B5EF4-FFF2-40B4-BE49-F238E27FC236}">
+                <a16:creationId xmlns:a16="http://schemas.microsoft.com/office/drawing/2014/main" id="{B3BA1375-15CB-AA4E-93F5-EC9DDE8B0A99}"/>
+              </a:ext>
+            </a:extLst>
+          </p:cNvPr>
+          <p:cNvSpPr/>
+          <p:nvPr/>
+        </p:nvSpPr>
+        <p:spPr>
+          <a:xfrm>
+            <a:off x="926997" y="2846450"/>
             <a:ext cx="864188" cy="843811"/>
           </a:xfrm>
           <a:prstGeom prst="ellipse">
@@ -4136,7 +4115,7 @@
       </p:sp>
       <p:sp>
         <p:nvSpPr>
-          <p:cNvPr id="17" name="Rectangle 16">
+          <p:cNvPr id="17" name="Kube Controller">
             <a:extLst>
               <a:ext uri="{FF2B5EF4-FFF2-40B4-BE49-F238E27FC236}">
                 <a16:creationId xmlns:a16="http://schemas.microsoft.com/office/drawing/2014/main" id="{D84E5641-BF98-E24B-8255-81666D6EA61E}"/>
@@ -4148,7 +4127,7 @@
         </p:nvSpPr>
         <p:spPr>
           <a:xfrm>
-            <a:off x="2478235" y="869149"/>
+            <a:off x="2917147" y="869149"/>
             <a:ext cx="1304871" cy="850391"/>
           </a:xfrm>
           <a:prstGeom prst="rect">
@@ -4188,7 +4167,7 @@
       </p:sp>
       <p:pic>
         <p:nvPicPr>
-          <p:cNvPr id="3" name="Graphic 2" descr="Captain">
+          <p:cNvPr id="3" name="kubectl" descr="Captain">
             <a:extLst>
               <a:ext uri="{FF2B5EF4-FFF2-40B4-BE49-F238E27FC236}">
                 <a16:creationId xmlns:a16="http://schemas.microsoft.com/office/drawing/2014/main" id="{A49EA59F-653C-1A46-879F-81E0DDE5BF50}"/>
@@ -4214,7 +4193,7 @@
         </p:blipFill>
         <p:spPr>
           <a:xfrm>
-            <a:off x="6588751" y="4617283"/>
+            <a:off x="7863851" y="4681261"/>
             <a:ext cx="914400" cy="914400"/>
           </a:xfrm>
           <a:prstGeom prst="rect">
@@ -4224,20 +4203,22 @@
       </p:pic>
       <p:cxnSp>
         <p:nvCxnSpPr>
-          <p:cNvPr id="6" name="Straight Arrow Connector 5" descr="Create Target">
+          <p:cNvPr id="6" name="f kubectl t target" descr="Create Target">
             <a:extLst>
               <a:ext uri="{FF2B5EF4-FFF2-40B4-BE49-F238E27FC236}">
                 <a16:creationId xmlns:a16="http://schemas.microsoft.com/office/drawing/2014/main" id="{6BFBE3E5-A16E-BE49-82A0-1F8B2BA31DEA}"/>
               </a:ext>
             </a:extLst>
           </p:cNvPr>
-          <p:cNvCxnSpPr/>
+          <p:cNvCxnSpPr>
+            <a:cxnSpLocks/>
+          </p:cNvCxnSpPr>
           <p:nvPr/>
         </p:nvCxnSpPr>
         <p:spPr>
           <a:xfrm flipH="1" flipV="1">
-            <a:off x="1933303" y="3523046"/>
-            <a:ext cx="4519748" cy="1551437"/>
+            <a:off x="4113558" y="3165920"/>
+            <a:ext cx="3750296" cy="1773648"/>
           </a:xfrm>
           <a:prstGeom prst="straightConnector1">
             <a:avLst/>
@@ -4263,7 +4244,7 @@
       </p:cxnSp>
       <p:cxnSp>
         <p:nvCxnSpPr>
-          <p:cNvPr id="18" name="Straight Arrow Connector 17">
+          <p:cNvPr id="18" name="f kubectl t scaledobject">
             <a:extLst>
               <a:ext uri="{FF2B5EF4-FFF2-40B4-BE49-F238E27FC236}">
                 <a16:creationId xmlns:a16="http://schemas.microsoft.com/office/drawing/2014/main" id="{E34D6ADF-6B85-F44C-AD6C-9B0D993ED174}"/>
@@ -4276,9 +4257,9 @@
           <p:nvPr/>
         </p:nvCxnSpPr>
         <p:spPr>
-          <a:xfrm flipH="1" flipV="1">
-            <a:off x="3696029" y="5100778"/>
-            <a:ext cx="2892722" cy="219206"/>
+          <a:xfrm flipH="1">
+            <a:off x="4113558" y="5235996"/>
+            <a:ext cx="3611841" cy="0"/>
           </a:xfrm>
           <a:prstGeom prst="straightConnector1">
             <a:avLst/>
@@ -4304,7 +4285,7 @@
       </p:cxnSp>
       <p:cxnSp>
         <p:nvCxnSpPr>
-          <p:cNvPr id="19" name="Straight Arrow Connector 18">
+          <p:cNvPr id="19" name="f keda t scaledobject">
             <a:extLst>
               <a:ext uri="{FF2B5EF4-FFF2-40B4-BE49-F238E27FC236}">
                 <a16:creationId xmlns:a16="http://schemas.microsoft.com/office/drawing/2014/main" id="{78571CD0-531B-1046-8FC5-9D4B9973C12E}"/>
@@ -4318,8 +4299,8 @@
         </p:nvCxnSpPr>
         <p:spPr>
           <a:xfrm flipH="1">
-            <a:off x="3602736" y="3702914"/>
-            <a:ext cx="969266" cy="1097686"/>
+            <a:off x="4113558" y="3687447"/>
+            <a:ext cx="1982442" cy="1107049"/>
           </a:xfrm>
           <a:prstGeom prst="straightConnector1">
             <a:avLst/>
@@ -4345,7 +4326,7 @@
       </p:cxnSp>
       <p:cxnSp>
         <p:nvCxnSpPr>
-          <p:cNvPr id="24" name="Straight Arrow Connector 23">
+          <p:cNvPr id="24" name="f keda t hpa">
             <a:extLst>
               <a:ext uri="{FF2B5EF4-FFF2-40B4-BE49-F238E27FC236}">
                 <a16:creationId xmlns:a16="http://schemas.microsoft.com/office/drawing/2014/main" id="{29C1B618-ED74-DA4E-910B-4A831D319BA0}"/>
@@ -4358,9 +4339,9 @@
           <p:nvPr/>
         </p:nvCxnSpPr>
         <p:spPr>
-          <a:xfrm flipH="1">
-            <a:off x="3508534" y="3334954"/>
-            <a:ext cx="624554" cy="94046"/>
+          <a:xfrm flipH="1" flipV="1">
+            <a:off x="1872005" y="3501272"/>
+            <a:ext cx="4300208" cy="28717"/>
           </a:xfrm>
           <a:prstGeom prst="straightConnector1">
             <a:avLst/>
@@ -4386,7 +4367,7 @@
       </p:cxnSp>
       <p:cxnSp>
         <p:nvCxnSpPr>
-          <p:cNvPr id="27" name="Straight Arrow Connector 26">
+          <p:cNvPr id="27" name="f keda t target">
             <a:extLst>
               <a:ext uri="{FF2B5EF4-FFF2-40B4-BE49-F238E27FC236}">
                 <a16:creationId xmlns:a16="http://schemas.microsoft.com/office/drawing/2014/main" id="{73037384-DF63-5A4E-9025-3897A31BD834}"/>
@@ -4400,8 +4381,8 @@
         </p:nvCxnSpPr>
         <p:spPr>
           <a:xfrm flipH="1">
-            <a:off x="1945130" y="3043376"/>
-            <a:ext cx="2187958" cy="3335"/>
+            <a:off x="4113558" y="3046711"/>
+            <a:ext cx="2049498" cy="0"/>
           </a:xfrm>
           <a:prstGeom prst="straightConnector1">
             <a:avLst/>
@@ -4439,8 +4420,8 @@
         </p:nvSpPr>
         <p:spPr>
           <a:xfrm>
-            <a:off x="2369775" y="2777048"/>
-            <a:ext cx="1304871" cy="338554"/>
+            <a:off x="4484078" y="2762128"/>
+            <a:ext cx="1504284" cy="338554"/>
           </a:xfrm>
           <a:prstGeom prst="rect">
             <a:avLst/>
@@ -4455,7 +4436,206 @@
           <a:p>
             <a:r>
               <a:rPr lang="en-US" sz="1600" dirty="0"/>
-              <a:t>0-&gt;1 OR 1-&gt;0</a:t>
+              <a:t>0 to 1 / 1 to 0</a:t>
+            </a:r>
+          </a:p>
+        </p:txBody>
+      </p:sp>
+      <p:cxnSp>
+        <p:nvCxnSpPr>
+          <p:cNvPr id="54" name="f keda t queue">
+            <a:extLst>
+              <a:ext uri="{FF2B5EF4-FFF2-40B4-BE49-F238E27FC236}">
+                <a16:creationId xmlns:a16="http://schemas.microsoft.com/office/drawing/2014/main" id="{F7E50F71-C4E2-1D4B-8374-2E7427CFF4F5}"/>
+              </a:ext>
+            </a:extLst>
+          </p:cNvPr>
+          <p:cNvCxnSpPr>
+            <a:cxnSpLocks/>
+          </p:cNvCxnSpPr>
+          <p:nvPr/>
+        </p:nvCxnSpPr>
+        <p:spPr>
+          <a:xfrm flipV="1">
+            <a:off x="7459106" y="1490472"/>
+            <a:ext cx="1142825" cy="1019355"/>
+          </a:xfrm>
+          <a:prstGeom prst="straightConnector1">
+            <a:avLst/>
+          </a:prstGeom>
+          <a:ln w="19050">
+            <a:tailEnd type="triangle"/>
+          </a:ln>
+        </p:spPr>
+        <p:style>
+          <a:lnRef idx="1">
+            <a:schemeClr val="accent1"/>
+          </a:lnRef>
+          <a:fillRef idx="0">
+            <a:schemeClr val="accent1"/>
+          </a:fillRef>
+          <a:effectRef idx="0">
+            <a:schemeClr val="accent1"/>
+          </a:effectRef>
+          <a:fontRef idx="minor">
+            <a:schemeClr val="tx1"/>
+          </a:fontRef>
+        </p:style>
+      </p:cxnSp>
+      <p:cxnSp>
+        <p:nvCxnSpPr>
+          <p:cNvPr id="20" name="f kube-controller t hpa">
+            <a:extLst>
+              <a:ext uri="{FF2B5EF4-FFF2-40B4-BE49-F238E27FC236}">
+                <a16:creationId xmlns:a16="http://schemas.microsoft.com/office/drawing/2014/main" id="{AE957F92-9FE3-924F-8D2E-6A36988151CC}"/>
+              </a:ext>
+            </a:extLst>
+          </p:cNvPr>
+          <p:cNvCxnSpPr>
+            <a:cxnSpLocks/>
+          </p:cNvCxnSpPr>
+          <p:nvPr/>
+        </p:nvCxnSpPr>
+        <p:spPr>
+          <a:xfrm flipH="1">
+            <a:off x="1649339" y="1598064"/>
+            <a:ext cx="1136590" cy="1164064"/>
+          </a:xfrm>
+          <a:prstGeom prst="straightConnector1">
+            <a:avLst/>
+          </a:prstGeom>
+          <a:ln w="19050">
+            <a:tailEnd type="triangle"/>
+          </a:ln>
+        </p:spPr>
+        <p:style>
+          <a:lnRef idx="1">
+            <a:schemeClr val="accent1"/>
+          </a:lnRef>
+          <a:fillRef idx="0">
+            <a:schemeClr val="accent1"/>
+          </a:fillRef>
+          <a:effectRef idx="0">
+            <a:schemeClr val="accent1"/>
+          </a:effectRef>
+          <a:fontRef idx="minor">
+            <a:schemeClr val="tx1"/>
+          </a:fontRef>
+        </p:style>
+      </p:cxnSp>
+      <p:cxnSp>
+        <p:nvCxnSpPr>
+          <p:cNvPr id="26" name="f kube-controller t keda">
+            <a:extLst>
+              <a:ext uri="{FF2B5EF4-FFF2-40B4-BE49-F238E27FC236}">
+                <a16:creationId xmlns:a16="http://schemas.microsoft.com/office/drawing/2014/main" id="{D7A96EEA-1FB1-EA42-9B9E-A77AB18ADDBB}"/>
+              </a:ext>
+            </a:extLst>
+          </p:cNvPr>
+          <p:cNvCxnSpPr>
+            <a:cxnSpLocks/>
+          </p:cNvCxnSpPr>
+          <p:nvPr/>
+        </p:nvCxnSpPr>
+        <p:spPr>
+          <a:xfrm>
+            <a:off x="4317023" y="1490472"/>
+            <a:ext cx="1846033" cy="944997"/>
+          </a:xfrm>
+          <a:prstGeom prst="straightConnector1">
+            <a:avLst/>
+          </a:prstGeom>
+          <a:ln w="19050">
+            <a:tailEnd type="triangle"/>
+          </a:ln>
+        </p:spPr>
+        <p:style>
+          <a:lnRef idx="1">
+            <a:schemeClr val="accent1"/>
+          </a:lnRef>
+          <a:fillRef idx="0">
+            <a:schemeClr val="accent1"/>
+          </a:fillRef>
+          <a:effectRef idx="0">
+            <a:schemeClr val="accent1"/>
+          </a:effectRef>
+          <a:fontRef idx="minor">
+            <a:schemeClr val="tx1"/>
+          </a:fontRef>
+        </p:style>
+      </p:cxnSp>
+      <p:cxnSp>
+        <p:nvCxnSpPr>
+          <p:cNvPr id="29" name="f kube-controller t keda">
+            <a:extLst>
+              <a:ext uri="{FF2B5EF4-FFF2-40B4-BE49-F238E27FC236}">
+                <a16:creationId xmlns:a16="http://schemas.microsoft.com/office/drawing/2014/main" id="{A80E60B8-C3DF-D246-95C0-FC7BFEAAB6E2}"/>
+              </a:ext>
+            </a:extLst>
+          </p:cNvPr>
+          <p:cNvCxnSpPr>
+            <a:cxnSpLocks/>
+          </p:cNvCxnSpPr>
+          <p:nvPr/>
+        </p:nvCxnSpPr>
+        <p:spPr>
+          <a:xfrm>
+            <a:off x="3569676" y="1798716"/>
+            <a:ext cx="0" cy="636753"/>
+          </a:xfrm>
+          <a:prstGeom prst="straightConnector1">
+            <a:avLst/>
+          </a:prstGeom>
+          <a:ln w="19050">
+            <a:tailEnd type="triangle"/>
+          </a:ln>
+        </p:spPr>
+        <p:style>
+          <a:lnRef idx="1">
+            <a:schemeClr val="accent1"/>
+          </a:lnRef>
+          <a:fillRef idx="0">
+            <a:schemeClr val="accent1"/>
+          </a:fillRef>
+          <a:effectRef idx="0">
+            <a:schemeClr val="accent1"/>
+          </a:effectRef>
+          <a:fontRef idx="minor">
+            <a:schemeClr val="tx1"/>
+          </a:fontRef>
+        </p:style>
+      </p:cxnSp>
+      <p:sp>
+        <p:nvSpPr>
+          <p:cNvPr id="33" name="text 1 to more">
+            <a:extLst>
+              <a:ext uri="{FF2B5EF4-FFF2-40B4-BE49-F238E27FC236}">
+                <a16:creationId xmlns:a16="http://schemas.microsoft.com/office/drawing/2014/main" id="{75B8D7EA-8044-7545-ACDC-6EE16C626637}"/>
+              </a:ext>
+            </a:extLst>
+          </p:cNvPr>
+          <p:cNvSpPr txBox="1"/>
+          <p:nvPr/>
+        </p:nvSpPr>
+        <p:spPr>
+          <a:xfrm>
+            <a:off x="2638040" y="1904692"/>
+            <a:ext cx="2049497" cy="338554"/>
+          </a:xfrm>
+          <a:prstGeom prst="rect">
+            <a:avLst/>
+          </a:prstGeom>
+          <a:noFill/>
+        </p:spPr>
+        <p:txBody>
+          <a:bodyPr wrap="square" rtlCol="0">
+            <a:spAutoFit/>
+          </a:bodyPr>
+          <a:lstStyle/>
+          <a:p>
+            <a:r>
+              <a:rPr lang="en-US" sz="1600" dirty="0"/>
+              <a:t>1 to more / more to 1</a:t>
             </a:r>
           </a:p>
         </p:txBody>
@@ -4889,7 +5069,7 @@
                             </p:stCondLst>
                             <p:childTnLst>
                               <p:par>
-                                <p:cTn id="40" presetID="10" presetClass="entr" presetSubtype="0" fill="hold" grpId="0" nodeType="clickEffect">
+                                <p:cTn id="40" presetID="10" presetClass="entr" presetSubtype="0" fill="hold" nodeType="clickEffect">
                                   <p:stCondLst>
                                     <p:cond delay="0"/>
                                   </p:stCondLst>
@@ -4897,6 +5077,121 @@
                                     <p:set>
                                       <p:cBhvr>
                                         <p:cTn id="41" dur="1" fill="hold">
+                                          <p:stCondLst>
+                                            <p:cond delay="0"/>
+                                          </p:stCondLst>
+                                        </p:cTn>
+                                        <p:tgtEl>
+                                          <p:spTgt spid="54"/>
+                                        </p:tgtEl>
+                                        <p:attrNameLst>
+                                          <p:attrName>style.visibility</p:attrName>
+                                        </p:attrNameLst>
+                                      </p:cBhvr>
+                                      <p:to>
+                                        <p:strVal val="visible"/>
+                                      </p:to>
+                                    </p:set>
+                                    <p:animEffect transition="in" filter="fade">
+                                      <p:cBhvr>
+                                        <p:cTn id="42" dur="500"/>
+                                        <p:tgtEl>
+                                          <p:spTgt spid="54"/>
+                                        </p:tgtEl>
+                                      </p:cBhvr>
+                                    </p:animEffect>
+                                  </p:childTnLst>
+                                </p:cTn>
+                              </p:par>
+                              <p:par>
+                                <p:cTn id="43" presetID="1" presetClass="exit" presetSubtype="0" fill="hold" nodeType="withEffect">
+                                  <p:stCondLst>
+                                    <p:cond delay="0"/>
+                                  </p:stCondLst>
+                                  <p:childTnLst>
+                                    <p:set>
+                                      <p:cBhvr>
+                                        <p:cTn id="44" dur="1" fill="hold">
+                                          <p:stCondLst>
+                                            <p:cond delay="0"/>
+                                          </p:stCondLst>
+                                        </p:cTn>
+                                        <p:tgtEl>
+                                          <p:spTgt spid="24"/>
+                                        </p:tgtEl>
+                                        <p:attrNameLst>
+                                          <p:attrName>style.visibility</p:attrName>
+                                        </p:attrNameLst>
+                                      </p:cBhvr>
+                                      <p:to>
+                                        <p:strVal val="hidden"/>
+                                      </p:to>
+                                    </p:set>
+                                  </p:childTnLst>
+                                </p:cTn>
+                              </p:par>
+                            </p:childTnLst>
+                          </p:cTn>
+                        </p:par>
+                      </p:childTnLst>
+                    </p:cTn>
+                  </p:par>
+                  <p:par>
+                    <p:cTn id="45" fill="hold">
+                      <p:stCondLst>
+                        <p:cond delay="indefinite"/>
+                      </p:stCondLst>
+                      <p:childTnLst>
+                        <p:par>
+                          <p:cTn id="46" fill="hold">
+                            <p:stCondLst>
+                              <p:cond delay="0"/>
+                            </p:stCondLst>
+                            <p:childTnLst>
+                              <p:par>
+                                <p:cTn id="47" presetID="10" presetClass="entr" presetSubtype="0" fill="hold" nodeType="clickEffect">
+                                  <p:stCondLst>
+                                    <p:cond delay="0"/>
+                                  </p:stCondLst>
+                                  <p:childTnLst>
+                                    <p:set>
+                                      <p:cBhvr>
+                                        <p:cTn id="48" dur="1" fill="hold">
+                                          <p:stCondLst>
+                                            <p:cond delay="0"/>
+                                          </p:stCondLst>
+                                        </p:cTn>
+                                        <p:tgtEl>
+                                          <p:spTgt spid="27"/>
+                                        </p:tgtEl>
+                                        <p:attrNameLst>
+                                          <p:attrName>style.visibility</p:attrName>
+                                        </p:attrNameLst>
+                                      </p:cBhvr>
+                                      <p:to>
+                                        <p:strVal val="visible"/>
+                                      </p:to>
+                                    </p:set>
+                                    <p:animEffect transition="in" filter="fade">
+                                      <p:cBhvr>
+                                        <p:cTn id="49" dur="500"/>
+                                        <p:tgtEl>
+                                          <p:spTgt spid="27"/>
+                                        </p:tgtEl>
+                                      </p:cBhvr>
+                                    </p:animEffect>
+                                  </p:childTnLst>
+                                </p:cTn>
+                              </p:par>
+                              <p:par>
+                                <p:cTn id="50" presetID="10" presetClass="entr" presetSubtype="0" fill="hold" grpId="0" nodeType="withEffect">
+                                  <p:stCondLst>
+                                    <p:cond delay="0"/>
+                                  </p:stCondLst>
+                                  <p:childTnLst>
+                                    <p:set>
+                                      <p:cBhvr>
+                                        <p:cTn id="51" dur="1" fill="hold">
                                           <p:stCondLst>
                                             <p:cond delay="0"/>
                                           </p:stCondLst>
@@ -4914,7 +5209,7 @@
                                     </p:set>
                                     <p:animEffect transition="in" filter="fade">
                                       <p:cBhvr>
-                                        <p:cTn id="42" dur="500"/>
+                                        <p:cTn id="52" dur="500"/>
                                         <p:tgtEl>
                                           <p:spTgt spid="30"/>
                                         </p:tgtEl>
@@ -4923,21 +5218,39 @@
                                   </p:childTnLst>
                                 </p:cTn>
                               </p:par>
+                            </p:childTnLst>
+                          </p:cTn>
+                        </p:par>
+                      </p:childTnLst>
+                    </p:cTn>
+                  </p:par>
+                  <p:par>
+                    <p:cTn id="53" fill="hold">
+                      <p:stCondLst>
+                        <p:cond delay="indefinite"/>
+                      </p:stCondLst>
+                      <p:childTnLst>
+                        <p:par>
+                          <p:cTn id="54" fill="hold">
+                            <p:stCondLst>
+                              <p:cond delay="0"/>
+                            </p:stCondLst>
+                            <p:childTnLst>
                               <p:par>
-                                <p:cTn id="43" presetID="10" presetClass="entr" presetSubtype="0" fill="hold" nodeType="withEffect">
+                                <p:cTn id="55" presetID="10" presetClass="entr" presetSubtype="0" fill="hold" nodeType="clickEffect">
                                   <p:stCondLst>
                                     <p:cond delay="0"/>
                                   </p:stCondLst>
                                   <p:childTnLst>
                                     <p:set>
                                       <p:cBhvr>
-                                        <p:cTn id="44" dur="1" fill="hold">
+                                        <p:cTn id="56" dur="1" fill="hold">
                                           <p:stCondLst>
                                             <p:cond delay="0"/>
                                           </p:stCondLst>
                                         </p:cTn>
                                         <p:tgtEl>
-                                          <p:spTgt spid="27"/>
+                                          <p:spTgt spid="20"/>
                                         </p:tgtEl>
                                         <p:attrNameLst>
                                           <p:attrName>style.visibility</p:attrName>
@@ -4949,9 +5262,115 @@
                                     </p:set>
                                     <p:animEffect transition="in" filter="fade">
                                       <p:cBhvr>
-                                        <p:cTn id="45" dur="500"/>
+                                        <p:cTn id="57" dur="500"/>
                                         <p:tgtEl>
-                                          <p:spTgt spid="27"/>
+                                          <p:spTgt spid="20"/>
+                                        </p:tgtEl>
+                                      </p:cBhvr>
+                                    </p:animEffect>
+                                  </p:childTnLst>
+                                </p:cTn>
+                              </p:par>
+                            </p:childTnLst>
+                          </p:cTn>
+                        </p:par>
+                      </p:childTnLst>
+                    </p:cTn>
+                  </p:par>
+                  <p:par>
+                    <p:cTn id="58" fill="hold">
+                      <p:stCondLst>
+                        <p:cond delay="indefinite"/>
+                      </p:stCondLst>
+                      <p:childTnLst>
+                        <p:par>
+                          <p:cTn id="59" fill="hold">
+                            <p:stCondLst>
+                              <p:cond delay="0"/>
+                            </p:stCondLst>
+                            <p:childTnLst>
+                              <p:par>
+                                <p:cTn id="60" presetID="10" presetClass="entr" presetSubtype="0" fill="hold" nodeType="clickEffect">
+                                  <p:stCondLst>
+                                    <p:cond delay="0"/>
+                                  </p:stCondLst>
+                                  <p:childTnLst>
+                                    <p:set>
+                                      <p:cBhvr>
+                                        <p:cTn id="61" dur="1" fill="hold">
+                                          <p:stCondLst>
+                                            <p:cond delay="0"/>
+                                          </p:stCondLst>
+                                        </p:cTn>
+                                        <p:tgtEl>
+                                          <p:spTgt spid="26"/>
+                                        </p:tgtEl>
+                                        <p:attrNameLst>
+                                          <p:attrName>style.visibility</p:attrName>
+                                        </p:attrNameLst>
+                                      </p:cBhvr>
+                                      <p:to>
+                                        <p:strVal val="visible"/>
+                                      </p:to>
+                                    </p:set>
+                                    <p:animEffect transition="in" filter="fade">
+                                      <p:cBhvr>
+                                        <p:cTn id="62" dur="500"/>
+                                        <p:tgtEl>
+                                          <p:spTgt spid="26"/>
+                                        </p:tgtEl>
+                                      </p:cBhvr>
+                                    </p:animEffect>
+                                  </p:childTnLst>
+                                </p:cTn>
+                              </p:par>
+                            </p:childTnLst>
+                          </p:cTn>
+                        </p:par>
+                      </p:childTnLst>
+                    </p:cTn>
+                  </p:par>
+                  <p:par>
+                    <p:cTn id="63" fill="hold">
+                      <p:stCondLst>
+                        <p:cond delay="indefinite"/>
+                      </p:stCondLst>
+                      <p:childTnLst>
+                        <p:par>
+                          <p:cTn id="64" fill="hold">
+                            <p:stCondLst>
+                              <p:cond delay="0"/>
+                            </p:stCondLst>
+                            <p:childTnLst>
+                              <p:par>
+                                <p:cTn id="65" presetID="10" presetClass="entr" presetSubtype="0" fill="hold" nodeType="clickEffect">
+                                  <p:stCondLst>
+                                    <p:cond delay="0"/>
+                                  </p:stCondLst>
+                                  <p:childTnLst>
+                                    <p:set>
+                                      <p:cBhvr>
+                                        <p:cTn id="66" dur="1" fill="hold">
+                                          <p:stCondLst>
+                                            <p:cond delay="0"/>
+                                          </p:stCondLst>
+                                        </p:cTn>
+                                        <p:tgtEl>
+                                          <p:spTgt spid="29"/>
+                                        </p:tgtEl>
+                                        <p:attrNameLst>
+                                          <p:attrName>style.visibility</p:attrName>
+                                        </p:attrNameLst>
+                                      </p:cBhvr>
+                                      <p:to>
+                                        <p:strVal val="visible"/>
+                                      </p:to>
+                                    </p:set>
+                                    <p:animEffect transition="in" filter="fade">
+                                      <p:cBhvr>
+                                        <p:cTn id="67" dur="500"/>
+                                        <p:tgtEl>
+                                          <p:spTgt spid="29"/>
                                         </p:tgtEl>
                                       </p:cBhvr>
                                     </p:animEffect>
@@ -4959,29 +5378,37 @@
                                 </p:cTn>
                               </p:par>
                               <p:par>
-                                <p:cTn id="46" presetID="1" presetClass="exit" presetSubtype="0" fill="hold" nodeType="withEffect">
+                                <p:cTn id="68" presetID="10" presetClass="entr" presetSubtype="0" fill="hold" grpId="0" nodeType="withEffect">
                                   <p:stCondLst>
                                     <p:cond delay="0"/>
                                   </p:stCondLst>
                                   <p:childTnLst>
                                     <p:set>
                                       <p:cBhvr>
-                                        <p:cTn id="47" dur="1" fill="hold">
+                                        <p:cTn id="69" dur="1" fill="hold">
                                           <p:stCondLst>
                                             <p:cond delay="0"/>
                                           </p:stCondLst>
                                         </p:cTn>
                                         <p:tgtEl>
-                                          <p:spTgt spid="24"/>
+                                          <p:spTgt spid="33"/>
                                         </p:tgtEl>
                                         <p:attrNameLst>
                                           <p:attrName>style.visibility</p:attrName>
                                         </p:attrNameLst>
                                       </p:cBhvr>
                                       <p:to>
-                                        <p:strVal val="hidden"/>
+                                        <p:strVal val="visible"/>
                                       </p:to>
                                     </p:set>
+                                    <p:animEffect transition="in" filter="fade">
+                                      <p:cBhvr>
+                                        <p:cTn id="70" dur="500"/>
+                                        <p:tgtEl>
+                                          <p:spTgt spid="33"/>
+                                        </p:tgtEl>
+                                      </p:cBhvr>
+                                    </p:animEffect>
                                   </p:childTnLst>
                                 </p:cTn>
                               </p:par>
@@ -5017,6 +5444,7 @@
       <p:bldP spid="10" grpId="0" animBg="1"/>
       <p:bldP spid="16" grpId="0" animBg="1"/>
       <p:bldP spid="30" grpId="0"/>
+      <p:bldP spid="33" grpId="0"/>
     </p:bldLst>
   </p:timing>
 </p:sld>

--- a/preso.pptx
+++ b/preso.pptx
@@ -7,10 +7,14 @@
   <p:sldIdLst>
     <p:sldId id="256" r:id="rId2"/>
     <p:sldId id="257" r:id="rId3"/>
-    <p:sldId id="258" r:id="rId4"/>
-    <p:sldId id="259" r:id="rId5"/>
-    <p:sldId id="261" r:id="rId6"/>
-    <p:sldId id="260" r:id="rId7"/>
+    <p:sldId id="262" r:id="rId4"/>
+    <p:sldId id="263" r:id="rId5"/>
+    <p:sldId id="258" r:id="rId6"/>
+    <p:sldId id="264" r:id="rId7"/>
+    <p:sldId id="259" r:id="rId8"/>
+    <p:sldId id="261" r:id="rId9"/>
+    <p:sldId id="260" r:id="rId10"/>
+    <p:sldId id="265" r:id="rId11"/>
   </p:sldIdLst>
   <p:sldSz cx="12192000" cy="6858000"/>
   <p:notesSz cx="6858000" cy="9144000"/>
@@ -266,7 +270,7 @@
           <a:p>
             <a:fld id="{7C747D7E-6B19-984E-90F5-E9EEF49EFB72}" type="datetimeFigureOut">
               <a:rPr lang="en-US" smtClean="0"/>
-              <a:t>7/19/20</a:t>
+              <a:t>7/20/20</a:t>
             </a:fld>
             <a:endParaRPr lang="en-US"/>
           </a:p>
@@ -466,7 +470,7 @@
           <a:p>
             <a:fld id="{7C747D7E-6B19-984E-90F5-E9EEF49EFB72}" type="datetimeFigureOut">
               <a:rPr lang="en-US" smtClean="0"/>
-              <a:t>7/19/20</a:t>
+              <a:t>7/20/20</a:t>
             </a:fld>
             <a:endParaRPr lang="en-US"/>
           </a:p>
@@ -676,7 +680,7 @@
           <a:p>
             <a:fld id="{7C747D7E-6B19-984E-90F5-E9EEF49EFB72}" type="datetimeFigureOut">
               <a:rPr lang="en-US" smtClean="0"/>
-              <a:t>7/19/20</a:t>
+              <a:t>7/20/20</a:t>
             </a:fld>
             <a:endParaRPr lang="en-US"/>
           </a:p>
@@ -876,7 +880,7 @@
           <a:p>
             <a:fld id="{7C747D7E-6B19-984E-90F5-E9EEF49EFB72}" type="datetimeFigureOut">
               <a:rPr lang="en-US" smtClean="0"/>
-              <a:t>7/19/20</a:t>
+              <a:t>7/20/20</a:t>
             </a:fld>
             <a:endParaRPr lang="en-US"/>
           </a:p>
@@ -1152,7 +1156,7 @@
           <a:p>
             <a:fld id="{7C747D7E-6B19-984E-90F5-E9EEF49EFB72}" type="datetimeFigureOut">
               <a:rPr lang="en-US" smtClean="0"/>
-              <a:t>7/19/20</a:t>
+              <a:t>7/20/20</a:t>
             </a:fld>
             <a:endParaRPr lang="en-US"/>
           </a:p>
@@ -1420,7 +1424,7 @@
           <a:p>
             <a:fld id="{7C747D7E-6B19-984E-90F5-E9EEF49EFB72}" type="datetimeFigureOut">
               <a:rPr lang="en-US" smtClean="0"/>
-              <a:t>7/19/20</a:t>
+              <a:t>7/20/20</a:t>
             </a:fld>
             <a:endParaRPr lang="en-US"/>
           </a:p>
@@ -1835,7 +1839,7 @@
           <a:p>
             <a:fld id="{7C747D7E-6B19-984E-90F5-E9EEF49EFB72}" type="datetimeFigureOut">
               <a:rPr lang="en-US" smtClean="0"/>
-              <a:t>7/19/20</a:t>
+              <a:t>7/20/20</a:t>
             </a:fld>
             <a:endParaRPr lang="en-US"/>
           </a:p>
@@ -1977,7 +1981,7 @@
           <a:p>
             <a:fld id="{7C747D7E-6B19-984E-90F5-E9EEF49EFB72}" type="datetimeFigureOut">
               <a:rPr lang="en-US" smtClean="0"/>
-              <a:t>7/19/20</a:t>
+              <a:t>7/20/20</a:t>
             </a:fld>
             <a:endParaRPr lang="en-US"/>
           </a:p>
@@ -2090,7 +2094,7 @@
           <a:p>
             <a:fld id="{7C747D7E-6B19-984E-90F5-E9EEF49EFB72}" type="datetimeFigureOut">
               <a:rPr lang="en-US" smtClean="0"/>
-              <a:t>7/19/20</a:t>
+              <a:t>7/20/20</a:t>
             </a:fld>
             <a:endParaRPr lang="en-US"/>
           </a:p>
@@ -2403,7 +2407,7 @@
           <a:p>
             <a:fld id="{7C747D7E-6B19-984E-90F5-E9EEF49EFB72}" type="datetimeFigureOut">
               <a:rPr lang="en-US" smtClean="0"/>
-              <a:t>7/19/20</a:t>
+              <a:t>7/20/20</a:t>
             </a:fld>
             <a:endParaRPr lang="en-US"/>
           </a:p>
@@ -2692,7 +2696,7 @@
           <a:p>
             <a:fld id="{7C747D7E-6B19-984E-90F5-E9EEF49EFB72}" type="datetimeFigureOut">
               <a:rPr lang="en-US" smtClean="0"/>
-              <a:t>7/19/20</a:t>
+              <a:t>7/20/20</a:t>
             </a:fld>
             <a:endParaRPr lang="en-US"/>
           </a:p>
@@ -2935,7 +2939,7 @@
           <a:p>
             <a:fld id="{7C747D7E-6B19-984E-90F5-E9EEF49EFB72}" type="datetimeFigureOut">
               <a:rPr lang="en-US" smtClean="0"/>
-              <a:t>7/19/20</a:t>
+              <a:t>7/20/20</a:t>
             </a:fld>
             <a:endParaRPr lang="en-US"/>
           </a:p>
@@ -3439,6 +3443,1823 @@
 </p:sld>
 </file>
 
+<file path=ppt/slides/slide10.xml><?xml version="1.0" encoding="utf-8"?>
+<p:sld xmlns:a="http://schemas.openxmlformats.org/drawingml/2006/main" xmlns:r="http://schemas.openxmlformats.org/officeDocument/2006/relationships" xmlns:p="http://schemas.openxmlformats.org/presentationml/2006/main">
+  <p:cSld>
+    <p:spTree>
+      <p:nvGrpSpPr>
+        <p:cNvPr id="1" name=""/>
+        <p:cNvGrpSpPr/>
+        <p:nvPr/>
+      </p:nvGrpSpPr>
+      <p:grpSpPr>
+        <a:xfrm>
+          <a:off x="0" y="0"/>
+          <a:ext cx="0" cy="0"/>
+          <a:chOff x="0" y="0"/>
+          <a:chExt cx="0" cy="0"/>
+        </a:xfrm>
+      </p:grpSpPr>
+      <p:cxnSp>
+        <p:nvCxnSpPr>
+          <p:cNvPr id="54" name="f keda t myscaler">
+            <a:extLst>
+              <a:ext uri="{FF2B5EF4-FFF2-40B4-BE49-F238E27FC236}">
+                <a16:creationId xmlns:a16="http://schemas.microsoft.com/office/drawing/2014/main" id="{F7E50F71-C4E2-1D4B-8374-2E7427CFF4F5}"/>
+              </a:ext>
+            </a:extLst>
+          </p:cNvPr>
+          <p:cNvCxnSpPr>
+            <a:cxnSpLocks/>
+          </p:cNvCxnSpPr>
+          <p:nvPr/>
+        </p:nvCxnSpPr>
+        <p:spPr>
+          <a:xfrm flipV="1">
+            <a:off x="7459106" y="1765025"/>
+            <a:ext cx="0" cy="744804"/>
+          </a:xfrm>
+          <a:prstGeom prst="straightConnector1">
+            <a:avLst/>
+          </a:prstGeom>
+          <a:ln w="19050">
+            <a:tailEnd type="triangle"/>
+          </a:ln>
+        </p:spPr>
+        <p:style>
+          <a:lnRef idx="1">
+            <a:schemeClr val="accent1"/>
+          </a:lnRef>
+          <a:fillRef idx="0">
+            <a:schemeClr val="accent1"/>
+          </a:fillRef>
+          <a:effectRef idx="0">
+            <a:schemeClr val="accent1"/>
+          </a:effectRef>
+          <a:fontRef idx="minor">
+            <a:schemeClr val="tx1"/>
+          </a:fontRef>
+        </p:style>
+      </p:cxnSp>
+      <p:sp>
+        <p:nvSpPr>
+          <p:cNvPr id="4" name="K8s cluster">
+            <a:extLst>
+              <a:ext uri="{FF2B5EF4-FFF2-40B4-BE49-F238E27FC236}">
+                <a16:creationId xmlns:a16="http://schemas.microsoft.com/office/drawing/2014/main" id="{831A18A1-1E23-7A4C-B645-2373E8D3BFE7}"/>
+              </a:ext>
+            </a:extLst>
+          </p:cNvPr>
+          <p:cNvSpPr/>
+          <p:nvPr/>
+        </p:nvSpPr>
+        <p:spPr>
+          <a:xfrm>
+            <a:off x="331694" y="313765"/>
+            <a:ext cx="9088970" cy="6194611"/>
+          </a:xfrm>
+          <a:prstGeom prst="rect">
+            <a:avLst/>
+          </a:prstGeom>
+          <a:noFill/>
+          <a:ln w="38100"/>
+        </p:spPr>
+        <p:style>
+          <a:lnRef idx="2">
+            <a:schemeClr val="accent1">
+              <a:shade val="50000"/>
+            </a:schemeClr>
+          </a:lnRef>
+          <a:fillRef idx="1">
+            <a:schemeClr val="accent1"/>
+          </a:fillRef>
+          <a:effectRef idx="0">
+            <a:schemeClr val="accent1"/>
+          </a:effectRef>
+          <a:fontRef idx="minor">
+            <a:schemeClr val="lt1"/>
+          </a:fontRef>
+        </p:style>
+        <p:txBody>
+          <a:bodyPr rtlCol="0" anchor="ctr"/>
+          <a:lstStyle/>
+          <a:p>
+            <a:pPr algn="ctr"/>
+            <a:endParaRPr lang="en-US"/>
+          </a:p>
+        </p:txBody>
+      </p:sp>
+      <p:sp>
+        <p:nvSpPr>
+          <p:cNvPr id="9" name="Target">
+            <a:extLst>
+              <a:ext uri="{FF2B5EF4-FFF2-40B4-BE49-F238E27FC236}">
+                <a16:creationId xmlns:a16="http://schemas.microsoft.com/office/drawing/2014/main" id="{F3274F57-36FD-354F-8767-4F02319800B1}"/>
+              </a:ext>
+            </a:extLst>
+          </p:cNvPr>
+          <p:cNvSpPr/>
+          <p:nvPr/>
+        </p:nvSpPr>
+        <p:spPr>
+          <a:xfrm>
+            <a:off x="3146722" y="2540660"/>
+            <a:ext cx="880217" cy="666571"/>
+          </a:xfrm>
+          <a:prstGeom prst="rect">
+            <a:avLst/>
+          </a:prstGeom>
+        </p:spPr>
+        <p:style>
+          <a:lnRef idx="2">
+            <a:schemeClr val="accent6">
+              <a:shade val="50000"/>
+            </a:schemeClr>
+          </a:lnRef>
+          <a:fillRef idx="1">
+            <a:schemeClr val="accent6"/>
+          </a:fillRef>
+          <a:effectRef idx="0">
+            <a:schemeClr val="accent6"/>
+          </a:effectRef>
+          <a:fontRef idx="minor">
+            <a:schemeClr val="lt1"/>
+          </a:fontRef>
+        </p:style>
+        <p:txBody>
+          <a:bodyPr rtlCol="0" anchor="ctr"/>
+          <a:lstStyle/>
+          <a:p>
+            <a:pPr algn="ctr"/>
+            <a:r>
+              <a:rPr lang="en-US" dirty="0"/>
+              <a:t>Target</a:t>
+            </a:r>
+          </a:p>
+        </p:txBody>
+      </p:sp>
+      <p:sp>
+        <p:nvSpPr>
+          <p:cNvPr id="10" name="ScaledObject">
+            <a:extLst>
+              <a:ext uri="{FF2B5EF4-FFF2-40B4-BE49-F238E27FC236}">
+                <a16:creationId xmlns:a16="http://schemas.microsoft.com/office/drawing/2014/main" id="{2A7FA6F1-4E2E-7E43-92D1-7F65E9E18730}"/>
+              </a:ext>
+            </a:extLst>
+          </p:cNvPr>
+          <p:cNvSpPr/>
+          <p:nvPr/>
+        </p:nvSpPr>
+        <p:spPr>
+          <a:xfrm>
+            <a:off x="2917147" y="4559148"/>
+            <a:ext cx="1196411" cy="1158626"/>
+          </a:xfrm>
+          <a:prstGeom prst="ellipse">
+            <a:avLst/>
+          </a:prstGeom>
+        </p:spPr>
+        <p:style>
+          <a:lnRef idx="2">
+            <a:schemeClr val="accent2">
+              <a:shade val="50000"/>
+            </a:schemeClr>
+          </a:lnRef>
+          <a:fillRef idx="1">
+            <a:schemeClr val="accent2"/>
+          </a:fillRef>
+          <a:effectRef idx="0">
+            <a:schemeClr val="accent2"/>
+          </a:effectRef>
+          <a:fontRef idx="minor">
+            <a:schemeClr val="lt1"/>
+          </a:fontRef>
+        </p:style>
+        <p:txBody>
+          <a:bodyPr rtlCol="0" anchor="ctr" anchorCtr="1"/>
+          <a:lstStyle/>
+          <a:p>
+            <a:pPr algn="ctr"/>
+            <a:r>
+              <a:rPr lang="en-US"/>
+              <a:t>ScaledObject</a:t>
+            </a:r>
+            <a:endParaRPr lang="en-US" dirty="0"/>
+          </a:p>
+        </p:txBody>
+      </p:sp>
+      <p:pic>
+        <p:nvPicPr>
+          <p:cNvPr id="12" name="K8s logo" descr="Kubernetes - Wikipedia">
+            <a:extLst>
+              <a:ext uri="{FF2B5EF4-FFF2-40B4-BE49-F238E27FC236}">
+                <a16:creationId xmlns:a16="http://schemas.microsoft.com/office/drawing/2014/main" id="{3887F463-ACD4-1346-B765-EFF06E10AFE3}"/>
+              </a:ext>
+            </a:extLst>
+          </p:cNvPr>
+          <p:cNvPicPr>
+            <a:picLocks noChangeAspect="1" noChangeArrowheads="1"/>
+          </p:cNvPicPr>
+          <p:nvPr/>
+        </p:nvPicPr>
+        <p:blipFill>
+          <a:blip r:embed="rId2">
+            <a:extLst>
+              <a:ext uri="{28A0092B-C50C-407E-A947-70E740481C1C}">
+                <a14:useLocalDpi xmlns:a14="http://schemas.microsoft.com/office/drawing/2010/main" val="0"/>
+              </a:ext>
+            </a:extLst>
+          </a:blip>
+          <a:srcRect/>
+          <a:stretch>
+            <a:fillRect/>
+          </a:stretch>
+        </p:blipFill>
+        <p:spPr bwMode="auto">
+          <a:xfrm>
+            <a:off x="8778165" y="342899"/>
+            <a:ext cx="535159" cy="519525"/>
+          </a:xfrm>
+          <a:prstGeom prst="rect">
+            <a:avLst/>
+          </a:prstGeom>
+          <a:noFill/>
+          <a:extLst>
+            <a:ext uri="{909E8E84-426E-40DD-AFC4-6F175D3DCCD1}">
+              <a14:hiddenFill xmlns:a14="http://schemas.microsoft.com/office/drawing/2010/main">
+                <a:solidFill>
+                  <a:srgbClr val="FFFFFF"/>
+                </a:solidFill>
+              </a14:hiddenFill>
+            </a:ext>
+          </a:extLst>
+        </p:spPr>
+      </p:pic>
+      <p:sp>
+        <p:nvSpPr>
+          <p:cNvPr id="7" name="KEDA operator">
+            <a:extLst>
+              <a:ext uri="{FF2B5EF4-FFF2-40B4-BE49-F238E27FC236}">
+                <a16:creationId xmlns:a16="http://schemas.microsoft.com/office/drawing/2014/main" id="{3011F17D-3568-A14B-AEF5-7FC060455641}"/>
+              </a:ext>
+            </a:extLst>
+          </p:cNvPr>
+          <p:cNvSpPr/>
+          <p:nvPr/>
+        </p:nvSpPr>
+        <p:spPr>
+          <a:xfrm>
+            <a:off x="6870361" y="2582713"/>
+            <a:ext cx="1196411" cy="1330267"/>
+          </a:xfrm>
+          <a:prstGeom prst="rect">
+            <a:avLst/>
+          </a:prstGeom>
+        </p:spPr>
+        <p:style>
+          <a:lnRef idx="2">
+            <a:schemeClr val="accent2">
+              <a:shade val="50000"/>
+            </a:schemeClr>
+          </a:lnRef>
+          <a:fillRef idx="1">
+            <a:schemeClr val="accent2"/>
+          </a:fillRef>
+          <a:effectRef idx="0">
+            <a:schemeClr val="accent2"/>
+          </a:effectRef>
+          <a:fontRef idx="minor">
+            <a:schemeClr val="lt1"/>
+          </a:fontRef>
+        </p:style>
+        <p:txBody>
+          <a:bodyPr rtlCol="0" anchor="ctr" anchorCtr="1"/>
+          <a:lstStyle/>
+          <a:p>
+            <a:pPr algn="ctr"/>
+            <a:endParaRPr lang="en-US" dirty="0"/>
+          </a:p>
+        </p:txBody>
+      </p:sp>
+      <p:pic>
+        <p:nvPicPr>
+          <p:cNvPr id="13" name="KEDA logo">
+            <a:extLst>
+              <a:ext uri="{FF2B5EF4-FFF2-40B4-BE49-F238E27FC236}">
+                <a16:creationId xmlns:a16="http://schemas.microsoft.com/office/drawing/2014/main" id="{F26A7939-E93E-BA49-9C24-1A261D50F337}"/>
+              </a:ext>
+            </a:extLst>
+          </p:cNvPr>
+          <p:cNvPicPr>
+            <a:picLocks noChangeAspect="1" noChangeArrowheads="1"/>
+          </p:cNvPicPr>
+          <p:nvPr/>
+        </p:nvPicPr>
+        <p:blipFill>
+          <a:blip r:embed="rId3">
+            <a:extLst>
+              <a:ext uri="{28A0092B-C50C-407E-A947-70E740481C1C}">
+                <a14:useLocalDpi xmlns:a14="http://schemas.microsoft.com/office/drawing/2010/main" val="0"/>
+              </a:ext>
+            </a:extLst>
+          </a:blip>
+          <a:srcRect/>
+          <a:stretch>
+            <a:fillRect/>
+          </a:stretch>
+        </p:blipFill>
+        <p:spPr bwMode="auto">
+          <a:xfrm>
+            <a:off x="7090002" y="3022821"/>
+            <a:ext cx="757131" cy="295017"/>
+          </a:xfrm>
+          <a:prstGeom prst="rect">
+            <a:avLst/>
+          </a:prstGeom>
+          <a:noFill/>
+          <a:extLst>
+            <a:ext uri="{909E8E84-426E-40DD-AFC4-6F175D3DCCD1}">
+              <a14:hiddenFill xmlns:a14="http://schemas.microsoft.com/office/drawing/2010/main">
+                <a:solidFill>
+                  <a:srgbClr val="FFFFFF"/>
+                </a:solidFill>
+              </a14:hiddenFill>
+            </a:ext>
+          </a:extLst>
+        </p:spPr>
+      </p:pic>
+      <p:sp>
+        <p:nvSpPr>
+          <p:cNvPr id="14" name="Text Operator">
+            <a:extLst>
+              <a:ext uri="{FF2B5EF4-FFF2-40B4-BE49-F238E27FC236}">
+                <a16:creationId xmlns:a16="http://schemas.microsoft.com/office/drawing/2014/main" id="{CE8879E2-085A-4942-A33C-01270229D3F5}"/>
+              </a:ext>
+            </a:extLst>
+          </p:cNvPr>
+          <p:cNvSpPr txBox="1"/>
+          <p:nvPr/>
+        </p:nvSpPr>
+        <p:spPr>
+          <a:xfrm>
+            <a:off x="6951181" y="3277332"/>
+            <a:ext cx="1034770" cy="369332"/>
+          </a:xfrm>
+          <a:prstGeom prst="rect">
+            <a:avLst/>
+          </a:prstGeom>
+          <a:noFill/>
+        </p:spPr>
+        <p:txBody>
+          <a:bodyPr wrap="none" rtlCol="0">
+            <a:spAutoFit/>
+          </a:bodyPr>
+          <a:lstStyle/>
+          <a:p>
+            <a:r>
+              <a:rPr lang="en-US" dirty="0">
+                <a:solidFill>
+                  <a:schemeClr val="bg1"/>
+                </a:solidFill>
+              </a:rPr>
+              <a:t>Operator</a:t>
+            </a:r>
+          </a:p>
+        </p:txBody>
+      </p:sp>
+      <p:sp>
+        <p:nvSpPr>
+          <p:cNvPr id="16" name="hpa">
+            <a:extLst>
+              <a:ext uri="{FF2B5EF4-FFF2-40B4-BE49-F238E27FC236}">
+                <a16:creationId xmlns:a16="http://schemas.microsoft.com/office/drawing/2014/main" id="{B3BA1375-15CB-AA4E-93F5-EC9DDE8B0A99}"/>
+              </a:ext>
+            </a:extLst>
+          </p:cNvPr>
+          <p:cNvSpPr/>
+          <p:nvPr/>
+        </p:nvSpPr>
+        <p:spPr>
+          <a:xfrm>
+            <a:off x="926997" y="2846450"/>
+            <a:ext cx="864188" cy="843811"/>
+          </a:xfrm>
+          <a:prstGeom prst="ellipse">
+            <a:avLst/>
+          </a:prstGeom>
+          <a:solidFill>
+            <a:srgbClr val="316AE1"/>
+          </a:solidFill>
+        </p:spPr>
+        <p:style>
+          <a:lnRef idx="2">
+            <a:schemeClr val="accent1">
+              <a:shade val="50000"/>
+            </a:schemeClr>
+          </a:lnRef>
+          <a:fillRef idx="1">
+            <a:schemeClr val="accent1"/>
+          </a:fillRef>
+          <a:effectRef idx="0">
+            <a:schemeClr val="accent1"/>
+          </a:effectRef>
+          <a:fontRef idx="minor">
+            <a:schemeClr val="lt1"/>
+          </a:fontRef>
+        </p:style>
+        <p:txBody>
+          <a:bodyPr rtlCol="0" anchor="ctr"/>
+          <a:lstStyle/>
+          <a:p>
+            <a:pPr algn="ctr"/>
+            <a:r>
+              <a:rPr lang="en-US" dirty="0"/>
+              <a:t>HPA</a:t>
+            </a:r>
+          </a:p>
+        </p:txBody>
+      </p:sp>
+      <p:sp>
+        <p:nvSpPr>
+          <p:cNvPr id="17" name="Kube Controller">
+            <a:extLst>
+              <a:ext uri="{FF2B5EF4-FFF2-40B4-BE49-F238E27FC236}">
+                <a16:creationId xmlns:a16="http://schemas.microsoft.com/office/drawing/2014/main" id="{D84E5641-BF98-E24B-8255-81666D6EA61E}"/>
+              </a:ext>
+            </a:extLst>
+          </p:cNvPr>
+          <p:cNvSpPr/>
+          <p:nvPr/>
+        </p:nvSpPr>
+        <p:spPr>
+          <a:xfrm>
+            <a:off x="2917147" y="869149"/>
+            <a:ext cx="1304871" cy="850391"/>
+          </a:xfrm>
+          <a:prstGeom prst="rect">
+            <a:avLst/>
+          </a:prstGeom>
+          <a:solidFill>
+            <a:srgbClr val="316AE1"/>
+          </a:solidFill>
+        </p:spPr>
+        <p:style>
+          <a:lnRef idx="2">
+            <a:schemeClr val="accent1">
+              <a:shade val="50000"/>
+            </a:schemeClr>
+          </a:lnRef>
+          <a:fillRef idx="1">
+            <a:schemeClr val="accent1"/>
+          </a:fillRef>
+          <a:effectRef idx="0">
+            <a:schemeClr val="accent1"/>
+          </a:effectRef>
+          <a:fontRef idx="minor">
+            <a:schemeClr val="lt1"/>
+          </a:fontRef>
+        </p:style>
+        <p:txBody>
+          <a:bodyPr rtlCol="0" anchor="ctr"/>
+          <a:lstStyle/>
+          <a:p>
+            <a:pPr algn="ctr"/>
+            <a:r>
+              <a:rPr lang="en-US" dirty="0"/>
+              <a:t>Kubernetes Controllers</a:t>
+            </a:r>
+          </a:p>
+        </p:txBody>
+      </p:sp>
+      <p:pic>
+        <p:nvPicPr>
+          <p:cNvPr id="3" name="kubectl" descr="Captain">
+            <a:extLst>
+              <a:ext uri="{FF2B5EF4-FFF2-40B4-BE49-F238E27FC236}">
+                <a16:creationId xmlns:a16="http://schemas.microsoft.com/office/drawing/2014/main" id="{A49EA59F-653C-1A46-879F-81E0DDE5BF50}"/>
+              </a:ext>
+            </a:extLst>
+          </p:cNvPr>
+          <p:cNvPicPr>
+            <a:picLocks noChangeAspect="1"/>
+          </p:cNvPicPr>
+          <p:nvPr/>
+        </p:nvPicPr>
+        <p:blipFill>
+          <a:blip r:embed="rId4">
+            <a:extLst>
+              <a:ext uri="{96DAC541-7B7A-43D3-8B79-37D633B846F1}">
+                <asvg:svgBlip xmlns:asvg="http://schemas.microsoft.com/office/drawing/2016/SVG/main" r:embed="rId5"/>
+              </a:ext>
+            </a:extLst>
+          </a:blip>
+          <a:stretch>
+            <a:fillRect/>
+          </a:stretch>
+        </p:blipFill>
+        <p:spPr>
+          <a:xfrm>
+            <a:off x="9877864" y="4794496"/>
+            <a:ext cx="914400" cy="914400"/>
+          </a:xfrm>
+          <a:prstGeom prst="rect">
+            <a:avLst/>
+          </a:prstGeom>
+        </p:spPr>
+      </p:pic>
+      <p:cxnSp>
+        <p:nvCxnSpPr>
+          <p:cNvPr id="6" name="f kubectl t target" descr="Create Target">
+            <a:extLst>
+              <a:ext uri="{FF2B5EF4-FFF2-40B4-BE49-F238E27FC236}">
+                <a16:creationId xmlns:a16="http://schemas.microsoft.com/office/drawing/2014/main" id="{6BFBE3E5-A16E-BE49-82A0-1F8B2BA31DEA}"/>
+              </a:ext>
+            </a:extLst>
+          </p:cNvPr>
+          <p:cNvCxnSpPr>
+            <a:cxnSpLocks/>
+          </p:cNvCxnSpPr>
+          <p:nvPr/>
+        </p:nvCxnSpPr>
+        <p:spPr>
+          <a:xfrm flipH="1" flipV="1">
+            <a:off x="4113559" y="3165920"/>
+            <a:ext cx="5667898" cy="1734166"/>
+          </a:xfrm>
+          <a:prstGeom prst="straightConnector1">
+            <a:avLst/>
+          </a:prstGeom>
+          <a:ln w="19050">
+            <a:tailEnd type="triangle"/>
+          </a:ln>
+        </p:spPr>
+        <p:style>
+          <a:lnRef idx="1">
+            <a:schemeClr val="accent1"/>
+          </a:lnRef>
+          <a:fillRef idx="0">
+            <a:schemeClr val="accent1"/>
+          </a:fillRef>
+          <a:effectRef idx="0">
+            <a:schemeClr val="accent1"/>
+          </a:effectRef>
+          <a:fontRef idx="minor">
+            <a:schemeClr val="tx1"/>
+          </a:fontRef>
+        </p:style>
+      </p:cxnSp>
+      <p:cxnSp>
+        <p:nvCxnSpPr>
+          <p:cNvPr id="18" name="f kubectl t scaledobject">
+            <a:extLst>
+              <a:ext uri="{FF2B5EF4-FFF2-40B4-BE49-F238E27FC236}">
+                <a16:creationId xmlns:a16="http://schemas.microsoft.com/office/drawing/2014/main" id="{E34D6ADF-6B85-F44C-AD6C-9B0D993ED174}"/>
+              </a:ext>
+            </a:extLst>
+          </p:cNvPr>
+          <p:cNvCxnSpPr>
+            <a:cxnSpLocks/>
+          </p:cNvCxnSpPr>
+          <p:nvPr/>
+        </p:nvCxnSpPr>
+        <p:spPr>
+          <a:xfrm flipH="1" flipV="1">
+            <a:off x="4113560" y="5235996"/>
+            <a:ext cx="5556651" cy="15700"/>
+          </a:xfrm>
+          <a:prstGeom prst="straightConnector1">
+            <a:avLst/>
+          </a:prstGeom>
+          <a:ln w="19050">
+            <a:tailEnd type="triangle"/>
+          </a:ln>
+        </p:spPr>
+        <p:style>
+          <a:lnRef idx="1">
+            <a:schemeClr val="accent1"/>
+          </a:lnRef>
+          <a:fillRef idx="0">
+            <a:schemeClr val="accent1"/>
+          </a:fillRef>
+          <a:effectRef idx="0">
+            <a:schemeClr val="accent1"/>
+          </a:effectRef>
+          <a:fontRef idx="minor">
+            <a:schemeClr val="tx1"/>
+          </a:fontRef>
+        </p:style>
+      </p:cxnSp>
+      <p:cxnSp>
+        <p:nvCxnSpPr>
+          <p:cNvPr id="19" name="f keda t scaledobject">
+            <a:extLst>
+              <a:ext uri="{FF2B5EF4-FFF2-40B4-BE49-F238E27FC236}">
+                <a16:creationId xmlns:a16="http://schemas.microsoft.com/office/drawing/2014/main" id="{78571CD0-531B-1046-8FC5-9D4B9973C12E}"/>
+              </a:ext>
+            </a:extLst>
+          </p:cNvPr>
+          <p:cNvCxnSpPr>
+            <a:cxnSpLocks/>
+          </p:cNvCxnSpPr>
+          <p:nvPr/>
+        </p:nvCxnSpPr>
+        <p:spPr>
+          <a:xfrm flipH="1">
+            <a:off x="4113558" y="3673088"/>
+            <a:ext cx="2585453" cy="1121408"/>
+          </a:xfrm>
+          <a:prstGeom prst="straightConnector1">
+            <a:avLst/>
+          </a:prstGeom>
+          <a:ln w="19050">
+            <a:tailEnd type="triangle"/>
+          </a:ln>
+        </p:spPr>
+        <p:style>
+          <a:lnRef idx="1">
+            <a:schemeClr val="accent1"/>
+          </a:lnRef>
+          <a:fillRef idx="0">
+            <a:schemeClr val="accent1"/>
+          </a:fillRef>
+          <a:effectRef idx="0">
+            <a:schemeClr val="accent1"/>
+          </a:effectRef>
+          <a:fontRef idx="minor">
+            <a:schemeClr val="tx1"/>
+          </a:fontRef>
+        </p:style>
+      </p:cxnSp>
+      <p:cxnSp>
+        <p:nvCxnSpPr>
+          <p:cNvPr id="24" name="f keda t hpa">
+            <a:extLst>
+              <a:ext uri="{FF2B5EF4-FFF2-40B4-BE49-F238E27FC236}">
+                <a16:creationId xmlns:a16="http://schemas.microsoft.com/office/drawing/2014/main" id="{29C1B618-ED74-DA4E-910B-4A831D319BA0}"/>
+              </a:ext>
+            </a:extLst>
+          </p:cNvPr>
+          <p:cNvCxnSpPr>
+            <a:cxnSpLocks/>
+          </p:cNvCxnSpPr>
+          <p:nvPr/>
+        </p:nvCxnSpPr>
+        <p:spPr>
+          <a:xfrm flipH="1" flipV="1">
+            <a:off x="1872005" y="3501273"/>
+            <a:ext cx="4827006" cy="3372"/>
+          </a:xfrm>
+          <a:prstGeom prst="straightConnector1">
+            <a:avLst/>
+          </a:prstGeom>
+          <a:ln w="19050">
+            <a:tailEnd type="triangle"/>
+          </a:ln>
+        </p:spPr>
+        <p:style>
+          <a:lnRef idx="1">
+            <a:schemeClr val="accent1"/>
+          </a:lnRef>
+          <a:fillRef idx="0">
+            <a:schemeClr val="accent1"/>
+          </a:fillRef>
+          <a:effectRef idx="0">
+            <a:schemeClr val="accent1"/>
+          </a:effectRef>
+          <a:fontRef idx="minor">
+            <a:schemeClr val="tx1"/>
+          </a:fontRef>
+        </p:style>
+      </p:cxnSp>
+      <p:cxnSp>
+        <p:nvCxnSpPr>
+          <p:cNvPr id="27" name="f keda t target">
+            <a:extLst>
+              <a:ext uri="{FF2B5EF4-FFF2-40B4-BE49-F238E27FC236}">
+                <a16:creationId xmlns:a16="http://schemas.microsoft.com/office/drawing/2014/main" id="{73037384-DF63-5A4E-9025-3897A31BD834}"/>
+              </a:ext>
+            </a:extLst>
+          </p:cNvPr>
+          <p:cNvCxnSpPr>
+            <a:cxnSpLocks/>
+          </p:cNvCxnSpPr>
+          <p:nvPr/>
+        </p:nvCxnSpPr>
+        <p:spPr>
+          <a:xfrm flipH="1">
+            <a:off x="4113558" y="3046711"/>
+            <a:ext cx="2585453" cy="0"/>
+          </a:xfrm>
+          <a:prstGeom prst="straightConnector1">
+            <a:avLst/>
+          </a:prstGeom>
+          <a:ln w="19050">
+            <a:tailEnd type="triangle"/>
+          </a:ln>
+        </p:spPr>
+        <p:style>
+          <a:lnRef idx="1">
+            <a:schemeClr val="accent1"/>
+          </a:lnRef>
+          <a:fillRef idx="0">
+            <a:schemeClr val="accent1"/>
+          </a:fillRef>
+          <a:effectRef idx="0">
+            <a:schemeClr val="accent1"/>
+          </a:effectRef>
+          <a:fontRef idx="minor">
+            <a:schemeClr val="tx1"/>
+          </a:fontRef>
+        </p:style>
+      </p:cxnSp>
+      <p:sp>
+        <p:nvSpPr>
+          <p:cNvPr id="30" name="TextBox 29">
+            <a:extLst>
+              <a:ext uri="{FF2B5EF4-FFF2-40B4-BE49-F238E27FC236}">
+                <a16:creationId xmlns:a16="http://schemas.microsoft.com/office/drawing/2014/main" id="{14BB70D9-01DF-CF48-BA08-44281E757484}"/>
+              </a:ext>
+            </a:extLst>
+          </p:cNvPr>
+          <p:cNvSpPr txBox="1"/>
+          <p:nvPr/>
+        </p:nvSpPr>
+        <p:spPr>
+          <a:xfrm>
+            <a:off x="4484078" y="2762128"/>
+            <a:ext cx="1504284" cy="338554"/>
+          </a:xfrm>
+          <a:prstGeom prst="rect">
+            <a:avLst/>
+          </a:prstGeom>
+          <a:noFill/>
+        </p:spPr>
+        <p:txBody>
+          <a:bodyPr wrap="square" rtlCol="0">
+            <a:spAutoFit/>
+          </a:bodyPr>
+          <a:lstStyle/>
+          <a:p>
+            <a:r>
+              <a:rPr lang="en-US" sz="1600" dirty="0"/>
+              <a:t>0 to 1 / 1 to 0</a:t>
+            </a:r>
+          </a:p>
+        </p:txBody>
+      </p:sp>
+      <p:cxnSp>
+        <p:nvCxnSpPr>
+          <p:cNvPr id="20" name="f kube-controller t hpa">
+            <a:extLst>
+              <a:ext uri="{FF2B5EF4-FFF2-40B4-BE49-F238E27FC236}">
+                <a16:creationId xmlns:a16="http://schemas.microsoft.com/office/drawing/2014/main" id="{AE957F92-9FE3-924F-8D2E-6A36988151CC}"/>
+              </a:ext>
+            </a:extLst>
+          </p:cNvPr>
+          <p:cNvCxnSpPr>
+            <a:cxnSpLocks/>
+          </p:cNvCxnSpPr>
+          <p:nvPr/>
+        </p:nvCxnSpPr>
+        <p:spPr>
+          <a:xfrm flipH="1">
+            <a:off x="1649339" y="1598064"/>
+            <a:ext cx="1136590" cy="1164064"/>
+          </a:xfrm>
+          <a:prstGeom prst="straightConnector1">
+            <a:avLst/>
+          </a:prstGeom>
+          <a:ln w="19050">
+            <a:tailEnd type="triangle"/>
+          </a:ln>
+        </p:spPr>
+        <p:style>
+          <a:lnRef idx="1">
+            <a:schemeClr val="accent1"/>
+          </a:lnRef>
+          <a:fillRef idx="0">
+            <a:schemeClr val="accent1"/>
+          </a:fillRef>
+          <a:effectRef idx="0">
+            <a:schemeClr val="accent1"/>
+          </a:effectRef>
+          <a:fontRef idx="minor">
+            <a:schemeClr val="tx1"/>
+          </a:fontRef>
+        </p:style>
+      </p:cxnSp>
+      <p:cxnSp>
+        <p:nvCxnSpPr>
+          <p:cNvPr id="26" name="f kube-controller t keda">
+            <a:extLst>
+              <a:ext uri="{FF2B5EF4-FFF2-40B4-BE49-F238E27FC236}">
+                <a16:creationId xmlns:a16="http://schemas.microsoft.com/office/drawing/2014/main" id="{D7A96EEA-1FB1-EA42-9B9E-A77AB18ADDBB}"/>
+              </a:ext>
+            </a:extLst>
+          </p:cNvPr>
+          <p:cNvCxnSpPr>
+            <a:cxnSpLocks/>
+          </p:cNvCxnSpPr>
+          <p:nvPr/>
+        </p:nvCxnSpPr>
+        <p:spPr>
+          <a:xfrm>
+            <a:off x="4317023" y="1490472"/>
+            <a:ext cx="1846033" cy="944997"/>
+          </a:xfrm>
+          <a:prstGeom prst="straightConnector1">
+            <a:avLst/>
+          </a:prstGeom>
+          <a:ln w="19050">
+            <a:tailEnd type="triangle"/>
+          </a:ln>
+        </p:spPr>
+        <p:style>
+          <a:lnRef idx="1">
+            <a:schemeClr val="accent1"/>
+          </a:lnRef>
+          <a:fillRef idx="0">
+            <a:schemeClr val="accent1"/>
+          </a:fillRef>
+          <a:effectRef idx="0">
+            <a:schemeClr val="accent1"/>
+          </a:effectRef>
+          <a:fontRef idx="minor">
+            <a:schemeClr val="tx1"/>
+          </a:fontRef>
+        </p:style>
+      </p:cxnSp>
+      <p:cxnSp>
+        <p:nvCxnSpPr>
+          <p:cNvPr id="29" name="f kube-controller t keda">
+            <a:extLst>
+              <a:ext uri="{FF2B5EF4-FFF2-40B4-BE49-F238E27FC236}">
+                <a16:creationId xmlns:a16="http://schemas.microsoft.com/office/drawing/2014/main" id="{A80E60B8-C3DF-D246-95C0-FC7BFEAAB6E2}"/>
+              </a:ext>
+            </a:extLst>
+          </p:cNvPr>
+          <p:cNvCxnSpPr>
+            <a:cxnSpLocks/>
+          </p:cNvCxnSpPr>
+          <p:nvPr/>
+        </p:nvCxnSpPr>
+        <p:spPr>
+          <a:xfrm>
+            <a:off x="3569676" y="1798716"/>
+            <a:ext cx="0" cy="636753"/>
+          </a:xfrm>
+          <a:prstGeom prst="straightConnector1">
+            <a:avLst/>
+          </a:prstGeom>
+          <a:ln w="19050">
+            <a:tailEnd type="triangle"/>
+          </a:ln>
+        </p:spPr>
+        <p:style>
+          <a:lnRef idx="1">
+            <a:schemeClr val="accent1"/>
+          </a:lnRef>
+          <a:fillRef idx="0">
+            <a:schemeClr val="accent1"/>
+          </a:fillRef>
+          <a:effectRef idx="0">
+            <a:schemeClr val="accent1"/>
+          </a:effectRef>
+          <a:fontRef idx="minor">
+            <a:schemeClr val="tx1"/>
+          </a:fontRef>
+        </p:style>
+      </p:cxnSp>
+      <p:sp>
+        <p:nvSpPr>
+          <p:cNvPr id="33" name="text 1 to more">
+            <a:extLst>
+              <a:ext uri="{FF2B5EF4-FFF2-40B4-BE49-F238E27FC236}">
+                <a16:creationId xmlns:a16="http://schemas.microsoft.com/office/drawing/2014/main" id="{75B8D7EA-8044-7545-ACDC-6EE16C626637}"/>
+              </a:ext>
+            </a:extLst>
+          </p:cNvPr>
+          <p:cNvSpPr txBox="1"/>
+          <p:nvPr/>
+        </p:nvSpPr>
+        <p:spPr>
+          <a:xfrm>
+            <a:off x="2638040" y="1904692"/>
+            <a:ext cx="2049497" cy="338554"/>
+          </a:xfrm>
+          <a:prstGeom prst="rect">
+            <a:avLst/>
+          </a:prstGeom>
+          <a:noFill/>
+        </p:spPr>
+        <p:txBody>
+          <a:bodyPr wrap="square" rtlCol="0">
+            <a:spAutoFit/>
+          </a:bodyPr>
+          <a:lstStyle/>
+          <a:p>
+            <a:r>
+              <a:rPr lang="en-US" sz="1600" dirty="0"/>
+              <a:t>1 to more / more to 1</a:t>
+            </a:r>
+          </a:p>
+        </p:txBody>
+      </p:sp>
+      <p:sp>
+        <p:nvSpPr>
+          <p:cNvPr id="22" name="Rectangle 21">
+            <a:extLst>
+              <a:ext uri="{FF2B5EF4-FFF2-40B4-BE49-F238E27FC236}">
+                <a16:creationId xmlns:a16="http://schemas.microsoft.com/office/drawing/2014/main" id="{9A0C3CE2-1DCE-4346-BF21-6034EA633B06}"/>
+              </a:ext>
+            </a:extLst>
+          </p:cNvPr>
+          <p:cNvSpPr/>
+          <p:nvPr/>
+        </p:nvSpPr>
+        <p:spPr>
+          <a:xfrm>
+            <a:off x="6870361" y="772057"/>
+            <a:ext cx="1094481" cy="889090"/>
+          </a:xfrm>
+          <a:prstGeom prst="rect">
+            <a:avLst/>
+          </a:prstGeom>
+        </p:spPr>
+        <p:style>
+          <a:lnRef idx="2">
+            <a:schemeClr val="accent2">
+              <a:shade val="50000"/>
+            </a:schemeClr>
+          </a:lnRef>
+          <a:fillRef idx="1">
+            <a:schemeClr val="accent2"/>
+          </a:fillRef>
+          <a:effectRef idx="0">
+            <a:schemeClr val="accent2"/>
+          </a:effectRef>
+          <a:fontRef idx="minor">
+            <a:schemeClr val="lt1"/>
+          </a:fontRef>
+        </p:style>
+        <p:txBody>
+          <a:bodyPr rtlCol="0" anchor="ctr"/>
+          <a:lstStyle/>
+          <a:p>
+            <a:pPr algn="ctr"/>
+            <a:r>
+              <a:rPr lang="en-US" dirty="0"/>
+              <a:t>My Scaler</a:t>
+            </a:r>
+          </a:p>
+        </p:txBody>
+      </p:sp>
+    </p:spTree>
+    <p:extLst>
+      <p:ext uri="{BB962C8B-B14F-4D97-AF65-F5344CB8AC3E}">
+        <p14:creationId xmlns:p14="http://schemas.microsoft.com/office/powerpoint/2010/main" val="130098000"/>
+      </p:ext>
+    </p:extLst>
+  </p:cSld>
+  <p:clrMapOvr>
+    <a:masterClrMapping/>
+  </p:clrMapOvr>
+  <p:timing>
+    <p:tnLst>
+      <p:par>
+        <p:cTn id="1" dur="indefinite" restart="never" nodeType="tmRoot">
+          <p:childTnLst>
+            <p:seq concurrent="1" nextAc="seek">
+              <p:cTn id="2" dur="indefinite" nodeType="mainSeq">
+                <p:childTnLst>
+                  <p:par>
+                    <p:cTn id="3" fill="hold">
+                      <p:stCondLst>
+                        <p:cond delay="indefinite"/>
+                      </p:stCondLst>
+                      <p:childTnLst>
+                        <p:par>
+                          <p:cTn id="4" fill="hold">
+                            <p:stCondLst>
+                              <p:cond delay="0"/>
+                            </p:stCondLst>
+                            <p:childTnLst>
+                              <p:par>
+                                <p:cTn id="5" presetID="10" presetClass="entr" presetSubtype="0" fill="hold" grpId="0" nodeType="clickEffect">
+                                  <p:stCondLst>
+                                    <p:cond delay="0"/>
+                                  </p:stCondLst>
+                                  <p:childTnLst>
+                                    <p:set>
+                                      <p:cBhvr>
+                                        <p:cTn id="6" dur="1" fill="hold">
+                                          <p:stCondLst>
+                                            <p:cond delay="0"/>
+                                          </p:stCondLst>
+                                        </p:cTn>
+                                        <p:tgtEl>
+                                          <p:spTgt spid="9"/>
+                                        </p:tgtEl>
+                                        <p:attrNameLst>
+                                          <p:attrName>style.visibility</p:attrName>
+                                        </p:attrNameLst>
+                                      </p:cBhvr>
+                                      <p:to>
+                                        <p:strVal val="visible"/>
+                                      </p:to>
+                                    </p:set>
+                                    <p:animEffect transition="in" filter="fade">
+                                      <p:cBhvr>
+                                        <p:cTn id="7" dur="500"/>
+                                        <p:tgtEl>
+                                          <p:spTgt spid="9"/>
+                                        </p:tgtEl>
+                                      </p:cBhvr>
+                                    </p:animEffect>
+                                  </p:childTnLst>
+                                </p:cTn>
+                              </p:par>
+                              <p:par>
+                                <p:cTn id="8" presetID="10" presetClass="entr" presetSubtype="0" fill="hold" nodeType="withEffect">
+                                  <p:stCondLst>
+                                    <p:cond delay="0"/>
+                                  </p:stCondLst>
+                                  <p:childTnLst>
+                                    <p:set>
+                                      <p:cBhvr>
+                                        <p:cTn id="9" dur="1" fill="hold">
+                                          <p:stCondLst>
+                                            <p:cond delay="0"/>
+                                          </p:stCondLst>
+                                        </p:cTn>
+                                        <p:tgtEl>
+                                          <p:spTgt spid="6"/>
+                                        </p:tgtEl>
+                                        <p:attrNameLst>
+                                          <p:attrName>style.visibility</p:attrName>
+                                        </p:attrNameLst>
+                                      </p:cBhvr>
+                                      <p:to>
+                                        <p:strVal val="visible"/>
+                                      </p:to>
+                                    </p:set>
+                                    <p:animEffect transition="in" filter="fade">
+                                      <p:cBhvr>
+                                        <p:cTn id="10" dur="500"/>
+                                        <p:tgtEl>
+                                          <p:spTgt spid="6"/>
+                                        </p:tgtEl>
+                                      </p:cBhvr>
+                                    </p:animEffect>
+                                  </p:childTnLst>
+                                </p:cTn>
+                              </p:par>
+                            </p:childTnLst>
+                          </p:cTn>
+                        </p:par>
+                      </p:childTnLst>
+                    </p:cTn>
+                  </p:par>
+                  <p:par>
+                    <p:cTn id="11" fill="hold">
+                      <p:stCondLst>
+                        <p:cond delay="indefinite"/>
+                      </p:stCondLst>
+                      <p:childTnLst>
+                        <p:par>
+                          <p:cTn id="12" fill="hold">
+                            <p:stCondLst>
+                              <p:cond delay="0"/>
+                            </p:stCondLst>
+                            <p:childTnLst>
+                              <p:par>
+                                <p:cTn id="13" presetID="1" presetClass="exit" presetSubtype="0" fill="hold" nodeType="clickEffect">
+                                  <p:stCondLst>
+                                    <p:cond delay="0"/>
+                                  </p:stCondLst>
+                                  <p:childTnLst>
+                                    <p:set>
+                                      <p:cBhvr>
+                                        <p:cTn id="14" dur="1" fill="hold">
+                                          <p:stCondLst>
+                                            <p:cond delay="0"/>
+                                          </p:stCondLst>
+                                        </p:cTn>
+                                        <p:tgtEl>
+                                          <p:spTgt spid="6"/>
+                                        </p:tgtEl>
+                                        <p:attrNameLst>
+                                          <p:attrName>style.visibility</p:attrName>
+                                        </p:attrNameLst>
+                                      </p:cBhvr>
+                                      <p:to>
+                                        <p:strVal val="hidden"/>
+                                      </p:to>
+                                    </p:set>
+                                  </p:childTnLst>
+                                </p:cTn>
+                              </p:par>
+                              <p:par>
+                                <p:cTn id="15" presetID="10" presetClass="entr" presetSubtype="0" fill="hold" grpId="0" nodeType="withEffect">
+                                  <p:stCondLst>
+                                    <p:cond delay="0"/>
+                                  </p:stCondLst>
+                                  <p:childTnLst>
+                                    <p:set>
+                                      <p:cBhvr>
+                                        <p:cTn id="16" dur="1" fill="hold">
+                                          <p:stCondLst>
+                                            <p:cond delay="0"/>
+                                          </p:stCondLst>
+                                        </p:cTn>
+                                        <p:tgtEl>
+                                          <p:spTgt spid="10"/>
+                                        </p:tgtEl>
+                                        <p:attrNameLst>
+                                          <p:attrName>style.visibility</p:attrName>
+                                        </p:attrNameLst>
+                                      </p:cBhvr>
+                                      <p:to>
+                                        <p:strVal val="visible"/>
+                                      </p:to>
+                                    </p:set>
+                                    <p:animEffect transition="in" filter="fade">
+                                      <p:cBhvr>
+                                        <p:cTn id="17" dur="500"/>
+                                        <p:tgtEl>
+                                          <p:spTgt spid="10"/>
+                                        </p:tgtEl>
+                                      </p:cBhvr>
+                                    </p:animEffect>
+                                  </p:childTnLst>
+                                </p:cTn>
+                              </p:par>
+                              <p:par>
+                                <p:cTn id="18" presetID="10" presetClass="entr" presetSubtype="0" fill="hold" nodeType="withEffect">
+                                  <p:stCondLst>
+                                    <p:cond delay="0"/>
+                                  </p:stCondLst>
+                                  <p:childTnLst>
+                                    <p:set>
+                                      <p:cBhvr>
+                                        <p:cTn id="19" dur="1" fill="hold">
+                                          <p:stCondLst>
+                                            <p:cond delay="0"/>
+                                          </p:stCondLst>
+                                        </p:cTn>
+                                        <p:tgtEl>
+                                          <p:spTgt spid="18"/>
+                                        </p:tgtEl>
+                                        <p:attrNameLst>
+                                          <p:attrName>style.visibility</p:attrName>
+                                        </p:attrNameLst>
+                                      </p:cBhvr>
+                                      <p:to>
+                                        <p:strVal val="visible"/>
+                                      </p:to>
+                                    </p:set>
+                                    <p:animEffect transition="in" filter="fade">
+                                      <p:cBhvr>
+                                        <p:cTn id="20" dur="500"/>
+                                        <p:tgtEl>
+                                          <p:spTgt spid="18"/>
+                                        </p:tgtEl>
+                                      </p:cBhvr>
+                                    </p:animEffect>
+                                  </p:childTnLst>
+                                </p:cTn>
+                              </p:par>
+                            </p:childTnLst>
+                          </p:cTn>
+                        </p:par>
+                      </p:childTnLst>
+                    </p:cTn>
+                  </p:par>
+                  <p:par>
+                    <p:cTn id="21" fill="hold">
+                      <p:stCondLst>
+                        <p:cond delay="indefinite"/>
+                      </p:stCondLst>
+                      <p:childTnLst>
+                        <p:par>
+                          <p:cTn id="22" fill="hold">
+                            <p:stCondLst>
+                              <p:cond delay="0"/>
+                            </p:stCondLst>
+                            <p:childTnLst>
+                              <p:par>
+                                <p:cTn id="23" presetID="1" presetClass="exit" presetSubtype="0" fill="hold" nodeType="clickEffect">
+                                  <p:stCondLst>
+                                    <p:cond delay="0"/>
+                                  </p:stCondLst>
+                                  <p:childTnLst>
+                                    <p:set>
+                                      <p:cBhvr>
+                                        <p:cTn id="24" dur="1" fill="hold">
+                                          <p:stCondLst>
+                                            <p:cond delay="0"/>
+                                          </p:stCondLst>
+                                        </p:cTn>
+                                        <p:tgtEl>
+                                          <p:spTgt spid="18"/>
+                                        </p:tgtEl>
+                                        <p:attrNameLst>
+                                          <p:attrName>style.visibility</p:attrName>
+                                        </p:attrNameLst>
+                                      </p:cBhvr>
+                                      <p:to>
+                                        <p:strVal val="hidden"/>
+                                      </p:to>
+                                    </p:set>
+                                  </p:childTnLst>
+                                </p:cTn>
+                              </p:par>
+                              <p:par>
+                                <p:cTn id="25" presetID="10" presetClass="entr" presetSubtype="0" fill="hold" nodeType="withEffect">
+                                  <p:stCondLst>
+                                    <p:cond delay="0"/>
+                                  </p:stCondLst>
+                                  <p:childTnLst>
+                                    <p:set>
+                                      <p:cBhvr>
+                                        <p:cTn id="26" dur="1" fill="hold">
+                                          <p:stCondLst>
+                                            <p:cond delay="0"/>
+                                          </p:stCondLst>
+                                        </p:cTn>
+                                        <p:tgtEl>
+                                          <p:spTgt spid="19"/>
+                                        </p:tgtEl>
+                                        <p:attrNameLst>
+                                          <p:attrName>style.visibility</p:attrName>
+                                        </p:attrNameLst>
+                                      </p:cBhvr>
+                                      <p:to>
+                                        <p:strVal val="visible"/>
+                                      </p:to>
+                                    </p:set>
+                                    <p:animEffect transition="in" filter="fade">
+                                      <p:cBhvr>
+                                        <p:cTn id="27" dur="500"/>
+                                        <p:tgtEl>
+                                          <p:spTgt spid="19"/>
+                                        </p:tgtEl>
+                                      </p:cBhvr>
+                                    </p:animEffect>
+                                  </p:childTnLst>
+                                </p:cTn>
+                              </p:par>
+                            </p:childTnLst>
+                          </p:cTn>
+                        </p:par>
+                      </p:childTnLst>
+                    </p:cTn>
+                  </p:par>
+                  <p:par>
+                    <p:cTn id="28" fill="hold">
+                      <p:stCondLst>
+                        <p:cond delay="indefinite"/>
+                      </p:stCondLst>
+                      <p:childTnLst>
+                        <p:par>
+                          <p:cTn id="29" fill="hold">
+                            <p:stCondLst>
+                              <p:cond delay="0"/>
+                            </p:stCondLst>
+                            <p:childTnLst>
+                              <p:par>
+                                <p:cTn id="30" presetID="10" presetClass="entr" presetSubtype="0" fill="hold" grpId="0" nodeType="clickEffect">
+                                  <p:stCondLst>
+                                    <p:cond delay="0"/>
+                                  </p:stCondLst>
+                                  <p:childTnLst>
+                                    <p:set>
+                                      <p:cBhvr>
+                                        <p:cTn id="31" dur="1" fill="hold">
+                                          <p:stCondLst>
+                                            <p:cond delay="0"/>
+                                          </p:stCondLst>
+                                        </p:cTn>
+                                        <p:tgtEl>
+                                          <p:spTgt spid="16"/>
+                                        </p:tgtEl>
+                                        <p:attrNameLst>
+                                          <p:attrName>style.visibility</p:attrName>
+                                        </p:attrNameLst>
+                                      </p:cBhvr>
+                                      <p:to>
+                                        <p:strVal val="visible"/>
+                                      </p:to>
+                                    </p:set>
+                                    <p:animEffect transition="in" filter="fade">
+                                      <p:cBhvr>
+                                        <p:cTn id="32" dur="500"/>
+                                        <p:tgtEl>
+                                          <p:spTgt spid="16"/>
+                                        </p:tgtEl>
+                                      </p:cBhvr>
+                                    </p:animEffect>
+                                  </p:childTnLst>
+                                </p:cTn>
+                              </p:par>
+                              <p:par>
+                                <p:cTn id="33" presetID="10" presetClass="entr" presetSubtype="0" fill="hold" nodeType="withEffect">
+                                  <p:stCondLst>
+                                    <p:cond delay="0"/>
+                                  </p:stCondLst>
+                                  <p:childTnLst>
+                                    <p:set>
+                                      <p:cBhvr>
+                                        <p:cTn id="34" dur="1" fill="hold">
+                                          <p:stCondLst>
+                                            <p:cond delay="0"/>
+                                          </p:stCondLst>
+                                        </p:cTn>
+                                        <p:tgtEl>
+                                          <p:spTgt spid="24"/>
+                                        </p:tgtEl>
+                                        <p:attrNameLst>
+                                          <p:attrName>style.visibility</p:attrName>
+                                        </p:attrNameLst>
+                                      </p:cBhvr>
+                                      <p:to>
+                                        <p:strVal val="visible"/>
+                                      </p:to>
+                                    </p:set>
+                                    <p:animEffect transition="in" filter="fade">
+                                      <p:cBhvr>
+                                        <p:cTn id="35" dur="500"/>
+                                        <p:tgtEl>
+                                          <p:spTgt spid="24"/>
+                                        </p:tgtEl>
+                                      </p:cBhvr>
+                                    </p:animEffect>
+                                  </p:childTnLst>
+                                </p:cTn>
+                              </p:par>
+                              <p:par>
+                                <p:cTn id="36" presetID="1" presetClass="exit" presetSubtype="0" fill="hold" nodeType="withEffect">
+                                  <p:stCondLst>
+                                    <p:cond delay="0"/>
+                                  </p:stCondLst>
+                                  <p:childTnLst>
+                                    <p:set>
+                                      <p:cBhvr>
+                                        <p:cTn id="37" dur="1" fill="hold">
+                                          <p:stCondLst>
+                                            <p:cond delay="0"/>
+                                          </p:stCondLst>
+                                        </p:cTn>
+                                        <p:tgtEl>
+                                          <p:spTgt spid="19"/>
+                                        </p:tgtEl>
+                                        <p:attrNameLst>
+                                          <p:attrName>style.visibility</p:attrName>
+                                        </p:attrNameLst>
+                                      </p:cBhvr>
+                                      <p:to>
+                                        <p:strVal val="hidden"/>
+                                      </p:to>
+                                    </p:set>
+                                  </p:childTnLst>
+                                </p:cTn>
+                              </p:par>
+                            </p:childTnLst>
+                          </p:cTn>
+                        </p:par>
+                      </p:childTnLst>
+                    </p:cTn>
+                  </p:par>
+                  <p:par>
+                    <p:cTn id="38" fill="hold">
+                      <p:stCondLst>
+                        <p:cond delay="indefinite"/>
+                      </p:stCondLst>
+                      <p:childTnLst>
+                        <p:par>
+                          <p:cTn id="39" fill="hold">
+                            <p:stCondLst>
+                              <p:cond delay="0"/>
+                            </p:stCondLst>
+                            <p:childTnLst>
+                              <p:par>
+                                <p:cTn id="40" presetID="10" presetClass="entr" presetSubtype="0" fill="hold" nodeType="clickEffect">
+                                  <p:stCondLst>
+                                    <p:cond delay="0"/>
+                                  </p:stCondLst>
+                                  <p:childTnLst>
+                                    <p:set>
+                                      <p:cBhvr>
+                                        <p:cTn id="41" dur="1" fill="hold">
+                                          <p:stCondLst>
+                                            <p:cond delay="0"/>
+                                          </p:stCondLst>
+                                        </p:cTn>
+                                        <p:tgtEl>
+                                          <p:spTgt spid="27"/>
+                                        </p:tgtEl>
+                                        <p:attrNameLst>
+                                          <p:attrName>style.visibility</p:attrName>
+                                        </p:attrNameLst>
+                                      </p:cBhvr>
+                                      <p:to>
+                                        <p:strVal val="visible"/>
+                                      </p:to>
+                                    </p:set>
+                                    <p:animEffect transition="in" filter="fade">
+                                      <p:cBhvr>
+                                        <p:cTn id="42" dur="500"/>
+                                        <p:tgtEl>
+                                          <p:spTgt spid="27"/>
+                                        </p:tgtEl>
+                                      </p:cBhvr>
+                                    </p:animEffect>
+                                  </p:childTnLst>
+                                </p:cTn>
+                              </p:par>
+                              <p:par>
+                                <p:cTn id="43" presetID="1" presetClass="exit" presetSubtype="0" fill="hold" nodeType="withEffect">
+                                  <p:stCondLst>
+                                    <p:cond delay="0"/>
+                                  </p:stCondLst>
+                                  <p:childTnLst>
+                                    <p:set>
+                                      <p:cBhvr>
+                                        <p:cTn id="44" dur="1" fill="hold">
+                                          <p:stCondLst>
+                                            <p:cond delay="0"/>
+                                          </p:stCondLst>
+                                        </p:cTn>
+                                        <p:tgtEl>
+                                          <p:spTgt spid="24"/>
+                                        </p:tgtEl>
+                                        <p:attrNameLst>
+                                          <p:attrName>style.visibility</p:attrName>
+                                        </p:attrNameLst>
+                                      </p:cBhvr>
+                                      <p:to>
+                                        <p:strVal val="hidden"/>
+                                      </p:to>
+                                    </p:set>
+                                  </p:childTnLst>
+                                </p:cTn>
+                              </p:par>
+                              <p:par>
+                                <p:cTn id="45" presetID="10" presetClass="entr" presetSubtype="0" fill="hold" grpId="0" nodeType="withEffect">
+                                  <p:stCondLst>
+                                    <p:cond delay="0"/>
+                                  </p:stCondLst>
+                                  <p:childTnLst>
+                                    <p:set>
+                                      <p:cBhvr>
+                                        <p:cTn id="46" dur="1" fill="hold">
+                                          <p:stCondLst>
+                                            <p:cond delay="0"/>
+                                          </p:stCondLst>
+                                        </p:cTn>
+                                        <p:tgtEl>
+                                          <p:spTgt spid="30"/>
+                                        </p:tgtEl>
+                                        <p:attrNameLst>
+                                          <p:attrName>style.visibility</p:attrName>
+                                        </p:attrNameLst>
+                                      </p:cBhvr>
+                                      <p:to>
+                                        <p:strVal val="visible"/>
+                                      </p:to>
+                                    </p:set>
+                                    <p:animEffect transition="in" filter="fade">
+                                      <p:cBhvr>
+                                        <p:cTn id="47" dur="500"/>
+                                        <p:tgtEl>
+                                          <p:spTgt spid="30"/>
+                                        </p:tgtEl>
+                                      </p:cBhvr>
+                                    </p:animEffect>
+                                  </p:childTnLst>
+                                </p:cTn>
+                              </p:par>
+                            </p:childTnLst>
+                          </p:cTn>
+                        </p:par>
+                      </p:childTnLst>
+                    </p:cTn>
+                  </p:par>
+                  <p:par>
+                    <p:cTn id="48" fill="hold">
+                      <p:stCondLst>
+                        <p:cond delay="indefinite"/>
+                      </p:stCondLst>
+                      <p:childTnLst>
+                        <p:par>
+                          <p:cTn id="49" fill="hold">
+                            <p:stCondLst>
+                              <p:cond delay="0"/>
+                            </p:stCondLst>
+                            <p:childTnLst>
+                              <p:par>
+                                <p:cTn id="50" presetID="10" presetClass="entr" presetSubtype="0" fill="hold" nodeType="clickEffect">
+                                  <p:stCondLst>
+                                    <p:cond delay="0"/>
+                                  </p:stCondLst>
+                                  <p:childTnLst>
+                                    <p:set>
+                                      <p:cBhvr>
+                                        <p:cTn id="51" dur="1" fill="hold">
+                                          <p:stCondLst>
+                                            <p:cond delay="0"/>
+                                          </p:stCondLst>
+                                        </p:cTn>
+                                        <p:tgtEl>
+                                          <p:spTgt spid="20"/>
+                                        </p:tgtEl>
+                                        <p:attrNameLst>
+                                          <p:attrName>style.visibility</p:attrName>
+                                        </p:attrNameLst>
+                                      </p:cBhvr>
+                                      <p:to>
+                                        <p:strVal val="visible"/>
+                                      </p:to>
+                                    </p:set>
+                                    <p:animEffect transition="in" filter="fade">
+                                      <p:cBhvr>
+                                        <p:cTn id="52" dur="500"/>
+                                        <p:tgtEl>
+                                          <p:spTgt spid="20"/>
+                                        </p:tgtEl>
+                                      </p:cBhvr>
+                                    </p:animEffect>
+                                  </p:childTnLst>
+                                </p:cTn>
+                              </p:par>
+                            </p:childTnLst>
+                          </p:cTn>
+                        </p:par>
+                      </p:childTnLst>
+                    </p:cTn>
+                  </p:par>
+                  <p:par>
+                    <p:cTn id="53" fill="hold">
+                      <p:stCondLst>
+                        <p:cond delay="indefinite"/>
+                      </p:stCondLst>
+                      <p:childTnLst>
+                        <p:par>
+                          <p:cTn id="54" fill="hold">
+                            <p:stCondLst>
+                              <p:cond delay="0"/>
+                            </p:stCondLst>
+                            <p:childTnLst>
+                              <p:par>
+                                <p:cTn id="55" presetID="10" presetClass="entr" presetSubtype="0" fill="hold" nodeType="clickEffect">
+                                  <p:stCondLst>
+                                    <p:cond delay="0"/>
+                                  </p:stCondLst>
+                                  <p:childTnLst>
+                                    <p:set>
+                                      <p:cBhvr>
+                                        <p:cTn id="56" dur="1" fill="hold">
+                                          <p:stCondLst>
+                                            <p:cond delay="0"/>
+                                          </p:stCondLst>
+                                        </p:cTn>
+                                        <p:tgtEl>
+                                          <p:spTgt spid="26"/>
+                                        </p:tgtEl>
+                                        <p:attrNameLst>
+                                          <p:attrName>style.visibility</p:attrName>
+                                        </p:attrNameLst>
+                                      </p:cBhvr>
+                                      <p:to>
+                                        <p:strVal val="visible"/>
+                                      </p:to>
+                                    </p:set>
+                                    <p:animEffect transition="in" filter="fade">
+                                      <p:cBhvr>
+                                        <p:cTn id="57" dur="500"/>
+                                        <p:tgtEl>
+                                          <p:spTgt spid="26"/>
+                                        </p:tgtEl>
+                                      </p:cBhvr>
+                                    </p:animEffect>
+                                  </p:childTnLst>
+                                </p:cTn>
+                              </p:par>
+                            </p:childTnLst>
+                          </p:cTn>
+                        </p:par>
+                      </p:childTnLst>
+                    </p:cTn>
+                  </p:par>
+                  <p:par>
+                    <p:cTn id="58" fill="hold">
+                      <p:stCondLst>
+                        <p:cond delay="indefinite"/>
+                      </p:stCondLst>
+                      <p:childTnLst>
+                        <p:par>
+                          <p:cTn id="59" fill="hold">
+                            <p:stCondLst>
+                              <p:cond delay="0"/>
+                            </p:stCondLst>
+                            <p:childTnLst>
+                              <p:par>
+                                <p:cTn id="60" presetID="10" presetClass="entr" presetSubtype="0" fill="hold" nodeType="clickEffect">
+                                  <p:stCondLst>
+                                    <p:cond delay="0"/>
+                                  </p:stCondLst>
+                                  <p:childTnLst>
+                                    <p:set>
+                                      <p:cBhvr>
+                                        <p:cTn id="61" dur="1" fill="hold">
+                                          <p:stCondLst>
+                                            <p:cond delay="0"/>
+                                          </p:stCondLst>
+                                        </p:cTn>
+                                        <p:tgtEl>
+                                          <p:spTgt spid="29"/>
+                                        </p:tgtEl>
+                                        <p:attrNameLst>
+                                          <p:attrName>style.visibility</p:attrName>
+                                        </p:attrNameLst>
+                                      </p:cBhvr>
+                                      <p:to>
+                                        <p:strVal val="visible"/>
+                                      </p:to>
+                                    </p:set>
+                                    <p:animEffect transition="in" filter="fade">
+                                      <p:cBhvr>
+                                        <p:cTn id="62" dur="500"/>
+                                        <p:tgtEl>
+                                          <p:spTgt spid="29"/>
+                                        </p:tgtEl>
+                                      </p:cBhvr>
+                                    </p:animEffect>
+                                  </p:childTnLst>
+                                </p:cTn>
+                              </p:par>
+                              <p:par>
+                                <p:cTn id="63" presetID="10" presetClass="entr" presetSubtype="0" fill="hold" grpId="0" nodeType="withEffect">
+                                  <p:stCondLst>
+                                    <p:cond delay="0"/>
+                                  </p:stCondLst>
+                                  <p:childTnLst>
+                                    <p:set>
+                                      <p:cBhvr>
+                                        <p:cTn id="64" dur="1" fill="hold">
+                                          <p:stCondLst>
+                                            <p:cond delay="0"/>
+                                          </p:stCondLst>
+                                        </p:cTn>
+                                        <p:tgtEl>
+                                          <p:spTgt spid="33"/>
+                                        </p:tgtEl>
+                                        <p:attrNameLst>
+                                          <p:attrName>style.visibility</p:attrName>
+                                        </p:attrNameLst>
+                                      </p:cBhvr>
+                                      <p:to>
+                                        <p:strVal val="visible"/>
+                                      </p:to>
+                                    </p:set>
+                                    <p:animEffect transition="in" filter="fade">
+                                      <p:cBhvr>
+                                        <p:cTn id="65" dur="500"/>
+                                        <p:tgtEl>
+                                          <p:spTgt spid="33"/>
+                                        </p:tgtEl>
+                                      </p:cBhvr>
+                                    </p:animEffect>
+                                  </p:childTnLst>
+                                </p:cTn>
+                              </p:par>
+                            </p:childTnLst>
+                          </p:cTn>
+                        </p:par>
+                      </p:childTnLst>
+                    </p:cTn>
+                  </p:par>
+                  <p:par>
+                    <p:cTn id="66" fill="hold">
+                      <p:stCondLst>
+                        <p:cond delay="indefinite"/>
+                      </p:stCondLst>
+                      <p:childTnLst>
+                        <p:par>
+                          <p:cTn id="67" fill="hold">
+                            <p:stCondLst>
+                              <p:cond delay="0"/>
+                            </p:stCondLst>
+                            <p:childTnLst>
+                              <p:par>
+                                <p:cTn id="68" presetID="10" presetClass="entr" presetSubtype="0" fill="hold" nodeType="clickEffect">
+                                  <p:stCondLst>
+                                    <p:cond delay="0"/>
+                                  </p:stCondLst>
+                                  <p:childTnLst>
+                                    <p:set>
+                                      <p:cBhvr>
+                                        <p:cTn id="69" dur="1" fill="hold">
+                                          <p:stCondLst>
+                                            <p:cond delay="0"/>
+                                          </p:stCondLst>
+                                        </p:cTn>
+                                        <p:tgtEl>
+                                          <p:spTgt spid="54"/>
+                                        </p:tgtEl>
+                                        <p:attrNameLst>
+                                          <p:attrName>style.visibility</p:attrName>
+                                        </p:attrNameLst>
+                                      </p:cBhvr>
+                                      <p:to>
+                                        <p:strVal val="visible"/>
+                                      </p:to>
+                                    </p:set>
+                                    <p:animEffect transition="in" filter="fade">
+                                      <p:cBhvr>
+                                        <p:cTn id="70" dur="500"/>
+                                        <p:tgtEl>
+                                          <p:spTgt spid="54"/>
+                                        </p:tgtEl>
+                                      </p:cBhvr>
+                                    </p:animEffect>
+                                  </p:childTnLst>
+                                </p:cTn>
+                              </p:par>
+                              <p:par>
+                                <p:cTn id="71" presetID="10" presetClass="entr" presetSubtype="0" fill="hold" grpId="0" nodeType="withEffect">
+                                  <p:stCondLst>
+                                    <p:cond delay="0"/>
+                                  </p:stCondLst>
+                                  <p:childTnLst>
+                                    <p:set>
+                                      <p:cBhvr>
+                                        <p:cTn id="72" dur="1" fill="hold">
+                                          <p:stCondLst>
+                                            <p:cond delay="0"/>
+                                          </p:stCondLst>
+                                        </p:cTn>
+                                        <p:tgtEl>
+                                          <p:spTgt spid="22"/>
+                                        </p:tgtEl>
+                                        <p:attrNameLst>
+                                          <p:attrName>style.visibility</p:attrName>
+                                        </p:attrNameLst>
+                                      </p:cBhvr>
+                                      <p:to>
+                                        <p:strVal val="visible"/>
+                                      </p:to>
+                                    </p:set>
+                                    <p:animEffect transition="in" filter="fade">
+                                      <p:cBhvr>
+                                        <p:cTn id="73" dur="500"/>
+                                        <p:tgtEl>
+                                          <p:spTgt spid="22"/>
+                                        </p:tgtEl>
+                                      </p:cBhvr>
+                                    </p:animEffect>
+                                  </p:childTnLst>
+                                </p:cTn>
+                              </p:par>
+                            </p:childTnLst>
+                          </p:cTn>
+                        </p:par>
+                      </p:childTnLst>
+                    </p:cTn>
+                  </p:par>
+                </p:childTnLst>
+              </p:cTn>
+              <p:prevCondLst>
+                <p:cond evt="onPrev" delay="0">
+                  <p:tgtEl>
+                    <p:sldTgt/>
+                  </p:tgtEl>
+                </p:cond>
+              </p:prevCondLst>
+              <p:nextCondLst>
+                <p:cond evt="onNext" delay="0">
+                  <p:tgtEl>
+                    <p:sldTgt/>
+                  </p:tgtEl>
+                </p:cond>
+              </p:nextCondLst>
+            </p:seq>
+          </p:childTnLst>
+        </p:cTn>
+      </p:par>
+    </p:tnLst>
+    <p:bldLst>
+      <p:bldP spid="9" grpId="0" animBg="1"/>
+      <p:bldP spid="10" grpId="0" animBg="1"/>
+      <p:bldP spid="16" grpId="0" animBg="1"/>
+      <p:bldP spid="30" grpId="0"/>
+      <p:bldP spid="33" grpId="0"/>
+      <p:bldP spid="22" grpId="0" animBg="1"/>
+    </p:bldLst>
+  </p:timing>
+</p:sld>
+</file>
+
 <file path=ppt/slides/slide2.xml><?xml version="1.0" encoding="utf-8"?>
 <p:sld xmlns:a="http://schemas.openxmlformats.org/drawingml/2006/main" xmlns:r="http://schemas.openxmlformats.org/officeDocument/2006/relationships" xmlns:p="http://schemas.openxmlformats.org/presentationml/2006/main">
   <p:cSld>
@@ -3541,67 +5362,1141 @@
       </p:grpSpPr>
       <p:sp>
         <p:nvSpPr>
-          <p:cNvPr id="4" name="Title 3">
-            <a:extLst>
-              <a:ext uri="{FF2B5EF4-FFF2-40B4-BE49-F238E27FC236}">
-                <a16:creationId xmlns:a16="http://schemas.microsoft.com/office/drawing/2014/main" id="{81493473-C789-6340-9A5E-E3B87060176D}"/>
-              </a:ext>
-            </a:extLst>
-          </p:cNvPr>
-          <p:cNvSpPr>
-            <a:spLocks noGrp="1"/>
-          </p:cNvSpPr>
-          <p:nvPr>
-            <p:ph type="ctrTitle"/>
-          </p:nvPr>
-        </p:nvSpPr>
-        <p:spPr/>
-        <p:txBody>
-          <a:bodyPr/>
+          <p:cNvPr id="6" name="K8s cluster">
+            <a:extLst>
+              <a:ext uri="{FF2B5EF4-FFF2-40B4-BE49-F238E27FC236}">
+                <a16:creationId xmlns:a16="http://schemas.microsoft.com/office/drawing/2014/main" id="{03273D92-BB84-D840-8124-21F217B12FCB}"/>
+              </a:ext>
+            </a:extLst>
+          </p:cNvPr>
+          <p:cNvSpPr/>
+          <p:nvPr/>
+        </p:nvSpPr>
+        <p:spPr>
+          <a:xfrm>
+            <a:off x="331694" y="313765"/>
+            <a:ext cx="7257825" cy="6194611"/>
+          </a:xfrm>
+          <a:prstGeom prst="rect">
+            <a:avLst/>
+          </a:prstGeom>
+          <a:noFill/>
+          <a:ln w="38100"/>
+        </p:spPr>
+        <p:style>
+          <a:lnRef idx="2">
+            <a:schemeClr val="accent1">
+              <a:shade val="50000"/>
+            </a:schemeClr>
+          </a:lnRef>
+          <a:fillRef idx="1">
+            <a:schemeClr val="accent1"/>
+          </a:fillRef>
+          <a:effectRef idx="0">
+            <a:schemeClr val="accent1"/>
+          </a:effectRef>
+          <a:fontRef idx="minor">
+            <a:schemeClr val="lt1"/>
+          </a:fontRef>
+        </p:style>
+        <p:txBody>
+          <a:bodyPr rtlCol="0" anchor="ctr"/>
           <a:lstStyle/>
           <a:p>
+            <a:pPr algn="ctr"/>
+            <a:endParaRPr lang="en-US"/>
+          </a:p>
+        </p:txBody>
+      </p:sp>
+      <p:sp>
+        <p:nvSpPr>
+          <p:cNvPr id="7" name="Target">
+            <a:extLst>
+              <a:ext uri="{FF2B5EF4-FFF2-40B4-BE49-F238E27FC236}">
+                <a16:creationId xmlns:a16="http://schemas.microsoft.com/office/drawing/2014/main" id="{17EFE706-B083-294E-86B9-C1538A6AA390}"/>
+              </a:ext>
+            </a:extLst>
+          </p:cNvPr>
+          <p:cNvSpPr/>
+          <p:nvPr/>
+        </p:nvSpPr>
+        <p:spPr>
+          <a:xfrm>
+            <a:off x="3146722" y="2540660"/>
+            <a:ext cx="880217" cy="666571"/>
+          </a:xfrm>
+          <a:prstGeom prst="rect">
+            <a:avLst/>
+          </a:prstGeom>
+        </p:spPr>
+        <p:style>
+          <a:lnRef idx="2">
+            <a:schemeClr val="accent6">
+              <a:shade val="50000"/>
+            </a:schemeClr>
+          </a:lnRef>
+          <a:fillRef idx="1">
+            <a:schemeClr val="accent6"/>
+          </a:fillRef>
+          <a:effectRef idx="0">
+            <a:schemeClr val="accent6"/>
+          </a:effectRef>
+          <a:fontRef idx="minor">
+            <a:schemeClr val="lt1"/>
+          </a:fontRef>
+        </p:style>
+        <p:txBody>
+          <a:bodyPr rtlCol="0" anchor="ctr"/>
+          <a:lstStyle/>
+          <a:p>
+            <a:pPr algn="ctr"/>
             <a:r>
               <a:rPr lang="en-US" dirty="0"/>
-              <a:t>KEDA’s Role</a:t>
-            </a:r>
-          </a:p>
-        </p:txBody>
-      </p:sp>
-      <p:sp>
-        <p:nvSpPr>
-          <p:cNvPr id="5" name="Subtitle 4">
-            <a:extLst>
-              <a:ext uri="{FF2B5EF4-FFF2-40B4-BE49-F238E27FC236}">
-                <a16:creationId xmlns:a16="http://schemas.microsoft.com/office/drawing/2014/main" id="{3F497F65-F9ED-2A41-B292-E76F7297D8D8}"/>
-              </a:ext>
-            </a:extLst>
-          </p:cNvPr>
-          <p:cNvSpPr>
-            <a:spLocks noGrp="1"/>
-          </p:cNvSpPr>
-          <p:nvPr>
-            <p:ph type="subTitle" idx="1"/>
-          </p:nvPr>
-        </p:nvSpPr>
-        <p:spPr/>
-        <p:txBody>
-          <a:bodyPr/>
+              <a:t>Target</a:t>
+            </a:r>
+          </a:p>
+        </p:txBody>
+      </p:sp>
+      <p:pic>
+        <p:nvPicPr>
+          <p:cNvPr id="10" name="K8s logo" descr="Kubernetes - Wikipedia">
+            <a:extLst>
+              <a:ext uri="{FF2B5EF4-FFF2-40B4-BE49-F238E27FC236}">
+                <a16:creationId xmlns:a16="http://schemas.microsoft.com/office/drawing/2014/main" id="{E81E348A-78E1-2745-AA90-496C3F54A1DC}"/>
+              </a:ext>
+            </a:extLst>
+          </p:cNvPr>
+          <p:cNvPicPr>
+            <a:picLocks noChangeAspect="1" noChangeArrowheads="1"/>
+          </p:cNvPicPr>
+          <p:nvPr/>
+        </p:nvPicPr>
+        <p:blipFill>
+          <a:blip r:embed="rId2">
+            <a:extLst>
+              <a:ext uri="{28A0092B-C50C-407E-A947-70E740481C1C}">
+                <a14:useLocalDpi xmlns:a14="http://schemas.microsoft.com/office/drawing/2010/main" val="0"/>
+              </a:ext>
+            </a:extLst>
+          </a:blip>
+          <a:srcRect/>
+          <a:stretch>
+            <a:fillRect/>
+          </a:stretch>
+        </p:blipFill>
+        <p:spPr bwMode="auto">
+          <a:xfrm>
+            <a:off x="6923947" y="349624"/>
+            <a:ext cx="535159" cy="519525"/>
+          </a:xfrm>
+          <a:prstGeom prst="rect">
+            <a:avLst/>
+          </a:prstGeom>
+          <a:noFill/>
+          <a:extLst>
+            <a:ext uri="{909E8E84-426E-40DD-AFC4-6F175D3DCCD1}">
+              <a14:hiddenFill xmlns:a14="http://schemas.microsoft.com/office/drawing/2010/main">
+                <a:solidFill>
+                  <a:srgbClr val="FFFFFF"/>
+                </a:solidFill>
+              </a14:hiddenFill>
+            </a:ext>
+          </a:extLst>
+        </p:spPr>
+      </p:pic>
+      <p:sp>
+        <p:nvSpPr>
+          <p:cNvPr id="13" name="Text Operator">
+            <a:extLst>
+              <a:ext uri="{FF2B5EF4-FFF2-40B4-BE49-F238E27FC236}">
+                <a16:creationId xmlns:a16="http://schemas.microsoft.com/office/drawing/2014/main" id="{0065DB4F-A190-7A45-A0D0-ADEFDCF4F635}"/>
+              </a:ext>
+            </a:extLst>
+          </p:cNvPr>
+          <p:cNvSpPr txBox="1"/>
+          <p:nvPr/>
+        </p:nvSpPr>
+        <p:spPr>
+          <a:xfrm>
+            <a:off x="6343515" y="3235279"/>
+            <a:ext cx="1034770" cy="369332"/>
+          </a:xfrm>
+          <a:prstGeom prst="rect">
+            <a:avLst/>
+          </a:prstGeom>
+          <a:noFill/>
+        </p:spPr>
+        <p:txBody>
+          <a:bodyPr wrap="none" rtlCol="0">
+            <a:spAutoFit/>
+          </a:bodyPr>
           <a:lstStyle/>
           <a:p>
-            <a:endParaRPr lang="en-US"/>
+            <a:r>
+              <a:rPr lang="en-US" dirty="0">
+                <a:solidFill>
+                  <a:schemeClr val="bg1"/>
+                </a:solidFill>
+              </a:rPr>
+              <a:t>Operator</a:t>
+            </a:r>
+          </a:p>
+        </p:txBody>
+      </p:sp>
+      <p:sp>
+        <p:nvSpPr>
+          <p:cNvPr id="14" name="hpa">
+            <a:extLst>
+              <a:ext uri="{FF2B5EF4-FFF2-40B4-BE49-F238E27FC236}">
+                <a16:creationId xmlns:a16="http://schemas.microsoft.com/office/drawing/2014/main" id="{897114C1-904A-9040-B195-B4CB76528231}"/>
+              </a:ext>
+            </a:extLst>
+          </p:cNvPr>
+          <p:cNvSpPr/>
+          <p:nvPr/>
+        </p:nvSpPr>
+        <p:spPr>
+          <a:xfrm>
+            <a:off x="926997" y="2846450"/>
+            <a:ext cx="864188" cy="843811"/>
+          </a:xfrm>
+          <a:prstGeom prst="ellipse">
+            <a:avLst/>
+          </a:prstGeom>
+          <a:solidFill>
+            <a:srgbClr val="316AE1"/>
+          </a:solidFill>
+        </p:spPr>
+        <p:style>
+          <a:lnRef idx="2">
+            <a:schemeClr val="accent1">
+              <a:shade val="50000"/>
+            </a:schemeClr>
+          </a:lnRef>
+          <a:fillRef idx="1">
+            <a:schemeClr val="accent1"/>
+          </a:fillRef>
+          <a:effectRef idx="0">
+            <a:schemeClr val="accent1"/>
+          </a:effectRef>
+          <a:fontRef idx="minor">
+            <a:schemeClr val="lt1"/>
+          </a:fontRef>
+        </p:style>
+        <p:txBody>
+          <a:bodyPr rtlCol="0" anchor="ctr"/>
+          <a:lstStyle/>
+          <a:p>
+            <a:pPr algn="ctr"/>
+            <a:r>
+              <a:rPr lang="en-US" dirty="0"/>
+              <a:t>HPA</a:t>
+            </a:r>
+          </a:p>
+        </p:txBody>
+      </p:sp>
+      <p:sp>
+        <p:nvSpPr>
+          <p:cNvPr id="15" name="Kube Controller">
+            <a:extLst>
+              <a:ext uri="{FF2B5EF4-FFF2-40B4-BE49-F238E27FC236}">
+                <a16:creationId xmlns:a16="http://schemas.microsoft.com/office/drawing/2014/main" id="{B7FB56F5-A64A-544B-A99D-5B6DCBC9894B}"/>
+              </a:ext>
+            </a:extLst>
+          </p:cNvPr>
+          <p:cNvSpPr/>
+          <p:nvPr/>
+        </p:nvSpPr>
+        <p:spPr>
+          <a:xfrm>
+            <a:off x="2917147" y="869149"/>
+            <a:ext cx="1304871" cy="850391"/>
+          </a:xfrm>
+          <a:prstGeom prst="rect">
+            <a:avLst/>
+          </a:prstGeom>
+          <a:solidFill>
+            <a:srgbClr val="316AE1"/>
+          </a:solidFill>
+        </p:spPr>
+        <p:style>
+          <a:lnRef idx="2">
+            <a:schemeClr val="accent1">
+              <a:shade val="50000"/>
+            </a:schemeClr>
+          </a:lnRef>
+          <a:fillRef idx="1">
+            <a:schemeClr val="accent1"/>
+          </a:fillRef>
+          <a:effectRef idx="0">
+            <a:schemeClr val="accent1"/>
+          </a:effectRef>
+          <a:fontRef idx="minor">
+            <a:schemeClr val="lt1"/>
+          </a:fontRef>
+        </p:style>
+        <p:txBody>
+          <a:bodyPr rtlCol="0" anchor="ctr"/>
+          <a:lstStyle/>
+          <a:p>
+            <a:pPr algn="ctr"/>
+            <a:r>
+              <a:rPr lang="en-US" dirty="0"/>
+              <a:t>Kubernetes Controllers</a:t>
+            </a:r>
+          </a:p>
+        </p:txBody>
+      </p:sp>
+      <p:pic>
+        <p:nvPicPr>
+          <p:cNvPr id="16" name="kubectl" descr="Captain">
+            <a:extLst>
+              <a:ext uri="{FF2B5EF4-FFF2-40B4-BE49-F238E27FC236}">
+                <a16:creationId xmlns:a16="http://schemas.microsoft.com/office/drawing/2014/main" id="{1C59ADC6-90B1-1547-926F-41E3DDC72F32}"/>
+              </a:ext>
+            </a:extLst>
+          </p:cNvPr>
+          <p:cNvPicPr>
+            <a:picLocks noChangeAspect="1"/>
+          </p:cNvPicPr>
+          <p:nvPr/>
+        </p:nvPicPr>
+        <p:blipFill>
+          <a:blip r:embed="rId3">
+            <a:extLst>
+              <a:ext uri="{96DAC541-7B7A-43D3-8B79-37D633B846F1}">
+                <asvg:svgBlip xmlns:asvg="http://schemas.microsoft.com/office/drawing/2016/SVG/main" r:embed="rId4"/>
+              </a:ext>
+            </a:extLst>
+          </a:blip>
+          <a:stretch>
+            <a:fillRect/>
+          </a:stretch>
+        </p:blipFill>
+        <p:spPr>
+          <a:xfrm>
+            <a:off x="7863851" y="4681261"/>
+            <a:ext cx="914400" cy="914400"/>
+          </a:xfrm>
+          <a:prstGeom prst="rect">
+            <a:avLst/>
+          </a:prstGeom>
+        </p:spPr>
+      </p:pic>
+      <p:cxnSp>
+        <p:nvCxnSpPr>
+          <p:cNvPr id="17" name="f kubectl t target" descr="Create Target">
+            <a:extLst>
+              <a:ext uri="{FF2B5EF4-FFF2-40B4-BE49-F238E27FC236}">
+                <a16:creationId xmlns:a16="http://schemas.microsoft.com/office/drawing/2014/main" id="{04A0A9D5-6813-3349-96F4-856999B35A79}"/>
+              </a:ext>
+            </a:extLst>
+          </p:cNvPr>
+          <p:cNvCxnSpPr>
+            <a:cxnSpLocks/>
+          </p:cNvCxnSpPr>
+          <p:nvPr/>
+        </p:nvCxnSpPr>
+        <p:spPr>
+          <a:xfrm flipH="1" flipV="1">
+            <a:off x="4113558" y="3165920"/>
+            <a:ext cx="3750296" cy="1773648"/>
+          </a:xfrm>
+          <a:prstGeom prst="straightConnector1">
+            <a:avLst/>
+          </a:prstGeom>
+          <a:ln w="19050">
+            <a:tailEnd type="triangle"/>
+          </a:ln>
+        </p:spPr>
+        <p:style>
+          <a:lnRef idx="1">
+            <a:schemeClr val="accent1"/>
+          </a:lnRef>
+          <a:fillRef idx="0">
+            <a:schemeClr val="accent1"/>
+          </a:fillRef>
+          <a:effectRef idx="0">
+            <a:schemeClr val="accent1"/>
+          </a:effectRef>
+          <a:fontRef idx="minor">
+            <a:schemeClr val="tx1"/>
+          </a:fontRef>
+        </p:style>
+      </p:cxnSp>
+      <p:cxnSp>
+        <p:nvCxnSpPr>
+          <p:cNvPr id="24" name="f kube-controller t hpa">
+            <a:extLst>
+              <a:ext uri="{FF2B5EF4-FFF2-40B4-BE49-F238E27FC236}">
+                <a16:creationId xmlns:a16="http://schemas.microsoft.com/office/drawing/2014/main" id="{219197AF-1CAB-C441-8E6F-A90B2DD65C24}"/>
+              </a:ext>
+            </a:extLst>
+          </p:cNvPr>
+          <p:cNvCxnSpPr>
+            <a:cxnSpLocks/>
+          </p:cNvCxnSpPr>
+          <p:nvPr/>
+        </p:nvCxnSpPr>
+        <p:spPr>
+          <a:xfrm flipH="1">
+            <a:off x="1649339" y="1598064"/>
+            <a:ext cx="1136590" cy="1164064"/>
+          </a:xfrm>
+          <a:prstGeom prst="straightConnector1">
+            <a:avLst/>
+          </a:prstGeom>
+          <a:ln w="19050">
+            <a:tailEnd type="triangle"/>
+          </a:ln>
+        </p:spPr>
+        <p:style>
+          <a:lnRef idx="1">
+            <a:schemeClr val="accent1"/>
+          </a:lnRef>
+          <a:fillRef idx="0">
+            <a:schemeClr val="accent1"/>
+          </a:fillRef>
+          <a:effectRef idx="0">
+            <a:schemeClr val="accent1"/>
+          </a:effectRef>
+          <a:fontRef idx="minor">
+            <a:schemeClr val="tx1"/>
+          </a:fontRef>
+        </p:style>
+      </p:cxnSp>
+      <p:cxnSp>
+        <p:nvCxnSpPr>
+          <p:cNvPr id="26" name="f kube-controller t keda">
+            <a:extLst>
+              <a:ext uri="{FF2B5EF4-FFF2-40B4-BE49-F238E27FC236}">
+                <a16:creationId xmlns:a16="http://schemas.microsoft.com/office/drawing/2014/main" id="{20AAE950-D83C-3E40-9CBA-E255F2603478}"/>
+              </a:ext>
+            </a:extLst>
+          </p:cNvPr>
+          <p:cNvCxnSpPr>
+            <a:cxnSpLocks/>
+          </p:cNvCxnSpPr>
+          <p:nvPr/>
+        </p:nvCxnSpPr>
+        <p:spPr>
+          <a:xfrm>
+            <a:off x="3569676" y="1798716"/>
+            <a:ext cx="0" cy="636753"/>
+          </a:xfrm>
+          <a:prstGeom prst="straightConnector1">
+            <a:avLst/>
+          </a:prstGeom>
+          <a:ln w="19050">
+            <a:tailEnd type="triangle"/>
+          </a:ln>
+        </p:spPr>
+        <p:style>
+          <a:lnRef idx="1">
+            <a:schemeClr val="accent1"/>
+          </a:lnRef>
+          <a:fillRef idx="0">
+            <a:schemeClr val="accent1"/>
+          </a:fillRef>
+          <a:effectRef idx="0">
+            <a:schemeClr val="accent1"/>
+          </a:effectRef>
+          <a:fontRef idx="minor">
+            <a:schemeClr val="tx1"/>
+          </a:fontRef>
+        </p:style>
+      </p:cxnSp>
+      <p:sp>
+        <p:nvSpPr>
+          <p:cNvPr id="27" name="text 1 to more">
+            <a:extLst>
+              <a:ext uri="{FF2B5EF4-FFF2-40B4-BE49-F238E27FC236}">
+                <a16:creationId xmlns:a16="http://schemas.microsoft.com/office/drawing/2014/main" id="{50D3A479-C983-F343-A498-493CDB982F89}"/>
+              </a:ext>
+            </a:extLst>
+          </p:cNvPr>
+          <p:cNvSpPr txBox="1"/>
+          <p:nvPr/>
+        </p:nvSpPr>
+        <p:spPr>
+          <a:xfrm>
+            <a:off x="2638040" y="1904692"/>
+            <a:ext cx="2049497" cy="338554"/>
+          </a:xfrm>
+          <a:prstGeom prst="rect">
+            <a:avLst/>
+          </a:prstGeom>
+          <a:noFill/>
+        </p:spPr>
+        <p:txBody>
+          <a:bodyPr wrap="square" rtlCol="0">
+            <a:spAutoFit/>
+          </a:bodyPr>
+          <a:lstStyle/>
+          <a:p>
+            <a:r>
+              <a:rPr lang="en-US" sz="1600" dirty="0"/>
+              <a:t>1 to more / more to 1</a:t>
+            </a:r>
+          </a:p>
+        </p:txBody>
+      </p:sp>
+      <p:cxnSp>
+        <p:nvCxnSpPr>
+          <p:cNvPr id="28" name="f kubectl t HPA" descr="Create Target">
+            <a:extLst>
+              <a:ext uri="{FF2B5EF4-FFF2-40B4-BE49-F238E27FC236}">
+                <a16:creationId xmlns:a16="http://schemas.microsoft.com/office/drawing/2014/main" id="{022E64A3-1B3F-B24B-8DB6-16D1F2DB411D}"/>
+              </a:ext>
+            </a:extLst>
+          </p:cNvPr>
+          <p:cNvCxnSpPr>
+            <a:cxnSpLocks/>
+          </p:cNvCxnSpPr>
+          <p:nvPr/>
+        </p:nvCxnSpPr>
+        <p:spPr>
+          <a:xfrm flipH="1" flipV="1">
+            <a:off x="1877804" y="3488987"/>
+            <a:ext cx="5986047" cy="1669927"/>
+          </a:xfrm>
+          <a:prstGeom prst="straightConnector1">
+            <a:avLst/>
+          </a:prstGeom>
+          <a:ln w="19050">
+            <a:tailEnd type="triangle"/>
+          </a:ln>
+        </p:spPr>
+        <p:style>
+          <a:lnRef idx="1">
+            <a:schemeClr val="accent1"/>
+          </a:lnRef>
+          <a:fillRef idx="0">
+            <a:schemeClr val="accent1"/>
+          </a:fillRef>
+          <a:effectRef idx="0">
+            <a:schemeClr val="accent1"/>
+          </a:effectRef>
+          <a:fontRef idx="minor">
+            <a:schemeClr val="tx1"/>
+          </a:fontRef>
+        </p:style>
+      </p:cxnSp>
+      <p:cxnSp>
+        <p:nvCxnSpPr>
+          <p:cNvPr id="31" name="kube-controller to k8s">
+            <a:extLst>
+              <a:ext uri="{FF2B5EF4-FFF2-40B4-BE49-F238E27FC236}">
+                <a16:creationId xmlns:a16="http://schemas.microsoft.com/office/drawing/2014/main" id="{B220B7A4-1290-824D-901D-3B301B338008}"/>
+              </a:ext>
+            </a:extLst>
+          </p:cNvPr>
+          <p:cNvCxnSpPr/>
+          <p:nvPr/>
+        </p:nvCxnSpPr>
+        <p:spPr>
+          <a:xfrm flipV="1">
+            <a:off x="4382219" y="690113"/>
+            <a:ext cx="2303253" cy="439947"/>
+          </a:xfrm>
+          <a:prstGeom prst="straightConnector1">
+            <a:avLst/>
+          </a:prstGeom>
+          <a:ln w="19050">
+            <a:tailEnd type="triangle"/>
+          </a:ln>
+        </p:spPr>
+        <p:style>
+          <a:lnRef idx="1">
+            <a:schemeClr val="accent1"/>
+          </a:lnRef>
+          <a:fillRef idx="0">
+            <a:schemeClr val="accent1"/>
+          </a:fillRef>
+          <a:effectRef idx="0">
+            <a:schemeClr val="accent1"/>
+          </a:effectRef>
+          <a:fontRef idx="minor">
+            <a:schemeClr val="tx1"/>
+          </a:fontRef>
+        </p:style>
+      </p:cxnSp>
+      <p:sp>
+        <p:nvSpPr>
+          <p:cNvPr id="32" name="TextBox 31">
+            <a:extLst>
+              <a:ext uri="{FF2B5EF4-FFF2-40B4-BE49-F238E27FC236}">
+                <a16:creationId xmlns:a16="http://schemas.microsoft.com/office/drawing/2014/main" id="{A512A620-8245-CB4B-A79D-EC86077A749E}"/>
+              </a:ext>
+            </a:extLst>
+          </p:cNvPr>
+          <p:cNvSpPr txBox="1"/>
+          <p:nvPr/>
+        </p:nvSpPr>
+        <p:spPr>
+          <a:xfrm>
+            <a:off x="5842672" y="499817"/>
+            <a:ext cx="292068" cy="369332"/>
+          </a:xfrm>
+          <a:prstGeom prst="rect">
+            <a:avLst/>
+          </a:prstGeom>
+          <a:noFill/>
+        </p:spPr>
+        <p:txBody>
+          <a:bodyPr wrap="none" rtlCol="0">
+            <a:spAutoFit/>
+          </a:bodyPr>
+          <a:lstStyle/>
+          <a:p>
+            <a:r>
+              <a:rPr lang="en-US" dirty="0"/>
+              <a:t>?</a:t>
+            </a:r>
           </a:p>
         </p:txBody>
       </p:sp>
     </p:spTree>
     <p:extLst>
       <p:ext uri="{BB962C8B-B14F-4D97-AF65-F5344CB8AC3E}">
-        <p14:creationId xmlns:p14="http://schemas.microsoft.com/office/powerpoint/2010/main" val="950693121"/>
+        <p14:creationId xmlns:p14="http://schemas.microsoft.com/office/powerpoint/2010/main" val="1613341757"/>
       </p:ext>
     </p:extLst>
   </p:cSld>
   <p:clrMapOvr>
     <a:masterClrMapping/>
   </p:clrMapOvr>
+  <p:timing>
+    <p:tnLst>
+      <p:par>
+        <p:cTn id="1" dur="indefinite" restart="never" nodeType="tmRoot">
+          <p:childTnLst>
+            <p:seq concurrent="1" nextAc="seek">
+              <p:cTn id="2" dur="indefinite" nodeType="mainSeq">
+                <p:childTnLst>
+                  <p:par>
+                    <p:cTn id="3" fill="hold">
+                      <p:stCondLst>
+                        <p:cond delay="indefinite"/>
+                      </p:stCondLst>
+                      <p:childTnLst>
+                        <p:par>
+                          <p:cTn id="4" fill="hold">
+                            <p:stCondLst>
+                              <p:cond delay="0"/>
+                            </p:stCondLst>
+                            <p:childTnLst>
+                              <p:par>
+                                <p:cTn id="5" presetID="10" presetClass="entr" presetSubtype="0" fill="hold" grpId="0" nodeType="clickEffect">
+                                  <p:stCondLst>
+                                    <p:cond delay="0"/>
+                                  </p:stCondLst>
+                                  <p:childTnLst>
+                                    <p:set>
+                                      <p:cBhvr>
+                                        <p:cTn id="6" dur="1" fill="hold">
+                                          <p:stCondLst>
+                                            <p:cond delay="0"/>
+                                          </p:stCondLst>
+                                        </p:cTn>
+                                        <p:tgtEl>
+                                          <p:spTgt spid="7"/>
+                                        </p:tgtEl>
+                                        <p:attrNameLst>
+                                          <p:attrName>style.visibility</p:attrName>
+                                        </p:attrNameLst>
+                                      </p:cBhvr>
+                                      <p:to>
+                                        <p:strVal val="visible"/>
+                                      </p:to>
+                                    </p:set>
+                                    <p:animEffect transition="in" filter="fade">
+                                      <p:cBhvr>
+                                        <p:cTn id="7" dur="500"/>
+                                        <p:tgtEl>
+                                          <p:spTgt spid="7"/>
+                                        </p:tgtEl>
+                                      </p:cBhvr>
+                                    </p:animEffect>
+                                  </p:childTnLst>
+                                </p:cTn>
+                              </p:par>
+                              <p:par>
+                                <p:cTn id="8" presetID="10" presetClass="entr" presetSubtype="0" fill="hold" nodeType="withEffect">
+                                  <p:stCondLst>
+                                    <p:cond delay="0"/>
+                                  </p:stCondLst>
+                                  <p:childTnLst>
+                                    <p:set>
+                                      <p:cBhvr>
+                                        <p:cTn id="9" dur="1" fill="hold">
+                                          <p:stCondLst>
+                                            <p:cond delay="0"/>
+                                          </p:stCondLst>
+                                        </p:cTn>
+                                        <p:tgtEl>
+                                          <p:spTgt spid="17"/>
+                                        </p:tgtEl>
+                                        <p:attrNameLst>
+                                          <p:attrName>style.visibility</p:attrName>
+                                        </p:attrNameLst>
+                                      </p:cBhvr>
+                                      <p:to>
+                                        <p:strVal val="visible"/>
+                                      </p:to>
+                                    </p:set>
+                                    <p:animEffect transition="in" filter="fade">
+                                      <p:cBhvr>
+                                        <p:cTn id="10" dur="500"/>
+                                        <p:tgtEl>
+                                          <p:spTgt spid="17"/>
+                                        </p:tgtEl>
+                                      </p:cBhvr>
+                                    </p:animEffect>
+                                  </p:childTnLst>
+                                </p:cTn>
+                              </p:par>
+                            </p:childTnLst>
+                          </p:cTn>
+                        </p:par>
+                      </p:childTnLst>
+                    </p:cTn>
+                  </p:par>
+                  <p:par>
+                    <p:cTn id="11" fill="hold">
+                      <p:stCondLst>
+                        <p:cond delay="indefinite"/>
+                      </p:stCondLst>
+                      <p:childTnLst>
+                        <p:par>
+                          <p:cTn id="12" fill="hold">
+                            <p:stCondLst>
+                              <p:cond delay="0"/>
+                            </p:stCondLst>
+                            <p:childTnLst>
+                              <p:par>
+                                <p:cTn id="13" presetID="1" presetClass="exit" presetSubtype="0" fill="hold" nodeType="clickEffect">
+                                  <p:stCondLst>
+                                    <p:cond delay="0"/>
+                                  </p:stCondLst>
+                                  <p:childTnLst>
+                                    <p:set>
+                                      <p:cBhvr>
+                                        <p:cTn id="14" dur="1" fill="hold">
+                                          <p:stCondLst>
+                                            <p:cond delay="0"/>
+                                          </p:stCondLst>
+                                        </p:cTn>
+                                        <p:tgtEl>
+                                          <p:spTgt spid="17"/>
+                                        </p:tgtEl>
+                                        <p:attrNameLst>
+                                          <p:attrName>style.visibility</p:attrName>
+                                        </p:attrNameLst>
+                                      </p:cBhvr>
+                                      <p:to>
+                                        <p:strVal val="hidden"/>
+                                      </p:to>
+                                    </p:set>
+                                  </p:childTnLst>
+                                </p:cTn>
+                              </p:par>
+                            </p:childTnLst>
+                          </p:cTn>
+                        </p:par>
+                      </p:childTnLst>
+                    </p:cTn>
+                  </p:par>
+                  <p:par>
+                    <p:cTn id="15" fill="hold">
+                      <p:stCondLst>
+                        <p:cond delay="indefinite"/>
+                      </p:stCondLst>
+                      <p:childTnLst>
+                        <p:par>
+                          <p:cTn id="16" fill="hold">
+                            <p:stCondLst>
+                              <p:cond delay="0"/>
+                            </p:stCondLst>
+                            <p:childTnLst>
+                              <p:par>
+                                <p:cTn id="17" presetID="10" presetClass="entr" presetSubtype="0" fill="hold" grpId="0" nodeType="clickEffect">
+                                  <p:stCondLst>
+                                    <p:cond delay="0"/>
+                                  </p:stCondLst>
+                                  <p:childTnLst>
+                                    <p:set>
+                                      <p:cBhvr>
+                                        <p:cTn id="18" dur="1" fill="hold">
+                                          <p:stCondLst>
+                                            <p:cond delay="0"/>
+                                          </p:stCondLst>
+                                        </p:cTn>
+                                        <p:tgtEl>
+                                          <p:spTgt spid="14"/>
+                                        </p:tgtEl>
+                                        <p:attrNameLst>
+                                          <p:attrName>style.visibility</p:attrName>
+                                        </p:attrNameLst>
+                                      </p:cBhvr>
+                                      <p:to>
+                                        <p:strVal val="visible"/>
+                                      </p:to>
+                                    </p:set>
+                                    <p:animEffect transition="in" filter="fade">
+                                      <p:cBhvr>
+                                        <p:cTn id="19" dur="500"/>
+                                        <p:tgtEl>
+                                          <p:spTgt spid="14"/>
+                                        </p:tgtEl>
+                                      </p:cBhvr>
+                                    </p:animEffect>
+                                  </p:childTnLst>
+                                </p:cTn>
+                              </p:par>
+                              <p:par>
+                                <p:cTn id="20" presetID="10" presetClass="entr" presetSubtype="0" fill="hold" nodeType="withEffect">
+                                  <p:stCondLst>
+                                    <p:cond delay="0"/>
+                                  </p:stCondLst>
+                                  <p:childTnLst>
+                                    <p:set>
+                                      <p:cBhvr>
+                                        <p:cTn id="21" dur="1" fill="hold">
+                                          <p:stCondLst>
+                                            <p:cond delay="0"/>
+                                          </p:stCondLst>
+                                        </p:cTn>
+                                        <p:tgtEl>
+                                          <p:spTgt spid="28"/>
+                                        </p:tgtEl>
+                                        <p:attrNameLst>
+                                          <p:attrName>style.visibility</p:attrName>
+                                        </p:attrNameLst>
+                                      </p:cBhvr>
+                                      <p:to>
+                                        <p:strVal val="visible"/>
+                                      </p:to>
+                                    </p:set>
+                                    <p:animEffect transition="in" filter="fade">
+                                      <p:cBhvr>
+                                        <p:cTn id="22" dur="500"/>
+                                        <p:tgtEl>
+                                          <p:spTgt spid="28"/>
+                                        </p:tgtEl>
+                                      </p:cBhvr>
+                                    </p:animEffect>
+                                  </p:childTnLst>
+                                </p:cTn>
+                              </p:par>
+                            </p:childTnLst>
+                          </p:cTn>
+                        </p:par>
+                      </p:childTnLst>
+                    </p:cTn>
+                  </p:par>
+                  <p:par>
+                    <p:cTn id="23" fill="hold">
+                      <p:stCondLst>
+                        <p:cond delay="indefinite"/>
+                      </p:stCondLst>
+                      <p:childTnLst>
+                        <p:par>
+                          <p:cTn id="24" fill="hold">
+                            <p:stCondLst>
+                              <p:cond delay="0"/>
+                            </p:stCondLst>
+                            <p:childTnLst>
+                              <p:par>
+                                <p:cTn id="25" presetID="1" presetClass="exit" presetSubtype="0" fill="hold" nodeType="clickEffect">
+                                  <p:stCondLst>
+                                    <p:cond delay="0"/>
+                                  </p:stCondLst>
+                                  <p:childTnLst>
+                                    <p:set>
+                                      <p:cBhvr>
+                                        <p:cTn id="26" dur="1" fill="hold">
+                                          <p:stCondLst>
+                                            <p:cond delay="0"/>
+                                          </p:stCondLst>
+                                        </p:cTn>
+                                        <p:tgtEl>
+                                          <p:spTgt spid="28"/>
+                                        </p:tgtEl>
+                                        <p:attrNameLst>
+                                          <p:attrName>style.visibility</p:attrName>
+                                        </p:attrNameLst>
+                                      </p:cBhvr>
+                                      <p:to>
+                                        <p:strVal val="hidden"/>
+                                      </p:to>
+                                    </p:set>
+                                  </p:childTnLst>
+                                </p:cTn>
+                              </p:par>
+                            </p:childTnLst>
+                          </p:cTn>
+                        </p:par>
+                      </p:childTnLst>
+                    </p:cTn>
+                  </p:par>
+                  <p:par>
+                    <p:cTn id="27" fill="hold">
+                      <p:stCondLst>
+                        <p:cond delay="indefinite"/>
+                      </p:stCondLst>
+                      <p:childTnLst>
+                        <p:par>
+                          <p:cTn id="28" fill="hold">
+                            <p:stCondLst>
+                              <p:cond delay="0"/>
+                            </p:stCondLst>
+                            <p:childTnLst>
+                              <p:par>
+                                <p:cTn id="29" presetID="10" presetClass="entr" presetSubtype="0" fill="hold" nodeType="clickEffect">
+                                  <p:stCondLst>
+                                    <p:cond delay="0"/>
+                                  </p:stCondLst>
+                                  <p:childTnLst>
+                                    <p:set>
+                                      <p:cBhvr>
+                                        <p:cTn id="30" dur="1" fill="hold">
+                                          <p:stCondLst>
+                                            <p:cond delay="0"/>
+                                          </p:stCondLst>
+                                        </p:cTn>
+                                        <p:tgtEl>
+                                          <p:spTgt spid="24"/>
+                                        </p:tgtEl>
+                                        <p:attrNameLst>
+                                          <p:attrName>style.visibility</p:attrName>
+                                        </p:attrNameLst>
+                                      </p:cBhvr>
+                                      <p:to>
+                                        <p:strVal val="visible"/>
+                                      </p:to>
+                                    </p:set>
+                                    <p:animEffect transition="in" filter="fade">
+                                      <p:cBhvr>
+                                        <p:cTn id="31" dur="500"/>
+                                        <p:tgtEl>
+                                          <p:spTgt spid="24"/>
+                                        </p:tgtEl>
+                                      </p:cBhvr>
+                                    </p:animEffect>
+                                  </p:childTnLst>
+                                </p:cTn>
+                              </p:par>
+                            </p:childTnLst>
+                          </p:cTn>
+                        </p:par>
+                      </p:childTnLst>
+                    </p:cTn>
+                  </p:par>
+                  <p:par>
+                    <p:cTn id="32" fill="hold">
+                      <p:stCondLst>
+                        <p:cond delay="indefinite"/>
+                      </p:stCondLst>
+                      <p:childTnLst>
+                        <p:par>
+                          <p:cTn id="33" fill="hold">
+                            <p:stCondLst>
+                              <p:cond delay="0"/>
+                            </p:stCondLst>
+                            <p:childTnLst>
+                              <p:par>
+                                <p:cTn id="34" presetID="10" presetClass="entr" presetSubtype="0" fill="hold" nodeType="clickEffect">
+                                  <p:stCondLst>
+                                    <p:cond delay="0"/>
+                                  </p:stCondLst>
+                                  <p:childTnLst>
+                                    <p:set>
+                                      <p:cBhvr>
+                                        <p:cTn id="35" dur="1" fill="hold">
+                                          <p:stCondLst>
+                                            <p:cond delay="0"/>
+                                          </p:stCondLst>
+                                        </p:cTn>
+                                        <p:tgtEl>
+                                          <p:spTgt spid="26"/>
+                                        </p:tgtEl>
+                                        <p:attrNameLst>
+                                          <p:attrName>style.visibility</p:attrName>
+                                        </p:attrNameLst>
+                                      </p:cBhvr>
+                                      <p:to>
+                                        <p:strVal val="visible"/>
+                                      </p:to>
+                                    </p:set>
+                                    <p:animEffect transition="in" filter="fade">
+                                      <p:cBhvr>
+                                        <p:cTn id="36" dur="500"/>
+                                        <p:tgtEl>
+                                          <p:spTgt spid="26"/>
+                                        </p:tgtEl>
+                                      </p:cBhvr>
+                                    </p:animEffect>
+                                  </p:childTnLst>
+                                </p:cTn>
+                              </p:par>
+                              <p:par>
+                                <p:cTn id="37" presetID="10" presetClass="entr" presetSubtype="0" fill="hold" grpId="0" nodeType="withEffect">
+                                  <p:stCondLst>
+                                    <p:cond delay="0"/>
+                                  </p:stCondLst>
+                                  <p:childTnLst>
+                                    <p:set>
+                                      <p:cBhvr>
+                                        <p:cTn id="38" dur="1" fill="hold">
+                                          <p:stCondLst>
+                                            <p:cond delay="0"/>
+                                          </p:stCondLst>
+                                        </p:cTn>
+                                        <p:tgtEl>
+                                          <p:spTgt spid="27"/>
+                                        </p:tgtEl>
+                                        <p:attrNameLst>
+                                          <p:attrName>style.visibility</p:attrName>
+                                        </p:attrNameLst>
+                                      </p:cBhvr>
+                                      <p:to>
+                                        <p:strVal val="visible"/>
+                                      </p:to>
+                                    </p:set>
+                                    <p:animEffect transition="in" filter="fade">
+                                      <p:cBhvr>
+                                        <p:cTn id="39" dur="500"/>
+                                        <p:tgtEl>
+                                          <p:spTgt spid="27"/>
+                                        </p:tgtEl>
+                                      </p:cBhvr>
+                                    </p:animEffect>
+                                  </p:childTnLst>
+                                </p:cTn>
+                              </p:par>
+                            </p:childTnLst>
+                          </p:cTn>
+                        </p:par>
+                      </p:childTnLst>
+                    </p:cTn>
+                  </p:par>
+                  <p:par>
+                    <p:cTn id="40" fill="hold">
+                      <p:stCondLst>
+                        <p:cond delay="indefinite"/>
+                      </p:stCondLst>
+                      <p:childTnLst>
+                        <p:par>
+                          <p:cTn id="41" fill="hold">
+                            <p:stCondLst>
+                              <p:cond delay="0"/>
+                            </p:stCondLst>
+                            <p:childTnLst>
+                              <p:par>
+                                <p:cTn id="42" presetID="10" presetClass="entr" presetSubtype="0" fill="hold" grpId="0" nodeType="clickEffect">
+                                  <p:stCondLst>
+                                    <p:cond delay="0"/>
+                                  </p:stCondLst>
+                                  <p:childTnLst>
+                                    <p:set>
+                                      <p:cBhvr>
+                                        <p:cTn id="43" dur="1" fill="hold">
+                                          <p:stCondLst>
+                                            <p:cond delay="0"/>
+                                          </p:stCondLst>
+                                        </p:cTn>
+                                        <p:tgtEl>
+                                          <p:spTgt spid="32"/>
+                                        </p:tgtEl>
+                                        <p:attrNameLst>
+                                          <p:attrName>style.visibility</p:attrName>
+                                        </p:attrNameLst>
+                                      </p:cBhvr>
+                                      <p:to>
+                                        <p:strVal val="visible"/>
+                                      </p:to>
+                                    </p:set>
+                                    <p:animEffect transition="in" filter="fade">
+                                      <p:cBhvr>
+                                        <p:cTn id="44" dur="500"/>
+                                        <p:tgtEl>
+                                          <p:spTgt spid="32"/>
+                                        </p:tgtEl>
+                                      </p:cBhvr>
+                                    </p:animEffect>
+                                  </p:childTnLst>
+                                </p:cTn>
+                              </p:par>
+                              <p:par>
+                                <p:cTn id="45" presetID="10" presetClass="entr" presetSubtype="0" fill="hold" nodeType="withEffect">
+                                  <p:stCondLst>
+                                    <p:cond delay="0"/>
+                                  </p:stCondLst>
+                                  <p:childTnLst>
+                                    <p:set>
+                                      <p:cBhvr>
+                                        <p:cTn id="46" dur="1" fill="hold">
+                                          <p:stCondLst>
+                                            <p:cond delay="0"/>
+                                          </p:stCondLst>
+                                        </p:cTn>
+                                        <p:tgtEl>
+                                          <p:spTgt spid="31"/>
+                                        </p:tgtEl>
+                                        <p:attrNameLst>
+                                          <p:attrName>style.visibility</p:attrName>
+                                        </p:attrNameLst>
+                                      </p:cBhvr>
+                                      <p:to>
+                                        <p:strVal val="visible"/>
+                                      </p:to>
+                                    </p:set>
+                                    <p:animEffect transition="in" filter="fade">
+                                      <p:cBhvr>
+                                        <p:cTn id="47" dur="500"/>
+                                        <p:tgtEl>
+                                          <p:spTgt spid="31"/>
+                                        </p:tgtEl>
+                                      </p:cBhvr>
+                                    </p:animEffect>
+                                  </p:childTnLst>
+                                </p:cTn>
+                              </p:par>
+                            </p:childTnLst>
+                          </p:cTn>
+                        </p:par>
+                      </p:childTnLst>
+                    </p:cTn>
+                  </p:par>
+                </p:childTnLst>
+              </p:cTn>
+              <p:prevCondLst>
+                <p:cond evt="onPrev" delay="0">
+                  <p:tgtEl>
+                    <p:sldTgt/>
+                  </p:tgtEl>
+                </p:cond>
+              </p:prevCondLst>
+              <p:nextCondLst>
+                <p:cond evt="onNext" delay="0">
+                  <p:tgtEl>
+                    <p:sldTgt/>
+                  </p:tgtEl>
+                </p:cond>
+              </p:nextCondLst>
+            </p:seq>
+          </p:childTnLst>
+        </p:cTn>
+      </p:par>
+    </p:tnLst>
+    <p:bldLst>
+      <p:bldP spid="7" grpId="0" animBg="1"/>
+      <p:bldP spid="14" grpId="0" animBg="1"/>
+      <p:bldP spid="27" grpId="0"/>
+      <p:bldP spid="32" grpId="0"/>
+    </p:bldLst>
+  </p:timing>
 </p:sld>
 </file>
 
@@ -3624,6 +6519,291 @@
       </p:grpSpPr>
       <p:sp>
         <p:nvSpPr>
+          <p:cNvPr id="2" name="Title 1">
+            <a:extLst>
+              <a:ext uri="{FF2B5EF4-FFF2-40B4-BE49-F238E27FC236}">
+                <a16:creationId xmlns:a16="http://schemas.microsoft.com/office/drawing/2014/main" id="{99D8DFFE-7F86-A44D-A4D5-1F9B7BC41356}"/>
+              </a:ext>
+            </a:extLst>
+          </p:cNvPr>
+          <p:cNvSpPr>
+            <a:spLocks noGrp="1"/>
+          </p:cNvSpPr>
+          <p:nvPr>
+            <p:ph type="title"/>
+          </p:nvPr>
+        </p:nvSpPr>
+        <p:spPr/>
+        <p:txBody>
+          <a:bodyPr/>
+          <a:lstStyle/>
+          <a:p>
+            <a:r>
+              <a:rPr lang="en-US" dirty="0"/>
+              <a:t>Problems with HPA only</a:t>
+            </a:r>
+          </a:p>
+        </p:txBody>
+      </p:sp>
+      <p:sp>
+        <p:nvSpPr>
+          <p:cNvPr id="3" name="Content Placeholder 2">
+            <a:extLst>
+              <a:ext uri="{FF2B5EF4-FFF2-40B4-BE49-F238E27FC236}">
+                <a16:creationId xmlns:a16="http://schemas.microsoft.com/office/drawing/2014/main" id="{7C1314C0-3165-D74D-BDB0-CFD6BAE2A7F9}"/>
+              </a:ext>
+            </a:extLst>
+          </p:cNvPr>
+          <p:cNvSpPr>
+            <a:spLocks noGrp="1"/>
+          </p:cNvSpPr>
+          <p:nvPr>
+            <p:ph idx="1"/>
+          </p:nvPr>
+        </p:nvSpPr>
+        <p:spPr/>
+        <p:txBody>
+          <a:bodyPr/>
+          <a:lstStyle/>
+          <a:p>
+            <a:r>
+              <a:rPr lang="en-US" dirty="0"/>
+              <a:t>No “0 to 1” and “1 to 0”</a:t>
+            </a:r>
+          </a:p>
+          <a:p>
+            <a:r>
+              <a:rPr lang="en-US" dirty="0"/>
+              <a:t>Only CPU and Memory by default</a:t>
+            </a:r>
+          </a:p>
+          <a:p>
+            <a:r>
+              <a:rPr lang="en-US" dirty="0"/>
+              <a:t>No easy way for your own scaler</a:t>
+            </a:r>
+          </a:p>
+          <a:p>
+            <a:endParaRPr lang="en-US" dirty="0"/>
+          </a:p>
+          <a:p>
+            <a:endParaRPr lang="en-US" dirty="0"/>
+          </a:p>
+        </p:txBody>
+      </p:sp>
+    </p:spTree>
+    <p:extLst>
+      <p:ext uri="{BB962C8B-B14F-4D97-AF65-F5344CB8AC3E}">
+        <p14:creationId xmlns:p14="http://schemas.microsoft.com/office/powerpoint/2010/main" val="1561030645"/>
+      </p:ext>
+    </p:extLst>
+  </p:cSld>
+  <p:clrMapOvr>
+    <a:masterClrMapping/>
+  </p:clrMapOvr>
+</p:sld>
+</file>
+
+<file path=ppt/slides/slide5.xml><?xml version="1.0" encoding="utf-8"?>
+<p:sld xmlns:a="http://schemas.openxmlformats.org/drawingml/2006/main" xmlns:r="http://schemas.openxmlformats.org/officeDocument/2006/relationships" xmlns:p="http://schemas.openxmlformats.org/presentationml/2006/main">
+  <p:cSld>
+    <p:spTree>
+      <p:nvGrpSpPr>
+        <p:cNvPr id="1" name=""/>
+        <p:cNvGrpSpPr/>
+        <p:nvPr/>
+      </p:nvGrpSpPr>
+      <p:grpSpPr>
+        <a:xfrm>
+          <a:off x="0" y="0"/>
+          <a:ext cx="0" cy="0"/>
+          <a:chOff x="0" y="0"/>
+          <a:chExt cx="0" cy="0"/>
+        </a:xfrm>
+      </p:grpSpPr>
+      <p:sp>
+        <p:nvSpPr>
+          <p:cNvPr id="4" name="Title 3">
+            <a:extLst>
+              <a:ext uri="{FF2B5EF4-FFF2-40B4-BE49-F238E27FC236}">
+                <a16:creationId xmlns:a16="http://schemas.microsoft.com/office/drawing/2014/main" id="{81493473-C789-6340-9A5E-E3B87060176D}"/>
+              </a:ext>
+            </a:extLst>
+          </p:cNvPr>
+          <p:cNvSpPr>
+            <a:spLocks noGrp="1"/>
+          </p:cNvSpPr>
+          <p:nvPr>
+            <p:ph type="ctrTitle"/>
+          </p:nvPr>
+        </p:nvSpPr>
+        <p:spPr/>
+        <p:txBody>
+          <a:bodyPr/>
+          <a:lstStyle/>
+          <a:p>
+            <a:r>
+              <a:rPr lang="en-US" dirty="0"/>
+              <a:t>KEDA’s Role</a:t>
+            </a:r>
+          </a:p>
+        </p:txBody>
+      </p:sp>
+      <p:sp>
+        <p:nvSpPr>
+          <p:cNvPr id="5" name="Subtitle 4">
+            <a:extLst>
+              <a:ext uri="{FF2B5EF4-FFF2-40B4-BE49-F238E27FC236}">
+                <a16:creationId xmlns:a16="http://schemas.microsoft.com/office/drawing/2014/main" id="{3F497F65-F9ED-2A41-B292-E76F7297D8D8}"/>
+              </a:ext>
+            </a:extLst>
+          </p:cNvPr>
+          <p:cNvSpPr>
+            <a:spLocks noGrp="1"/>
+          </p:cNvSpPr>
+          <p:nvPr>
+            <p:ph type="subTitle" idx="1"/>
+          </p:nvPr>
+        </p:nvSpPr>
+        <p:spPr/>
+        <p:txBody>
+          <a:bodyPr/>
+          <a:lstStyle/>
+          <a:p>
+            <a:endParaRPr lang="en-US"/>
+          </a:p>
+        </p:txBody>
+      </p:sp>
+    </p:spTree>
+    <p:extLst>
+      <p:ext uri="{BB962C8B-B14F-4D97-AF65-F5344CB8AC3E}">
+        <p14:creationId xmlns:p14="http://schemas.microsoft.com/office/powerpoint/2010/main" val="950693121"/>
+      </p:ext>
+    </p:extLst>
+  </p:cSld>
+  <p:clrMapOvr>
+    <a:masterClrMapping/>
+  </p:clrMapOvr>
+</p:sld>
+</file>
+
+<file path=ppt/slides/slide6.xml><?xml version="1.0" encoding="utf-8"?>
+<p:sld xmlns:a="http://schemas.openxmlformats.org/drawingml/2006/main" xmlns:r="http://schemas.openxmlformats.org/officeDocument/2006/relationships" xmlns:p="http://schemas.openxmlformats.org/presentationml/2006/main">
+  <p:cSld>
+    <p:spTree>
+      <p:nvGrpSpPr>
+        <p:cNvPr id="1" name=""/>
+        <p:cNvGrpSpPr/>
+        <p:nvPr/>
+      </p:nvGrpSpPr>
+      <p:grpSpPr>
+        <a:xfrm>
+          <a:off x="0" y="0"/>
+          <a:ext cx="0" cy="0"/>
+          <a:chOff x="0" y="0"/>
+          <a:chExt cx="0" cy="0"/>
+        </a:xfrm>
+      </p:grpSpPr>
+      <p:sp>
+        <p:nvSpPr>
+          <p:cNvPr id="2" name="Title 1">
+            <a:extLst>
+              <a:ext uri="{FF2B5EF4-FFF2-40B4-BE49-F238E27FC236}">
+                <a16:creationId xmlns:a16="http://schemas.microsoft.com/office/drawing/2014/main" id="{2A6B3E5D-467D-AE47-A075-E32FC5595D2C}"/>
+              </a:ext>
+            </a:extLst>
+          </p:cNvPr>
+          <p:cNvSpPr>
+            <a:spLocks noGrp="1"/>
+          </p:cNvSpPr>
+          <p:nvPr>
+            <p:ph type="title"/>
+          </p:nvPr>
+        </p:nvSpPr>
+        <p:spPr/>
+        <p:txBody>
+          <a:bodyPr/>
+          <a:lstStyle/>
+          <a:p>
+            <a:r>
+              <a:rPr lang="en-US" dirty="0"/>
+              <a:t>KEDA brings in</a:t>
+            </a:r>
+          </a:p>
+        </p:txBody>
+      </p:sp>
+      <p:sp>
+        <p:nvSpPr>
+          <p:cNvPr id="3" name="Content Placeholder 2">
+            <a:extLst>
+              <a:ext uri="{FF2B5EF4-FFF2-40B4-BE49-F238E27FC236}">
+                <a16:creationId xmlns:a16="http://schemas.microsoft.com/office/drawing/2014/main" id="{173BC152-0E92-2348-851F-2BA8DE523BF5}"/>
+              </a:ext>
+            </a:extLst>
+          </p:cNvPr>
+          <p:cNvSpPr>
+            <a:spLocks noGrp="1"/>
+          </p:cNvSpPr>
+          <p:nvPr>
+            <p:ph idx="1"/>
+          </p:nvPr>
+        </p:nvSpPr>
+        <p:spPr/>
+        <p:txBody>
+          <a:bodyPr/>
+          <a:lstStyle/>
+          <a:p>
+            <a:r>
+              <a:rPr lang="en-US" dirty="0"/>
+              <a:t>Acts as a metric server for many scalers</a:t>
+            </a:r>
+          </a:p>
+          <a:p>
+            <a:r>
+              <a:rPr lang="en-US" dirty="0"/>
+              <a:t>Support for “0 to 1” and “1 to 0”</a:t>
+            </a:r>
+          </a:p>
+          <a:p>
+            <a:r>
+              <a:rPr lang="en-US" dirty="0"/>
+              <a:t>Build your own scaler</a:t>
+            </a:r>
+          </a:p>
+        </p:txBody>
+      </p:sp>
+    </p:spTree>
+    <p:extLst>
+      <p:ext uri="{BB962C8B-B14F-4D97-AF65-F5344CB8AC3E}">
+        <p14:creationId xmlns:p14="http://schemas.microsoft.com/office/powerpoint/2010/main" val="2953676721"/>
+      </p:ext>
+    </p:extLst>
+  </p:cSld>
+  <p:clrMapOvr>
+    <a:masterClrMapping/>
+  </p:clrMapOvr>
+</p:sld>
+</file>
+
+<file path=ppt/slides/slide7.xml><?xml version="1.0" encoding="utf-8"?>
+<p:sld xmlns:a="http://schemas.openxmlformats.org/drawingml/2006/main" xmlns:r="http://schemas.openxmlformats.org/officeDocument/2006/relationships" xmlns:p="http://schemas.openxmlformats.org/presentationml/2006/main">
+  <p:cSld>
+    <p:spTree>
+      <p:nvGrpSpPr>
+        <p:cNvPr id="1" name=""/>
+        <p:cNvGrpSpPr/>
+        <p:nvPr/>
+      </p:nvGrpSpPr>
+      <p:grpSpPr>
+        <a:xfrm>
+          <a:off x="0" y="0"/>
+          <a:ext cx="0" cy="0"/>
+          <a:chOff x="0" y="0"/>
+          <a:chExt cx="0" cy="0"/>
+        </a:xfrm>
+      </p:grpSpPr>
+      <p:sp>
+        <p:nvSpPr>
           <p:cNvPr id="4" name="Title 3">
             <a:extLst>
               <a:ext uri="{FF2B5EF4-FFF2-40B4-BE49-F238E27FC236}">
@@ -3688,7 +6868,7 @@
 </p:sld>
 </file>
 
-<file path=ppt/slides/slide5.xml><?xml version="1.0" encoding="utf-8"?>
+<file path=ppt/slides/slide8.xml><?xml version="1.0" encoding="utf-8"?>
 <p:sld xmlns:a="http://schemas.openxmlformats.org/drawingml/2006/main" xmlns:r="http://schemas.openxmlformats.org/officeDocument/2006/relationships" xmlns:p="http://schemas.openxmlformats.org/presentationml/2006/main">
   <p:cSld>
     <p:spTree>
@@ -5450,7 +8630,7 @@
 </p:sld>
 </file>
 
-<file path=ppt/slides/slide6.xml><?xml version="1.0" encoding="utf-8"?>
+<file path=ppt/slides/slide9.xml><?xml version="1.0" encoding="utf-8"?>
 <p:sld xmlns:a="http://schemas.openxmlformats.org/drawingml/2006/main" xmlns:r="http://schemas.openxmlformats.org/officeDocument/2006/relationships" xmlns:p="http://schemas.openxmlformats.org/presentationml/2006/main">
   <p:cSld>
     <p:spTree>

--- a/preso.pptx
+++ b/preso.pptx
@@ -4,17 +4,22 @@
   <p:sldMasterIdLst>
     <p:sldMasterId id="2147483648" r:id="rId1"/>
   </p:sldMasterIdLst>
+  <p:notesMasterIdLst>
+    <p:notesMasterId r:id="rId14"/>
+  </p:notesMasterIdLst>
   <p:sldIdLst>
     <p:sldId id="256" r:id="rId2"/>
-    <p:sldId id="257" r:id="rId3"/>
-    <p:sldId id="262" r:id="rId4"/>
-    <p:sldId id="263" r:id="rId5"/>
-    <p:sldId id="258" r:id="rId6"/>
-    <p:sldId id="264" r:id="rId7"/>
-    <p:sldId id="259" r:id="rId8"/>
-    <p:sldId id="261" r:id="rId9"/>
-    <p:sldId id="260" r:id="rId10"/>
-    <p:sldId id="265" r:id="rId11"/>
+    <p:sldId id="267" r:id="rId3"/>
+    <p:sldId id="257" r:id="rId4"/>
+    <p:sldId id="262" r:id="rId5"/>
+    <p:sldId id="263" r:id="rId6"/>
+    <p:sldId id="258" r:id="rId7"/>
+    <p:sldId id="264" r:id="rId8"/>
+    <p:sldId id="259" r:id="rId9"/>
+    <p:sldId id="261" r:id="rId10"/>
+    <p:sldId id="260" r:id="rId11"/>
+    <p:sldId id="265" r:id="rId12"/>
+    <p:sldId id="266" r:id="rId13"/>
   </p:sldIdLst>
   <p:sldSz cx="12192000" cy="6858000"/>
   <p:notesSz cx="6858000" cy="9144000"/>
@@ -121,6 +126,530 @@
 </p:presentation>
 </file>
 
+<file path=ppt/notesMasters/notesMaster1.xml><?xml version="1.0" encoding="utf-8"?>
+<p:notesMaster xmlns:a="http://schemas.openxmlformats.org/drawingml/2006/main" xmlns:r="http://schemas.openxmlformats.org/officeDocument/2006/relationships" xmlns:p="http://schemas.openxmlformats.org/presentationml/2006/main">
+  <p:cSld>
+    <p:bg>
+      <p:bgRef idx="1001">
+        <a:schemeClr val="bg1"/>
+      </p:bgRef>
+    </p:bg>
+    <p:spTree>
+      <p:nvGrpSpPr>
+        <p:cNvPr id="1" name=""/>
+        <p:cNvGrpSpPr/>
+        <p:nvPr/>
+      </p:nvGrpSpPr>
+      <p:grpSpPr>
+        <a:xfrm>
+          <a:off x="0" y="0"/>
+          <a:ext cx="0" cy="0"/>
+          <a:chOff x="0" y="0"/>
+          <a:chExt cx="0" cy="0"/>
+        </a:xfrm>
+      </p:grpSpPr>
+      <p:sp>
+        <p:nvSpPr>
+          <p:cNvPr id="2" name="Header Placeholder 1"/>
+          <p:cNvSpPr>
+            <a:spLocks noGrp="1"/>
+          </p:cNvSpPr>
+          <p:nvPr>
+            <p:ph type="hdr" sz="quarter"/>
+          </p:nvPr>
+        </p:nvSpPr>
+        <p:spPr>
+          <a:xfrm>
+            <a:off x="0" y="0"/>
+            <a:ext cx="2971800" cy="458788"/>
+          </a:xfrm>
+          <a:prstGeom prst="rect">
+            <a:avLst/>
+          </a:prstGeom>
+        </p:spPr>
+        <p:txBody>
+          <a:bodyPr vert="horz" lIns="91440" tIns="45720" rIns="91440" bIns="45720" rtlCol="0"/>
+          <a:lstStyle>
+            <a:lvl1pPr algn="l">
+              <a:defRPr sz="1200"/>
+            </a:lvl1pPr>
+          </a:lstStyle>
+          <a:p>
+            <a:endParaRPr lang="en-US"/>
+          </a:p>
+        </p:txBody>
+      </p:sp>
+      <p:sp>
+        <p:nvSpPr>
+          <p:cNvPr id="3" name="Date Placeholder 2"/>
+          <p:cNvSpPr>
+            <a:spLocks noGrp="1"/>
+          </p:cNvSpPr>
+          <p:nvPr>
+            <p:ph type="dt" idx="1"/>
+          </p:nvPr>
+        </p:nvSpPr>
+        <p:spPr>
+          <a:xfrm>
+            <a:off x="3884613" y="0"/>
+            <a:ext cx="2971800" cy="458788"/>
+          </a:xfrm>
+          <a:prstGeom prst="rect">
+            <a:avLst/>
+          </a:prstGeom>
+        </p:spPr>
+        <p:txBody>
+          <a:bodyPr vert="horz" lIns="91440" tIns="45720" rIns="91440" bIns="45720" rtlCol="0"/>
+          <a:lstStyle>
+            <a:lvl1pPr algn="r">
+              <a:defRPr sz="1200"/>
+            </a:lvl1pPr>
+          </a:lstStyle>
+          <a:p>
+            <a:fld id="{05D5B59A-0EDA-EF41-85FF-03176606BBBE}" type="datetimeFigureOut">
+              <a:rPr lang="en-US" smtClean="0"/>
+              <a:t>7/21/20</a:t>
+            </a:fld>
+            <a:endParaRPr lang="en-US"/>
+          </a:p>
+        </p:txBody>
+      </p:sp>
+      <p:sp>
+        <p:nvSpPr>
+          <p:cNvPr id="4" name="Slide Image Placeholder 3"/>
+          <p:cNvSpPr>
+            <a:spLocks noGrp="1" noRot="1" noChangeAspect="1"/>
+          </p:cNvSpPr>
+          <p:nvPr>
+            <p:ph type="sldImg" idx="2"/>
+          </p:nvPr>
+        </p:nvSpPr>
+        <p:spPr>
+          <a:xfrm>
+            <a:off x="685800" y="1143000"/>
+            <a:ext cx="5486400" cy="3086100"/>
+          </a:xfrm>
+          <a:prstGeom prst="rect">
+            <a:avLst/>
+          </a:prstGeom>
+          <a:noFill/>
+          <a:ln w="12700">
+            <a:solidFill>
+              <a:prstClr val="black"/>
+            </a:solidFill>
+          </a:ln>
+        </p:spPr>
+        <p:txBody>
+          <a:bodyPr vert="horz" lIns="91440" tIns="45720" rIns="91440" bIns="45720" rtlCol="0" anchor="ctr"/>
+          <a:lstStyle/>
+          <a:p>
+            <a:endParaRPr lang="en-US"/>
+          </a:p>
+        </p:txBody>
+      </p:sp>
+      <p:sp>
+        <p:nvSpPr>
+          <p:cNvPr id="5" name="Notes Placeholder 4"/>
+          <p:cNvSpPr>
+            <a:spLocks noGrp="1"/>
+          </p:cNvSpPr>
+          <p:nvPr>
+            <p:ph type="body" sz="quarter" idx="3"/>
+          </p:nvPr>
+        </p:nvSpPr>
+        <p:spPr>
+          <a:xfrm>
+            <a:off x="685800" y="4400550"/>
+            <a:ext cx="5486400" cy="3600450"/>
+          </a:xfrm>
+          <a:prstGeom prst="rect">
+            <a:avLst/>
+          </a:prstGeom>
+        </p:spPr>
+        <p:txBody>
+          <a:bodyPr vert="horz" lIns="91440" tIns="45720" rIns="91440" bIns="45720" rtlCol="0"/>
+          <a:lstStyle/>
+          <a:p>
+            <a:pPr lvl="0"/>
+            <a:r>
+              <a:rPr lang="en-GB"/>
+              <a:t>Click to edit Master text styles</a:t>
+            </a:r>
+          </a:p>
+          <a:p>
+            <a:pPr lvl="1"/>
+            <a:r>
+              <a:rPr lang="en-GB"/>
+              <a:t>Second level</a:t>
+            </a:r>
+          </a:p>
+          <a:p>
+            <a:pPr lvl="2"/>
+            <a:r>
+              <a:rPr lang="en-GB"/>
+              <a:t>Third level</a:t>
+            </a:r>
+          </a:p>
+          <a:p>
+            <a:pPr lvl="3"/>
+            <a:r>
+              <a:rPr lang="en-GB"/>
+              <a:t>Fourth level</a:t>
+            </a:r>
+          </a:p>
+          <a:p>
+            <a:pPr lvl="4"/>
+            <a:r>
+              <a:rPr lang="en-GB"/>
+              <a:t>Fifth level</a:t>
+            </a:r>
+            <a:endParaRPr lang="en-US"/>
+          </a:p>
+        </p:txBody>
+      </p:sp>
+      <p:sp>
+        <p:nvSpPr>
+          <p:cNvPr id="6" name="Footer Placeholder 5"/>
+          <p:cNvSpPr>
+            <a:spLocks noGrp="1"/>
+          </p:cNvSpPr>
+          <p:nvPr>
+            <p:ph type="ftr" sz="quarter" idx="4"/>
+          </p:nvPr>
+        </p:nvSpPr>
+        <p:spPr>
+          <a:xfrm>
+            <a:off x="0" y="8685213"/>
+            <a:ext cx="2971800" cy="458787"/>
+          </a:xfrm>
+          <a:prstGeom prst="rect">
+            <a:avLst/>
+          </a:prstGeom>
+        </p:spPr>
+        <p:txBody>
+          <a:bodyPr vert="horz" lIns="91440" tIns="45720" rIns="91440" bIns="45720" rtlCol="0" anchor="b"/>
+          <a:lstStyle>
+            <a:lvl1pPr algn="l">
+              <a:defRPr sz="1200"/>
+            </a:lvl1pPr>
+          </a:lstStyle>
+          <a:p>
+            <a:endParaRPr lang="en-US"/>
+          </a:p>
+        </p:txBody>
+      </p:sp>
+      <p:sp>
+        <p:nvSpPr>
+          <p:cNvPr id="7" name="Slide Number Placeholder 6"/>
+          <p:cNvSpPr>
+            <a:spLocks noGrp="1"/>
+          </p:cNvSpPr>
+          <p:nvPr>
+            <p:ph type="sldNum" sz="quarter" idx="5"/>
+          </p:nvPr>
+        </p:nvSpPr>
+        <p:spPr>
+          <a:xfrm>
+            <a:off x="3884613" y="8685213"/>
+            <a:ext cx="2971800" cy="458787"/>
+          </a:xfrm>
+          <a:prstGeom prst="rect">
+            <a:avLst/>
+          </a:prstGeom>
+        </p:spPr>
+        <p:txBody>
+          <a:bodyPr vert="horz" lIns="91440" tIns="45720" rIns="91440" bIns="45720" rtlCol="0" anchor="b"/>
+          <a:lstStyle>
+            <a:lvl1pPr algn="r">
+              <a:defRPr sz="1200"/>
+            </a:lvl1pPr>
+          </a:lstStyle>
+          <a:p>
+            <a:fld id="{B786E5CD-0DE5-2548-BADF-C53099846BB2}" type="slidenum">
+              <a:rPr lang="en-US" smtClean="0"/>
+              <a:t>‹#›</a:t>
+            </a:fld>
+            <a:endParaRPr lang="en-US"/>
+          </a:p>
+        </p:txBody>
+      </p:sp>
+    </p:spTree>
+    <p:extLst>
+      <p:ext uri="{BB962C8B-B14F-4D97-AF65-F5344CB8AC3E}">
+        <p14:creationId xmlns:p14="http://schemas.microsoft.com/office/powerpoint/2010/main" val="1974704921"/>
+      </p:ext>
+    </p:extLst>
+  </p:cSld>
+  <p:clrMap bg1="lt1" tx1="dk1" bg2="lt2" tx2="dk2" accent1="accent1" accent2="accent2" accent3="accent3" accent4="accent4" accent5="accent5" accent6="accent6" hlink="hlink" folHlink="folHlink"/>
+  <p:notesStyle>
+    <a:lvl1pPr marL="0" algn="l" defTabSz="914400" rtl="0" eaLnBrk="1" latinLnBrk="0" hangingPunct="1">
+      <a:defRPr sz="1200" kern="1200">
+        <a:solidFill>
+          <a:schemeClr val="tx1"/>
+        </a:solidFill>
+        <a:latin typeface="+mn-lt"/>
+        <a:ea typeface="+mn-ea"/>
+        <a:cs typeface="+mn-cs"/>
+      </a:defRPr>
+    </a:lvl1pPr>
+    <a:lvl2pPr marL="457200" algn="l" defTabSz="914400" rtl="0" eaLnBrk="1" latinLnBrk="0" hangingPunct="1">
+      <a:defRPr sz="1200" kern="1200">
+        <a:solidFill>
+          <a:schemeClr val="tx1"/>
+        </a:solidFill>
+        <a:latin typeface="+mn-lt"/>
+        <a:ea typeface="+mn-ea"/>
+        <a:cs typeface="+mn-cs"/>
+      </a:defRPr>
+    </a:lvl2pPr>
+    <a:lvl3pPr marL="914400" algn="l" defTabSz="914400" rtl="0" eaLnBrk="1" latinLnBrk="0" hangingPunct="1">
+      <a:defRPr sz="1200" kern="1200">
+        <a:solidFill>
+          <a:schemeClr val="tx1"/>
+        </a:solidFill>
+        <a:latin typeface="+mn-lt"/>
+        <a:ea typeface="+mn-ea"/>
+        <a:cs typeface="+mn-cs"/>
+      </a:defRPr>
+    </a:lvl3pPr>
+    <a:lvl4pPr marL="1371600" algn="l" defTabSz="914400" rtl="0" eaLnBrk="1" latinLnBrk="0" hangingPunct="1">
+      <a:defRPr sz="1200" kern="1200">
+        <a:solidFill>
+          <a:schemeClr val="tx1"/>
+        </a:solidFill>
+        <a:latin typeface="+mn-lt"/>
+        <a:ea typeface="+mn-ea"/>
+        <a:cs typeface="+mn-cs"/>
+      </a:defRPr>
+    </a:lvl4pPr>
+    <a:lvl5pPr marL="1828800" algn="l" defTabSz="914400" rtl="0" eaLnBrk="1" latinLnBrk="0" hangingPunct="1">
+      <a:defRPr sz="1200" kern="1200">
+        <a:solidFill>
+          <a:schemeClr val="tx1"/>
+        </a:solidFill>
+        <a:latin typeface="+mn-lt"/>
+        <a:ea typeface="+mn-ea"/>
+        <a:cs typeface="+mn-cs"/>
+      </a:defRPr>
+    </a:lvl5pPr>
+    <a:lvl6pPr marL="2286000" algn="l" defTabSz="914400" rtl="0" eaLnBrk="1" latinLnBrk="0" hangingPunct="1">
+      <a:defRPr sz="1200" kern="1200">
+        <a:solidFill>
+          <a:schemeClr val="tx1"/>
+        </a:solidFill>
+        <a:latin typeface="+mn-lt"/>
+        <a:ea typeface="+mn-ea"/>
+        <a:cs typeface="+mn-cs"/>
+      </a:defRPr>
+    </a:lvl6pPr>
+    <a:lvl7pPr marL="2743200" algn="l" defTabSz="914400" rtl="0" eaLnBrk="1" latinLnBrk="0" hangingPunct="1">
+      <a:defRPr sz="1200" kern="1200">
+        <a:solidFill>
+          <a:schemeClr val="tx1"/>
+        </a:solidFill>
+        <a:latin typeface="+mn-lt"/>
+        <a:ea typeface="+mn-ea"/>
+        <a:cs typeface="+mn-cs"/>
+      </a:defRPr>
+    </a:lvl7pPr>
+    <a:lvl8pPr marL="3200400" algn="l" defTabSz="914400" rtl="0" eaLnBrk="1" latinLnBrk="0" hangingPunct="1">
+      <a:defRPr sz="1200" kern="1200">
+        <a:solidFill>
+          <a:schemeClr val="tx1"/>
+        </a:solidFill>
+        <a:latin typeface="+mn-lt"/>
+        <a:ea typeface="+mn-ea"/>
+        <a:cs typeface="+mn-cs"/>
+      </a:defRPr>
+    </a:lvl8pPr>
+    <a:lvl9pPr marL="3657600" algn="l" defTabSz="914400" rtl="0" eaLnBrk="1" latinLnBrk="0" hangingPunct="1">
+      <a:defRPr sz="1200" kern="1200">
+        <a:solidFill>
+          <a:schemeClr val="tx1"/>
+        </a:solidFill>
+        <a:latin typeface="+mn-lt"/>
+        <a:ea typeface="+mn-ea"/>
+        <a:cs typeface="+mn-cs"/>
+      </a:defRPr>
+    </a:lvl9pPr>
+  </p:notesStyle>
+</p:notesMaster>
+</file>
+
+<file path=ppt/notesSlides/notesSlide1.xml><?xml version="1.0" encoding="utf-8"?>
+<p:notes xmlns:a="http://schemas.openxmlformats.org/drawingml/2006/main" xmlns:r="http://schemas.openxmlformats.org/officeDocument/2006/relationships" xmlns:p="http://schemas.openxmlformats.org/presentationml/2006/main">
+  <p:cSld>
+    <p:spTree>
+      <p:nvGrpSpPr>
+        <p:cNvPr id="1" name=""/>
+        <p:cNvGrpSpPr/>
+        <p:nvPr/>
+      </p:nvGrpSpPr>
+      <p:grpSpPr>
+        <a:xfrm>
+          <a:off x="0" y="0"/>
+          <a:ext cx="0" cy="0"/>
+          <a:chOff x="0" y="0"/>
+          <a:chExt cx="0" cy="0"/>
+        </a:xfrm>
+      </p:grpSpPr>
+      <p:sp>
+        <p:nvSpPr>
+          <p:cNvPr id="2" name="Slide Image Placeholder 1"/>
+          <p:cNvSpPr>
+            <a:spLocks noGrp="1" noRot="1" noChangeAspect="1"/>
+          </p:cNvSpPr>
+          <p:nvPr>
+            <p:ph type="sldImg"/>
+          </p:nvPr>
+        </p:nvSpPr>
+        <p:spPr/>
+      </p:sp>
+      <p:sp>
+        <p:nvSpPr>
+          <p:cNvPr id="3" name="Notes Placeholder 2"/>
+          <p:cNvSpPr>
+            <a:spLocks noGrp="1"/>
+          </p:cNvSpPr>
+          <p:nvPr>
+            <p:ph type="body" idx="1"/>
+          </p:nvPr>
+        </p:nvSpPr>
+        <p:spPr/>
+        <p:txBody>
+          <a:bodyPr/>
+          <a:lstStyle/>
+          <a:p>
+            <a:r>
+              <a:rPr lang="en-US" dirty="0"/>
+              <a:t>There isn’t a lot o talk about autoscaling in Kubernetes because it’s not too straightforward.</a:t>
+            </a:r>
+          </a:p>
+        </p:txBody>
+      </p:sp>
+      <p:sp>
+        <p:nvSpPr>
+          <p:cNvPr id="4" name="Slide Number Placeholder 3"/>
+          <p:cNvSpPr>
+            <a:spLocks noGrp="1"/>
+          </p:cNvSpPr>
+          <p:nvPr>
+            <p:ph type="sldNum" sz="quarter" idx="5"/>
+          </p:nvPr>
+        </p:nvSpPr>
+        <p:spPr/>
+        <p:txBody>
+          <a:bodyPr/>
+          <a:lstStyle/>
+          <a:p>
+            <a:fld id="{B786E5CD-0DE5-2548-BADF-C53099846BB2}" type="slidenum">
+              <a:rPr lang="en-US" smtClean="0"/>
+              <a:t>4</a:t>
+            </a:fld>
+            <a:endParaRPr lang="en-US"/>
+          </a:p>
+        </p:txBody>
+      </p:sp>
+    </p:spTree>
+    <p:extLst>
+      <p:ext uri="{BB962C8B-B14F-4D97-AF65-F5344CB8AC3E}">
+        <p14:creationId xmlns:p14="http://schemas.microsoft.com/office/powerpoint/2010/main" val="2596012429"/>
+      </p:ext>
+    </p:extLst>
+  </p:cSld>
+  <p:clrMapOvr>
+    <a:masterClrMapping/>
+  </p:clrMapOvr>
+</p:notes>
+</file>
+
+<file path=ppt/notesSlides/notesSlide2.xml><?xml version="1.0" encoding="utf-8"?>
+<p:notes xmlns:a="http://schemas.openxmlformats.org/drawingml/2006/main" xmlns:r="http://schemas.openxmlformats.org/officeDocument/2006/relationships" xmlns:p="http://schemas.openxmlformats.org/presentationml/2006/main">
+  <p:cSld>
+    <p:spTree>
+      <p:nvGrpSpPr>
+        <p:cNvPr id="1" name=""/>
+        <p:cNvGrpSpPr/>
+        <p:nvPr/>
+      </p:nvGrpSpPr>
+      <p:grpSpPr>
+        <a:xfrm>
+          <a:off x="0" y="0"/>
+          <a:ext cx="0" cy="0"/>
+          <a:chOff x="0" y="0"/>
+          <a:chExt cx="0" cy="0"/>
+        </a:xfrm>
+      </p:grpSpPr>
+      <p:sp>
+        <p:nvSpPr>
+          <p:cNvPr id="2" name="Slide Image Placeholder 1"/>
+          <p:cNvSpPr>
+            <a:spLocks noGrp="1" noRot="1" noChangeAspect="1"/>
+          </p:cNvSpPr>
+          <p:nvPr>
+            <p:ph type="sldImg"/>
+          </p:nvPr>
+        </p:nvSpPr>
+        <p:spPr/>
+      </p:sp>
+      <p:sp>
+        <p:nvSpPr>
+          <p:cNvPr id="3" name="Notes Placeholder 2"/>
+          <p:cNvSpPr>
+            <a:spLocks noGrp="1"/>
+          </p:cNvSpPr>
+          <p:nvPr>
+            <p:ph type="body" idx="1"/>
+          </p:nvPr>
+        </p:nvSpPr>
+        <p:spPr/>
+        <p:txBody>
+          <a:bodyPr/>
+          <a:lstStyle/>
+          <a:p>
+            <a:r>
+              <a:rPr lang="en-US" dirty="0"/>
+              <a:t>There are two problems with HPA</a:t>
+            </a:r>
+          </a:p>
+        </p:txBody>
+      </p:sp>
+      <p:sp>
+        <p:nvSpPr>
+          <p:cNvPr id="4" name="Slide Number Placeholder 3"/>
+          <p:cNvSpPr>
+            <a:spLocks noGrp="1"/>
+          </p:cNvSpPr>
+          <p:nvPr>
+            <p:ph type="sldNum" sz="quarter" idx="5"/>
+          </p:nvPr>
+        </p:nvSpPr>
+        <p:spPr/>
+        <p:txBody>
+          <a:bodyPr/>
+          <a:lstStyle/>
+          <a:p>
+            <a:fld id="{B786E5CD-0DE5-2548-BADF-C53099846BB2}" type="slidenum">
+              <a:rPr lang="en-US" smtClean="0"/>
+              <a:t>5</a:t>
+            </a:fld>
+            <a:endParaRPr lang="en-US"/>
+          </a:p>
+        </p:txBody>
+      </p:sp>
+    </p:spTree>
+    <p:extLst>
+      <p:ext uri="{BB962C8B-B14F-4D97-AF65-F5344CB8AC3E}">
+        <p14:creationId xmlns:p14="http://schemas.microsoft.com/office/powerpoint/2010/main" val="233805483"/>
+      </p:ext>
+    </p:extLst>
+  </p:cSld>
+  <p:clrMapOvr>
+    <a:masterClrMapping/>
+  </p:clrMapOvr>
+</p:notes>
+</file>
+
 <file path=ppt/slideLayouts/slideLayout1.xml><?xml version="1.0" encoding="utf-8"?>
 <p:sldLayout xmlns:a="http://schemas.openxmlformats.org/drawingml/2006/main" xmlns:r="http://schemas.openxmlformats.org/officeDocument/2006/relationships" xmlns:p="http://schemas.openxmlformats.org/presentationml/2006/main" type="title" preserve="1">
   <p:cSld name="Title Slide">
@@ -270,7 +799,7 @@
           <a:p>
             <a:fld id="{7C747D7E-6B19-984E-90F5-E9EEF49EFB72}" type="datetimeFigureOut">
               <a:rPr lang="en-US" smtClean="0"/>
-              <a:t>7/20/20</a:t>
+              <a:t>7/21/20</a:t>
             </a:fld>
             <a:endParaRPr lang="en-US"/>
           </a:p>
@@ -470,7 +999,7 @@
           <a:p>
             <a:fld id="{7C747D7E-6B19-984E-90F5-E9EEF49EFB72}" type="datetimeFigureOut">
               <a:rPr lang="en-US" smtClean="0"/>
-              <a:t>7/20/20</a:t>
+              <a:t>7/21/20</a:t>
             </a:fld>
             <a:endParaRPr lang="en-US"/>
           </a:p>
@@ -680,7 +1209,7 @@
           <a:p>
             <a:fld id="{7C747D7E-6B19-984E-90F5-E9EEF49EFB72}" type="datetimeFigureOut">
               <a:rPr lang="en-US" smtClean="0"/>
-              <a:t>7/20/20</a:t>
+              <a:t>7/21/20</a:t>
             </a:fld>
             <a:endParaRPr lang="en-US"/>
           </a:p>
@@ -880,7 +1409,7 @@
           <a:p>
             <a:fld id="{7C747D7E-6B19-984E-90F5-E9EEF49EFB72}" type="datetimeFigureOut">
               <a:rPr lang="en-US" smtClean="0"/>
-              <a:t>7/20/20</a:t>
+              <a:t>7/21/20</a:t>
             </a:fld>
             <a:endParaRPr lang="en-US"/>
           </a:p>
@@ -1156,7 +1685,7 @@
           <a:p>
             <a:fld id="{7C747D7E-6B19-984E-90F5-E9EEF49EFB72}" type="datetimeFigureOut">
               <a:rPr lang="en-US" smtClean="0"/>
-              <a:t>7/20/20</a:t>
+              <a:t>7/21/20</a:t>
             </a:fld>
             <a:endParaRPr lang="en-US"/>
           </a:p>
@@ -1424,7 +1953,7 @@
           <a:p>
             <a:fld id="{7C747D7E-6B19-984E-90F5-E9EEF49EFB72}" type="datetimeFigureOut">
               <a:rPr lang="en-US" smtClean="0"/>
-              <a:t>7/20/20</a:t>
+              <a:t>7/21/20</a:t>
             </a:fld>
             <a:endParaRPr lang="en-US"/>
           </a:p>
@@ -1839,7 +2368,7 @@
           <a:p>
             <a:fld id="{7C747D7E-6B19-984E-90F5-E9EEF49EFB72}" type="datetimeFigureOut">
               <a:rPr lang="en-US" smtClean="0"/>
-              <a:t>7/20/20</a:t>
+              <a:t>7/21/20</a:t>
             </a:fld>
             <a:endParaRPr lang="en-US"/>
           </a:p>
@@ -1981,7 +2510,7 @@
           <a:p>
             <a:fld id="{7C747D7E-6B19-984E-90F5-E9EEF49EFB72}" type="datetimeFigureOut">
               <a:rPr lang="en-US" smtClean="0"/>
-              <a:t>7/20/20</a:t>
+              <a:t>7/21/20</a:t>
             </a:fld>
             <a:endParaRPr lang="en-US"/>
           </a:p>
@@ -2094,7 +2623,7 @@
           <a:p>
             <a:fld id="{7C747D7E-6B19-984E-90F5-E9EEF49EFB72}" type="datetimeFigureOut">
               <a:rPr lang="en-US" smtClean="0"/>
-              <a:t>7/20/20</a:t>
+              <a:t>7/21/20</a:t>
             </a:fld>
             <a:endParaRPr lang="en-US"/>
           </a:p>
@@ -2407,7 +2936,7 @@
           <a:p>
             <a:fld id="{7C747D7E-6B19-984E-90F5-E9EEF49EFB72}" type="datetimeFigureOut">
               <a:rPr lang="en-US" smtClean="0"/>
-              <a:t>7/20/20</a:t>
+              <a:t>7/21/20</a:t>
             </a:fld>
             <a:endParaRPr lang="en-US"/>
           </a:p>
@@ -2696,7 +3225,7 @@
           <a:p>
             <a:fld id="{7C747D7E-6B19-984E-90F5-E9EEF49EFB72}" type="datetimeFigureOut">
               <a:rPr lang="en-US" smtClean="0"/>
-              <a:t>7/20/20</a:t>
+              <a:t>7/21/20</a:t>
             </a:fld>
             <a:endParaRPr lang="en-US"/>
           </a:p>
@@ -2939,7 +3468,7 @@
           <a:p>
             <a:fld id="{7C747D7E-6B19-984E-90F5-E9EEF49EFB72}" type="datetimeFigureOut">
               <a:rPr lang="en-US" smtClean="0"/>
-              <a:t>7/20/20</a:t>
+              <a:t>7/21/20</a:t>
             </a:fld>
             <a:endParaRPr lang="en-US"/>
           </a:p>
@@ -3404,7 +3933,9 @@
         </p:nvSpPr>
         <p:spPr/>
         <p:txBody>
-          <a:bodyPr/>
+          <a:bodyPr>
+            <a:normAutofit lnSpcReduction="10000"/>
+          </a:bodyPr>
           <a:lstStyle/>
           <a:p>
             <a:r>
@@ -3419,14 +3950,114 @@
           </a:p>
           <a:p>
             <a:r>
-              <a:rPr lang="en-US" dirty="0"/>
+              <a:rPr lang="en-US" dirty="0">
+                <a:solidFill>
+                  <a:srgbClr val="0070C0"/>
+                </a:solidFill>
+                <a:hlinkClick r:id="rId2">
+                  <a:extLst>
+                    <a:ext uri="{A12FA001-AC4F-418D-AE19-62706E023703}">
+                      <ahyp:hlinkClr xmlns:ahyp="http://schemas.microsoft.com/office/drawing/2018/hyperlinkcolor" val="tx"/>
+                    </a:ext>
+                  </a:extLst>
+                </a:hlinkClick>
+              </a:rPr>
               <a:t>@</a:t>
             </a:r>
             <a:r>
-              <a:rPr lang="en-US" dirty="0" err="1"/>
-              <a:t>emadashi</a:t>
-            </a:r>
-            <a:endParaRPr lang="en-US" dirty="0"/>
+              <a:rPr lang="en-US" dirty="0" err="1">
+                <a:solidFill>
+                  <a:srgbClr val="0070C0"/>
+                </a:solidFill>
+                <a:hlinkClick r:id="rId2">
+                  <a:extLst>
+                    <a:ext uri="{A12FA001-AC4F-418D-AE19-62706E023703}">
+                      <ahyp:hlinkClr xmlns:ahyp="http://schemas.microsoft.com/office/drawing/2018/hyperlinkcolor" val="tx"/>
+                    </a:ext>
+                  </a:extLst>
+                </a:hlinkClick>
+              </a:rPr>
+              <a:t>ema</a:t>
+            </a:r>
+            <a:r>
+              <a:rPr lang="en-US" dirty="0" err="1">
+                <a:solidFill>
+                  <a:srgbClr val="0070C0"/>
+                </a:solidFill>
+                <a:hlinkClick r:id="rId2">
+                  <a:extLst>
+                    <a:ext uri="{A12FA001-AC4F-418D-AE19-62706E023703}">
+                      <ahyp:hlinkClr xmlns:ahyp="http://schemas.microsoft.com/office/drawing/2018/hyperlinkcolor" val="tx"/>
+                    </a:ext>
+                  </a:extLst>
+                </a:hlinkClick>
+              </a:rPr>
+              <a:t>d</a:t>
+            </a:r>
+            <a:r>
+              <a:rPr lang="en-US" dirty="0" err="1">
+                <a:solidFill>
+                  <a:srgbClr val="0070C0"/>
+                </a:solidFill>
+                <a:hlinkClick r:id="rId2">
+                  <a:extLst>
+                    <a:ext uri="{A12FA001-AC4F-418D-AE19-62706E023703}">
+                      <ahyp:hlinkClr xmlns:ahyp="http://schemas.microsoft.com/office/drawing/2018/hyperlinkcolor" val="tx"/>
+                    </a:ext>
+                  </a:extLst>
+                </a:hlinkClick>
+              </a:rPr>
+              <a:t>ashi</a:t>
+            </a:r>
+            <a:endParaRPr lang="en-US" dirty="0">
+              <a:solidFill>
+                <a:srgbClr val="0070C0"/>
+              </a:solidFill>
+            </a:endParaRPr>
+          </a:p>
+          <a:p>
+            <a:endParaRPr lang="en-US" dirty="0">
+              <a:solidFill>
+                <a:srgbClr val="0070C0"/>
+              </a:solidFill>
+            </a:endParaRPr>
+          </a:p>
+          <a:p>
+            <a:r>
+              <a:rPr lang="en-US" dirty="0">
+                <a:solidFill>
+                  <a:srgbClr val="0070C0"/>
+                </a:solidFill>
+                <a:hlinkClick r:id="rId3">
+                  <a:extLst>
+                    <a:ext uri="{A12FA001-AC4F-418D-AE19-62706E023703}">
+                      <ahyp:hlinkClr xmlns:ahyp="http://schemas.microsoft.com/office/drawing/2018/hyperlinkcolor" val="tx"/>
+                    </a:ext>
+                  </a:extLst>
+                </a:hlinkClick>
+              </a:rPr>
+              <a:t>https://</a:t>
+            </a:r>
+            <a:r>
+              <a:rPr lang="en-US" dirty="0" err="1">
+                <a:solidFill>
+                  <a:srgbClr val="0070C0"/>
+                </a:solidFill>
+                <a:hlinkClick r:id="rId3">
+                  <a:extLst>
+                    <a:ext uri="{A12FA001-AC4F-418D-AE19-62706E023703}">
+                      <ahyp:hlinkClr xmlns:ahyp="http://schemas.microsoft.com/office/drawing/2018/hyperlinkcolor" val="tx"/>
+                    </a:ext>
+                  </a:extLst>
+                </a:hlinkClick>
+              </a:rPr>
+              <a:t>www.emadashi.com</a:t>
+            </a:r>
+            <a:endParaRPr lang="en-US" dirty="0">
+              <a:solidFill>
+                <a:srgbClr val="0070C0"/>
+              </a:solidFill>
+            </a:endParaRPr>
           </a:p>
         </p:txBody>
       </p:sp>
@@ -3444,6 +4075,89 @@
 </file>
 
 <file path=ppt/slides/slide10.xml><?xml version="1.0" encoding="utf-8"?>
+<p:sld xmlns:a="http://schemas.openxmlformats.org/drawingml/2006/main" xmlns:r="http://schemas.openxmlformats.org/officeDocument/2006/relationships" xmlns:p="http://schemas.openxmlformats.org/presentationml/2006/main">
+  <p:cSld>
+    <p:spTree>
+      <p:nvGrpSpPr>
+        <p:cNvPr id="1" name=""/>
+        <p:cNvGrpSpPr/>
+        <p:nvPr/>
+      </p:nvGrpSpPr>
+      <p:grpSpPr>
+        <a:xfrm>
+          <a:off x="0" y="0"/>
+          <a:ext cx="0" cy="0"/>
+          <a:chOff x="0" y="0"/>
+          <a:chExt cx="0" cy="0"/>
+        </a:xfrm>
+      </p:grpSpPr>
+      <p:sp>
+        <p:nvSpPr>
+          <p:cNvPr id="4" name="Title 3">
+            <a:extLst>
+              <a:ext uri="{FF2B5EF4-FFF2-40B4-BE49-F238E27FC236}">
+                <a16:creationId xmlns:a16="http://schemas.microsoft.com/office/drawing/2014/main" id="{93228A22-8C38-1244-9A53-6E05248262C4}"/>
+              </a:ext>
+            </a:extLst>
+          </p:cNvPr>
+          <p:cNvSpPr>
+            <a:spLocks noGrp="1"/>
+          </p:cNvSpPr>
+          <p:nvPr>
+            <p:ph type="ctrTitle"/>
+          </p:nvPr>
+        </p:nvSpPr>
+        <p:spPr/>
+        <p:txBody>
+          <a:bodyPr/>
+          <a:lstStyle/>
+          <a:p>
+            <a:r>
+              <a:rPr lang="en-US" dirty="0"/>
+              <a:t>How External Scalers Work</a:t>
+            </a:r>
+          </a:p>
+        </p:txBody>
+      </p:sp>
+      <p:sp>
+        <p:nvSpPr>
+          <p:cNvPr id="5" name="Subtitle 4">
+            <a:extLst>
+              <a:ext uri="{FF2B5EF4-FFF2-40B4-BE49-F238E27FC236}">
+                <a16:creationId xmlns:a16="http://schemas.microsoft.com/office/drawing/2014/main" id="{B0F7C2D8-6917-F644-9D81-4A2364F7875F}"/>
+              </a:ext>
+            </a:extLst>
+          </p:cNvPr>
+          <p:cNvSpPr>
+            <a:spLocks noGrp="1"/>
+          </p:cNvSpPr>
+          <p:nvPr>
+            <p:ph type="subTitle" idx="1"/>
+          </p:nvPr>
+        </p:nvSpPr>
+        <p:spPr/>
+        <p:txBody>
+          <a:bodyPr/>
+          <a:lstStyle/>
+          <a:p>
+            <a:endParaRPr lang="en-US"/>
+          </a:p>
+        </p:txBody>
+      </p:sp>
+    </p:spTree>
+    <p:extLst>
+      <p:ext uri="{BB962C8B-B14F-4D97-AF65-F5344CB8AC3E}">
+        <p14:creationId xmlns:p14="http://schemas.microsoft.com/office/powerpoint/2010/main" val="174195065"/>
+      </p:ext>
+    </p:extLst>
+  </p:cSld>
+  <p:clrMapOvr>
+    <a:masterClrMapping/>
+  </p:clrMapOvr>
+</p:sld>
+</file>
+
+<file path=ppt/slides/slide11.xml><?xml version="1.0" encoding="utf-8"?>
 <p:sld xmlns:a="http://schemas.openxmlformats.org/drawingml/2006/main" xmlns:r="http://schemas.openxmlformats.org/officeDocument/2006/relationships" xmlns:p="http://schemas.openxmlformats.org/presentationml/2006/main">
   <p:cSld>
     <p:spTree>
@@ -4265,7 +4979,7 @@
         <p:spPr>
           <a:xfrm>
             <a:off x="4317023" y="1490472"/>
-            <a:ext cx="1846033" cy="944997"/>
+            <a:ext cx="2381988" cy="1092241"/>
           </a:xfrm>
           <a:prstGeom prst="straightConnector1">
             <a:avLst/>
@@ -4411,6 +5125,42 @@
               <a:rPr lang="en-US" dirty="0"/>
               <a:t>My Scaler</a:t>
             </a:r>
+          </a:p>
+        </p:txBody>
+      </p:sp>
+      <p:sp>
+        <p:nvSpPr>
+          <p:cNvPr id="2" name="TextBox 1">
+            <a:extLst>
+              <a:ext uri="{FF2B5EF4-FFF2-40B4-BE49-F238E27FC236}">
+                <a16:creationId xmlns:a16="http://schemas.microsoft.com/office/drawing/2014/main" id="{218CA555-F724-374A-B521-315CDC71D82C}"/>
+              </a:ext>
+            </a:extLst>
+          </p:cNvPr>
+          <p:cNvSpPr txBox="1"/>
+          <p:nvPr/>
+        </p:nvSpPr>
+        <p:spPr>
+          <a:xfrm>
+            <a:off x="7468566" y="1978900"/>
+            <a:ext cx="660758" cy="369332"/>
+          </a:xfrm>
+          <a:prstGeom prst="rect">
+            <a:avLst/>
+          </a:prstGeom>
+          <a:noFill/>
+        </p:spPr>
+        <p:txBody>
+          <a:bodyPr wrap="none" rtlCol="0">
+            <a:spAutoFit/>
+          </a:bodyPr>
+          <a:lstStyle/>
+          <a:p>
+            <a:r>
+              <a:rPr lang="en-US" dirty="0" err="1"/>
+              <a:t>gRPC</a:t>
+            </a:r>
+            <a:endParaRPr lang="en-US" dirty="0"/>
           </a:p>
         </p:txBody>
       </p:sp>
@@ -4856,7 +5606,7 @@
                                           </p:stCondLst>
                                         </p:cTn>
                                         <p:tgtEl>
-                                          <p:spTgt spid="27"/>
+                                          <p:spTgt spid="54"/>
                                         </p:tgtEl>
                                         <p:attrNameLst>
                                           <p:attrName>style.visibility</p:attrName>
@@ -4870,7 +5620,7 @@
                                       <p:cBhvr>
                                         <p:cTn id="42" dur="500"/>
                                         <p:tgtEl>
-                                          <p:spTgt spid="27"/>
+                                          <p:spTgt spid="54"/>
                                         </p:tgtEl>
                                       </p:cBhvr>
                                     </p:animEffect>
@@ -4878,7 +5628,7 @@
                                 </p:cTn>
                               </p:par>
                               <p:par>
-                                <p:cTn id="43" presetID="1" presetClass="exit" presetSubtype="0" fill="hold" nodeType="withEffect">
+                                <p:cTn id="43" presetID="10" presetClass="entr" presetSubtype="0" fill="hold" grpId="0" nodeType="withEffect">
                                   <p:stCondLst>
                                     <p:cond delay="0"/>
                                   </p:stCondLst>
@@ -4886,6 +5636,76 @@
                                     <p:set>
                                       <p:cBhvr>
                                         <p:cTn id="44" dur="1" fill="hold">
+                                          <p:stCondLst>
+                                            <p:cond delay="0"/>
+                                          </p:stCondLst>
+                                        </p:cTn>
+                                        <p:tgtEl>
+                                          <p:spTgt spid="22"/>
+                                        </p:tgtEl>
+                                        <p:attrNameLst>
+                                          <p:attrName>style.visibility</p:attrName>
+                                        </p:attrNameLst>
+                                      </p:cBhvr>
+                                      <p:to>
+                                        <p:strVal val="visible"/>
+                                      </p:to>
+                                    </p:set>
+                                    <p:animEffect transition="in" filter="fade">
+                                      <p:cBhvr>
+                                        <p:cTn id="45" dur="500"/>
+                                        <p:tgtEl>
+                                          <p:spTgt spid="22"/>
+                                        </p:tgtEl>
+                                      </p:cBhvr>
+                                    </p:animEffect>
+                                  </p:childTnLst>
+                                </p:cTn>
+                              </p:par>
+                              <p:par>
+                                <p:cTn id="46" presetID="10" presetClass="entr" presetSubtype="0" fill="hold" grpId="0" nodeType="withEffect">
+                                  <p:stCondLst>
+                                    <p:cond delay="0"/>
+                                  </p:stCondLst>
+                                  <p:childTnLst>
+                                    <p:set>
+                                      <p:cBhvr>
+                                        <p:cTn id="47" dur="1" fill="hold">
+                                          <p:stCondLst>
+                                            <p:cond delay="0"/>
+                                          </p:stCondLst>
+                                        </p:cTn>
+                                        <p:tgtEl>
+                                          <p:spTgt spid="2"/>
+                                        </p:tgtEl>
+                                        <p:attrNameLst>
+                                          <p:attrName>style.visibility</p:attrName>
+                                        </p:attrNameLst>
+                                      </p:cBhvr>
+                                      <p:to>
+                                        <p:strVal val="visible"/>
+                                      </p:to>
+                                    </p:set>
+                                    <p:animEffect transition="in" filter="fade">
+                                      <p:cBhvr>
+                                        <p:cTn id="48" dur="500"/>
+                                        <p:tgtEl>
+                                          <p:spTgt spid="2"/>
+                                        </p:tgtEl>
+                                      </p:cBhvr>
+                                    </p:animEffect>
+                                  </p:childTnLst>
+                                </p:cTn>
+                              </p:par>
+                              <p:par>
+                                <p:cTn id="49" presetID="1" presetClass="exit" presetSubtype="0" fill="hold" nodeType="withEffect">
+                                  <p:stCondLst>
+                                    <p:cond delay="0"/>
+                                  </p:stCondLst>
+                                  <p:childTnLst>
+                                    <p:set>
+                                      <p:cBhvr>
+                                        <p:cTn id="50" dur="1" fill="hold">
                                           <p:stCondLst>
                                             <p:cond delay="0"/>
                                           </p:stCondLst>
@@ -4904,15 +5724,68 @@
                                   </p:childTnLst>
                                 </p:cTn>
                               </p:par>
+                            </p:childTnLst>
+                          </p:cTn>
+                        </p:par>
+                      </p:childTnLst>
+                    </p:cTn>
+                  </p:par>
+                  <p:par>
+                    <p:cTn id="51" fill="hold">
+                      <p:stCondLst>
+                        <p:cond delay="indefinite"/>
+                      </p:stCondLst>
+                      <p:childTnLst>
+                        <p:par>
+                          <p:cTn id="52" fill="hold">
+                            <p:stCondLst>
+                              <p:cond delay="0"/>
+                            </p:stCondLst>
+                            <p:childTnLst>
                               <p:par>
-                                <p:cTn id="45" presetID="10" presetClass="entr" presetSubtype="0" fill="hold" grpId="0" nodeType="withEffect">
+                                <p:cTn id="53" presetID="10" presetClass="entr" presetSubtype="0" fill="hold" nodeType="clickEffect">
                                   <p:stCondLst>
                                     <p:cond delay="0"/>
                                   </p:stCondLst>
                                   <p:childTnLst>
                                     <p:set>
                                       <p:cBhvr>
-                                        <p:cTn id="46" dur="1" fill="hold">
+                                        <p:cTn id="54" dur="1" fill="hold">
+                                          <p:stCondLst>
+                                            <p:cond delay="0"/>
+                                          </p:stCondLst>
+                                        </p:cTn>
+                                        <p:tgtEl>
+                                          <p:spTgt spid="27"/>
+                                        </p:tgtEl>
+                                        <p:attrNameLst>
+                                          <p:attrName>style.visibility</p:attrName>
+                                        </p:attrNameLst>
+                                      </p:cBhvr>
+                                      <p:to>
+                                        <p:strVal val="visible"/>
+                                      </p:to>
+                                    </p:set>
+                                    <p:animEffect transition="in" filter="fade">
+                                      <p:cBhvr>
+                                        <p:cTn id="55" dur="500"/>
+                                        <p:tgtEl>
+                                          <p:spTgt spid="27"/>
+                                        </p:tgtEl>
+                                      </p:cBhvr>
+                                    </p:animEffect>
+                                  </p:childTnLst>
+                                </p:cTn>
+                              </p:par>
+                              <p:par>
+                                <p:cTn id="56" presetID="10" presetClass="entr" presetSubtype="0" fill="hold" grpId="0" nodeType="withEffect">
+                                  <p:stCondLst>
+                                    <p:cond delay="0"/>
+                                  </p:stCondLst>
+                                  <p:childTnLst>
+                                    <p:set>
+                                      <p:cBhvr>
+                                        <p:cTn id="57" dur="1" fill="hold">
                                           <p:stCondLst>
                                             <p:cond delay="0"/>
                                           </p:stCondLst>
@@ -4930,7 +5803,7 @@
                                     </p:set>
                                     <p:animEffect transition="in" filter="fade">
                                       <p:cBhvr>
-                                        <p:cTn id="47" dur="500"/>
+                                        <p:cTn id="58" dur="500"/>
                                         <p:tgtEl>
                                           <p:spTgt spid="30"/>
                                         </p:tgtEl>
@@ -4946,26 +5819,26 @@
                     </p:cTn>
                   </p:par>
                   <p:par>
-                    <p:cTn id="48" fill="hold">
+                    <p:cTn id="59" fill="hold">
                       <p:stCondLst>
                         <p:cond delay="indefinite"/>
                       </p:stCondLst>
                       <p:childTnLst>
                         <p:par>
-                          <p:cTn id="49" fill="hold">
+                          <p:cTn id="60" fill="hold">
                             <p:stCondLst>
                               <p:cond delay="0"/>
                             </p:stCondLst>
                             <p:childTnLst>
                               <p:par>
-                                <p:cTn id="50" presetID="10" presetClass="entr" presetSubtype="0" fill="hold" nodeType="clickEffect">
+                                <p:cTn id="61" presetID="10" presetClass="entr" presetSubtype="0" fill="hold" nodeType="clickEffect">
                                   <p:stCondLst>
                                     <p:cond delay="0"/>
                                   </p:stCondLst>
                                   <p:childTnLst>
                                     <p:set>
                                       <p:cBhvr>
-                                        <p:cTn id="51" dur="1" fill="hold">
+                                        <p:cTn id="62" dur="1" fill="hold">
                                           <p:stCondLst>
                                             <p:cond delay="0"/>
                                           </p:stCondLst>
@@ -4983,7 +5856,7 @@
                                     </p:set>
                                     <p:animEffect transition="in" filter="fade">
                                       <p:cBhvr>
-                                        <p:cTn id="52" dur="500"/>
+                                        <p:cTn id="63" dur="500"/>
                                         <p:tgtEl>
                                           <p:spTgt spid="20"/>
                                         </p:tgtEl>
@@ -4999,26 +5872,26 @@
                     </p:cTn>
                   </p:par>
                   <p:par>
-                    <p:cTn id="53" fill="hold">
+                    <p:cTn id="64" fill="hold">
                       <p:stCondLst>
                         <p:cond delay="indefinite"/>
                       </p:stCondLst>
                       <p:childTnLst>
                         <p:par>
-                          <p:cTn id="54" fill="hold">
+                          <p:cTn id="65" fill="hold">
                             <p:stCondLst>
                               <p:cond delay="0"/>
                             </p:stCondLst>
                             <p:childTnLst>
                               <p:par>
-                                <p:cTn id="55" presetID="10" presetClass="entr" presetSubtype="0" fill="hold" nodeType="clickEffect">
+                                <p:cTn id="66" presetID="10" presetClass="entr" presetSubtype="0" fill="hold" nodeType="clickEffect">
                                   <p:stCondLst>
                                     <p:cond delay="0"/>
                                   </p:stCondLst>
                                   <p:childTnLst>
                                     <p:set>
                                       <p:cBhvr>
-                                        <p:cTn id="56" dur="1" fill="hold">
+                                        <p:cTn id="67" dur="1" fill="hold">
                                           <p:stCondLst>
                                             <p:cond delay="0"/>
                                           </p:stCondLst>
@@ -5036,7 +5909,7 @@
                                     </p:set>
                                     <p:animEffect transition="in" filter="fade">
                                       <p:cBhvr>
-                                        <p:cTn id="57" dur="500"/>
+                                        <p:cTn id="68" dur="500"/>
                                         <p:tgtEl>
                                           <p:spTgt spid="26"/>
                                         </p:tgtEl>
@@ -5052,26 +5925,26 @@
                     </p:cTn>
                   </p:par>
                   <p:par>
-                    <p:cTn id="58" fill="hold">
+                    <p:cTn id="69" fill="hold">
                       <p:stCondLst>
                         <p:cond delay="indefinite"/>
                       </p:stCondLst>
                       <p:childTnLst>
                         <p:par>
-                          <p:cTn id="59" fill="hold">
+                          <p:cTn id="70" fill="hold">
                             <p:stCondLst>
                               <p:cond delay="0"/>
                             </p:stCondLst>
                             <p:childTnLst>
                               <p:par>
-                                <p:cTn id="60" presetID="10" presetClass="entr" presetSubtype="0" fill="hold" nodeType="clickEffect">
+                                <p:cTn id="71" presetID="10" presetClass="entr" presetSubtype="0" fill="hold" nodeType="clickEffect">
                                   <p:stCondLst>
                                     <p:cond delay="0"/>
                                   </p:stCondLst>
                                   <p:childTnLst>
                                     <p:set>
                                       <p:cBhvr>
-                                        <p:cTn id="61" dur="1" fill="hold">
+                                        <p:cTn id="72" dur="1" fill="hold">
                                           <p:stCondLst>
                                             <p:cond delay="0"/>
                                           </p:stCondLst>
@@ -5089,7 +5962,7 @@
                                     </p:set>
                                     <p:animEffect transition="in" filter="fade">
                                       <p:cBhvr>
-                                        <p:cTn id="62" dur="500"/>
+                                        <p:cTn id="73" dur="500"/>
                                         <p:tgtEl>
                                           <p:spTgt spid="29"/>
                                         </p:tgtEl>
@@ -5099,14 +5972,14 @@
                                 </p:cTn>
                               </p:par>
                               <p:par>
-                                <p:cTn id="63" presetID="10" presetClass="entr" presetSubtype="0" fill="hold" grpId="0" nodeType="withEffect">
+                                <p:cTn id="74" presetID="10" presetClass="entr" presetSubtype="0" fill="hold" grpId="0" nodeType="withEffect">
                                   <p:stCondLst>
                                     <p:cond delay="0"/>
                                   </p:stCondLst>
                                   <p:childTnLst>
                                     <p:set>
                                       <p:cBhvr>
-                                        <p:cTn id="64" dur="1" fill="hold">
+                                        <p:cTn id="75" dur="1" fill="hold">
                                           <p:stCondLst>
                                             <p:cond delay="0"/>
                                           </p:stCondLst>
@@ -5124,97 +5997,9 @@
                                     </p:set>
                                     <p:animEffect transition="in" filter="fade">
                                       <p:cBhvr>
-                                        <p:cTn id="65" dur="500"/>
+                                        <p:cTn id="76" dur="500"/>
                                         <p:tgtEl>
                                           <p:spTgt spid="33"/>
-                                        </p:tgtEl>
-                                      </p:cBhvr>
-                                    </p:animEffect>
-                                  </p:childTnLst>
-                                </p:cTn>
-                              </p:par>
-                            </p:childTnLst>
-                          </p:cTn>
-                        </p:par>
-                      </p:childTnLst>
-                    </p:cTn>
-                  </p:par>
-                  <p:par>
-                    <p:cTn id="66" fill="hold">
-                      <p:stCondLst>
-                        <p:cond delay="indefinite"/>
-                      </p:stCondLst>
-                      <p:childTnLst>
-                        <p:par>
-                          <p:cTn id="67" fill="hold">
-                            <p:stCondLst>
-                              <p:cond delay="0"/>
-                            </p:stCondLst>
-                            <p:childTnLst>
-                              <p:par>
-                                <p:cTn id="68" presetID="10" presetClass="entr" presetSubtype="0" fill="hold" nodeType="clickEffect">
-                                  <p:stCondLst>
-                                    <p:cond delay="0"/>
-                                  </p:stCondLst>
-                                  <p:childTnLst>
-                                    <p:set>
-                                      <p:cBhvr>
-                                        <p:cTn id="69" dur="1" fill="hold">
-                                          <p:stCondLst>
-                                            <p:cond delay="0"/>
-                                          </p:stCondLst>
-                                        </p:cTn>
-                                        <p:tgtEl>
-                                          <p:spTgt spid="54"/>
-                                        </p:tgtEl>
-                                        <p:attrNameLst>
-                                          <p:attrName>style.visibility</p:attrName>
-                                        </p:attrNameLst>
-                                      </p:cBhvr>
-                                      <p:to>
-                                        <p:strVal val="visible"/>
-                                      </p:to>
-                                    </p:set>
-                                    <p:animEffect transition="in" filter="fade">
-                                      <p:cBhvr>
-                                        <p:cTn id="70" dur="500"/>
-                                        <p:tgtEl>
-                                          <p:spTgt spid="54"/>
-                                        </p:tgtEl>
-                                      </p:cBhvr>
-                                    </p:animEffect>
-                                  </p:childTnLst>
-                                </p:cTn>
-                              </p:par>
-                              <p:par>
-                                <p:cTn id="71" presetID="10" presetClass="entr" presetSubtype="0" fill="hold" grpId="0" nodeType="withEffect">
-                                  <p:stCondLst>
-                                    <p:cond delay="0"/>
-                                  </p:stCondLst>
-                                  <p:childTnLst>
-                                    <p:set>
-                                      <p:cBhvr>
-                                        <p:cTn id="72" dur="1" fill="hold">
-                                          <p:stCondLst>
-                                            <p:cond delay="0"/>
-                                          </p:stCondLst>
-                                        </p:cTn>
-                                        <p:tgtEl>
-                                          <p:spTgt spid="22"/>
-                                        </p:tgtEl>
-                                        <p:attrNameLst>
-                                          <p:attrName>style.visibility</p:attrName>
-                                        </p:attrNameLst>
-                                      </p:cBhvr>
-                                      <p:to>
-                                        <p:strVal val="visible"/>
-                                      </p:to>
-                                    </p:set>
-                                    <p:animEffect transition="in" filter="fade">
-                                      <p:cBhvr>
-                                        <p:cTn id="73" dur="500"/>
-                                        <p:tgtEl>
-                                          <p:spTgt spid="22"/>
                                         </p:tgtEl>
                                       </p:cBhvr>
                                     </p:animEffect>
@@ -5255,8 +6040,92 @@
       <p:bldP spid="30" grpId="0"/>
       <p:bldP spid="33" grpId="0"/>
       <p:bldP spid="22" grpId="0" animBg="1"/>
+      <p:bldP spid="2" grpId="0"/>
     </p:bldLst>
   </p:timing>
+</p:sld>
+</file>
+
+<file path=ppt/slides/slide12.xml><?xml version="1.0" encoding="utf-8"?>
+<p:sld xmlns:a="http://schemas.openxmlformats.org/drawingml/2006/main" xmlns:r="http://schemas.openxmlformats.org/officeDocument/2006/relationships" xmlns:p="http://schemas.openxmlformats.org/presentationml/2006/main">
+  <p:cSld>
+    <p:spTree>
+      <p:nvGrpSpPr>
+        <p:cNvPr id="1" name=""/>
+        <p:cNvGrpSpPr/>
+        <p:nvPr/>
+      </p:nvGrpSpPr>
+      <p:grpSpPr>
+        <a:xfrm>
+          <a:off x="0" y="0"/>
+          <a:ext cx="0" cy="0"/>
+          <a:chOff x="0" y="0"/>
+          <a:chExt cx="0" cy="0"/>
+        </a:xfrm>
+      </p:grpSpPr>
+      <p:sp>
+        <p:nvSpPr>
+          <p:cNvPr id="4" name="Title 3">
+            <a:extLst>
+              <a:ext uri="{FF2B5EF4-FFF2-40B4-BE49-F238E27FC236}">
+                <a16:creationId xmlns:a16="http://schemas.microsoft.com/office/drawing/2014/main" id="{5754F991-D8EE-8846-91BE-F9EF73FE3755}"/>
+              </a:ext>
+            </a:extLst>
+          </p:cNvPr>
+          <p:cNvSpPr>
+            <a:spLocks noGrp="1"/>
+          </p:cNvSpPr>
+          <p:nvPr>
+            <p:ph type="ctrTitle"/>
+          </p:nvPr>
+        </p:nvSpPr>
+        <p:spPr/>
+        <p:txBody>
+          <a:bodyPr/>
+          <a:lstStyle/>
+          <a:p>
+            <a:r>
+              <a:rPr lang="en-US" dirty="0"/>
+              <a:t>Let’s do it!</a:t>
+            </a:r>
+          </a:p>
+        </p:txBody>
+      </p:sp>
+      <p:sp>
+        <p:nvSpPr>
+          <p:cNvPr id="5" name="Subtitle 4">
+            <a:extLst>
+              <a:ext uri="{FF2B5EF4-FFF2-40B4-BE49-F238E27FC236}">
+                <a16:creationId xmlns:a16="http://schemas.microsoft.com/office/drawing/2014/main" id="{86F02CB2-F82E-854F-8852-D7CF9DFD0A6A}"/>
+              </a:ext>
+            </a:extLst>
+          </p:cNvPr>
+          <p:cNvSpPr>
+            <a:spLocks noGrp="1"/>
+          </p:cNvSpPr>
+          <p:nvPr>
+            <p:ph type="subTitle" idx="1"/>
+          </p:nvPr>
+        </p:nvSpPr>
+        <p:spPr/>
+        <p:txBody>
+          <a:bodyPr/>
+          <a:lstStyle/>
+          <a:p>
+            <a:endParaRPr lang="en-US"/>
+          </a:p>
+        </p:txBody>
+      </p:sp>
+    </p:spTree>
+    <p:extLst>
+      <p:ext uri="{BB962C8B-B14F-4D97-AF65-F5344CB8AC3E}">
+        <p14:creationId xmlns:p14="http://schemas.microsoft.com/office/powerpoint/2010/main" val="2823262607"/>
+      </p:ext>
+    </p:extLst>
+  </p:cSld>
+  <p:clrMapOvr>
+    <a:masterClrMapping/>
+  </p:clrMapOvr>
 </p:sld>
 </file>
 
@@ -5279,6 +6148,143 @@
       </p:grpSpPr>
       <p:sp>
         <p:nvSpPr>
+          <p:cNvPr id="7" name="Subtitle 6">
+            <a:extLst>
+              <a:ext uri="{FF2B5EF4-FFF2-40B4-BE49-F238E27FC236}">
+                <a16:creationId xmlns:a16="http://schemas.microsoft.com/office/drawing/2014/main" id="{A664736B-09EE-884D-A6A0-B089187A3A6C}"/>
+              </a:ext>
+            </a:extLst>
+          </p:cNvPr>
+          <p:cNvSpPr>
+            <a:spLocks noGrp="1"/>
+          </p:cNvSpPr>
+          <p:nvPr>
+            <p:ph type="subTitle" idx="1"/>
+          </p:nvPr>
+        </p:nvSpPr>
+        <p:spPr>
+          <a:xfrm>
+            <a:off x="1395813" y="4131877"/>
+            <a:ext cx="9144000" cy="1655762"/>
+          </a:xfrm>
+        </p:spPr>
+        <p:txBody>
+          <a:bodyPr>
+            <a:normAutofit/>
+          </a:bodyPr>
+          <a:lstStyle/>
+          <a:p>
+            <a:r>
+              <a:rPr lang="en-US" sz="3600" dirty="0">
+                <a:solidFill>
+                  <a:schemeClr val="accent4">
+                    <a:lumMod val="75000"/>
+                  </a:schemeClr>
+                </a:solidFill>
+              </a:rPr>
+              <a:t>https://</a:t>
+            </a:r>
+            <a:r>
+              <a:rPr lang="en-US" sz="3600" dirty="0" err="1">
+                <a:solidFill>
+                  <a:schemeClr val="accent4">
+                    <a:lumMod val="75000"/>
+                  </a:schemeClr>
+                </a:solidFill>
+              </a:rPr>
+              <a:t>github.com</a:t>
+            </a:r>
+            <a:r>
+              <a:rPr lang="en-US" sz="3600" dirty="0">
+                <a:solidFill>
+                  <a:schemeClr val="accent4">
+                    <a:lumMod val="75000"/>
+                  </a:schemeClr>
+                </a:solidFill>
+              </a:rPr>
+              <a:t>/</a:t>
+            </a:r>
+            <a:r>
+              <a:rPr lang="en-US" sz="3600" dirty="0" err="1"/>
+              <a:t>eashi</a:t>
+            </a:r>
+            <a:r>
+              <a:rPr lang="en-US" sz="3600" dirty="0"/>
+              <a:t>/</a:t>
+            </a:r>
+            <a:r>
+              <a:rPr lang="en-US" sz="3600" dirty="0" err="1"/>
+              <a:t>keda</a:t>
+            </a:r>
+            <a:r>
+              <a:rPr lang="en-US" sz="3600" dirty="0"/>
+              <a:t>-workshop</a:t>
+            </a:r>
+          </a:p>
+        </p:txBody>
+      </p:sp>
+      <p:pic>
+        <p:nvPicPr>
+          <p:cNvPr id="9" name="Picture 8" descr="A close up of a logo&#10;&#10;Description automatically generated">
+            <a:extLst>
+              <a:ext uri="{FF2B5EF4-FFF2-40B4-BE49-F238E27FC236}">
+                <a16:creationId xmlns:a16="http://schemas.microsoft.com/office/drawing/2014/main" id="{70C80EC0-745E-7B44-A5E2-AD609C71DE27}"/>
+              </a:ext>
+            </a:extLst>
+          </p:cNvPr>
+          <p:cNvPicPr>
+            <a:picLocks noChangeAspect="1"/>
+          </p:cNvPicPr>
+          <p:nvPr/>
+        </p:nvPicPr>
+        <p:blipFill>
+          <a:blip r:embed="rId2"/>
+          <a:stretch>
+            <a:fillRect/>
+          </a:stretch>
+        </p:blipFill>
+        <p:spPr>
+          <a:xfrm>
+            <a:off x="4445000" y="692684"/>
+            <a:ext cx="3302000" cy="3302000"/>
+          </a:xfrm>
+          <a:prstGeom prst="rect">
+            <a:avLst/>
+          </a:prstGeom>
+        </p:spPr>
+      </p:pic>
+    </p:spTree>
+    <p:extLst>
+      <p:ext uri="{BB962C8B-B14F-4D97-AF65-F5344CB8AC3E}">
+        <p14:creationId xmlns:p14="http://schemas.microsoft.com/office/powerpoint/2010/main" val="3818036105"/>
+      </p:ext>
+    </p:extLst>
+  </p:cSld>
+  <p:clrMapOvr>
+    <a:masterClrMapping/>
+  </p:clrMapOvr>
+</p:sld>
+</file>
+
+<file path=ppt/slides/slide3.xml><?xml version="1.0" encoding="utf-8"?>
+<p:sld xmlns:a="http://schemas.openxmlformats.org/drawingml/2006/main" xmlns:r="http://schemas.openxmlformats.org/officeDocument/2006/relationships" xmlns:p="http://schemas.openxmlformats.org/presentationml/2006/main">
+  <p:cSld>
+    <p:spTree>
+      <p:nvGrpSpPr>
+        <p:cNvPr id="1" name=""/>
+        <p:cNvGrpSpPr/>
+        <p:nvPr/>
+      </p:nvGrpSpPr>
+      <p:grpSpPr>
+        <a:xfrm>
+          <a:off x="0" y="0"/>
+          <a:ext cx="0" cy="0"/>
+          <a:chOff x="0" y="0"/>
+          <a:chExt cx="0" cy="0"/>
+        </a:xfrm>
+      </p:grpSpPr>
+      <p:sp>
+        <p:nvSpPr>
           <p:cNvPr id="4" name="Title 3">
             <a:extLst>
               <a:ext uri="{FF2B5EF4-FFF2-40B4-BE49-F238E27FC236}">
@@ -5343,7 +6349,7 @@
 </p:sld>
 </file>
 
-<file path=ppt/slides/slide3.xml><?xml version="1.0" encoding="utf-8"?>
+<file path=ppt/slides/slide4.xml><?xml version="1.0" encoding="utf-8"?>
 <p:sld xmlns:a="http://schemas.openxmlformats.org/drawingml/2006/main" xmlns:r="http://schemas.openxmlformats.org/officeDocument/2006/relationships" xmlns:p="http://schemas.openxmlformats.org/presentationml/2006/main">
   <p:cSld>
     <p:spTree>
@@ -5472,7 +6478,7 @@
           <p:nvPr/>
         </p:nvPicPr>
         <p:blipFill>
-          <a:blip r:embed="rId2">
+          <a:blip r:embed="rId3">
             <a:extLst>
               <a:ext uri="{28A0092B-C50C-407E-A947-70E740481C1C}">
                 <a14:useLocalDpi xmlns:a14="http://schemas.microsoft.com/office/drawing/2010/main" val="0"/>
@@ -5662,10 +6668,10 @@
           <p:nvPr/>
         </p:nvPicPr>
         <p:blipFill>
-          <a:blip r:embed="rId3">
+          <a:blip r:embed="rId4">
             <a:extLst>
               <a:ext uri="{96DAC541-7B7A-43D3-8B79-37D633B846F1}">
-                <asvg:svgBlip xmlns:asvg="http://schemas.microsoft.com/office/drawing/2016/SVG/main" r:embed="rId4"/>
+                <asvg:svgBlip xmlns:asvg="http://schemas.microsoft.com/office/drawing/2016/SVG/main" r:embed="rId5"/>
               </a:ext>
             </a:extLst>
           </a:blip>
@@ -5806,41 +6812,6 @@
           </a:fontRef>
         </p:style>
       </p:cxnSp>
-      <p:sp>
-        <p:nvSpPr>
-          <p:cNvPr id="27" name="text 1 to more">
-            <a:extLst>
-              <a:ext uri="{FF2B5EF4-FFF2-40B4-BE49-F238E27FC236}">
-                <a16:creationId xmlns:a16="http://schemas.microsoft.com/office/drawing/2014/main" id="{50D3A479-C983-F343-A498-493CDB982F89}"/>
-              </a:ext>
-            </a:extLst>
-          </p:cNvPr>
-          <p:cNvSpPr txBox="1"/>
-          <p:nvPr/>
-        </p:nvSpPr>
-        <p:spPr>
-          <a:xfrm>
-            <a:off x="2638040" y="1904692"/>
-            <a:ext cx="2049497" cy="338554"/>
-          </a:xfrm>
-          <a:prstGeom prst="rect">
-            <a:avLst/>
-          </a:prstGeom>
-          <a:noFill/>
-        </p:spPr>
-        <p:txBody>
-          <a:bodyPr wrap="square" rtlCol="0">
-            <a:spAutoFit/>
-          </a:bodyPr>
-          <a:lstStyle/>
-          <a:p>
-            <a:r>
-              <a:rPr lang="en-US" sz="1600" dirty="0"/>
-              <a:t>1 to more / more to 1</a:t>
-            </a:r>
-          </a:p>
-        </p:txBody>
-      </p:sp>
       <p:cxnSp>
         <p:nvCxnSpPr>
           <p:cNvPr id="28" name="f kubectl t HPA" descr="Create Target">
@@ -6340,41 +7311,6 @@
                                   </p:childTnLst>
                                 </p:cTn>
                               </p:par>
-                              <p:par>
-                                <p:cTn id="37" presetID="10" presetClass="entr" presetSubtype="0" fill="hold" grpId="0" nodeType="withEffect">
-                                  <p:stCondLst>
-                                    <p:cond delay="0"/>
-                                  </p:stCondLst>
-                                  <p:childTnLst>
-                                    <p:set>
-                                      <p:cBhvr>
-                                        <p:cTn id="38" dur="1" fill="hold">
-                                          <p:stCondLst>
-                                            <p:cond delay="0"/>
-                                          </p:stCondLst>
-                                        </p:cTn>
-                                        <p:tgtEl>
-                                          <p:spTgt spid="27"/>
-                                        </p:tgtEl>
-                                        <p:attrNameLst>
-                                          <p:attrName>style.visibility</p:attrName>
-                                        </p:attrNameLst>
-                                      </p:cBhvr>
-                                      <p:to>
-                                        <p:strVal val="visible"/>
-                                      </p:to>
-                                    </p:set>
-                                    <p:animEffect transition="in" filter="fade">
-                                      <p:cBhvr>
-                                        <p:cTn id="39" dur="500"/>
-                                        <p:tgtEl>
-                                          <p:spTgt spid="27"/>
-                                        </p:tgtEl>
-                                      </p:cBhvr>
-                                    </p:animEffect>
-                                  </p:childTnLst>
-                                </p:cTn>
-                              </p:par>
                             </p:childTnLst>
                           </p:cTn>
                         </p:par>
@@ -6382,26 +7318,26 @@
                     </p:cTn>
                   </p:par>
                   <p:par>
-                    <p:cTn id="40" fill="hold">
+                    <p:cTn id="37" fill="hold">
                       <p:stCondLst>
                         <p:cond delay="indefinite"/>
                       </p:stCondLst>
                       <p:childTnLst>
                         <p:par>
-                          <p:cTn id="41" fill="hold">
+                          <p:cTn id="38" fill="hold">
                             <p:stCondLst>
                               <p:cond delay="0"/>
                             </p:stCondLst>
                             <p:childTnLst>
                               <p:par>
-                                <p:cTn id="42" presetID="10" presetClass="entr" presetSubtype="0" fill="hold" grpId="0" nodeType="clickEffect">
+                                <p:cTn id="39" presetID="10" presetClass="entr" presetSubtype="0" fill="hold" grpId="0" nodeType="clickEffect">
                                   <p:stCondLst>
                                     <p:cond delay="0"/>
                                   </p:stCondLst>
                                   <p:childTnLst>
                                     <p:set>
                                       <p:cBhvr>
-                                        <p:cTn id="43" dur="1" fill="hold">
+                                        <p:cTn id="40" dur="1" fill="hold">
                                           <p:stCondLst>
                                             <p:cond delay="0"/>
                                           </p:stCondLst>
@@ -6419,7 +7355,7 @@
                                     </p:set>
                                     <p:animEffect transition="in" filter="fade">
                                       <p:cBhvr>
-                                        <p:cTn id="44" dur="500"/>
+                                        <p:cTn id="41" dur="500"/>
                                         <p:tgtEl>
                                           <p:spTgt spid="32"/>
                                         </p:tgtEl>
@@ -6429,14 +7365,14 @@
                                 </p:cTn>
                               </p:par>
                               <p:par>
-                                <p:cTn id="45" presetID="10" presetClass="entr" presetSubtype="0" fill="hold" nodeType="withEffect">
+                                <p:cTn id="42" presetID="10" presetClass="entr" presetSubtype="0" fill="hold" nodeType="withEffect">
                                   <p:stCondLst>
                                     <p:cond delay="0"/>
                                   </p:stCondLst>
                                   <p:childTnLst>
                                     <p:set>
                                       <p:cBhvr>
-                                        <p:cTn id="46" dur="1" fill="hold">
+                                        <p:cTn id="43" dur="1" fill="hold">
                                           <p:stCondLst>
                                             <p:cond delay="0"/>
                                           </p:stCondLst>
@@ -6454,7 +7390,7 @@
                                     </p:set>
                                     <p:animEffect transition="in" filter="fade">
                                       <p:cBhvr>
-                                        <p:cTn id="47" dur="500"/>
+                                        <p:cTn id="44" dur="500"/>
                                         <p:tgtEl>
                                           <p:spTgt spid="31"/>
                                         </p:tgtEl>
@@ -6493,114 +7429,9 @@
     <p:bldLst>
       <p:bldP spid="7" grpId="0" animBg="1"/>
       <p:bldP spid="14" grpId="0" animBg="1"/>
-      <p:bldP spid="27" grpId="0"/>
       <p:bldP spid="32" grpId="0"/>
     </p:bldLst>
   </p:timing>
-</p:sld>
-</file>
-
-<file path=ppt/slides/slide4.xml><?xml version="1.0" encoding="utf-8"?>
-<p:sld xmlns:a="http://schemas.openxmlformats.org/drawingml/2006/main" xmlns:r="http://schemas.openxmlformats.org/officeDocument/2006/relationships" xmlns:p="http://schemas.openxmlformats.org/presentationml/2006/main">
-  <p:cSld>
-    <p:spTree>
-      <p:nvGrpSpPr>
-        <p:cNvPr id="1" name=""/>
-        <p:cNvGrpSpPr/>
-        <p:nvPr/>
-      </p:nvGrpSpPr>
-      <p:grpSpPr>
-        <a:xfrm>
-          <a:off x="0" y="0"/>
-          <a:ext cx="0" cy="0"/>
-          <a:chOff x="0" y="0"/>
-          <a:chExt cx="0" cy="0"/>
-        </a:xfrm>
-      </p:grpSpPr>
-      <p:sp>
-        <p:nvSpPr>
-          <p:cNvPr id="2" name="Title 1">
-            <a:extLst>
-              <a:ext uri="{FF2B5EF4-FFF2-40B4-BE49-F238E27FC236}">
-                <a16:creationId xmlns:a16="http://schemas.microsoft.com/office/drawing/2014/main" id="{99D8DFFE-7F86-A44D-A4D5-1F9B7BC41356}"/>
-              </a:ext>
-            </a:extLst>
-          </p:cNvPr>
-          <p:cNvSpPr>
-            <a:spLocks noGrp="1"/>
-          </p:cNvSpPr>
-          <p:nvPr>
-            <p:ph type="title"/>
-          </p:nvPr>
-        </p:nvSpPr>
-        <p:spPr/>
-        <p:txBody>
-          <a:bodyPr/>
-          <a:lstStyle/>
-          <a:p>
-            <a:r>
-              <a:rPr lang="en-US" dirty="0"/>
-              <a:t>Problems with HPA only</a:t>
-            </a:r>
-          </a:p>
-        </p:txBody>
-      </p:sp>
-      <p:sp>
-        <p:nvSpPr>
-          <p:cNvPr id="3" name="Content Placeholder 2">
-            <a:extLst>
-              <a:ext uri="{FF2B5EF4-FFF2-40B4-BE49-F238E27FC236}">
-                <a16:creationId xmlns:a16="http://schemas.microsoft.com/office/drawing/2014/main" id="{7C1314C0-3165-D74D-BDB0-CFD6BAE2A7F9}"/>
-              </a:ext>
-            </a:extLst>
-          </p:cNvPr>
-          <p:cNvSpPr>
-            <a:spLocks noGrp="1"/>
-          </p:cNvSpPr>
-          <p:nvPr>
-            <p:ph idx="1"/>
-          </p:nvPr>
-        </p:nvSpPr>
-        <p:spPr/>
-        <p:txBody>
-          <a:bodyPr/>
-          <a:lstStyle/>
-          <a:p>
-            <a:r>
-              <a:rPr lang="en-US" dirty="0"/>
-              <a:t>No “0 to 1” and “1 to 0”</a:t>
-            </a:r>
-          </a:p>
-          <a:p>
-            <a:r>
-              <a:rPr lang="en-US" dirty="0"/>
-              <a:t>Only CPU and Memory by default</a:t>
-            </a:r>
-          </a:p>
-          <a:p>
-            <a:r>
-              <a:rPr lang="en-US" dirty="0"/>
-              <a:t>No easy way for your own scaler</a:t>
-            </a:r>
-          </a:p>
-          <a:p>
-            <a:endParaRPr lang="en-US" dirty="0"/>
-          </a:p>
-          <a:p>
-            <a:endParaRPr lang="en-US" dirty="0"/>
-          </a:p>
-        </p:txBody>
-      </p:sp>
-    </p:spTree>
-    <p:extLst>
-      <p:ext uri="{BB962C8B-B14F-4D97-AF65-F5344CB8AC3E}">
-        <p14:creationId xmlns:p14="http://schemas.microsoft.com/office/powerpoint/2010/main" val="1561030645"/>
-      </p:ext>
-    </p:extLst>
-  </p:cSld>
-  <p:clrMapOvr>
-    <a:masterClrMapping/>
-  </p:clrMapOvr>
 </p:sld>
 </file>
 
@@ -6623,10 +7454,10 @@
       </p:grpSpPr>
       <p:sp>
         <p:nvSpPr>
-          <p:cNvPr id="4" name="Title 3">
-            <a:extLst>
-              <a:ext uri="{FF2B5EF4-FFF2-40B4-BE49-F238E27FC236}">
-                <a16:creationId xmlns:a16="http://schemas.microsoft.com/office/drawing/2014/main" id="{81493473-C789-6340-9A5E-E3B87060176D}"/>
+          <p:cNvPr id="2" name="Title 1">
+            <a:extLst>
+              <a:ext uri="{FF2B5EF4-FFF2-40B4-BE49-F238E27FC236}">
+                <a16:creationId xmlns:a16="http://schemas.microsoft.com/office/drawing/2014/main" id="{99D8DFFE-7F86-A44D-A4D5-1F9B7BC41356}"/>
               </a:ext>
             </a:extLst>
           </p:cNvPr>
@@ -6634,7 +7465,7 @@
             <a:spLocks noGrp="1"/>
           </p:cNvSpPr>
           <p:nvPr>
-            <p:ph type="ctrTitle"/>
+            <p:ph type="title"/>
           </p:nvPr>
         </p:nvSpPr>
         <p:spPr/>
@@ -6644,17 +7475,17 @@
           <a:p>
             <a:r>
               <a:rPr lang="en-US" dirty="0"/>
-              <a:t>KEDA’s Role</a:t>
-            </a:r>
-          </a:p>
-        </p:txBody>
-      </p:sp>
-      <p:sp>
-        <p:nvSpPr>
-          <p:cNvPr id="5" name="Subtitle 4">
-            <a:extLst>
-              <a:ext uri="{FF2B5EF4-FFF2-40B4-BE49-F238E27FC236}">
-                <a16:creationId xmlns:a16="http://schemas.microsoft.com/office/drawing/2014/main" id="{3F497F65-F9ED-2A41-B292-E76F7297D8D8}"/>
+              <a:t>Problems with HPA only</a:t>
+            </a:r>
+          </a:p>
+        </p:txBody>
+      </p:sp>
+      <p:sp>
+        <p:nvSpPr>
+          <p:cNvPr id="3" name="Content Placeholder 2">
+            <a:extLst>
+              <a:ext uri="{FF2B5EF4-FFF2-40B4-BE49-F238E27FC236}">
+                <a16:creationId xmlns:a16="http://schemas.microsoft.com/office/drawing/2014/main" id="{7C1314C0-3165-D74D-BDB0-CFD6BAE2A7F9}"/>
               </a:ext>
             </a:extLst>
           </p:cNvPr>
@@ -6662,7 +7493,7 @@
             <a:spLocks noGrp="1"/>
           </p:cNvSpPr>
           <p:nvPr>
-            <p:ph type="subTitle" idx="1"/>
+            <p:ph idx="1"/>
           </p:nvPr>
         </p:nvSpPr>
         <p:spPr/>
@@ -6670,20 +7501,187 @@
           <a:bodyPr/>
           <a:lstStyle/>
           <a:p>
-            <a:endParaRPr lang="en-US"/>
+            <a:r>
+              <a:rPr lang="en-US" dirty="0"/>
+              <a:t>No “0 to 1” and “1 to 0”</a:t>
+            </a:r>
+          </a:p>
+          <a:p>
+            <a:r>
+              <a:rPr lang="en-US" dirty="0"/>
+              <a:t>Only CPU and Memory by default</a:t>
+            </a:r>
+          </a:p>
+          <a:p>
+            <a:endParaRPr lang="en-US" dirty="0"/>
+          </a:p>
+          <a:p>
+            <a:endParaRPr lang="en-US" dirty="0"/>
           </a:p>
         </p:txBody>
       </p:sp>
     </p:spTree>
     <p:extLst>
       <p:ext uri="{BB962C8B-B14F-4D97-AF65-F5344CB8AC3E}">
-        <p14:creationId xmlns:p14="http://schemas.microsoft.com/office/powerpoint/2010/main" val="950693121"/>
+        <p14:creationId xmlns:p14="http://schemas.microsoft.com/office/powerpoint/2010/main" val="1561030645"/>
       </p:ext>
     </p:extLst>
   </p:cSld>
   <p:clrMapOvr>
     <a:masterClrMapping/>
   </p:clrMapOvr>
+  <p:timing>
+    <p:tnLst>
+      <p:par>
+        <p:cTn id="1" dur="indefinite" restart="never" nodeType="tmRoot">
+          <p:childTnLst>
+            <p:seq concurrent="1" nextAc="seek">
+              <p:cTn id="2" dur="indefinite" nodeType="mainSeq">
+                <p:childTnLst>
+                  <p:par>
+                    <p:cTn id="3" fill="hold">
+                      <p:stCondLst>
+                        <p:cond delay="indefinite"/>
+                      </p:stCondLst>
+                      <p:childTnLst>
+                        <p:par>
+                          <p:cTn id="4" fill="hold">
+                            <p:stCondLst>
+                              <p:cond delay="0"/>
+                            </p:stCondLst>
+                            <p:childTnLst>
+                              <p:par>
+                                <p:cTn id="5" presetID="10" presetClass="entr" presetSubtype="0" fill="hold" nodeType="clickEffect">
+                                  <p:stCondLst>
+                                    <p:cond delay="0"/>
+                                  </p:stCondLst>
+                                  <p:childTnLst>
+                                    <p:set>
+                                      <p:cBhvr>
+                                        <p:cTn id="6" dur="1" fill="hold">
+                                          <p:stCondLst>
+                                            <p:cond delay="0"/>
+                                          </p:stCondLst>
+                                        </p:cTn>
+                                        <p:tgtEl>
+                                          <p:spTgt spid="3">
+                                            <p:txEl>
+                                              <p:pRg st="0" end="0"/>
+                                            </p:txEl>
+                                          </p:spTgt>
+                                        </p:tgtEl>
+                                        <p:attrNameLst>
+                                          <p:attrName>style.visibility</p:attrName>
+                                        </p:attrNameLst>
+                                      </p:cBhvr>
+                                      <p:to>
+                                        <p:strVal val="visible"/>
+                                      </p:to>
+                                    </p:set>
+                                    <p:animEffect transition="in" filter="fade">
+                                      <p:cBhvr>
+                                        <p:cTn id="7" dur="500"/>
+                                        <p:tgtEl>
+                                          <p:spTgt spid="3">
+                                            <p:txEl>
+                                              <p:pRg st="0" end="0"/>
+                                            </p:txEl>
+                                          </p:spTgt>
+                                        </p:tgtEl>
+                                      </p:cBhvr>
+                                    </p:animEffect>
+                                  </p:childTnLst>
+                                </p:cTn>
+                              </p:par>
+                            </p:childTnLst>
+                          </p:cTn>
+                        </p:par>
+                      </p:childTnLst>
+                    </p:cTn>
+                  </p:par>
+                  <p:par>
+                    <p:cTn id="8" fill="hold">
+                      <p:stCondLst>
+                        <p:cond delay="indefinite"/>
+                      </p:stCondLst>
+                      <p:childTnLst>
+                        <p:par>
+                          <p:cTn id="9" fill="hold">
+                            <p:stCondLst>
+                              <p:cond delay="0"/>
+                            </p:stCondLst>
+                            <p:childTnLst>
+                              <p:par>
+                                <p:cTn id="10" presetID="10" presetClass="entr" presetSubtype="0" fill="hold" nodeType="clickEffect">
+                                  <p:stCondLst>
+                                    <p:cond delay="0"/>
+                                  </p:stCondLst>
+                                  <p:childTnLst>
+                                    <p:set>
+                                      <p:cBhvr>
+                                        <p:cTn id="11" dur="1" fill="hold">
+                                          <p:stCondLst>
+                                            <p:cond delay="0"/>
+                                          </p:stCondLst>
+                                        </p:cTn>
+                                        <p:tgtEl>
+                                          <p:spTgt spid="3">
+                                            <p:txEl>
+                                              <p:pRg st="1" end="1"/>
+                                            </p:txEl>
+                                          </p:spTgt>
+                                        </p:tgtEl>
+                                        <p:attrNameLst>
+                                          <p:attrName>style.visibility</p:attrName>
+                                        </p:attrNameLst>
+                                      </p:cBhvr>
+                                      <p:to>
+                                        <p:strVal val="visible"/>
+                                      </p:to>
+                                    </p:set>
+                                    <p:animEffect transition="in" filter="fade">
+                                      <p:cBhvr>
+                                        <p:cTn id="12" dur="500"/>
+                                        <p:tgtEl>
+                                          <p:spTgt spid="3">
+                                            <p:txEl>
+                                              <p:pRg st="1" end="1"/>
+                                            </p:txEl>
+                                          </p:spTgt>
+                                        </p:tgtEl>
+                                      </p:cBhvr>
+                                    </p:animEffect>
+                                  </p:childTnLst>
+                                </p:cTn>
+                              </p:par>
+                            </p:childTnLst>
+                          </p:cTn>
+                        </p:par>
+                      </p:childTnLst>
+                    </p:cTn>
+                  </p:par>
+                </p:childTnLst>
+              </p:cTn>
+              <p:prevCondLst>
+                <p:cond evt="onPrev" delay="0">
+                  <p:tgtEl>
+                    <p:sldTgt/>
+                  </p:tgtEl>
+                </p:cond>
+              </p:prevCondLst>
+              <p:nextCondLst>
+                <p:cond evt="onNext" delay="0">
+                  <p:tgtEl>
+                    <p:sldTgt/>
+                  </p:tgtEl>
+                </p:cond>
+              </p:nextCondLst>
+            </p:seq>
+          </p:childTnLst>
+        </p:cTn>
+      </p:par>
+    </p:tnLst>
+  </p:timing>
 </p:sld>
 </file>
 
@@ -6706,10 +7704,10 @@
       </p:grpSpPr>
       <p:sp>
         <p:nvSpPr>
-          <p:cNvPr id="2" name="Title 1">
-            <a:extLst>
-              <a:ext uri="{FF2B5EF4-FFF2-40B4-BE49-F238E27FC236}">
-                <a16:creationId xmlns:a16="http://schemas.microsoft.com/office/drawing/2014/main" id="{2A6B3E5D-467D-AE47-A075-E32FC5595D2C}"/>
+          <p:cNvPr id="4" name="Title 3">
+            <a:extLst>
+              <a:ext uri="{FF2B5EF4-FFF2-40B4-BE49-F238E27FC236}">
+                <a16:creationId xmlns:a16="http://schemas.microsoft.com/office/drawing/2014/main" id="{81493473-C789-6340-9A5E-E3B87060176D}"/>
               </a:ext>
             </a:extLst>
           </p:cNvPr>
@@ -6717,7 +7715,7 @@
             <a:spLocks noGrp="1"/>
           </p:cNvSpPr>
           <p:nvPr>
-            <p:ph type="title"/>
+            <p:ph type="ctrTitle"/>
           </p:nvPr>
         </p:nvSpPr>
         <p:spPr/>
@@ -6727,17 +7725,17 @@
           <a:p>
             <a:r>
               <a:rPr lang="en-US" dirty="0"/>
-              <a:t>KEDA brings in</a:t>
-            </a:r>
-          </a:p>
-        </p:txBody>
-      </p:sp>
-      <p:sp>
-        <p:nvSpPr>
-          <p:cNvPr id="3" name="Content Placeholder 2">
-            <a:extLst>
-              <a:ext uri="{FF2B5EF4-FFF2-40B4-BE49-F238E27FC236}">
-                <a16:creationId xmlns:a16="http://schemas.microsoft.com/office/drawing/2014/main" id="{173BC152-0E92-2348-851F-2BA8DE523BF5}"/>
+              <a:t>KEDA’s Role</a:t>
+            </a:r>
+          </a:p>
+        </p:txBody>
+      </p:sp>
+      <p:sp>
+        <p:nvSpPr>
+          <p:cNvPr id="5" name="Subtitle 4">
+            <a:extLst>
+              <a:ext uri="{FF2B5EF4-FFF2-40B4-BE49-F238E27FC236}">
+                <a16:creationId xmlns:a16="http://schemas.microsoft.com/office/drawing/2014/main" id="{3F497F65-F9ED-2A41-B292-E76F7297D8D8}"/>
               </a:ext>
             </a:extLst>
           </p:cNvPr>
@@ -6745,7 +7743,7 @@
             <a:spLocks noGrp="1"/>
           </p:cNvSpPr>
           <p:nvPr>
-            <p:ph idx="1"/>
+            <p:ph type="subTitle" idx="1"/>
           </p:nvPr>
         </p:nvSpPr>
         <p:spPr/>
@@ -6753,29 +7751,14 @@
           <a:bodyPr/>
           <a:lstStyle/>
           <a:p>
-            <a:r>
-              <a:rPr lang="en-US" dirty="0"/>
-              <a:t>Acts as a metric server for many scalers</a:t>
-            </a:r>
-          </a:p>
-          <a:p>
-            <a:r>
-              <a:rPr lang="en-US" dirty="0"/>
-              <a:t>Support for “0 to 1” and “1 to 0”</a:t>
-            </a:r>
-          </a:p>
-          <a:p>
-            <a:r>
-              <a:rPr lang="en-US" dirty="0"/>
-              <a:t>Build your own scaler</a:t>
-            </a:r>
+            <a:endParaRPr lang="en-US"/>
           </a:p>
         </p:txBody>
       </p:sp>
     </p:spTree>
     <p:extLst>
       <p:ext uri="{BB962C8B-B14F-4D97-AF65-F5344CB8AC3E}">
-        <p14:creationId xmlns:p14="http://schemas.microsoft.com/office/powerpoint/2010/main" val="2953676721"/>
+        <p14:creationId xmlns:p14="http://schemas.microsoft.com/office/powerpoint/2010/main" val="950693121"/>
       </p:ext>
     </p:extLst>
   </p:cSld>
@@ -6804,6 +7787,625 @@
       </p:grpSpPr>
       <p:sp>
         <p:nvSpPr>
+          <p:cNvPr id="2" name="Title 1">
+            <a:extLst>
+              <a:ext uri="{FF2B5EF4-FFF2-40B4-BE49-F238E27FC236}">
+                <a16:creationId xmlns:a16="http://schemas.microsoft.com/office/drawing/2014/main" id="{2A6B3E5D-467D-AE47-A075-E32FC5595D2C}"/>
+              </a:ext>
+            </a:extLst>
+          </p:cNvPr>
+          <p:cNvSpPr>
+            <a:spLocks noGrp="1"/>
+          </p:cNvSpPr>
+          <p:nvPr>
+            <p:ph type="title"/>
+          </p:nvPr>
+        </p:nvSpPr>
+        <p:spPr/>
+        <p:txBody>
+          <a:bodyPr/>
+          <a:lstStyle/>
+          <a:p>
+            <a:r>
+              <a:rPr lang="en-US" dirty="0"/>
+              <a:t>KEDA brings in</a:t>
+            </a:r>
+          </a:p>
+        </p:txBody>
+      </p:sp>
+      <p:sp>
+        <p:nvSpPr>
+          <p:cNvPr id="3" name="Content Placeholder 2">
+            <a:extLst>
+              <a:ext uri="{FF2B5EF4-FFF2-40B4-BE49-F238E27FC236}">
+                <a16:creationId xmlns:a16="http://schemas.microsoft.com/office/drawing/2014/main" id="{173BC152-0E92-2348-851F-2BA8DE523BF5}"/>
+              </a:ext>
+            </a:extLst>
+          </p:cNvPr>
+          <p:cNvSpPr>
+            <a:spLocks noGrp="1"/>
+          </p:cNvSpPr>
+          <p:nvPr>
+            <p:ph idx="1"/>
+          </p:nvPr>
+        </p:nvSpPr>
+        <p:spPr/>
+        <p:txBody>
+          <a:bodyPr/>
+          <a:lstStyle/>
+          <a:p>
+            <a:r>
+              <a:rPr lang="en-US" dirty="0"/>
+              <a:t>Acts as a metric server for many scalers (22)</a:t>
+            </a:r>
+          </a:p>
+          <a:p>
+            <a:pPr lvl="1"/>
+            <a:r>
+              <a:rPr lang="en-US" dirty="0"/>
+              <a:t>Kafka</a:t>
+            </a:r>
+          </a:p>
+          <a:p>
+            <a:pPr lvl="1"/>
+            <a:r>
+              <a:rPr lang="en-US" dirty="0"/>
+              <a:t>AWS (SQS, </a:t>
+            </a:r>
+            <a:r>
+              <a:rPr lang="en-US" dirty="0" err="1"/>
+              <a:t>CoudWatch</a:t>
+            </a:r>
+            <a:r>
+              <a:rPr lang="en-US" dirty="0"/>
+              <a:t>, Kinesis)</a:t>
+            </a:r>
+          </a:p>
+          <a:p>
+            <a:pPr lvl="1"/>
+            <a:r>
+              <a:rPr lang="en-US" dirty="0"/>
+              <a:t>Azure (Storage Queue, Blob, Events Hub, Monitor, Service Bus…)</a:t>
+            </a:r>
+          </a:p>
+          <a:p>
+            <a:pPr lvl="1"/>
+            <a:r>
+              <a:rPr lang="en-US" dirty="0"/>
+              <a:t>RabbitMQ</a:t>
+            </a:r>
+          </a:p>
+          <a:p>
+            <a:pPr lvl="1"/>
+            <a:r>
+              <a:rPr lang="en-US" dirty="0"/>
+              <a:t>Redis</a:t>
+            </a:r>
+          </a:p>
+          <a:p>
+            <a:pPr lvl="1"/>
+            <a:r>
+              <a:rPr lang="en-US" dirty="0"/>
+              <a:t>…</a:t>
+            </a:r>
+          </a:p>
+          <a:p>
+            <a:r>
+              <a:rPr lang="en-US" dirty="0"/>
+              <a:t>Support for “0 to 1” and “1 to 0”</a:t>
+            </a:r>
+          </a:p>
+          <a:p>
+            <a:r>
+              <a:rPr lang="en-US" dirty="0"/>
+              <a:t>Build your own scaler</a:t>
+            </a:r>
+          </a:p>
+        </p:txBody>
+      </p:sp>
+    </p:spTree>
+    <p:extLst>
+      <p:ext uri="{BB962C8B-B14F-4D97-AF65-F5344CB8AC3E}">
+        <p14:creationId xmlns:p14="http://schemas.microsoft.com/office/powerpoint/2010/main" val="2953676721"/>
+      </p:ext>
+    </p:extLst>
+  </p:cSld>
+  <p:clrMapOvr>
+    <a:masterClrMapping/>
+  </p:clrMapOvr>
+  <p:timing>
+    <p:tnLst>
+      <p:par>
+        <p:cTn id="1" dur="indefinite" restart="never" nodeType="tmRoot">
+          <p:childTnLst>
+            <p:seq concurrent="1" nextAc="seek">
+              <p:cTn id="2" dur="indefinite" nodeType="mainSeq">
+                <p:childTnLst>
+                  <p:par>
+                    <p:cTn id="3" fill="hold">
+                      <p:stCondLst>
+                        <p:cond delay="indefinite"/>
+                      </p:stCondLst>
+                      <p:childTnLst>
+                        <p:par>
+                          <p:cTn id="4" fill="hold">
+                            <p:stCondLst>
+                              <p:cond delay="0"/>
+                            </p:stCondLst>
+                            <p:childTnLst>
+                              <p:par>
+                                <p:cTn id="5" presetID="10" presetClass="entr" presetSubtype="0" fill="hold" nodeType="clickEffect">
+                                  <p:stCondLst>
+                                    <p:cond delay="0"/>
+                                  </p:stCondLst>
+                                  <p:childTnLst>
+                                    <p:set>
+                                      <p:cBhvr>
+                                        <p:cTn id="6" dur="1" fill="hold">
+                                          <p:stCondLst>
+                                            <p:cond delay="0"/>
+                                          </p:stCondLst>
+                                        </p:cTn>
+                                        <p:tgtEl>
+                                          <p:spTgt spid="3">
+                                            <p:txEl>
+                                              <p:pRg st="0" end="0"/>
+                                            </p:txEl>
+                                          </p:spTgt>
+                                        </p:tgtEl>
+                                        <p:attrNameLst>
+                                          <p:attrName>style.visibility</p:attrName>
+                                        </p:attrNameLst>
+                                      </p:cBhvr>
+                                      <p:to>
+                                        <p:strVal val="visible"/>
+                                      </p:to>
+                                    </p:set>
+                                    <p:animEffect transition="in" filter="fade">
+                                      <p:cBhvr>
+                                        <p:cTn id="7" dur="500"/>
+                                        <p:tgtEl>
+                                          <p:spTgt spid="3">
+                                            <p:txEl>
+                                              <p:pRg st="0" end="0"/>
+                                            </p:txEl>
+                                          </p:spTgt>
+                                        </p:tgtEl>
+                                      </p:cBhvr>
+                                    </p:animEffect>
+                                  </p:childTnLst>
+                                </p:cTn>
+                              </p:par>
+                              <p:par>
+                                <p:cTn id="8" presetID="10" presetClass="entr" presetSubtype="0" fill="hold" nodeType="withEffect">
+                                  <p:stCondLst>
+                                    <p:cond delay="0"/>
+                                  </p:stCondLst>
+                                  <p:childTnLst>
+                                    <p:set>
+                                      <p:cBhvr>
+                                        <p:cTn id="9" dur="1" fill="hold">
+                                          <p:stCondLst>
+                                            <p:cond delay="0"/>
+                                          </p:stCondLst>
+                                        </p:cTn>
+                                        <p:tgtEl>
+                                          <p:spTgt spid="3">
+                                            <p:txEl>
+                                              <p:pRg st="1" end="1"/>
+                                            </p:txEl>
+                                          </p:spTgt>
+                                        </p:tgtEl>
+                                        <p:attrNameLst>
+                                          <p:attrName>style.visibility</p:attrName>
+                                        </p:attrNameLst>
+                                      </p:cBhvr>
+                                      <p:to>
+                                        <p:strVal val="visible"/>
+                                      </p:to>
+                                    </p:set>
+                                    <p:animEffect transition="in" filter="fade">
+                                      <p:cBhvr>
+                                        <p:cTn id="10" dur="500"/>
+                                        <p:tgtEl>
+                                          <p:spTgt spid="3">
+                                            <p:txEl>
+                                              <p:pRg st="1" end="1"/>
+                                            </p:txEl>
+                                          </p:spTgt>
+                                        </p:tgtEl>
+                                      </p:cBhvr>
+                                    </p:animEffect>
+                                  </p:childTnLst>
+                                </p:cTn>
+                              </p:par>
+                              <p:par>
+                                <p:cTn id="11" presetID="10" presetClass="entr" presetSubtype="0" fill="hold" nodeType="withEffect">
+                                  <p:stCondLst>
+                                    <p:cond delay="0"/>
+                                  </p:stCondLst>
+                                  <p:childTnLst>
+                                    <p:set>
+                                      <p:cBhvr>
+                                        <p:cTn id="12" dur="1" fill="hold">
+                                          <p:stCondLst>
+                                            <p:cond delay="0"/>
+                                          </p:stCondLst>
+                                        </p:cTn>
+                                        <p:tgtEl>
+                                          <p:spTgt spid="3">
+                                            <p:txEl>
+                                              <p:pRg st="2" end="2"/>
+                                            </p:txEl>
+                                          </p:spTgt>
+                                        </p:tgtEl>
+                                        <p:attrNameLst>
+                                          <p:attrName>style.visibility</p:attrName>
+                                        </p:attrNameLst>
+                                      </p:cBhvr>
+                                      <p:to>
+                                        <p:strVal val="visible"/>
+                                      </p:to>
+                                    </p:set>
+                                    <p:animEffect transition="in" filter="fade">
+                                      <p:cBhvr>
+                                        <p:cTn id="13" dur="500"/>
+                                        <p:tgtEl>
+                                          <p:spTgt spid="3">
+                                            <p:txEl>
+                                              <p:pRg st="2" end="2"/>
+                                            </p:txEl>
+                                          </p:spTgt>
+                                        </p:tgtEl>
+                                      </p:cBhvr>
+                                    </p:animEffect>
+                                  </p:childTnLst>
+                                </p:cTn>
+                              </p:par>
+                              <p:par>
+                                <p:cTn id="14" presetID="10" presetClass="entr" presetSubtype="0" fill="hold" nodeType="withEffect">
+                                  <p:stCondLst>
+                                    <p:cond delay="0"/>
+                                  </p:stCondLst>
+                                  <p:childTnLst>
+                                    <p:set>
+                                      <p:cBhvr>
+                                        <p:cTn id="15" dur="1" fill="hold">
+                                          <p:stCondLst>
+                                            <p:cond delay="0"/>
+                                          </p:stCondLst>
+                                        </p:cTn>
+                                        <p:tgtEl>
+                                          <p:spTgt spid="3">
+                                            <p:txEl>
+                                              <p:pRg st="3" end="3"/>
+                                            </p:txEl>
+                                          </p:spTgt>
+                                        </p:tgtEl>
+                                        <p:attrNameLst>
+                                          <p:attrName>style.visibility</p:attrName>
+                                        </p:attrNameLst>
+                                      </p:cBhvr>
+                                      <p:to>
+                                        <p:strVal val="visible"/>
+                                      </p:to>
+                                    </p:set>
+                                    <p:animEffect transition="in" filter="fade">
+                                      <p:cBhvr>
+                                        <p:cTn id="16" dur="500"/>
+                                        <p:tgtEl>
+                                          <p:spTgt spid="3">
+                                            <p:txEl>
+                                              <p:pRg st="3" end="3"/>
+                                            </p:txEl>
+                                          </p:spTgt>
+                                        </p:tgtEl>
+                                      </p:cBhvr>
+                                    </p:animEffect>
+                                  </p:childTnLst>
+                                </p:cTn>
+                              </p:par>
+                              <p:par>
+                                <p:cTn id="17" presetID="10" presetClass="entr" presetSubtype="0" fill="hold" nodeType="withEffect">
+                                  <p:stCondLst>
+                                    <p:cond delay="0"/>
+                                  </p:stCondLst>
+                                  <p:childTnLst>
+                                    <p:set>
+                                      <p:cBhvr>
+                                        <p:cTn id="18" dur="1" fill="hold">
+                                          <p:stCondLst>
+                                            <p:cond delay="0"/>
+                                          </p:stCondLst>
+                                        </p:cTn>
+                                        <p:tgtEl>
+                                          <p:spTgt spid="3">
+                                            <p:txEl>
+                                              <p:pRg st="4" end="4"/>
+                                            </p:txEl>
+                                          </p:spTgt>
+                                        </p:tgtEl>
+                                        <p:attrNameLst>
+                                          <p:attrName>style.visibility</p:attrName>
+                                        </p:attrNameLst>
+                                      </p:cBhvr>
+                                      <p:to>
+                                        <p:strVal val="visible"/>
+                                      </p:to>
+                                    </p:set>
+                                    <p:animEffect transition="in" filter="fade">
+                                      <p:cBhvr>
+                                        <p:cTn id="19" dur="500"/>
+                                        <p:tgtEl>
+                                          <p:spTgt spid="3">
+                                            <p:txEl>
+                                              <p:pRg st="4" end="4"/>
+                                            </p:txEl>
+                                          </p:spTgt>
+                                        </p:tgtEl>
+                                      </p:cBhvr>
+                                    </p:animEffect>
+                                  </p:childTnLst>
+                                </p:cTn>
+                              </p:par>
+                              <p:par>
+                                <p:cTn id="20" presetID="10" presetClass="entr" presetSubtype="0" fill="hold" nodeType="withEffect">
+                                  <p:stCondLst>
+                                    <p:cond delay="0"/>
+                                  </p:stCondLst>
+                                  <p:childTnLst>
+                                    <p:set>
+                                      <p:cBhvr>
+                                        <p:cTn id="21" dur="1" fill="hold">
+                                          <p:stCondLst>
+                                            <p:cond delay="0"/>
+                                          </p:stCondLst>
+                                        </p:cTn>
+                                        <p:tgtEl>
+                                          <p:spTgt spid="3">
+                                            <p:txEl>
+                                              <p:pRg st="5" end="5"/>
+                                            </p:txEl>
+                                          </p:spTgt>
+                                        </p:tgtEl>
+                                        <p:attrNameLst>
+                                          <p:attrName>style.visibility</p:attrName>
+                                        </p:attrNameLst>
+                                      </p:cBhvr>
+                                      <p:to>
+                                        <p:strVal val="visible"/>
+                                      </p:to>
+                                    </p:set>
+                                    <p:animEffect transition="in" filter="fade">
+                                      <p:cBhvr>
+                                        <p:cTn id="22" dur="500"/>
+                                        <p:tgtEl>
+                                          <p:spTgt spid="3">
+                                            <p:txEl>
+                                              <p:pRg st="5" end="5"/>
+                                            </p:txEl>
+                                          </p:spTgt>
+                                        </p:tgtEl>
+                                      </p:cBhvr>
+                                    </p:animEffect>
+                                  </p:childTnLst>
+                                </p:cTn>
+                              </p:par>
+                              <p:par>
+                                <p:cTn id="23" presetID="10" presetClass="entr" presetSubtype="0" fill="hold" nodeType="withEffect">
+                                  <p:stCondLst>
+                                    <p:cond delay="0"/>
+                                  </p:stCondLst>
+                                  <p:childTnLst>
+                                    <p:set>
+                                      <p:cBhvr>
+                                        <p:cTn id="24" dur="1" fill="hold">
+                                          <p:stCondLst>
+                                            <p:cond delay="0"/>
+                                          </p:stCondLst>
+                                        </p:cTn>
+                                        <p:tgtEl>
+                                          <p:spTgt spid="3">
+                                            <p:txEl>
+                                              <p:pRg st="6" end="6"/>
+                                            </p:txEl>
+                                          </p:spTgt>
+                                        </p:tgtEl>
+                                        <p:attrNameLst>
+                                          <p:attrName>style.visibility</p:attrName>
+                                        </p:attrNameLst>
+                                      </p:cBhvr>
+                                      <p:to>
+                                        <p:strVal val="visible"/>
+                                      </p:to>
+                                    </p:set>
+                                    <p:animEffect transition="in" filter="fade">
+                                      <p:cBhvr>
+                                        <p:cTn id="25" dur="500"/>
+                                        <p:tgtEl>
+                                          <p:spTgt spid="3">
+                                            <p:txEl>
+                                              <p:pRg st="6" end="6"/>
+                                            </p:txEl>
+                                          </p:spTgt>
+                                        </p:tgtEl>
+                                      </p:cBhvr>
+                                    </p:animEffect>
+                                  </p:childTnLst>
+                                </p:cTn>
+                              </p:par>
+                            </p:childTnLst>
+                          </p:cTn>
+                        </p:par>
+                      </p:childTnLst>
+                    </p:cTn>
+                  </p:par>
+                  <p:par>
+                    <p:cTn id="26" fill="hold">
+                      <p:stCondLst>
+                        <p:cond delay="indefinite"/>
+                      </p:stCondLst>
+                      <p:childTnLst>
+                        <p:par>
+                          <p:cTn id="27" fill="hold">
+                            <p:stCondLst>
+                              <p:cond delay="0"/>
+                            </p:stCondLst>
+                            <p:childTnLst>
+                              <p:par>
+                                <p:cTn id="28" presetID="10" presetClass="entr" presetSubtype="0" fill="hold" nodeType="clickEffect">
+                                  <p:stCondLst>
+                                    <p:cond delay="0"/>
+                                  </p:stCondLst>
+                                  <p:childTnLst>
+                                    <p:set>
+                                      <p:cBhvr>
+                                        <p:cTn id="29" dur="1" fill="hold">
+                                          <p:stCondLst>
+                                            <p:cond delay="0"/>
+                                          </p:stCondLst>
+                                        </p:cTn>
+                                        <p:tgtEl>
+                                          <p:spTgt spid="3">
+                                            <p:txEl>
+                                              <p:pRg st="7" end="7"/>
+                                            </p:txEl>
+                                          </p:spTgt>
+                                        </p:tgtEl>
+                                        <p:attrNameLst>
+                                          <p:attrName>style.visibility</p:attrName>
+                                        </p:attrNameLst>
+                                      </p:cBhvr>
+                                      <p:to>
+                                        <p:strVal val="visible"/>
+                                      </p:to>
+                                    </p:set>
+                                    <p:animEffect transition="in" filter="fade">
+                                      <p:cBhvr>
+                                        <p:cTn id="30" dur="500"/>
+                                        <p:tgtEl>
+                                          <p:spTgt spid="3">
+                                            <p:txEl>
+                                              <p:pRg st="7" end="7"/>
+                                            </p:txEl>
+                                          </p:spTgt>
+                                        </p:tgtEl>
+                                      </p:cBhvr>
+                                    </p:animEffect>
+                                  </p:childTnLst>
+                                </p:cTn>
+                              </p:par>
+                            </p:childTnLst>
+                          </p:cTn>
+                        </p:par>
+                      </p:childTnLst>
+                    </p:cTn>
+                  </p:par>
+                  <p:par>
+                    <p:cTn id="31" fill="hold">
+                      <p:stCondLst>
+                        <p:cond delay="indefinite"/>
+                      </p:stCondLst>
+                      <p:childTnLst>
+                        <p:par>
+                          <p:cTn id="32" fill="hold">
+                            <p:stCondLst>
+                              <p:cond delay="0"/>
+                            </p:stCondLst>
+                            <p:childTnLst>
+                              <p:par>
+                                <p:cTn id="33" presetID="10" presetClass="entr" presetSubtype="0" fill="hold" nodeType="clickEffect">
+                                  <p:stCondLst>
+                                    <p:cond delay="0"/>
+                                  </p:stCondLst>
+                                  <p:childTnLst>
+                                    <p:set>
+                                      <p:cBhvr>
+                                        <p:cTn id="34" dur="1" fill="hold">
+                                          <p:stCondLst>
+                                            <p:cond delay="0"/>
+                                          </p:stCondLst>
+                                        </p:cTn>
+                                        <p:tgtEl>
+                                          <p:spTgt spid="3">
+                                            <p:txEl>
+                                              <p:pRg st="8" end="8"/>
+                                            </p:txEl>
+                                          </p:spTgt>
+                                        </p:tgtEl>
+                                        <p:attrNameLst>
+                                          <p:attrName>style.visibility</p:attrName>
+                                        </p:attrNameLst>
+                                      </p:cBhvr>
+                                      <p:to>
+                                        <p:strVal val="visible"/>
+                                      </p:to>
+                                    </p:set>
+                                    <p:animEffect transition="in" filter="fade">
+                                      <p:cBhvr>
+                                        <p:cTn id="35" dur="500"/>
+                                        <p:tgtEl>
+                                          <p:spTgt spid="3">
+                                            <p:txEl>
+                                              <p:pRg st="8" end="8"/>
+                                            </p:txEl>
+                                          </p:spTgt>
+                                        </p:tgtEl>
+                                      </p:cBhvr>
+                                    </p:animEffect>
+                                  </p:childTnLst>
+                                </p:cTn>
+                              </p:par>
+                            </p:childTnLst>
+                          </p:cTn>
+                        </p:par>
+                      </p:childTnLst>
+                    </p:cTn>
+                  </p:par>
+                </p:childTnLst>
+              </p:cTn>
+              <p:prevCondLst>
+                <p:cond evt="onPrev" delay="0">
+                  <p:tgtEl>
+                    <p:sldTgt/>
+                  </p:tgtEl>
+                </p:cond>
+              </p:prevCondLst>
+              <p:nextCondLst>
+                <p:cond evt="onNext" delay="0">
+                  <p:tgtEl>
+                    <p:sldTgt/>
+                  </p:tgtEl>
+                </p:cond>
+              </p:nextCondLst>
+            </p:seq>
+          </p:childTnLst>
+        </p:cTn>
+      </p:par>
+    </p:tnLst>
+  </p:timing>
+</p:sld>
+</file>
+
+<file path=ppt/slides/slide8.xml><?xml version="1.0" encoding="utf-8"?>
+<p:sld xmlns:a="http://schemas.openxmlformats.org/drawingml/2006/main" xmlns:r="http://schemas.openxmlformats.org/officeDocument/2006/relationships" xmlns:p="http://schemas.openxmlformats.org/presentationml/2006/main">
+  <p:cSld>
+    <p:spTree>
+      <p:nvGrpSpPr>
+        <p:cNvPr id="1" name=""/>
+        <p:cNvGrpSpPr/>
+        <p:nvPr/>
+      </p:nvGrpSpPr>
+      <p:grpSpPr>
+        <a:xfrm>
+          <a:off x="0" y="0"/>
+          <a:ext cx="0" cy="0"/>
+          <a:chOff x="0" y="0"/>
+          <a:chExt cx="0" cy="0"/>
+        </a:xfrm>
+      </p:grpSpPr>
+      <p:sp>
+        <p:nvSpPr>
           <p:cNvPr id="4" name="Title 3">
             <a:extLst>
               <a:ext uri="{FF2B5EF4-FFF2-40B4-BE49-F238E27FC236}">
@@ -6868,7 +8470,7 @@
 </p:sld>
 </file>
 
-<file path=ppt/slides/slide8.xml><?xml version="1.0" encoding="utf-8"?>
+<file path=ppt/slides/slide9.xml><?xml version="1.0" encoding="utf-8"?>
 <p:sld xmlns:a="http://schemas.openxmlformats.org/drawingml/2006/main" xmlns:r="http://schemas.openxmlformats.org/officeDocument/2006/relationships" xmlns:p="http://schemas.openxmlformats.org/presentationml/2006/main">
   <p:cSld>
     <p:spTree>
@@ -8630,89 +10232,6 @@
 </p:sld>
 </file>
 
-<file path=ppt/slides/slide9.xml><?xml version="1.0" encoding="utf-8"?>
-<p:sld xmlns:a="http://schemas.openxmlformats.org/drawingml/2006/main" xmlns:r="http://schemas.openxmlformats.org/officeDocument/2006/relationships" xmlns:p="http://schemas.openxmlformats.org/presentationml/2006/main">
-  <p:cSld>
-    <p:spTree>
-      <p:nvGrpSpPr>
-        <p:cNvPr id="1" name=""/>
-        <p:cNvGrpSpPr/>
-        <p:nvPr/>
-      </p:nvGrpSpPr>
-      <p:grpSpPr>
-        <a:xfrm>
-          <a:off x="0" y="0"/>
-          <a:ext cx="0" cy="0"/>
-          <a:chOff x="0" y="0"/>
-          <a:chExt cx="0" cy="0"/>
-        </a:xfrm>
-      </p:grpSpPr>
-      <p:sp>
-        <p:nvSpPr>
-          <p:cNvPr id="4" name="Title 3">
-            <a:extLst>
-              <a:ext uri="{FF2B5EF4-FFF2-40B4-BE49-F238E27FC236}">
-                <a16:creationId xmlns:a16="http://schemas.microsoft.com/office/drawing/2014/main" id="{93228A22-8C38-1244-9A53-6E05248262C4}"/>
-              </a:ext>
-            </a:extLst>
-          </p:cNvPr>
-          <p:cNvSpPr>
-            <a:spLocks noGrp="1"/>
-          </p:cNvSpPr>
-          <p:nvPr>
-            <p:ph type="ctrTitle"/>
-          </p:nvPr>
-        </p:nvSpPr>
-        <p:spPr/>
-        <p:txBody>
-          <a:bodyPr/>
-          <a:lstStyle/>
-          <a:p>
-            <a:r>
-              <a:rPr lang="en-US" dirty="0"/>
-              <a:t>How External Scalers Work</a:t>
-            </a:r>
-          </a:p>
-        </p:txBody>
-      </p:sp>
-      <p:sp>
-        <p:nvSpPr>
-          <p:cNvPr id="5" name="Subtitle 4">
-            <a:extLst>
-              <a:ext uri="{FF2B5EF4-FFF2-40B4-BE49-F238E27FC236}">
-                <a16:creationId xmlns:a16="http://schemas.microsoft.com/office/drawing/2014/main" id="{B0F7C2D8-6917-F644-9D81-4A2364F7875F}"/>
-              </a:ext>
-            </a:extLst>
-          </p:cNvPr>
-          <p:cNvSpPr>
-            <a:spLocks noGrp="1"/>
-          </p:cNvSpPr>
-          <p:nvPr>
-            <p:ph type="subTitle" idx="1"/>
-          </p:nvPr>
-        </p:nvSpPr>
-        <p:spPr/>
-        <p:txBody>
-          <a:bodyPr/>
-          <a:lstStyle/>
-          <a:p>
-            <a:endParaRPr lang="en-US"/>
-          </a:p>
-        </p:txBody>
-      </p:sp>
-    </p:spTree>
-    <p:extLst>
-      <p:ext uri="{BB962C8B-B14F-4D97-AF65-F5344CB8AC3E}">
-        <p14:creationId xmlns:p14="http://schemas.microsoft.com/office/powerpoint/2010/main" val="174195065"/>
-      </p:ext>
-    </p:extLst>
-  </p:cSld>
-  <p:clrMapOvr>
-    <a:masterClrMapping/>
-  </p:clrMapOvr>
-</p:sld>
-</file>
-
 <file path=ppt/theme/theme1.xml><?xml version="1.0" encoding="utf-8"?>
 <a:theme xmlns:a="http://schemas.openxmlformats.org/drawingml/2006/main" name="Office Theme">
   <a:themeElements>
@@ -9006,4 +10525,299 @@
     </a:ext>
   </a:extLst>
 </a:theme>
+</file>
+
+<file path=ppt/theme/theme2.xml><?xml version="1.0" encoding="utf-8"?>
+<a:theme xmlns:a="http://schemas.openxmlformats.org/drawingml/2006/main" name="Office Theme">
+  <a:themeElements>
+    <a:clrScheme name="Office">
+      <a:dk1>
+        <a:sysClr val="windowText" lastClr="000000"/>
+      </a:dk1>
+      <a:lt1>
+        <a:sysClr val="window" lastClr="FFFFFF"/>
+      </a:lt1>
+      <a:dk2>
+        <a:srgbClr val="44546A"/>
+      </a:dk2>
+      <a:lt2>
+        <a:srgbClr val="E7E6E6"/>
+      </a:lt2>
+      <a:accent1>
+        <a:srgbClr val="4472C4"/>
+      </a:accent1>
+      <a:accent2>
+        <a:srgbClr val="ED7D31"/>
+      </a:accent2>
+      <a:accent3>
+        <a:srgbClr val="A5A5A5"/>
+      </a:accent3>
+      <a:accent4>
+        <a:srgbClr val="FFC000"/>
+      </a:accent4>
+      <a:accent5>
+        <a:srgbClr val="5B9BD5"/>
+      </a:accent5>
+      <a:accent6>
+        <a:srgbClr val="70AD47"/>
+      </a:accent6>
+      <a:hlink>
+        <a:srgbClr val="0563C1"/>
+      </a:hlink>
+      <a:folHlink>
+        <a:srgbClr val="954F72"/>
+      </a:folHlink>
+    </a:clrScheme>
+    <a:fontScheme name="Office">
+      <a:majorFont>
+        <a:latin typeface="Calibri Light" panose="020F0302020204030204"/>
+        <a:ea typeface=""/>
+        <a:cs typeface=""/>
+        <a:font script="Jpan" typeface="游ゴシック Light"/>
+        <a:font script="Hang" typeface="맑은 고딕"/>
+        <a:font script="Hans" typeface="等线 Light"/>
+        <a:font script="Hant" typeface="新細明體"/>
+        <a:font script="Arab" typeface="Times New Roman"/>
+        <a:font script="Hebr" typeface="Times New Roman"/>
+        <a:font script="Thai" typeface="Angsana New"/>
+        <a:font script="Ethi" typeface="Nyala"/>
+        <a:font script="Beng" typeface="Vrinda"/>
+        <a:font script="Gujr" typeface="Shruti"/>
+        <a:font script="Khmr" typeface="MoolBoran"/>
+        <a:font script="Knda" typeface="Tunga"/>
+        <a:font script="Guru" typeface="Raavi"/>
+        <a:font script="Cans" typeface="Euphemia"/>
+        <a:font script="Cher" typeface="Plantagenet Cherokee"/>
+        <a:font script="Yiii" typeface="Microsoft Yi Baiti"/>
+        <a:font script="Tibt" typeface="Microsoft Himalaya"/>
+        <a:font script="Thaa" typeface="MV Boli"/>
+        <a:font script="Deva" typeface="Mangal"/>
+        <a:font script="Telu" typeface="Gautami"/>
+        <a:font script="Taml" typeface="Latha"/>
+        <a:font script="Syrc" typeface="Estrangelo Edessa"/>
+        <a:font script="Orya" typeface="Kalinga"/>
+        <a:font script="Mlym" typeface="Kartika"/>
+        <a:font script="Laoo" typeface="DokChampa"/>
+        <a:font script="Sinh" typeface="Iskoola Pota"/>
+        <a:font script="Mong" typeface="Mongolian Baiti"/>
+        <a:font script="Viet" typeface="Times New Roman"/>
+        <a:font script="Uigh" typeface="Microsoft Uighur"/>
+        <a:font script="Geor" typeface="Sylfaen"/>
+        <a:font script="Armn" typeface="Arial"/>
+        <a:font script="Bugi" typeface="Leelawadee UI"/>
+        <a:font script="Bopo" typeface="Microsoft JhengHei"/>
+        <a:font script="Java" typeface="Javanese Text"/>
+        <a:font script="Lisu" typeface="Segoe UI"/>
+        <a:font script="Mymr" typeface="Myanmar Text"/>
+        <a:font script="Nkoo" typeface="Ebrima"/>
+        <a:font script="Olck" typeface="Nirmala UI"/>
+        <a:font script="Osma" typeface="Ebrima"/>
+        <a:font script="Phag" typeface="Phagspa"/>
+        <a:font script="Syrn" typeface="Estrangelo Edessa"/>
+        <a:font script="Syrj" typeface="Estrangelo Edessa"/>
+        <a:font script="Syre" typeface="Estrangelo Edessa"/>
+        <a:font script="Sora" typeface="Nirmala UI"/>
+        <a:font script="Tale" typeface="Microsoft Tai Le"/>
+        <a:font script="Talu" typeface="Microsoft New Tai Lue"/>
+        <a:font script="Tfng" typeface="Ebrima"/>
+      </a:majorFont>
+      <a:minorFont>
+        <a:latin typeface="Calibri" panose="020F0502020204030204"/>
+        <a:ea typeface=""/>
+        <a:cs typeface=""/>
+        <a:font script="Jpan" typeface="游ゴシック"/>
+        <a:font script="Hang" typeface="맑은 고딕"/>
+        <a:font script="Hans" typeface="等线"/>
+        <a:font script="Hant" typeface="新細明體"/>
+        <a:font script="Arab" typeface="Arial"/>
+        <a:font script="Hebr" typeface="Arial"/>
+        <a:font script="Thai" typeface="Cordia New"/>
+        <a:font script="Ethi" typeface="Nyala"/>
+        <a:font script="Beng" typeface="Vrinda"/>
+        <a:font script="Gujr" typeface="Shruti"/>
+        <a:font script="Khmr" typeface="DaunPenh"/>
+        <a:font script="Knda" typeface="Tunga"/>
+        <a:font script="Guru" typeface="Raavi"/>
+        <a:font script="Cans" typeface="Euphemia"/>
+        <a:font script="Cher" typeface="Plantagenet Cherokee"/>
+        <a:font script="Yiii" typeface="Microsoft Yi Baiti"/>
+        <a:font script="Tibt" typeface="Microsoft Himalaya"/>
+        <a:font script="Thaa" typeface="MV Boli"/>
+        <a:font script="Deva" typeface="Mangal"/>
+        <a:font script="Telu" typeface="Gautami"/>
+        <a:font script="Taml" typeface="Latha"/>
+        <a:font script="Syrc" typeface="Estrangelo Edessa"/>
+        <a:font script="Orya" typeface="Kalinga"/>
+        <a:font script="Mlym" typeface="Kartika"/>
+        <a:font script="Laoo" typeface="DokChampa"/>
+        <a:font script="Sinh" typeface="Iskoola Pota"/>
+        <a:font script="Mong" typeface="Mongolian Baiti"/>
+        <a:font script="Viet" typeface="Arial"/>
+        <a:font script="Uigh" typeface="Microsoft Uighur"/>
+        <a:font script="Geor" typeface="Sylfaen"/>
+        <a:font script="Armn" typeface="Arial"/>
+        <a:font script="Bugi" typeface="Leelawadee UI"/>
+        <a:font script="Bopo" typeface="Microsoft JhengHei"/>
+        <a:font script="Java" typeface="Javanese Text"/>
+        <a:font script="Lisu" typeface="Segoe UI"/>
+        <a:font script="Mymr" typeface="Myanmar Text"/>
+        <a:font script="Nkoo" typeface="Ebrima"/>
+        <a:font script="Olck" typeface="Nirmala UI"/>
+        <a:font script="Osma" typeface="Ebrima"/>
+        <a:font script="Phag" typeface="Phagspa"/>
+        <a:font script="Syrn" typeface="Estrangelo Edessa"/>
+        <a:font script="Syrj" typeface="Estrangelo Edessa"/>
+        <a:font script="Syre" typeface="Estrangelo Edessa"/>
+        <a:font script="Sora" typeface="Nirmala UI"/>
+        <a:font script="Tale" typeface="Microsoft Tai Le"/>
+        <a:font script="Talu" typeface="Microsoft New Tai Lue"/>
+        <a:font script="Tfng" typeface="Ebrima"/>
+      </a:minorFont>
+    </a:fontScheme>
+    <a:fmtScheme name="Office">
+      <a:fillStyleLst>
+        <a:solidFill>
+          <a:schemeClr val="phClr"/>
+        </a:solidFill>
+        <a:gradFill rotWithShape="1">
+          <a:gsLst>
+            <a:gs pos="0">
+              <a:schemeClr val="phClr">
+                <a:lumMod val="110000"/>
+                <a:satMod val="105000"/>
+                <a:tint val="67000"/>
+              </a:schemeClr>
+            </a:gs>
+            <a:gs pos="50000">
+              <a:schemeClr val="phClr">
+                <a:lumMod val="105000"/>
+                <a:satMod val="103000"/>
+                <a:tint val="73000"/>
+              </a:schemeClr>
+            </a:gs>
+            <a:gs pos="100000">
+              <a:schemeClr val="phClr">
+                <a:lumMod val="105000"/>
+                <a:satMod val="109000"/>
+                <a:tint val="81000"/>
+              </a:schemeClr>
+            </a:gs>
+          </a:gsLst>
+          <a:lin ang="5400000" scaled="0"/>
+        </a:gradFill>
+        <a:gradFill rotWithShape="1">
+          <a:gsLst>
+            <a:gs pos="0">
+              <a:schemeClr val="phClr">
+                <a:satMod val="103000"/>
+                <a:lumMod val="102000"/>
+                <a:tint val="94000"/>
+              </a:schemeClr>
+            </a:gs>
+            <a:gs pos="50000">
+              <a:schemeClr val="phClr">
+                <a:satMod val="110000"/>
+                <a:lumMod val="100000"/>
+                <a:shade val="100000"/>
+              </a:schemeClr>
+            </a:gs>
+            <a:gs pos="100000">
+              <a:schemeClr val="phClr">
+                <a:lumMod val="99000"/>
+                <a:satMod val="120000"/>
+                <a:shade val="78000"/>
+              </a:schemeClr>
+            </a:gs>
+          </a:gsLst>
+          <a:lin ang="5400000" scaled="0"/>
+        </a:gradFill>
+      </a:fillStyleLst>
+      <a:lnStyleLst>
+        <a:ln w="6350" cap="flat" cmpd="sng" algn="ctr">
+          <a:solidFill>
+            <a:schemeClr val="phClr"/>
+          </a:solidFill>
+          <a:prstDash val="solid"/>
+          <a:miter lim="800000"/>
+        </a:ln>
+        <a:ln w="12700" cap="flat" cmpd="sng" algn="ctr">
+          <a:solidFill>
+            <a:schemeClr val="phClr"/>
+          </a:solidFill>
+          <a:prstDash val="solid"/>
+          <a:miter lim="800000"/>
+        </a:ln>
+        <a:ln w="19050" cap="flat" cmpd="sng" algn="ctr">
+          <a:solidFill>
+            <a:schemeClr val="phClr"/>
+          </a:solidFill>
+          <a:prstDash val="solid"/>
+          <a:miter lim="800000"/>
+        </a:ln>
+      </a:lnStyleLst>
+      <a:effectStyleLst>
+        <a:effectStyle>
+          <a:effectLst/>
+        </a:effectStyle>
+        <a:effectStyle>
+          <a:effectLst/>
+        </a:effectStyle>
+        <a:effectStyle>
+          <a:effectLst>
+            <a:outerShdw blurRad="57150" dist="19050" dir="5400000" algn="ctr" rotWithShape="0">
+              <a:srgbClr val="000000">
+                <a:alpha val="63000"/>
+              </a:srgbClr>
+            </a:outerShdw>
+          </a:effectLst>
+        </a:effectStyle>
+      </a:effectStyleLst>
+      <a:bgFillStyleLst>
+        <a:solidFill>
+          <a:schemeClr val="phClr"/>
+        </a:solidFill>
+        <a:solidFill>
+          <a:schemeClr val="phClr">
+            <a:tint val="95000"/>
+            <a:satMod val="170000"/>
+          </a:schemeClr>
+        </a:solidFill>
+        <a:gradFill rotWithShape="1">
+          <a:gsLst>
+            <a:gs pos="0">
+              <a:schemeClr val="phClr">
+                <a:tint val="93000"/>
+                <a:satMod val="150000"/>
+                <a:shade val="98000"/>
+                <a:lumMod val="102000"/>
+              </a:schemeClr>
+            </a:gs>
+            <a:gs pos="50000">
+              <a:schemeClr val="phClr">
+                <a:tint val="98000"/>
+                <a:satMod val="130000"/>
+                <a:shade val="90000"/>
+                <a:lumMod val="103000"/>
+              </a:schemeClr>
+            </a:gs>
+            <a:gs pos="100000">
+              <a:schemeClr val="phClr">
+                <a:shade val="63000"/>
+                <a:satMod val="120000"/>
+              </a:schemeClr>
+            </a:gs>
+          </a:gsLst>
+          <a:lin ang="5400000" scaled="0"/>
+        </a:gradFill>
+      </a:bgFillStyleLst>
+    </a:fmtScheme>
+  </a:themeElements>
+  <a:objectDefaults/>
+  <a:extraClrSchemeLst/>
+  <a:extLst>
+    <a:ext uri="{05A4C25C-085E-4340-85A3-A5531E510DB2}">
+      <thm15:themeFamily xmlns:thm15="http://schemas.microsoft.com/office/thememl/2012/main" name="Office Theme" id="{62F939B6-93AF-4DB8-9C6B-D6C7DFDC589F}" vid="{4A3C46E8-61CC-4603-A589-7422A47A8E4A}"/>
+    </a:ext>
+  </a:extLst>
+</a:theme>
 </file>
--- a/preso.pptx
+++ b/preso.pptx
@@ -2,24 +2,28 @@
 <file path=ppt/presentation.xml><?xml version="1.0" encoding="utf-8"?>
 <p:presentation xmlns:a="http://schemas.openxmlformats.org/drawingml/2006/main" xmlns:r="http://schemas.openxmlformats.org/officeDocument/2006/relationships" xmlns:p="http://schemas.openxmlformats.org/presentationml/2006/main" saveSubsetFonts="1" autoCompressPictures="0">
   <p:sldMasterIdLst>
-    <p:sldMasterId id="2147483648" r:id="rId1"/>
+    <p:sldMasterId id="2147483660" r:id="rId1"/>
   </p:sldMasterIdLst>
   <p:notesMasterIdLst>
-    <p:notesMasterId r:id="rId14"/>
+    <p:notesMasterId r:id="rId18"/>
   </p:notesMasterIdLst>
   <p:sldIdLst>
     <p:sldId id="256" r:id="rId2"/>
     <p:sldId id="267" r:id="rId3"/>
-    <p:sldId id="257" r:id="rId4"/>
-    <p:sldId id="262" r:id="rId5"/>
-    <p:sldId id="263" r:id="rId6"/>
-    <p:sldId id="258" r:id="rId7"/>
-    <p:sldId id="264" r:id="rId8"/>
-    <p:sldId id="259" r:id="rId9"/>
-    <p:sldId id="261" r:id="rId10"/>
-    <p:sldId id="260" r:id="rId11"/>
-    <p:sldId id="265" r:id="rId12"/>
-    <p:sldId id="266" r:id="rId13"/>
+    <p:sldId id="268" r:id="rId4"/>
+    <p:sldId id="270" r:id="rId5"/>
+    <p:sldId id="257" r:id="rId6"/>
+    <p:sldId id="262" r:id="rId7"/>
+    <p:sldId id="263" r:id="rId8"/>
+    <p:sldId id="258" r:id="rId9"/>
+    <p:sldId id="264" r:id="rId10"/>
+    <p:sldId id="259" r:id="rId11"/>
+    <p:sldId id="261" r:id="rId12"/>
+    <p:sldId id="269" r:id="rId13"/>
+    <p:sldId id="260" r:id="rId14"/>
+    <p:sldId id="265" r:id="rId15"/>
+    <p:sldId id="271" r:id="rId16"/>
+    <p:sldId id="266" r:id="rId17"/>
   </p:sldIdLst>
   <p:sldSz cx="12192000" cy="6858000"/>
   <p:notesSz cx="6858000" cy="9144000"/>
@@ -27,7 +31,7 @@
     <a:defPPr>
       <a:defRPr lang="en-US"/>
     </a:defPPr>
-    <a:lvl1pPr marL="0" algn="l" defTabSz="914400" rtl="0" eaLnBrk="1" latinLnBrk="0" hangingPunct="1">
+    <a:lvl1pPr marL="0" algn="l" defTabSz="457200" rtl="0" eaLnBrk="1" latinLnBrk="0" hangingPunct="1">
       <a:defRPr sz="1800" kern="1200">
         <a:solidFill>
           <a:schemeClr val="tx1"/>
@@ -37,7 +41,7 @@
         <a:cs typeface="+mn-cs"/>
       </a:defRPr>
     </a:lvl1pPr>
-    <a:lvl2pPr marL="457200" algn="l" defTabSz="914400" rtl="0" eaLnBrk="1" latinLnBrk="0" hangingPunct="1">
+    <a:lvl2pPr marL="457200" algn="l" defTabSz="457200" rtl="0" eaLnBrk="1" latinLnBrk="0" hangingPunct="1">
       <a:defRPr sz="1800" kern="1200">
         <a:solidFill>
           <a:schemeClr val="tx1"/>
@@ -47,7 +51,7 @@
         <a:cs typeface="+mn-cs"/>
       </a:defRPr>
     </a:lvl2pPr>
-    <a:lvl3pPr marL="914400" algn="l" defTabSz="914400" rtl="0" eaLnBrk="1" latinLnBrk="0" hangingPunct="1">
+    <a:lvl3pPr marL="914400" algn="l" defTabSz="457200" rtl="0" eaLnBrk="1" latinLnBrk="0" hangingPunct="1">
       <a:defRPr sz="1800" kern="1200">
         <a:solidFill>
           <a:schemeClr val="tx1"/>
@@ -57,7 +61,7 @@
         <a:cs typeface="+mn-cs"/>
       </a:defRPr>
     </a:lvl3pPr>
-    <a:lvl4pPr marL="1371600" algn="l" defTabSz="914400" rtl="0" eaLnBrk="1" latinLnBrk="0" hangingPunct="1">
+    <a:lvl4pPr marL="1371600" algn="l" defTabSz="457200" rtl="0" eaLnBrk="1" latinLnBrk="0" hangingPunct="1">
       <a:defRPr sz="1800" kern="1200">
         <a:solidFill>
           <a:schemeClr val="tx1"/>
@@ -67,7 +71,7 @@
         <a:cs typeface="+mn-cs"/>
       </a:defRPr>
     </a:lvl4pPr>
-    <a:lvl5pPr marL="1828800" algn="l" defTabSz="914400" rtl="0" eaLnBrk="1" latinLnBrk="0" hangingPunct="1">
+    <a:lvl5pPr marL="1828800" algn="l" defTabSz="457200" rtl="0" eaLnBrk="1" latinLnBrk="0" hangingPunct="1">
       <a:defRPr sz="1800" kern="1200">
         <a:solidFill>
           <a:schemeClr val="tx1"/>
@@ -77,7 +81,7 @@
         <a:cs typeface="+mn-cs"/>
       </a:defRPr>
     </a:lvl5pPr>
-    <a:lvl6pPr marL="2286000" algn="l" defTabSz="914400" rtl="0" eaLnBrk="1" latinLnBrk="0" hangingPunct="1">
+    <a:lvl6pPr marL="2286000" algn="l" defTabSz="457200" rtl="0" eaLnBrk="1" latinLnBrk="0" hangingPunct="1">
       <a:defRPr sz="1800" kern="1200">
         <a:solidFill>
           <a:schemeClr val="tx1"/>
@@ -87,7 +91,7 @@
         <a:cs typeface="+mn-cs"/>
       </a:defRPr>
     </a:lvl6pPr>
-    <a:lvl7pPr marL="2743200" algn="l" defTabSz="914400" rtl="0" eaLnBrk="1" latinLnBrk="0" hangingPunct="1">
+    <a:lvl7pPr marL="2743200" algn="l" defTabSz="457200" rtl="0" eaLnBrk="1" latinLnBrk="0" hangingPunct="1">
       <a:defRPr sz="1800" kern="1200">
         <a:solidFill>
           <a:schemeClr val="tx1"/>
@@ -97,7 +101,7 @@
         <a:cs typeface="+mn-cs"/>
       </a:defRPr>
     </a:lvl7pPr>
-    <a:lvl8pPr marL="3200400" algn="l" defTabSz="914400" rtl="0" eaLnBrk="1" latinLnBrk="0" hangingPunct="1">
+    <a:lvl8pPr marL="3200400" algn="l" defTabSz="457200" rtl="0" eaLnBrk="1" latinLnBrk="0" hangingPunct="1">
       <a:defRPr sz="1800" kern="1200">
         <a:solidFill>
           <a:schemeClr val="tx1"/>
@@ -107,7 +111,7 @@
         <a:cs typeface="+mn-cs"/>
       </a:defRPr>
     </a:lvl8pPr>
-    <a:lvl9pPr marL="3657600" algn="l" defTabSz="914400" rtl="0" eaLnBrk="1" latinLnBrk="0" hangingPunct="1">
+    <a:lvl9pPr marL="3657600" algn="l" defTabSz="457200" rtl="0" eaLnBrk="1" latinLnBrk="0" hangingPunct="1">
       <a:defRPr sz="1800" kern="1200">
         <a:solidFill>
           <a:schemeClr val="tx1"/>
@@ -208,7 +212,7 @@
           <a:p>
             <a:fld id="{05D5B59A-0EDA-EF41-85FF-03176606BBBE}" type="datetimeFigureOut">
               <a:rPr lang="en-US" smtClean="0"/>
-              <a:t>7/21/20</a:t>
+              <a:t>7/28/20</a:t>
             </a:fld>
             <a:endParaRPr lang="en-US"/>
           </a:p>
@@ -544,7 +548,7 @@
           <a:p>
             <a:fld id="{B786E5CD-0DE5-2548-BADF-C53099846BB2}" type="slidenum">
               <a:rPr lang="en-US" smtClean="0"/>
-              <a:t>4</a:t>
+              <a:t>6</a:t>
             </a:fld>
             <a:endParaRPr lang="en-US"/>
           </a:p>
@@ -631,7 +635,7 @@
           <a:p>
             <a:fld id="{B786E5CD-0DE5-2548-BADF-C53099846BB2}" type="slidenum">
               <a:rPr lang="en-US" smtClean="0"/>
-              <a:t>5</a:t>
+              <a:t>7</a:t>
             </a:fld>
             <a:endParaRPr lang="en-US"/>
           </a:p>
@@ -669,13 +673,7 @@
       </p:grpSpPr>
       <p:sp>
         <p:nvSpPr>
-          <p:cNvPr id="2" name="Title 1">
-            <a:extLst>
-              <a:ext uri="{FF2B5EF4-FFF2-40B4-BE49-F238E27FC236}">
-                <a16:creationId xmlns:a16="http://schemas.microsoft.com/office/drawing/2014/main" id="{B8C6F76B-CCD8-8A4A-A5B7-037189F6D2FB}"/>
-              </a:ext>
-            </a:extLst>
-          </p:cNvPr>
+          <p:cNvPr id="2" name="Title 1"/>
           <p:cNvSpPr>
             <a:spLocks noGrp="1"/>
           </p:cNvSpPr>
@@ -701,19 +699,13 @@
               <a:rPr lang="en-GB"/>
               <a:t>Click to edit Master title style</a:t>
             </a:r>
-            <a:endParaRPr lang="en-US"/>
-          </a:p>
-        </p:txBody>
-      </p:sp>
-      <p:sp>
-        <p:nvSpPr>
-          <p:cNvPr id="3" name="Subtitle 2">
-            <a:extLst>
-              <a:ext uri="{FF2B5EF4-FFF2-40B4-BE49-F238E27FC236}">
-                <a16:creationId xmlns:a16="http://schemas.microsoft.com/office/drawing/2014/main" id="{4559AB10-776D-924E-BB7C-870067AD07B9}"/>
-              </a:ext>
-            </a:extLst>
-          </p:cNvPr>
+            <a:endParaRPr lang="en-US" dirty="0"/>
+          </a:p>
+        </p:txBody>
+      </p:sp>
+      <p:sp>
+        <p:nvSpPr>
+          <p:cNvPr id="3" name="Subtitle 2"/>
           <p:cNvSpPr>
             <a:spLocks noGrp="1"/>
           </p:cNvSpPr>
@@ -772,19 +764,13 @@
               <a:rPr lang="en-GB"/>
               <a:t>Click to edit Master subtitle style</a:t>
             </a:r>
-            <a:endParaRPr lang="en-US"/>
-          </a:p>
-        </p:txBody>
-      </p:sp>
-      <p:sp>
-        <p:nvSpPr>
-          <p:cNvPr id="4" name="Date Placeholder 3">
-            <a:extLst>
-              <a:ext uri="{FF2B5EF4-FFF2-40B4-BE49-F238E27FC236}">
-                <a16:creationId xmlns:a16="http://schemas.microsoft.com/office/drawing/2014/main" id="{12DAF94B-151D-EB4A-8455-0CBB7904414A}"/>
-              </a:ext>
-            </a:extLst>
-          </p:cNvPr>
+            <a:endParaRPr lang="en-US" dirty="0"/>
+          </a:p>
+        </p:txBody>
+      </p:sp>
+      <p:sp>
+        <p:nvSpPr>
+          <p:cNvPr id="4" name="Date Placeholder 3"/>
           <p:cNvSpPr>
             <a:spLocks noGrp="1"/>
           </p:cNvSpPr>
@@ -799,7 +785,7 @@
           <a:p>
             <a:fld id="{7C747D7E-6B19-984E-90F5-E9EEF49EFB72}" type="datetimeFigureOut">
               <a:rPr lang="en-US" smtClean="0"/>
-              <a:t>7/21/20</a:t>
+              <a:t>7/28/20</a:t>
             </a:fld>
             <a:endParaRPr lang="en-US"/>
           </a:p>
@@ -807,13 +793,7 @@
       </p:sp>
       <p:sp>
         <p:nvSpPr>
-          <p:cNvPr id="5" name="Footer Placeholder 4">
-            <a:extLst>
-              <a:ext uri="{FF2B5EF4-FFF2-40B4-BE49-F238E27FC236}">
-                <a16:creationId xmlns:a16="http://schemas.microsoft.com/office/drawing/2014/main" id="{AD43DC75-6FCE-0A44-989A-557B69E47805}"/>
-              </a:ext>
-            </a:extLst>
-          </p:cNvPr>
+          <p:cNvPr id="5" name="Footer Placeholder 4"/>
           <p:cNvSpPr>
             <a:spLocks noGrp="1"/>
           </p:cNvSpPr>
@@ -832,13 +812,7 @@
       </p:sp>
       <p:sp>
         <p:nvSpPr>
-          <p:cNvPr id="6" name="Slide Number Placeholder 5">
-            <a:extLst>
-              <a:ext uri="{FF2B5EF4-FFF2-40B4-BE49-F238E27FC236}">
-                <a16:creationId xmlns:a16="http://schemas.microsoft.com/office/drawing/2014/main" id="{01DFFB72-283D-5D4C-860B-3781ED581576}"/>
-              </a:ext>
-            </a:extLst>
-          </p:cNvPr>
+          <p:cNvPr id="6" name="Slide Number Placeholder 5"/>
           <p:cNvSpPr>
             <a:spLocks noGrp="1"/>
           </p:cNvSpPr>
@@ -862,7 +836,7 @@
     </p:spTree>
     <p:extLst>
       <p:ext uri="{BB962C8B-B14F-4D97-AF65-F5344CB8AC3E}">
-        <p14:creationId xmlns:p14="http://schemas.microsoft.com/office/powerpoint/2010/main" val="1413235727"/>
+        <p14:creationId xmlns:p14="http://schemas.microsoft.com/office/powerpoint/2010/main" val="2332547302"/>
       </p:ext>
     </p:extLst>
   </p:cSld>
@@ -891,13 +865,7 @@
       </p:grpSpPr>
       <p:sp>
         <p:nvSpPr>
-          <p:cNvPr id="2" name="Title 1">
-            <a:extLst>
-              <a:ext uri="{FF2B5EF4-FFF2-40B4-BE49-F238E27FC236}">
-                <a16:creationId xmlns:a16="http://schemas.microsoft.com/office/drawing/2014/main" id="{303B9CCB-F534-0C4B-A381-85FFA4DAF6DA}"/>
-              </a:ext>
-            </a:extLst>
-          </p:cNvPr>
+          <p:cNvPr id="2" name="Title 1"/>
           <p:cNvSpPr>
             <a:spLocks noGrp="1"/>
           </p:cNvSpPr>
@@ -914,19 +882,13 @@
               <a:rPr lang="en-GB"/>
               <a:t>Click to edit Master title style</a:t>
             </a:r>
-            <a:endParaRPr lang="en-US"/>
-          </a:p>
-        </p:txBody>
-      </p:sp>
-      <p:sp>
-        <p:nvSpPr>
-          <p:cNvPr id="3" name="Vertical Text Placeholder 2">
-            <a:extLst>
-              <a:ext uri="{FF2B5EF4-FFF2-40B4-BE49-F238E27FC236}">
-                <a16:creationId xmlns:a16="http://schemas.microsoft.com/office/drawing/2014/main" id="{3D13256D-1BF9-3F4B-8BC4-48A379952F52}"/>
-              </a:ext>
-            </a:extLst>
-          </p:cNvPr>
+            <a:endParaRPr lang="en-US" dirty="0"/>
+          </a:p>
+        </p:txBody>
+      </p:sp>
+      <p:sp>
+        <p:nvSpPr>
+          <p:cNvPr id="3" name="Vertical Text Placeholder 2"/>
           <p:cNvSpPr>
             <a:spLocks noGrp="1"/>
           </p:cNvSpPr>
@@ -972,19 +934,13 @@
               <a:rPr lang="en-GB"/>
               <a:t>Fifth level</a:t>
             </a:r>
-            <a:endParaRPr lang="en-US"/>
-          </a:p>
-        </p:txBody>
-      </p:sp>
-      <p:sp>
-        <p:nvSpPr>
-          <p:cNvPr id="4" name="Date Placeholder 3">
-            <a:extLst>
-              <a:ext uri="{FF2B5EF4-FFF2-40B4-BE49-F238E27FC236}">
-                <a16:creationId xmlns:a16="http://schemas.microsoft.com/office/drawing/2014/main" id="{CFE9CB68-4351-B347-9602-6224AAEAB0A3}"/>
-              </a:ext>
-            </a:extLst>
-          </p:cNvPr>
+            <a:endParaRPr lang="en-US" dirty="0"/>
+          </a:p>
+        </p:txBody>
+      </p:sp>
+      <p:sp>
+        <p:nvSpPr>
+          <p:cNvPr id="4" name="Date Placeholder 3"/>
           <p:cNvSpPr>
             <a:spLocks noGrp="1"/>
           </p:cNvSpPr>
@@ -999,7 +955,7 @@
           <a:p>
             <a:fld id="{7C747D7E-6B19-984E-90F5-E9EEF49EFB72}" type="datetimeFigureOut">
               <a:rPr lang="en-US" smtClean="0"/>
-              <a:t>7/21/20</a:t>
+              <a:t>7/28/20</a:t>
             </a:fld>
             <a:endParaRPr lang="en-US"/>
           </a:p>
@@ -1007,13 +963,7 @@
       </p:sp>
       <p:sp>
         <p:nvSpPr>
-          <p:cNvPr id="5" name="Footer Placeholder 4">
-            <a:extLst>
-              <a:ext uri="{FF2B5EF4-FFF2-40B4-BE49-F238E27FC236}">
-                <a16:creationId xmlns:a16="http://schemas.microsoft.com/office/drawing/2014/main" id="{7C76D34C-CBE7-5B44-8376-687CF9A3E5C4}"/>
-              </a:ext>
-            </a:extLst>
-          </p:cNvPr>
+          <p:cNvPr id="5" name="Footer Placeholder 4"/>
           <p:cNvSpPr>
             <a:spLocks noGrp="1"/>
           </p:cNvSpPr>
@@ -1032,13 +982,7 @@
       </p:sp>
       <p:sp>
         <p:nvSpPr>
-          <p:cNvPr id="6" name="Slide Number Placeholder 5">
-            <a:extLst>
-              <a:ext uri="{FF2B5EF4-FFF2-40B4-BE49-F238E27FC236}">
-                <a16:creationId xmlns:a16="http://schemas.microsoft.com/office/drawing/2014/main" id="{2C0E3DB8-E490-FB4D-837A-55AADB544E39}"/>
-              </a:ext>
-            </a:extLst>
-          </p:cNvPr>
+          <p:cNvPr id="6" name="Slide Number Placeholder 5"/>
           <p:cNvSpPr>
             <a:spLocks noGrp="1"/>
           </p:cNvSpPr>
@@ -1062,7 +1006,7 @@
     </p:spTree>
     <p:extLst>
       <p:ext uri="{BB962C8B-B14F-4D97-AF65-F5344CB8AC3E}">
-        <p14:creationId xmlns:p14="http://schemas.microsoft.com/office/powerpoint/2010/main" val="3310638017"/>
+        <p14:creationId xmlns:p14="http://schemas.microsoft.com/office/powerpoint/2010/main" val="3506288363"/>
       </p:ext>
     </p:extLst>
   </p:cSld>
@@ -1091,13 +1035,7 @@
       </p:grpSpPr>
       <p:sp>
         <p:nvSpPr>
-          <p:cNvPr id="2" name="Vertical Title 1">
-            <a:extLst>
-              <a:ext uri="{FF2B5EF4-FFF2-40B4-BE49-F238E27FC236}">
-                <a16:creationId xmlns:a16="http://schemas.microsoft.com/office/drawing/2014/main" id="{9B494489-2DC4-EB44-AD94-2B54C8CD9C4B}"/>
-              </a:ext>
-            </a:extLst>
-          </p:cNvPr>
+          <p:cNvPr id="2" name="Vertical Title 1"/>
           <p:cNvSpPr>
             <a:spLocks noGrp="1"/>
           </p:cNvSpPr>
@@ -1119,19 +1057,13 @@
               <a:rPr lang="en-GB"/>
               <a:t>Click to edit Master title style</a:t>
             </a:r>
-            <a:endParaRPr lang="en-US"/>
-          </a:p>
-        </p:txBody>
-      </p:sp>
-      <p:sp>
-        <p:nvSpPr>
-          <p:cNvPr id="3" name="Vertical Text Placeholder 2">
-            <a:extLst>
-              <a:ext uri="{FF2B5EF4-FFF2-40B4-BE49-F238E27FC236}">
-                <a16:creationId xmlns:a16="http://schemas.microsoft.com/office/drawing/2014/main" id="{D9255226-07CB-0249-A819-CE01BFB9D0E0}"/>
-              </a:ext>
-            </a:extLst>
-          </p:cNvPr>
+            <a:endParaRPr lang="en-US" dirty="0"/>
+          </a:p>
+        </p:txBody>
+      </p:sp>
+      <p:sp>
+        <p:nvSpPr>
+          <p:cNvPr id="3" name="Vertical Text Placeholder 2"/>
           <p:cNvSpPr>
             <a:spLocks noGrp="1"/>
           </p:cNvSpPr>
@@ -1182,19 +1114,13 @@
               <a:rPr lang="en-GB"/>
               <a:t>Fifth level</a:t>
             </a:r>
-            <a:endParaRPr lang="en-US"/>
-          </a:p>
-        </p:txBody>
-      </p:sp>
-      <p:sp>
-        <p:nvSpPr>
-          <p:cNvPr id="4" name="Date Placeholder 3">
-            <a:extLst>
-              <a:ext uri="{FF2B5EF4-FFF2-40B4-BE49-F238E27FC236}">
-                <a16:creationId xmlns:a16="http://schemas.microsoft.com/office/drawing/2014/main" id="{EAEB42A6-5175-344A-B1B1-8411AD114BC7}"/>
-              </a:ext>
-            </a:extLst>
-          </p:cNvPr>
+            <a:endParaRPr lang="en-US" dirty="0"/>
+          </a:p>
+        </p:txBody>
+      </p:sp>
+      <p:sp>
+        <p:nvSpPr>
+          <p:cNvPr id="4" name="Date Placeholder 3"/>
           <p:cNvSpPr>
             <a:spLocks noGrp="1"/>
           </p:cNvSpPr>
@@ -1209,7 +1135,7 @@
           <a:p>
             <a:fld id="{7C747D7E-6B19-984E-90F5-E9EEF49EFB72}" type="datetimeFigureOut">
               <a:rPr lang="en-US" smtClean="0"/>
-              <a:t>7/21/20</a:t>
+              <a:t>7/28/20</a:t>
             </a:fld>
             <a:endParaRPr lang="en-US"/>
           </a:p>
@@ -1217,13 +1143,7 @@
       </p:sp>
       <p:sp>
         <p:nvSpPr>
-          <p:cNvPr id="5" name="Footer Placeholder 4">
-            <a:extLst>
-              <a:ext uri="{FF2B5EF4-FFF2-40B4-BE49-F238E27FC236}">
-                <a16:creationId xmlns:a16="http://schemas.microsoft.com/office/drawing/2014/main" id="{229FE6E7-B57B-3447-9DF6-EEA3C34486A2}"/>
-              </a:ext>
-            </a:extLst>
-          </p:cNvPr>
+          <p:cNvPr id="5" name="Footer Placeholder 4"/>
           <p:cNvSpPr>
             <a:spLocks noGrp="1"/>
           </p:cNvSpPr>
@@ -1242,13 +1162,7 @@
       </p:sp>
       <p:sp>
         <p:nvSpPr>
-          <p:cNvPr id="6" name="Slide Number Placeholder 5">
-            <a:extLst>
-              <a:ext uri="{FF2B5EF4-FFF2-40B4-BE49-F238E27FC236}">
-                <a16:creationId xmlns:a16="http://schemas.microsoft.com/office/drawing/2014/main" id="{1A15ED67-F600-E24C-B3C3-A462A1C1DDDE}"/>
-              </a:ext>
-            </a:extLst>
-          </p:cNvPr>
+          <p:cNvPr id="6" name="Slide Number Placeholder 5"/>
           <p:cNvSpPr>
             <a:spLocks noGrp="1"/>
           </p:cNvSpPr>
@@ -1272,7 +1186,7 @@
     </p:spTree>
     <p:extLst>
       <p:ext uri="{BB962C8B-B14F-4D97-AF65-F5344CB8AC3E}">
-        <p14:creationId xmlns:p14="http://schemas.microsoft.com/office/powerpoint/2010/main" val="394472672"/>
+        <p14:creationId xmlns:p14="http://schemas.microsoft.com/office/powerpoint/2010/main" val="3414378809"/>
       </p:ext>
     </p:extLst>
   </p:cSld>
@@ -1301,13 +1215,7 @@
       </p:grpSpPr>
       <p:sp>
         <p:nvSpPr>
-          <p:cNvPr id="2" name="Title 1">
-            <a:extLst>
-              <a:ext uri="{FF2B5EF4-FFF2-40B4-BE49-F238E27FC236}">
-                <a16:creationId xmlns:a16="http://schemas.microsoft.com/office/drawing/2014/main" id="{80F7630C-6EEA-BF4F-861B-E0CC8B2CC67B}"/>
-              </a:ext>
-            </a:extLst>
-          </p:cNvPr>
+          <p:cNvPr id="2" name="Title 1"/>
           <p:cNvSpPr>
             <a:spLocks noGrp="1"/>
           </p:cNvSpPr>
@@ -1324,19 +1232,13 @@
               <a:rPr lang="en-GB"/>
               <a:t>Click to edit Master title style</a:t>
             </a:r>
-            <a:endParaRPr lang="en-US"/>
-          </a:p>
-        </p:txBody>
-      </p:sp>
-      <p:sp>
-        <p:nvSpPr>
-          <p:cNvPr id="3" name="Content Placeholder 2">
-            <a:extLst>
-              <a:ext uri="{FF2B5EF4-FFF2-40B4-BE49-F238E27FC236}">
-                <a16:creationId xmlns:a16="http://schemas.microsoft.com/office/drawing/2014/main" id="{FE31738E-D93E-B546-AE09-A5A2ED901A40}"/>
-              </a:ext>
-            </a:extLst>
-          </p:cNvPr>
+            <a:endParaRPr lang="en-US" dirty="0"/>
+          </a:p>
+        </p:txBody>
+      </p:sp>
+      <p:sp>
+        <p:nvSpPr>
+          <p:cNvPr id="3" name="Content Placeholder 2"/>
           <p:cNvSpPr>
             <a:spLocks noGrp="1"/>
           </p:cNvSpPr>
@@ -1382,19 +1284,13 @@
               <a:rPr lang="en-GB"/>
               <a:t>Fifth level</a:t>
             </a:r>
-            <a:endParaRPr lang="en-US"/>
-          </a:p>
-        </p:txBody>
-      </p:sp>
-      <p:sp>
-        <p:nvSpPr>
-          <p:cNvPr id="4" name="Date Placeholder 3">
-            <a:extLst>
-              <a:ext uri="{FF2B5EF4-FFF2-40B4-BE49-F238E27FC236}">
-                <a16:creationId xmlns:a16="http://schemas.microsoft.com/office/drawing/2014/main" id="{E6D30F0D-294E-674B-B3F8-F8E648E47615}"/>
-              </a:ext>
-            </a:extLst>
-          </p:cNvPr>
+            <a:endParaRPr lang="en-US" dirty="0"/>
+          </a:p>
+        </p:txBody>
+      </p:sp>
+      <p:sp>
+        <p:nvSpPr>
+          <p:cNvPr id="4" name="Date Placeholder 3"/>
           <p:cNvSpPr>
             <a:spLocks noGrp="1"/>
           </p:cNvSpPr>
@@ -1409,7 +1305,7 @@
           <a:p>
             <a:fld id="{7C747D7E-6B19-984E-90F5-E9EEF49EFB72}" type="datetimeFigureOut">
               <a:rPr lang="en-US" smtClean="0"/>
-              <a:t>7/21/20</a:t>
+              <a:t>7/28/20</a:t>
             </a:fld>
             <a:endParaRPr lang="en-US"/>
           </a:p>
@@ -1417,13 +1313,7 @@
       </p:sp>
       <p:sp>
         <p:nvSpPr>
-          <p:cNvPr id="5" name="Footer Placeholder 4">
-            <a:extLst>
-              <a:ext uri="{FF2B5EF4-FFF2-40B4-BE49-F238E27FC236}">
-                <a16:creationId xmlns:a16="http://schemas.microsoft.com/office/drawing/2014/main" id="{693B1558-BEB3-9246-B9F9-7C4F55D21F2B}"/>
-              </a:ext>
-            </a:extLst>
-          </p:cNvPr>
+          <p:cNvPr id="5" name="Footer Placeholder 4"/>
           <p:cNvSpPr>
             <a:spLocks noGrp="1"/>
           </p:cNvSpPr>
@@ -1442,13 +1332,7 @@
       </p:sp>
       <p:sp>
         <p:nvSpPr>
-          <p:cNvPr id="6" name="Slide Number Placeholder 5">
-            <a:extLst>
-              <a:ext uri="{FF2B5EF4-FFF2-40B4-BE49-F238E27FC236}">
-                <a16:creationId xmlns:a16="http://schemas.microsoft.com/office/drawing/2014/main" id="{0254B41C-9712-EE42-B8D1-F4A5312F1F1B}"/>
-              </a:ext>
-            </a:extLst>
-          </p:cNvPr>
+          <p:cNvPr id="6" name="Slide Number Placeholder 5"/>
           <p:cNvSpPr>
             <a:spLocks noGrp="1"/>
           </p:cNvSpPr>
@@ -1472,7 +1356,7 @@
     </p:spTree>
     <p:extLst>
       <p:ext uri="{BB962C8B-B14F-4D97-AF65-F5344CB8AC3E}">
-        <p14:creationId xmlns:p14="http://schemas.microsoft.com/office/powerpoint/2010/main" val="2683815857"/>
+        <p14:creationId xmlns:p14="http://schemas.microsoft.com/office/powerpoint/2010/main" val="1498069135"/>
       </p:ext>
     </p:extLst>
   </p:cSld>
@@ -1501,13 +1385,7 @@
       </p:grpSpPr>
       <p:sp>
         <p:nvSpPr>
-          <p:cNvPr id="2" name="Title 1">
-            <a:extLst>
-              <a:ext uri="{FF2B5EF4-FFF2-40B4-BE49-F238E27FC236}">
-                <a16:creationId xmlns:a16="http://schemas.microsoft.com/office/drawing/2014/main" id="{9484F1B2-D00A-D641-9D7F-55231A406244}"/>
-              </a:ext>
-            </a:extLst>
-          </p:cNvPr>
+          <p:cNvPr id="2" name="Title 1"/>
           <p:cNvSpPr>
             <a:spLocks noGrp="1"/>
           </p:cNvSpPr>
@@ -1533,19 +1411,13 @@
               <a:rPr lang="en-GB"/>
               <a:t>Click to edit Master title style</a:t>
             </a:r>
-            <a:endParaRPr lang="en-US"/>
-          </a:p>
-        </p:txBody>
-      </p:sp>
-      <p:sp>
-        <p:nvSpPr>
-          <p:cNvPr id="3" name="Text Placeholder 2">
-            <a:extLst>
-              <a:ext uri="{FF2B5EF4-FFF2-40B4-BE49-F238E27FC236}">
-                <a16:creationId xmlns:a16="http://schemas.microsoft.com/office/drawing/2014/main" id="{A19B646D-5D8E-C14F-943B-BD1571BA85FF}"/>
-              </a:ext>
-            </a:extLst>
-          </p:cNvPr>
+            <a:endParaRPr lang="en-US" dirty="0"/>
+          </a:p>
+        </p:txBody>
+      </p:sp>
+      <p:sp>
+        <p:nvSpPr>
+          <p:cNvPr id="3" name="Text Placeholder 2"/>
           <p:cNvSpPr>
             <a:spLocks noGrp="1"/>
           </p:cNvSpPr>
@@ -1664,13 +1536,7 @@
       </p:sp>
       <p:sp>
         <p:nvSpPr>
-          <p:cNvPr id="4" name="Date Placeholder 3">
-            <a:extLst>
-              <a:ext uri="{FF2B5EF4-FFF2-40B4-BE49-F238E27FC236}">
-                <a16:creationId xmlns:a16="http://schemas.microsoft.com/office/drawing/2014/main" id="{2824F25D-EEA7-E34C-9746-CFE2C3E97EBB}"/>
-              </a:ext>
-            </a:extLst>
-          </p:cNvPr>
+          <p:cNvPr id="4" name="Date Placeholder 3"/>
           <p:cNvSpPr>
             <a:spLocks noGrp="1"/>
           </p:cNvSpPr>
@@ -1685,7 +1551,7 @@
           <a:p>
             <a:fld id="{7C747D7E-6B19-984E-90F5-E9EEF49EFB72}" type="datetimeFigureOut">
               <a:rPr lang="en-US" smtClean="0"/>
-              <a:t>7/21/20</a:t>
+              <a:t>7/28/20</a:t>
             </a:fld>
             <a:endParaRPr lang="en-US"/>
           </a:p>
@@ -1693,13 +1559,7 @@
       </p:sp>
       <p:sp>
         <p:nvSpPr>
-          <p:cNvPr id="5" name="Footer Placeholder 4">
-            <a:extLst>
-              <a:ext uri="{FF2B5EF4-FFF2-40B4-BE49-F238E27FC236}">
-                <a16:creationId xmlns:a16="http://schemas.microsoft.com/office/drawing/2014/main" id="{0B3DE4E6-527E-5640-B051-5D089477C9FC}"/>
-              </a:ext>
-            </a:extLst>
-          </p:cNvPr>
+          <p:cNvPr id="5" name="Footer Placeholder 4"/>
           <p:cNvSpPr>
             <a:spLocks noGrp="1"/>
           </p:cNvSpPr>
@@ -1718,13 +1578,7 @@
       </p:sp>
       <p:sp>
         <p:nvSpPr>
-          <p:cNvPr id="6" name="Slide Number Placeholder 5">
-            <a:extLst>
-              <a:ext uri="{FF2B5EF4-FFF2-40B4-BE49-F238E27FC236}">
-                <a16:creationId xmlns:a16="http://schemas.microsoft.com/office/drawing/2014/main" id="{B5B416D7-54F2-0043-90CF-E3EECE673527}"/>
-              </a:ext>
-            </a:extLst>
-          </p:cNvPr>
+          <p:cNvPr id="6" name="Slide Number Placeholder 5"/>
           <p:cNvSpPr>
             <a:spLocks noGrp="1"/>
           </p:cNvSpPr>
@@ -1748,7 +1602,7 @@
     </p:spTree>
     <p:extLst>
       <p:ext uri="{BB962C8B-B14F-4D97-AF65-F5344CB8AC3E}">
-        <p14:creationId xmlns:p14="http://schemas.microsoft.com/office/powerpoint/2010/main" val="2351984390"/>
+        <p14:creationId xmlns:p14="http://schemas.microsoft.com/office/powerpoint/2010/main" val="251697446"/>
       </p:ext>
     </p:extLst>
   </p:cSld>
@@ -1777,13 +1631,7 @@
       </p:grpSpPr>
       <p:sp>
         <p:nvSpPr>
-          <p:cNvPr id="2" name="Title 1">
-            <a:extLst>
-              <a:ext uri="{FF2B5EF4-FFF2-40B4-BE49-F238E27FC236}">
-                <a16:creationId xmlns:a16="http://schemas.microsoft.com/office/drawing/2014/main" id="{069B9ED1-979F-704A-89DE-E1302691D200}"/>
-              </a:ext>
-            </a:extLst>
-          </p:cNvPr>
+          <p:cNvPr id="2" name="Title 1"/>
           <p:cNvSpPr>
             <a:spLocks noGrp="1"/>
           </p:cNvSpPr>
@@ -1800,19 +1648,13 @@
               <a:rPr lang="en-GB"/>
               <a:t>Click to edit Master title style</a:t>
             </a:r>
-            <a:endParaRPr lang="en-US"/>
-          </a:p>
-        </p:txBody>
-      </p:sp>
-      <p:sp>
-        <p:nvSpPr>
-          <p:cNvPr id="3" name="Content Placeholder 2">
-            <a:extLst>
-              <a:ext uri="{FF2B5EF4-FFF2-40B4-BE49-F238E27FC236}">
-                <a16:creationId xmlns:a16="http://schemas.microsoft.com/office/drawing/2014/main" id="{3D97B9BA-96B3-C744-BD83-07B389F35E6A}"/>
-              </a:ext>
-            </a:extLst>
-          </p:cNvPr>
+            <a:endParaRPr lang="en-US" dirty="0"/>
+          </a:p>
+        </p:txBody>
+      </p:sp>
+      <p:sp>
+        <p:nvSpPr>
+          <p:cNvPr id="3" name="Content Placeholder 2"/>
           <p:cNvSpPr>
             <a:spLocks noGrp="1"/>
           </p:cNvSpPr>
@@ -1863,19 +1705,13 @@
               <a:rPr lang="en-GB"/>
               <a:t>Fifth level</a:t>
             </a:r>
-            <a:endParaRPr lang="en-US"/>
-          </a:p>
-        </p:txBody>
-      </p:sp>
-      <p:sp>
-        <p:nvSpPr>
-          <p:cNvPr id="4" name="Content Placeholder 3">
-            <a:extLst>
-              <a:ext uri="{FF2B5EF4-FFF2-40B4-BE49-F238E27FC236}">
-                <a16:creationId xmlns:a16="http://schemas.microsoft.com/office/drawing/2014/main" id="{A583D149-E05B-2044-8AE6-E3753063AD79}"/>
-              </a:ext>
-            </a:extLst>
-          </p:cNvPr>
+            <a:endParaRPr lang="en-US" dirty="0"/>
+          </a:p>
+        </p:txBody>
+      </p:sp>
+      <p:sp>
+        <p:nvSpPr>
+          <p:cNvPr id="4" name="Content Placeholder 3"/>
           <p:cNvSpPr>
             <a:spLocks noGrp="1"/>
           </p:cNvSpPr>
@@ -1926,19 +1762,13 @@
               <a:rPr lang="en-GB"/>
               <a:t>Fifth level</a:t>
             </a:r>
-            <a:endParaRPr lang="en-US"/>
-          </a:p>
-        </p:txBody>
-      </p:sp>
-      <p:sp>
-        <p:nvSpPr>
-          <p:cNvPr id="5" name="Date Placeholder 4">
-            <a:extLst>
-              <a:ext uri="{FF2B5EF4-FFF2-40B4-BE49-F238E27FC236}">
-                <a16:creationId xmlns:a16="http://schemas.microsoft.com/office/drawing/2014/main" id="{101ECFAD-EA87-CC4A-A24F-D8E15EBD7746}"/>
-              </a:ext>
-            </a:extLst>
-          </p:cNvPr>
+            <a:endParaRPr lang="en-US" dirty="0"/>
+          </a:p>
+        </p:txBody>
+      </p:sp>
+      <p:sp>
+        <p:nvSpPr>
+          <p:cNvPr id="5" name="Date Placeholder 4"/>
           <p:cNvSpPr>
             <a:spLocks noGrp="1"/>
           </p:cNvSpPr>
@@ -1953,7 +1783,7 @@
           <a:p>
             <a:fld id="{7C747D7E-6B19-984E-90F5-E9EEF49EFB72}" type="datetimeFigureOut">
               <a:rPr lang="en-US" smtClean="0"/>
-              <a:t>7/21/20</a:t>
+              <a:t>7/28/20</a:t>
             </a:fld>
             <a:endParaRPr lang="en-US"/>
           </a:p>
@@ -1961,13 +1791,7 @@
       </p:sp>
       <p:sp>
         <p:nvSpPr>
-          <p:cNvPr id="6" name="Footer Placeholder 5">
-            <a:extLst>
-              <a:ext uri="{FF2B5EF4-FFF2-40B4-BE49-F238E27FC236}">
-                <a16:creationId xmlns:a16="http://schemas.microsoft.com/office/drawing/2014/main" id="{D30EA11C-D096-344C-9C55-7B7D80F7AD98}"/>
-              </a:ext>
-            </a:extLst>
-          </p:cNvPr>
+          <p:cNvPr id="6" name="Footer Placeholder 5"/>
           <p:cNvSpPr>
             <a:spLocks noGrp="1"/>
           </p:cNvSpPr>
@@ -1986,13 +1810,7 @@
       </p:sp>
       <p:sp>
         <p:nvSpPr>
-          <p:cNvPr id="7" name="Slide Number Placeholder 6">
-            <a:extLst>
-              <a:ext uri="{FF2B5EF4-FFF2-40B4-BE49-F238E27FC236}">
-                <a16:creationId xmlns:a16="http://schemas.microsoft.com/office/drawing/2014/main" id="{56F00F50-8A6B-0E47-B6AF-BE627E2B8E48}"/>
-              </a:ext>
-            </a:extLst>
-          </p:cNvPr>
+          <p:cNvPr id="7" name="Slide Number Placeholder 6"/>
           <p:cNvSpPr>
             <a:spLocks noGrp="1"/>
           </p:cNvSpPr>
@@ -2016,7 +1834,7 @@
     </p:spTree>
     <p:extLst>
       <p:ext uri="{BB962C8B-B14F-4D97-AF65-F5344CB8AC3E}">
-        <p14:creationId xmlns:p14="http://schemas.microsoft.com/office/powerpoint/2010/main" val="2361134872"/>
+        <p14:creationId xmlns:p14="http://schemas.microsoft.com/office/powerpoint/2010/main" val="335272019"/>
       </p:ext>
     </p:extLst>
   </p:cSld>
@@ -2045,13 +1863,7 @@
       </p:grpSpPr>
       <p:sp>
         <p:nvSpPr>
-          <p:cNvPr id="2" name="Title 1">
-            <a:extLst>
-              <a:ext uri="{FF2B5EF4-FFF2-40B4-BE49-F238E27FC236}">
-                <a16:creationId xmlns:a16="http://schemas.microsoft.com/office/drawing/2014/main" id="{E934FBA5-C31A-224E-AA71-A150BF866451}"/>
-              </a:ext>
-            </a:extLst>
-          </p:cNvPr>
+          <p:cNvPr id="2" name="Title 1"/>
           <p:cNvSpPr>
             <a:spLocks noGrp="1"/>
           </p:cNvSpPr>
@@ -2073,19 +1885,13 @@
               <a:rPr lang="en-GB"/>
               <a:t>Click to edit Master title style</a:t>
             </a:r>
-            <a:endParaRPr lang="en-US"/>
-          </a:p>
-        </p:txBody>
-      </p:sp>
-      <p:sp>
-        <p:nvSpPr>
-          <p:cNvPr id="3" name="Text Placeholder 2">
-            <a:extLst>
-              <a:ext uri="{FF2B5EF4-FFF2-40B4-BE49-F238E27FC236}">
-                <a16:creationId xmlns:a16="http://schemas.microsoft.com/office/drawing/2014/main" id="{40BB52D1-4F10-E449-B4A7-F0DB7F31AC29}"/>
-              </a:ext>
-            </a:extLst>
-          </p:cNvPr>
+            <a:endParaRPr lang="en-US" dirty="0"/>
+          </a:p>
+        </p:txBody>
+      </p:sp>
+      <p:sp>
+        <p:nvSpPr>
+          <p:cNvPr id="3" name="Text Placeholder 2"/>
           <p:cNvSpPr>
             <a:spLocks noGrp="1"/>
           </p:cNvSpPr>
@@ -2150,13 +1956,7 @@
       </p:sp>
       <p:sp>
         <p:nvSpPr>
-          <p:cNvPr id="4" name="Content Placeholder 3">
-            <a:extLst>
-              <a:ext uri="{FF2B5EF4-FFF2-40B4-BE49-F238E27FC236}">
-                <a16:creationId xmlns:a16="http://schemas.microsoft.com/office/drawing/2014/main" id="{10083640-D681-A042-B10B-8E1A9CEAC803}"/>
-              </a:ext>
-            </a:extLst>
-          </p:cNvPr>
+          <p:cNvPr id="4" name="Content Placeholder 3"/>
           <p:cNvSpPr>
             <a:spLocks noGrp="1"/>
           </p:cNvSpPr>
@@ -2207,19 +2007,13 @@
               <a:rPr lang="en-GB"/>
               <a:t>Fifth level</a:t>
             </a:r>
-            <a:endParaRPr lang="en-US"/>
-          </a:p>
-        </p:txBody>
-      </p:sp>
-      <p:sp>
-        <p:nvSpPr>
-          <p:cNvPr id="5" name="Text Placeholder 4">
-            <a:extLst>
-              <a:ext uri="{FF2B5EF4-FFF2-40B4-BE49-F238E27FC236}">
-                <a16:creationId xmlns:a16="http://schemas.microsoft.com/office/drawing/2014/main" id="{052C8438-4DC0-8346-A1A6-80B61D24334D}"/>
-              </a:ext>
-            </a:extLst>
-          </p:cNvPr>
+            <a:endParaRPr lang="en-US" dirty="0"/>
+          </a:p>
+        </p:txBody>
+      </p:sp>
+      <p:sp>
+        <p:nvSpPr>
+          <p:cNvPr id="5" name="Text Placeholder 4"/>
           <p:cNvSpPr>
             <a:spLocks noGrp="1"/>
           </p:cNvSpPr>
@@ -2284,13 +2078,7 @@
       </p:sp>
       <p:sp>
         <p:nvSpPr>
-          <p:cNvPr id="6" name="Content Placeholder 5">
-            <a:extLst>
-              <a:ext uri="{FF2B5EF4-FFF2-40B4-BE49-F238E27FC236}">
-                <a16:creationId xmlns:a16="http://schemas.microsoft.com/office/drawing/2014/main" id="{CED06F29-CEA0-5049-ACB2-5D977BDCCE92}"/>
-              </a:ext>
-            </a:extLst>
-          </p:cNvPr>
+          <p:cNvPr id="6" name="Content Placeholder 5"/>
           <p:cNvSpPr>
             <a:spLocks noGrp="1"/>
           </p:cNvSpPr>
@@ -2341,19 +2129,13 @@
               <a:rPr lang="en-GB"/>
               <a:t>Fifth level</a:t>
             </a:r>
-            <a:endParaRPr lang="en-US"/>
-          </a:p>
-        </p:txBody>
-      </p:sp>
-      <p:sp>
-        <p:nvSpPr>
-          <p:cNvPr id="7" name="Date Placeholder 6">
-            <a:extLst>
-              <a:ext uri="{FF2B5EF4-FFF2-40B4-BE49-F238E27FC236}">
-                <a16:creationId xmlns:a16="http://schemas.microsoft.com/office/drawing/2014/main" id="{F4FF10C5-B427-DB41-8C62-C7203C213FC4}"/>
-              </a:ext>
-            </a:extLst>
-          </p:cNvPr>
+            <a:endParaRPr lang="en-US" dirty="0"/>
+          </a:p>
+        </p:txBody>
+      </p:sp>
+      <p:sp>
+        <p:nvSpPr>
+          <p:cNvPr id="7" name="Date Placeholder 6"/>
           <p:cNvSpPr>
             <a:spLocks noGrp="1"/>
           </p:cNvSpPr>
@@ -2368,7 +2150,7 @@
           <a:p>
             <a:fld id="{7C747D7E-6B19-984E-90F5-E9EEF49EFB72}" type="datetimeFigureOut">
               <a:rPr lang="en-US" smtClean="0"/>
-              <a:t>7/21/20</a:t>
+              <a:t>7/28/20</a:t>
             </a:fld>
             <a:endParaRPr lang="en-US"/>
           </a:p>
@@ -2376,13 +2158,7 @@
       </p:sp>
       <p:sp>
         <p:nvSpPr>
-          <p:cNvPr id="8" name="Footer Placeholder 7">
-            <a:extLst>
-              <a:ext uri="{FF2B5EF4-FFF2-40B4-BE49-F238E27FC236}">
-                <a16:creationId xmlns:a16="http://schemas.microsoft.com/office/drawing/2014/main" id="{B5CBA601-2077-D241-91B4-72E2FDECA30A}"/>
-              </a:ext>
-            </a:extLst>
-          </p:cNvPr>
+          <p:cNvPr id="8" name="Footer Placeholder 7"/>
           <p:cNvSpPr>
             <a:spLocks noGrp="1"/>
           </p:cNvSpPr>
@@ -2401,13 +2177,7 @@
       </p:sp>
       <p:sp>
         <p:nvSpPr>
-          <p:cNvPr id="9" name="Slide Number Placeholder 8">
-            <a:extLst>
-              <a:ext uri="{FF2B5EF4-FFF2-40B4-BE49-F238E27FC236}">
-                <a16:creationId xmlns:a16="http://schemas.microsoft.com/office/drawing/2014/main" id="{E741087A-9F61-D74F-9034-3B7824143D8D}"/>
-              </a:ext>
-            </a:extLst>
-          </p:cNvPr>
+          <p:cNvPr id="9" name="Slide Number Placeholder 8"/>
           <p:cNvSpPr>
             <a:spLocks noGrp="1"/>
           </p:cNvSpPr>
@@ -2431,7 +2201,7 @@
     </p:spTree>
     <p:extLst>
       <p:ext uri="{BB962C8B-B14F-4D97-AF65-F5344CB8AC3E}">
-        <p14:creationId xmlns:p14="http://schemas.microsoft.com/office/powerpoint/2010/main" val="1815353899"/>
+        <p14:creationId xmlns:p14="http://schemas.microsoft.com/office/powerpoint/2010/main" val="567773484"/>
       </p:ext>
     </p:extLst>
   </p:cSld>
@@ -2460,13 +2230,7 @@
       </p:grpSpPr>
       <p:sp>
         <p:nvSpPr>
-          <p:cNvPr id="2" name="Title 1">
-            <a:extLst>
-              <a:ext uri="{FF2B5EF4-FFF2-40B4-BE49-F238E27FC236}">
-                <a16:creationId xmlns:a16="http://schemas.microsoft.com/office/drawing/2014/main" id="{BB586246-433B-B743-938F-15E566DFCED8}"/>
-              </a:ext>
-            </a:extLst>
-          </p:cNvPr>
+          <p:cNvPr id="2" name="Title 1"/>
           <p:cNvSpPr>
             <a:spLocks noGrp="1"/>
           </p:cNvSpPr>
@@ -2483,19 +2247,13 @@
               <a:rPr lang="en-GB"/>
               <a:t>Click to edit Master title style</a:t>
             </a:r>
-            <a:endParaRPr lang="en-US"/>
-          </a:p>
-        </p:txBody>
-      </p:sp>
-      <p:sp>
-        <p:nvSpPr>
-          <p:cNvPr id="3" name="Date Placeholder 2">
-            <a:extLst>
-              <a:ext uri="{FF2B5EF4-FFF2-40B4-BE49-F238E27FC236}">
-                <a16:creationId xmlns:a16="http://schemas.microsoft.com/office/drawing/2014/main" id="{8C7BA6F4-5014-DB43-AC4B-DF7EF3C7AA60}"/>
-              </a:ext>
-            </a:extLst>
-          </p:cNvPr>
+            <a:endParaRPr lang="en-US" dirty="0"/>
+          </a:p>
+        </p:txBody>
+      </p:sp>
+      <p:sp>
+        <p:nvSpPr>
+          <p:cNvPr id="3" name="Date Placeholder 2"/>
           <p:cNvSpPr>
             <a:spLocks noGrp="1"/>
           </p:cNvSpPr>
@@ -2510,7 +2268,7 @@
           <a:p>
             <a:fld id="{7C747D7E-6B19-984E-90F5-E9EEF49EFB72}" type="datetimeFigureOut">
               <a:rPr lang="en-US" smtClean="0"/>
-              <a:t>7/21/20</a:t>
+              <a:t>7/28/20</a:t>
             </a:fld>
             <a:endParaRPr lang="en-US"/>
           </a:p>
@@ -2518,13 +2276,7 @@
       </p:sp>
       <p:sp>
         <p:nvSpPr>
-          <p:cNvPr id="4" name="Footer Placeholder 3">
-            <a:extLst>
-              <a:ext uri="{FF2B5EF4-FFF2-40B4-BE49-F238E27FC236}">
-                <a16:creationId xmlns:a16="http://schemas.microsoft.com/office/drawing/2014/main" id="{A73AF8BA-38A3-6C42-A79E-5662358D856D}"/>
-              </a:ext>
-            </a:extLst>
-          </p:cNvPr>
+          <p:cNvPr id="4" name="Footer Placeholder 3"/>
           <p:cNvSpPr>
             <a:spLocks noGrp="1"/>
           </p:cNvSpPr>
@@ -2543,13 +2295,7 @@
       </p:sp>
       <p:sp>
         <p:nvSpPr>
-          <p:cNvPr id="5" name="Slide Number Placeholder 4">
-            <a:extLst>
-              <a:ext uri="{FF2B5EF4-FFF2-40B4-BE49-F238E27FC236}">
-                <a16:creationId xmlns:a16="http://schemas.microsoft.com/office/drawing/2014/main" id="{279F10CE-6140-A948-9DBD-CBE1621CAFEE}"/>
-              </a:ext>
-            </a:extLst>
-          </p:cNvPr>
+          <p:cNvPr id="5" name="Slide Number Placeholder 4"/>
           <p:cNvSpPr>
             <a:spLocks noGrp="1"/>
           </p:cNvSpPr>
@@ -2573,7 +2319,7 @@
     </p:spTree>
     <p:extLst>
       <p:ext uri="{BB962C8B-B14F-4D97-AF65-F5344CB8AC3E}">
-        <p14:creationId xmlns:p14="http://schemas.microsoft.com/office/powerpoint/2010/main" val="3638860755"/>
+        <p14:creationId xmlns:p14="http://schemas.microsoft.com/office/powerpoint/2010/main" val="3980324024"/>
       </p:ext>
     </p:extLst>
   </p:cSld>
@@ -2602,13 +2348,7 @@
       </p:grpSpPr>
       <p:sp>
         <p:nvSpPr>
-          <p:cNvPr id="2" name="Date Placeholder 1">
-            <a:extLst>
-              <a:ext uri="{FF2B5EF4-FFF2-40B4-BE49-F238E27FC236}">
-                <a16:creationId xmlns:a16="http://schemas.microsoft.com/office/drawing/2014/main" id="{160D2B46-5184-0A40-8BFE-6C56492C02D8}"/>
-              </a:ext>
-            </a:extLst>
-          </p:cNvPr>
+          <p:cNvPr id="2" name="Date Placeholder 1"/>
           <p:cNvSpPr>
             <a:spLocks noGrp="1"/>
           </p:cNvSpPr>
@@ -2623,7 +2363,7 @@
           <a:p>
             <a:fld id="{7C747D7E-6B19-984E-90F5-E9EEF49EFB72}" type="datetimeFigureOut">
               <a:rPr lang="en-US" smtClean="0"/>
-              <a:t>7/21/20</a:t>
+              <a:t>7/28/20</a:t>
             </a:fld>
             <a:endParaRPr lang="en-US"/>
           </a:p>
@@ -2631,13 +2371,7 @@
       </p:sp>
       <p:sp>
         <p:nvSpPr>
-          <p:cNvPr id="3" name="Footer Placeholder 2">
-            <a:extLst>
-              <a:ext uri="{FF2B5EF4-FFF2-40B4-BE49-F238E27FC236}">
-                <a16:creationId xmlns:a16="http://schemas.microsoft.com/office/drawing/2014/main" id="{BCEFCB7A-1B0B-B146-BE78-951D9E3A22DF}"/>
-              </a:ext>
-            </a:extLst>
-          </p:cNvPr>
+          <p:cNvPr id="3" name="Footer Placeholder 2"/>
           <p:cNvSpPr>
             <a:spLocks noGrp="1"/>
           </p:cNvSpPr>
@@ -2656,13 +2390,7 @@
       </p:sp>
       <p:sp>
         <p:nvSpPr>
-          <p:cNvPr id="4" name="Slide Number Placeholder 3">
-            <a:extLst>
-              <a:ext uri="{FF2B5EF4-FFF2-40B4-BE49-F238E27FC236}">
-                <a16:creationId xmlns:a16="http://schemas.microsoft.com/office/drawing/2014/main" id="{E978126A-9017-4F4A-8EC9-C4136C630992}"/>
-              </a:ext>
-            </a:extLst>
-          </p:cNvPr>
+          <p:cNvPr id="4" name="Slide Number Placeholder 3"/>
           <p:cNvSpPr>
             <a:spLocks noGrp="1"/>
           </p:cNvSpPr>
@@ -2686,7 +2414,7 @@
     </p:spTree>
     <p:extLst>
       <p:ext uri="{BB962C8B-B14F-4D97-AF65-F5344CB8AC3E}">
-        <p14:creationId xmlns:p14="http://schemas.microsoft.com/office/powerpoint/2010/main" val="1240352773"/>
+        <p14:creationId xmlns:p14="http://schemas.microsoft.com/office/powerpoint/2010/main" val="3674331197"/>
       </p:ext>
     </p:extLst>
   </p:cSld>
@@ -2715,13 +2443,7 @@
       </p:grpSpPr>
       <p:sp>
         <p:nvSpPr>
-          <p:cNvPr id="2" name="Title 1">
-            <a:extLst>
-              <a:ext uri="{FF2B5EF4-FFF2-40B4-BE49-F238E27FC236}">
-                <a16:creationId xmlns:a16="http://schemas.microsoft.com/office/drawing/2014/main" id="{BB6990BD-E983-2D46-9C2E-B529EF0383B0}"/>
-              </a:ext>
-            </a:extLst>
-          </p:cNvPr>
+          <p:cNvPr id="2" name="Title 1"/>
           <p:cNvSpPr>
             <a:spLocks noGrp="1"/>
           </p:cNvSpPr>
@@ -2747,19 +2469,13 @@
               <a:rPr lang="en-GB"/>
               <a:t>Click to edit Master title style</a:t>
             </a:r>
-            <a:endParaRPr lang="en-US"/>
-          </a:p>
-        </p:txBody>
-      </p:sp>
-      <p:sp>
-        <p:nvSpPr>
-          <p:cNvPr id="3" name="Content Placeholder 2">
-            <a:extLst>
-              <a:ext uri="{FF2B5EF4-FFF2-40B4-BE49-F238E27FC236}">
-                <a16:creationId xmlns:a16="http://schemas.microsoft.com/office/drawing/2014/main" id="{AB618486-BFED-834C-B920-51CE055806F0}"/>
-              </a:ext>
-            </a:extLst>
-          </p:cNvPr>
+            <a:endParaRPr lang="en-US" dirty="0"/>
+          </a:p>
+        </p:txBody>
+      </p:sp>
+      <p:sp>
+        <p:nvSpPr>
+          <p:cNvPr id="3" name="Content Placeholder 2"/>
           <p:cNvSpPr>
             <a:spLocks noGrp="1"/>
           </p:cNvSpPr>
@@ -2838,19 +2554,13 @@
               <a:rPr lang="en-GB"/>
               <a:t>Fifth level</a:t>
             </a:r>
-            <a:endParaRPr lang="en-US"/>
-          </a:p>
-        </p:txBody>
-      </p:sp>
-      <p:sp>
-        <p:nvSpPr>
-          <p:cNvPr id="4" name="Text Placeholder 3">
-            <a:extLst>
-              <a:ext uri="{FF2B5EF4-FFF2-40B4-BE49-F238E27FC236}">
-                <a16:creationId xmlns:a16="http://schemas.microsoft.com/office/drawing/2014/main" id="{6FF316D4-69F6-9F43-AE5B-8ACAD89D25A3}"/>
-              </a:ext>
-            </a:extLst>
-          </p:cNvPr>
+            <a:endParaRPr lang="en-US" dirty="0"/>
+          </a:p>
+        </p:txBody>
+      </p:sp>
+      <p:sp>
+        <p:nvSpPr>
+          <p:cNvPr id="4" name="Text Placeholder 3"/>
           <p:cNvSpPr>
             <a:spLocks noGrp="1"/>
           </p:cNvSpPr>
@@ -2915,13 +2625,7 @@
       </p:sp>
       <p:sp>
         <p:nvSpPr>
-          <p:cNvPr id="5" name="Date Placeholder 4">
-            <a:extLst>
-              <a:ext uri="{FF2B5EF4-FFF2-40B4-BE49-F238E27FC236}">
-                <a16:creationId xmlns:a16="http://schemas.microsoft.com/office/drawing/2014/main" id="{D59EAE52-BC7E-4048-B01F-024F6BF33B07}"/>
-              </a:ext>
-            </a:extLst>
-          </p:cNvPr>
+          <p:cNvPr id="5" name="Date Placeholder 4"/>
           <p:cNvSpPr>
             <a:spLocks noGrp="1"/>
           </p:cNvSpPr>
@@ -2936,7 +2640,7 @@
           <a:p>
             <a:fld id="{7C747D7E-6B19-984E-90F5-E9EEF49EFB72}" type="datetimeFigureOut">
               <a:rPr lang="en-US" smtClean="0"/>
-              <a:t>7/21/20</a:t>
+              <a:t>7/28/20</a:t>
             </a:fld>
             <a:endParaRPr lang="en-US"/>
           </a:p>
@@ -2944,13 +2648,7 @@
       </p:sp>
       <p:sp>
         <p:nvSpPr>
-          <p:cNvPr id="6" name="Footer Placeholder 5">
-            <a:extLst>
-              <a:ext uri="{FF2B5EF4-FFF2-40B4-BE49-F238E27FC236}">
-                <a16:creationId xmlns:a16="http://schemas.microsoft.com/office/drawing/2014/main" id="{47FC07D1-32C2-B545-A404-A37EA329CA7C}"/>
-              </a:ext>
-            </a:extLst>
-          </p:cNvPr>
+          <p:cNvPr id="6" name="Footer Placeholder 5"/>
           <p:cNvSpPr>
             <a:spLocks noGrp="1"/>
           </p:cNvSpPr>
@@ -2969,13 +2667,7 @@
       </p:sp>
       <p:sp>
         <p:nvSpPr>
-          <p:cNvPr id="7" name="Slide Number Placeholder 6">
-            <a:extLst>
-              <a:ext uri="{FF2B5EF4-FFF2-40B4-BE49-F238E27FC236}">
-                <a16:creationId xmlns:a16="http://schemas.microsoft.com/office/drawing/2014/main" id="{77F82F06-693C-CB4F-ADA3-D18724FA33CF}"/>
-              </a:ext>
-            </a:extLst>
-          </p:cNvPr>
+          <p:cNvPr id="7" name="Slide Number Placeholder 6"/>
           <p:cNvSpPr>
             <a:spLocks noGrp="1"/>
           </p:cNvSpPr>
@@ -2999,7 +2691,7 @@
     </p:spTree>
     <p:extLst>
       <p:ext uri="{BB962C8B-B14F-4D97-AF65-F5344CB8AC3E}">
-        <p14:creationId xmlns:p14="http://schemas.microsoft.com/office/powerpoint/2010/main" val="2423107822"/>
+        <p14:creationId xmlns:p14="http://schemas.microsoft.com/office/powerpoint/2010/main" val="376112704"/>
       </p:ext>
     </p:extLst>
   </p:cSld>
@@ -3028,13 +2720,7 @@
       </p:grpSpPr>
       <p:sp>
         <p:nvSpPr>
-          <p:cNvPr id="2" name="Title 1">
-            <a:extLst>
-              <a:ext uri="{FF2B5EF4-FFF2-40B4-BE49-F238E27FC236}">
-                <a16:creationId xmlns:a16="http://schemas.microsoft.com/office/drawing/2014/main" id="{61E0E2EE-2694-5948-AD1F-35B4359709E9}"/>
-              </a:ext>
-            </a:extLst>
-          </p:cNvPr>
+          <p:cNvPr id="2" name="Title 1"/>
           <p:cNvSpPr>
             <a:spLocks noGrp="1"/>
           </p:cNvSpPr>
@@ -3060,21 +2746,15 @@
               <a:rPr lang="en-GB"/>
               <a:t>Click to edit Master title style</a:t>
             </a:r>
-            <a:endParaRPr lang="en-US"/>
-          </a:p>
-        </p:txBody>
-      </p:sp>
-      <p:sp>
-        <p:nvSpPr>
-          <p:cNvPr id="3" name="Picture Placeholder 2">
-            <a:extLst>
-              <a:ext uri="{FF2B5EF4-FFF2-40B4-BE49-F238E27FC236}">
-                <a16:creationId xmlns:a16="http://schemas.microsoft.com/office/drawing/2014/main" id="{7A606BBF-0BB0-4842-877D-42FC07DBC839}"/>
-              </a:ext>
-            </a:extLst>
-          </p:cNvPr>
+            <a:endParaRPr lang="en-US" dirty="0"/>
+          </a:p>
+        </p:txBody>
+      </p:sp>
+      <p:sp>
+        <p:nvSpPr>
+          <p:cNvPr id="3" name="Picture Placeholder 2"/>
           <p:cNvSpPr>
-            <a:spLocks noGrp="1"/>
+            <a:spLocks noGrp="1" noChangeAspect="1"/>
           </p:cNvSpPr>
           <p:nvPr>
             <p:ph type="pic" idx="1"/>
@@ -3087,7 +2767,7 @@
           </a:xfrm>
         </p:spPr>
         <p:txBody>
-          <a:bodyPr/>
+          <a:bodyPr anchor="t"/>
           <a:lstStyle>
             <a:lvl1pPr marL="0" indent="0">
               <a:buNone/>
@@ -3127,19 +2807,17 @@
             </a:lvl9pPr>
           </a:lstStyle>
           <a:p>
-            <a:endParaRPr lang="en-US"/>
-          </a:p>
-        </p:txBody>
-      </p:sp>
-      <p:sp>
-        <p:nvSpPr>
-          <p:cNvPr id="4" name="Text Placeholder 3">
-            <a:extLst>
-              <a:ext uri="{FF2B5EF4-FFF2-40B4-BE49-F238E27FC236}">
-                <a16:creationId xmlns:a16="http://schemas.microsoft.com/office/drawing/2014/main" id="{9BC75094-16AA-7F47-9070-62FEF1F1202D}"/>
-              </a:ext>
-            </a:extLst>
-          </p:cNvPr>
+            <a:r>
+              <a:rPr lang="en-GB"/>
+              <a:t>Click icon to add picture</a:t>
+            </a:r>
+            <a:endParaRPr lang="en-US" dirty="0"/>
+          </a:p>
+        </p:txBody>
+      </p:sp>
+      <p:sp>
+        <p:nvSpPr>
+          <p:cNvPr id="4" name="Text Placeholder 3"/>
           <p:cNvSpPr>
             <a:spLocks noGrp="1"/>
           </p:cNvSpPr>
@@ -3204,13 +2882,7 @@
       </p:sp>
       <p:sp>
         <p:nvSpPr>
-          <p:cNvPr id="5" name="Date Placeholder 4">
-            <a:extLst>
-              <a:ext uri="{FF2B5EF4-FFF2-40B4-BE49-F238E27FC236}">
-                <a16:creationId xmlns:a16="http://schemas.microsoft.com/office/drawing/2014/main" id="{247C11C6-9091-5C47-87C9-C83F6B8873F1}"/>
-              </a:ext>
-            </a:extLst>
-          </p:cNvPr>
+          <p:cNvPr id="5" name="Date Placeholder 4"/>
           <p:cNvSpPr>
             <a:spLocks noGrp="1"/>
           </p:cNvSpPr>
@@ -3225,7 +2897,7 @@
           <a:p>
             <a:fld id="{7C747D7E-6B19-984E-90F5-E9EEF49EFB72}" type="datetimeFigureOut">
               <a:rPr lang="en-US" smtClean="0"/>
-              <a:t>7/21/20</a:t>
+              <a:t>7/28/20</a:t>
             </a:fld>
             <a:endParaRPr lang="en-US"/>
           </a:p>
@@ -3233,13 +2905,7 @@
       </p:sp>
       <p:sp>
         <p:nvSpPr>
-          <p:cNvPr id="6" name="Footer Placeholder 5">
-            <a:extLst>
-              <a:ext uri="{FF2B5EF4-FFF2-40B4-BE49-F238E27FC236}">
-                <a16:creationId xmlns:a16="http://schemas.microsoft.com/office/drawing/2014/main" id="{A374DBBF-6DA8-FA4F-940B-CD3295118B97}"/>
-              </a:ext>
-            </a:extLst>
-          </p:cNvPr>
+          <p:cNvPr id="6" name="Footer Placeholder 5"/>
           <p:cNvSpPr>
             <a:spLocks noGrp="1"/>
           </p:cNvSpPr>
@@ -3258,13 +2924,7 @@
       </p:sp>
       <p:sp>
         <p:nvSpPr>
-          <p:cNvPr id="7" name="Slide Number Placeholder 6">
-            <a:extLst>
-              <a:ext uri="{FF2B5EF4-FFF2-40B4-BE49-F238E27FC236}">
-                <a16:creationId xmlns:a16="http://schemas.microsoft.com/office/drawing/2014/main" id="{C7442C77-3893-4B4F-A000-0ABF60EC583A}"/>
-              </a:ext>
-            </a:extLst>
-          </p:cNvPr>
+          <p:cNvPr id="7" name="Slide Number Placeholder 6"/>
           <p:cNvSpPr>
             <a:spLocks noGrp="1"/>
           </p:cNvSpPr>
@@ -3288,7 +2948,7 @@
     </p:spTree>
     <p:extLst>
       <p:ext uri="{BB962C8B-B14F-4D97-AF65-F5344CB8AC3E}">
-        <p14:creationId xmlns:p14="http://schemas.microsoft.com/office/powerpoint/2010/main" val="1506501128"/>
+        <p14:creationId xmlns:p14="http://schemas.microsoft.com/office/powerpoint/2010/main" val="1634110553"/>
       </p:ext>
     </p:extLst>
   </p:cSld>
@@ -3322,13 +2982,7 @@
       </p:grpSpPr>
       <p:sp>
         <p:nvSpPr>
-          <p:cNvPr id="2" name="Title Placeholder 1">
-            <a:extLst>
-              <a:ext uri="{FF2B5EF4-FFF2-40B4-BE49-F238E27FC236}">
-                <a16:creationId xmlns:a16="http://schemas.microsoft.com/office/drawing/2014/main" id="{092D1C38-1BC3-C140-982D-5480FAE60989}"/>
-              </a:ext>
-            </a:extLst>
-          </p:cNvPr>
+          <p:cNvPr id="2" name="Title Placeholder 1"/>
           <p:cNvSpPr>
             <a:spLocks noGrp="1"/>
           </p:cNvSpPr>
@@ -3355,19 +3009,13 @@
               <a:rPr lang="en-GB"/>
               <a:t>Click to edit Master title style</a:t>
             </a:r>
-            <a:endParaRPr lang="en-US"/>
-          </a:p>
-        </p:txBody>
-      </p:sp>
-      <p:sp>
-        <p:nvSpPr>
-          <p:cNvPr id="3" name="Text Placeholder 2">
-            <a:extLst>
-              <a:ext uri="{FF2B5EF4-FFF2-40B4-BE49-F238E27FC236}">
-                <a16:creationId xmlns:a16="http://schemas.microsoft.com/office/drawing/2014/main" id="{B0B39B04-804D-8147-99C4-104B3DB3C6FE}"/>
-              </a:ext>
-            </a:extLst>
-          </p:cNvPr>
+            <a:endParaRPr lang="en-US" dirty="0"/>
+          </a:p>
+        </p:txBody>
+      </p:sp>
+      <p:sp>
+        <p:nvSpPr>
+          <p:cNvPr id="3" name="Text Placeholder 2"/>
           <p:cNvSpPr>
             <a:spLocks noGrp="1"/>
           </p:cNvSpPr>
@@ -3423,19 +3071,13 @@
               <a:rPr lang="en-GB"/>
               <a:t>Fifth level</a:t>
             </a:r>
-            <a:endParaRPr lang="en-US"/>
-          </a:p>
-        </p:txBody>
-      </p:sp>
-      <p:sp>
-        <p:nvSpPr>
-          <p:cNvPr id="4" name="Date Placeholder 3">
-            <a:extLst>
-              <a:ext uri="{FF2B5EF4-FFF2-40B4-BE49-F238E27FC236}">
-                <a16:creationId xmlns:a16="http://schemas.microsoft.com/office/drawing/2014/main" id="{40D448CD-66F3-E147-9DC4-3484C7EA8200}"/>
-              </a:ext>
-            </a:extLst>
-          </p:cNvPr>
+            <a:endParaRPr lang="en-US" dirty="0"/>
+          </a:p>
+        </p:txBody>
+      </p:sp>
+      <p:sp>
+        <p:nvSpPr>
+          <p:cNvPr id="4" name="Date Placeholder 3"/>
           <p:cNvSpPr>
             <a:spLocks noGrp="1"/>
           </p:cNvSpPr>
@@ -3468,7 +3110,7 @@
           <a:p>
             <a:fld id="{7C747D7E-6B19-984E-90F5-E9EEF49EFB72}" type="datetimeFigureOut">
               <a:rPr lang="en-US" smtClean="0"/>
-              <a:t>7/21/20</a:t>
+              <a:t>7/28/20</a:t>
             </a:fld>
             <a:endParaRPr lang="en-US"/>
           </a:p>
@@ -3476,13 +3118,7 @@
       </p:sp>
       <p:sp>
         <p:nvSpPr>
-          <p:cNvPr id="5" name="Footer Placeholder 4">
-            <a:extLst>
-              <a:ext uri="{FF2B5EF4-FFF2-40B4-BE49-F238E27FC236}">
-                <a16:creationId xmlns:a16="http://schemas.microsoft.com/office/drawing/2014/main" id="{B100132D-20A4-294E-A4C2-A1E49E72523B}"/>
-              </a:ext>
-            </a:extLst>
-          </p:cNvPr>
+          <p:cNvPr id="5" name="Footer Placeholder 4"/>
           <p:cNvSpPr>
             <a:spLocks noGrp="1"/>
           </p:cNvSpPr>
@@ -3519,13 +3155,7 @@
       </p:sp>
       <p:sp>
         <p:nvSpPr>
-          <p:cNvPr id="6" name="Slide Number Placeholder 5">
-            <a:extLst>
-              <a:ext uri="{FF2B5EF4-FFF2-40B4-BE49-F238E27FC236}">
-                <a16:creationId xmlns:a16="http://schemas.microsoft.com/office/drawing/2014/main" id="{07555E9A-C88D-CD42-B305-0219819C7E7A}"/>
-              </a:ext>
-            </a:extLst>
-          </p:cNvPr>
+          <p:cNvPr id="6" name="Slide Number Placeholder 5"/>
           <p:cNvSpPr>
             <a:spLocks noGrp="1"/>
           </p:cNvSpPr>
@@ -3567,23 +3197,23 @@
     </p:spTree>
     <p:extLst>
       <p:ext uri="{BB962C8B-B14F-4D97-AF65-F5344CB8AC3E}">
-        <p14:creationId xmlns:p14="http://schemas.microsoft.com/office/powerpoint/2010/main" val="808534695"/>
+        <p14:creationId xmlns:p14="http://schemas.microsoft.com/office/powerpoint/2010/main" val="1305543578"/>
       </p:ext>
     </p:extLst>
   </p:cSld>
-  <p:clrMap bg1="lt1" tx1="dk1" bg2="lt2" tx2="dk2" accent1="accent1" accent2="accent2" accent3="accent3" accent4="accent4" accent5="accent5" accent6="accent6" hlink="hlink" folHlink="folHlink"/>
+  <p:clrMap bg1="dk1" tx1="lt1" bg2="dk2" tx2="lt2" accent1="accent1" accent2="accent2" accent3="accent3" accent4="accent4" accent5="accent5" accent6="accent6" hlink="hlink" folHlink="folHlink"/>
   <p:sldLayoutIdLst>
-    <p:sldLayoutId id="2147483649" r:id="rId1"/>
-    <p:sldLayoutId id="2147483650" r:id="rId2"/>
-    <p:sldLayoutId id="2147483651" r:id="rId3"/>
-    <p:sldLayoutId id="2147483652" r:id="rId4"/>
-    <p:sldLayoutId id="2147483653" r:id="rId5"/>
-    <p:sldLayoutId id="2147483654" r:id="rId6"/>
-    <p:sldLayoutId id="2147483655" r:id="rId7"/>
-    <p:sldLayoutId id="2147483656" r:id="rId8"/>
-    <p:sldLayoutId id="2147483657" r:id="rId9"/>
-    <p:sldLayoutId id="2147483658" r:id="rId10"/>
-    <p:sldLayoutId id="2147483659" r:id="rId11"/>
+    <p:sldLayoutId id="2147483661" r:id="rId1"/>
+    <p:sldLayoutId id="2147483662" r:id="rId2"/>
+    <p:sldLayoutId id="2147483663" r:id="rId3"/>
+    <p:sldLayoutId id="2147483664" r:id="rId4"/>
+    <p:sldLayoutId id="2147483665" r:id="rId5"/>
+    <p:sldLayoutId id="2147483666" r:id="rId6"/>
+    <p:sldLayoutId id="2147483667" r:id="rId7"/>
+    <p:sldLayoutId id="2147483668" r:id="rId8"/>
+    <p:sldLayoutId id="2147483669" r:id="rId9"/>
+    <p:sldLayoutId id="2147483670" r:id="rId10"/>
+    <p:sldLayoutId id="2147483671" r:id="rId11"/>
   </p:sldLayoutIdLst>
   <p:txStyles>
     <p:titleStyle>
@@ -3934,7 +3564,7 @@
         <p:spPr/>
         <p:txBody>
           <a:bodyPr>
-            <a:normAutofit lnSpcReduction="10000"/>
+            <a:normAutofit fontScale="77500" lnSpcReduction="20000"/>
           </a:bodyPr>
           <a:lstStyle/>
           <a:p>
@@ -3962,60 +3592,8 @@
                   </a:extLst>
                 </a:hlinkClick>
               </a:rPr>
-              <a:t>@</a:t>
-            </a:r>
-            <a:r>
-              <a:rPr lang="en-US" dirty="0" err="1">
-                <a:solidFill>
-                  <a:srgbClr val="0070C0"/>
-                </a:solidFill>
-                <a:hlinkClick r:id="rId2">
-                  <a:extLst>
-                    <a:ext uri="{A12FA001-AC4F-418D-AE19-62706E023703}">
-                      <ahyp:hlinkClr xmlns:ahyp="http://schemas.microsoft.com/office/drawing/2018/hyperlinkcolor" val="tx"/>
-                    </a:ext>
-                  </a:extLst>
-                </a:hlinkClick>
-              </a:rPr>
-              <a:t>ema</a:t>
-            </a:r>
-            <a:r>
-              <a:rPr lang="en-US" dirty="0" err="1">
-                <a:solidFill>
-                  <a:srgbClr val="0070C0"/>
-                </a:solidFill>
-                <a:hlinkClick r:id="rId2">
-                  <a:extLst>
-                    <a:ext uri="{A12FA001-AC4F-418D-AE19-62706E023703}">
-                      <ahyp:hlinkClr xmlns:ahyp="http://schemas.microsoft.com/office/drawing/2018/hyperlinkcolor" val="tx"/>
-                    </a:ext>
-                  </a:extLst>
-                </a:hlinkClick>
-              </a:rPr>
-              <a:t>d</a:t>
-            </a:r>
-            <a:r>
-              <a:rPr lang="en-US" dirty="0" err="1">
-                <a:solidFill>
-                  <a:srgbClr val="0070C0"/>
-                </a:solidFill>
-                <a:hlinkClick r:id="rId2">
-                  <a:extLst>
-                    <a:ext uri="{A12FA001-AC4F-418D-AE19-62706E023703}">
-                      <ahyp:hlinkClr xmlns:ahyp="http://schemas.microsoft.com/office/drawing/2018/hyperlinkcolor" val="tx"/>
-                    </a:ext>
-                  </a:extLst>
-                </a:hlinkClick>
-              </a:rPr>
-              <a:t>ashi</a:t>
-            </a:r>
-            <a:endParaRPr lang="en-US" dirty="0">
-              <a:solidFill>
-                <a:srgbClr val="0070C0"/>
-              </a:solidFill>
-            </a:endParaRPr>
-          </a:p>
-          <a:p>
+              <a:t>@emadashi</a:t>
+            </a:r>
             <a:endParaRPr lang="en-US" dirty="0">
               <a:solidFill>
                 <a:srgbClr val="0070C0"/>
@@ -4036,28 +3614,26 @@
                   </a:extLst>
                 </a:hlinkClick>
               </a:rPr>
-              <a:t>https://</a:t>
-            </a:r>
-            <a:r>
-              <a:rPr lang="en-US" dirty="0" err="1">
-                <a:solidFill>
-                  <a:srgbClr val="0070C0"/>
-                </a:solidFill>
-                <a:hlinkClick r:id="rId3">
-                  <a:extLst>
-                    <a:ext uri="{A12FA001-AC4F-418D-AE19-62706E023703}">
-                      <ahyp:hlinkClr xmlns:ahyp="http://schemas.microsoft.com/office/drawing/2018/hyperlinkcolor" val="tx"/>
-                    </a:ext>
-                  </a:extLst>
-                </a:hlinkClick>
-              </a:rPr>
-              <a:t>www.emadashi.com</a:t>
+              <a:t>emadashi.com</a:t>
             </a:r>
             <a:endParaRPr lang="en-US" dirty="0">
               <a:solidFill>
                 <a:srgbClr val="0070C0"/>
               </a:solidFill>
             </a:endParaRPr>
+          </a:p>
+          <a:p>
+            <a:endParaRPr lang="en-US" dirty="0">
+              <a:solidFill>
+                <a:srgbClr val="0070C0"/>
+              </a:solidFill>
+            </a:endParaRPr>
+          </a:p>
+          <a:p>
+            <a:r>
+              <a:rPr lang="en-US" sz="2500" dirty="0"/>
+              <a:t>Telstra Purple</a:t>
+            </a:r>
           </a:p>
         </p:txBody>
       </p:sp>
@@ -4096,6 +3672,2337 @@
           <p:cNvPr id="4" name="Title 3">
             <a:extLst>
               <a:ext uri="{FF2B5EF4-FFF2-40B4-BE49-F238E27FC236}">
+                <a16:creationId xmlns:a16="http://schemas.microsoft.com/office/drawing/2014/main" id="{05354F63-975C-9947-8B02-DB80DC6B380E}"/>
+              </a:ext>
+            </a:extLst>
+          </p:cNvPr>
+          <p:cNvSpPr>
+            <a:spLocks noGrp="1"/>
+          </p:cNvSpPr>
+          <p:nvPr>
+            <p:ph type="ctrTitle"/>
+          </p:nvPr>
+        </p:nvSpPr>
+        <p:spPr/>
+        <p:txBody>
+          <a:bodyPr/>
+          <a:lstStyle/>
+          <a:p>
+            <a:r>
+              <a:rPr lang="en-US" dirty="0"/>
+              <a:t>How KEDA Works</a:t>
+            </a:r>
+          </a:p>
+        </p:txBody>
+      </p:sp>
+      <p:sp>
+        <p:nvSpPr>
+          <p:cNvPr id="5" name="Subtitle 4">
+            <a:extLst>
+              <a:ext uri="{FF2B5EF4-FFF2-40B4-BE49-F238E27FC236}">
+                <a16:creationId xmlns:a16="http://schemas.microsoft.com/office/drawing/2014/main" id="{E6785BF4-9BA8-2B4F-8C4C-D7089FC9A206}"/>
+              </a:ext>
+            </a:extLst>
+          </p:cNvPr>
+          <p:cNvSpPr>
+            <a:spLocks noGrp="1"/>
+          </p:cNvSpPr>
+          <p:nvPr>
+            <p:ph type="subTitle" idx="1"/>
+          </p:nvPr>
+        </p:nvSpPr>
+        <p:spPr/>
+        <p:txBody>
+          <a:bodyPr/>
+          <a:lstStyle/>
+          <a:p>
+            <a:endParaRPr lang="en-US"/>
+          </a:p>
+        </p:txBody>
+      </p:sp>
+    </p:spTree>
+    <p:extLst>
+      <p:ext uri="{BB962C8B-B14F-4D97-AF65-F5344CB8AC3E}">
+        <p14:creationId xmlns:p14="http://schemas.microsoft.com/office/powerpoint/2010/main" val="704206216"/>
+      </p:ext>
+    </p:extLst>
+  </p:cSld>
+  <p:clrMapOvr>
+    <a:masterClrMapping/>
+  </p:clrMapOvr>
+</p:sld>
+</file>
+
+<file path=ppt/slides/slide11.xml><?xml version="1.0" encoding="utf-8"?>
+<p:sld xmlns:a="http://schemas.openxmlformats.org/drawingml/2006/main" xmlns:r="http://schemas.openxmlformats.org/officeDocument/2006/relationships" xmlns:p="http://schemas.openxmlformats.org/presentationml/2006/main">
+  <p:cSld>
+    <p:spTree>
+      <p:nvGrpSpPr>
+        <p:cNvPr id="1" name=""/>
+        <p:cNvGrpSpPr/>
+        <p:nvPr/>
+      </p:nvGrpSpPr>
+      <p:grpSpPr>
+        <a:xfrm>
+          <a:off x="0" y="0"/>
+          <a:ext cx="0" cy="0"/>
+          <a:chOff x="0" y="0"/>
+          <a:chExt cx="0" cy="0"/>
+        </a:xfrm>
+      </p:grpSpPr>
+      <p:sp>
+        <p:nvSpPr>
+          <p:cNvPr id="4" name="K8s cluster">
+            <a:extLst>
+              <a:ext uri="{FF2B5EF4-FFF2-40B4-BE49-F238E27FC236}">
+                <a16:creationId xmlns:a16="http://schemas.microsoft.com/office/drawing/2014/main" id="{831A18A1-1E23-7A4C-B645-2373E8D3BFE7}"/>
+              </a:ext>
+            </a:extLst>
+          </p:cNvPr>
+          <p:cNvSpPr/>
+          <p:nvPr/>
+        </p:nvSpPr>
+        <p:spPr>
+          <a:xfrm>
+            <a:off x="331694" y="313765"/>
+            <a:ext cx="7257825" cy="6194611"/>
+          </a:xfrm>
+          <a:prstGeom prst="rect">
+            <a:avLst/>
+          </a:prstGeom>
+          <a:noFill/>
+          <a:ln w="38100"/>
+        </p:spPr>
+        <p:style>
+          <a:lnRef idx="2">
+            <a:schemeClr val="accent1">
+              <a:shade val="50000"/>
+            </a:schemeClr>
+          </a:lnRef>
+          <a:fillRef idx="1">
+            <a:schemeClr val="accent1"/>
+          </a:fillRef>
+          <a:effectRef idx="0">
+            <a:schemeClr val="accent1"/>
+          </a:effectRef>
+          <a:fontRef idx="minor">
+            <a:schemeClr val="lt1"/>
+          </a:fontRef>
+        </p:style>
+        <p:txBody>
+          <a:bodyPr rtlCol="0" anchor="ctr"/>
+          <a:lstStyle/>
+          <a:p>
+            <a:pPr algn="ctr"/>
+            <a:endParaRPr lang="en-US"/>
+          </a:p>
+        </p:txBody>
+      </p:sp>
+      <p:sp>
+        <p:nvSpPr>
+          <p:cNvPr id="9" name="Target">
+            <a:extLst>
+              <a:ext uri="{FF2B5EF4-FFF2-40B4-BE49-F238E27FC236}">
+                <a16:creationId xmlns:a16="http://schemas.microsoft.com/office/drawing/2014/main" id="{F3274F57-36FD-354F-8767-4F02319800B1}"/>
+              </a:ext>
+            </a:extLst>
+          </p:cNvPr>
+          <p:cNvSpPr/>
+          <p:nvPr/>
+        </p:nvSpPr>
+        <p:spPr>
+          <a:xfrm>
+            <a:off x="3146722" y="2540660"/>
+            <a:ext cx="880217" cy="666571"/>
+          </a:xfrm>
+          <a:prstGeom prst="rect">
+            <a:avLst/>
+          </a:prstGeom>
+        </p:spPr>
+        <p:style>
+          <a:lnRef idx="2">
+            <a:schemeClr val="accent6">
+              <a:shade val="50000"/>
+            </a:schemeClr>
+          </a:lnRef>
+          <a:fillRef idx="1">
+            <a:schemeClr val="accent6"/>
+          </a:fillRef>
+          <a:effectRef idx="0">
+            <a:schemeClr val="accent6"/>
+          </a:effectRef>
+          <a:fontRef idx="minor">
+            <a:schemeClr val="lt1"/>
+          </a:fontRef>
+        </p:style>
+        <p:txBody>
+          <a:bodyPr rtlCol="0" anchor="ctr"/>
+          <a:lstStyle/>
+          <a:p>
+            <a:pPr algn="ctr"/>
+            <a:r>
+              <a:rPr lang="en-US" dirty="0"/>
+              <a:t>Target</a:t>
+            </a:r>
+          </a:p>
+        </p:txBody>
+      </p:sp>
+      <p:sp>
+        <p:nvSpPr>
+          <p:cNvPr id="10" name="ScaledObject">
+            <a:extLst>
+              <a:ext uri="{FF2B5EF4-FFF2-40B4-BE49-F238E27FC236}">
+                <a16:creationId xmlns:a16="http://schemas.microsoft.com/office/drawing/2014/main" id="{2A7FA6F1-4E2E-7E43-92D1-7F65E9E18730}"/>
+              </a:ext>
+            </a:extLst>
+          </p:cNvPr>
+          <p:cNvSpPr/>
+          <p:nvPr/>
+        </p:nvSpPr>
+        <p:spPr>
+          <a:xfrm>
+            <a:off x="2917147" y="4559148"/>
+            <a:ext cx="1196411" cy="1158626"/>
+          </a:xfrm>
+          <a:prstGeom prst="ellipse">
+            <a:avLst/>
+          </a:prstGeom>
+        </p:spPr>
+        <p:style>
+          <a:lnRef idx="2">
+            <a:schemeClr val="accent2">
+              <a:shade val="50000"/>
+            </a:schemeClr>
+          </a:lnRef>
+          <a:fillRef idx="1">
+            <a:schemeClr val="accent2"/>
+          </a:fillRef>
+          <a:effectRef idx="0">
+            <a:schemeClr val="accent2"/>
+          </a:effectRef>
+          <a:fontRef idx="minor">
+            <a:schemeClr val="lt1"/>
+          </a:fontRef>
+        </p:style>
+        <p:txBody>
+          <a:bodyPr rtlCol="0" anchor="ctr" anchorCtr="1"/>
+          <a:lstStyle/>
+          <a:p>
+            <a:pPr algn="ctr"/>
+            <a:r>
+              <a:rPr lang="en-US"/>
+              <a:t>ScaledObject</a:t>
+            </a:r>
+            <a:endParaRPr lang="en-US" dirty="0"/>
+          </a:p>
+        </p:txBody>
+      </p:sp>
+      <p:pic>
+        <p:nvPicPr>
+          <p:cNvPr id="11" name="queue" descr="A picture containing drawing&#10;&#10;Description automatically generated">
+            <a:extLst>
+              <a:ext uri="{FF2B5EF4-FFF2-40B4-BE49-F238E27FC236}">
+                <a16:creationId xmlns:a16="http://schemas.microsoft.com/office/drawing/2014/main" id="{BB6860C5-A612-C44B-8217-8121FFE2A390}"/>
+              </a:ext>
+            </a:extLst>
+          </p:cNvPr>
+          <p:cNvPicPr>
+            <a:picLocks noChangeAspect="1"/>
+          </p:cNvPicPr>
+          <p:nvPr/>
+        </p:nvPicPr>
+        <p:blipFill>
+          <a:blip r:embed="rId2">
+            <a:duotone>
+              <a:schemeClr val="accent6">
+                <a:shade val="45000"/>
+                <a:satMod val="135000"/>
+              </a:schemeClr>
+              <a:prstClr val="white"/>
+            </a:duotone>
+            <a:extLst>
+              <a:ext uri="{BEBA8EAE-BF5A-486C-A8C5-ECC9F3942E4B}">
+                <a14:imgProps xmlns:a14="http://schemas.microsoft.com/office/drawing/2010/main">
+                  <a14:imgLayer r:embed="rId3">
+                    <a14:imgEffect>
+                      <a14:artisticCutout/>
+                    </a14:imgEffect>
+                  </a14:imgLayer>
+                </a14:imgProps>
+              </a:ext>
+            </a:extLst>
+          </a:blip>
+          <a:stretch>
+            <a:fillRect/>
+          </a:stretch>
+        </p:blipFill>
+        <p:spPr>
+          <a:xfrm>
+            <a:off x="8601930" y="607411"/>
+            <a:ext cx="1191305" cy="1191305"/>
+          </a:xfrm>
+          <a:prstGeom prst="rect">
+            <a:avLst/>
+          </a:prstGeom>
+        </p:spPr>
+      </p:pic>
+      <p:pic>
+        <p:nvPicPr>
+          <p:cNvPr id="12" name="K8s logo" descr="Kubernetes - Wikipedia">
+            <a:extLst>
+              <a:ext uri="{FF2B5EF4-FFF2-40B4-BE49-F238E27FC236}">
+                <a16:creationId xmlns:a16="http://schemas.microsoft.com/office/drawing/2014/main" id="{3887F463-ACD4-1346-B765-EFF06E10AFE3}"/>
+              </a:ext>
+            </a:extLst>
+          </p:cNvPr>
+          <p:cNvPicPr>
+            <a:picLocks noChangeAspect="1" noChangeArrowheads="1"/>
+          </p:cNvPicPr>
+          <p:nvPr/>
+        </p:nvPicPr>
+        <p:blipFill>
+          <a:blip r:embed="rId4">
+            <a:extLst>
+              <a:ext uri="{28A0092B-C50C-407E-A947-70E740481C1C}">
+                <a14:useLocalDpi xmlns:a14="http://schemas.microsoft.com/office/drawing/2010/main" val="0"/>
+              </a:ext>
+            </a:extLst>
+          </a:blip>
+          <a:srcRect/>
+          <a:stretch>
+            <a:fillRect/>
+          </a:stretch>
+        </p:blipFill>
+        <p:spPr bwMode="auto">
+          <a:xfrm>
+            <a:off x="6923947" y="349624"/>
+            <a:ext cx="535159" cy="519525"/>
+          </a:xfrm>
+          <a:prstGeom prst="rect">
+            <a:avLst/>
+          </a:prstGeom>
+          <a:noFill/>
+          <a:extLst>
+            <a:ext uri="{909E8E84-426E-40DD-AFC4-6F175D3DCCD1}">
+              <a14:hiddenFill xmlns:a14="http://schemas.microsoft.com/office/drawing/2010/main">
+                <a:solidFill>
+                  <a:srgbClr val="FFFFFF"/>
+                </a:solidFill>
+              </a14:hiddenFill>
+            </a:ext>
+          </a:extLst>
+        </p:spPr>
+      </p:pic>
+      <p:sp>
+        <p:nvSpPr>
+          <p:cNvPr id="7" name="KEDA operator">
+            <a:extLst>
+              <a:ext uri="{FF2B5EF4-FFF2-40B4-BE49-F238E27FC236}">
+                <a16:creationId xmlns:a16="http://schemas.microsoft.com/office/drawing/2014/main" id="{3011F17D-3568-A14B-AEF5-7FC060455641}"/>
+              </a:ext>
+            </a:extLst>
+          </p:cNvPr>
+          <p:cNvSpPr/>
+          <p:nvPr/>
+        </p:nvSpPr>
+        <p:spPr>
+          <a:xfrm>
+            <a:off x="6262695" y="2540660"/>
+            <a:ext cx="1196411" cy="1330267"/>
+          </a:xfrm>
+          <a:prstGeom prst="rect">
+            <a:avLst/>
+          </a:prstGeom>
+        </p:spPr>
+        <p:style>
+          <a:lnRef idx="2">
+            <a:schemeClr val="accent2">
+              <a:shade val="50000"/>
+            </a:schemeClr>
+          </a:lnRef>
+          <a:fillRef idx="1">
+            <a:schemeClr val="accent2"/>
+          </a:fillRef>
+          <a:effectRef idx="0">
+            <a:schemeClr val="accent2"/>
+          </a:effectRef>
+          <a:fontRef idx="minor">
+            <a:schemeClr val="lt1"/>
+          </a:fontRef>
+        </p:style>
+        <p:txBody>
+          <a:bodyPr rtlCol="0" anchor="ctr" anchorCtr="1"/>
+          <a:lstStyle/>
+          <a:p>
+            <a:pPr algn="ctr"/>
+            <a:endParaRPr lang="en-US" dirty="0"/>
+          </a:p>
+        </p:txBody>
+      </p:sp>
+      <p:pic>
+        <p:nvPicPr>
+          <p:cNvPr id="13" name="KEDA logo">
+            <a:extLst>
+              <a:ext uri="{FF2B5EF4-FFF2-40B4-BE49-F238E27FC236}">
+                <a16:creationId xmlns:a16="http://schemas.microsoft.com/office/drawing/2014/main" id="{F26A7939-E93E-BA49-9C24-1A261D50F337}"/>
+              </a:ext>
+            </a:extLst>
+          </p:cNvPr>
+          <p:cNvPicPr>
+            <a:picLocks noChangeAspect="1" noChangeArrowheads="1"/>
+          </p:cNvPicPr>
+          <p:nvPr/>
+        </p:nvPicPr>
+        <p:blipFill>
+          <a:blip r:embed="rId5">
+            <a:extLst>
+              <a:ext uri="{28A0092B-C50C-407E-A947-70E740481C1C}">
+                <a14:useLocalDpi xmlns:a14="http://schemas.microsoft.com/office/drawing/2010/main" val="0"/>
+              </a:ext>
+            </a:extLst>
+          </a:blip>
+          <a:srcRect/>
+          <a:stretch>
+            <a:fillRect/>
+          </a:stretch>
+        </p:blipFill>
+        <p:spPr bwMode="auto">
+          <a:xfrm>
+            <a:off x="6482336" y="2980768"/>
+            <a:ext cx="757131" cy="295017"/>
+          </a:xfrm>
+          <a:prstGeom prst="rect">
+            <a:avLst/>
+          </a:prstGeom>
+          <a:noFill/>
+          <a:extLst>
+            <a:ext uri="{909E8E84-426E-40DD-AFC4-6F175D3DCCD1}">
+              <a14:hiddenFill xmlns:a14="http://schemas.microsoft.com/office/drawing/2010/main">
+                <a:solidFill>
+                  <a:srgbClr val="FFFFFF"/>
+                </a:solidFill>
+              </a14:hiddenFill>
+            </a:ext>
+          </a:extLst>
+        </p:spPr>
+      </p:pic>
+      <p:sp>
+        <p:nvSpPr>
+          <p:cNvPr id="14" name="Text Operator">
+            <a:extLst>
+              <a:ext uri="{FF2B5EF4-FFF2-40B4-BE49-F238E27FC236}">
+                <a16:creationId xmlns:a16="http://schemas.microsoft.com/office/drawing/2014/main" id="{CE8879E2-085A-4942-A33C-01270229D3F5}"/>
+              </a:ext>
+            </a:extLst>
+          </p:cNvPr>
+          <p:cNvSpPr txBox="1"/>
+          <p:nvPr/>
+        </p:nvSpPr>
+        <p:spPr>
+          <a:xfrm>
+            <a:off x="6343515" y="3235279"/>
+            <a:ext cx="1034770" cy="369332"/>
+          </a:xfrm>
+          <a:prstGeom prst="rect">
+            <a:avLst/>
+          </a:prstGeom>
+          <a:noFill/>
+        </p:spPr>
+        <p:txBody>
+          <a:bodyPr wrap="none" rtlCol="0">
+            <a:spAutoFit/>
+          </a:bodyPr>
+          <a:lstStyle/>
+          <a:p>
+            <a:r>
+              <a:rPr lang="en-US" dirty="0"/>
+              <a:t>Operator</a:t>
+            </a:r>
+          </a:p>
+        </p:txBody>
+      </p:sp>
+      <p:sp>
+        <p:nvSpPr>
+          <p:cNvPr id="16" name="hpa">
+            <a:extLst>
+              <a:ext uri="{FF2B5EF4-FFF2-40B4-BE49-F238E27FC236}">
+                <a16:creationId xmlns:a16="http://schemas.microsoft.com/office/drawing/2014/main" id="{B3BA1375-15CB-AA4E-93F5-EC9DDE8B0A99}"/>
+              </a:ext>
+            </a:extLst>
+          </p:cNvPr>
+          <p:cNvSpPr/>
+          <p:nvPr/>
+        </p:nvSpPr>
+        <p:spPr>
+          <a:xfrm>
+            <a:off x="926997" y="2846450"/>
+            <a:ext cx="864188" cy="843811"/>
+          </a:xfrm>
+          <a:prstGeom prst="ellipse">
+            <a:avLst/>
+          </a:prstGeom>
+          <a:solidFill>
+            <a:srgbClr val="316AE1"/>
+          </a:solidFill>
+        </p:spPr>
+        <p:style>
+          <a:lnRef idx="2">
+            <a:schemeClr val="accent1">
+              <a:shade val="50000"/>
+            </a:schemeClr>
+          </a:lnRef>
+          <a:fillRef idx="1">
+            <a:schemeClr val="accent1"/>
+          </a:fillRef>
+          <a:effectRef idx="0">
+            <a:schemeClr val="accent1"/>
+          </a:effectRef>
+          <a:fontRef idx="minor">
+            <a:schemeClr val="lt1"/>
+          </a:fontRef>
+        </p:style>
+        <p:txBody>
+          <a:bodyPr rtlCol="0" anchor="ctr"/>
+          <a:lstStyle/>
+          <a:p>
+            <a:pPr algn="ctr"/>
+            <a:r>
+              <a:rPr lang="en-US" dirty="0"/>
+              <a:t>HPA</a:t>
+            </a:r>
+          </a:p>
+        </p:txBody>
+      </p:sp>
+      <p:sp>
+        <p:nvSpPr>
+          <p:cNvPr id="17" name="Kube Controller">
+            <a:extLst>
+              <a:ext uri="{FF2B5EF4-FFF2-40B4-BE49-F238E27FC236}">
+                <a16:creationId xmlns:a16="http://schemas.microsoft.com/office/drawing/2014/main" id="{D84E5641-BF98-E24B-8255-81666D6EA61E}"/>
+              </a:ext>
+            </a:extLst>
+          </p:cNvPr>
+          <p:cNvSpPr/>
+          <p:nvPr/>
+        </p:nvSpPr>
+        <p:spPr>
+          <a:xfrm>
+            <a:off x="2917147" y="869149"/>
+            <a:ext cx="1304871" cy="850391"/>
+          </a:xfrm>
+          <a:prstGeom prst="rect">
+            <a:avLst/>
+          </a:prstGeom>
+          <a:solidFill>
+            <a:srgbClr val="316AE1"/>
+          </a:solidFill>
+        </p:spPr>
+        <p:style>
+          <a:lnRef idx="2">
+            <a:schemeClr val="accent1">
+              <a:shade val="50000"/>
+            </a:schemeClr>
+          </a:lnRef>
+          <a:fillRef idx="1">
+            <a:schemeClr val="accent1"/>
+          </a:fillRef>
+          <a:effectRef idx="0">
+            <a:schemeClr val="accent1"/>
+          </a:effectRef>
+          <a:fontRef idx="minor">
+            <a:schemeClr val="lt1"/>
+          </a:fontRef>
+        </p:style>
+        <p:txBody>
+          <a:bodyPr rtlCol="0" anchor="ctr"/>
+          <a:lstStyle/>
+          <a:p>
+            <a:pPr algn="ctr"/>
+            <a:r>
+              <a:rPr lang="en-US" dirty="0"/>
+              <a:t>Kubernetes Controllers</a:t>
+            </a:r>
+          </a:p>
+        </p:txBody>
+      </p:sp>
+      <p:pic>
+        <p:nvPicPr>
+          <p:cNvPr id="3" name="kubectl" descr="Captain">
+            <a:extLst>
+              <a:ext uri="{FF2B5EF4-FFF2-40B4-BE49-F238E27FC236}">
+                <a16:creationId xmlns:a16="http://schemas.microsoft.com/office/drawing/2014/main" id="{A49EA59F-653C-1A46-879F-81E0DDE5BF50}"/>
+              </a:ext>
+            </a:extLst>
+          </p:cNvPr>
+          <p:cNvPicPr>
+            <a:picLocks noChangeAspect="1"/>
+          </p:cNvPicPr>
+          <p:nvPr/>
+        </p:nvPicPr>
+        <p:blipFill>
+          <a:blip r:embed="rId6">
+            <a:extLst>
+              <a:ext uri="{96DAC541-7B7A-43D3-8B79-37D633B846F1}">
+                <asvg:svgBlip xmlns:asvg="http://schemas.microsoft.com/office/drawing/2016/SVG/main" r:embed="rId7"/>
+              </a:ext>
+            </a:extLst>
+          </a:blip>
+          <a:stretch>
+            <a:fillRect/>
+          </a:stretch>
+        </p:blipFill>
+        <p:spPr>
+          <a:xfrm>
+            <a:off x="7863851" y="4681261"/>
+            <a:ext cx="914400" cy="914400"/>
+          </a:xfrm>
+          <a:prstGeom prst="rect">
+            <a:avLst/>
+          </a:prstGeom>
+        </p:spPr>
+      </p:pic>
+      <p:cxnSp>
+        <p:nvCxnSpPr>
+          <p:cNvPr id="6" name="f kubectl t target" descr="Create Target">
+            <a:extLst>
+              <a:ext uri="{FF2B5EF4-FFF2-40B4-BE49-F238E27FC236}">
+                <a16:creationId xmlns:a16="http://schemas.microsoft.com/office/drawing/2014/main" id="{6BFBE3E5-A16E-BE49-82A0-1F8B2BA31DEA}"/>
+              </a:ext>
+            </a:extLst>
+          </p:cNvPr>
+          <p:cNvCxnSpPr>
+            <a:cxnSpLocks/>
+          </p:cNvCxnSpPr>
+          <p:nvPr/>
+        </p:nvCxnSpPr>
+        <p:spPr>
+          <a:xfrm flipH="1" flipV="1">
+            <a:off x="4113558" y="3165920"/>
+            <a:ext cx="3750296" cy="1773648"/>
+          </a:xfrm>
+          <a:prstGeom prst="straightConnector1">
+            <a:avLst/>
+          </a:prstGeom>
+          <a:ln w="19050">
+            <a:tailEnd type="triangle"/>
+          </a:ln>
+        </p:spPr>
+        <p:style>
+          <a:lnRef idx="1">
+            <a:schemeClr val="accent1"/>
+          </a:lnRef>
+          <a:fillRef idx="0">
+            <a:schemeClr val="accent1"/>
+          </a:fillRef>
+          <a:effectRef idx="0">
+            <a:schemeClr val="accent1"/>
+          </a:effectRef>
+          <a:fontRef idx="minor">
+            <a:schemeClr val="tx1"/>
+          </a:fontRef>
+        </p:style>
+      </p:cxnSp>
+      <p:cxnSp>
+        <p:nvCxnSpPr>
+          <p:cNvPr id="18" name="f kubectl t scaledobject">
+            <a:extLst>
+              <a:ext uri="{FF2B5EF4-FFF2-40B4-BE49-F238E27FC236}">
+                <a16:creationId xmlns:a16="http://schemas.microsoft.com/office/drawing/2014/main" id="{E34D6ADF-6B85-F44C-AD6C-9B0D993ED174}"/>
+              </a:ext>
+            </a:extLst>
+          </p:cNvPr>
+          <p:cNvCxnSpPr>
+            <a:cxnSpLocks/>
+          </p:cNvCxnSpPr>
+          <p:nvPr/>
+        </p:nvCxnSpPr>
+        <p:spPr>
+          <a:xfrm flipH="1">
+            <a:off x="4113558" y="5235996"/>
+            <a:ext cx="3611841" cy="0"/>
+          </a:xfrm>
+          <a:prstGeom prst="straightConnector1">
+            <a:avLst/>
+          </a:prstGeom>
+          <a:ln w="19050">
+            <a:tailEnd type="triangle"/>
+          </a:ln>
+        </p:spPr>
+        <p:style>
+          <a:lnRef idx="1">
+            <a:schemeClr val="accent1"/>
+          </a:lnRef>
+          <a:fillRef idx="0">
+            <a:schemeClr val="accent1"/>
+          </a:fillRef>
+          <a:effectRef idx="0">
+            <a:schemeClr val="accent1"/>
+          </a:effectRef>
+          <a:fontRef idx="minor">
+            <a:schemeClr val="tx1"/>
+          </a:fontRef>
+        </p:style>
+      </p:cxnSp>
+      <p:cxnSp>
+        <p:nvCxnSpPr>
+          <p:cNvPr id="19" name="f keda t scaledobject">
+            <a:extLst>
+              <a:ext uri="{FF2B5EF4-FFF2-40B4-BE49-F238E27FC236}">
+                <a16:creationId xmlns:a16="http://schemas.microsoft.com/office/drawing/2014/main" id="{78571CD0-531B-1046-8FC5-9D4B9973C12E}"/>
+              </a:ext>
+            </a:extLst>
+          </p:cNvPr>
+          <p:cNvCxnSpPr>
+            <a:cxnSpLocks/>
+          </p:cNvCxnSpPr>
+          <p:nvPr/>
+        </p:nvCxnSpPr>
+        <p:spPr>
+          <a:xfrm flipH="1">
+            <a:off x="4113558" y="3687447"/>
+            <a:ext cx="1982442" cy="1107049"/>
+          </a:xfrm>
+          <a:prstGeom prst="straightConnector1">
+            <a:avLst/>
+          </a:prstGeom>
+          <a:ln w="19050">
+            <a:tailEnd type="triangle"/>
+          </a:ln>
+        </p:spPr>
+        <p:style>
+          <a:lnRef idx="1">
+            <a:schemeClr val="accent1"/>
+          </a:lnRef>
+          <a:fillRef idx="0">
+            <a:schemeClr val="accent1"/>
+          </a:fillRef>
+          <a:effectRef idx="0">
+            <a:schemeClr val="accent1"/>
+          </a:effectRef>
+          <a:fontRef idx="minor">
+            <a:schemeClr val="tx1"/>
+          </a:fontRef>
+        </p:style>
+      </p:cxnSp>
+      <p:cxnSp>
+        <p:nvCxnSpPr>
+          <p:cNvPr id="24" name="f keda t hpa">
+            <a:extLst>
+              <a:ext uri="{FF2B5EF4-FFF2-40B4-BE49-F238E27FC236}">
+                <a16:creationId xmlns:a16="http://schemas.microsoft.com/office/drawing/2014/main" id="{29C1B618-ED74-DA4E-910B-4A831D319BA0}"/>
+              </a:ext>
+            </a:extLst>
+          </p:cNvPr>
+          <p:cNvCxnSpPr>
+            <a:cxnSpLocks/>
+          </p:cNvCxnSpPr>
+          <p:nvPr/>
+        </p:nvCxnSpPr>
+        <p:spPr>
+          <a:xfrm flipH="1" flipV="1">
+            <a:off x="1872005" y="3501272"/>
+            <a:ext cx="4300208" cy="28717"/>
+          </a:xfrm>
+          <a:prstGeom prst="straightConnector1">
+            <a:avLst/>
+          </a:prstGeom>
+          <a:ln w="19050">
+            <a:tailEnd type="triangle"/>
+          </a:ln>
+        </p:spPr>
+        <p:style>
+          <a:lnRef idx="1">
+            <a:schemeClr val="accent1"/>
+          </a:lnRef>
+          <a:fillRef idx="0">
+            <a:schemeClr val="accent1"/>
+          </a:fillRef>
+          <a:effectRef idx="0">
+            <a:schemeClr val="accent1"/>
+          </a:effectRef>
+          <a:fontRef idx="minor">
+            <a:schemeClr val="tx1"/>
+          </a:fontRef>
+        </p:style>
+      </p:cxnSp>
+      <p:cxnSp>
+        <p:nvCxnSpPr>
+          <p:cNvPr id="27" name="f keda t target">
+            <a:extLst>
+              <a:ext uri="{FF2B5EF4-FFF2-40B4-BE49-F238E27FC236}">
+                <a16:creationId xmlns:a16="http://schemas.microsoft.com/office/drawing/2014/main" id="{73037384-DF63-5A4E-9025-3897A31BD834}"/>
+              </a:ext>
+            </a:extLst>
+          </p:cNvPr>
+          <p:cNvCxnSpPr>
+            <a:cxnSpLocks/>
+          </p:cNvCxnSpPr>
+          <p:nvPr/>
+        </p:nvCxnSpPr>
+        <p:spPr>
+          <a:xfrm flipH="1">
+            <a:off x="4113558" y="3046711"/>
+            <a:ext cx="2049498" cy="0"/>
+          </a:xfrm>
+          <a:prstGeom prst="straightConnector1">
+            <a:avLst/>
+          </a:prstGeom>
+          <a:ln w="19050">
+            <a:tailEnd type="triangle"/>
+          </a:ln>
+        </p:spPr>
+        <p:style>
+          <a:lnRef idx="1">
+            <a:schemeClr val="accent1"/>
+          </a:lnRef>
+          <a:fillRef idx="0">
+            <a:schemeClr val="accent1"/>
+          </a:fillRef>
+          <a:effectRef idx="0">
+            <a:schemeClr val="accent1"/>
+          </a:effectRef>
+          <a:fontRef idx="minor">
+            <a:schemeClr val="tx1"/>
+          </a:fontRef>
+        </p:style>
+      </p:cxnSp>
+      <p:sp>
+        <p:nvSpPr>
+          <p:cNvPr id="30" name="TextBox 29">
+            <a:extLst>
+              <a:ext uri="{FF2B5EF4-FFF2-40B4-BE49-F238E27FC236}">
+                <a16:creationId xmlns:a16="http://schemas.microsoft.com/office/drawing/2014/main" id="{14BB70D9-01DF-CF48-BA08-44281E757484}"/>
+              </a:ext>
+            </a:extLst>
+          </p:cNvPr>
+          <p:cNvSpPr txBox="1"/>
+          <p:nvPr/>
+        </p:nvSpPr>
+        <p:spPr>
+          <a:xfrm>
+            <a:off x="4484078" y="2762128"/>
+            <a:ext cx="1504284" cy="338554"/>
+          </a:xfrm>
+          <a:prstGeom prst="rect">
+            <a:avLst/>
+          </a:prstGeom>
+          <a:noFill/>
+        </p:spPr>
+        <p:txBody>
+          <a:bodyPr wrap="square" rtlCol="0">
+            <a:spAutoFit/>
+          </a:bodyPr>
+          <a:lstStyle/>
+          <a:p>
+            <a:r>
+              <a:rPr lang="en-US" sz="1600" dirty="0"/>
+              <a:t>0 to 1 / 1 to 0</a:t>
+            </a:r>
+          </a:p>
+        </p:txBody>
+      </p:sp>
+      <p:cxnSp>
+        <p:nvCxnSpPr>
+          <p:cNvPr id="54" name="f keda t queue">
+            <a:extLst>
+              <a:ext uri="{FF2B5EF4-FFF2-40B4-BE49-F238E27FC236}">
+                <a16:creationId xmlns:a16="http://schemas.microsoft.com/office/drawing/2014/main" id="{F7E50F71-C4E2-1D4B-8374-2E7427CFF4F5}"/>
+              </a:ext>
+            </a:extLst>
+          </p:cNvPr>
+          <p:cNvCxnSpPr>
+            <a:cxnSpLocks/>
+          </p:cNvCxnSpPr>
+          <p:nvPr/>
+        </p:nvCxnSpPr>
+        <p:spPr>
+          <a:xfrm flipV="1">
+            <a:off x="7459106" y="1490472"/>
+            <a:ext cx="1142825" cy="1019355"/>
+          </a:xfrm>
+          <a:prstGeom prst="straightConnector1">
+            <a:avLst/>
+          </a:prstGeom>
+          <a:ln w="19050">
+            <a:tailEnd type="triangle"/>
+          </a:ln>
+        </p:spPr>
+        <p:style>
+          <a:lnRef idx="1">
+            <a:schemeClr val="accent1"/>
+          </a:lnRef>
+          <a:fillRef idx="0">
+            <a:schemeClr val="accent1"/>
+          </a:fillRef>
+          <a:effectRef idx="0">
+            <a:schemeClr val="accent1"/>
+          </a:effectRef>
+          <a:fontRef idx="minor">
+            <a:schemeClr val="tx1"/>
+          </a:fontRef>
+        </p:style>
+      </p:cxnSp>
+      <p:cxnSp>
+        <p:nvCxnSpPr>
+          <p:cNvPr id="20" name="f kube-controller t hpa">
+            <a:extLst>
+              <a:ext uri="{FF2B5EF4-FFF2-40B4-BE49-F238E27FC236}">
+                <a16:creationId xmlns:a16="http://schemas.microsoft.com/office/drawing/2014/main" id="{AE957F92-9FE3-924F-8D2E-6A36988151CC}"/>
+              </a:ext>
+            </a:extLst>
+          </p:cNvPr>
+          <p:cNvCxnSpPr>
+            <a:cxnSpLocks/>
+          </p:cNvCxnSpPr>
+          <p:nvPr/>
+        </p:nvCxnSpPr>
+        <p:spPr>
+          <a:xfrm flipH="1">
+            <a:off x="1649339" y="1598064"/>
+            <a:ext cx="1136590" cy="1164064"/>
+          </a:xfrm>
+          <a:prstGeom prst="straightConnector1">
+            <a:avLst/>
+          </a:prstGeom>
+          <a:ln w="19050">
+            <a:tailEnd type="triangle"/>
+          </a:ln>
+        </p:spPr>
+        <p:style>
+          <a:lnRef idx="1">
+            <a:schemeClr val="accent1"/>
+          </a:lnRef>
+          <a:fillRef idx="0">
+            <a:schemeClr val="accent1"/>
+          </a:fillRef>
+          <a:effectRef idx="0">
+            <a:schemeClr val="accent1"/>
+          </a:effectRef>
+          <a:fontRef idx="minor">
+            <a:schemeClr val="tx1"/>
+          </a:fontRef>
+        </p:style>
+      </p:cxnSp>
+      <p:cxnSp>
+        <p:nvCxnSpPr>
+          <p:cNvPr id="26" name="f kube-controller t keda">
+            <a:extLst>
+              <a:ext uri="{FF2B5EF4-FFF2-40B4-BE49-F238E27FC236}">
+                <a16:creationId xmlns:a16="http://schemas.microsoft.com/office/drawing/2014/main" id="{D7A96EEA-1FB1-EA42-9B9E-A77AB18ADDBB}"/>
+              </a:ext>
+            </a:extLst>
+          </p:cNvPr>
+          <p:cNvCxnSpPr>
+            <a:cxnSpLocks/>
+          </p:cNvCxnSpPr>
+          <p:nvPr/>
+        </p:nvCxnSpPr>
+        <p:spPr>
+          <a:xfrm>
+            <a:off x="4317023" y="1490472"/>
+            <a:ext cx="1846033" cy="944997"/>
+          </a:xfrm>
+          <a:prstGeom prst="straightConnector1">
+            <a:avLst/>
+          </a:prstGeom>
+          <a:ln w="19050">
+            <a:tailEnd type="triangle"/>
+          </a:ln>
+        </p:spPr>
+        <p:style>
+          <a:lnRef idx="1">
+            <a:schemeClr val="accent1"/>
+          </a:lnRef>
+          <a:fillRef idx="0">
+            <a:schemeClr val="accent1"/>
+          </a:fillRef>
+          <a:effectRef idx="0">
+            <a:schemeClr val="accent1"/>
+          </a:effectRef>
+          <a:fontRef idx="minor">
+            <a:schemeClr val="tx1"/>
+          </a:fontRef>
+        </p:style>
+      </p:cxnSp>
+      <p:cxnSp>
+        <p:nvCxnSpPr>
+          <p:cNvPr id="29" name="f kube-controller t keda">
+            <a:extLst>
+              <a:ext uri="{FF2B5EF4-FFF2-40B4-BE49-F238E27FC236}">
+                <a16:creationId xmlns:a16="http://schemas.microsoft.com/office/drawing/2014/main" id="{A80E60B8-C3DF-D246-95C0-FC7BFEAAB6E2}"/>
+              </a:ext>
+            </a:extLst>
+          </p:cNvPr>
+          <p:cNvCxnSpPr>
+            <a:cxnSpLocks/>
+          </p:cNvCxnSpPr>
+          <p:nvPr/>
+        </p:nvCxnSpPr>
+        <p:spPr>
+          <a:xfrm>
+            <a:off x="3569676" y="1798716"/>
+            <a:ext cx="0" cy="636753"/>
+          </a:xfrm>
+          <a:prstGeom prst="straightConnector1">
+            <a:avLst/>
+          </a:prstGeom>
+          <a:ln w="19050">
+            <a:tailEnd type="triangle"/>
+          </a:ln>
+        </p:spPr>
+        <p:style>
+          <a:lnRef idx="1">
+            <a:schemeClr val="accent1"/>
+          </a:lnRef>
+          <a:fillRef idx="0">
+            <a:schemeClr val="accent1"/>
+          </a:fillRef>
+          <a:effectRef idx="0">
+            <a:schemeClr val="accent1"/>
+          </a:effectRef>
+          <a:fontRef idx="minor">
+            <a:schemeClr val="tx1"/>
+          </a:fontRef>
+        </p:style>
+      </p:cxnSp>
+      <p:sp>
+        <p:nvSpPr>
+          <p:cNvPr id="33" name="text 1 to more">
+            <a:extLst>
+              <a:ext uri="{FF2B5EF4-FFF2-40B4-BE49-F238E27FC236}">
+                <a16:creationId xmlns:a16="http://schemas.microsoft.com/office/drawing/2014/main" id="{75B8D7EA-8044-7545-ACDC-6EE16C626637}"/>
+              </a:ext>
+            </a:extLst>
+          </p:cNvPr>
+          <p:cNvSpPr txBox="1"/>
+          <p:nvPr/>
+        </p:nvSpPr>
+        <p:spPr>
+          <a:xfrm>
+            <a:off x="2638040" y="1904692"/>
+            <a:ext cx="2049497" cy="338554"/>
+          </a:xfrm>
+          <a:prstGeom prst="rect">
+            <a:avLst/>
+          </a:prstGeom>
+          <a:noFill/>
+        </p:spPr>
+        <p:txBody>
+          <a:bodyPr wrap="square" rtlCol="0">
+            <a:spAutoFit/>
+          </a:bodyPr>
+          <a:lstStyle/>
+          <a:p>
+            <a:r>
+              <a:rPr lang="en-US" sz="1600" dirty="0"/>
+              <a:t>1 to more / more to 1</a:t>
+            </a:r>
+          </a:p>
+        </p:txBody>
+      </p:sp>
+    </p:spTree>
+    <p:extLst>
+      <p:ext uri="{BB962C8B-B14F-4D97-AF65-F5344CB8AC3E}">
+        <p14:creationId xmlns:p14="http://schemas.microsoft.com/office/powerpoint/2010/main" val="3157645717"/>
+      </p:ext>
+    </p:extLst>
+  </p:cSld>
+  <p:clrMapOvr>
+    <a:masterClrMapping/>
+  </p:clrMapOvr>
+  <p:timing>
+    <p:tnLst>
+      <p:par>
+        <p:cTn id="1" dur="indefinite" restart="never" nodeType="tmRoot">
+          <p:childTnLst>
+            <p:seq concurrent="1" nextAc="seek">
+              <p:cTn id="2" dur="indefinite" nodeType="mainSeq">
+                <p:childTnLst>
+                  <p:par>
+                    <p:cTn id="3" fill="hold">
+                      <p:stCondLst>
+                        <p:cond delay="indefinite"/>
+                      </p:stCondLst>
+                      <p:childTnLst>
+                        <p:par>
+                          <p:cTn id="4" fill="hold">
+                            <p:stCondLst>
+                              <p:cond delay="0"/>
+                            </p:stCondLst>
+                            <p:childTnLst>
+                              <p:par>
+                                <p:cTn id="5" presetID="10" presetClass="entr" presetSubtype="0" fill="hold" grpId="0" nodeType="clickEffect">
+                                  <p:stCondLst>
+                                    <p:cond delay="0"/>
+                                  </p:stCondLst>
+                                  <p:childTnLst>
+                                    <p:set>
+                                      <p:cBhvr>
+                                        <p:cTn id="6" dur="1" fill="hold">
+                                          <p:stCondLst>
+                                            <p:cond delay="0"/>
+                                          </p:stCondLst>
+                                        </p:cTn>
+                                        <p:tgtEl>
+                                          <p:spTgt spid="9"/>
+                                        </p:tgtEl>
+                                        <p:attrNameLst>
+                                          <p:attrName>style.visibility</p:attrName>
+                                        </p:attrNameLst>
+                                      </p:cBhvr>
+                                      <p:to>
+                                        <p:strVal val="visible"/>
+                                      </p:to>
+                                    </p:set>
+                                    <p:animEffect transition="in" filter="fade">
+                                      <p:cBhvr>
+                                        <p:cTn id="7" dur="500"/>
+                                        <p:tgtEl>
+                                          <p:spTgt spid="9"/>
+                                        </p:tgtEl>
+                                      </p:cBhvr>
+                                    </p:animEffect>
+                                  </p:childTnLst>
+                                </p:cTn>
+                              </p:par>
+                              <p:par>
+                                <p:cTn id="8" presetID="10" presetClass="entr" presetSubtype="0" fill="hold" nodeType="withEffect">
+                                  <p:stCondLst>
+                                    <p:cond delay="0"/>
+                                  </p:stCondLst>
+                                  <p:childTnLst>
+                                    <p:set>
+                                      <p:cBhvr>
+                                        <p:cTn id="9" dur="1" fill="hold">
+                                          <p:stCondLst>
+                                            <p:cond delay="0"/>
+                                          </p:stCondLst>
+                                        </p:cTn>
+                                        <p:tgtEl>
+                                          <p:spTgt spid="6"/>
+                                        </p:tgtEl>
+                                        <p:attrNameLst>
+                                          <p:attrName>style.visibility</p:attrName>
+                                        </p:attrNameLst>
+                                      </p:cBhvr>
+                                      <p:to>
+                                        <p:strVal val="visible"/>
+                                      </p:to>
+                                    </p:set>
+                                    <p:animEffect transition="in" filter="fade">
+                                      <p:cBhvr>
+                                        <p:cTn id="10" dur="500"/>
+                                        <p:tgtEl>
+                                          <p:spTgt spid="6"/>
+                                        </p:tgtEl>
+                                      </p:cBhvr>
+                                    </p:animEffect>
+                                  </p:childTnLst>
+                                </p:cTn>
+                              </p:par>
+                            </p:childTnLst>
+                          </p:cTn>
+                        </p:par>
+                      </p:childTnLst>
+                    </p:cTn>
+                  </p:par>
+                  <p:par>
+                    <p:cTn id="11" fill="hold">
+                      <p:stCondLst>
+                        <p:cond delay="indefinite"/>
+                      </p:stCondLst>
+                      <p:childTnLst>
+                        <p:par>
+                          <p:cTn id="12" fill="hold">
+                            <p:stCondLst>
+                              <p:cond delay="0"/>
+                            </p:stCondLst>
+                            <p:childTnLst>
+                              <p:par>
+                                <p:cTn id="13" presetID="1" presetClass="exit" presetSubtype="0" fill="hold" nodeType="clickEffect">
+                                  <p:stCondLst>
+                                    <p:cond delay="0"/>
+                                  </p:stCondLst>
+                                  <p:childTnLst>
+                                    <p:set>
+                                      <p:cBhvr>
+                                        <p:cTn id="14" dur="1" fill="hold">
+                                          <p:stCondLst>
+                                            <p:cond delay="0"/>
+                                          </p:stCondLst>
+                                        </p:cTn>
+                                        <p:tgtEl>
+                                          <p:spTgt spid="6"/>
+                                        </p:tgtEl>
+                                        <p:attrNameLst>
+                                          <p:attrName>style.visibility</p:attrName>
+                                        </p:attrNameLst>
+                                      </p:cBhvr>
+                                      <p:to>
+                                        <p:strVal val="hidden"/>
+                                      </p:to>
+                                    </p:set>
+                                  </p:childTnLst>
+                                </p:cTn>
+                              </p:par>
+                              <p:par>
+                                <p:cTn id="15" presetID="10" presetClass="entr" presetSubtype="0" fill="hold" grpId="0" nodeType="withEffect">
+                                  <p:stCondLst>
+                                    <p:cond delay="0"/>
+                                  </p:stCondLst>
+                                  <p:childTnLst>
+                                    <p:set>
+                                      <p:cBhvr>
+                                        <p:cTn id="16" dur="1" fill="hold">
+                                          <p:stCondLst>
+                                            <p:cond delay="0"/>
+                                          </p:stCondLst>
+                                        </p:cTn>
+                                        <p:tgtEl>
+                                          <p:spTgt spid="10"/>
+                                        </p:tgtEl>
+                                        <p:attrNameLst>
+                                          <p:attrName>style.visibility</p:attrName>
+                                        </p:attrNameLst>
+                                      </p:cBhvr>
+                                      <p:to>
+                                        <p:strVal val="visible"/>
+                                      </p:to>
+                                    </p:set>
+                                    <p:animEffect transition="in" filter="fade">
+                                      <p:cBhvr>
+                                        <p:cTn id="17" dur="500"/>
+                                        <p:tgtEl>
+                                          <p:spTgt spid="10"/>
+                                        </p:tgtEl>
+                                      </p:cBhvr>
+                                    </p:animEffect>
+                                  </p:childTnLst>
+                                </p:cTn>
+                              </p:par>
+                              <p:par>
+                                <p:cTn id="18" presetID="10" presetClass="entr" presetSubtype="0" fill="hold" nodeType="withEffect">
+                                  <p:stCondLst>
+                                    <p:cond delay="0"/>
+                                  </p:stCondLst>
+                                  <p:childTnLst>
+                                    <p:set>
+                                      <p:cBhvr>
+                                        <p:cTn id="19" dur="1" fill="hold">
+                                          <p:stCondLst>
+                                            <p:cond delay="0"/>
+                                          </p:stCondLst>
+                                        </p:cTn>
+                                        <p:tgtEl>
+                                          <p:spTgt spid="18"/>
+                                        </p:tgtEl>
+                                        <p:attrNameLst>
+                                          <p:attrName>style.visibility</p:attrName>
+                                        </p:attrNameLst>
+                                      </p:cBhvr>
+                                      <p:to>
+                                        <p:strVal val="visible"/>
+                                      </p:to>
+                                    </p:set>
+                                    <p:animEffect transition="in" filter="fade">
+                                      <p:cBhvr>
+                                        <p:cTn id="20" dur="500"/>
+                                        <p:tgtEl>
+                                          <p:spTgt spid="18"/>
+                                        </p:tgtEl>
+                                      </p:cBhvr>
+                                    </p:animEffect>
+                                  </p:childTnLst>
+                                </p:cTn>
+                              </p:par>
+                            </p:childTnLst>
+                          </p:cTn>
+                        </p:par>
+                      </p:childTnLst>
+                    </p:cTn>
+                  </p:par>
+                  <p:par>
+                    <p:cTn id="21" fill="hold">
+                      <p:stCondLst>
+                        <p:cond delay="indefinite"/>
+                      </p:stCondLst>
+                      <p:childTnLst>
+                        <p:par>
+                          <p:cTn id="22" fill="hold">
+                            <p:stCondLst>
+                              <p:cond delay="0"/>
+                            </p:stCondLst>
+                            <p:childTnLst>
+                              <p:par>
+                                <p:cTn id="23" presetID="1" presetClass="exit" presetSubtype="0" fill="hold" nodeType="clickEffect">
+                                  <p:stCondLst>
+                                    <p:cond delay="0"/>
+                                  </p:stCondLst>
+                                  <p:childTnLst>
+                                    <p:set>
+                                      <p:cBhvr>
+                                        <p:cTn id="24" dur="1" fill="hold">
+                                          <p:stCondLst>
+                                            <p:cond delay="0"/>
+                                          </p:stCondLst>
+                                        </p:cTn>
+                                        <p:tgtEl>
+                                          <p:spTgt spid="18"/>
+                                        </p:tgtEl>
+                                        <p:attrNameLst>
+                                          <p:attrName>style.visibility</p:attrName>
+                                        </p:attrNameLst>
+                                      </p:cBhvr>
+                                      <p:to>
+                                        <p:strVal val="hidden"/>
+                                      </p:to>
+                                    </p:set>
+                                  </p:childTnLst>
+                                </p:cTn>
+                              </p:par>
+                              <p:par>
+                                <p:cTn id="25" presetID="10" presetClass="entr" presetSubtype="0" fill="hold" nodeType="withEffect">
+                                  <p:stCondLst>
+                                    <p:cond delay="0"/>
+                                  </p:stCondLst>
+                                  <p:childTnLst>
+                                    <p:set>
+                                      <p:cBhvr>
+                                        <p:cTn id="26" dur="1" fill="hold">
+                                          <p:stCondLst>
+                                            <p:cond delay="0"/>
+                                          </p:stCondLst>
+                                        </p:cTn>
+                                        <p:tgtEl>
+                                          <p:spTgt spid="19"/>
+                                        </p:tgtEl>
+                                        <p:attrNameLst>
+                                          <p:attrName>style.visibility</p:attrName>
+                                        </p:attrNameLst>
+                                      </p:cBhvr>
+                                      <p:to>
+                                        <p:strVal val="visible"/>
+                                      </p:to>
+                                    </p:set>
+                                    <p:animEffect transition="in" filter="fade">
+                                      <p:cBhvr>
+                                        <p:cTn id="27" dur="500"/>
+                                        <p:tgtEl>
+                                          <p:spTgt spid="19"/>
+                                        </p:tgtEl>
+                                      </p:cBhvr>
+                                    </p:animEffect>
+                                  </p:childTnLst>
+                                </p:cTn>
+                              </p:par>
+                            </p:childTnLst>
+                          </p:cTn>
+                        </p:par>
+                      </p:childTnLst>
+                    </p:cTn>
+                  </p:par>
+                  <p:par>
+                    <p:cTn id="28" fill="hold">
+                      <p:stCondLst>
+                        <p:cond delay="indefinite"/>
+                      </p:stCondLst>
+                      <p:childTnLst>
+                        <p:par>
+                          <p:cTn id="29" fill="hold">
+                            <p:stCondLst>
+                              <p:cond delay="0"/>
+                            </p:stCondLst>
+                            <p:childTnLst>
+                              <p:par>
+                                <p:cTn id="30" presetID="10" presetClass="entr" presetSubtype="0" fill="hold" grpId="0" nodeType="clickEffect">
+                                  <p:stCondLst>
+                                    <p:cond delay="0"/>
+                                  </p:stCondLst>
+                                  <p:childTnLst>
+                                    <p:set>
+                                      <p:cBhvr>
+                                        <p:cTn id="31" dur="1" fill="hold">
+                                          <p:stCondLst>
+                                            <p:cond delay="0"/>
+                                          </p:stCondLst>
+                                        </p:cTn>
+                                        <p:tgtEl>
+                                          <p:spTgt spid="16"/>
+                                        </p:tgtEl>
+                                        <p:attrNameLst>
+                                          <p:attrName>style.visibility</p:attrName>
+                                        </p:attrNameLst>
+                                      </p:cBhvr>
+                                      <p:to>
+                                        <p:strVal val="visible"/>
+                                      </p:to>
+                                    </p:set>
+                                    <p:animEffect transition="in" filter="fade">
+                                      <p:cBhvr>
+                                        <p:cTn id="32" dur="500"/>
+                                        <p:tgtEl>
+                                          <p:spTgt spid="16"/>
+                                        </p:tgtEl>
+                                      </p:cBhvr>
+                                    </p:animEffect>
+                                  </p:childTnLst>
+                                </p:cTn>
+                              </p:par>
+                              <p:par>
+                                <p:cTn id="33" presetID="10" presetClass="entr" presetSubtype="0" fill="hold" nodeType="withEffect">
+                                  <p:stCondLst>
+                                    <p:cond delay="0"/>
+                                  </p:stCondLst>
+                                  <p:childTnLst>
+                                    <p:set>
+                                      <p:cBhvr>
+                                        <p:cTn id="34" dur="1" fill="hold">
+                                          <p:stCondLst>
+                                            <p:cond delay="0"/>
+                                          </p:stCondLst>
+                                        </p:cTn>
+                                        <p:tgtEl>
+                                          <p:spTgt spid="24"/>
+                                        </p:tgtEl>
+                                        <p:attrNameLst>
+                                          <p:attrName>style.visibility</p:attrName>
+                                        </p:attrNameLst>
+                                      </p:cBhvr>
+                                      <p:to>
+                                        <p:strVal val="visible"/>
+                                      </p:to>
+                                    </p:set>
+                                    <p:animEffect transition="in" filter="fade">
+                                      <p:cBhvr>
+                                        <p:cTn id="35" dur="500"/>
+                                        <p:tgtEl>
+                                          <p:spTgt spid="24"/>
+                                        </p:tgtEl>
+                                      </p:cBhvr>
+                                    </p:animEffect>
+                                  </p:childTnLst>
+                                </p:cTn>
+                              </p:par>
+                              <p:par>
+                                <p:cTn id="36" presetID="1" presetClass="exit" presetSubtype="0" fill="hold" nodeType="withEffect">
+                                  <p:stCondLst>
+                                    <p:cond delay="0"/>
+                                  </p:stCondLst>
+                                  <p:childTnLst>
+                                    <p:set>
+                                      <p:cBhvr>
+                                        <p:cTn id="37" dur="1" fill="hold">
+                                          <p:stCondLst>
+                                            <p:cond delay="0"/>
+                                          </p:stCondLst>
+                                        </p:cTn>
+                                        <p:tgtEl>
+                                          <p:spTgt spid="19"/>
+                                        </p:tgtEl>
+                                        <p:attrNameLst>
+                                          <p:attrName>style.visibility</p:attrName>
+                                        </p:attrNameLst>
+                                      </p:cBhvr>
+                                      <p:to>
+                                        <p:strVal val="hidden"/>
+                                      </p:to>
+                                    </p:set>
+                                  </p:childTnLst>
+                                </p:cTn>
+                              </p:par>
+                            </p:childTnLst>
+                          </p:cTn>
+                        </p:par>
+                      </p:childTnLst>
+                    </p:cTn>
+                  </p:par>
+                  <p:par>
+                    <p:cTn id="38" fill="hold">
+                      <p:stCondLst>
+                        <p:cond delay="indefinite"/>
+                      </p:stCondLst>
+                      <p:childTnLst>
+                        <p:par>
+                          <p:cTn id="39" fill="hold">
+                            <p:stCondLst>
+                              <p:cond delay="0"/>
+                            </p:stCondLst>
+                            <p:childTnLst>
+                              <p:par>
+                                <p:cTn id="40" presetID="10" presetClass="entr" presetSubtype="0" fill="hold" nodeType="clickEffect">
+                                  <p:stCondLst>
+                                    <p:cond delay="0"/>
+                                  </p:stCondLst>
+                                  <p:childTnLst>
+                                    <p:set>
+                                      <p:cBhvr>
+                                        <p:cTn id="41" dur="1" fill="hold">
+                                          <p:stCondLst>
+                                            <p:cond delay="0"/>
+                                          </p:stCondLst>
+                                        </p:cTn>
+                                        <p:tgtEl>
+                                          <p:spTgt spid="54"/>
+                                        </p:tgtEl>
+                                        <p:attrNameLst>
+                                          <p:attrName>style.visibility</p:attrName>
+                                        </p:attrNameLst>
+                                      </p:cBhvr>
+                                      <p:to>
+                                        <p:strVal val="visible"/>
+                                      </p:to>
+                                    </p:set>
+                                    <p:animEffect transition="in" filter="fade">
+                                      <p:cBhvr>
+                                        <p:cTn id="42" dur="500"/>
+                                        <p:tgtEl>
+                                          <p:spTgt spid="54"/>
+                                        </p:tgtEl>
+                                      </p:cBhvr>
+                                    </p:animEffect>
+                                  </p:childTnLst>
+                                </p:cTn>
+                              </p:par>
+                              <p:par>
+                                <p:cTn id="43" presetID="1" presetClass="exit" presetSubtype="0" fill="hold" nodeType="withEffect">
+                                  <p:stCondLst>
+                                    <p:cond delay="0"/>
+                                  </p:stCondLst>
+                                  <p:childTnLst>
+                                    <p:set>
+                                      <p:cBhvr>
+                                        <p:cTn id="44" dur="1" fill="hold">
+                                          <p:stCondLst>
+                                            <p:cond delay="0"/>
+                                          </p:stCondLst>
+                                        </p:cTn>
+                                        <p:tgtEl>
+                                          <p:spTgt spid="24"/>
+                                        </p:tgtEl>
+                                        <p:attrNameLst>
+                                          <p:attrName>style.visibility</p:attrName>
+                                        </p:attrNameLst>
+                                      </p:cBhvr>
+                                      <p:to>
+                                        <p:strVal val="hidden"/>
+                                      </p:to>
+                                    </p:set>
+                                  </p:childTnLst>
+                                </p:cTn>
+                              </p:par>
+                            </p:childTnLst>
+                          </p:cTn>
+                        </p:par>
+                      </p:childTnLst>
+                    </p:cTn>
+                  </p:par>
+                  <p:par>
+                    <p:cTn id="45" fill="hold">
+                      <p:stCondLst>
+                        <p:cond delay="indefinite"/>
+                      </p:stCondLst>
+                      <p:childTnLst>
+                        <p:par>
+                          <p:cTn id="46" fill="hold">
+                            <p:stCondLst>
+                              <p:cond delay="0"/>
+                            </p:stCondLst>
+                            <p:childTnLst>
+                              <p:par>
+                                <p:cTn id="47" presetID="10" presetClass="entr" presetSubtype="0" fill="hold" nodeType="clickEffect">
+                                  <p:stCondLst>
+                                    <p:cond delay="0"/>
+                                  </p:stCondLst>
+                                  <p:childTnLst>
+                                    <p:set>
+                                      <p:cBhvr>
+                                        <p:cTn id="48" dur="1" fill="hold">
+                                          <p:stCondLst>
+                                            <p:cond delay="0"/>
+                                          </p:stCondLst>
+                                        </p:cTn>
+                                        <p:tgtEl>
+                                          <p:spTgt spid="27"/>
+                                        </p:tgtEl>
+                                        <p:attrNameLst>
+                                          <p:attrName>style.visibility</p:attrName>
+                                        </p:attrNameLst>
+                                      </p:cBhvr>
+                                      <p:to>
+                                        <p:strVal val="visible"/>
+                                      </p:to>
+                                    </p:set>
+                                    <p:animEffect transition="in" filter="fade">
+                                      <p:cBhvr>
+                                        <p:cTn id="49" dur="500"/>
+                                        <p:tgtEl>
+                                          <p:spTgt spid="27"/>
+                                        </p:tgtEl>
+                                      </p:cBhvr>
+                                    </p:animEffect>
+                                  </p:childTnLst>
+                                </p:cTn>
+                              </p:par>
+                              <p:par>
+                                <p:cTn id="50" presetID="10" presetClass="entr" presetSubtype="0" fill="hold" grpId="0" nodeType="withEffect">
+                                  <p:stCondLst>
+                                    <p:cond delay="0"/>
+                                  </p:stCondLst>
+                                  <p:childTnLst>
+                                    <p:set>
+                                      <p:cBhvr>
+                                        <p:cTn id="51" dur="1" fill="hold">
+                                          <p:stCondLst>
+                                            <p:cond delay="0"/>
+                                          </p:stCondLst>
+                                        </p:cTn>
+                                        <p:tgtEl>
+                                          <p:spTgt spid="30"/>
+                                        </p:tgtEl>
+                                        <p:attrNameLst>
+                                          <p:attrName>style.visibility</p:attrName>
+                                        </p:attrNameLst>
+                                      </p:cBhvr>
+                                      <p:to>
+                                        <p:strVal val="visible"/>
+                                      </p:to>
+                                    </p:set>
+                                    <p:animEffect transition="in" filter="fade">
+                                      <p:cBhvr>
+                                        <p:cTn id="52" dur="500"/>
+                                        <p:tgtEl>
+                                          <p:spTgt spid="30"/>
+                                        </p:tgtEl>
+                                      </p:cBhvr>
+                                    </p:animEffect>
+                                  </p:childTnLst>
+                                </p:cTn>
+                              </p:par>
+                            </p:childTnLst>
+                          </p:cTn>
+                        </p:par>
+                      </p:childTnLst>
+                    </p:cTn>
+                  </p:par>
+                  <p:par>
+                    <p:cTn id="53" fill="hold">
+                      <p:stCondLst>
+                        <p:cond delay="indefinite"/>
+                      </p:stCondLst>
+                      <p:childTnLst>
+                        <p:par>
+                          <p:cTn id="54" fill="hold">
+                            <p:stCondLst>
+                              <p:cond delay="0"/>
+                            </p:stCondLst>
+                            <p:childTnLst>
+                              <p:par>
+                                <p:cTn id="55" presetID="10" presetClass="entr" presetSubtype="0" fill="hold" nodeType="clickEffect">
+                                  <p:stCondLst>
+                                    <p:cond delay="0"/>
+                                  </p:stCondLst>
+                                  <p:childTnLst>
+                                    <p:set>
+                                      <p:cBhvr>
+                                        <p:cTn id="56" dur="1" fill="hold">
+                                          <p:stCondLst>
+                                            <p:cond delay="0"/>
+                                          </p:stCondLst>
+                                        </p:cTn>
+                                        <p:tgtEl>
+                                          <p:spTgt spid="20"/>
+                                        </p:tgtEl>
+                                        <p:attrNameLst>
+                                          <p:attrName>style.visibility</p:attrName>
+                                        </p:attrNameLst>
+                                      </p:cBhvr>
+                                      <p:to>
+                                        <p:strVal val="visible"/>
+                                      </p:to>
+                                    </p:set>
+                                    <p:animEffect transition="in" filter="fade">
+                                      <p:cBhvr>
+                                        <p:cTn id="57" dur="500"/>
+                                        <p:tgtEl>
+                                          <p:spTgt spid="20"/>
+                                        </p:tgtEl>
+                                      </p:cBhvr>
+                                    </p:animEffect>
+                                  </p:childTnLst>
+                                </p:cTn>
+                              </p:par>
+                            </p:childTnLst>
+                          </p:cTn>
+                        </p:par>
+                      </p:childTnLst>
+                    </p:cTn>
+                  </p:par>
+                  <p:par>
+                    <p:cTn id="58" fill="hold">
+                      <p:stCondLst>
+                        <p:cond delay="indefinite"/>
+                      </p:stCondLst>
+                      <p:childTnLst>
+                        <p:par>
+                          <p:cTn id="59" fill="hold">
+                            <p:stCondLst>
+                              <p:cond delay="0"/>
+                            </p:stCondLst>
+                            <p:childTnLst>
+                              <p:par>
+                                <p:cTn id="60" presetID="10" presetClass="entr" presetSubtype="0" fill="hold" nodeType="clickEffect">
+                                  <p:stCondLst>
+                                    <p:cond delay="0"/>
+                                  </p:stCondLst>
+                                  <p:childTnLst>
+                                    <p:set>
+                                      <p:cBhvr>
+                                        <p:cTn id="61" dur="1" fill="hold">
+                                          <p:stCondLst>
+                                            <p:cond delay="0"/>
+                                          </p:stCondLst>
+                                        </p:cTn>
+                                        <p:tgtEl>
+                                          <p:spTgt spid="26"/>
+                                        </p:tgtEl>
+                                        <p:attrNameLst>
+                                          <p:attrName>style.visibility</p:attrName>
+                                        </p:attrNameLst>
+                                      </p:cBhvr>
+                                      <p:to>
+                                        <p:strVal val="visible"/>
+                                      </p:to>
+                                    </p:set>
+                                    <p:animEffect transition="in" filter="fade">
+                                      <p:cBhvr>
+                                        <p:cTn id="62" dur="500"/>
+                                        <p:tgtEl>
+                                          <p:spTgt spid="26"/>
+                                        </p:tgtEl>
+                                      </p:cBhvr>
+                                    </p:animEffect>
+                                  </p:childTnLst>
+                                </p:cTn>
+                              </p:par>
+                            </p:childTnLst>
+                          </p:cTn>
+                        </p:par>
+                      </p:childTnLst>
+                    </p:cTn>
+                  </p:par>
+                  <p:par>
+                    <p:cTn id="63" fill="hold">
+                      <p:stCondLst>
+                        <p:cond delay="indefinite"/>
+                      </p:stCondLst>
+                      <p:childTnLst>
+                        <p:par>
+                          <p:cTn id="64" fill="hold">
+                            <p:stCondLst>
+                              <p:cond delay="0"/>
+                            </p:stCondLst>
+                            <p:childTnLst>
+                              <p:par>
+                                <p:cTn id="65" presetID="10" presetClass="entr" presetSubtype="0" fill="hold" nodeType="clickEffect">
+                                  <p:stCondLst>
+                                    <p:cond delay="0"/>
+                                  </p:stCondLst>
+                                  <p:childTnLst>
+                                    <p:set>
+                                      <p:cBhvr>
+                                        <p:cTn id="66" dur="1" fill="hold">
+                                          <p:stCondLst>
+                                            <p:cond delay="0"/>
+                                          </p:stCondLst>
+                                        </p:cTn>
+                                        <p:tgtEl>
+                                          <p:spTgt spid="29"/>
+                                        </p:tgtEl>
+                                        <p:attrNameLst>
+                                          <p:attrName>style.visibility</p:attrName>
+                                        </p:attrNameLst>
+                                      </p:cBhvr>
+                                      <p:to>
+                                        <p:strVal val="visible"/>
+                                      </p:to>
+                                    </p:set>
+                                    <p:animEffect transition="in" filter="fade">
+                                      <p:cBhvr>
+                                        <p:cTn id="67" dur="500"/>
+                                        <p:tgtEl>
+                                          <p:spTgt spid="29"/>
+                                        </p:tgtEl>
+                                      </p:cBhvr>
+                                    </p:animEffect>
+                                  </p:childTnLst>
+                                </p:cTn>
+                              </p:par>
+                              <p:par>
+                                <p:cTn id="68" presetID="10" presetClass="entr" presetSubtype="0" fill="hold" grpId="0" nodeType="withEffect">
+                                  <p:stCondLst>
+                                    <p:cond delay="0"/>
+                                  </p:stCondLst>
+                                  <p:childTnLst>
+                                    <p:set>
+                                      <p:cBhvr>
+                                        <p:cTn id="69" dur="1" fill="hold">
+                                          <p:stCondLst>
+                                            <p:cond delay="0"/>
+                                          </p:stCondLst>
+                                        </p:cTn>
+                                        <p:tgtEl>
+                                          <p:spTgt spid="33"/>
+                                        </p:tgtEl>
+                                        <p:attrNameLst>
+                                          <p:attrName>style.visibility</p:attrName>
+                                        </p:attrNameLst>
+                                      </p:cBhvr>
+                                      <p:to>
+                                        <p:strVal val="visible"/>
+                                      </p:to>
+                                    </p:set>
+                                    <p:animEffect transition="in" filter="fade">
+                                      <p:cBhvr>
+                                        <p:cTn id="70" dur="500"/>
+                                        <p:tgtEl>
+                                          <p:spTgt spid="33"/>
+                                        </p:tgtEl>
+                                      </p:cBhvr>
+                                    </p:animEffect>
+                                  </p:childTnLst>
+                                </p:cTn>
+                              </p:par>
+                            </p:childTnLst>
+                          </p:cTn>
+                        </p:par>
+                      </p:childTnLst>
+                    </p:cTn>
+                  </p:par>
+                </p:childTnLst>
+              </p:cTn>
+              <p:prevCondLst>
+                <p:cond evt="onPrev" delay="0">
+                  <p:tgtEl>
+                    <p:sldTgt/>
+                  </p:tgtEl>
+                </p:cond>
+              </p:prevCondLst>
+              <p:nextCondLst>
+                <p:cond evt="onNext" delay="0">
+                  <p:tgtEl>
+                    <p:sldTgt/>
+                  </p:tgtEl>
+                </p:cond>
+              </p:nextCondLst>
+            </p:seq>
+          </p:childTnLst>
+        </p:cTn>
+      </p:par>
+    </p:tnLst>
+    <p:bldLst>
+      <p:bldP spid="9" grpId="0" animBg="1"/>
+      <p:bldP spid="10" grpId="0" animBg="1"/>
+      <p:bldP spid="16" grpId="0" animBg="1"/>
+      <p:bldP spid="30" grpId="0"/>
+      <p:bldP spid="33" grpId="0"/>
+    </p:bldLst>
+  </p:timing>
+</p:sld>
+</file>
+
+<file path=ppt/slides/slide12.xml><?xml version="1.0" encoding="utf-8"?>
+<p:sld xmlns:a="http://schemas.openxmlformats.org/drawingml/2006/main" xmlns:r="http://schemas.openxmlformats.org/officeDocument/2006/relationships" xmlns:p="http://schemas.openxmlformats.org/presentationml/2006/main">
+  <p:cSld>
+    <p:spTree>
+      <p:nvGrpSpPr>
+        <p:cNvPr id="1" name=""/>
+        <p:cNvGrpSpPr/>
+        <p:nvPr/>
+      </p:nvGrpSpPr>
+      <p:grpSpPr>
+        <a:xfrm>
+          <a:off x="0" y="0"/>
+          <a:ext cx="0" cy="0"/>
+          <a:chOff x="0" y="0"/>
+          <a:chExt cx="0" cy="0"/>
+        </a:xfrm>
+      </p:grpSpPr>
+      <p:sp>
+        <p:nvSpPr>
+          <p:cNvPr id="2" name="Rectangle 1">
+            <a:extLst>
+              <a:ext uri="{FF2B5EF4-FFF2-40B4-BE49-F238E27FC236}">
+                <a16:creationId xmlns:a16="http://schemas.microsoft.com/office/drawing/2014/main" id="{A3AD2D6A-50B8-1A4C-ACBE-CB6646F5EA8A}"/>
+              </a:ext>
+            </a:extLst>
+          </p:cNvPr>
+          <p:cNvSpPr/>
+          <p:nvPr/>
+        </p:nvSpPr>
+        <p:spPr>
+          <a:xfrm>
+            <a:off x="1844467" y="3105835"/>
+            <a:ext cx="8503066" cy="400110"/>
+          </a:xfrm>
+          <a:prstGeom prst="rect">
+            <a:avLst/>
+          </a:prstGeom>
+        </p:spPr>
+        <p:txBody>
+          <a:bodyPr wrap="square">
+            <a:spAutoFit/>
+          </a:bodyPr>
+          <a:lstStyle/>
+          <a:p>
+            <a:r>
+              <a:rPr lang="en-AU" sz="2000" dirty="0">
+                <a:solidFill>
+                  <a:schemeClr val="accent1">
+                    <a:lumMod val="75000"/>
+                  </a:schemeClr>
+                </a:solidFill>
+              </a:rPr>
+              <a:t> </a:t>
+            </a:r>
+            <a:r>
+              <a:rPr lang="en-AU" sz="2000" dirty="0" err="1">
+                <a:solidFill>
+                  <a:schemeClr val="tx1">
+                    <a:lumMod val="65000"/>
+                  </a:schemeClr>
+                </a:solidFill>
+              </a:rPr>
+              <a:t>currentReplicas</a:t>
+            </a:r>
+            <a:r>
+              <a:rPr lang="en-AU" sz="2000" dirty="0">
+                <a:solidFill>
+                  <a:schemeClr val="accent1">
+                    <a:lumMod val="75000"/>
+                  </a:schemeClr>
+                </a:solidFill>
+              </a:rPr>
+              <a:t> + </a:t>
+            </a:r>
+            <a:r>
+              <a:rPr lang="en-AU" sz="2000" dirty="0" err="1">
+                <a:solidFill>
+                  <a:schemeClr val="accent2"/>
+                </a:solidFill>
+              </a:rPr>
+              <a:t>desiredReplicas</a:t>
+            </a:r>
+            <a:r>
+              <a:rPr lang="en-AU" sz="2000" dirty="0"/>
+              <a:t>  =  </a:t>
+            </a:r>
+            <a:r>
+              <a:rPr lang="en-AU" sz="2000" dirty="0" err="1">
+                <a:solidFill>
+                  <a:schemeClr val="accent5"/>
+                </a:solidFill>
+              </a:rPr>
+              <a:t>currentMetricValue</a:t>
+            </a:r>
+            <a:r>
+              <a:rPr lang="en-AU" sz="2000" dirty="0"/>
+              <a:t> / </a:t>
+            </a:r>
+            <a:r>
+              <a:rPr lang="en-AU" sz="2000" dirty="0" err="1">
+                <a:solidFill>
+                  <a:schemeClr val="accent6"/>
+                </a:solidFill>
+              </a:rPr>
+              <a:t>targetMetricValue</a:t>
+            </a:r>
+            <a:r>
+              <a:rPr lang="en-AU" sz="2000" dirty="0"/>
+              <a:t> </a:t>
+            </a:r>
+          </a:p>
+        </p:txBody>
+      </p:sp>
+      <p:sp>
+        <p:nvSpPr>
+          <p:cNvPr id="3" name="Rectangle 2">
+            <a:extLst>
+              <a:ext uri="{FF2B5EF4-FFF2-40B4-BE49-F238E27FC236}">
+                <a16:creationId xmlns:a16="http://schemas.microsoft.com/office/drawing/2014/main" id="{7A421F11-B5CC-614A-8638-EC475B4F214F}"/>
+              </a:ext>
+            </a:extLst>
+          </p:cNvPr>
+          <p:cNvSpPr/>
+          <p:nvPr/>
+        </p:nvSpPr>
+        <p:spPr>
+          <a:xfrm>
+            <a:off x="1844467" y="3508114"/>
+            <a:ext cx="8503066" cy="400110"/>
+          </a:xfrm>
+          <a:prstGeom prst="rect">
+            <a:avLst/>
+          </a:prstGeom>
+        </p:spPr>
+        <p:txBody>
+          <a:bodyPr wrap="square">
+            <a:spAutoFit/>
+          </a:bodyPr>
+          <a:lstStyle/>
+          <a:p>
+            <a:r>
+              <a:rPr lang="en-AU" sz="2000" dirty="0"/>
+              <a:t>             </a:t>
+            </a:r>
+            <a:r>
+              <a:rPr lang="en-AU" sz="2000" dirty="0">
+                <a:solidFill>
+                  <a:schemeClr val="tx1">
+                    <a:lumMod val="65000"/>
+                  </a:schemeClr>
+                </a:solidFill>
+              </a:rPr>
+              <a:t>1</a:t>
+            </a:r>
+            <a:r>
+              <a:rPr lang="en-AU" sz="2000" dirty="0"/>
+              <a:t>              +             </a:t>
+            </a:r>
+            <a:r>
+              <a:rPr lang="en-AU" sz="2000" dirty="0">
+                <a:solidFill>
+                  <a:srgbClr val="C00000"/>
+                </a:solidFill>
+              </a:rPr>
+              <a:t>  </a:t>
+            </a:r>
+            <a:r>
+              <a:rPr lang="en-AU" sz="2000" dirty="0"/>
+              <a:t>                 =                                      /                  </a:t>
+            </a:r>
+            <a:r>
+              <a:rPr lang="en-AU" sz="2000" dirty="0">
+                <a:solidFill>
+                  <a:schemeClr val="accent6"/>
+                </a:solidFill>
+              </a:rPr>
+              <a:t>2</a:t>
+            </a:r>
+            <a:r>
+              <a:rPr lang="en-AU" sz="2000" dirty="0"/>
+              <a:t>                </a:t>
+            </a:r>
+            <a:endParaRPr lang="en-US" sz="2000" dirty="0"/>
+          </a:p>
+        </p:txBody>
+      </p:sp>
+      <p:sp>
+        <p:nvSpPr>
+          <p:cNvPr id="4" name="TextBox 3">
+            <a:extLst>
+              <a:ext uri="{FF2B5EF4-FFF2-40B4-BE49-F238E27FC236}">
+                <a16:creationId xmlns:a16="http://schemas.microsoft.com/office/drawing/2014/main" id="{93BAA285-0118-0142-8CFB-90D6C0F6BF1F}"/>
+              </a:ext>
+            </a:extLst>
+          </p:cNvPr>
+          <p:cNvSpPr txBox="1"/>
+          <p:nvPr/>
+        </p:nvSpPr>
+        <p:spPr>
+          <a:xfrm>
+            <a:off x="6588808" y="3538892"/>
+            <a:ext cx="418744" cy="369332"/>
+          </a:xfrm>
+          <a:prstGeom prst="rect">
+            <a:avLst/>
+          </a:prstGeom>
+          <a:noFill/>
+        </p:spPr>
+        <p:txBody>
+          <a:bodyPr wrap="square" rtlCol="0">
+            <a:spAutoFit/>
+          </a:bodyPr>
+          <a:lstStyle/>
+          <a:p>
+            <a:r>
+              <a:rPr lang="en-US" dirty="0">
+                <a:solidFill>
+                  <a:schemeClr val="accent5"/>
+                </a:solidFill>
+              </a:rPr>
+              <a:t>10</a:t>
+            </a:r>
+          </a:p>
+        </p:txBody>
+      </p:sp>
+      <p:sp>
+        <p:nvSpPr>
+          <p:cNvPr id="5" name="TextBox 4">
+            <a:extLst>
+              <a:ext uri="{FF2B5EF4-FFF2-40B4-BE49-F238E27FC236}">
+                <a16:creationId xmlns:a16="http://schemas.microsoft.com/office/drawing/2014/main" id="{2C45A523-32F2-1A46-B9AB-804C4A9AF844}"/>
+              </a:ext>
+            </a:extLst>
+          </p:cNvPr>
+          <p:cNvSpPr txBox="1"/>
+          <p:nvPr/>
+        </p:nvSpPr>
+        <p:spPr>
+          <a:xfrm>
+            <a:off x="4314202" y="3505945"/>
+            <a:ext cx="418744" cy="369332"/>
+          </a:xfrm>
+          <a:prstGeom prst="rect">
+            <a:avLst/>
+          </a:prstGeom>
+          <a:noFill/>
+        </p:spPr>
+        <p:txBody>
+          <a:bodyPr wrap="square" rtlCol="0">
+            <a:spAutoFit/>
+          </a:bodyPr>
+          <a:lstStyle/>
+          <a:p>
+            <a:r>
+              <a:rPr lang="en-US" dirty="0">
+                <a:solidFill>
+                  <a:schemeClr val="accent2"/>
+                </a:solidFill>
+              </a:rPr>
+              <a:t>4</a:t>
+            </a:r>
+          </a:p>
+        </p:txBody>
+      </p:sp>
+    </p:spTree>
+    <p:extLst>
+      <p:ext uri="{BB962C8B-B14F-4D97-AF65-F5344CB8AC3E}">
+        <p14:creationId xmlns:p14="http://schemas.microsoft.com/office/powerpoint/2010/main" val="1722881955"/>
+      </p:ext>
+    </p:extLst>
+  </p:cSld>
+  <p:clrMapOvr>
+    <a:masterClrMapping/>
+  </p:clrMapOvr>
+  <p:timing>
+    <p:tnLst>
+      <p:par>
+        <p:cTn id="1" dur="indefinite" restart="never" nodeType="tmRoot">
+          <p:childTnLst>
+            <p:seq concurrent="1" nextAc="seek">
+              <p:cTn id="2" dur="indefinite" nodeType="mainSeq">
+                <p:childTnLst>
+                  <p:par>
+                    <p:cTn id="3" fill="hold">
+                      <p:stCondLst>
+                        <p:cond delay="indefinite"/>
+                      </p:stCondLst>
+                      <p:childTnLst>
+                        <p:par>
+                          <p:cTn id="4" fill="hold">
+                            <p:stCondLst>
+                              <p:cond delay="0"/>
+                            </p:stCondLst>
+                            <p:childTnLst>
+                              <p:par>
+                                <p:cTn id="5" presetID="10" presetClass="entr" presetSubtype="0" fill="hold" grpId="0" nodeType="clickEffect">
+                                  <p:stCondLst>
+                                    <p:cond delay="0"/>
+                                  </p:stCondLst>
+                                  <p:childTnLst>
+                                    <p:set>
+                                      <p:cBhvr>
+                                        <p:cTn id="6" dur="1" fill="hold">
+                                          <p:stCondLst>
+                                            <p:cond delay="0"/>
+                                          </p:stCondLst>
+                                        </p:cTn>
+                                        <p:tgtEl>
+                                          <p:spTgt spid="3"/>
+                                        </p:tgtEl>
+                                        <p:attrNameLst>
+                                          <p:attrName>style.visibility</p:attrName>
+                                        </p:attrNameLst>
+                                      </p:cBhvr>
+                                      <p:to>
+                                        <p:strVal val="visible"/>
+                                      </p:to>
+                                    </p:set>
+                                    <p:animEffect transition="in" filter="fade">
+                                      <p:cBhvr>
+                                        <p:cTn id="7" dur="500"/>
+                                        <p:tgtEl>
+                                          <p:spTgt spid="3"/>
+                                        </p:tgtEl>
+                                      </p:cBhvr>
+                                    </p:animEffect>
+                                  </p:childTnLst>
+                                </p:cTn>
+                              </p:par>
+                            </p:childTnLst>
+                          </p:cTn>
+                        </p:par>
+                      </p:childTnLst>
+                    </p:cTn>
+                  </p:par>
+                  <p:par>
+                    <p:cTn id="8" fill="hold">
+                      <p:stCondLst>
+                        <p:cond delay="indefinite"/>
+                      </p:stCondLst>
+                      <p:childTnLst>
+                        <p:par>
+                          <p:cTn id="9" fill="hold">
+                            <p:stCondLst>
+                              <p:cond delay="0"/>
+                            </p:stCondLst>
+                            <p:childTnLst>
+                              <p:par>
+                                <p:cTn id="10" presetID="10" presetClass="entr" presetSubtype="0" fill="hold" grpId="0" nodeType="clickEffect">
+                                  <p:stCondLst>
+                                    <p:cond delay="0"/>
+                                  </p:stCondLst>
+                                  <p:childTnLst>
+                                    <p:set>
+                                      <p:cBhvr>
+                                        <p:cTn id="11" dur="1" fill="hold">
+                                          <p:stCondLst>
+                                            <p:cond delay="0"/>
+                                          </p:stCondLst>
+                                        </p:cTn>
+                                        <p:tgtEl>
+                                          <p:spTgt spid="4"/>
+                                        </p:tgtEl>
+                                        <p:attrNameLst>
+                                          <p:attrName>style.visibility</p:attrName>
+                                        </p:attrNameLst>
+                                      </p:cBhvr>
+                                      <p:to>
+                                        <p:strVal val="visible"/>
+                                      </p:to>
+                                    </p:set>
+                                    <p:animEffect transition="in" filter="fade">
+                                      <p:cBhvr>
+                                        <p:cTn id="12" dur="500"/>
+                                        <p:tgtEl>
+                                          <p:spTgt spid="4"/>
+                                        </p:tgtEl>
+                                      </p:cBhvr>
+                                    </p:animEffect>
+                                  </p:childTnLst>
+                                </p:cTn>
+                              </p:par>
+                            </p:childTnLst>
+                          </p:cTn>
+                        </p:par>
+                      </p:childTnLst>
+                    </p:cTn>
+                  </p:par>
+                  <p:par>
+                    <p:cTn id="13" fill="hold">
+                      <p:stCondLst>
+                        <p:cond delay="indefinite"/>
+                      </p:stCondLst>
+                      <p:childTnLst>
+                        <p:par>
+                          <p:cTn id="14" fill="hold">
+                            <p:stCondLst>
+                              <p:cond delay="0"/>
+                            </p:stCondLst>
+                            <p:childTnLst>
+                              <p:par>
+                                <p:cTn id="15" presetID="10" presetClass="entr" presetSubtype="0" fill="hold" grpId="0" nodeType="clickEffect">
+                                  <p:stCondLst>
+                                    <p:cond delay="0"/>
+                                  </p:stCondLst>
+                                  <p:childTnLst>
+                                    <p:set>
+                                      <p:cBhvr>
+                                        <p:cTn id="16" dur="1" fill="hold">
+                                          <p:stCondLst>
+                                            <p:cond delay="0"/>
+                                          </p:stCondLst>
+                                        </p:cTn>
+                                        <p:tgtEl>
+                                          <p:spTgt spid="5"/>
+                                        </p:tgtEl>
+                                        <p:attrNameLst>
+                                          <p:attrName>style.visibility</p:attrName>
+                                        </p:attrNameLst>
+                                      </p:cBhvr>
+                                      <p:to>
+                                        <p:strVal val="visible"/>
+                                      </p:to>
+                                    </p:set>
+                                    <p:animEffect transition="in" filter="fade">
+                                      <p:cBhvr>
+                                        <p:cTn id="17" dur="500"/>
+                                        <p:tgtEl>
+                                          <p:spTgt spid="5"/>
+                                        </p:tgtEl>
+                                      </p:cBhvr>
+                                    </p:animEffect>
+                                  </p:childTnLst>
+                                </p:cTn>
+                              </p:par>
+                            </p:childTnLst>
+                          </p:cTn>
+                        </p:par>
+                      </p:childTnLst>
+                    </p:cTn>
+                  </p:par>
+                </p:childTnLst>
+              </p:cTn>
+              <p:prevCondLst>
+                <p:cond evt="onPrev" delay="0">
+                  <p:tgtEl>
+                    <p:sldTgt/>
+                  </p:tgtEl>
+                </p:cond>
+              </p:prevCondLst>
+              <p:nextCondLst>
+                <p:cond evt="onNext" delay="0">
+                  <p:tgtEl>
+                    <p:sldTgt/>
+                  </p:tgtEl>
+                </p:cond>
+              </p:nextCondLst>
+            </p:seq>
+          </p:childTnLst>
+        </p:cTn>
+      </p:par>
+    </p:tnLst>
+    <p:bldLst>
+      <p:bldP spid="3" grpId="0"/>
+      <p:bldP spid="4" grpId="0"/>
+      <p:bldP spid="5" grpId="0"/>
+    </p:bldLst>
+  </p:timing>
+</p:sld>
+</file>
+
+<file path=ppt/slides/slide13.xml><?xml version="1.0" encoding="utf-8"?>
+<p:sld xmlns:a="http://schemas.openxmlformats.org/drawingml/2006/main" xmlns:r="http://schemas.openxmlformats.org/officeDocument/2006/relationships" xmlns:p="http://schemas.openxmlformats.org/presentationml/2006/main">
+  <p:cSld>
+    <p:spTree>
+      <p:nvGrpSpPr>
+        <p:cNvPr id="1" name=""/>
+        <p:cNvGrpSpPr/>
+        <p:nvPr/>
+      </p:nvGrpSpPr>
+      <p:grpSpPr>
+        <a:xfrm>
+          <a:off x="0" y="0"/>
+          <a:ext cx="0" cy="0"/>
+          <a:chOff x="0" y="0"/>
+          <a:chExt cx="0" cy="0"/>
+        </a:xfrm>
+      </p:grpSpPr>
+      <p:sp>
+        <p:nvSpPr>
+          <p:cNvPr id="4" name="Title 3">
+            <a:extLst>
+              <a:ext uri="{FF2B5EF4-FFF2-40B4-BE49-F238E27FC236}">
                 <a16:creationId xmlns:a16="http://schemas.microsoft.com/office/drawing/2014/main" id="{93228A22-8C38-1244-9A53-6E05248262C4}"/>
               </a:ext>
             </a:extLst>
@@ -4157,7 +6064,7 @@
 </p:sld>
 </file>
 
-<file path=ppt/slides/slide11.xml><?xml version="1.0" encoding="utf-8"?>
+<file path=ppt/slides/slide14.xml><?xml version="1.0" encoding="utf-8"?>
 <p:sld xmlns:a="http://schemas.openxmlformats.org/drawingml/2006/main" xmlns:r="http://schemas.openxmlformats.org/officeDocument/2006/relationships" xmlns:p="http://schemas.openxmlformats.org/presentationml/2006/main">
   <p:cSld>
     <p:spTree>
@@ -4531,11 +6438,7 @@
           <a:lstStyle/>
           <a:p>
             <a:r>
-              <a:rPr lang="en-US" dirty="0">
-                <a:solidFill>
-                  <a:schemeClr val="bg1"/>
-                </a:solidFill>
-              </a:rPr>
+              <a:rPr lang="en-US" dirty="0"/>
               <a:t>Operator</a:t>
             </a:r>
           </a:p>
@@ -6046,7 +7949,797 @@
 </p:sld>
 </file>
 
-<file path=ppt/slides/slide12.xml><?xml version="1.0" encoding="utf-8"?>
+<file path=ppt/slides/slide15.xml><?xml version="1.0" encoding="utf-8"?>
+<p:sld xmlns:a="http://schemas.openxmlformats.org/drawingml/2006/main" xmlns:r="http://schemas.openxmlformats.org/officeDocument/2006/relationships" xmlns:p="http://schemas.openxmlformats.org/presentationml/2006/main">
+  <p:cSld>
+    <p:bg>
+      <p:bgPr>
+        <a:solidFill>
+          <a:schemeClr val="bg1"/>
+        </a:solidFill>
+        <a:effectLst/>
+      </p:bgPr>
+    </p:bg>
+    <p:spTree>
+      <p:nvGrpSpPr>
+        <p:cNvPr id="1" name=""/>
+        <p:cNvGrpSpPr/>
+        <p:nvPr/>
+      </p:nvGrpSpPr>
+      <p:grpSpPr>
+        <a:xfrm>
+          <a:off x="0" y="0"/>
+          <a:ext cx="0" cy="0"/>
+          <a:chOff x="0" y="0"/>
+          <a:chExt cx="0" cy="0"/>
+        </a:xfrm>
+      </p:grpSpPr>
+      <p:sp useBgFill="1">
+        <p:nvSpPr>
+          <p:cNvPr id="12" name="Rectangle 11">
+            <a:extLst>
+              <a:ext uri="{FF2B5EF4-FFF2-40B4-BE49-F238E27FC236}">
+                <a16:creationId xmlns:a16="http://schemas.microsoft.com/office/drawing/2014/main" id="{80DF40B2-80F7-4E71-B46C-284163F3654A}"/>
+              </a:ext>
+              <a:ext uri="{C183D7F6-B498-43B3-948B-1728B52AA6E4}">
+                <adec:decorative xmlns:adec="http://schemas.microsoft.com/office/drawing/2017/decorative" val="1"/>
+              </a:ext>
+            </a:extLst>
+          </p:cNvPr>
+          <p:cNvSpPr>
+            <a:spLocks noGrp="1" noRot="1" noChangeAspect="1" noMove="1" noResize="1" noEditPoints="1" noAdjustHandles="1" noChangeArrowheads="1" noChangeShapeType="1" noTextEdit="1"/>
+          </p:cNvSpPr>
+          <p:nvPr>
+            <p:extLst>
+              <p:ext uri="{386F3935-93C4-4BCD-93E2-E3B085C9AB24}">
+                <p16:designElem xmlns:p16="http://schemas.microsoft.com/office/powerpoint/2015/main" val="1"/>
+              </p:ext>
+            </p:extLst>
+          </p:nvPr>
+        </p:nvSpPr>
+        <p:spPr>
+          <a:xfrm>
+            <a:off x="-1" y="0"/>
+            <a:ext cx="12188952" cy="6858000"/>
+          </a:xfrm>
+          <a:prstGeom prst="rect">
+            <a:avLst/>
+          </a:prstGeom>
+          <a:ln>
+            <a:noFill/>
+          </a:ln>
+        </p:spPr>
+        <p:style>
+          <a:lnRef idx="2">
+            <a:schemeClr val="accent1">
+              <a:shade val="50000"/>
+            </a:schemeClr>
+          </a:lnRef>
+          <a:fillRef idx="1">
+            <a:schemeClr val="accent1"/>
+          </a:fillRef>
+          <a:effectRef idx="0">
+            <a:schemeClr val="accent1"/>
+          </a:effectRef>
+          <a:fontRef idx="minor">
+            <a:schemeClr val="lt1"/>
+          </a:fontRef>
+        </p:style>
+        <p:txBody>
+          <a:bodyPr rtlCol="0" anchor="ctr"/>
+          <a:lstStyle/>
+          <a:p>
+            <a:pPr algn="ctr"/>
+            <a:endParaRPr lang="en-US"/>
+          </a:p>
+        </p:txBody>
+      </p:sp>
+      <p:sp>
+        <p:nvSpPr>
+          <p:cNvPr id="2" name="Title 1">
+            <a:extLst>
+              <a:ext uri="{FF2B5EF4-FFF2-40B4-BE49-F238E27FC236}">
+                <a16:creationId xmlns:a16="http://schemas.microsoft.com/office/drawing/2014/main" id="{CFFF62C6-D536-B340-A938-C2EB3DDF321B}"/>
+              </a:ext>
+            </a:extLst>
+          </p:cNvPr>
+          <p:cNvSpPr>
+            <a:spLocks noGrp="1"/>
+          </p:cNvSpPr>
+          <p:nvPr>
+            <p:ph type="title"/>
+          </p:nvPr>
+        </p:nvSpPr>
+        <p:spPr>
+          <a:xfrm>
+            <a:off x="838199" y="548464"/>
+            <a:ext cx="3807187" cy="2228074"/>
+          </a:xfrm>
+        </p:spPr>
+        <p:txBody>
+          <a:bodyPr>
+            <a:normAutofit/>
+          </a:bodyPr>
+          <a:lstStyle/>
+          <a:p>
+            <a:r>
+              <a:rPr lang="en-US" sz="4000" dirty="0"/>
+              <a:t>Workshop plan</a:t>
+            </a:r>
+          </a:p>
+        </p:txBody>
+      </p:sp>
+      <p:sp>
+        <p:nvSpPr>
+          <p:cNvPr id="9" name="Content Placeholder 8">
+            <a:extLst>
+              <a:ext uri="{FF2B5EF4-FFF2-40B4-BE49-F238E27FC236}">
+                <a16:creationId xmlns:a16="http://schemas.microsoft.com/office/drawing/2014/main" id="{34F53853-5610-4A54-B89C-2ED030ED88B4}"/>
+              </a:ext>
+            </a:extLst>
+          </p:cNvPr>
+          <p:cNvSpPr>
+            <a:spLocks noGrp="1"/>
+          </p:cNvSpPr>
+          <p:nvPr>
+            <p:ph idx="1"/>
+          </p:nvPr>
+        </p:nvSpPr>
+        <p:spPr>
+          <a:xfrm>
+            <a:off x="598206" y="2962279"/>
+            <a:ext cx="4332717" cy="3143241"/>
+          </a:xfrm>
+        </p:spPr>
+        <p:txBody>
+          <a:bodyPr>
+            <a:normAutofit/>
+          </a:bodyPr>
+          <a:lstStyle/>
+          <a:p>
+            <a:pPr marL="457200" indent="-457200">
+              <a:buFont typeface="+mj-lt"/>
+              <a:buAutoNum type="arabicPeriod"/>
+            </a:pPr>
+            <a:r>
+              <a:rPr lang="en-US" sz="2000" dirty="0"/>
+              <a:t>Deploy KEDA</a:t>
+            </a:r>
+          </a:p>
+          <a:p>
+            <a:pPr marL="457200" indent="-457200">
+              <a:buFont typeface="+mj-lt"/>
+              <a:buAutoNum type="arabicPeriod"/>
+            </a:pPr>
+            <a:r>
+              <a:rPr lang="en-US" sz="2000" dirty="0"/>
+              <a:t>Create target deployment</a:t>
+            </a:r>
+          </a:p>
+          <a:p>
+            <a:pPr marL="457200" indent="-457200">
+              <a:buFont typeface="+mj-lt"/>
+              <a:buAutoNum type="arabicPeriod"/>
+            </a:pPr>
+            <a:r>
+              <a:rPr lang="en-US" sz="2000" dirty="0"/>
+              <a:t>Create External scaler</a:t>
+            </a:r>
+          </a:p>
+          <a:p>
+            <a:pPr marL="457200" indent="-457200">
+              <a:buFont typeface="+mj-lt"/>
+              <a:buAutoNum type="arabicPeriod"/>
+            </a:pPr>
+            <a:r>
+              <a:rPr lang="en-US" sz="2000" dirty="0"/>
+              <a:t>Deploy External scaler (and service)</a:t>
+            </a:r>
+          </a:p>
+          <a:p>
+            <a:pPr marL="457200" indent="-457200">
+              <a:buFont typeface="+mj-lt"/>
+              <a:buAutoNum type="arabicPeriod"/>
+            </a:pPr>
+            <a:r>
+              <a:rPr lang="en-US" sz="2000" dirty="0"/>
+              <a:t>Create </a:t>
+            </a:r>
+            <a:r>
+              <a:rPr lang="en-US" sz="2000" dirty="0" err="1"/>
+              <a:t>Mockserver</a:t>
+            </a:r>
+            <a:r>
+              <a:rPr lang="en-US" sz="2000" dirty="0"/>
+              <a:t> (fake metrics)</a:t>
+            </a:r>
+          </a:p>
+          <a:p>
+            <a:pPr marL="457200" indent="-457200">
+              <a:buFont typeface="+mj-lt"/>
+              <a:buAutoNum type="arabicPeriod"/>
+            </a:pPr>
+            <a:r>
+              <a:rPr lang="en-US" sz="2000" dirty="0"/>
+              <a:t>Create </a:t>
+            </a:r>
+            <a:r>
+              <a:rPr lang="en-US" sz="2000" dirty="0" err="1"/>
+              <a:t>ScaledObject</a:t>
+            </a:r>
+            <a:endParaRPr lang="en-US" sz="2000" dirty="0"/>
+          </a:p>
+          <a:p>
+            <a:pPr marL="457200" indent="-457200">
+              <a:buFont typeface="+mj-lt"/>
+              <a:buAutoNum type="arabicPeriod"/>
+            </a:pPr>
+            <a:r>
+              <a:rPr lang="en-US" sz="2000" dirty="0"/>
+              <a:t>Enjoy </a:t>
+            </a:r>
+            <a:r>
+              <a:rPr lang="en-US" sz="2000" dirty="0">
+                <a:sym typeface="Wingdings" pitchFamily="2" charset="2"/>
+              </a:rPr>
+              <a:t></a:t>
+            </a:r>
+            <a:endParaRPr lang="en-US" sz="2000" dirty="0"/>
+          </a:p>
+        </p:txBody>
+      </p:sp>
+      <p:pic>
+        <p:nvPicPr>
+          <p:cNvPr id="5" name="Content Placeholder 4" descr="A person using a computer&#10;&#10;Description automatically generated">
+            <a:extLst>
+              <a:ext uri="{FF2B5EF4-FFF2-40B4-BE49-F238E27FC236}">
+                <a16:creationId xmlns:a16="http://schemas.microsoft.com/office/drawing/2014/main" id="{CA6F3692-BBC0-A648-B0B3-3B6B7042491B}"/>
+              </a:ext>
+            </a:extLst>
+          </p:cNvPr>
+          <p:cNvPicPr>
+            <a:picLocks noChangeAspect="1"/>
+          </p:cNvPicPr>
+          <p:nvPr/>
+        </p:nvPicPr>
+        <p:blipFill rotWithShape="1">
+          <a:blip r:embed="rId2"/>
+          <a:srcRect r="21461"/>
+          <a:stretch/>
+        </p:blipFill>
+        <p:spPr>
+          <a:xfrm>
+            <a:off x="5010386" y="10"/>
+            <a:ext cx="7181613" cy="6857990"/>
+          </a:xfrm>
+          <a:prstGeom prst="rect">
+            <a:avLst/>
+          </a:prstGeom>
+          <a:effectLst/>
+        </p:spPr>
+      </p:pic>
+      <p:sp>
+        <p:nvSpPr>
+          <p:cNvPr id="6" name="Rectangle 5">
+            <a:extLst>
+              <a:ext uri="{FF2B5EF4-FFF2-40B4-BE49-F238E27FC236}">
+                <a16:creationId xmlns:a16="http://schemas.microsoft.com/office/drawing/2014/main" id="{D8FDDDBB-FB7C-564D-A731-7B3791774239}"/>
+              </a:ext>
+            </a:extLst>
+          </p:cNvPr>
+          <p:cNvSpPr/>
+          <p:nvPr/>
+        </p:nvSpPr>
+        <p:spPr>
+          <a:xfrm>
+            <a:off x="9703912" y="6580991"/>
+            <a:ext cx="2485039" cy="276999"/>
+          </a:xfrm>
+          <a:prstGeom prst="rect">
+            <a:avLst/>
+          </a:prstGeom>
+        </p:spPr>
+        <p:txBody>
+          <a:bodyPr wrap="none">
+            <a:spAutoFit/>
+          </a:bodyPr>
+          <a:lstStyle/>
+          <a:p>
+            <a:r>
+              <a:rPr lang="en-AU" sz="1200" dirty="0"/>
+              <a:t>Photo by </a:t>
+            </a:r>
+            <a:r>
+              <a:rPr lang="en-AU" sz="1200" b="1" dirty="0">
+                <a:hlinkClick r:id="rId3"/>
+              </a:rPr>
+              <a:t>energepic.com</a:t>
+            </a:r>
+            <a:r>
+              <a:rPr lang="en-AU" sz="1200" dirty="0"/>
+              <a:t> from </a:t>
+            </a:r>
+            <a:r>
+              <a:rPr lang="en-AU" sz="1200" b="1" dirty="0">
+                <a:hlinkClick r:id="rId4"/>
+              </a:rPr>
+              <a:t>Pexels</a:t>
+            </a:r>
+            <a:endParaRPr lang="en-AU" sz="1200" dirty="0"/>
+          </a:p>
+        </p:txBody>
+      </p:sp>
+    </p:spTree>
+    <p:extLst>
+      <p:ext uri="{BB962C8B-B14F-4D97-AF65-F5344CB8AC3E}">
+        <p14:creationId xmlns:p14="http://schemas.microsoft.com/office/powerpoint/2010/main" val="1063810754"/>
+      </p:ext>
+    </p:extLst>
+  </p:cSld>
+  <p:clrMapOvr>
+    <a:masterClrMapping/>
+  </p:clrMapOvr>
+  <p:timing>
+    <p:tnLst>
+      <p:par>
+        <p:cTn id="1" dur="indefinite" restart="never" nodeType="tmRoot">
+          <p:childTnLst>
+            <p:seq concurrent="1" nextAc="seek">
+              <p:cTn id="2" dur="indefinite" nodeType="mainSeq">
+                <p:childTnLst>
+                  <p:par>
+                    <p:cTn id="3" fill="hold">
+                      <p:stCondLst>
+                        <p:cond delay="indefinite"/>
+                      </p:stCondLst>
+                      <p:childTnLst>
+                        <p:par>
+                          <p:cTn id="4" fill="hold">
+                            <p:stCondLst>
+                              <p:cond delay="0"/>
+                            </p:stCondLst>
+                            <p:childTnLst>
+                              <p:par>
+                                <p:cTn id="5" presetID="10" presetClass="entr" presetSubtype="0" fill="hold" nodeType="clickEffect">
+                                  <p:stCondLst>
+                                    <p:cond delay="0"/>
+                                  </p:stCondLst>
+                                  <p:childTnLst>
+                                    <p:set>
+                                      <p:cBhvr>
+                                        <p:cTn id="6" dur="1" fill="hold">
+                                          <p:stCondLst>
+                                            <p:cond delay="0"/>
+                                          </p:stCondLst>
+                                        </p:cTn>
+                                        <p:tgtEl>
+                                          <p:spTgt spid="9">
+                                            <p:txEl>
+                                              <p:pRg st="0" end="0"/>
+                                            </p:txEl>
+                                          </p:spTgt>
+                                        </p:tgtEl>
+                                        <p:attrNameLst>
+                                          <p:attrName>style.visibility</p:attrName>
+                                        </p:attrNameLst>
+                                      </p:cBhvr>
+                                      <p:to>
+                                        <p:strVal val="visible"/>
+                                      </p:to>
+                                    </p:set>
+                                    <p:animEffect transition="in" filter="fade">
+                                      <p:cBhvr>
+                                        <p:cTn id="7" dur="500"/>
+                                        <p:tgtEl>
+                                          <p:spTgt spid="9">
+                                            <p:txEl>
+                                              <p:pRg st="0" end="0"/>
+                                            </p:txEl>
+                                          </p:spTgt>
+                                        </p:tgtEl>
+                                      </p:cBhvr>
+                                    </p:animEffect>
+                                  </p:childTnLst>
+                                </p:cTn>
+                              </p:par>
+                            </p:childTnLst>
+                          </p:cTn>
+                        </p:par>
+                      </p:childTnLst>
+                    </p:cTn>
+                  </p:par>
+                  <p:par>
+                    <p:cTn id="8" fill="hold">
+                      <p:stCondLst>
+                        <p:cond delay="indefinite"/>
+                      </p:stCondLst>
+                      <p:childTnLst>
+                        <p:par>
+                          <p:cTn id="9" fill="hold">
+                            <p:stCondLst>
+                              <p:cond delay="0"/>
+                            </p:stCondLst>
+                            <p:childTnLst>
+                              <p:par>
+                                <p:cTn id="10" presetID="10" presetClass="entr" presetSubtype="0" fill="hold" nodeType="clickEffect">
+                                  <p:stCondLst>
+                                    <p:cond delay="0"/>
+                                  </p:stCondLst>
+                                  <p:childTnLst>
+                                    <p:set>
+                                      <p:cBhvr>
+                                        <p:cTn id="11" dur="1" fill="hold">
+                                          <p:stCondLst>
+                                            <p:cond delay="0"/>
+                                          </p:stCondLst>
+                                        </p:cTn>
+                                        <p:tgtEl>
+                                          <p:spTgt spid="9">
+                                            <p:txEl>
+                                              <p:pRg st="1" end="1"/>
+                                            </p:txEl>
+                                          </p:spTgt>
+                                        </p:tgtEl>
+                                        <p:attrNameLst>
+                                          <p:attrName>style.visibility</p:attrName>
+                                        </p:attrNameLst>
+                                      </p:cBhvr>
+                                      <p:to>
+                                        <p:strVal val="visible"/>
+                                      </p:to>
+                                    </p:set>
+                                    <p:animEffect transition="in" filter="fade">
+                                      <p:cBhvr>
+                                        <p:cTn id="12" dur="500"/>
+                                        <p:tgtEl>
+                                          <p:spTgt spid="9">
+                                            <p:txEl>
+                                              <p:pRg st="1" end="1"/>
+                                            </p:txEl>
+                                          </p:spTgt>
+                                        </p:tgtEl>
+                                      </p:cBhvr>
+                                    </p:animEffect>
+                                  </p:childTnLst>
+                                </p:cTn>
+                              </p:par>
+                            </p:childTnLst>
+                          </p:cTn>
+                        </p:par>
+                      </p:childTnLst>
+                    </p:cTn>
+                  </p:par>
+                  <p:par>
+                    <p:cTn id="13" fill="hold">
+                      <p:stCondLst>
+                        <p:cond delay="indefinite"/>
+                      </p:stCondLst>
+                      <p:childTnLst>
+                        <p:par>
+                          <p:cTn id="14" fill="hold">
+                            <p:stCondLst>
+                              <p:cond delay="0"/>
+                            </p:stCondLst>
+                            <p:childTnLst>
+                              <p:par>
+                                <p:cTn id="15" presetID="10" presetClass="entr" presetSubtype="0" fill="hold" nodeType="clickEffect">
+                                  <p:stCondLst>
+                                    <p:cond delay="0"/>
+                                  </p:stCondLst>
+                                  <p:childTnLst>
+                                    <p:set>
+                                      <p:cBhvr>
+                                        <p:cTn id="16" dur="1" fill="hold">
+                                          <p:stCondLst>
+                                            <p:cond delay="0"/>
+                                          </p:stCondLst>
+                                        </p:cTn>
+                                        <p:tgtEl>
+                                          <p:spTgt spid="9">
+                                            <p:txEl>
+                                              <p:pRg st="2" end="2"/>
+                                            </p:txEl>
+                                          </p:spTgt>
+                                        </p:tgtEl>
+                                        <p:attrNameLst>
+                                          <p:attrName>style.visibility</p:attrName>
+                                        </p:attrNameLst>
+                                      </p:cBhvr>
+                                      <p:to>
+                                        <p:strVal val="visible"/>
+                                      </p:to>
+                                    </p:set>
+                                    <p:animEffect transition="in" filter="fade">
+                                      <p:cBhvr>
+                                        <p:cTn id="17" dur="500"/>
+                                        <p:tgtEl>
+                                          <p:spTgt spid="9">
+                                            <p:txEl>
+                                              <p:pRg st="2" end="2"/>
+                                            </p:txEl>
+                                          </p:spTgt>
+                                        </p:tgtEl>
+                                      </p:cBhvr>
+                                    </p:animEffect>
+                                  </p:childTnLst>
+                                </p:cTn>
+                              </p:par>
+                            </p:childTnLst>
+                          </p:cTn>
+                        </p:par>
+                      </p:childTnLst>
+                    </p:cTn>
+                  </p:par>
+                  <p:par>
+                    <p:cTn id="18" fill="hold">
+                      <p:stCondLst>
+                        <p:cond delay="indefinite"/>
+                      </p:stCondLst>
+                      <p:childTnLst>
+                        <p:par>
+                          <p:cTn id="19" fill="hold">
+                            <p:stCondLst>
+                              <p:cond delay="0"/>
+                            </p:stCondLst>
+                            <p:childTnLst>
+                              <p:par>
+                                <p:cTn id="20" presetID="10" presetClass="entr" presetSubtype="0" fill="hold" nodeType="clickEffect">
+                                  <p:stCondLst>
+                                    <p:cond delay="0"/>
+                                  </p:stCondLst>
+                                  <p:childTnLst>
+                                    <p:set>
+                                      <p:cBhvr>
+                                        <p:cTn id="21" dur="1" fill="hold">
+                                          <p:stCondLst>
+                                            <p:cond delay="0"/>
+                                          </p:stCondLst>
+                                        </p:cTn>
+                                        <p:tgtEl>
+                                          <p:spTgt spid="9">
+                                            <p:txEl>
+                                              <p:pRg st="3" end="3"/>
+                                            </p:txEl>
+                                          </p:spTgt>
+                                        </p:tgtEl>
+                                        <p:attrNameLst>
+                                          <p:attrName>style.visibility</p:attrName>
+                                        </p:attrNameLst>
+                                      </p:cBhvr>
+                                      <p:to>
+                                        <p:strVal val="visible"/>
+                                      </p:to>
+                                    </p:set>
+                                    <p:animEffect transition="in" filter="fade">
+                                      <p:cBhvr>
+                                        <p:cTn id="22" dur="500"/>
+                                        <p:tgtEl>
+                                          <p:spTgt spid="9">
+                                            <p:txEl>
+                                              <p:pRg st="3" end="3"/>
+                                            </p:txEl>
+                                          </p:spTgt>
+                                        </p:tgtEl>
+                                      </p:cBhvr>
+                                    </p:animEffect>
+                                  </p:childTnLst>
+                                </p:cTn>
+                              </p:par>
+                            </p:childTnLst>
+                          </p:cTn>
+                        </p:par>
+                      </p:childTnLst>
+                    </p:cTn>
+                  </p:par>
+                  <p:par>
+                    <p:cTn id="23" fill="hold">
+                      <p:stCondLst>
+                        <p:cond delay="indefinite"/>
+                      </p:stCondLst>
+                      <p:childTnLst>
+                        <p:par>
+                          <p:cTn id="24" fill="hold">
+                            <p:stCondLst>
+                              <p:cond delay="0"/>
+                            </p:stCondLst>
+                            <p:childTnLst>
+                              <p:par>
+                                <p:cTn id="25" presetID="10" presetClass="entr" presetSubtype="0" fill="hold" nodeType="clickEffect">
+                                  <p:stCondLst>
+                                    <p:cond delay="0"/>
+                                  </p:stCondLst>
+                                  <p:childTnLst>
+                                    <p:set>
+                                      <p:cBhvr>
+                                        <p:cTn id="26" dur="1" fill="hold">
+                                          <p:stCondLst>
+                                            <p:cond delay="0"/>
+                                          </p:stCondLst>
+                                        </p:cTn>
+                                        <p:tgtEl>
+                                          <p:spTgt spid="9">
+                                            <p:txEl>
+                                              <p:pRg st="4" end="4"/>
+                                            </p:txEl>
+                                          </p:spTgt>
+                                        </p:tgtEl>
+                                        <p:attrNameLst>
+                                          <p:attrName>style.visibility</p:attrName>
+                                        </p:attrNameLst>
+                                      </p:cBhvr>
+                                      <p:to>
+                                        <p:strVal val="visible"/>
+                                      </p:to>
+                                    </p:set>
+                                    <p:animEffect transition="in" filter="fade">
+                                      <p:cBhvr>
+                                        <p:cTn id="27" dur="500"/>
+                                        <p:tgtEl>
+                                          <p:spTgt spid="9">
+                                            <p:txEl>
+                                              <p:pRg st="4" end="4"/>
+                                            </p:txEl>
+                                          </p:spTgt>
+                                        </p:tgtEl>
+                                      </p:cBhvr>
+                                    </p:animEffect>
+                                  </p:childTnLst>
+                                </p:cTn>
+                              </p:par>
+                            </p:childTnLst>
+                          </p:cTn>
+                        </p:par>
+                      </p:childTnLst>
+                    </p:cTn>
+                  </p:par>
+                  <p:par>
+                    <p:cTn id="28" fill="hold">
+                      <p:stCondLst>
+                        <p:cond delay="indefinite"/>
+                      </p:stCondLst>
+                      <p:childTnLst>
+                        <p:par>
+                          <p:cTn id="29" fill="hold">
+                            <p:stCondLst>
+                              <p:cond delay="0"/>
+                            </p:stCondLst>
+                            <p:childTnLst>
+                              <p:par>
+                                <p:cTn id="30" presetID="10" presetClass="entr" presetSubtype="0" fill="hold" nodeType="clickEffect">
+                                  <p:stCondLst>
+                                    <p:cond delay="0"/>
+                                  </p:stCondLst>
+                                  <p:childTnLst>
+                                    <p:set>
+                                      <p:cBhvr>
+                                        <p:cTn id="31" dur="1" fill="hold">
+                                          <p:stCondLst>
+                                            <p:cond delay="0"/>
+                                          </p:stCondLst>
+                                        </p:cTn>
+                                        <p:tgtEl>
+                                          <p:spTgt spid="9">
+                                            <p:txEl>
+                                              <p:pRg st="5" end="5"/>
+                                            </p:txEl>
+                                          </p:spTgt>
+                                        </p:tgtEl>
+                                        <p:attrNameLst>
+                                          <p:attrName>style.visibility</p:attrName>
+                                        </p:attrNameLst>
+                                      </p:cBhvr>
+                                      <p:to>
+                                        <p:strVal val="visible"/>
+                                      </p:to>
+                                    </p:set>
+                                    <p:animEffect transition="in" filter="fade">
+                                      <p:cBhvr>
+                                        <p:cTn id="32" dur="500"/>
+                                        <p:tgtEl>
+                                          <p:spTgt spid="9">
+                                            <p:txEl>
+                                              <p:pRg st="5" end="5"/>
+                                            </p:txEl>
+                                          </p:spTgt>
+                                        </p:tgtEl>
+                                      </p:cBhvr>
+                                    </p:animEffect>
+                                  </p:childTnLst>
+                                </p:cTn>
+                              </p:par>
+                            </p:childTnLst>
+                          </p:cTn>
+                        </p:par>
+                      </p:childTnLst>
+                    </p:cTn>
+                  </p:par>
+                  <p:par>
+                    <p:cTn id="33" fill="hold">
+                      <p:stCondLst>
+                        <p:cond delay="indefinite"/>
+                      </p:stCondLst>
+                      <p:childTnLst>
+                        <p:par>
+                          <p:cTn id="34" fill="hold">
+                            <p:stCondLst>
+                              <p:cond delay="0"/>
+                            </p:stCondLst>
+                            <p:childTnLst>
+                              <p:par>
+                                <p:cTn id="35" presetID="10" presetClass="entr" presetSubtype="0" fill="hold" nodeType="clickEffect">
+                                  <p:stCondLst>
+                                    <p:cond delay="0"/>
+                                  </p:stCondLst>
+                                  <p:childTnLst>
+                                    <p:set>
+                                      <p:cBhvr>
+                                        <p:cTn id="36" dur="1" fill="hold">
+                                          <p:stCondLst>
+                                            <p:cond delay="0"/>
+                                          </p:stCondLst>
+                                        </p:cTn>
+                                        <p:tgtEl>
+                                          <p:spTgt spid="9">
+                                            <p:txEl>
+                                              <p:pRg st="6" end="6"/>
+                                            </p:txEl>
+                                          </p:spTgt>
+                                        </p:tgtEl>
+                                        <p:attrNameLst>
+                                          <p:attrName>style.visibility</p:attrName>
+                                        </p:attrNameLst>
+                                      </p:cBhvr>
+                                      <p:to>
+                                        <p:strVal val="visible"/>
+                                      </p:to>
+                                    </p:set>
+                                    <p:animEffect transition="in" filter="fade">
+                                      <p:cBhvr>
+                                        <p:cTn id="37" dur="500"/>
+                                        <p:tgtEl>
+                                          <p:spTgt spid="9">
+                                            <p:txEl>
+                                              <p:pRg st="6" end="6"/>
+                                            </p:txEl>
+                                          </p:spTgt>
+                                        </p:tgtEl>
+                                      </p:cBhvr>
+                                    </p:animEffect>
+                                  </p:childTnLst>
+                                </p:cTn>
+                              </p:par>
+                            </p:childTnLst>
+                          </p:cTn>
+                        </p:par>
+                      </p:childTnLst>
+                    </p:cTn>
+                  </p:par>
+                </p:childTnLst>
+              </p:cTn>
+              <p:prevCondLst>
+                <p:cond evt="onPrev" delay="0">
+                  <p:tgtEl>
+                    <p:sldTgt/>
+                  </p:tgtEl>
+                </p:cond>
+              </p:prevCondLst>
+              <p:nextCondLst>
+                <p:cond evt="onNext" delay="0">
+                  <p:tgtEl>
+                    <p:sldTgt/>
+                  </p:tgtEl>
+                </p:cond>
+              </p:nextCondLst>
+            </p:seq>
+          </p:childTnLst>
+        </p:cTn>
+      </p:par>
+    </p:tnLst>
+  </p:timing>
+</p:sld>
+</file>
+
+<file path=ppt/slides/slide16.xml><?xml version="1.0" encoding="utf-8"?>
 <p:sld xmlns:a="http://schemas.openxmlformats.org/drawingml/2006/main" xmlns:r="http://schemas.openxmlformats.org/officeDocument/2006/relationships" xmlns:p="http://schemas.openxmlformats.org/presentationml/2006/main">
   <p:cSld>
     <p:spTree>
@@ -6269,6 +8962,14 @@
 <file path=ppt/slides/slide3.xml><?xml version="1.0" encoding="utf-8"?>
 <p:sld xmlns:a="http://schemas.openxmlformats.org/drawingml/2006/main" xmlns:r="http://schemas.openxmlformats.org/officeDocument/2006/relationships" xmlns:p="http://schemas.openxmlformats.org/presentationml/2006/main">
   <p:cSld>
+    <p:bg>
+      <p:bgPr>
+        <a:solidFill>
+          <a:schemeClr val="bg1"/>
+        </a:solidFill>
+        <a:effectLst/>
+      </p:bgPr>
+    </p:bg>
     <p:spTree>
       <p:nvGrpSpPr>
         <p:cNvPr id="1" name=""/>
@@ -6283,6 +8984,576 @@
           <a:chExt cx="0" cy="0"/>
         </a:xfrm>
       </p:grpSpPr>
+      <p:pic>
+        <p:nvPicPr>
+          <p:cNvPr id="7" name="Picture 6" descr="A group of people sitting at a table with a computer&#10;&#10;Description automatically generated">
+            <a:extLst>
+              <a:ext uri="{FF2B5EF4-FFF2-40B4-BE49-F238E27FC236}">
+                <a16:creationId xmlns:a16="http://schemas.microsoft.com/office/drawing/2014/main" id="{87BFF659-7A91-3344-A0E8-913E73371C45}"/>
+              </a:ext>
+            </a:extLst>
+          </p:cNvPr>
+          <p:cNvPicPr>
+            <a:picLocks noChangeAspect="1"/>
+          </p:cNvPicPr>
+          <p:nvPr/>
+        </p:nvPicPr>
+        <p:blipFill rotWithShape="1">
+          <a:blip r:embed="rId2"/>
+          <a:srcRect t="9091" r="23298"/>
+          <a:stretch/>
+        </p:blipFill>
+        <p:spPr>
+          <a:xfrm>
+            <a:off x="3523488" y="10"/>
+            <a:ext cx="8668512" cy="6857990"/>
+          </a:xfrm>
+          <a:prstGeom prst="rect">
+            <a:avLst/>
+          </a:prstGeom>
+        </p:spPr>
+      </p:pic>
+      <p:sp>
+        <p:nvSpPr>
+          <p:cNvPr id="4" name="Title 3">
+            <a:extLst>
+              <a:ext uri="{FF2B5EF4-FFF2-40B4-BE49-F238E27FC236}">
+                <a16:creationId xmlns:a16="http://schemas.microsoft.com/office/drawing/2014/main" id="{2D255E5F-919D-0F47-912C-1503740D11BC}"/>
+              </a:ext>
+            </a:extLst>
+          </p:cNvPr>
+          <p:cNvSpPr>
+            <a:spLocks noGrp="1"/>
+          </p:cNvSpPr>
+          <p:nvPr>
+            <p:ph type="ctrTitle"/>
+          </p:nvPr>
+        </p:nvSpPr>
+        <p:spPr>
+          <a:xfrm>
+            <a:off x="477981" y="1122363"/>
+            <a:ext cx="4726408" cy="3204134"/>
+          </a:xfrm>
+        </p:spPr>
+        <p:txBody>
+          <a:bodyPr anchor="b">
+            <a:normAutofit/>
+          </a:bodyPr>
+          <a:lstStyle/>
+          <a:p>
+            <a:pPr algn="l"/>
+            <a:r>
+              <a:rPr lang="en-US" sz="4800" dirty="0"/>
+              <a:t>What’s our plan?</a:t>
+            </a:r>
+          </a:p>
+        </p:txBody>
+      </p:sp>
+      <p:sp>
+        <p:nvSpPr>
+          <p:cNvPr id="5" name="Subtitle 4">
+            <a:extLst>
+              <a:ext uri="{FF2B5EF4-FFF2-40B4-BE49-F238E27FC236}">
+                <a16:creationId xmlns:a16="http://schemas.microsoft.com/office/drawing/2014/main" id="{260BAA16-C10F-214D-8EF5-FB7746D552C0}"/>
+              </a:ext>
+            </a:extLst>
+          </p:cNvPr>
+          <p:cNvSpPr>
+            <a:spLocks noGrp="1"/>
+          </p:cNvSpPr>
+          <p:nvPr>
+            <p:ph type="subTitle" idx="1"/>
+          </p:nvPr>
+        </p:nvSpPr>
+        <p:spPr>
+          <a:xfrm>
+            <a:off x="477980" y="4872922"/>
+            <a:ext cx="4023359" cy="1208141"/>
+          </a:xfrm>
+        </p:spPr>
+        <p:txBody>
+          <a:bodyPr>
+            <a:normAutofit/>
+          </a:bodyPr>
+          <a:lstStyle/>
+          <a:p>
+            <a:pPr algn="l"/>
+            <a:endParaRPr lang="en-US" sz="2000" dirty="0"/>
+          </a:p>
+        </p:txBody>
+      </p:sp>
+      <p:sp>
+        <p:nvSpPr>
+          <p:cNvPr id="8" name="Rectangle 7">
+            <a:extLst>
+              <a:ext uri="{FF2B5EF4-FFF2-40B4-BE49-F238E27FC236}">
+                <a16:creationId xmlns:a16="http://schemas.microsoft.com/office/drawing/2014/main" id="{E6C08160-1331-8445-A594-A66057E70109}"/>
+              </a:ext>
+            </a:extLst>
+          </p:cNvPr>
+          <p:cNvSpPr/>
+          <p:nvPr/>
+        </p:nvSpPr>
+        <p:spPr>
+          <a:xfrm>
+            <a:off x="10440934" y="6596390"/>
+            <a:ext cx="1856598" cy="261610"/>
+          </a:xfrm>
+          <a:prstGeom prst="rect">
+            <a:avLst/>
+          </a:prstGeom>
+        </p:spPr>
+        <p:txBody>
+          <a:bodyPr wrap="none">
+            <a:spAutoFit/>
+          </a:bodyPr>
+          <a:lstStyle/>
+          <a:p>
+            <a:r>
+              <a:rPr lang="en-AU" sz="1050" dirty="0"/>
+              <a:t>Photo by </a:t>
+            </a:r>
+            <a:r>
+              <a:rPr lang="en-AU" sz="1050" b="1" dirty="0">
+                <a:hlinkClick r:id="rId3"/>
+              </a:rPr>
+              <a:t>fauxels</a:t>
+            </a:r>
+            <a:r>
+              <a:rPr lang="en-AU" sz="1050" dirty="0"/>
+              <a:t> from </a:t>
+            </a:r>
+            <a:r>
+              <a:rPr lang="en-AU" sz="1050" b="1" dirty="0">
+                <a:hlinkClick r:id="rId4"/>
+              </a:rPr>
+              <a:t>Pexels</a:t>
+            </a:r>
+            <a:endParaRPr lang="en-AU" sz="1050" dirty="0"/>
+          </a:p>
+        </p:txBody>
+      </p:sp>
+    </p:spTree>
+    <p:extLst>
+      <p:ext uri="{BB962C8B-B14F-4D97-AF65-F5344CB8AC3E}">
+        <p14:creationId xmlns:p14="http://schemas.microsoft.com/office/powerpoint/2010/main" val="3493898272"/>
+      </p:ext>
+    </p:extLst>
+  </p:cSld>
+  <p:clrMapOvr>
+    <a:overrideClrMapping bg1="dk1" tx1="lt1" bg2="dk2" tx2="lt2" accent1="accent1" accent2="accent2" accent3="accent3" accent4="accent4" accent5="accent5" accent6="accent6" hlink="hlink" folHlink="folHlink"/>
+  </p:clrMapOvr>
+</p:sld>
+</file>
+
+<file path=ppt/slides/slide4.xml><?xml version="1.0" encoding="utf-8"?>
+<p:sld xmlns:a="http://schemas.openxmlformats.org/drawingml/2006/main" xmlns:r="http://schemas.openxmlformats.org/officeDocument/2006/relationships" xmlns:p="http://schemas.openxmlformats.org/presentationml/2006/main">
+  <p:cSld>
+    <p:bg>
+      <p:bgPr>
+        <a:solidFill>
+          <a:schemeClr val="bg1"/>
+        </a:solidFill>
+        <a:effectLst/>
+      </p:bgPr>
+    </p:bg>
+    <p:spTree>
+      <p:nvGrpSpPr>
+        <p:cNvPr id="1" name=""/>
+        <p:cNvGrpSpPr/>
+        <p:nvPr/>
+      </p:nvGrpSpPr>
+      <p:grpSpPr>
+        <a:xfrm>
+          <a:off x="0" y="0"/>
+          <a:ext cx="0" cy="0"/>
+          <a:chOff x="0" y="0"/>
+          <a:chExt cx="0" cy="0"/>
+        </a:xfrm>
+      </p:grpSpPr>
+      <p:pic>
+        <p:nvPicPr>
+          <p:cNvPr id="7" name="Picture 6" descr="A group of people sitting at a table with a computer&#10;&#10;Description automatically generated">
+            <a:extLst>
+              <a:ext uri="{FF2B5EF4-FFF2-40B4-BE49-F238E27FC236}">
+                <a16:creationId xmlns:a16="http://schemas.microsoft.com/office/drawing/2014/main" id="{87BFF659-7A91-3344-A0E8-913E73371C45}"/>
+              </a:ext>
+            </a:extLst>
+          </p:cNvPr>
+          <p:cNvPicPr>
+            <a:picLocks noChangeAspect="1"/>
+          </p:cNvPicPr>
+          <p:nvPr/>
+        </p:nvPicPr>
+        <p:blipFill rotWithShape="1">
+          <a:blip r:embed="rId2"/>
+          <a:srcRect t="9091" r="23298"/>
+          <a:stretch/>
+        </p:blipFill>
+        <p:spPr>
+          <a:xfrm>
+            <a:off x="3523488" y="-8536"/>
+            <a:ext cx="8668512" cy="6857990"/>
+          </a:xfrm>
+          <a:prstGeom prst="rect">
+            <a:avLst/>
+          </a:prstGeom>
+        </p:spPr>
+      </p:pic>
+      <p:sp>
+        <p:nvSpPr>
+          <p:cNvPr id="4" name="Title 3">
+            <a:extLst>
+              <a:ext uri="{FF2B5EF4-FFF2-40B4-BE49-F238E27FC236}">
+                <a16:creationId xmlns:a16="http://schemas.microsoft.com/office/drawing/2014/main" id="{2D255E5F-919D-0F47-912C-1503740D11BC}"/>
+              </a:ext>
+            </a:extLst>
+          </p:cNvPr>
+          <p:cNvSpPr>
+            <a:spLocks noGrp="1"/>
+          </p:cNvSpPr>
+          <p:nvPr>
+            <p:ph type="ctrTitle"/>
+          </p:nvPr>
+        </p:nvSpPr>
+        <p:spPr>
+          <a:xfrm>
+            <a:off x="238699" y="296111"/>
+            <a:ext cx="4726408" cy="714618"/>
+          </a:xfrm>
+        </p:spPr>
+        <p:txBody>
+          <a:bodyPr anchor="b">
+            <a:normAutofit fontScale="90000"/>
+          </a:bodyPr>
+          <a:lstStyle/>
+          <a:p>
+            <a:pPr algn="l"/>
+            <a:r>
+              <a:rPr lang="en-US" sz="4800" dirty="0"/>
+              <a:t>What will we do?</a:t>
+            </a:r>
+          </a:p>
+        </p:txBody>
+      </p:sp>
+      <p:sp>
+        <p:nvSpPr>
+          <p:cNvPr id="5" name="Subtitle 4">
+            <a:extLst>
+              <a:ext uri="{FF2B5EF4-FFF2-40B4-BE49-F238E27FC236}">
+                <a16:creationId xmlns:a16="http://schemas.microsoft.com/office/drawing/2014/main" id="{260BAA16-C10F-214D-8EF5-FB7746D552C0}"/>
+              </a:ext>
+            </a:extLst>
+          </p:cNvPr>
+          <p:cNvSpPr>
+            <a:spLocks noGrp="1"/>
+          </p:cNvSpPr>
+          <p:nvPr>
+            <p:ph type="subTitle" idx="1"/>
+          </p:nvPr>
+        </p:nvSpPr>
+        <p:spPr>
+          <a:xfrm>
+            <a:off x="477980" y="1306830"/>
+            <a:ext cx="5350252" cy="4774233"/>
+          </a:xfrm>
+        </p:spPr>
+        <p:txBody>
+          <a:bodyPr>
+            <a:normAutofit/>
+          </a:bodyPr>
+          <a:lstStyle/>
+          <a:p>
+            <a:pPr marL="342900" indent="-342900" algn="l">
+              <a:buFont typeface="Arial" panose="020B0604020202020204" pitchFamily="34" charset="0"/>
+              <a:buChar char="•"/>
+            </a:pPr>
+            <a:r>
+              <a:rPr lang="en-US" sz="2000" dirty="0"/>
+              <a:t>Presentation</a:t>
+            </a:r>
+          </a:p>
+          <a:p>
+            <a:pPr marL="342900" indent="-342900" algn="l">
+              <a:buFont typeface="Arial" panose="020B0604020202020204" pitchFamily="34" charset="0"/>
+              <a:buChar char="•"/>
+            </a:pPr>
+            <a:r>
+              <a:rPr lang="en-US" sz="2000" dirty="0"/>
+              <a:t>Hands on</a:t>
+            </a:r>
+          </a:p>
+          <a:p>
+            <a:pPr marL="342900" indent="-342900" algn="l">
+              <a:buFont typeface="Arial" panose="020B0604020202020204" pitchFamily="34" charset="0"/>
+              <a:buChar char="•"/>
+            </a:pPr>
+            <a:r>
+              <a:rPr lang="en-US" sz="2000" dirty="0"/>
+              <a:t>10 minutes breaks</a:t>
+            </a:r>
+          </a:p>
+        </p:txBody>
+      </p:sp>
+      <p:sp>
+        <p:nvSpPr>
+          <p:cNvPr id="8" name="Rectangle 7">
+            <a:extLst>
+              <a:ext uri="{FF2B5EF4-FFF2-40B4-BE49-F238E27FC236}">
+                <a16:creationId xmlns:a16="http://schemas.microsoft.com/office/drawing/2014/main" id="{E6C08160-1331-8445-A594-A66057E70109}"/>
+              </a:ext>
+            </a:extLst>
+          </p:cNvPr>
+          <p:cNvSpPr/>
+          <p:nvPr/>
+        </p:nvSpPr>
+        <p:spPr>
+          <a:xfrm>
+            <a:off x="10440934" y="6596390"/>
+            <a:ext cx="1856598" cy="261610"/>
+          </a:xfrm>
+          <a:prstGeom prst="rect">
+            <a:avLst/>
+          </a:prstGeom>
+        </p:spPr>
+        <p:txBody>
+          <a:bodyPr wrap="none">
+            <a:spAutoFit/>
+          </a:bodyPr>
+          <a:lstStyle/>
+          <a:p>
+            <a:r>
+              <a:rPr lang="en-AU" sz="1050" dirty="0"/>
+              <a:t>Photo by </a:t>
+            </a:r>
+            <a:r>
+              <a:rPr lang="en-AU" sz="1050" b="1" dirty="0">
+                <a:hlinkClick r:id="rId3"/>
+              </a:rPr>
+              <a:t>fauxels</a:t>
+            </a:r>
+            <a:r>
+              <a:rPr lang="en-AU" sz="1050" dirty="0"/>
+              <a:t> from </a:t>
+            </a:r>
+            <a:r>
+              <a:rPr lang="en-AU" sz="1050" b="1" dirty="0">
+                <a:hlinkClick r:id="rId4"/>
+              </a:rPr>
+              <a:t>Pexels</a:t>
+            </a:r>
+            <a:endParaRPr lang="en-AU" sz="1050" dirty="0"/>
+          </a:p>
+        </p:txBody>
+      </p:sp>
+    </p:spTree>
+    <p:extLst>
+      <p:ext uri="{BB962C8B-B14F-4D97-AF65-F5344CB8AC3E}">
+        <p14:creationId xmlns:p14="http://schemas.microsoft.com/office/powerpoint/2010/main" val="458991436"/>
+      </p:ext>
+    </p:extLst>
+  </p:cSld>
+  <p:clrMapOvr>
+    <a:overrideClrMapping bg1="dk1" tx1="lt1" bg2="dk2" tx2="lt2" accent1="accent1" accent2="accent2" accent3="accent3" accent4="accent4" accent5="accent5" accent6="accent6" hlink="hlink" folHlink="folHlink"/>
+  </p:clrMapOvr>
+</p:sld>
+</file>
+
+<file path=ppt/slides/slide5.xml><?xml version="1.0" encoding="utf-8"?>
+<p:sld xmlns:a="http://schemas.openxmlformats.org/drawingml/2006/main" xmlns:r="http://schemas.openxmlformats.org/officeDocument/2006/relationships" xmlns:p="http://schemas.openxmlformats.org/presentationml/2006/main">
+  <p:cSld>
+    <p:bg>
+      <p:bgPr>
+        <a:solidFill>
+          <a:schemeClr val="bg1"/>
+        </a:solidFill>
+        <a:effectLst/>
+      </p:bgPr>
+    </p:bg>
+    <p:spTree>
+      <p:nvGrpSpPr>
+        <p:cNvPr id="1" name=""/>
+        <p:cNvGrpSpPr/>
+        <p:nvPr/>
+      </p:nvGrpSpPr>
+      <p:grpSpPr>
+        <a:xfrm>
+          <a:off x="0" y="0"/>
+          <a:ext cx="0" cy="0"/>
+          <a:chOff x="0" y="0"/>
+          <a:chExt cx="0" cy="0"/>
+        </a:xfrm>
+      </p:grpSpPr>
+      <p:sp useBgFill="1">
+        <p:nvSpPr>
+          <p:cNvPr id="30" name="Rectangle 29">
+            <a:extLst>
+              <a:ext uri="{FF2B5EF4-FFF2-40B4-BE49-F238E27FC236}">
+                <a16:creationId xmlns:a16="http://schemas.microsoft.com/office/drawing/2014/main" id="{0671A8AE-40A1-4631-A6B8-581AFF065482}"/>
+              </a:ext>
+              <a:ext uri="{C183D7F6-B498-43B3-948B-1728B52AA6E4}">
+                <adec:decorative xmlns:adec="http://schemas.microsoft.com/office/drawing/2017/decorative" val="1"/>
+              </a:ext>
+            </a:extLst>
+          </p:cNvPr>
+          <p:cNvSpPr>
+            <a:spLocks noGrp="1" noRot="1" noChangeAspect="1" noMove="1" noResize="1" noEditPoints="1" noAdjustHandles="1" noChangeArrowheads="1" noChangeShapeType="1" noTextEdit="1"/>
+          </p:cNvSpPr>
+          <p:nvPr>
+            <p:extLst>
+              <p:ext uri="{386F3935-93C4-4BCD-93E2-E3B085C9AB24}">
+                <p16:designElem xmlns:p16="http://schemas.microsoft.com/office/powerpoint/2015/main" val="1"/>
+              </p:ext>
+            </p:extLst>
+          </p:nvPr>
+        </p:nvSpPr>
+        <p:spPr>
+          <a:xfrm>
+            <a:off x="0" y="0"/>
+            <a:ext cx="12192000" cy="6858000"/>
+          </a:xfrm>
+          <a:prstGeom prst="rect">
+            <a:avLst/>
+          </a:prstGeom>
+          <a:ln>
+            <a:noFill/>
+          </a:ln>
+        </p:spPr>
+        <p:style>
+          <a:lnRef idx="2">
+            <a:schemeClr val="accent1">
+              <a:shade val="50000"/>
+            </a:schemeClr>
+          </a:lnRef>
+          <a:fillRef idx="1">
+            <a:schemeClr val="accent1"/>
+          </a:fillRef>
+          <a:effectRef idx="0">
+            <a:schemeClr val="accent1"/>
+          </a:effectRef>
+          <a:fontRef idx="minor">
+            <a:schemeClr val="lt1"/>
+          </a:fontRef>
+        </p:style>
+        <p:txBody>
+          <a:bodyPr rtlCol="0" anchor="ctr"/>
+          <a:lstStyle/>
+          <a:p>
+            <a:pPr algn="ctr"/>
+            <a:endParaRPr lang="en-US"/>
+          </a:p>
+        </p:txBody>
+      </p:sp>
+      <p:pic>
+        <p:nvPicPr>
+          <p:cNvPr id="28" name="Picture 27" descr="A picture containing person, outdoor, food, person&#10;&#10;Description automatically generated">
+            <a:extLst>
+              <a:ext uri="{FF2B5EF4-FFF2-40B4-BE49-F238E27FC236}">
+                <a16:creationId xmlns:a16="http://schemas.microsoft.com/office/drawing/2014/main" id="{C8977E0D-23CD-6748-AB4A-D9BB01EC478A}"/>
+              </a:ext>
+            </a:extLst>
+          </p:cNvPr>
+          <p:cNvPicPr>
+            <a:picLocks noChangeAspect="1"/>
+          </p:cNvPicPr>
+          <p:nvPr/>
+        </p:nvPicPr>
+        <p:blipFill rotWithShape="1">
+          <a:blip r:embed="rId2"/>
+          <a:srcRect t="4558" r="5692" b="33428"/>
+          <a:stretch/>
+        </p:blipFill>
+        <p:spPr>
+          <a:xfrm>
+            <a:off x="3887752" y="18288"/>
+            <a:ext cx="8304245" cy="6821424"/>
+          </a:xfrm>
+          <a:prstGeom prst="rect">
+            <a:avLst/>
+          </a:prstGeom>
+        </p:spPr>
+      </p:pic>
+      <p:sp>
+        <p:nvSpPr>
+          <p:cNvPr id="32" name="Rectangle 31">
+            <a:extLst>
+              <a:ext uri="{FF2B5EF4-FFF2-40B4-BE49-F238E27FC236}">
+                <a16:creationId xmlns:a16="http://schemas.microsoft.com/office/drawing/2014/main" id="{AB58EF07-17C2-48CF-ABB0-EEF1F17CB8F0}"/>
+              </a:ext>
+              <a:ext uri="{C183D7F6-B498-43B3-948B-1728B52AA6E4}">
+                <adec:decorative xmlns:adec="http://schemas.microsoft.com/office/drawing/2017/decorative" val="1"/>
+              </a:ext>
+            </a:extLst>
+          </p:cNvPr>
+          <p:cNvSpPr>
+            <a:spLocks noGrp="1" noRot="1" noChangeAspect="1" noMove="1" noResize="1" noEditPoints="1" noAdjustHandles="1" noChangeArrowheads="1" noChangeShapeType="1" noTextEdit="1"/>
+          </p:cNvSpPr>
+          <p:nvPr>
+            <p:extLst>
+              <p:ext uri="{386F3935-93C4-4BCD-93E2-E3B085C9AB24}">
+                <p16:designElem xmlns:p16="http://schemas.microsoft.com/office/powerpoint/2015/main" val="1"/>
+              </p:ext>
+            </p:extLst>
+          </p:nvPr>
+        </p:nvSpPr>
+        <p:spPr>
+          <a:xfrm>
+            <a:off x="3" y="0"/>
+            <a:ext cx="9339206" cy="6858000"/>
+          </a:xfrm>
+          <a:prstGeom prst="rect">
+            <a:avLst/>
+          </a:prstGeom>
+          <a:gradFill>
+            <a:gsLst>
+              <a:gs pos="58000">
+                <a:schemeClr val="bg1"/>
+              </a:gs>
+              <a:gs pos="33000">
+                <a:schemeClr val="bg1">
+                  <a:alpha val="64000"/>
+                </a:schemeClr>
+              </a:gs>
+              <a:gs pos="0">
+                <a:schemeClr val="bg1">
+                  <a:alpha val="0"/>
+                </a:schemeClr>
+              </a:gs>
+              <a:gs pos="100000">
+                <a:schemeClr val="bg1"/>
+              </a:gs>
+            </a:gsLst>
+            <a:lin ang="10800000" scaled="0"/>
+          </a:gradFill>
+          <a:ln>
+            <a:noFill/>
+          </a:ln>
+        </p:spPr>
+        <p:style>
+          <a:lnRef idx="2">
+            <a:schemeClr val="accent1">
+              <a:shade val="50000"/>
+            </a:schemeClr>
+          </a:lnRef>
+          <a:fillRef idx="1">
+            <a:schemeClr val="accent1"/>
+          </a:fillRef>
+          <a:effectRef idx="0">
+            <a:schemeClr val="accent1"/>
+          </a:effectRef>
+          <a:fontRef idx="minor">
+            <a:schemeClr val="lt1"/>
+          </a:fontRef>
+        </p:style>
+        <p:txBody>
+          <a:bodyPr rtlCol="0" anchor="ctr"/>
+          <a:lstStyle/>
+          <a:p>
+            <a:pPr algn="ctr"/>
+            <a:endParaRPr lang="en-US" dirty="0"/>
+          </a:p>
+        </p:txBody>
+      </p:sp>
       <p:sp>
         <p:nvSpPr>
           <p:cNvPr id="4" name="Title 3">
@@ -6299,13 +9570,21 @@
             <p:ph type="ctrTitle"/>
           </p:nvPr>
         </p:nvSpPr>
-        <p:spPr/>
-        <p:txBody>
-          <a:bodyPr/>
+        <p:spPr>
+          <a:xfrm>
+            <a:off x="477981" y="1122363"/>
+            <a:ext cx="4023360" cy="3204134"/>
+          </a:xfrm>
+        </p:spPr>
+        <p:txBody>
+          <a:bodyPr anchor="b">
+            <a:normAutofit/>
+          </a:bodyPr>
           <a:lstStyle/>
           <a:p>
-            <a:r>
-              <a:rPr lang="en-US" dirty="0"/>
+            <a:pPr algn="l"/>
+            <a:r>
+              <a:rPr lang="en-US" sz="4800" dirty="0"/>
               <a:t>Kubernetes Without KEDA</a:t>
             </a:r>
           </a:p>
@@ -6327,12 +9606,169 @@
             <p:ph type="subTitle" idx="1"/>
           </p:nvPr>
         </p:nvSpPr>
-        <p:spPr/>
-        <p:txBody>
-          <a:bodyPr/>
+        <p:spPr>
+          <a:xfrm>
+            <a:off x="477980" y="4872922"/>
+            <a:ext cx="4023359" cy="1208141"/>
+          </a:xfrm>
+        </p:spPr>
+        <p:txBody>
+          <a:bodyPr>
+            <a:normAutofit/>
+          </a:bodyPr>
           <a:lstStyle/>
           <a:p>
-            <a:endParaRPr lang="en-US"/>
+            <a:pPr algn="l"/>
+            <a:endParaRPr lang="en-US" sz="2000"/>
+          </a:p>
+        </p:txBody>
+      </p:sp>
+      <p:sp>
+        <p:nvSpPr>
+          <p:cNvPr id="36" name="Rectangle 35">
+            <a:extLst>
+              <a:ext uri="{FF2B5EF4-FFF2-40B4-BE49-F238E27FC236}">
+                <a16:creationId xmlns:a16="http://schemas.microsoft.com/office/drawing/2014/main" id="{08C9B587-E65E-4B52-B37C-ABEBB6E87928}"/>
+              </a:ext>
+              <a:ext uri="{C183D7F6-B498-43B3-948B-1728B52AA6E4}">
+                <adec:decorative xmlns:adec="http://schemas.microsoft.com/office/drawing/2017/decorative" val="1"/>
+              </a:ext>
+            </a:extLst>
+          </p:cNvPr>
+          <p:cNvSpPr>
+            <a:spLocks noGrp="1" noRot="1" noChangeAspect="1" noMove="1" noResize="1" noEditPoints="1" noAdjustHandles="1" noChangeArrowheads="1" noChangeShapeType="1" noTextEdit="1"/>
+          </p:cNvSpPr>
+          <p:nvPr>
+            <p:extLst>
+              <p:ext uri="{386F3935-93C4-4BCD-93E2-E3B085C9AB24}">
+                <p16:designElem xmlns:p16="http://schemas.microsoft.com/office/powerpoint/2015/main" val="1"/>
+              </p:ext>
+            </p:extLst>
+          </p:nvPr>
+        </p:nvSpPr>
+        <p:spPr>
+          <a:xfrm>
+            <a:off x="481029" y="4546920"/>
+            <a:ext cx="3977640" cy="18288"/>
+          </a:xfrm>
+          <a:prstGeom prst="rect">
+            <a:avLst/>
+          </a:prstGeom>
+          <a:solidFill>
+            <a:schemeClr val="tx1"/>
+          </a:solidFill>
+          <a:ln w="3175">
+            <a:noFill/>
+          </a:ln>
+          <a:effectLst/>
+        </p:spPr>
+        <p:style>
+          <a:lnRef idx="2">
+            <a:schemeClr val="accent1">
+              <a:shade val="50000"/>
+            </a:schemeClr>
+          </a:lnRef>
+          <a:fillRef idx="1">
+            <a:schemeClr val="accent1"/>
+          </a:fillRef>
+          <a:effectRef idx="0">
+            <a:schemeClr val="accent1"/>
+          </a:effectRef>
+          <a:fontRef idx="minor">
+            <a:schemeClr val="lt1"/>
+          </a:fontRef>
+        </p:style>
+        <p:txBody>
+          <a:bodyPr rtlCol="0" anchor="ctr"/>
+          <a:lstStyle/>
+          <a:p>
+            <a:pPr marL="0" marR="0" lvl="0" indent="0" algn="ctr" defTabSz="914400" rtl="0" eaLnBrk="1" fontAlgn="auto" latinLnBrk="0" hangingPunct="1">
+              <a:lnSpc>
+                <a:spcPct val="100000"/>
+              </a:lnSpc>
+              <a:spcBef>
+                <a:spcPts val="0"/>
+              </a:spcBef>
+              <a:spcAft>
+                <a:spcPts val="0"/>
+              </a:spcAft>
+              <a:buClrTx/>
+              <a:buSzTx/>
+              <a:buFontTx/>
+              <a:buNone/>
+              <a:tabLst/>
+              <a:defRPr/>
+            </a:pPr>
+            <a:endParaRPr kumimoji="0" lang="en-US" sz="1800" b="0" i="0" u="none" strike="noStrike" kern="1200" cap="none" spc="0" normalizeH="0" baseline="0" noProof="0">
+              <a:ln>
+                <a:noFill/>
+              </a:ln>
+              <a:solidFill>
+                <a:prstClr val="white"/>
+              </a:solidFill>
+              <a:effectLst/>
+              <a:uLnTx/>
+              <a:uFillTx/>
+              <a:latin typeface="Calibri" panose="020F0502020204030204"/>
+              <a:ea typeface="+mn-ea"/>
+              <a:cs typeface="+mn-cs"/>
+            </a:endParaRPr>
+          </a:p>
+        </p:txBody>
+      </p:sp>
+      <p:sp>
+        <p:nvSpPr>
+          <p:cNvPr id="25" name="Rectangle 24">
+            <a:extLst>
+              <a:ext uri="{FF2B5EF4-FFF2-40B4-BE49-F238E27FC236}">
+                <a16:creationId xmlns:a16="http://schemas.microsoft.com/office/drawing/2014/main" id="{7435A3E0-F2BC-2E45-927A-D9E339AF0385}"/>
+              </a:ext>
+            </a:extLst>
+          </p:cNvPr>
+          <p:cNvSpPr/>
+          <p:nvPr/>
+        </p:nvSpPr>
+        <p:spPr>
+          <a:xfrm>
+            <a:off x="9991672" y="6622372"/>
+            <a:ext cx="2286203" cy="253916"/>
+          </a:xfrm>
+          <a:prstGeom prst="rect">
+            <a:avLst/>
+          </a:prstGeom>
+        </p:spPr>
+        <p:txBody>
+          <a:bodyPr wrap="none">
+            <a:spAutoFit/>
+          </a:bodyPr>
+          <a:lstStyle/>
+          <a:p>
+            <a:pPr>
+              <a:spcAft>
+                <a:spcPts val="600"/>
+              </a:spcAft>
+            </a:pPr>
+            <a:r>
+              <a:rPr lang="en-AU" sz="1050" dirty="0"/>
+              <a:t>Photo by </a:t>
+            </a:r>
+            <a:r>
+              <a:rPr lang="en-AU" sz="1050" b="1" dirty="0">
+                <a:hlinkClick r:id="rId3"/>
+              </a:rPr>
+              <a:t>Daria Shevtsova</a:t>
+            </a:r>
+            <a:r>
+              <a:rPr lang="en-AU" sz="1050" dirty="0"/>
+              <a:t> from </a:t>
+            </a:r>
+            <a:r>
+              <a:rPr lang="en-AU" sz="1050" b="1" dirty="0">
+                <a:hlinkClick r:id="rId4"/>
+              </a:rPr>
+              <a:t>Pexels</a:t>
+            </a:r>
+            <a:endParaRPr lang="en-AU" sz="1050" dirty="0"/>
           </a:p>
         </p:txBody>
       </p:sp>
@@ -6344,12 +9780,12 @@
     </p:extLst>
   </p:cSld>
   <p:clrMapOvr>
-    <a:masterClrMapping/>
+    <a:overrideClrMapping bg1="dk1" tx1="lt1" bg2="dk2" tx2="lt2" accent1="accent1" accent2="accent2" accent3="accent3" accent4="accent4" accent5="accent5" accent6="accent6" hlink="hlink" folHlink="folHlink"/>
   </p:clrMapOvr>
 </p:sld>
 </file>
 
-<file path=ppt/slides/slide4.xml><?xml version="1.0" encoding="utf-8"?>
+<file path=ppt/slides/slide6.xml><?xml version="1.0" encoding="utf-8"?>
 <p:sld xmlns:a="http://schemas.openxmlformats.org/drawingml/2006/main" xmlns:r="http://schemas.openxmlformats.org/officeDocument/2006/relationships" xmlns:p="http://schemas.openxmlformats.org/presentationml/2006/main">
   <p:cSld>
     <p:spTree>
@@ -7435,7 +10871,7 @@
 </p:sld>
 </file>
 
-<file path=ppt/slides/slide5.xml><?xml version="1.0" encoding="utf-8"?>
+<file path=ppt/slides/slide7.xml><?xml version="1.0" encoding="utf-8"?>
 <p:sld xmlns:a="http://schemas.openxmlformats.org/drawingml/2006/main" xmlns:r="http://schemas.openxmlformats.org/officeDocument/2006/relationships" xmlns:p="http://schemas.openxmlformats.org/presentationml/2006/main">
   <p:cSld>
     <p:spTree>
@@ -7475,7 +10911,7 @@
           <a:p>
             <a:r>
               <a:rPr lang="en-US" dirty="0"/>
-              <a:t>Problems with HPA only</a:t>
+              <a:t>Challenges with HPA only</a:t>
             </a:r>
           </a:p>
         </p:txBody>
@@ -7503,13 +10939,13 @@
           <a:p>
             <a:r>
               <a:rPr lang="en-US" dirty="0"/>
+              <a:t>Only CPU and Memory by default</a:t>
+            </a:r>
+          </a:p>
+          <a:p>
+            <a:r>
+              <a:rPr lang="en-US" dirty="0"/>
               <a:t>No “0 to 1” and “1 to 0”</a:t>
-            </a:r>
-          </a:p>
-          <a:p>
-            <a:r>
-              <a:rPr lang="en-US" dirty="0"/>
-              <a:t>Only CPU and Memory by default</a:t>
             </a:r>
           </a:p>
           <a:p>
@@ -7646,708 +11082,6 @@
                                           <p:spTgt spid="3">
                                             <p:txEl>
                                               <p:pRg st="1" end="1"/>
-                                            </p:txEl>
-                                          </p:spTgt>
-                                        </p:tgtEl>
-                                      </p:cBhvr>
-                                    </p:animEffect>
-                                  </p:childTnLst>
-                                </p:cTn>
-                              </p:par>
-                            </p:childTnLst>
-                          </p:cTn>
-                        </p:par>
-                      </p:childTnLst>
-                    </p:cTn>
-                  </p:par>
-                </p:childTnLst>
-              </p:cTn>
-              <p:prevCondLst>
-                <p:cond evt="onPrev" delay="0">
-                  <p:tgtEl>
-                    <p:sldTgt/>
-                  </p:tgtEl>
-                </p:cond>
-              </p:prevCondLst>
-              <p:nextCondLst>
-                <p:cond evt="onNext" delay="0">
-                  <p:tgtEl>
-                    <p:sldTgt/>
-                  </p:tgtEl>
-                </p:cond>
-              </p:nextCondLst>
-            </p:seq>
-          </p:childTnLst>
-        </p:cTn>
-      </p:par>
-    </p:tnLst>
-  </p:timing>
-</p:sld>
-</file>
-
-<file path=ppt/slides/slide6.xml><?xml version="1.0" encoding="utf-8"?>
-<p:sld xmlns:a="http://schemas.openxmlformats.org/drawingml/2006/main" xmlns:r="http://schemas.openxmlformats.org/officeDocument/2006/relationships" xmlns:p="http://schemas.openxmlformats.org/presentationml/2006/main">
-  <p:cSld>
-    <p:spTree>
-      <p:nvGrpSpPr>
-        <p:cNvPr id="1" name=""/>
-        <p:cNvGrpSpPr/>
-        <p:nvPr/>
-      </p:nvGrpSpPr>
-      <p:grpSpPr>
-        <a:xfrm>
-          <a:off x="0" y="0"/>
-          <a:ext cx="0" cy="0"/>
-          <a:chOff x="0" y="0"/>
-          <a:chExt cx="0" cy="0"/>
-        </a:xfrm>
-      </p:grpSpPr>
-      <p:sp>
-        <p:nvSpPr>
-          <p:cNvPr id="4" name="Title 3">
-            <a:extLst>
-              <a:ext uri="{FF2B5EF4-FFF2-40B4-BE49-F238E27FC236}">
-                <a16:creationId xmlns:a16="http://schemas.microsoft.com/office/drawing/2014/main" id="{81493473-C789-6340-9A5E-E3B87060176D}"/>
-              </a:ext>
-            </a:extLst>
-          </p:cNvPr>
-          <p:cNvSpPr>
-            <a:spLocks noGrp="1"/>
-          </p:cNvSpPr>
-          <p:nvPr>
-            <p:ph type="ctrTitle"/>
-          </p:nvPr>
-        </p:nvSpPr>
-        <p:spPr/>
-        <p:txBody>
-          <a:bodyPr/>
-          <a:lstStyle/>
-          <a:p>
-            <a:r>
-              <a:rPr lang="en-US" dirty="0"/>
-              <a:t>KEDA’s Role</a:t>
-            </a:r>
-          </a:p>
-        </p:txBody>
-      </p:sp>
-      <p:sp>
-        <p:nvSpPr>
-          <p:cNvPr id="5" name="Subtitle 4">
-            <a:extLst>
-              <a:ext uri="{FF2B5EF4-FFF2-40B4-BE49-F238E27FC236}">
-                <a16:creationId xmlns:a16="http://schemas.microsoft.com/office/drawing/2014/main" id="{3F497F65-F9ED-2A41-B292-E76F7297D8D8}"/>
-              </a:ext>
-            </a:extLst>
-          </p:cNvPr>
-          <p:cNvSpPr>
-            <a:spLocks noGrp="1"/>
-          </p:cNvSpPr>
-          <p:nvPr>
-            <p:ph type="subTitle" idx="1"/>
-          </p:nvPr>
-        </p:nvSpPr>
-        <p:spPr/>
-        <p:txBody>
-          <a:bodyPr/>
-          <a:lstStyle/>
-          <a:p>
-            <a:endParaRPr lang="en-US"/>
-          </a:p>
-        </p:txBody>
-      </p:sp>
-    </p:spTree>
-    <p:extLst>
-      <p:ext uri="{BB962C8B-B14F-4D97-AF65-F5344CB8AC3E}">
-        <p14:creationId xmlns:p14="http://schemas.microsoft.com/office/powerpoint/2010/main" val="950693121"/>
-      </p:ext>
-    </p:extLst>
-  </p:cSld>
-  <p:clrMapOvr>
-    <a:masterClrMapping/>
-  </p:clrMapOvr>
-</p:sld>
-</file>
-
-<file path=ppt/slides/slide7.xml><?xml version="1.0" encoding="utf-8"?>
-<p:sld xmlns:a="http://schemas.openxmlformats.org/drawingml/2006/main" xmlns:r="http://schemas.openxmlformats.org/officeDocument/2006/relationships" xmlns:p="http://schemas.openxmlformats.org/presentationml/2006/main">
-  <p:cSld>
-    <p:spTree>
-      <p:nvGrpSpPr>
-        <p:cNvPr id="1" name=""/>
-        <p:cNvGrpSpPr/>
-        <p:nvPr/>
-      </p:nvGrpSpPr>
-      <p:grpSpPr>
-        <a:xfrm>
-          <a:off x="0" y="0"/>
-          <a:ext cx="0" cy="0"/>
-          <a:chOff x="0" y="0"/>
-          <a:chExt cx="0" cy="0"/>
-        </a:xfrm>
-      </p:grpSpPr>
-      <p:sp>
-        <p:nvSpPr>
-          <p:cNvPr id="2" name="Title 1">
-            <a:extLst>
-              <a:ext uri="{FF2B5EF4-FFF2-40B4-BE49-F238E27FC236}">
-                <a16:creationId xmlns:a16="http://schemas.microsoft.com/office/drawing/2014/main" id="{2A6B3E5D-467D-AE47-A075-E32FC5595D2C}"/>
-              </a:ext>
-            </a:extLst>
-          </p:cNvPr>
-          <p:cNvSpPr>
-            <a:spLocks noGrp="1"/>
-          </p:cNvSpPr>
-          <p:nvPr>
-            <p:ph type="title"/>
-          </p:nvPr>
-        </p:nvSpPr>
-        <p:spPr/>
-        <p:txBody>
-          <a:bodyPr/>
-          <a:lstStyle/>
-          <a:p>
-            <a:r>
-              <a:rPr lang="en-US" dirty="0"/>
-              <a:t>KEDA brings in</a:t>
-            </a:r>
-          </a:p>
-        </p:txBody>
-      </p:sp>
-      <p:sp>
-        <p:nvSpPr>
-          <p:cNvPr id="3" name="Content Placeholder 2">
-            <a:extLst>
-              <a:ext uri="{FF2B5EF4-FFF2-40B4-BE49-F238E27FC236}">
-                <a16:creationId xmlns:a16="http://schemas.microsoft.com/office/drawing/2014/main" id="{173BC152-0E92-2348-851F-2BA8DE523BF5}"/>
-              </a:ext>
-            </a:extLst>
-          </p:cNvPr>
-          <p:cNvSpPr>
-            <a:spLocks noGrp="1"/>
-          </p:cNvSpPr>
-          <p:nvPr>
-            <p:ph idx="1"/>
-          </p:nvPr>
-        </p:nvSpPr>
-        <p:spPr/>
-        <p:txBody>
-          <a:bodyPr/>
-          <a:lstStyle/>
-          <a:p>
-            <a:r>
-              <a:rPr lang="en-US" dirty="0"/>
-              <a:t>Acts as a metric server for many scalers (22)</a:t>
-            </a:r>
-          </a:p>
-          <a:p>
-            <a:pPr lvl="1"/>
-            <a:r>
-              <a:rPr lang="en-US" dirty="0"/>
-              <a:t>Kafka</a:t>
-            </a:r>
-          </a:p>
-          <a:p>
-            <a:pPr lvl="1"/>
-            <a:r>
-              <a:rPr lang="en-US" dirty="0"/>
-              <a:t>AWS (SQS, </a:t>
-            </a:r>
-            <a:r>
-              <a:rPr lang="en-US" dirty="0" err="1"/>
-              <a:t>CoudWatch</a:t>
-            </a:r>
-            <a:r>
-              <a:rPr lang="en-US" dirty="0"/>
-              <a:t>, Kinesis)</a:t>
-            </a:r>
-          </a:p>
-          <a:p>
-            <a:pPr lvl="1"/>
-            <a:r>
-              <a:rPr lang="en-US" dirty="0"/>
-              <a:t>Azure (Storage Queue, Blob, Events Hub, Monitor, Service Bus…)</a:t>
-            </a:r>
-          </a:p>
-          <a:p>
-            <a:pPr lvl="1"/>
-            <a:r>
-              <a:rPr lang="en-US" dirty="0"/>
-              <a:t>RabbitMQ</a:t>
-            </a:r>
-          </a:p>
-          <a:p>
-            <a:pPr lvl="1"/>
-            <a:r>
-              <a:rPr lang="en-US" dirty="0"/>
-              <a:t>Redis</a:t>
-            </a:r>
-          </a:p>
-          <a:p>
-            <a:pPr lvl="1"/>
-            <a:r>
-              <a:rPr lang="en-US" dirty="0"/>
-              <a:t>…</a:t>
-            </a:r>
-          </a:p>
-          <a:p>
-            <a:r>
-              <a:rPr lang="en-US" dirty="0"/>
-              <a:t>Support for “0 to 1” and “1 to 0”</a:t>
-            </a:r>
-          </a:p>
-          <a:p>
-            <a:r>
-              <a:rPr lang="en-US" dirty="0"/>
-              <a:t>Build your own scaler</a:t>
-            </a:r>
-          </a:p>
-        </p:txBody>
-      </p:sp>
-    </p:spTree>
-    <p:extLst>
-      <p:ext uri="{BB962C8B-B14F-4D97-AF65-F5344CB8AC3E}">
-        <p14:creationId xmlns:p14="http://schemas.microsoft.com/office/powerpoint/2010/main" val="2953676721"/>
-      </p:ext>
-    </p:extLst>
-  </p:cSld>
-  <p:clrMapOvr>
-    <a:masterClrMapping/>
-  </p:clrMapOvr>
-  <p:timing>
-    <p:tnLst>
-      <p:par>
-        <p:cTn id="1" dur="indefinite" restart="never" nodeType="tmRoot">
-          <p:childTnLst>
-            <p:seq concurrent="1" nextAc="seek">
-              <p:cTn id="2" dur="indefinite" nodeType="mainSeq">
-                <p:childTnLst>
-                  <p:par>
-                    <p:cTn id="3" fill="hold">
-                      <p:stCondLst>
-                        <p:cond delay="indefinite"/>
-                      </p:stCondLst>
-                      <p:childTnLst>
-                        <p:par>
-                          <p:cTn id="4" fill="hold">
-                            <p:stCondLst>
-                              <p:cond delay="0"/>
-                            </p:stCondLst>
-                            <p:childTnLst>
-                              <p:par>
-                                <p:cTn id="5" presetID="10" presetClass="entr" presetSubtype="0" fill="hold" nodeType="clickEffect">
-                                  <p:stCondLst>
-                                    <p:cond delay="0"/>
-                                  </p:stCondLst>
-                                  <p:childTnLst>
-                                    <p:set>
-                                      <p:cBhvr>
-                                        <p:cTn id="6" dur="1" fill="hold">
-                                          <p:stCondLst>
-                                            <p:cond delay="0"/>
-                                          </p:stCondLst>
-                                        </p:cTn>
-                                        <p:tgtEl>
-                                          <p:spTgt spid="3">
-                                            <p:txEl>
-                                              <p:pRg st="0" end="0"/>
-                                            </p:txEl>
-                                          </p:spTgt>
-                                        </p:tgtEl>
-                                        <p:attrNameLst>
-                                          <p:attrName>style.visibility</p:attrName>
-                                        </p:attrNameLst>
-                                      </p:cBhvr>
-                                      <p:to>
-                                        <p:strVal val="visible"/>
-                                      </p:to>
-                                    </p:set>
-                                    <p:animEffect transition="in" filter="fade">
-                                      <p:cBhvr>
-                                        <p:cTn id="7" dur="500"/>
-                                        <p:tgtEl>
-                                          <p:spTgt spid="3">
-                                            <p:txEl>
-                                              <p:pRg st="0" end="0"/>
-                                            </p:txEl>
-                                          </p:spTgt>
-                                        </p:tgtEl>
-                                      </p:cBhvr>
-                                    </p:animEffect>
-                                  </p:childTnLst>
-                                </p:cTn>
-                              </p:par>
-                              <p:par>
-                                <p:cTn id="8" presetID="10" presetClass="entr" presetSubtype="0" fill="hold" nodeType="withEffect">
-                                  <p:stCondLst>
-                                    <p:cond delay="0"/>
-                                  </p:stCondLst>
-                                  <p:childTnLst>
-                                    <p:set>
-                                      <p:cBhvr>
-                                        <p:cTn id="9" dur="1" fill="hold">
-                                          <p:stCondLst>
-                                            <p:cond delay="0"/>
-                                          </p:stCondLst>
-                                        </p:cTn>
-                                        <p:tgtEl>
-                                          <p:spTgt spid="3">
-                                            <p:txEl>
-                                              <p:pRg st="1" end="1"/>
-                                            </p:txEl>
-                                          </p:spTgt>
-                                        </p:tgtEl>
-                                        <p:attrNameLst>
-                                          <p:attrName>style.visibility</p:attrName>
-                                        </p:attrNameLst>
-                                      </p:cBhvr>
-                                      <p:to>
-                                        <p:strVal val="visible"/>
-                                      </p:to>
-                                    </p:set>
-                                    <p:animEffect transition="in" filter="fade">
-                                      <p:cBhvr>
-                                        <p:cTn id="10" dur="500"/>
-                                        <p:tgtEl>
-                                          <p:spTgt spid="3">
-                                            <p:txEl>
-                                              <p:pRg st="1" end="1"/>
-                                            </p:txEl>
-                                          </p:spTgt>
-                                        </p:tgtEl>
-                                      </p:cBhvr>
-                                    </p:animEffect>
-                                  </p:childTnLst>
-                                </p:cTn>
-                              </p:par>
-                              <p:par>
-                                <p:cTn id="11" presetID="10" presetClass="entr" presetSubtype="0" fill="hold" nodeType="withEffect">
-                                  <p:stCondLst>
-                                    <p:cond delay="0"/>
-                                  </p:stCondLst>
-                                  <p:childTnLst>
-                                    <p:set>
-                                      <p:cBhvr>
-                                        <p:cTn id="12" dur="1" fill="hold">
-                                          <p:stCondLst>
-                                            <p:cond delay="0"/>
-                                          </p:stCondLst>
-                                        </p:cTn>
-                                        <p:tgtEl>
-                                          <p:spTgt spid="3">
-                                            <p:txEl>
-                                              <p:pRg st="2" end="2"/>
-                                            </p:txEl>
-                                          </p:spTgt>
-                                        </p:tgtEl>
-                                        <p:attrNameLst>
-                                          <p:attrName>style.visibility</p:attrName>
-                                        </p:attrNameLst>
-                                      </p:cBhvr>
-                                      <p:to>
-                                        <p:strVal val="visible"/>
-                                      </p:to>
-                                    </p:set>
-                                    <p:animEffect transition="in" filter="fade">
-                                      <p:cBhvr>
-                                        <p:cTn id="13" dur="500"/>
-                                        <p:tgtEl>
-                                          <p:spTgt spid="3">
-                                            <p:txEl>
-                                              <p:pRg st="2" end="2"/>
-                                            </p:txEl>
-                                          </p:spTgt>
-                                        </p:tgtEl>
-                                      </p:cBhvr>
-                                    </p:animEffect>
-                                  </p:childTnLst>
-                                </p:cTn>
-                              </p:par>
-                              <p:par>
-                                <p:cTn id="14" presetID="10" presetClass="entr" presetSubtype="0" fill="hold" nodeType="withEffect">
-                                  <p:stCondLst>
-                                    <p:cond delay="0"/>
-                                  </p:stCondLst>
-                                  <p:childTnLst>
-                                    <p:set>
-                                      <p:cBhvr>
-                                        <p:cTn id="15" dur="1" fill="hold">
-                                          <p:stCondLst>
-                                            <p:cond delay="0"/>
-                                          </p:stCondLst>
-                                        </p:cTn>
-                                        <p:tgtEl>
-                                          <p:spTgt spid="3">
-                                            <p:txEl>
-                                              <p:pRg st="3" end="3"/>
-                                            </p:txEl>
-                                          </p:spTgt>
-                                        </p:tgtEl>
-                                        <p:attrNameLst>
-                                          <p:attrName>style.visibility</p:attrName>
-                                        </p:attrNameLst>
-                                      </p:cBhvr>
-                                      <p:to>
-                                        <p:strVal val="visible"/>
-                                      </p:to>
-                                    </p:set>
-                                    <p:animEffect transition="in" filter="fade">
-                                      <p:cBhvr>
-                                        <p:cTn id="16" dur="500"/>
-                                        <p:tgtEl>
-                                          <p:spTgt spid="3">
-                                            <p:txEl>
-                                              <p:pRg st="3" end="3"/>
-                                            </p:txEl>
-                                          </p:spTgt>
-                                        </p:tgtEl>
-                                      </p:cBhvr>
-                                    </p:animEffect>
-                                  </p:childTnLst>
-                                </p:cTn>
-                              </p:par>
-                              <p:par>
-                                <p:cTn id="17" presetID="10" presetClass="entr" presetSubtype="0" fill="hold" nodeType="withEffect">
-                                  <p:stCondLst>
-                                    <p:cond delay="0"/>
-                                  </p:stCondLst>
-                                  <p:childTnLst>
-                                    <p:set>
-                                      <p:cBhvr>
-                                        <p:cTn id="18" dur="1" fill="hold">
-                                          <p:stCondLst>
-                                            <p:cond delay="0"/>
-                                          </p:stCondLst>
-                                        </p:cTn>
-                                        <p:tgtEl>
-                                          <p:spTgt spid="3">
-                                            <p:txEl>
-                                              <p:pRg st="4" end="4"/>
-                                            </p:txEl>
-                                          </p:spTgt>
-                                        </p:tgtEl>
-                                        <p:attrNameLst>
-                                          <p:attrName>style.visibility</p:attrName>
-                                        </p:attrNameLst>
-                                      </p:cBhvr>
-                                      <p:to>
-                                        <p:strVal val="visible"/>
-                                      </p:to>
-                                    </p:set>
-                                    <p:animEffect transition="in" filter="fade">
-                                      <p:cBhvr>
-                                        <p:cTn id="19" dur="500"/>
-                                        <p:tgtEl>
-                                          <p:spTgt spid="3">
-                                            <p:txEl>
-                                              <p:pRg st="4" end="4"/>
-                                            </p:txEl>
-                                          </p:spTgt>
-                                        </p:tgtEl>
-                                      </p:cBhvr>
-                                    </p:animEffect>
-                                  </p:childTnLst>
-                                </p:cTn>
-                              </p:par>
-                              <p:par>
-                                <p:cTn id="20" presetID="10" presetClass="entr" presetSubtype="0" fill="hold" nodeType="withEffect">
-                                  <p:stCondLst>
-                                    <p:cond delay="0"/>
-                                  </p:stCondLst>
-                                  <p:childTnLst>
-                                    <p:set>
-                                      <p:cBhvr>
-                                        <p:cTn id="21" dur="1" fill="hold">
-                                          <p:stCondLst>
-                                            <p:cond delay="0"/>
-                                          </p:stCondLst>
-                                        </p:cTn>
-                                        <p:tgtEl>
-                                          <p:spTgt spid="3">
-                                            <p:txEl>
-                                              <p:pRg st="5" end="5"/>
-                                            </p:txEl>
-                                          </p:spTgt>
-                                        </p:tgtEl>
-                                        <p:attrNameLst>
-                                          <p:attrName>style.visibility</p:attrName>
-                                        </p:attrNameLst>
-                                      </p:cBhvr>
-                                      <p:to>
-                                        <p:strVal val="visible"/>
-                                      </p:to>
-                                    </p:set>
-                                    <p:animEffect transition="in" filter="fade">
-                                      <p:cBhvr>
-                                        <p:cTn id="22" dur="500"/>
-                                        <p:tgtEl>
-                                          <p:spTgt spid="3">
-                                            <p:txEl>
-                                              <p:pRg st="5" end="5"/>
-                                            </p:txEl>
-                                          </p:spTgt>
-                                        </p:tgtEl>
-                                      </p:cBhvr>
-                                    </p:animEffect>
-                                  </p:childTnLst>
-                                </p:cTn>
-                              </p:par>
-                              <p:par>
-                                <p:cTn id="23" presetID="10" presetClass="entr" presetSubtype="0" fill="hold" nodeType="withEffect">
-                                  <p:stCondLst>
-                                    <p:cond delay="0"/>
-                                  </p:stCondLst>
-                                  <p:childTnLst>
-                                    <p:set>
-                                      <p:cBhvr>
-                                        <p:cTn id="24" dur="1" fill="hold">
-                                          <p:stCondLst>
-                                            <p:cond delay="0"/>
-                                          </p:stCondLst>
-                                        </p:cTn>
-                                        <p:tgtEl>
-                                          <p:spTgt spid="3">
-                                            <p:txEl>
-                                              <p:pRg st="6" end="6"/>
-                                            </p:txEl>
-                                          </p:spTgt>
-                                        </p:tgtEl>
-                                        <p:attrNameLst>
-                                          <p:attrName>style.visibility</p:attrName>
-                                        </p:attrNameLst>
-                                      </p:cBhvr>
-                                      <p:to>
-                                        <p:strVal val="visible"/>
-                                      </p:to>
-                                    </p:set>
-                                    <p:animEffect transition="in" filter="fade">
-                                      <p:cBhvr>
-                                        <p:cTn id="25" dur="500"/>
-                                        <p:tgtEl>
-                                          <p:spTgt spid="3">
-                                            <p:txEl>
-                                              <p:pRg st="6" end="6"/>
-                                            </p:txEl>
-                                          </p:spTgt>
-                                        </p:tgtEl>
-                                      </p:cBhvr>
-                                    </p:animEffect>
-                                  </p:childTnLst>
-                                </p:cTn>
-                              </p:par>
-                            </p:childTnLst>
-                          </p:cTn>
-                        </p:par>
-                      </p:childTnLst>
-                    </p:cTn>
-                  </p:par>
-                  <p:par>
-                    <p:cTn id="26" fill="hold">
-                      <p:stCondLst>
-                        <p:cond delay="indefinite"/>
-                      </p:stCondLst>
-                      <p:childTnLst>
-                        <p:par>
-                          <p:cTn id="27" fill="hold">
-                            <p:stCondLst>
-                              <p:cond delay="0"/>
-                            </p:stCondLst>
-                            <p:childTnLst>
-                              <p:par>
-                                <p:cTn id="28" presetID="10" presetClass="entr" presetSubtype="0" fill="hold" nodeType="clickEffect">
-                                  <p:stCondLst>
-                                    <p:cond delay="0"/>
-                                  </p:stCondLst>
-                                  <p:childTnLst>
-                                    <p:set>
-                                      <p:cBhvr>
-                                        <p:cTn id="29" dur="1" fill="hold">
-                                          <p:stCondLst>
-                                            <p:cond delay="0"/>
-                                          </p:stCondLst>
-                                        </p:cTn>
-                                        <p:tgtEl>
-                                          <p:spTgt spid="3">
-                                            <p:txEl>
-                                              <p:pRg st="7" end="7"/>
-                                            </p:txEl>
-                                          </p:spTgt>
-                                        </p:tgtEl>
-                                        <p:attrNameLst>
-                                          <p:attrName>style.visibility</p:attrName>
-                                        </p:attrNameLst>
-                                      </p:cBhvr>
-                                      <p:to>
-                                        <p:strVal val="visible"/>
-                                      </p:to>
-                                    </p:set>
-                                    <p:animEffect transition="in" filter="fade">
-                                      <p:cBhvr>
-                                        <p:cTn id="30" dur="500"/>
-                                        <p:tgtEl>
-                                          <p:spTgt spid="3">
-                                            <p:txEl>
-                                              <p:pRg st="7" end="7"/>
-                                            </p:txEl>
-                                          </p:spTgt>
-                                        </p:tgtEl>
-                                      </p:cBhvr>
-                                    </p:animEffect>
-                                  </p:childTnLst>
-                                </p:cTn>
-                              </p:par>
-                            </p:childTnLst>
-                          </p:cTn>
-                        </p:par>
-                      </p:childTnLst>
-                    </p:cTn>
-                  </p:par>
-                  <p:par>
-                    <p:cTn id="31" fill="hold">
-                      <p:stCondLst>
-                        <p:cond delay="indefinite"/>
-                      </p:stCondLst>
-                      <p:childTnLst>
-                        <p:par>
-                          <p:cTn id="32" fill="hold">
-                            <p:stCondLst>
-                              <p:cond delay="0"/>
-                            </p:stCondLst>
-                            <p:childTnLst>
-                              <p:par>
-                                <p:cTn id="33" presetID="10" presetClass="entr" presetSubtype="0" fill="hold" nodeType="clickEffect">
-                                  <p:stCondLst>
-                                    <p:cond delay="0"/>
-                                  </p:stCondLst>
-                                  <p:childTnLst>
-                                    <p:set>
-                                      <p:cBhvr>
-                                        <p:cTn id="34" dur="1" fill="hold">
-                                          <p:stCondLst>
-                                            <p:cond delay="0"/>
-                                          </p:stCondLst>
-                                        </p:cTn>
-                                        <p:tgtEl>
-                                          <p:spTgt spid="3">
-                                            <p:txEl>
-                                              <p:pRg st="8" end="8"/>
-                                            </p:txEl>
-                                          </p:spTgt>
-                                        </p:tgtEl>
-                                        <p:attrNameLst>
-                                          <p:attrName>style.visibility</p:attrName>
-                                        </p:attrNameLst>
-                                      </p:cBhvr>
-                                      <p:to>
-                                        <p:strVal val="visible"/>
-                                      </p:to>
-                                    </p:set>
-                                    <p:animEffect transition="in" filter="fade">
-                                      <p:cBhvr>
-                                        <p:cTn id="35" dur="500"/>
-                                        <p:tgtEl>
-                                          <p:spTgt spid="3">
-                                            <p:txEl>
-                                              <p:pRg st="8" end="8"/>
                                             </p:txEl>
                                           </p:spTgt>
                                         </p:tgtEl>
@@ -8404,63 +11138,57 @@
           <a:chExt cx="0" cy="0"/>
         </a:xfrm>
       </p:grpSpPr>
-      <p:sp>
-        <p:nvSpPr>
-          <p:cNvPr id="4" name="Title 3">
+      <p:pic>
+        <p:nvPicPr>
+          <p:cNvPr id="6" name="KEDA logo">
             <a:extLst>
               <a:ext uri="{FF2B5EF4-FFF2-40B4-BE49-F238E27FC236}">
-                <a16:creationId xmlns:a16="http://schemas.microsoft.com/office/drawing/2014/main" id="{05354F63-975C-9947-8B02-DB80DC6B380E}"/>
+                <a16:creationId xmlns:a16="http://schemas.microsoft.com/office/drawing/2014/main" id="{7F281F27-FFB0-D046-95BE-92CE9DE3E5E1}"/>
               </a:ext>
             </a:extLst>
           </p:cNvPr>
-          <p:cNvSpPr>
-            <a:spLocks noGrp="1"/>
-          </p:cNvSpPr>
-          <p:nvPr>
-            <p:ph type="ctrTitle"/>
-          </p:nvPr>
-        </p:nvSpPr>
-        <p:spPr/>
-        <p:txBody>
-          <a:bodyPr/>
-          <a:lstStyle/>
-          <a:p>
-            <a:r>
-              <a:rPr lang="en-US" dirty="0"/>
-              <a:t>How KEDA Works</a:t>
-            </a:r>
-          </a:p>
-        </p:txBody>
-      </p:sp>
-      <p:sp>
-        <p:nvSpPr>
-          <p:cNvPr id="5" name="Subtitle 4">
+          <p:cNvPicPr>
+            <a:picLocks noChangeAspect="1" noChangeArrowheads="1"/>
+          </p:cNvPicPr>
+          <p:nvPr/>
+        </p:nvPicPr>
+        <p:blipFill>
+          <a:blip r:embed="rId2">
             <a:extLst>
-              <a:ext uri="{FF2B5EF4-FFF2-40B4-BE49-F238E27FC236}">
-                <a16:creationId xmlns:a16="http://schemas.microsoft.com/office/drawing/2014/main" id="{E6785BF4-9BA8-2B4F-8C4C-D7089FC9A206}"/>
+              <a:ext uri="{28A0092B-C50C-407E-A947-70E740481C1C}">
+                <a14:useLocalDpi xmlns:a14="http://schemas.microsoft.com/office/drawing/2010/main" val="0"/>
               </a:ext>
             </a:extLst>
-          </p:cNvPr>
-          <p:cNvSpPr>
-            <a:spLocks noGrp="1"/>
-          </p:cNvSpPr>
-          <p:nvPr>
-            <p:ph type="subTitle" idx="1"/>
-          </p:nvPr>
-        </p:nvSpPr>
-        <p:spPr/>
-        <p:txBody>
-          <a:bodyPr/>
-          <a:lstStyle/>
-          <a:p>
-            <a:endParaRPr lang="en-US"/>
-          </a:p>
-        </p:txBody>
-      </p:sp>
+          </a:blip>
+          <a:srcRect/>
+          <a:stretch>
+            <a:fillRect/>
+          </a:stretch>
+        </p:blipFill>
+        <p:spPr bwMode="auto">
+          <a:xfrm>
+            <a:off x="3431816" y="2390898"/>
+            <a:ext cx="5328368" cy="2076205"/>
+          </a:xfrm>
+          <a:prstGeom prst="rect">
+            <a:avLst/>
+          </a:prstGeom>
+          <a:noFill/>
+          <a:extLst>
+            <a:ext uri="{909E8E84-426E-40DD-AFC4-6F175D3DCCD1}">
+              <a14:hiddenFill xmlns:a14="http://schemas.microsoft.com/office/drawing/2010/main">
+                <a:solidFill>
+                  <a:srgbClr val="FFFFFF"/>
+                </a:solidFill>
+              </a14:hiddenFill>
+            </a:ext>
+          </a:extLst>
+        </p:spPr>
+      </p:pic>
     </p:spTree>
     <p:extLst>
       <p:ext uri="{BB962C8B-B14F-4D97-AF65-F5344CB8AC3E}">
-        <p14:creationId xmlns:p14="http://schemas.microsoft.com/office/powerpoint/2010/main" val="704206216"/>
+        <p14:creationId xmlns:p14="http://schemas.microsoft.com/office/powerpoint/2010/main" val="950693121"/>
       </p:ext>
     </p:extLst>
   </p:cSld>
@@ -8489,943 +11217,129 @@
       </p:grpSpPr>
       <p:sp>
         <p:nvSpPr>
-          <p:cNvPr id="4" name="K8s cluster">
+          <p:cNvPr id="2" name="Title 1">
             <a:extLst>
               <a:ext uri="{FF2B5EF4-FFF2-40B4-BE49-F238E27FC236}">
-                <a16:creationId xmlns:a16="http://schemas.microsoft.com/office/drawing/2014/main" id="{831A18A1-1E23-7A4C-B645-2373E8D3BFE7}"/>
+                <a16:creationId xmlns:a16="http://schemas.microsoft.com/office/drawing/2014/main" id="{2A6B3E5D-467D-AE47-A075-E32FC5595D2C}"/>
               </a:ext>
             </a:extLst>
           </p:cNvPr>
-          <p:cNvSpPr/>
-          <p:nvPr/>
-        </p:nvSpPr>
-        <p:spPr>
-          <a:xfrm>
-            <a:off x="331694" y="313765"/>
-            <a:ext cx="7257825" cy="6194611"/>
-          </a:xfrm>
-          <a:prstGeom prst="rect">
-            <a:avLst/>
-          </a:prstGeom>
-          <a:noFill/>
-          <a:ln w="38100"/>
-        </p:spPr>
-        <p:style>
-          <a:lnRef idx="2">
-            <a:schemeClr val="accent1">
-              <a:shade val="50000"/>
-            </a:schemeClr>
-          </a:lnRef>
-          <a:fillRef idx="1">
-            <a:schemeClr val="accent1"/>
-          </a:fillRef>
-          <a:effectRef idx="0">
-            <a:schemeClr val="accent1"/>
-          </a:effectRef>
-          <a:fontRef idx="minor">
-            <a:schemeClr val="lt1"/>
-          </a:fontRef>
-        </p:style>
-        <p:txBody>
-          <a:bodyPr rtlCol="0" anchor="ctr"/>
+          <p:cNvSpPr>
+            <a:spLocks noGrp="1"/>
+          </p:cNvSpPr>
+          <p:nvPr>
+            <p:ph type="title"/>
+          </p:nvPr>
+        </p:nvSpPr>
+        <p:spPr/>
+        <p:txBody>
+          <a:bodyPr/>
           <a:lstStyle/>
           <a:p>
-            <a:pPr algn="ctr"/>
-            <a:endParaRPr lang="en-US"/>
-          </a:p>
-        </p:txBody>
-      </p:sp>
-      <p:sp>
-        <p:nvSpPr>
-          <p:cNvPr id="9" name="Target">
+            <a:r>
+              <a:rPr lang="en-US" dirty="0"/>
+              <a:t>KEDA brings in</a:t>
+            </a:r>
+          </a:p>
+        </p:txBody>
+      </p:sp>
+      <p:sp>
+        <p:nvSpPr>
+          <p:cNvPr id="3" name="Content Placeholder 2">
             <a:extLst>
               <a:ext uri="{FF2B5EF4-FFF2-40B4-BE49-F238E27FC236}">
-                <a16:creationId xmlns:a16="http://schemas.microsoft.com/office/drawing/2014/main" id="{F3274F57-36FD-354F-8767-4F02319800B1}"/>
+                <a16:creationId xmlns:a16="http://schemas.microsoft.com/office/drawing/2014/main" id="{173BC152-0E92-2348-851F-2BA8DE523BF5}"/>
               </a:ext>
             </a:extLst>
           </p:cNvPr>
-          <p:cNvSpPr/>
-          <p:nvPr/>
-        </p:nvSpPr>
-        <p:spPr>
-          <a:xfrm>
-            <a:off x="3146722" y="2540660"/>
-            <a:ext cx="880217" cy="666571"/>
-          </a:xfrm>
-          <a:prstGeom prst="rect">
-            <a:avLst/>
-          </a:prstGeom>
-        </p:spPr>
-        <p:style>
-          <a:lnRef idx="2">
-            <a:schemeClr val="accent6">
-              <a:shade val="50000"/>
-            </a:schemeClr>
-          </a:lnRef>
-          <a:fillRef idx="1">
-            <a:schemeClr val="accent6"/>
-          </a:fillRef>
-          <a:effectRef idx="0">
-            <a:schemeClr val="accent6"/>
-          </a:effectRef>
-          <a:fontRef idx="minor">
-            <a:schemeClr val="lt1"/>
-          </a:fontRef>
-        </p:style>
-        <p:txBody>
-          <a:bodyPr rtlCol="0" anchor="ctr"/>
+          <p:cNvSpPr>
+            <a:spLocks noGrp="1"/>
+          </p:cNvSpPr>
+          <p:nvPr>
+            <p:ph idx="1"/>
+          </p:nvPr>
+        </p:nvSpPr>
+        <p:spPr/>
+        <p:txBody>
+          <a:bodyPr/>
           <a:lstStyle/>
           <a:p>
-            <a:pPr algn="ctr"/>
             <a:r>
               <a:rPr lang="en-US" dirty="0"/>
-              <a:t>Target</a:t>
-            </a:r>
-          </a:p>
-        </p:txBody>
-      </p:sp>
-      <p:sp>
-        <p:nvSpPr>
-          <p:cNvPr id="10" name="ScaledObject">
-            <a:extLst>
-              <a:ext uri="{FF2B5EF4-FFF2-40B4-BE49-F238E27FC236}">
-                <a16:creationId xmlns:a16="http://schemas.microsoft.com/office/drawing/2014/main" id="{2A7FA6F1-4E2E-7E43-92D1-7F65E9E18730}"/>
-              </a:ext>
-            </a:extLst>
-          </p:cNvPr>
-          <p:cNvSpPr/>
-          <p:nvPr/>
-        </p:nvSpPr>
-        <p:spPr>
-          <a:xfrm>
-            <a:off x="2917147" y="4559148"/>
-            <a:ext cx="1196411" cy="1158626"/>
-          </a:xfrm>
-          <a:prstGeom prst="ellipse">
-            <a:avLst/>
-          </a:prstGeom>
-        </p:spPr>
-        <p:style>
-          <a:lnRef idx="2">
-            <a:schemeClr val="accent2">
-              <a:shade val="50000"/>
-            </a:schemeClr>
-          </a:lnRef>
-          <a:fillRef idx="1">
-            <a:schemeClr val="accent2"/>
-          </a:fillRef>
-          <a:effectRef idx="0">
-            <a:schemeClr val="accent2"/>
-          </a:effectRef>
-          <a:fontRef idx="minor">
-            <a:schemeClr val="lt1"/>
-          </a:fontRef>
-        </p:style>
-        <p:txBody>
-          <a:bodyPr rtlCol="0" anchor="ctr" anchorCtr="1"/>
-          <a:lstStyle/>
-          <a:p>
-            <a:pPr algn="ctr"/>
-            <a:r>
-              <a:rPr lang="en-US"/>
-              <a:t>ScaledObject</a:t>
-            </a:r>
+              <a:t>Acts as a metric server for many scalers (22)</a:t>
+            </a:r>
+          </a:p>
+          <a:p>
+            <a:pPr lvl="1"/>
+            <a:r>
+              <a:rPr lang="en-US" dirty="0"/>
+              <a:t>Kafka</a:t>
+            </a:r>
+          </a:p>
+          <a:p>
+            <a:pPr lvl="1"/>
+            <a:r>
+              <a:rPr lang="en-US" dirty="0"/>
+              <a:t>AWS (SQS, </a:t>
+            </a:r>
+            <a:r>
+              <a:rPr lang="en-US" dirty="0" err="1"/>
+              <a:t>CoudWatch</a:t>
+            </a:r>
+            <a:r>
+              <a:rPr lang="en-US" dirty="0"/>
+              <a:t>, Kinesis)</a:t>
+            </a:r>
+          </a:p>
+          <a:p>
+            <a:pPr lvl="1"/>
+            <a:r>
+              <a:rPr lang="en-US" dirty="0"/>
+              <a:t>Azure (Storage Queue, Blob, Events Hub, Monitor, Service Bus…)</a:t>
+            </a:r>
+          </a:p>
+          <a:p>
+            <a:pPr lvl="1"/>
+            <a:r>
+              <a:rPr lang="en-US" dirty="0"/>
+              <a:t>RabbitMQ</a:t>
+            </a:r>
+          </a:p>
+          <a:p>
+            <a:pPr lvl="1"/>
+            <a:r>
+              <a:rPr lang="en-US" dirty="0"/>
+              <a:t>Redis</a:t>
+            </a:r>
+          </a:p>
+          <a:p>
+            <a:pPr lvl="1"/>
+            <a:r>
+              <a:rPr lang="en-US" dirty="0"/>
+              <a:t>…</a:t>
+            </a:r>
+          </a:p>
+          <a:p>
+            <a:r>
+              <a:rPr lang="en-US" dirty="0"/>
+              <a:t>Build your own scaler</a:t>
+            </a:r>
+          </a:p>
+          <a:p>
+            <a:r>
+              <a:rPr lang="en-US" dirty="0"/>
+              <a:t>Support for “0 to 1” and “1 to 0”</a:t>
+            </a:r>
+          </a:p>
+          <a:p>
             <a:endParaRPr lang="en-US" dirty="0"/>
-          </a:p>
-        </p:txBody>
-      </p:sp>
-      <p:pic>
-        <p:nvPicPr>
-          <p:cNvPr id="11" name="queue" descr="A picture containing drawing&#10;&#10;Description automatically generated">
-            <a:extLst>
-              <a:ext uri="{FF2B5EF4-FFF2-40B4-BE49-F238E27FC236}">
-                <a16:creationId xmlns:a16="http://schemas.microsoft.com/office/drawing/2014/main" id="{BB6860C5-A612-C44B-8217-8121FFE2A390}"/>
-              </a:ext>
-            </a:extLst>
-          </p:cNvPr>
-          <p:cNvPicPr>
-            <a:picLocks noChangeAspect="1"/>
-          </p:cNvPicPr>
-          <p:nvPr/>
-        </p:nvPicPr>
-        <p:blipFill>
-          <a:blip r:embed="rId2"/>
-          <a:stretch>
-            <a:fillRect/>
-          </a:stretch>
-        </p:blipFill>
-        <p:spPr>
-          <a:xfrm>
-            <a:off x="8601930" y="607411"/>
-            <a:ext cx="1191305" cy="1191305"/>
-          </a:xfrm>
-          <a:prstGeom prst="rect">
-            <a:avLst/>
-          </a:prstGeom>
-        </p:spPr>
-      </p:pic>
-      <p:pic>
-        <p:nvPicPr>
-          <p:cNvPr id="12" name="K8s logo" descr="Kubernetes - Wikipedia">
-            <a:extLst>
-              <a:ext uri="{FF2B5EF4-FFF2-40B4-BE49-F238E27FC236}">
-                <a16:creationId xmlns:a16="http://schemas.microsoft.com/office/drawing/2014/main" id="{3887F463-ACD4-1346-B765-EFF06E10AFE3}"/>
-              </a:ext>
-            </a:extLst>
-          </p:cNvPr>
-          <p:cNvPicPr>
-            <a:picLocks noChangeAspect="1" noChangeArrowheads="1"/>
-          </p:cNvPicPr>
-          <p:nvPr/>
-        </p:nvPicPr>
-        <p:blipFill>
-          <a:blip r:embed="rId3">
-            <a:extLst>
-              <a:ext uri="{28A0092B-C50C-407E-A947-70E740481C1C}">
-                <a14:useLocalDpi xmlns:a14="http://schemas.microsoft.com/office/drawing/2010/main" val="0"/>
-              </a:ext>
-            </a:extLst>
-          </a:blip>
-          <a:srcRect/>
-          <a:stretch>
-            <a:fillRect/>
-          </a:stretch>
-        </p:blipFill>
-        <p:spPr bwMode="auto">
-          <a:xfrm>
-            <a:off x="6923947" y="349624"/>
-            <a:ext cx="535159" cy="519525"/>
-          </a:xfrm>
-          <a:prstGeom prst="rect">
-            <a:avLst/>
-          </a:prstGeom>
-          <a:noFill/>
-          <a:extLst>
-            <a:ext uri="{909E8E84-426E-40DD-AFC4-6F175D3DCCD1}">
-              <a14:hiddenFill xmlns:a14="http://schemas.microsoft.com/office/drawing/2010/main">
-                <a:solidFill>
-                  <a:srgbClr val="FFFFFF"/>
-                </a:solidFill>
-              </a14:hiddenFill>
-            </a:ext>
-          </a:extLst>
-        </p:spPr>
-      </p:pic>
-      <p:sp>
-        <p:nvSpPr>
-          <p:cNvPr id="7" name="KEDA operator">
-            <a:extLst>
-              <a:ext uri="{FF2B5EF4-FFF2-40B4-BE49-F238E27FC236}">
-                <a16:creationId xmlns:a16="http://schemas.microsoft.com/office/drawing/2014/main" id="{3011F17D-3568-A14B-AEF5-7FC060455641}"/>
-              </a:ext>
-            </a:extLst>
-          </p:cNvPr>
-          <p:cNvSpPr/>
-          <p:nvPr/>
-        </p:nvSpPr>
-        <p:spPr>
-          <a:xfrm>
-            <a:off x="6262695" y="2540660"/>
-            <a:ext cx="1196411" cy="1330267"/>
-          </a:xfrm>
-          <a:prstGeom prst="rect">
-            <a:avLst/>
-          </a:prstGeom>
-        </p:spPr>
-        <p:style>
-          <a:lnRef idx="2">
-            <a:schemeClr val="accent2">
-              <a:shade val="50000"/>
-            </a:schemeClr>
-          </a:lnRef>
-          <a:fillRef idx="1">
-            <a:schemeClr val="accent2"/>
-          </a:fillRef>
-          <a:effectRef idx="0">
-            <a:schemeClr val="accent2"/>
-          </a:effectRef>
-          <a:fontRef idx="minor">
-            <a:schemeClr val="lt1"/>
-          </a:fontRef>
-        </p:style>
-        <p:txBody>
-          <a:bodyPr rtlCol="0" anchor="ctr" anchorCtr="1"/>
-          <a:lstStyle/>
-          <a:p>
-            <a:pPr algn="ctr"/>
-            <a:endParaRPr lang="en-US" dirty="0"/>
-          </a:p>
-        </p:txBody>
-      </p:sp>
-      <p:pic>
-        <p:nvPicPr>
-          <p:cNvPr id="13" name="KEDA logo">
-            <a:extLst>
-              <a:ext uri="{FF2B5EF4-FFF2-40B4-BE49-F238E27FC236}">
-                <a16:creationId xmlns:a16="http://schemas.microsoft.com/office/drawing/2014/main" id="{F26A7939-E93E-BA49-9C24-1A261D50F337}"/>
-              </a:ext>
-            </a:extLst>
-          </p:cNvPr>
-          <p:cNvPicPr>
-            <a:picLocks noChangeAspect="1" noChangeArrowheads="1"/>
-          </p:cNvPicPr>
-          <p:nvPr/>
-        </p:nvPicPr>
-        <p:blipFill>
-          <a:blip r:embed="rId4">
-            <a:extLst>
-              <a:ext uri="{28A0092B-C50C-407E-A947-70E740481C1C}">
-                <a14:useLocalDpi xmlns:a14="http://schemas.microsoft.com/office/drawing/2010/main" val="0"/>
-              </a:ext>
-            </a:extLst>
-          </a:blip>
-          <a:srcRect/>
-          <a:stretch>
-            <a:fillRect/>
-          </a:stretch>
-        </p:blipFill>
-        <p:spPr bwMode="auto">
-          <a:xfrm>
-            <a:off x="6482336" y="2980768"/>
-            <a:ext cx="757131" cy="295017"/>
-          </a:xfrm>
-          <a:prstGeom prst="rect">
-            <a:avLst/>
-          </a:prstGeom>
-          <a:noFill/>
-          <a:extLst>
-            <a:ext uri="{909E8E84-426E-40DD-AFC4-6F175D3DCCD1}">
-              <a14:hiddenFill xmlns:a14="http://schemas.microsoft.com/office/drawing/2010/main">
-                <a:solidFill>
-                  <a:srgbClr val="FFFFFF"/>
-                </a:solidFill>
-              </a14:hiddenFill>
-            </a:ext>
-          </a:extLst>
-        </p:spPr>
-      </p:pic>
-      <p:sp>
-        <p:nvSpPr>
-          <p:cNvPr id="14" name="Text Operator">
-            <a:extLst>
-              <a:ext uri="{FF2B5EF4-FFF2-40B4-BE49-F238E27FC236}">
-                <a16:creationId xmlns:a16="http://schemas.microsoft.com/office/drawing/2014/main" id="{CE8879E2-085A-4942-A33C-01270229D3F5}"/>
-              </a:ext>
-            </a:extLst>
-          </p:cNvPr>
-          <p:cNvSpPr txBox="1"/>
-          <p:nvPr/>
-        </p:nvSpPr>
-        <p:spPr>
-          <a:xfrm>
-            <a:off x="6343515" y="3235279"/>
-            <a:ext cx="1034770" cy="369332"/>
-          </a:xfrm>
-          <a:prstGeom prst="rect">
-            <a:avLst/>
-          </a:prstGeom>
-          <a:noFill/>
-        </p:spPr>
-        <p:txBody>
-          <a:bodyPr wrap="none" rtlCol="0">
-            <a:spAutoFit/>
-          </a:bodyPr>
-          <a:lstStyle/>
-          <a:p>
-            <a:r>
-              <a:rPr lang="en-US" dirty="0">
-                <a:solidFill>
-                  <a:schemeClr val="bg1"/>
-                </a:solidFill>
-              </a:rPr>
-              <a:t>Operator</a:t>
-            </a:r>
-          </a:p>
-        </p:txBody>
-      </p:sp>
-      <p:sp>
-        <p:nvSpPr>
-          <p:cNvPr id="16" name="hpa">
-            <a:extLst>
-              <a:ext uri="{FF2B5EF4-FFF2-40B4-BE49-F238E27FC236}">
-                <a16:creationId xmlns:a16="http://schemas.microsoft.com/office/drawing/2014/main" id="{B3BA1375-15CB-AA4E-93F5-EC9DDE8B0A99}"/>
-              </a:ext>
-            </a:extLst>
-          </p:cNvPr>
-          <p:cNvSpPr/>
-          <p:nvPr/>
-        </p:nvSpPr>
-        <p:spPr>
-          <a:xfrm>
-            <a:off x="926997" y="2846450"/>
-            <a:ext cx="864188" cy="843811"/>
-          </a:xfrm>
-          <a:prstGeom prst="ellipse">
-            <a:avLst/>
-          </a:prstGeom>
-          <a:solidFill>
-            <a:srgbClr val="316AE1"/>
-          </a:solidFill>
-        </p:spPr>
-        <p:style>
-          <a:lnRef idx="2">
-            <a:schemeClr val="accent1">
-              <a:shade val="50000"/>
-            </a:schemeClr>
-          </a:lnRef>
-          <a:fillRef idx="1">
-            <a:schemeClr val="accent1"/>
-          </a:fillRef>
-          <a:effectRef idx="0">
-            <a:schemeClr val="accent1"/>
-          </a:effectRef>
-          <a:fontRef idx="minor">
-            <a:schemeClr val="lt1"/>
-          </a:fontRef>
-        </p:style>
-        <p:txBody>
-          <a:bodyPr rtlCol="0" anchor="ctr"/>
-          <a:lstStyle/>
-          <a:p>
-            <a:pPr algn="ctr"/>
-            <a:r>
-              <a:rPr lang="en-US" dirty="0"/>
-              <a:t>HPA</a:t>
-            </a:r>
-          </a:p>
-        </p:txBody>
-      </p:sp>
-      <p:sp>
-        <p:nvSpPr>
-          <p:cNvPr id="17" name="Kube Controller">
-            <a:extLst>
-              <a:ext uri="{FF2B5EF4-FFF2-40B4-BE49-F238E27FC236}">
-                <a16:creationId xmlns:a16="http://schemas.microsoft.com/office/drawing/2014/main" id="{D84E5641-BF98-E24B-8255-81666D6EA61E}"/>
-              </a:ext>
-            </a:extLst>
-          </p:cNvPr>
-          <p:cNvSpPr/>
-          <p:nvPr/>
-        </p:nvSpPr>
-        <p:spPr>
-          <a:xfrm>
-            <a:off x="2917147" y="869149"/>
-            <a:ext cx="1304871" cy="850391"/>
-          </a:xfrm>
-          <a:prstGeom prst="rect">
-            <a:avLst/>
-          </a:prstGeom>
-          <a:solidFill>
-            <a:srgbClr val="316AE1"/>
-          </a:solidFill>
-        </p:spPr>
-        <p:style>
-          <a:lnRef idx="2">
-            <a:schemeClr val="accent1">
-              <a:shade val="50000"/>
-            </a:schemeClr>
-          </a:lnRef>
-          <a:fillRef idx="1">
-            <a:schemeClr val="accent1"/>
-          </a:fillRef>
-          <a:effectRef idx="0">
-            <a:schemeClr val="accent1"/>
-          </a:effectRef>
-          <a:fontRef idx="minor">
-            <a:schemeClr val="lt1"/>
-          </a:fontRef>
-        </p:style>
-        <p:txBody>
-          <a:bodyPr rtlCol="0" anchor="ctr"/>
-          <a:lstStyle/>
-          <a:p>
-            <a:pPr algn="ctr"/>
-            <a:r>
-              <a:rPr lang="en-US" dirty="0"/>
-              <a:t>Kubernetes Controllers</a:t>
-            </a:r>
-          </a:p>
-        </p:txBody>
-      </p:sp>
-      <p:pic>
-        <p:nvPicPr>
-          <p:cNvPr id="3" name="kubectl" descr="Captain">
-            <a:extLst>
-              <a:ext uri="{FF2B5EF4-FFF2-40B4-BE49-F238E27FC236}">
-                <a16:creationId xmlns:a16="http://schemas.microsoft.com/office/drawing/2014/main" id="{A49EA59F-653C-1A46-879F-81E0DDE5BF50}"/>
-              </a:ext>
-            </a:extLst>
-          </p:cNvPr>
-          <p:cNvPicPr>
-            <a:picLocks noChangeAspect="1"/>
-          </p:cNvPicPr>
-          <p:nvPr/>
-        </p:nvPicPr>
-        <p:blipFill>
-          <a:blip r:embed="rId5">
-            <a:extLst>
-              <a:ext uri="{96DAC541-7B7A-43D3-8B79-37D633B846F1}">
-                <asvg:svgBlip xmlns:asvg="http://schemas.microsoft.com/office/drawing/2016/SVG/main" r:embed="rId6"/>
-              </a:ext>
-            </a:extLst>
-          </a:blip>
-          <a:stretch>
-            <a:fillRect/>
-          </a:stretch>
-        </p:blipFill>
-        <p:spPr>
-          <a:xfrm>
-            <a:off x="7863851" y="4681261"/>
-            <a:ext cx="914400" cy="914400"/>
-          </a:xfrm>
-          <a:prstGeom prst="rect">
-            <a:avLst/>
-          </a:prstGeom>
-        </p:spPr>
-      </p:pic>
-      <p:cxnSp>
-        <p:nvCxnSpPr>
-          <p:cNvPr id="6" name="f kubectl t target" descr="Create Target">
-            <a:extLst>
-              <a:ext uri="{FF2B5EF4-FFF2-40B4-BE49-F238E27FC236}">
-                <a16:creationId xmlns:a16="http://schemas.microsoft.com/office/drawing/2014/main" id="{6BFBE3E5-A16E-BE49-82A0-1F8B2BA31DEA}"/>
-              </a:ext>
-            </a:extLst>
-          </p:cNvPr>
-          <p:cNvCxnSpPr>
-            <a:cxnSpLocks/>
-          </p:cNvCxnSpPr>
-          <p:nvPr/>
-        </p:nvCxnSpPr>
-        <p:spPr>
-          <a:xfrm flipH="1" flipV="1">
-            <a:off x="4113558" y="3165920"/>
-            <a:ext cx="3750296" cy="1773648"/>
-          </a:xfrm>
-          <a:prstGeom prst="straightConnector1">
-            <a:avLst/>
-          </a:prstGeom>
-          <a:ln w="19050">
-            <a:tailEnd type="triangle"/>
-          </a:ln>
-        </p:spPr>
-        <p:style>
-          <a:lnRef idx="1">
-            <a:schemeClr val="accent1"/>
-          </a:lnRef>
-          <a:fillRef idx="0">
-            <a:schemeClr val="accent1"/>
-          </a:fillRef>
-          <a:effectRef idx="0">
-            <a:schemeClr val="accent1"/>
-          </a:effectRef>
-          <a:fontRef idx="minor">
-            <a:schemeClr val="tx1"/>
-          </a:fontRef>
-        </p:style>
-      </p:cxnSp>
-      <p:cxnSp>
-        <p:nvCxnSpPr>
-          <p:cNvPr id="18" name="f kubectl t scaledobject">
-            <a:extLst>
-              <a:ext uri="{FF2B5EF4-FFF2-40B4-BE49-F238E27FC236}">
-                <a16:creationId xmlns:a16="http://schemas.microsoft.com/office/drawing/2014/main" id="{E34D6ADF-6B85-F44C-AD6C-9B0D993ED174}"/>
-              </a:ext>
-            </a:extLst>
-          </p:cNvPr>
-          <p:cNvCxnSpPr>
-            <a:cxnSpLocks/>
-          </p:cNvCxnSpPr>
-          <p:nvPr/>
-        </p:nvCxnSpPr>
-        <p:spPr>
-          <a:xfrm flipH="1">
-            <a:off x="4113558" y="5235996"/>
-            <a:ext cx="3611841" cy="0"/>
-          </a:xfrm>
-          <a:prstGeom prst="straightConnector1">
-            <a:avLst/>
-          </a:prstGeom>
-          <a:ln w="19050">
-            <a:tailEnd type="triangle"/>
-          </a:ln>
-        </p:spPr>
-        <p:style>
-          <a:lnRef idx="1">
-            <a:schemeClr val="accent1"/>
-          </a:lnRef>
-          <a:fillRef idx="0">
-            <a:schemeClr val="accent1"/>
-          </a:fillRef>
-          <a:effectRef idx="0">
-            <a:schemeClr val="accent1"/>
-          </a:effectRef>
-          <a:fontRef idx="minor">
-            <a:schemeClr val="tx1"/>
-          </a:fontRef>
-        </p:style>
-      </p:cxnSp>
-      <p:cxnSp>
-        <p:nvCxnSpPr>
-          <p:cNvPr id="19" name="f keda t scaledobject">
-            <a:extLst>
-              <a:ext uri="{FF2B5EF4-FFF2-40B4-BE49-F238E27FC236}">
-                <a16:creationId xmlns:a16="http://schemas.microsoft.com/office/drawing/2014/main" id="{78571CD0-531B-1046-8FC5-9D4B9973C12E}"/>
-              </a:ext>
-            </a:extLst>
-          </p:cNvPr>
-          <p:cNvCxnSpPr>
-            <a:cxnSpLocks/>
-          </p:cNvCxnSpPr>
-          <p:nvPr/>
-        </p:nvCxnSpPr>
-        <p:spPr>
-          <a:xfrm flipH="1">
-            <a:off x="4113558" y="3687447"/>
-            <a:ext cx="1982442" cy="1107049"/>
-          </a:xfrm>
-          <a:prstGeom prst="straightConnector1">
-            <a:avLst/>
-          </a:prstGeom>
-          <a:ln w="19050">
-            <a:tailEnd type="triangle"/>
-          </a:ln>
-        </p:spPr>
-        <p:style>
-          <a:lnRef idx="1">
-            <a:schemeClr val="accent1"/>
-          </a:lnRef>
-          <a:fillRef idx="0">
-            <a:schemeClr val="accent1"/>
-          </a:fillRef>
-          <a:effectRef idx="0">
-            <a:schemeClr val="accent1"/>
-          </a:effectRef>
-          <a:fontRef idx="minor">
-            <a:schemeClr val="tx1"/>
-          </a:fontRef>
-        </p:style>
-      </p:cxnSp>
-      <p:cxnSp>
-        <p:nvCxnSpPr>
-          <p:cNvPr id="24" name="f keda t hpa">
-            <a:extLst>
-              <a:ext uri="{FF2B5EF4-FFF2-40B4-BE49-F238E27FC236}">
-                <a16:creationId xmlns:a16="http://schemas.microsoft.com/office/drawing/2014/main" id="{29C1B618-ED74-DA4E-910B-4A831D319BA0}"/>
-              </a:ext>
-            </a:extLst>
-          </p:cNvPr>
-          <p:cNvCxnSpPr>
-            <a:cxnSpLocks/>
-          </p:cNvCxnSpPr>
-          <p:nvPr/>
-        </p:nvCxnSpPr>
-        <p:spPr>
-          <a:xfrm flipH="1" flipV="1">
-            <a:off x="1872005" y="3501272"/>
-            <a:ext cx="4300208" cy="28717"/>
-          </a:xfrm>
-          <a:prstGeom prst="straightConnector1">
-            <a:avLst/>
-          </a:prstGeom>
-          <a:ln w="19050">
-            <a:tailEnd type="triangle"/>
-          </a:ln>
-        </p:spPr>
-        <p:style>
-          <a:lnRef idx="1">
-            <a:schemeClr val="accent1"/>
-          </a:lnRef>
-          <a:fillRef idx="0">
-            <a:schemeClr val="accent1"/>
-          </a:fillRef>
-          <a:effectRef idx="0">
-            <a:schemeClr val="accent1"/>
-          </a:effectRef>
-          <a:fontRef idx="minor">
-            <a:schemeClr val="tx1"/>
-          </a:fontRef>
-        </p:style>
-      </p:cxnSp>
-      <p:cxnSp>
-        <p:nvCxnSpPr>
-          <p:cNvPr id="27" name="f keda t target">
-            <a:extLst>
-              <a:ext uri="{FF2B5EF4-FFF2-40B4-BE49-F238E27FC236}">
-                <a16:creationId xmlns:a16="http://schemas.microsoft.com/office/drawing/2014/main" id="{73037384-DF63-5A4E-9025-3897A31BD834}"/>
-              </a:ext>
-            </a:extLst>
-          </p:cNvPr>
-          <p:cNvCxnSpPr>
-            <a:cxnSpLocks/>
-          </p:cNvCxnSpPr>
-          <p:nvPr/>
-        </p:nvCxnSpPr>
-        <p:spPr>
-          <a:xfrm flipH="1">
-            <a:off x="4113558" y="3046711"/>
-            <a:ext cx="2049498" cy="0"/>
-          </a:xfrm>
-          <a:prstGeom prst="straightConnector1">
-            <a:avLst/>
-          </a:prstGeom>
-          <a:ln w="19050">
-            <a:tailEnd type="triangle"/>
-          </a:ln>
-        </p:spPr>
-        <p:style>
-          <a:lnRef idx="1">
-            <a:schemeClr val="accent1"/>
-          </a:lnRef>
-          <a:fillRef idx="0">
-            <a:schemeClr val="accent1"/>
-          </a:fillRef>
-          <a:effectRef idx="0">
-            <a:schemeClr val="accent1"/>
-          </a:effectRef>
-          <a:fontRef idx="minor">
-            <a:schemeClr val="tx1"/>
-          </a:fontRef>
-        </p:style>
-      </p:cxnSp>
-      <p:sp>
-        <p:nvSpPr>
-          <p:cNvPr id="30" name="TextBox 29">
-            <a:extLst>
-              <a:ext uri="{FF2B5EF4-FFF2-40B4-BE49-F238E27FC236}">
-                <a16:creationId xmlns:a16="http://schemas.microsoft.com/office/drawing/2014/main" id="{14BB70D9-01DF-CF48-BA08-44281E757484}"/>
-              </a:ext>
-            </a:extLst>
-          </p:cNvPr>
-          <p:cNvSpPr txBox="1"/>
-          <p:nvPr/>
-        </p:nvSpPr>
-        <p:spPr>
-          <a:xfrm>
-            <a:off x="4484078" y="2762128"/>
-            <a:ext cx="1504284" cy="338554"/>
-          </a:xfrm>
-          <a:prstGeom prst="rect">
-            <a:avLst/>
-          </a:prstGeom>
-          <a:noFill/>
-        </p:spPr>
-        <p:txBody>
-          <a:bodyPr wrap="square" rtlCol="0">
-            <a:spAutoFit/>
-          </a:bodyPr>
-          <a:lstStyle/>
-          <a:p>
-            <a:r>
-              <a:rPr lang="en-US" sz="1600" dirty="0"/>
-              <a:t>0 to 1 / 1 to 0</a:t>
-            </a:r>
-          </a:p>
-        </p:txBody>
-      </p:sp>
-      <p:cxnSp>
-        <p:nvCxnSpPr>
-          <p:cNvPr id="54" name="f keda t queue">
-            <a:extLst>
-              <a:ext uri="{FF2B5EF4-FFF2-40B4-BE49-F238E27FC236}">
-                <a16:creationId xmlns:a16="http://schemas.microsoft.com/office/drawing/2014/main" id="{F7E50F71-C4E2-1D4B-8374-2E7427CFF4F5}"/>
-              </a:ext>
-            </a:extLst>
-          </p:cNvPr>
-          <p:cNvCxnSpPr>
-            <a:cxnSpLocks/>
-          </p:cNvCxnSpPr>
-          <p:nvPr/>
-        </p:nvCxnSpPr>
-        <p:spPr>
-          <a:xfrm flipV="1">
-            <a:off x="7459106" y="1490472"/>
-            <a:ext cx="1142825" cy="1019355"/>
-          </a:xfrm>
-          <a:prstGeom prst="straightConnector1">
-            <a:avLst/>
-          </a:prstGeom>
-          <a:ln w="19050">
-            <a:tailEnd type="triangle"/>
-          </a:ln>
-        </p:spPr>
-        <p:style>
-          <a:lnRef idx="1">
-            <a:schemeClr val="accent1"/>
-          </a:lnRef>
-          <a:fillRef idx="0">
-            <a:schemeClr val="accent1"/>
-          </a:fillRef>
-          <a:effectRef idx="0">
-            <a:schemeClr val="accent1"/>
-          </a:effectRef>
-          <a:fontRef idx="minor">
-            <a:schemeClr val="tx1"/>
-          </a:fontRef>
-        </p:style>
-      </p:cxnSp>
-      <p:cxnSp>
-        <p:nvCxnSpPr>
-          <p:cNvPr id="20" name="f kube-controller t hpa">
-            <a:extLst>
-              <a:ext uri="{FF2B5EF4-FFF2-40B4-BE49-F238E27FC236}">
-                <a16:creationId xmlns:a16="http://schemas.microsoft.com/office/drawing/2014/main" id="{AE957F92-9FE3-924F-8D2E-6A36988151CC}"/>
-              </a:ext>
-            </a:extLst>
-          </p:cNvPr>
-          <p:cNvCxnSpPr>
-            <a:cxnSpLocks/>
-          </p:cNvCxnSpPr>
-          <p:nvPr/>
-        </p:nvCxnSpPr>
-        <p:spPr>
-          <a:xfrm flipH="1">
-            <a:off x="1649339" y="1598064"/>
-            <a:ext cx="1136590" cy="1164064"/>
-          </a:xfrm>
-          <a:prstGeom prst="straightConnector1">
-            <a:avLst/>
-          </a:prstGeom>
-          <a:ln w="19050">
-            <a:tailEnd type="triangle"/>
-          </a:ln>
-        </p:spPr>
-        <p:style>
-          <a:lnRef idx="1">
-            <a:schemeClr val="accent1"/>
-          </a:lnRef>
-          <a:fillRef idx="0">
-            <a:schemeClr val="accent1"/>
-          </a:fillRef>
-          <a:effectRef idx="0">
-            <a:schemeClr val="accent1"/>
-          </a:effectRef>
-          <a:fontRef idx="minor">
-            <a:schemeClr val="tx1"/>
-          </a:fontRef>
-        </p:style>
-      </p:cxnSp>
-      <p:cxnSp>
-        <p:nvCxnSpPr>
-          <p:cNvPr id="26" name="f kube-controller t keda">
-            <a:extLst>
-              <a:ext uri="{FF2B5EF4-FFF2-40B4-BE49-F238E27FC236}">
-                <a16:creationId xmlns:a16="http://schemas.microsoft.com/office/drawing/2014/main" id="{D7A96EEA-1FB1-EA42-9B9E-A77AB18ADDBB}"/>
-              </a:ext>
-            </a:extLst>
-          </p:cNvPr>
-          <p:cNvCxnSpPr>
-            <a:cxnSpLocks/>
-          </p:cNvCxnSpPr>
-          <p:nvPr/>
-        </p:nvCxnSpPr>
-        <p:spPr>
-          <a:xfrm>
-            <a:off x="4317023" y="1490472"/>
-            <a:ext cx="1846033" cy="944997"/>
-          </a:xfrm>
-          <a:prstGeom prst="straightConnector1">
-            <a:avLst/>
-          </a:prstGeom>
-          <a:ln w="19050">
-            <a:tailEnd type="triangle"/>
-          </a:ln>
-        </p:spPr>
-        <p:style>
-          <a:lnRef idx="1">
-            <a:schemeClr val="accent1"/>
-          </a:lnRef>
-          <a:fillRef idx="0">
-            <a:schemeClr val="accent1"/>
-          </a:fillRef>
-          <a:effectRef idx="0">
-            <a:schemeClr val="accent1"/>
-          </a:effectRef>
-          <a:fontRef idx="minor">
-            <a:schemeClr val="tx1"/>
-          </a:fontRef>
-        </p:style>
-      </p:cxnSp>
-      <p:cxnSp>
-        <p:nvCxnSpPr>
-          <p:cNvPr id="29" name="f kube-controller t keda">
-            <a:extLst>
-              <a:ext uri="{FF2B5EF4-FFF2-40B4-BE49-F238E27FC236}">
-                <a16:creationId xmlns:a16="http://schemas.microsoft.com/office/drawing/2014/main" id="{A80E60B8-C3DF-D246-95C0-FC7BFEAAB6E2}"/>
-              </a:ext>
-            </a:extLst>
-          </p:cNvPr>
-          <p:cNvCxnSpPr>
-            <a:cxnSpLocks/>
-          </p:cNvCxnSpPr>
-          <p:nvPr/>
-        </p:nvCxnSpPr>
-        <p:spPr>
-          <a:xfrm>
-            <a:off x="3569676" y="1798716"/>
-            <a:ext cx="0" cy="636753"/>
-          </a:xfrm>
-          <a:prstGeom prst="straightConnector1">
-            <a:avLst/>
-          </a:prstGeom>
-          <a:ln w="19050">
-            <a:tailEnd type="triangle"/>
-          </a:ln>
-        </p:spPr>
-        <p:style>
-          <a:lnRef idx="1">
-            <a:schemeClr val="accent1"/>
-          </a:lnRef>
-          <a:fillRef idx="0">
-            <a:schemeClr val="accent1"/>
-          </a:fillRef>
-          <a:effectRef idx="0">
-            <a:schemeClr val="accent1"/>
-          </a:effectRef>
-          <a:fontRef idx="minor">
-            <a:schemeClr val="tx1"/>
-          </a:fontRef>
-        </p:style>
-      </p:cxnSp>
-      <p:sp>
-        <p:nvSpPr>
-          <p:cNvPr id="33" name="text 1 to more">
-            <a:extLst>
-              <a:ext uri="{FF2B5EF4-FFF2-40B4-BE49-F238E27FC236}">
-                <a16:creationId xmlns:a16="http://schemas.microsoft.com/office/drawing/2014/main" id="{75B8D7EA-8044-7545-ACDC-6EE16C626637}"/>
-              </a:ext>
-            </a:extLst>
-          </p:cNvPr>
-          <p:cNvSpPr txBox="1"/>
-          <p:nvPr/>
-        </p:nvSpPr>
-        <p:spPr>
-          <a:xfrm>
-            <a:off x="2638040" y="1904692"/>
-            <a:ext cx="2049497" cy="338554"/>
-          </a:xfrm>
-          <a:prstGeom prst="rect">
-            <a:avLst/>
-          </a:prstGeom>
-          <a:noFill/>
-        </p:spPr>
-        <p:txBody>
-          <a:bodyPr wrap="square" rtlCol="0">
-            <a:spAutoFit/>
-          </a:bodyPr>
-          <a:lstStyle/>
-          <a:p>
-            <a:r>
-              <a:rPr lang="en-US" sz="1600" dirty="0"/>
-              <a:t>1 to more / more to 1</a:t>
-            </a:r>
           </a:p>
         </p:txBody>
       </p:sp>
     </p:spTree>
     <p:extLst>
       <p:ext uri="{BB962C8B-B14F-4D97-AF65-F5344CB8AC3E}">
-        <p14:creationId xmlns:p14="http://schemas.microsoft.com/office/powerpoint/2010/main" val="3157645717"/>
+        <p14:creationId xmlns:p14="http://schemas.microsoft.com/office/powerpoint/2010/main" val="2953676721"/>
       </p:ext>
     </p:extLst>
   </p:cSld>
@@ -9453,7 +11367,7 @@
                             </p:stCondLst>
                             <p:childTnLst>
                               <p:par>
-                                <p:cTn id="5" presetID="10" presetClass="entr" presetSubtype="0" fill="hold" grpId="0" nodeType="clickEffect">
+                                <p:cTn id="5" presetID="10" presetClass="entr" presetSubtype="0" fill="hold" nodeType="clickEffect">
                                   <p:stCondLst>
                                     <p:cond delay="0"/>
                                   </p:stCondLst>
@@ -9466,7 +11380,11 @@
                                           </p:stCondLst>
                                         </p:cTn>
                                         <p:tgtEl>
-                                          <p:spTgt spid="9"/>
+                                          <p:spTgt spid="3">
+                                            <p:txEl>
+                                              <p:pRg st="0" end="0"/>
+                                            </p:txEl>
+                                          </p:spTgt>
                                         </p:tgtEl>
                                         <p:attrNameLst>
                                           <p:attrName>style.visibility</p:attrName>
@@ -9480,42 +11398,11 @@
                                       <p:cBhvr>
                                         <p:cTn id="7" dur="500"/>
                                         <p:tgtEl>
-                                          <p:spTgt spid="9"/>
-                                        </p:tgtEl>
-                                      </p:cBhvr>
-                                    </p:animEffect>
-                                  </p:childTnLst>
-                                </p:cTn>
-                              </p:par>
-                              <p:par>
-                                <p:cTn id="8" presetID="10" presetClass="entr" presetSubtype="0" fill="hold" nodeType="withEffect">
-                                  <p:stCondLst>
-                                    <p:cond delay="0"/>
-                                  </p:stCondLst>
-                                  <p:childTnLst>
-                                    <p:set>
-                                      <p:cBhvr>
-                                        <p:cTn id="9" dur="1" fill="hold">
-                                          <p:stCondLst>
-                                            <p:cond delay="0"/>
-                                          </p:stCondLst>
-                                        </p:cTn>
-                                        <p:tgtEl>
-                                          <p:spTgt spid="6"/>
-                                        </p:tgtEl>
-                                        <p:attrNameLst>
-                                          <p:attrName>style.visibility</p:attrName>
-                                        </p:attrNameLst>
-                                      </p:cBhvr>
-                                      <p:to>
-                                        <p:strVal val="visible"/>
-                                      </p:to>
-                                    </p:set>
-                                    <p:animEffect transition="in" filter="fade">
-                                      <p:cBhvr>
-                                        <p:cTn id="10" dur="500"/>
-                                        <p:tgtEl>
-                                          <p:spTgt spid="6"/>
+                                          <p:spTgt spid="3">
+                                            <p:txEl>
+                                              <p:pRg st="0" end="0"/>
+                                            </p:txEl>
+                                          </p:spTgt>
                                         </p:tgtEl>
                                       </p:cBhvr>
                                     </p:animEffect>
@@ -9529,59 +11416,122 @@
                     </p:cTn>
                   </p:par>
                   <p:par>
-                    <p:cTn id="11" fill="hold">
+                    <p:cTn id="8" fill="hold">
                       <p:stCondLst>
                         <p:cond delay="indefinite"/>
                       </p:stCondLst>
                       <p:childTnLst>
                         <p:par>
-                          <p:cTn id="12" fill="hold">
+                          <p:cTn id="9" fill="hold">
                             <p:stCondLst>
                               <p:cond delay="0"/>
                             </p:stCondLst>
                             <p:childTnLst>
                               <p:par>
-                                <p:cTn id="13" presetID="1" presetClass="exit" presetSubtype="0" fill="hold" nodeType="clickEffect">
+                                <p:cTn id="10" presetID="10" presetClass="entr" presetSubtype="0" fill="hold" nodeType="clickEffect">
                                   <p:stCondLst>
                                     <p:cond delay="0"/>
                                   </p:stCondLst>
                                   <p:childTnLst>
                                     <p:set>
                                       <p:cBhvr>
+                                        <p:cTn id="11" dur="1" fill="hold">
+                                          <p:stCondLst>
+                                            <p:cond delay="0"/>
+                                          </p:stCondLst>
+                                        </p:cTn>
+                                        <p:tgtEl>
+                                          <p:spTgt spid="3">
+                                            <p:txEl>
+                                              <p:pRg st="1" end="1"/>
+                                            </p:txEl>
+                                          </p:spTgt>
+                                        </p:tgtEl>
+                                        <p:attrNameLst>
+                                          <p:attrName>style.visibility</p:attrName>
+                                        </p:attrNameLst>
+                                      </p:cBhvr>
+                                      <p:to>
+                                        <p:strVal val="visible"/>
+                                      </p:to>
+                                    </p:set>
+                                    <p:animEffect transition="in" filter="fade">
+                                      <p:cBhvr>
+                                        <p:cTn id="12" dur="500"/>
+                                        <p:tgtEl>
+                                          <p:spTgt spid="3">
+                                            <p:txEl>
+                                              <p:pRg st="1" end="1"/>
+                                            </p:txEl>
+                                          </p:spTgt>
+                                        </p:tgtEl>
+                                      </p:cBhvr>
+                                    </p:animEffect>
+                                  </p:childTnLst>
+                                </p:cTn>
+                              </p:par>
+                              <p:par>
+                                <p:cTn id="13" presetID="10" presetClass="entr" presetSubtype="0" fill="hold" nodeType="withEffect">
+                                  <p:stCondLst>
+                                    <p:cond delay="0"/>
+                                  </p:stCondLst>
+                                  <p:childTnLst>
+                                    <p:set>
+                                      <p:cBhvr>
                                         <p:cTn id="14" dur="1" fill="hold">
                                           <p:stCondLst>
                                             <p:cond delay="0"/>
                                           </p:stCondLst>
                                         </p:cTn>
                                         <p:tgtEl>
-                                          <p:spTgt spid="6"/>
+                                          <p:spTgt spid="3">
+                                            <p:txEl>
+                                              <p:pRg st="2" end="2"/>
+                                            </p:txEl>
+                                          </p:spTgt>
                                         </p:tgtEl>
                                         <p:attrNameLst>
                                           <p:attrName>style.visibility</p:attrName>
                                         </p:attrNameLst>
                                       </p:cBhvr>
                                       <p:to>
-                                        <p:strVal val="hidden"/>
+                                        <p:strVal val="visible"/>
                                       </p:to>
                                     </p:set>
+                                    <p:animEffect transition="in" filter="fade">
+                                      <p:cBhvr>
+                                        <p:cTn id="15" dur="500"/>
+                                        <p:tgtEl>
+                                          <p:spTgt spid="3">
+                                            <p:txEl>
+                                              <p:pRg st="2" end="2"/>
+                                            </p:txEl>
+                                          </p:spTgt>
+                                        </p:tgtEl>
+                                      </p:cBhvr>
+                                    </p:animEffect>
                                   </p:childTnLst>
                                 </p:cTn>
                               </p:par>
                               <p:par>
-                                <p:cTn id="15" presetID="10" presetClass="entr" presetSubtype="0" fill="hold" grpId="0" nodeType="withEffect">
+                                <p:cTn id="16" presetID="10" presetClass="entr" presetSubtype="0" fill="hold" nodeType="withEffect">
                                   <p:stCondLst>
                                     <p:cond delay="0"/>
                                   </p:stCondLst>
                                   <p:childTnLst>
                                     <p:set>
                                       <p:cBhvr>
-                                        <p:cTn id="16" dur="1" fill="hold">
+                                        <p:cTn id="17" dur="1" fill="hold">
                                           <p:stCondLst>
                                             <p:cond delay="0"/>
                                           </p:stCondLst>
                                         </p:cTn>
                                         <p:tgtEl>
-                                          <p:spTgt spid="10"/>
+                                          <p:spTgt spid="3">
+                                            <p:txEl>
+                                              <p:pRg st="3" end="3"/>
+                                            </p:txEl>
+                                          </p:spTgt>
                                         </p:tgtEl>
                                         <p:attrNameLst>
                                           <p:attrName>style.visibility</p:attrName>
@@ -9593,9 +11543,13 @@
                                     </p:set>
                                     <p:animEffect transition="in" filter="fade">
                                       <p:cBhvr>
-                                        <p:cTn id="17" dur="500"/>
-                                        <p:tgtEl>
-                                          <p:spTgt spid="10"/>
+                                        <p:cTn id="18" dur="500"/>
+                                        <p:tgtEl>
+                                          <p:spTgt spid="3">
+                                            <p:txEl>
+                                              <p:pRg st="3" end="3"/>
+                                            </p:txEl>
+                                          </p:spTgt>
                                         </p:tgtEl>
                                       </p:cBhvr>
                                     </p:animEffect>
@@ -9603,20 +11557,24 @@
                                 </p:cTn>
                               </p:par>
                               <p:par>
-                                <p:cTn id="18" presetID="10" presetClass="entr" presetSubtype="0" fill="hold" nodeType="withEffect">
+                                <p:cTn id="19" presetID="10" presetClass="entr" presetSubtype="0" fill="hold" nodeType="withEffect">
                                   <p:stCondLst>
                                     <p:cond delay="0"/>
                                   </p:stCondLst>
                                   <p:childTnLst>
                                     <p:set>
                                       <p:cBhvr>
-                                        <p:cTn id="19" dur="1" fill="hold">
+                                        <p:cTn id="20" dur="1" fill="hold">
                                           <p:stCondLst>
                                             <p:cond delay="0"/>
                                           </p:stCondLst>
                                         </p:cTn>
                                         <p:tgtEl>
-                                          <p:spTgt spid="18"/>
+                                          <p:spTgt spid="3">
+                                            <p:txEl>
+                                              <p:pRg st="4" end="4"/>
+                                            </p:txEl>
+                                          </p:spTgt>
                                         </p:tgtEl>
                                         <p:attrNameLst>
                                           <p:attrName>style.visibility</p:attrName>
@@ -9628,57 +11586,59 @@
                                     </p:set>
                                     <p:animEffect transition="in" filter="fade">
                                       <p:cBhvr>
-                                        <p:cTn id="20" dur="500"/>
-                                        <p:tgtEl>
-                                          <p:spTgt spid="18"/>
+                                        <p:cTn id="21" dur="500"/>
+                                        <p:tgtEl>
+                                          <p:spTgt spid="3">
+                                            <p:txEl>
+                                              <p:pRg st="4" end="4"/>
+                                            </p:txEl>
+                                          </p:spTgt>
                                         </p:tgtEl>
                                       </p:cBhvr>
                                     </p:animEffect>
                                   </p:childTnLst>
                                 </p:cTn>
                               </p:par>
-                            </p:childTnLst>
-                          </p:cTn>
-                        </p:par>
-                      </p:childTnLst>
-                    </p:cTn>
-                  </p:par>
-                  <p:par>
-                    <p:cTn id="21" fill="hold">
-                      <p:stCondLst>
-                        <p:cond delay="indefinite"/>
-                      </p:stCondLst>
-                      <p:childTnLst>
-                        <p:par>
-                          <p:cTn id="22" fill="hold">
-                            <p:stCondLst>
-                              <p:cond delay="0"/>
-                            </p:stCondLst>
-                            <p:childTnLst>
                               <p:par>
-                                <p:cTn id="23" presetID="1" presetClass="exit" presetSubtype="0" fill="hold" nodeType="clickEffect">
+                                <p:cTn id="22" presetID="10" presetClass="entr" presetSubtype="0" fill="hold" nodeType="withEffect">
                                   <p:stCondLst>
                                     <p:cond delay="0"/>
                                   </p:stCondLst>
                                   <p:childTnLst>
                                     <p:set>
                                       <p:cBhvr>
-                                        <p:cTn id="24" dur="1" fill="hold">
+                                        <p:cTn id="23" dur="1" fill="hold">
                                           <p:stCondLst>
                                             <p:cond delay="0"/>
                                           </p:stCondLst>
                                         </p:cTn>
                                         <p:tgtEl>
-                                          <p:spTgt spid="18"/>
+                                          <p:spTgt spid="3">
+                                            <p:txEl>
+                                              <p:pRg st="5" end="5"/>
+                                            </p:txEl>
+                                          </p:spTgt>
                                         </p:tgtEl>
                                         <p:attrNameLst>
                                           <p:attrName>style.visibility</p:attrName>
                                         </p:attrNameLst>
                                       </p:cBhvr>
                                       <p:to>
-                                        <p:strVal val="hidden"/>
+                                        <p:strVal val="visible"/>
                                       </p:to>
                                     </p:set>
+                                    <p:animEffect transition="in" filter="fade">
+                                      <p:cBhvr>
+                                        <p:cTn id="24" dur="500"/>
+                                        <p:tgtEl>
+                                          <p:spTgt spid="3">
+                                            <p:txEl>
+                                              <p:pRg st="5" end="5"/>
+                                            </p:txEl>
+                                          </p:spTgt>
+                                        </p:tgtEl>
+                                      </p:cBhvr>
+                                    </p:animEffect>
                                   </p:childTnLst>
                                 </p:cTn>
                               </p:par>
@@ -9696,7 +11656,11 @@
                                           </p:stCondLst>
                                         </p:cTn>
                                         <p:tgtEl>
-                                          <p:spTgt spid="19"/>
+                                          <p:spTgt spid="3">
+                                            <p:txEl>
+                                              <p:pRg st="6" end="6"/>
+                                            </p:txEl>
+                                          </p:spTgt>
                                         </p:tgtEl>
                                         <p:attrNameLst>
                                           <p:attrName>style.visibility</p:attrName>
@@ -9710,7 +11674,11 @@
                                       <p:cBhvr>
                                         <p:cTn id="27" dur="500"/>
                                         <p:tgtEl>
-                                          <p:spTgt spid="19"/>
+                                          <p:spTgt spid="3">
+                                            <p:txEl>
+                                              <p:pRg st="6" end="6"/>
+                                            </p:txEl>
+                                          </p:spTgt>
                                         </p:tgtEl>
                                       </p:cBhvr>
                                     </p:animEffect>
@@ -9736,7 +11704,7 @@
                             </p:stCondLst>
                             <p:childTnLst>
                               <p:par>
-                                <p:cTn id="30" presetID="10" presetClass="entr" presetSubtype="0" fill="hold" grpId="0" nodeType="clickEffect">
+                                <p:cTn id="30" presetID="10" presetClass="entr" presetSubtype="0" fill="hold" nodeType="clickEffect">
                                   <p:stCondLst>
                                     <p:cond delay="0"/>
                                   </p:stCondLst>
@@ -9749,7 +11717,11 @@
                                           </p:stCondLst>
                                         </p:cTn>
                                         <p:tgtEl>
-                                          <p:spTgt spid="16"/>
+                                          <p:spTgt spid="3">
+                                            <p:txEl>
+                                              <p:pRg st="7" end="7"/>
+                                            </p:txEl>
+                                          </p:spTgt>
                                         </p:tgtEl>
                                         <p:attrNameLst>
                                           <p:attrName>style.visibility</p:attrName>
@@ -9763,237 +11735,11 @@
                                       <p:cBhvr>
                                         <p:cTn id="32" dur="500"/>
                                         <p:tgtEl>
-                                          <p:spTgt spid="16"/>
-                                        </p:tgtEl>
-                                      </p:cBhvr>
-                                    </p:animEffect>
-                                  </p:childTnLst>
-                                </p:cTn>
-                              </p:par>
-                              <p:par>
-                                <p:cTn id="33" presetID="10" presetClass="entr" presetSubtype="0" fill="hold" nodeType="withEffect">
-                                  <p:stCondLst>
-                                    <p:cond delay="0"/>
-                                  </p:stCondLst>
-                                  <p:childTnLst>
-                                    <p:set>
-                                      <p:cBhvr>
-                                        <p:cTn id="34" dur="1" fill="hold">
-                                          <p:stCondLst>
-                                            <p:cond delay="0"/>
-                                          </p:stCondLst>
-                                        </p:cTn>
-                                        <p:tgtEl>
-                                          <p:spTgt spid="24"/>
-                                        </p:tgtEl>
-                                        <p:attrNameLst>
-                                          <p:attrName>style.visibility</p:attrName>
-                                        </p:attrNameLst>
-                                      </p:cBhvr>
-                                      <p:to>
-                                        <p:strVal val="visible"/>
-                                      </p:to>
-                                    </p:set>
-                                    <p:animEffect transition="in" filter="fade">
-                                      <p:cBhvr>
-                                        <p:cTn id="35" dur="500"/>
-                                        <p:tgtEl>
-                                          <p:spTgt spid="24"/>
-                                        </p:tgtEl>
-                                      </p:cBhvr>
-                                    </p:animEffect>
-                                  </p:childTnLst>
-                                </p:cTn>
-                              </p:par>
-                              <p:par>
-                                <p:cTn id="36" presetID="1" presetClass="exit" presetSubtype="0" fill="hold" nodeType="withEffect">
-                                  <p:stCondLst>
-                                    <p:cond delay="0"/>
-                                  </p:stCondLst>
-                                  <p:childTnLst>
-                                    <p:set>
-                                      <p:cBhvr>
-                                        <p:cTn id="37" dur="1" fill="hold">
-                                          <p:stCondLst>
-                                            <p:cond delay="0"/>
-                                          </p:stCondLst>
-                                        </p:cTn>
-                                        <p:tgtEl>
-                                          <p:spTgt spid="19"/>
-                                        </p:tgtEl>
-                                        <p:attrNameLst>
-                                          <p:attrName>style.visibility</p:attrName>
-                                        </p:attrNameLst>
-                                      </p:cBhvr>
-                                      <p:to>
-                                        <p:strVal val="hidden"/>
-                                      </p:to>
-                                    </p:set>
-                                  </p:childTnLst>
-                                </p:cTn>
-                              </p:par>
-                            </p:childTnLst>
-                          </p:cTn>
-                        </p:par>
-                      </p:childTnLst>
-                    </p:cTn>
-                  </p:par>
-                  <p:par>
-                    <p:cTn id="38" fill="hold">
-                      <p:stCondLst>
-                        <p:cond delay="indefinite"/>
-                      </p:stCondLst>
-                      <p:childTnLst>
-                        <p:par>
-                          <p:cTn id="39" fill="hold">
-                            <p:stCondLst>
-                              <p:cond delay="0"/>
-                            </p:stCondLst>
-                            <p:childTnLst>
-                              <p:par>
-                                <p:cTn id="40" presetID="10" presetClass="entr" presetSubtype="0" fill="hold" nodeType="clickEffect">
-                                  <p:stCondLst>
-                                    <p:cond delay="0"/>
-                                  </p:stCondLst>
-                                  <p:childTnLst>
-                                    <p:set>
-                                      <p:cBhvr>
-                                        <p:cTn id="41" dur="1" fill="hold">
-                                          <p:stCondLst>
-                                            <p:cond delay="0"/>
-                                          </p:stCondLst>
-                                        </p:cTn>
-                                        <p:tgtEl>
-                                          <p:spTgt spid="54"/>
-                                        </p:tgtEl>
-                                        <p:attrNameLst>
-                                          <p:attrName>style.visibility</p:attrName>
-                                        </p:attrNameLst>
-                                      </p:cBhvr>
-                                      <p:to>
-                                        <p:strVal val="visible"/>
-                                      </p:to>
-                                    </p:set>
-                                    <p:animEffect transition="in" filter="fade">
-                                      <p:cBhvr>
-                                        <p:cTn id="42" dur="500"/>
-                                        <p:tgtEl>
-                                          <p:spTgt spid="54"/>
-                                        </p:tgtEl>
-                                      </p:cBhvr>
-                                    </p:animEffect>
-                                  </p:childTnLst>
-                                </p:cTn>
-                              </p:par>
-                              <p:par>
-                                <p:cTn id="43" presetID="1" presetClass="exit" presetSubtype="0" fill="hold" nodeType="withEffect">
-                                  <p:stCondLst>
-                                    <p:cond delay="0"/>
-                                  </p:stCondLst>
-                                  <p:childTnLst>
-                                    <p:set>
-                                      <p:cBhvr>
-                                        <p:cTn id="44" dur="1" fill="hold">
-                                          <p:stCondLst>
-                                            <p:cond delay="0"/>
-                                          </p:stCondLst>
-                                        </p:cTn>
-                                        <p:tgtEl>
-                                          <p:spTgt spid="24"/>
-                                        </p:tgtEl>
-                                        <p:attrNameLst>
-                                          <p:attrName>style.visibility</p:attrName>
-                                        </p:attrNameLst>
-                                      </p:cBhvr>
-                                      <p:to>
-                                        <p:strVal val="hidden"/>
-                                      </p:to>
-                                    </p:set>
-                                  </p:childTnLst>
-                                </p:cTn>
-                              </p:par>
-                            </p:childTnLst>
-                          </p:cTn>
-                        </p:par>
-                      </p:childTnLst>
-                    </p:cTn>
-                  </p:par>
-                  <p:par>
-                    <p:cTn id="45" fill="hold">
-                      <p:stCondLst>
-                        <p:cond delay="indefinite"/>
-                      </p:stCondLst>
-                      <p:childTnLst>
-                        <p:par>
-                          <p:cTn id="46" fill="hold">
-                            <p:stCondLst>
-                              <p:cond delay="0"/>
-                            </p:stCondLst>
-                            <p:childTnLst>
-                              <p:par>
-                                <p:cTn id="47" presetID="10" presetClass="entr" presetSubtype="0" fill="hold" nodeType="clickEffect">
-                                  <p:stCondLst>
-                                    <p:cond delay="0"/>
-                                  </p:stCondLst>
-                                  <p:childTnLst>
-                                    <p:set>
-                                      <p:cBhvr>
-                                        <p:cTn id="48" dur="1" fill="hold">
-                                          <p:stCondLst>
-                                            <p:cond delay="0"/>
-                                          </p:stCondLst>
-                                        </p:cTn>
-                                        <p:tgtEl>
-                                          <p:spTgt spid="27"/>
-                                        </p:tgtEl>
-                                        <p:attrNameLst>
-                                          <p:attrName>style.visibility</p:attrName>
-                                        </p:attrNameLst>
-                                      </p:cBhvr>
-                                      <p:to>
-                                        <p:strVal val="visible"/>
-                                      </p:to>
-                                    </p:set>
-                                    <p:animEffect transition="in" filter="fade">
-                                      <p:cBhvr>
-                                        <p:cTn id="49" dur="500"/>
-                                        <p:tgtEl>
-                                          <p:spTgt spid="27"/>
-                                        </p:tgtEl>
-                                      </p:cBhvr>
-                                    </p:animEffect>
-                                  </p:childTnLst>
-                                </p:cTn>
-                              </p:par>
-                              <p:par>
-                                <p:cTn id="50" presetID="10" presetClass="entr" presetSubtype="0" fill="hold" grpId="0" nodeType="withEffect">
-                                  <p:stCondLst>
-                                    <p:cond delay="0"/>
-                                  </p:stCondLst>
-                                  <p:childTnLst>
-                                    <p:set>
-                                      <p:cBhvr>
-                                        <p:cTn id="51" dur="1" fill="hold">
-                                          <p:stCondLst>
-                                            <p:cond delay="0"/>
-                                          </p:stCondLst>
-                                        </p:cTn>
-                                        <p:tgtEl>
-                                          <p:spTgt spid="30"/>
-                                        </p:tgtEl>
-                                        <p:attrNameLst>
-                                          <p:attrName>style.visibility</p:attrName>
-                                        </p:attrNameLst>
-                                      </p:cBhvr>
-                                      <p:to>
-                                        <p:strVal val="visible"/>
-                                      </p:to>
-                                    </p:set>
-                                    <p:animEffect transition="in" filter="fade">
-                                      <p:cBhvr>
-                                        <p:cTn id="52" dur="500"/>
-                                        <p:tgtEl>
-                                          <p:spTgt spid="30"/>
+                                          <p:spTgt spid="3">
+                                            <p:txEl>
+                                              <p:pRg st="7" end="7"/>
+                                            </p:txEl>
+                                          </p:spTgt>
                                         </p:tgtEl>
                                       </p:cBhvr>
                                     </p:animEffect>
@@ -10007,32 +11753,36 @@
                     </p:cTn>
                   </p:par>
                   <p:par>
-                    <p:cTn id="53" fill="hold">
+                    <p:cTn id="33" fill="hold">
                       <p:stCondLst>
                         <p:cond delay="indefinite"/>
                       </p:stCondLst>
                       <p:childTnLst>
                         <p:par>
-                          <p:cTn id="54" fill="hold">
+                          <p:cTn id="34" fill="hold">
                             <p:stCondLst>
                               <p:cond delay="0"/>
                             </p:stCondLst>
                             <p:childTnLst>
                               <p:par>
-                                <p:cTn id="55" presetID="10" presetClass="entr" presetSubtype="0" fill="hold" nodeType="clickEffect">
+                                <p:cTn id="35" presetID="10" presetClass="entr" presetSubtype="0" fill="hold" nodeType="clickEffect">
                                   <p:stCondLst>
                                     <p:cond delay="0"/>
                                   </p:stCondLst>
                                   <p:childTnLst>
                                     <p:set>
                                       <p:cBhvr>
-                                        <p:cTn id="56" dur="1" fill="hold">
+                                        <p:cTn id="36" dur="1" fill="hold">
                                           <p:stCondLst>
                                             <p:cond delay="0"/>
                                           </p:stCondLst>
                                         </p:cTn>
                                         <p:tgtEl>
-                                          <p:spTgt spid="20"/>
+                                          <p:spTgt spid="3">
+                                            <p:txEl>
+                                              <p:pRg st="8" end="8"/>
+                                            </p:txEl>
+                                          </p:spTgt>
                                         </p:tgtEl>
                                         <p:attrNameLst>
                                           <p:attrName>style.visibility</p:attrName>
@@ -10044,150 +11794,13 @@
                                     </p:set>
                                     <p:animEffect transition="in" filter="fade">
                                       <p:cBhvr>
-                                        <p:cTn id="57" dur="500"/>
-                                        <p:tgtEl>
-                                          <p:spTgt spid="20"/>
-                                        </p:tgtEl>
-                                      </p:cBhvr>
-                                    </p:animEffect>
-                                  </p:childTnLst>
-                                </p:cTn>
-                              </p:par>
-                            </p:childTnLst>
-                          </p:cTn>
-                        </p:par>
-                      </p:childTnLst>
-                    </p:cTn>
-                  </p:par>
-                  <p:par>
-                    <p:cTn id="58" fill="hold">
-                      <p:stCondLst>
-                        <p:cond delay="indefinite"/>
-                      </p:stCondLst>
-                      <p:childTnLst>
-                        <p:par>
-                          <p:cTn id="59" fill="hold">
-                            <p:stCondLst>
-                              <p:cond delay="0"/>
-                            </p:stCondLst>
-                            <p:childTnLst>
-                              <p:par>
-                                <p:cTn id="60" presetID="10" presetClass="entr" presetSubtype="0" fill="hold" nodeType="clickEffect">
-                                  <p:stCondLst>
-                                    <p:cond delay="0"/>
-                                  </p:stCondLst>
-                                  <p:childTnLst>
-                                    <p:set>
-                                      <p:cBhvr>
-                                        <p:cTn id="61" dur="1" fill="hold">
-                                          <p:stCondLst>
-                                            <p:cond delay="0"/>
-                                          </p:stCondLst>
-                                        </p:cTn>
-                                        <p:tgtEl>
-                                          <p:spTgt spid="26"/>
-                                        </p:tgtEl>
-                                        <p:attrNameLst>
-                                          <p:attrName>style.visibility</p:attrName>
-                                        </p:attrNameLst>
-                                      </p:cBhvr>
-                                      <p:to>
-                                        <p:strVal val="visible"/>
-                                      </p:to>
-                                    </p:set>
-                                    <p:animEffect transition="in" filter="fade">
-                                      <p:cBhvr>
-                                        <p:cTn id="62" dur="500"/>
-                                        <p:tgtEl>
-                                          <p:spTgt spid="26"/>
-                                        </p:tgtEl>
-                                      </p:cBhvr>
-                                    </p:animEffect>
-                                  </p:childTnLst>
-                                </p:cTn>
-                              </p:par>
-                            </p:childTnLst>
-                          </p:cTn>
-                        </p:par>
-                      </p:childTnLst>
-                    </p:cTn>
-                  </p:par>
-                  <p:par>
-                    <p:cTn id="63" fill="hold">
-                      <p:stCondLst>
-                        <p:cond delay="indefinite"/>
-                      </p:stCondLst>
-                      <p:childTnLst>
-                        <p:par>
-                          <p:cTn id="64" fill="hold">
-                            <p:stCondLst>
-                              <p:cond delay="0"/>
-                            </p:stCondLst>
-                            <p:childTnLst>
-                              <p:par>
-                                <p:cTn id="65" presetID="10" presetClass="entr" presetSubtype="0" fill="hold" nodeType="clickEffect">
-                                  <p:stCondLst>
-                                    <p:cond delay="0"/>
-                                  </p:stCondLst>
-                                  <p:childTnLst>
-                                    <p:set>
-                                      <p:cBhvr>
-                                        <p:cTn id="66" dur="1" fill="hold">
-                                          <p:stCondLst>
-                                            <p:cond delay="0"/>
-                                          </p:stCondLst>
-                                        </p:cTn>
-                                        <p:tgtEl>
-                                          <p:spTgt spid="29"/>
-                                        </p:tgtEl>
-                                        <p:attrNameLst>
-                                          <p:attrName>style.visibility</p:attrName>
-                                        </p:attrNameLst>
-                                      </p:cBhvr>
-                                      <p:to>
-                                        <p:strVal val="visible"/>
-                                      </p:to>
-                                    </p:set>
-                                    <p:animEffect transition="in" filter="fade">
-                                      <p:cBhvr>
-                                        <p:cTn id="67" dur="500"/>
-                                        <p:tgtEl>
-                                          <p:spTgt spid="29"/>
-                                        </p:tgtEl>
-                                      </p:cBhvr>
-                                    </p:animEffect>
-                                  </p:childTnLst>
-                                </p:cTn>
-                              </p:par>
-                              <p:par>
-                                <p:cTn id="68" presetID="10" presetClass="entr" presetSubtype="0" fill="hold" grpId="0" nodeType="withEffect">
-                                  <p:stCondLst>
-                                    <p:cond delay="0"/>
-                                  </p:stCondLst>
-                                  <p:childTnLst>
-                                    <p:set>
-                                      <p:cBhvr>
-                                        <p:cTn id="69" dur="1" fill="hold">
-                                          <p:stCondLst>
-                                            <p:cond delay="0"/>
-                                          </p:stCondLst>
-                                        </p:cTn>
-                                        <p:tgtEl>
-                                          <p:spTgt spid="33"/>
-                                        </p:tgtEl>
-                                        <p:attrNameLst>
-                                          <p:attrName>style.visibility</p:attrName>
-                                        </p:attrNameLst>
-                                      </p:cBhvr>
-                                      <p:to>
-                                        <p:strVal val="visible"/>
-                                      </p:to>
-                                    </p:set>
-                                    <p:animEffect transition="in" filter="fade">
-                                      <p:cBhvr>
-                                        <p:cTn id="70" dur="500"/>
-                                        <p:tgtEl>
-                                          <p:spTgt spid="33"/>
+                                        <p:cTn id="37" dur="500"/>
+                                        <p:tgtEl>
+                                          <p:spTgt spid="3">
+                                            <p:txEl>
+                                              <p:pRg st="8" end="8"/>
+                                            </p:txEl>
+                                          </p:spTgt>
                                         </p:tgtEl>
                                       </p:cBhvr>
                                     </p:animEffect>
@@ -10221,13 +11834,6 @@
         </p:cTn>
       </p:par>
     </p:tnLst>
-    <p:bldLst>
-      <p:bldP spid="9" grpId="0" animBg="1"/>
-      <p:bldP spid="10" grpId="0" animBg="1"/>
-      <p:bldP spid="16" grpId="0" animBg="1"/>
-      <p:bldP spid="30" grpId="0"/>
-      <p:bldP spid="33" grpId="0"/>
-    </p:bldLst>
   </p:timing>
 </p:sld>
 </file>
@@ -10235,45 +11841,45 @@
 <file path=ppt/theme/theme1.xml><?xml version="1.0" encoding="utf-8"?>
 <a:theme xmlns:a="http://schemas.openxmlformats.org/drawingml/2006/main" name="Office Theme">
   <a:themeElements>
-    <a:clrScheme name="Marquee">
+    <a:clrScheme name="Office Theme">
       <a:dk1>
-        <a:srgbClr val="000000"/>
+        <a:sysClr val="windowText" lastClr="000000"/>
       </a:dk1>
       <a:lt1>
         <a:sysClr val="window" lastClr="FFFFFF"/>
       </a:lt1>
       <a:dk2>
-        <a:srgbClr val="5E5E5E"/>
+        <a:srgbClr val="44546A"/>
       </a:dk2>
       <a:lt2>
-        <a:srgbClr val="DDDDDD"/>
+        <a:srgbClr val="E7E6E6"/>
       </a:lt2>
       <a:accent1>
-        <a:srgbClr val="418AB3"/>
+        <a:srgbClr val="4472C4"/>
       </a:accent1>
       <a:accent2>
-        <a:srgbClr val="A6B727"/>
+        <a:srgbClr val="ED7D31"/>
       </a:accent2>
       <a:accent3>
-        <a:srgbClr val="F69200"/>
+        <a:srgbClr val="A5A5A5"/>
       </a:accent3>
       <a:accent4>
-        <a:srgbClr val="838383"/>
+        <a:srgbClr val="FFC000"/>
       </a:accent4>
       <a:accent5>
-        <a:srgbClr val="FEC306"/>
+        <a:srgbClr val="5B9BD5"/>
       </a:accent5>
       <a:accent6>
-        <a:srgbClr val="DF5327"/>
+        <a:srgbClr val="70AD47"/>
       </a:accent6>
       <a:hlink>
-        <a:srgbClr val="F59E00"/>
+        <a:srgbClr val="0563C1"/>
       </a:hlink>
       <a:folHlink>
-        <a:srgbClr val="B2B2B2"/>
+        <a:srgbClr val="954F72"/>
       </a:folHlink>
     </a:clrScheme>
-    <a:fontScheme name="Office">
+    <a:fontScheme name="Office Theme">
       <a:majorFont>
         <a:latin typeface="Calibri Light" panose="020F0302020204030204"/>
         <a:ea typeface=""/>
@@ -10308,23 +11914,6 @@
         <a:font script="Viet" typeface="Times New Roman"/>
         <a:font script="Uigh" typeface="Microsoft Uighur"/>
         <a:font script="Geor" typeface="Sylfaen"/>
-        <a:font script="Armn" typeface="Arial"/>
-        <a:font script="Bugi" typeface="Leelawadee UI"/>
-        <a:font script="Bopo" typeface="Microsoft JhengHei"/>
-        <a:font script="Java" typeface="Javanese Text"/>
-        <a:font script="Lisu" typeface="Segoe UI"/>
-        <a:font script="Mymr" typeface="Myanmar Text"/>
-        <a:font script="Nkoo" typeface="Ebrima"/>
-        <a:font script="Olck" typeface="Nirmala UI"/>
-        <a:font script="Osma" typeface="Ebrima"/>
-        <a:font script="Phag" typeface="Phagspa"/>
-        <a:font script="Syrn" typeface="Estrangelo Edessa"/>
-        <a:font script="Syrj" typeface="Estrangelo Edessa"/>
-        <a:font script="Syre" typeface="Estrangelo Edessa"/>
-        <a:font script="Sora" typeface="Nirmala UI"/>
-        <a:font script="Tale" typeface="Microsoft Tai Le"/>
-        <a:font script="Talu" typeface="Microsoft New Tai Lue"/>
-        <a:font script="Tfng" typeface="Ebrima"/>
       </a:majorFont>
       <a:minorFont>
         <a:latin typeface="Calibri" panose="020F0502020204030204"/>
@@ -10360,26 +11949,9 @@
         <a:font script="Viet" typeface="Arial"/>
         <a:font script="Uigh" typeface="Microsoft Uighur"/>
         <a:font script="Geor" typeface="Sylfaen"/>
-        <a:font script="Armn" typeface="Arial"/>
-        <a:font script="Bugi" typeface="Leelawadee UI"/>
-        <a:font script="Bopo" typeface="Microsoft JhengHei"/>
-        <a:font script="Java" typeface="Javanese Text"/>
-        <a:font script="Lisu" typeface="Segoe UI"/>
-        <a:font script="Mymr" typeface="Myanmar Text"/>
-        <a:font script="Nkoo" typeface="Ebrima"/>
-        <a:font script="Olck" typeface="Nirmala UI"/>
-        <a:font script="Osma" typeface="Ebrima"/>
-        <a:font script="Phag" typeface="Phagspa"/>
-        <a:font script="Syrn" typeface="Estrangelo Edessa"/>
-        <a:font script="Syrj" typeface="Estrangelo Edessa"/>
-        <a:font script="Syre" typeface="Estrangelo Edessa"/>
-        <a:font script="Sora" typeface="Nirmala UI"/>
-        <a:font script="Tale" typeface="Microsoft Tai Le"/>
-        <a:font script="Talu" typeface="Microsoft New Tai Lue"/>
-        <a:font script="Tfng" typeface="Ebrima"/>
       </a:minorFont>
     </a:fontScheme>
-    <a:fmtScheme name="Office">
+    <a:fmtScheme name="Office Theme">
       <a:fillStyleLst>
         <a:solidFill>
           <a:schemeClr val="phClr"/>
@@ -10521,7 +12093,7 @@
   <a:extraClrSchemeLst/>
   <a:extLst>
     <a:ext uri="{05A4C25C-085E-4340-85A3-A5531E510DB2}">
-      <thm15:themeFamily xmlns:thm15="http://schemas.microsoft.com/office/thememl/2012/main" name="Office Theme" id="{62F939B6-93AF-4DB8-9C6B-D6C7DFDC589F}" vid="{4A3C46E8-61CC-4603-A589-7422A47A8E4A}"/>
+      <thm15:themeFamily xmlns:thm15="http://schemas.microsoft.com/office/thememl/2012/main" name="Office Theme" id="{62F939B6-93AF-4DB8-9C6B-D6C7DFDC589F}" vid="{4F46216B-77A9-411A-B9D3-5023FCB70208}"/>
     </a:ext>
   </a:extLst>
 </a:theme>

--- a/preso.pptx
+++ b/preso.pptx
@@ -5,7 +5,7 @@
     <p:sldMasterId id="2147483660" r:id="rId1"/>
   </p:sldMasterIdLst>
   <p:notesMasterIdLst>
-    <p:notesMasterId r:id="rId18"/>
+    <p:notesMasterId r:id="rId19"/>
   </p:notesMasterIdLst>
   <p:sldIdLst>
     <p:sldId id="256" r:id="rId2"/>
@@ -24,6 +24,7 @@
     <p:sldId id="265" r:id="rId15"/>
     <p:sldId id="271" r:id="rId16"/>
     <p:sldId id="266" r:id="rId17"/>
+    <p:sldId id="272" r:id="rId18"/>
   </p:sldIdLst>
   <p:sldSz cx="12192000" cy="6858000"/>
   <p:notesSz cx="6858000" cy="9144000"/>
@@ -8813,6 +8814,159 @@
     <p:extLst>
       <p:ext uri="{BB962C8B-B14F-4D97-AF65-F5344CB8AC3E}">
         <p14:creationId xmlns:p14="http://schemas.microsoft.com/office/powerpoint/2010/main" val="2823262607"/>
+      </p:ext>
+    </p:extLst>
+  </p:cSld>
+  <p:clrMapOvr>
+    <a:masterClrMapping/>
+  </p:clrMapOvr>
+</p:sld>
+</file>
+
+<file path=ppt/slides/slide17.xml><?xml version="1.0" encoding="utf-8"?>
+<p:sld xmlns:a="http://schemas.openxmlformats.org/drawingml/2006/main" xmlns:r="http://schemas.openxmlformats.org/officeDocument/2006/relationships" xmlns:p="http://schemas.openxmlformats.org/presentationml/2006/main">
+  <p:cSld>
+    <p:spTree>
+      <p:nvGrpSpPr>
+        <p:cNvPr id="1" name=""/>
+        <p:cNvGrpSpPr/>
+        <p:nvPr/>
+      </p:nvGrpSpPr>
+      <p:grpSpPr>
+        <a:xfrm>
+          <a:off x="0" y="0"/>
+          <a:ext cx="0" cy="0"/>
+          <a:chOff x="0" y="0"/>
+          <a:chExt cx="0" cy="0"/>
+        </a:xfrm>
+      </p:grpSpPr>
+      <p:sp>
+        <p:nvSpPr>
+          <p:cNvPr id="2" name="Title 1">
+            <a:extLst>
+              <a:ext uri="{FF2B5EF4-FFF2-40B4-BE49-F238E27FC236}">
+                <a16:creationId xmlns:a16="http://schemas.microsoft.com/office/drawing/2014/main" id="{2D1D3786-4DD3-7C48-9A94-B341A7FFFB85}"/>
+              </a:ext>
+            </a:extLst>
+          </p:cNvPr>
+          <p:cNvSpPr>
+            <a:spLocks noGrp="1"/>
+          </p:cNvSpPr>
+          <p:nvPr>
+            <p:ph type="title"/>
+          </p:nvPr>
+        </p:nvSpPr>
+        <p:spPr/>
+        <p:txBody>
+          <a:bodyPr/>
+          <a:lstStyle/>
+          <a:p>
+            <a:r>
+              <a:rPr lang="en-US" dirty="0"/>
+              <a:t>References</a:t>
+            </a:r>
+          </a:p>
+        </p:txBody>
+      </p:sp>
+      <p:sp>
+        <p:nvSpPr>
+          <p:cNvPr id="3" name="Content Placeholder 2">
+            <a:extLst>
+              <a:ext uri="{FF2B5EF4-FFF2-40B4-BE49-F238E27FC236}">
+                <a16:creationId xmlns:a16="http://schemas.microsoft.com/office/drawing/2014/main" id="{E21FA19F-419A-7841-863D-9CE064E37FF2}"/>
+              </a:ext>
+            </a:extLst>
+          </p:cNvPr>
+          <p:cNvSpPr>
+            <a:spLocks noGrp="1"/>
+          </p:cNvSpPr>
+          <p:nvPr>
+            <p:ph idx="1"/>
+          </p:nvPr>
+        </p:nvSpPr>
+        <p:spPr/>
+        <p:txBody>
+          <a:bodyPr/>
+          <a:lstStyle/>
+          <a:p>
+            <a:r>
+              <a:rPr lang="en-US" dirty="0">
+                <a:hlinkClick r:id="rId2"/>
+              </a:rPr>
+              <a:t>Horizontal  Pod Autoscaler</a:t>
+            </a:r>
+            <a:endParaRPr lang="en-US" dirty="0"/>
+          </a:p>
+          <a:p>
+            <a:r>
+              <a:rPr lang="en-US" dirty="0">
+                <a:hlinkClick r:id="rId3"/>
+              </a:rPr>
+              <a:t>Horizontal Pod Autoscaler Walkthrough</a:t>
+            </a:r>
+            <a:endParaRPr lang="en-US" dirty="0"/>
+          </a:p>
+          <a:p>
+            <a:r>
+              <a:rPr lang="en-US" dirty="0">
+                <a:hlinkClick r:id="rId4"/>
+              </a:rPr>
+              <a:t>https://keda.sh/</a:t>
+            </a:r>
+            <a:endParaRPr lang="en-US" dirty="0"/>
+          </a:p>
+          <a:p>
+            <a:r>
+              <a:rPr lang="en-US" dirty="0">
+                <a:hlinkClick r:id="rId5"/>
+              </a:rPr>
+              <a:t>KEDA on GitHub</a:t>
+            </a:r>
+            <a:endParaRPr lang="en-US" dirty="0"/>
+          </a:p>
+          <a:p>
+            <a:r>
+              <a:rPr lang="en-US" dirty="0">
+                <a:hlinkClick r:id="rId6"/>
+              </a:rPr>
+              <a:t>KEDA Samples</a:t>
+            </a:r>
+            <a:endParaRPr lang="en-US" dirty="0"/>
+          </a:p>
+          <a:p>
+            <a:r>
+              <a:rPr lang="en-US" dirty="0">
+                <a:hlinkClick r:id="rId7"/>
+              </a:rPr>
+              <a:t>Https://emadashi.com</a:t>
+            </a:r>
+            <a:r>
+              <a:rPr lang="en-US" dirty="0"/>
+              <a:t> </a:t>
+            </a:r>
+            <a:r>
+              <a:rPr lang="en-US" dirty="0">
+                <a:sym typeface="Wingdings" pitchFamily="2" charset="2"/>
+              </a:rPr>
+              <a:t></a:t>
+            </a:r>
+            <a:endParaRPr lang="en-US" dirty="0"/>
+          </a:p>
+          <a:p>
+            <a:r>
+              <a:rPr lang="en-US" dirty="0">
+                <a:hlinkClick r:id="rId8"/>
+              </a:rPr>
+              <a:t>Mock-server</a:t>
+            </a:r>
+            <a:endParaRPr lang="en-US" dirty="0"/>
+          </a:p>
+        </p:txBody>
+      </p:sp>
+    </p:spTree>
+    <p:extLst>
+      <p:ext uri="{BB962C8B-B14F-4D97-AF65-F5344CB8AC3E}">
+        <p14:creationId xmlns:p14="http://schemas.microsoft.com/office/powerpoint/2010/main" val="2713068039"/>
       </p:ext>
     </p:extLst>
   </p:cSld>

--- a/preso.pptx
+++ b/preso.pptx
@@ -9169,6 +9169,87 @@
       </p:pic>
       <p:sp>
         <p:nvSpPr>
+          <p:cNvPr id="26" name="Rectangle 25">
+            <a:extLst>
+              <a:ext uri="{FF2B5EF4-FFF2-40B4-BE49-F238E27FC236}">
+                <a16:creationId xmlns:a16="http://schemas.microsoft.com/office/drawing/2014/main" id="{0F28E8B8-0A91-2242-A660-AEDC3BCDB796}"/>
+              </a:ext>
+              <a:ext uri="{C183D7F6-B498-43B3-948B-1728B52AA6E4}">
+                <adec:decorative xmlns:adec="http://schemas.microsoft.com/office/drawing/2017/decorative" val="1"/>
+              </a:ext>
+            </a:extLst>
+          </p:cNvPr>
+          <p:cNvSpPr>
+            <a:spLocks noGrp="1" noRot="1" noChangeAspect="1" noMove="1" noResize="1" noEditPoints="1" noAdjustHandles="1" noChangeArrowheads="1" noChangeShapeType="1" noTextEdit="1"/>
+          </p:cNvSpPr>
+          <p:nvPr>
+            <p:extLst>
+              <p:ext uri="{386F3935-93C4-4BCD-93E2-E3B085C9AB24}">
+                <p16:designElem xmlns:p16="http://schemas.microsoft.com/office/powerpoint/2015/main" val="1"/>
+              </p:ext>
+            </p:extLst>
+          </p:nvPr>
+        </p:nvSpPr>
+        <p:spPr>
+          <a:xfrm>
+            <a:off x="3" y="0"/>
+            <a:ext cx="9339206" cy="6858000"/>
+          </a:xfrm>
+          <a:prstGeom prst="rect">
+            <a:avLst/>
+          </a:prstGeom>
+          <a:gradFill>
+            <a:gsLst>
+              <a:gs pos="58000">
+                <a:schemeClr val="bg1"/>
+              </a:gs>
+              <a:gs pos="33000">
+                <a:schemeClr val="bg1">
+                  <a:alpha val="64000"/>
+                </a:schemeClr>
+              </a:gs>
+              <a:gs pos="0">
+                <a:schemeClr val="bg1">
+                  <a:alpha val="0"/>
+                </a:schemeClr>
+              </a:gs>
+              <a:gs pos="100000">
+                <a:schemeClr val="bg1"/>
+              </a:gs>
+            </a:gsLst>
+            <a:lin ang="10800000" scaled="0"/>
+          </a:gradFill>
+          <a:ln>
+            <a:noFill/>
+          </a:ln>
+        </p:spPr>
+        <p:style>
+          <a:lnRef idx="2">
+            <a:schemeClr val="accent1">
+              <a:shade val="50000"/>
+            </a:schemeClr>
+          </a:lnRef>
+          <a:fillRef idx="1">
+            <a:schemeClr val="accent1"/>
+          </a:fillRef>
+          <a:effectRef idx="0">
+            <a:schemeClr val="accent1"/>
+          </a:effectRef>
+          <a:fontRef idx="minor">
+            <a:schemeClr val="lt1"/>
+          </a:fontRef>
+        </p:style>
+        <p:txBody>
+          <a:bodyPr rtlCol="0" anchor="ctr"/>
+          <a:lstStyle/>
+          <a:p>
+            <a:pPr algn="ctr"/>
+            <a:endParaRPr lang="en-US" dirty="0"/>
+          </a:p>
+        </p:txBody>
+      </p:sp>
+      <p:sp>
+        <p:nvSpPr>
           <p:cNvPr id="4" name="Title 3">
             <a:extLst>
               <a:ext uri="{FF2B5EF4-FFF2-40B4-BE49-F238E27FC236}">
@@ -9354,6 +9435,87 @@
           </a:prstGeom>
         </p:spPr>
       </p:pic>
+      <p:sp>
+        <p:nvSpPr>
+          <p:cNvPr id="13" name="Rectangle 12">
+            <a:extLst>
+              <a:ext uri="{FF2B5EF4-FFF2-40B4-BE49-F238E27FC236}">
+                <a16:creationId xmlns:a16="http://schemas.microsoft.com/office/drawing/2014/main" id="{E457318E-2F96-6D4B-8827-5E40F75C597A}"/>
+              </a:ext>
+              <a:ext uri="{C183D7F6-B498-43B3-948B-1728B52AA6E4}">
+                <adec:decorative xmlns:adec="http://schemas.microsoft.com/office/drawing/2017/decorative" val="1"/>
+              </a:ext>
+            </a:extLst>
+          </p:cNvPr>
+          <p:cNvSpPr>
+            <a:spLocks noGrp="1" noRot="1" noChangeAspect="1" noMove="1" noResize="1" noEditPoints="1" noAdjustHandles="1" noChangeArrowheads="1" noChangeShapeType="1" noTextEdit="1"/>
+          </p:cNvSpPr>
+          <p:nvPr>
+            <p:extLst>
+              <p:ext uri="{386F3935-93C4-4BCD-93E2-E3B085C9AB24}">
+                <p16:designElem xmlns:p16="http://schemas.microsoft.com/office/powerpoint/2015/main" val="1"/>
+              </p:ext>
+            </p:extLst>
+          </p:nvPr>
+        </p:nvSpPr>
+        <p:spPr>
+          <a:xfrm>
+            <a:off x="3" y="0"/>
+            <a:ext cx="9339206" cy="6858000"/>
+          </a:xfrm>
+          <a:prstGeom prst="rect">
+            <a:avLst/>
+          </a:prstGeom>
+          <a:gradFill>
+            <a:gsLst>
+              <a:gs pos="58000">
+                <a:schemeClr val="bg1"/>
+              </a:gs>
+              <a:gs pos="33000">
+                <a:schemeClr val="bg1">
+                  <a:alpha val="64000"/>
+                </a:schemeClr>
+              </a:gs>
+              <a:gs pos="0">
+                <a:schemeClr val="bg1">
+                  <a:alpha val="0"/>
+                </a:schemeClr>
+              </a:gs>
+              <a:gs pos="100000">
+                <a:schemeClr val="bg1"/>
+              </a:gs>
+            </a:gsLst>
+            <a:lin ang="10800000" scaled="0"/>
+          </a:gradFill>
+          <a:ln>
+            <a:noFill/>
+          </a:ln>
+        </p:spPr>
+        <p:style>
+          <a:lnRef idx="2">
+            <a:schemeClr val="accent1">
+              <a:shade val="50000"/>
+            </a:schemeClr>
+          </a:lnRef>
+          <a:fillRef idx="1">
+            <a:schemeClr val="accent1"/>
+          </a:fillRef>
+          <a:effectRef idx="0">
+            <a:schemeClr val="accent1"/>
+          </a:effectRef>
+          <a:fontRef idx="minor">
+            <a:schemeClr val="lt1"/>
+          </a:fontRef>
+        </p:style>
+        <p:txBody>
+          <a:bodyPr rtlCol="0" anchor="ctr"/>
+          <a:lstStyle/>
+          <a:p>
+            <a:pPr algn="ctr"/>
+            <a:endParaRPr lang="en-US" dirty="0"/>
+          </a:p>
+        </p:txBody>
+      </p:sp>
       <p:sp>
         <p:nvSpPr>
           <p:cNvPr id="4" name="Title 3">

--- a/preso.pptx
+++ b/preso.pptx
@@ -5,7 +5,7 @@
     <p:sldMasterId id="2147483660" r:id="rId1"/>
   </p:sldMasterIdLst>
   <p:notesMasterIdLst>
-    <p:notesMasterId r:id="rId19"/>
+    <p:notesMasterId r:id="rId24"/>
   </p:notesMasterIdLst>
   <p:sldIdLst>
     <p:sldId id="256" r:id="rId2"/>
@@ -21,10 +21,15 @@
     <p:sldId id="261" r:id="rId12"/>
     <p:sldId id="269" r:id="rId13"/>
     <p:sldId id="260" r:id="rId14"/>
-    <p:sldId id="265" r:id="rId15"/>
-    <p:sldId id="271" r:id="rId16"/>
-    <p:sldId id="266" r:id="rId17"/>
-    <p:sldId id="272" r:id="rId18"/>
+    <p:sldId id="271" r:id="rId15"/>
+    <p:sldId id="275" r:id="rId16"/>
+    <p:sldId id="273" r:id="rId17"/>
+    <p:sldId id="265" r:id="rId18"/>
+    <p:sldId id="266" r:id="rId19"/>
+    <p:sldId id="274" r:id="rId20"/>
+    <p:sldId id="276" r:id="rId21"/>
+    <p:sldId id="277" r:id="rId22"/>
+    <p:sldId id="272" r:id="rId23"/>
   </p:sldIdLst>
   <p:sldSz cx="12192000" cy="6858000"/>
   <p:notesSz cx="6858000" cy="9144000"/>
@@ -213,7 +218,7 @@
           <a:p>
             <a:fld id="{05D5B59A-0EDA-EF41-85FF-03176606BBBE}" type="datetimeFigureOut">
               <a:rPr lang="en-US" smtClean="0"/>
-              <a:t>7/28/20</a:t>
+              <a:t>8/25/20</a:t>
             </a:fld>
             <a:endParaRPr lang="en-US"/>
           </a:p>
@@ -786,7 +791,7 @@
           <a:p>
             <a:fld id="{7C747D7E-6B19-984E-90F5-E9EEF49EFB72}" type="datetimeFigureOut">
               <a:rPr lang="en-US" smtClean="0"/>
-              <a:t>7/28/20</a:t>
+              <a:t>8/25/20</a:t>
             </a:fld>
             <a:endParaRPr lang="en-US"/>
           </a:p>
@@ -956,7 +961,7 @@
           <a:p>
             <a:fld id="{7C747D7E-6B19-984E-90F5-E9EEF49EFB72}" type="datetimeFigureOut">
               <a:rPr lang="en-US" smtClean="0"/>
-              <a:t>7/28/20</a:t>
+              <a:t>8/25/20</a:t>
             </a:fld>
             <a:endParaRPr lang="en-US"/>
           </a:p>
@@ -1136,7 +1141,7 @@
           <a:p>
             <a:fld id="{7C747D7E-6B19-984E-90F5-E9EEF49EFB72}" type="datetimeFigureOut">
               <a:rPr lang="en-US" smtClean="0"/>
-              <a:t>7/28/20</a:t>
+              <a:t>8/25/20</a:t>
             </a:fld>
             <a:endParaRPr lang="en-US"/>
           </a:p>
@@ -1306,7 +1311,7 @@
           <a:p>
             <a:fld id="{7C747D7E-6B19-984E-90F5-E9EEF49EFB72}" type="datetimeFigureOut">
               <a:rPr lang="en-US" smtClean="0"/>
-              <a:t>7/28/20</a:t>
+              <a:t>8/25/20</a:t>
             </a:fld>
             <a:endParaRPr lang="en-US"/>
           </a:p>
@@ -1552,7 +1557,7 @@
           <a:p>
             <a:fld id="{7C747D7E-6B19-984E-90F5-E9EEF49EFB72}" type="datetimeFigureOut">
               <a:rPr lang="en-US" smtClean="0"/>
-              <a:t>7/28/20</a:t>
+              <a:t>8/25/20</a:t>
             </a:fld>
             <a:endParaRPr lang="en-US"/>
           </a:p>
@@ -1784,7 +1789,7 @@
           <a:p>
             <a:fld id="{7C747D7E-6B19-984E-90F5-E9EEF49EFB72}" type="datetimeFigureOut">
               <a:rPr lang="en-US" smtClean="0"/>
-              <a:t>7/28/20</a:t>
+              <a:t>8/25/20</a:t>
             </a:fld>
             <a:endParaRPr lang="en-US"/>
           </a:p>
@@ -2151,7 +2156,7 @@
           <a:p>
             <a:fld id="{7C747D7E-6B19-984E-90F5-E9EEF49EFB72}" type="datetimeFigureOut">
               <a:rPr lang="en-US" smtClean="0"/>
-              <a:t>7/28/20</a:t>
+              <a:t>8/25/20</a:t>
             </a:fld>
             <a:endParaRPr lang="en-US"/>
           </a:p>
@@ -2269,7 +2274,7 @@
           <a:p>
             <a:fld id="{7C747D7E-6B19-984E-90F5-E9EEF49EFB72}" type="datetimeFigureOut">
               <a:rPr lang="en-US" smtClean="0"/>
-              <a:t>7/28/20</a:t>
+              <a:t>8/25/20</a:t>
             </a:fld>
             <a:endParaRPr lang="en-US"/>
           </a:p>
@@ -2364,7 +2369,7 @@
           <a:p>
             <a:fld id="{7C747D7E-6B19-984E-90F5-E9EEF49EFB72}" type="datetimeFigureOut">
               <a:rPr lang="en-US" smtClean="0"/>
-              <a:t>7/28/20</a:t>
+              <a:t>8/25/20</a:t>
             </a:fld>
             <a:endParaRPr lang="en-US"/>
           </a:p>
@@ -2641,7 +2646,7 @@
           <a:p>
             <a:fld id="{7C747D7E-6B19-984E-90F5-E9EEF49EFB72}" type="datetimeFigureOut">
               <a:rPr lang="en-US" smtClean="0"/>
-              <a:t>7/28/20</a:t>
+              <a:t>8/25/20</a:t>
             </a:fld>
             <a:endParaRPr lang="en-US"/>
           </a:p>
@@ -2898,7 +2903,7 @@
           <a:p>
             <a:fld id="{7C747D7E-6B19-984E-90F5-E9EEF49EFB72}" type="datetimeFigureOut">
               <a:rPr lang="en-US" smtClean="0"/>
-              <a:t>7/28/20</a:t>
+              <a:t>8/25/20</a:t>
             </a:fld>
             <a:endParaRPr lang="en-US"/>
           </a:p>
@@ -3111,7 +3116,7 @@
           <a:p>
             <a:fld id="{7C747D7E-6B19-984E-90F5-E9EEF49EFB72}" type="datetimeFigureOut">
               <a:rPr lang="en-US" smtClean="0"/>
-              <a:t>7/28/20</a:t>
+              <a:t>8/25/20</a:t>
             </a:fld>
             <a:endParaRPr lang="en-US"/>
           </a:p>
@@ -6022,7 +6027,14 @@
           <a:p>
             <a:r>
               <a:rPr lang="en-US" dirty="0"/>
-              <a:t>How External Scalers Work</a:t>
+              <a:t>Workshop 1: </a:t>
+            </a:r>
+            <a:br>
+              <a:rPr lang="en-US" dirty="0"/>
+            </a:br>
+            <a:r>
+              <a:rPr lang="en-US" dirty="0"/>
+              <a:t>RabbitMQ Scaler</a:t>
             </a:r>
           </a:p>
         </p:txBody>
@@ -6066,6 +6078,883 @@
 </file>
 
 <file path=ppt/slides/slide14.xml><?xml version="1.0" encoding="utf-8"?>
+<p:sld xmlns:a="http://schemas.openxmlformats.org/drawingml/2006/main" xmlns:r="http://schemas.openxmlformats.org/officeDocument/2006/relationships" xmlns:p="http://schemas.openxmlformats.org/presentationml/2006/main">
+  <p:cSld>
+    <p:bg>
+      <p:bgPr>
+        <a:solidFill>
+          <a:schemeClr val="bg1"/>
+        </a:solidFill>
+        <a:effectLst/>
+      </p:bgPr>
+    </p:bg>
+    <p:spTree>
+      <p:nvGrpSpPr>
+        <p:cNvPr id="1" name=""/>
+        <p:cNvGrpSpPr/>
+        <p:nvPr/>
+      </p:nvGrpSpPr>
+      <p:grpSpPr>
+        <a:xfrm>
+          <a:off x="0" y="0"/>
+          <a:ext cx="0" cy="0"/>
+          <a:chOff x="0" y="0"/>
+          <a:chExt cx="0" cy="0"/>
+        </a:xfrm>
+      </p:grpSpPr>
+      <p:sp useBgFill="1">
+        <p:nvSpPr>
+          <p:cNvPr id="12" name="Rectangle 11">
+            <a:extLst>
+              <a:ext uri="{FF2B5EF4-FFF2-40B4-BE49-F238E27FC236}">
+                <a16:creationId xmlns:a16="http://schemas.microsoft.com/office/drawing/2014/main" id="{80DF40B2-80F7-4E71-B46C-284163F3654A}"/>
+              </a:ext>
+              <a:ext uri="{C183D7F6-B498-43B3-948B-1728B52AA6E4}">
+                <adec:decorative xmlns:adec="http://schemas.microsoft.com/office/drawing/2017/decorative" val="1"/>
+              </a:ext>
+            </a:extLst>
+          </p:cNvPr>
+          <p:cNvSpPr>
+            <a:spLocks noGrp="1" noRot="1" noChangeAspect="1" noMove="1" noResize="1" noEditPoints="1" noAdjustHandles="1" noChangeArrowheads="1" noChangeShapeType="1" noTextEdit="1"/>
+          </p:cNvSpPr>
+          <p:nvPr>
+            <p:extLst>
+              <p:ext uri="{386F3935-93C4-4BCD-93E2-E3B085C9AB24}">
+                <p16:designElem xmlns:p16="http://schemas.microsoft.com/office/powerpoint/2015/main" val="1"/>
+              </p:ext>
+            </p:extLst>
+          </p:nvPr>
+        </p:nvSpPr>
+        <p:spPr>
+          <a:xfrm>
+            <a:off x="-1" y="0"/>
+            <a:ext cx="12188952" cy="6858000"/>
+          </a:xfrm>
+          <a:prstGeom prst="rect">
+            <a:avLst/>
+          </a:prstGeom>
+          <a:ln>
+            <a:noFill/>
+          </a:ln>
+        </p:spPr>
+        <p:style>
+          <a:lnRef idx="2">
+            <a:schemeClr val="accent1">
+              <a:shade val="50000"/>
+            </a:schemeClr>
+          </a:lnRef>
+          <a:fillRef idx="1">
+            <a:schemeClr val="accent1"/>
+          </a:fillRef>
+          <a:effectRef idx="0">
+            <a:schemeClr val="accent1"/>
+          </a:effectRef>
+          <a:fontRef idx="minor">
+            <a:schemeClr val="lt1"/>
+          </a:fontRef>
+        </p:style>
+        <p:txBody>
+          <a:bodyPr rtlCol="0" anchor="ctr"/>
+          <a:lstStyle/>
+          <a:p>
+            <a:pPr algn="ctr"/>
+            <a:endParaRPr lang="en-US"/>
+          </a:p>
+        </p:txBody>
+      </p:sp>
+      <p:sp>
+        <p:nvSpPr>
+          <p:cNvPr id="2" name="Title 1">
+            <a:extLst>
+              <a:ext uri="{FF2B5EF4-FFF2-40B4-BE49-F238E27FC236}">
+                <a16:creationId xmlns:a16="http://schemas.microsoft.com/office/drawing/2014/main" id="{CFFF62C6-D536-B340-A938-C2EB3DDF321B}"/>
+              </a:ext>
+            </a:extLst>
+          </p:cNvPr>
+          <p:cNvSpPr>
+            <a:spLocks noGrp="1"/>
+          </p:cNvSpPr>
+          <p:nvPr>
+            <p:ph type="title"/>
+          </p:nvPr>
+        </p:nvSpPr>
+        <p:spPr>
+          <a:xfrm>
+            <a:off x="838199" y="548464"/>
+            <a:ext cx="3807187" cy="2228074"/>
+          </a:xfrm>
+        </p:spPr>
+        <p:txBody>
+          <a:bodyPr>
+            <a:normAutofit/>
+          </a:bodyPr>
+          <a:lstStyle/>
+          <a:p>
+            <a:r>
+              <a:rPr lang="en-US" sz="4000" dirty="0"/>
+              <a:t>Workshop 1 plan</a:t>
+            </a:r>
+          </a:p>
+        </p:txBody>
+      </p:sp>
+      <p:sp>
+        <p:nvSpPr>
+          <p:cNvPr id="9" name="Content Placeholder 8">
+            <a:extLst>
+              <a:ext uri="{FF2B5EF4-FFF2-40B4-BE49-F238E27FC236}">
+                <a16:creationId xmlns:a16="http://schemas.microsoft.com/office/drawing/2014/main" id="{34F53853-5610-4A54-B89C-2ED030ED88B4}"/>
+              </a:ext>
+            </a:extLst>
+          </p:cNvPr>
+          <p:cNvSpPr>
+            <a:spLocks noGrp="1"/>
+          </p:cNvSpPr>
+          <p:nvPr>
+            <p:ph idx="1"/>
+          </p:nvPr>
+        </p:nvSpPr>
+        <p:spPr>
+          <a:xfrm>
+            <a:off x="598206" y="2962279"/>
+            <a:ext cx="4332717" cy="3143241"/>
+          </a:xfrm>
+        </p:spPr>
+        <p:txBody>
+          <a:bodyPr>
+            <a:normAutofit/>
+          </a:bodyPr>
+          <a:lstStyle/>
+          <a:p>
+            <a:pPr marL="457200" indent="-457200">
+              <a:buFont typeface="+mj-lt"/>
+              <a:buAutoNum type="arabicPeriod"/>
+            </a:pPr>
+            <a:r>
+              <a:rPr lang="en-US" sz="2000" dirty="0"/>
+              <a:t>Deploy KEDA</a:t>
+            </a:r>
+          </a:p>
+          <a:p>
+            <a:pPr marL="457200" indent="-457200">
+              <a:buFont typeface="+mj-lt"/>
+              <a:buAutoNum type="arabicPeriod"/>
+            </a:pPr>
+            <a:r>
+              <a:rPr lang="en-US" sz="2000" dirty="0"/>
+              <a:t>Create RabbitMQ Queue</a:t>
+            </a:r>
+          </a:p>
+          <a:p>
+            <a:pPr marL="457200" indent="-457200">
+              <a:buFont typeface="+mj-lt"/>
+              <a:buAutoNum type="arabicPeriod"/>
+            </a:pPr>
+            <a:r>
+              <a:rPr lang="en-US" sz="2000" dirty="0"/>
+              <a:t>Deploy RabbitMQ Consumer</a:t>
+            </a:r>
+          </a:p>
+          <a:p>
+            <a:pPr marL="457200" indent="-457200">
+              <a:buFont typeface="+mj-lt"/>
+              <a:buAutoNum type="arabicPeriod"/>
+            </a:pPr>
+            <a:r>
+              <a:rPr lang="en-US" sz="2000" dirty="0"/>
+              <a:t>Deploy </a:t>
+            </a:r>
+            <a:r>
+              <a:rPr lang="en-US" sz="2000" dirty="0" err="1"/>
+              <a:t>ScaledObject</a:t>
+            </a:r>
+            <a:endParaRPr lang="en-US" sz="2000" dirty="0"/>
+          </a:p>
+          <a:p>
+            <a:pPr marL="457200" indent="-457200">
+              <a:buFont typeface="+mj-lt"/>
+              <a:buAutoNum type="arabicPeriod"/>
+            </a:pPr>
+            <a:r>
+              <a:rPr lang="en-US" sz="2000" dirty="0"/>
+              <a:t>Deploy RabbitMQ Publisher</a:t>
+            </a:r>
+          </a:p>
+          <a:p>
+            <a:pPr marL="457200" indent="-457200">
+              <a:buFont typeface="+mj-lt"/>
+              <a:buAutoNum type="arabicPeriod"/>
+            </a:pPr>
+            <a:r>
+              <a:rPr lang="en-US" sz="2000" dirty="0"/>
+              <a:t>Observe scaling </a:t>
+            </a:r>
+            <a:r>
+              <a:rPr lang="en-US" sz="2000" dirty="0">
+                <a:sym typeface="Wingdings" pitchFamily="2" charset="2"/>
+              </a:rPr>
+              <a:t></a:t>
+            </a:r>
+            <a:endParaRPr lang="en-US" sz="2000" dirty="0"/>
+          </a:p>
+        </p:txBody>
+      </p:sp>
+      <p:pic>
+        <p:nvPicPr>
+          <p:cNvPr id="5" name="Content Placeholder 4" descr="A person using a computer&#10;&#10;Description automatically generated">
+            <a:extLst>
+              <a:ext uri="{FF2B5EF4-FFF2-40B4-BE49-F238E27FC236}">
+                <a16:creationId xmlns:a16="http://schemas.microsoft.com/office/drawing/2014/main" id="{CA6F3692-BBC0-A648-B0B3-3B6B7042491B}"/>
+              </a:ext>
+            </a:extLst>
+          </p:cNvPr>
+          <p:cNvPicPr>
+            <a:picLocks noChangeAspect="1"/>
+          </p:cNvPicPr>
+          <p:nvPr/>
+        </p:nvPicPr>
+        <p:blipFill rotWithShape="1">
+          <a:blip r:embed="rId2"/>
+          <a:srcRect r="21461"/>
+          <a:stretch/>
+        </p:blipFill>
+        <p:spPr>
+          <a:xfrm>
+            <a:off x="5010386" y="10"/>
+            <a:ext cx="7181613" cy="6857990"/>
+          </a:xfrm>
+          <a:prstGeom prst="rect">
+            <a:avLst/>
+          </a:prstGeom>
+          <a:effectLst/>
+        </p:spPr>
+      </p:pic>
+      <p:sp>
+        <p:nvSpPr>
+          <p:cNvPr id="6" name="Rectangle 5">
+            <a:extLst>
+              <a:ext uri="{FF2B5EF4-FFF2-40B4-BE49-F238E27FC236}">
+                <a16:creationId xmlns:a16="http://schemas.microsoft.com/office/drawing/2014/main" id="{D8FDDDBB-FB7C-564D-A731-7B3791774239}"/>
+              </a:ext>
+            </a:extLst>
+          </p:cNvPr>
+          <p:cNvSpPr/>
+          <p:nvPr/>
+        </p:nvSpPr>
+        <p:spPr>
+          <a:xfrm>
+            <a:off x="9703912" y="6580991"/>
+            <a:ext cx="2485039" cy="276999"/>
+          </a:xfrm>
+          <a:prstGeom prst="rect">
+            <a:avLst/>
+          </a:prstGeom>
+        </p:spPr>
+        <p:txBody>
+          <a:bodyPr wrap="none">
+            <a:spAutoFit/>
+          </a:bodyPr>
+          <a:lstStyle/>
+          <a:p>
+            <a:r>
+              <a:rPr lang="en-AU" sz="1200" dirty="0"/>
+              <a:t>Photo by </a:t>
+            </a:r>
+            <a:r>
+              <a:rPr lang="en-AU" sz="1200" b="1" dirty="0">
+                <a:hlinkClick r:id="rId3"/>
+              </a:rPr>
+              <a:t>energepic.com</a:t>
+            </a:r>
+            <a:r>
+              <a:rPr lang="en-AU" sz="1200" dirty="0"/>
+              <a:t> from </a:t>
+            </a:r>
+            <a:r>
+              <a:rPr lang="en-AU" sz="1200" b="1" dirty="0">
+                <a:hlinkClick r:id="rId4"/>
+              </a:rPr>
+              <a:t>Pexels</a:t>
+            </a:r>
+            <a:endParaRPr lang="en-AU" sz="1200" dirty="0"/>
+          </a:p>
+        </p:txBody>
+      </p:sp>
+    </p:spTree>
+    <p:extLst>
+      <p:ext uri="{BB962C8B-B14F-4D97-AF65-F5344CB8AC3E}">
+        <p14:creationId xmlns:p14="http://schemas.microsoft.com/office/powerpoint/2010/main" val="1063810754"/>
+      </p:ext>
+    </p:extLst>
+  </p:cSld>
+  <p:clrMapOvr>
+    <a:masterClrMapping/>
+  </p:clrMapOvr>
+  <p:timing>
+    <p:tnLst>
+      <p:par>
+        <p:cTn id="1" dur="indefinite" restart="never" nodeType="tmRoot">
+          <p:childTnLst>
+            <p:seq concurrent="1" nextAc="seek">
+              <p:cTn id="2" dur="indefinite" nodeType="mainSeq">
+                <p:childTnLst>
+                  <p:par>
+                    <p:cTn id="3" fill="hold">
+                      <p:stCondLst>
+                        <p:cond delay="indefinite"/>
+                      </p:stCondLst>
+                      <p:childTnLst>
+                        <p:par>
+                          <p:cTn id="4" fill="hold">
+                            <p:stCondLst>
+                              <p:cond delay="0"/>
+                            </p:stCondLst>
+                            <p:childTnLst>
+                              <p:par>
+                                <p:cTn id="5" presetID="10" presetClass="entr" presetSubtype="0" fill="hold" nodeType="clickEffect">
+                                  <p:stCondLst>
+                                    <p:cond delay="0"/>
+                                  </p:stCondLst>
+                                  <p:childTnLst>
+                                    <p:set>
+                                      <p:cBhvr>
+                                        <p:cTn id="6" dur="1" fill="hold">
+                                          <p:stCondLst>
+                                            <p:cond delay="0"/>
+                                          </p:stCondLst>
+                                        </p:cTn>
+                                        <p:tgtEl>
+                                          <p:spTgt spid="9">
+                                            <p:txEl>
+                                              <p:pRg st="0" end="0"/>
+                                            </p:txEl>
+                                          </p:spTgt>
+                                        </p:tgtEl>
+                                        <p:attrNameLst>
+                                          <p:attrName>style.visibility</p:attrName>
+                                        </p:attrNameLst>
+                                      </p:cBhvr>
+                                      <p:to>
+                                        <p:strVal val="visible"/>
+                                      </p:to>
+                                    </p:set>
+                                    <p:animEffect transition="in" filter="fade">
+                                      <p:cBhvr>
+                                        <p:cTn id="7" dur="500"/>
+                                        <p:tgtEl>
+                                          <p:spTgt spid="9">
+                                            <p:txEl>
+                                              <p:pRg st="0" end="0"/>
+                                            </p:txEl>
+                                          </p:spTgt>
+                                        </p:tgtEl>
+                                      </p:cBhvr>
+                                    </p:animEffect>
+                                  </p:childTnLst>
+                                </p:cTn>
+                              </p:par>
+                            </p:childTnLst>
+                          </p:cTn>
+                        </p:par>
+                      </p:childTnLst>
+                    </p:cTn>
+                  </p:par>
+                  <p:par>
+                    <p:cTn id="8" fill="hold">
+                      <p:stCondLst>
+                        <p:cond delay="indefinite"/>
+                      </p:stCondLst>
+                      <p:childTnLst>
+                        <p:par>
+                          <p:cTn id="9" fill="hold">
+                            <p:stCondLst>
+                              <p:cond delay="0"/>
+                            </p:stCondLst>
+                            <p:childTnLst>
+                              <p:par>
+                                <p:cTn id="10" presetID="10" presetClass="entr" presetSubtype="0" fill="hold" nodeType="clickEffect">
+                                  <p:stCondLst>
+                                    <p:cond delay="0"/>
+                                  </p:stCondLst>
+                                  <p:childTnLst>
+                                    <p:set>
+                                      <p:cBhvr>
+                                        <p:cTn id="11" dur="1" fill="hold">
+                                          <p:stCondLst>
+                                            <p:cond delay="0"/>
+                                          </p:stCondLst>
+                                        </p:cTn>
+                                        <p:tgtEl>
+                                          <p:spTgt spid="9">
+                                            <p:txEl>
+                                              <p:pRg st="1" end="1"/>
+                                            </p:txEl>
+                                          </p:spTgt>
+                                        </p:tgtEl>
+                                        <p:attrNameLst>
+                                          <p:attrName>style.visibility</p:attrName>
+                                        </p:attrNameLst>
+                                      </p:cBhvr>
+                                      <p:to>
+                                        <p:strVal val="visible"/>
+                                      </p:to>
+                                    </p:set>
+                                    <p:animEffect transition="in" filter="fade">
+                                      <p:cBhvr>
+                                        <p:cTn id="12" dur="500"/>
+                                        <p:tgtEl>
+                                          <p:spTgt spid="9">
+                                            <p:txEl>
+                                              <p:pRg st="1" end="1"/>
+                                            </p:txEl>
+                                          </p:spTgt>
+                                        </p:tgtEl>
+                                      </p:cBhvr>
+                                    </p:animEffect>
+                                  </p:childTnLst>
+                                </p:cTn>
+                              </p:par>
+                            </p:childTnLst>
+                          </p:cTn>
+                        </p:par>
+                      </p:childTnLst>
+                    </p:cTn>
+                  </p:par>
+                  <p:par>
+                    <p:cTn id="13" fill="hold">
+                      <p:stCondLst>
+                        <p:cond delay="indefinite"/>
+                      </p:stCondLst>
+                      <p:childTnLst>
+                        <p:par>
+                          <p:cTn id="14" fill="hold">
+                            <p:stCondLst>
+                              <p:cond delay="0"/>
+                            </p:stCondLst>
+                            <p:childTnLst>
+                              <p:par>
+                                <p:cTn id="15" presetID="10" presetClass="entr" presetSubtype="0" fill="hold" nodeType="clickEffect">
+                                  <p:stCondLst>
+                                    <p:cond delay="0"/>
+                                  </p:stCondLst>
+                                  <p:childTnLst>
+                                    <p:set>
+                                      <p:cBhvr>
+                                        <p:cTn id="16" dur="1" fill="hold">
+                                          <p:stCondLst>
+                                            <p:cond delay="0"/>
+                                          </p:stCondLst>
+                                        </p:cTn>
+                                        <p:tgtEl>
+                                          <p:spTgt spid="9">
+                                            <p:txEl>
+                                              <p:pRg st="2" end="2"/>
+                                            </p:txEl>
+                                          </p:spTgt>
+                                        </p:tgtEl>
+                                        <p:attrNameLst>
+                                          <p:attrName>style.visibility</p:attrName>
+                                        </p:attrNameLst>
+                                      </p:cBhvr>
+                                      <p:to>
+                                        <p:strVal val="visible"/>
+                                      </p:to>
+                                    </p:set>
+                                    <p:animEffect transition="in" filter="fade">
+                                      <p:cBhvr>
+                                        <p:cTn id="17" dur="500"/>
+                                        <p:tgtEl>
+                                          <p:spTgt spid="9">
+                                            <p:txEl>
+                                              <p:pRg st="2" end="2"/>
+                                            </p:txEl>
+                                          </p:spTgt>
+                                        </p:tgtEl>
+                                      </p:cBhvr>
+                                    </p:animEffect>
+                                  </p:childTnLst>
+                                </p:cTn>
+                              </p:par>
+                            </p:childTnLst>
+                          </p:cTn>
+                        </p:par>
+                      </p:childTnLst>
+                    </p:cTn>
+                  </p:par>
+                  <p:par>
+                    <p:cTn id="18" fill="hold">
+                      <p:stCondLst>
+                        <p:cond delay="indefinite"/>
+                      </p:stCondLst>
+                      <p:childTnLst>
+                        <p:par>
+                          <p:cTn id="19" fill="hold">
+                            <p:stCondLst>
+                              <p:cond delay="0"/>
+                            </p:stCondLst>
+                            <p:childTnLst>
+                              <p:par>
+                                <p:cTn id="20" presetID="10" presetClass="entr" presetSubtype="0" fill="hold" nodeType="clickEffect">
+                                  <p:stCondLst>
+                                    <p:cond delay="0"/>
+                                  </p:stCondLst>
+                                  <p:childTnLst>
+                                    <p:set>
+                                      <p:cBhvr>
+                                        <p:cTn id="21" dur="1" fill="hold">
+                                          <p:stCondLst>
+                                            <p:cond delay="0"/>
+                                          </p:stCondLst>
+                                        </p:cTn>
+                                        <p:tgtEl>
+                                          <p:spTgt spid="9">
+                                            <p:txEl>
+                                              <p:pRg st="3" end="3"/>
+                                            </p:txEl>
+                                          </p:spTgt>
+                                        </p:tgtEl>
+                                        <p:attrNameLst>
+                                          <p:attrName>style.visibility</p:attrName>
+                                        </p:attrNameLst>
+                                      </p:cBhvr>
+                                      <p:to>
+                                        <p:strVal val="visible"/>
+                                      </p:to>
+                                    </p:set>
+                                    <p:animEffect transition="in" filter="fade">
+                                      <p:cBhvr>
+                                        <p:cTn id="22" dur="500"/>
+                                        <p:tgtEl>
+                                          <p:spTgt spid="9">
+                                            <p:txEl>
+                                              <p:pRg st="3" end="3"/>
+                                            </p:txEl>
+                                          </p:spTgt>
+                                        </p:tgtEl>
+                                      </p:cBhvr>
+                                    </p:animEffect>
+                                  </p:childTnLst>
+                                </p:cTn>
+                              </p:par>
+                            </p:childTnLst>
+                          </p:cTn>
+                        </p:par>
+                      </p:childTnLst>
+                    </p:cTn>
+                  </p:par>
+                  <p:par>
+                    <p:cTn id="23" fill="hold">
+                      <p:stCondLst>
+                        <p:cond delay="indefinite"/>
+                      </p:stCondLst>
+                      <p:childTnLst>
+                        <p:par>
+                          <p:cTn id="24" fill="hold">
+                            <p:stCondLst>
+                              <p:cond delay="0"/>
+                            </p:stCondLst>
+                            <p:childTnLst>
+                              <p:par>
+                                <p:cTn id="25" presetID="10" presetClass="entr" presetSubtype="0" fill="hold" nodeType="clickEffect">
+                                  <p:stCondLst>
+                                    <p:cond delay="0"/>
+                                  </p:stCondLst>
+                                  <p:childTnLst>
+                                    <p:set>
+                                      <p:cBhvr>
+                                        <p:cTn id="26" dur="1" fill="hold">
+                                          <p:stCondLst>
+                                            <p:cond delay="0"/>
+                                          </p:stCondLst>
+                                        </p:cTn>
+                                        <p:tgtEl>
+                                          <p:spTgt spid="9">
+                                            <p:txEl>
+                                              <p:pRg st="4" end="4"/>
+                                            </p:txEl>
+                                          </p:spTgt>
+                                        </p:tgtEl>
+                                        <p:attrNameLst>
+                                          <p:attrName>style.visibility</p:attrName>
+                                        </p:attrNameLst>
+                                      </p:cBhvr>
+                                      <p:to>
+                                        <p:strVal val="visible"/>
+                                      </p:to>
+                                    </p:set>
+                                    <p:animEffect transition="in" filter="fade">
+                                      <p:cBhvr>
+                                        <p:cTn id="27" dur="500"/>
+                                        <p:tgtEl>
+                                          <p:spTgt spid="9">
+                                            <p:txEl>
+                                              <p:pRg st="4" end="4"/>
+                                            </p:txEl>
+                                          </p:spTgt>
+                                        </p:tgtEl>
+                                      </p:cBhvr>
+                                    </p:animEffect>
+                                  </p:childTnLst>
+                                </p:cTn>
+                              </p:par>
+                            </p:childTnLst>
+                          </p:cTn>
+                        </p:par>
+                      </p:childTnLst>
+                    </p:cTn>
+                  </p:par>
+                  <p:par>
+                    <p:cTn id="28" fill="hold">
+                      <p:stCondLst>
+                        <p:cond delay="indefinite"/>
+                      </p:stCondLst>
+                      <p:childTnLst>
+                        <p:par>
+                          <p:cTn id="29" fill="hold">
+                            <p:stCondLst>
+                              <p:cond delay="0"/>
+                            </p:stCondLst>
+                            <p:childTnLst>
+                              <p:par>
+                                <p:cTn id="30" presetID="10" presetClass="entr" presetSubtype="0" fill="hold" nodeType="clickEffect">
+                                  <p:stCondLst>
+                                    <p:cond delay="0"/>
+                                  </p:stCondLst>
+                                  <p:childTnLst>
+                                    <p:set>
+                                      <p:cBhvr>
+                                        <p:cTn id="31" dur="1" fill="hold">
+                                          <p:stCondLst>
+                                            <p:cond delay="0"/>
+                                          </p:stCondLst>
+                                        </p:cTn>
+                                        <p:tgtEl>
+                                          <p:spTgt spid="9">
+                                            <p:txEl>
+                                              <p:pRg st="5" end="5"/>
+                                            </p:txEl>
+                                          </p:spTgt>
+                                        </p:tgtEl>
+                                        <p:attrNameLst>
+                                          <p:attrName>style.visibility</p:attrName>
+                                        </p:attrNameLst>
+                                      </p:cBhvr>
+                                      <p:to>
+                                        <p:strVal val="visible"/>
+                                      </p:to>
+                                    </p:set>
+                                    <p:animEffect transition="in" filter="fade">
+                                      <p:cBhvr>
+                                        <p:cTn id="32" dur="500"/>
+                                        <p:tgtEl>
+                                          <p:spTgt spid="9">
+                                            <p:txEl>
+                                              <p:pRg st="5" end="5"/>
+                                            </p:txEl>
+                                          </p:spTgt>
+                                        </p:tgtEl>
+                                      </p:cBhvr>
+                                    </p:animEffect>
+                                  </p:childTnLst>
+                                </p:cTn>
+                              </p:par>
+                            </p:childTnLst>
+                          </p:cTn>
+                        </p:par>
+                      </p:childTnLst>
+                    </p:cTn>
+                  </p:par>
+                </p:childTnLst>
+              </p:cTn>
+              <p:prevCondLst>
+                <p:cond evt="onPrev" delay="0">
+                  <p:tgtEl>
+                    <p:sldTgt/>
+                  </p:tgtEl>
+                </p:cond>
+              </p:prevCondLst>
+              <p:nextCondLst>
+                <p:cond evt="onNext" delay="0">
+                  <p:tgtEl>
+                    <p:sldTgt/>
+                  </p:tgtEl>
+                </p:cond>
+              </p:nextCondLst>
+            </p:seq>
+          </p:childTnLst>
+        </p:cTn>
+      </p:par>
+    </p:tnLst>
+  </p:timing>
+</p:sld>
+</file>
+
+<file path=ppt/slides/slide15.xml><?xml version="1.0" encoding="utf-8"?>
+<p:sld xmlns:a="http://schemas.openxmlformats.org/drawingml/2006/main" xmlns:r="http://schemas.openxmlformats.org/officeDocument/2006/relationships" xmlns:p="http://schemas.openxmlformats.org/presentationml/2006/main">
+  <p:cSld>
+    <p:spTree>
+      <p:nvGrpSpPr>
+        <p:cNvPr id="1" name=""/>
+        <p:cNvGrpSpPr/>
+        <p:nvPr/>
+      </p:nvGrpSpPr>
+      <p:grpSpPr>
+        <a:xfrm>
+          <a:off x="0" y="0"/>
+          <a:ext cx="0" cy="0"/>
+          <a:chOff x="0" y="0"/>
+          <a:chExt cx="0" cy="0"/>
+        </a:xfrm>
+      </p:grpSpPr>
+      <p:sp>
+        <p:nvSpPr>
+          <p:cNvPr id="8" name="Title 7">
+            <a:extLst>
+              <a:ext uri="{FF2B5EF4-FFF2-40B4-BE49-F238E27FC236}">
+                <a16:creationId xmlns:a16="http://schemas.microsoft.com/office/drawing/2014/main" id="{97B4083C-A237-8F44-8B9D-04615350ACF1}"/>
+              </a:ext>
+            </a:extLst>
+          </p:cNvPr>
+          <p:cNvSpPr>
+            <a:spLocks noGrp="1"/>
+          </p:cNvSpPr>
+          <p:nvPr>
+            <p:ph type="ctrTitle"/>
+          </p:nvPr>
+        </p:nvSpPr>
+        <p:spPr/>
+        <p:txBody>
+          <a:bodyPr/>
+          <a:lstStyle/>
+          <a:p>
+            <a:r>
+              <a:rPr lang="en-US" dirty="0"/>
+              <a:t>Let’s do it!</a:t>
+            </a:r>
+          </a:p>
+        </p:txBody>
+      </p:sp>
+      <p:sp>
+        <p:nvSpPr>
+          <p:cNvPr id="9" name="Subtitle 8">
+            <a:extLst>
+              <a:ext uri="{FF2B5EF4-FFF2-40B4-BE49-F238E27FC236}">
+                <a16:creationId xmlns:a16="http://schemas.microsoft.com/office/drawing/2014/main" id="{F41C9855-7893-714C-80F6-B34BA2A9EE0A}"/>
+              </a:ext>
+            </a:extLst>
+          </p:cNvPr>
+          <p:cNvSpPr>
+            <a:spLocks noGrp="1"/>
+          </p:cNvSpPr>
+          <p:nvPr>
+            <p:ph type="subTitle" idx="1"/>
+          </p:nvPr>
+        </p:nvSpPr>
+        <p:spPr/>
+        <p:txBody>
+          <a:bodyPr/>
+          <a:lstStyle/>
+          <a:p>
+            <a:endParaRPr lang="en-US"/>
+          </a:p>
+        </p:txBody>
+      </p:sp>
+    </p:spTree>
+    <p:extLst>
+      <p:ext uri="{BB962C8B-B14F-4D97-AF65-F5344CB8AC3E}">
+        <p14:creationId xmlns:p14="http://schemas.microsoft.com/office/powerpoint/2010/main" val="3448386562"/>
+      </p:ext>
+    </p:extLst>
+  </p:cSld>
+  <p:clrMapOvr>
+    <a:masterClrMapping/>
+  </p:clrMapOvr>
+</p:sld>
+</file>
+
+<file path=ppt/slides/slide16.xml><?xml version="1.0" encoding="utf-8"?>
+<p:sld xmlns:a="http://schemas.openxmlformats.org/drawingml/2006/main" xmlns:r="http://schemas.openxmlformats.org/officeDocument/2006/relationships" xmlns:p="http://schemas.openxmlformats.org/presentationml/2006/main">
+  <p:cSld>
+    <p:spTree>
+      <p:nvGrpSpPr>
+        <p:cNvPr id="1" name=""/>
+        <p:cNvGrpSpPr/>
+        <p:nvPr/>
+      </p:nvGrpSpPr>
+      <p:grpSpPr>
+        <a:xfrm>
+          <a:off x="0" y="0"/>
+          <a:ext cx="0" cy="0"/>
+          <a:chOff x="0" y="0"/>
+          <a:chExt cx="0" cy="0"/>
+        </a:xfrm>
+      </p:grpSpPr>
+      <p:sp>
+        <p:nvSpPr>
+          <p:cNvPr id="4" name="Title 3">
+            <a:extLst>
+              <a:ext uri="{FF2B5EF4-FFF2-40B4-BE49-F238E27FC236}">
+                <a16:creationId xmlns:a16="http://schemas.microsoft.com/office/drawing/2014/main" id="{93228A22-8C38-1244-9A53-6E05248262C4}"/>
+              </a:ext>
+            </a:extLst>
+          </p:cNvPr>
+          <p:cNvSpPr>
+            <a:spLocks noGrp="1"/>
+          </p:cNvSpPr>
+          <p:nvPr>
+            <p:ph type="ctrTitle"/>
+          </p:nvPr>
+        </p:nvSpPr>
+        <p:spPr/>
+        <p:txBody>
+          <a:bodyPr/>
+          <a:lstStyle/>
+          <a:p>
+            <a:r>
+              <a:rPr lang="en-US" dirty="0"/>
+              <a:t>How External Scalers Work</a:t>
+            </a:r>
+          </a:p>
+        </p:txBody>
+      </p:sp>
+      <p:sp>
+        <p:nvSpPr>
+          <p:cNvPr id="5" name="Subtitle 4">
+            <a:extLst>
+              <a:ext uri="{FF2B5EF4-FFF2-40B4-BE49-F238E27FC236}">
+                <a16:creationId xmlns:a16="http://schemas.microsoft.com/office/drawing/2014/main" id="{B0F7C2D8-6917-F644-9D81-4A2364F7875F}"/>
+              </a:ext>
+            </a:extLst>
+          </p:cNvPr>
+          <p:cNvSpPr>
+            <a:spLocks noGrp="1"/>
+          </p:cNvSpPr>
+          <p:nvPr>
+            <p:ph type="subTitle" idx="1"/>
+          </p:nvPr>
+        </p:nvSpPr>
+        <p:spPr/>
+        <p:txBody>
+          <a:bodyPr/>
+          <a:lstStyle/>
+          <a:p>
+            <a:endParaRPr lang="en-US"/>
+          </a:p>
+        </p:txBody>
+      </p:sp>
+    </p:spTree>
+    <p:extLst>
+      <p:ext uri="{BB962C8B-B14F-4D97-AF65-F5344CB8AC3E}">
+        <p14:creationId xmlns:p14="http://schemas.microsoft.com/office/powerpoint/2010/main" val="2245053926"/>
+      </p:ext>
+    </p:extLst>
+  </p:cSld>
+  <p:clrMapOvr>
+    <a:masterClrMapping/>
+  </p:clrMapOvr>
+</p:sld>
+</file>
+
+<file path=ppt/slides/slide17.xml><?xml version="1.0" encoding="utf-8"?>
 <p:sld xmlns:a="http://schemas.openxmlformats.org/drawingml/2006/main" xmlns:r="http://schemas.openxmlformats.org/officeDocument/2006/relationships" xmlns:p="http://schemas.openxmlformats.org/presentationml/2006/main">
   <p:cSld>
     <p:spTree>
@@ -7950,7 +8839,97 @@
 </p:sld>
 </file>
 
-<file path=ppt/slides/slide15.xml><?xml version="1.0" encoding="utf-8"?>
+<file path=ppt/slides/slide18.xml><?xml version="1.0" encoding="utf-8"?>
+<p:sld xmlns:a="http://schemas.openxmlformats.org/drawingml/2006/main" xmlns:r="http://schemas.openxmlformats.org/officeDocument/2006/relationships" xmlns:p="http://schemas.openxmlformats.org/presentationml/2006/main">
+  <p:cSld>
+    <p:spTree>
+      <p:nvGrpSpPr>
+        <p:cNvPr id="1" name=""/>
+        <p:cNvGrpSpPr/>
+        <p:nvPr/>
+      </p:nvGrpSpPr>
+      <p:grpSpPr>
+        <a:xfrm>
+          <a:off x="0" y="0"/>
+          <a:ext cx="0" cy="0"/>
+          <a:chOff x="0" y="0"/>
+          <a:chExt cx="0" cy="0"/>
+        </a:xfrm>
+      </p:grpSpPr>
+      <p:sp>
+        <p:nvSpPr>
+          <p:cNvPr id="4" name="Title 3">
+            <a:extLst>
+              <a:ext uri="{FF2B5EF4-FFF2-40B4-BE49-F238E27FC236}">
+                <a16:creationId xmlns:a16="http://schemas.microsoft.com/office/drawing/2014/main" id="{5754F991-D8EE-8846-91BE-F9EF73FE3755}"/>
+              </a:ext>
+            </a:extLst>
+          </p:cNvPr>
+          <p:cNvSpPr>
+            <a:spLocks noGrp="1"/>
+          </p:cNvSpPr>
+          <p:nvPr>
+            <p:ph type="ctrTitle"/>
+          </p:nvPr>
+        </p:nvSpPr>
+        <p:spPr/>
+        <p:txBody>
+          <a:bodyPr/>
+          <a:lstStyle/>
+          <a:p>
+            <a:r>
+              <a:rPr lang="en-US" dirty="0"/>
+              <a:t>Workshop 2:</a:t>
+            </a:r>
+            <a:br>
+              <a:rPr lang="en-US" dirty="0"/>
+            </a:br>
+            <a:r>
+              <a:rPr lang="en-US" dirty="0"/>
+              <a:t>Building External Scaler</a:t>
+            </a:r>
+          </a:p>
+        </p:txBody>
+      </p:sp>
+      <p:sp>
+        <p:nvSpPr>
+          <p:cNvPr id="5" name="Subtitle 4">
+            <a:extLst>
+              <a:ext uri="{FF2B5EF4-FFF2-40B4-BE49-F238E27FC236}">
+                <a16:creationId xmlns:a16="http://schemas.microsoft.com/office/drawing/2014/main" id="{86F02CB2-F82E-854F-8852-D7CF9DFD0A6A}"/>
+              </a:ext>
+            </a:extLst>
+          </p:cNvPr>
+          <p:cNvSpPr>
+            <a:spLocks noGrp="1"/>
+          </p:cNvSpPr>
+          <p:nvPr>
+            <p:ph type="subTitle" idx="1"/>
+          </p:nvPr>
+        </p:nvSpPr>
+        <p:spPr/>
+        <p:txBody>
+          <a:bodyPr/>
+          <a:lstStyle/>
+          <a:p>
+            <a:endParaRPr lang="en-US"/>
+          </a:p>
+        </p:txBody>
+      </p:sp>
+    </p:spTree>
+    <p:extLst>
+      <p:ext uri="{BB962C8B-B14F-4D97-AF65-F5344CB8AC3E}">
+        <p14:creationId xmlns:p14="http://schemas.microsoft.com/office/powerpoint/2010/main" val="2823262607"/>
+      </p:ext>
+    </p:extLst>
+  </p:cSld>
+  <p:clrMapOvr>
+    <a:masterClrMapping/>
+  </p:clrMapOvr>
+</p:sld>
+</file>
+
+<file path=ppt/slides/slide19.xml><?xml version="1.0" encoding="utf-8"?>
 <p:sld xmlns:a="http://schemas.openxmlformats.org/drawingml/2006/main" xmlns:r="http://schemas.openxmlformats.org/officeDocument/2006/relationships" xmlns:p="http://schemas.openxmlformats.org/presentationml/2006/main">
   <p:cSld>
     <p:bg>
@@ -8065,7 +9044,7 @@
           <a:p>
             <a:r>
               <a:rPr lang="en-US" sz="4000" dirty="0"/>
-              <a:t>Workshop plan</a:t>
+              <a:t>Workshop 2 plan</a:t>
             </a:r>
           </a:p>
         </p:txBody>
@@ -8104,7 +9083,7 @@
             </a:pPr>
             <a:r>
               <a:rPr lang="en-US" sz="2000" dirty="0"/>
-              <a:t>Deploy KEDA</a:t>
+              <a:t>Clean up last demo</a:t>
             </a:r>
           </a:p>
           <a:p>
@@ -8114,7 +9093,7 @@
             </a:pPr>
             <a:r>
               <a:rPr lang="en-US" sz="2000" dirty="0"/>
-              <a:t>Create target deployment</a:t>
+              <a:t>Create Target Deployment</a:t>
             </a:r>
           </a:p>
           <a:p>
@@ -8134,7 +9113,7 @@
             </a:pPr>
             <a:r>
               <a:rPr lang="en-US" sz="2000" dirty="0"/>
-              <a:t>Deploy External scaler (and service)</a:t>
+              <a:t>Deploy External scaler </a:t>
             </a:r>
           </a:p>
           <a:p>
@@ -8177,7 +9156,7 @@
             </a:pPr>
             <a:r>
               <a:rPr lang="en-US" sz="2000" dirty="0"/>
-              <a:t>Enjoy </a:t>
+              <a:t>Observe scaling </a:t>
             </a:r>
             <a:r>
               <a:rPr lang="en-US" sz="2000" dirty="0">
@@ -8273,7 +9252,7 @@
     </p:spTree>
     <p:extLst>
       <p:ext uri="{BB962C8B-B14F-4D97-AF65-F5344CB8AC3E}">
-        <p14:creationId xmlns:p14="http://schemas.microsoft.com/office/powerpoint/2010/main" val="1063810754"/>
+        <p14:creationId xmlns:p14="http://schemas.microsoft.com/office/powerpoint/2010/main" val="1304970078"/>
       </p:ext>
     </p:extLst>
   </p:cSld>
@@ -8316,7 +9295,7 @@
                                         <p:tgtEl>
                                           <p:spTgt spid="9">
                                             <p:txEl>
-                                              <p:pRg st="0" end="0"/>
+                                              <p:pRg st="2" end="2"/>
                                             </p:txEl>
                                           </p:spTgt>
                                         </p:tgtEl>
@@ -8334,7 +9313,7 @@
                                         <p:tgtEl>
                                           <p:spTgt spid="9">
                                             <p:txEl>
-                                              <p:pRg st="0" end="0"/>
+                                              <p:pRg st="2" end="2"/>
                                             </p:txEl>
                                           </p:spTgt>
                                         </p:tgtEl>
@@ -8377,7 +9356,7 @@
                                         <p:tgtEl>
                                           <p:spTgt spid="9">
                                             <p:txEl>
-                                              <p:pRg st="1" end="1"/>
+                                              <p:pRg st="0" end="0"/>
                                             </p:txEl>
                                           </p:spTgt>
                                         </p:tgtEl>
@@ -8395,7 +9374,7 @@
                                         <p:tgtEl>
                                           <p:spTgt spid="9">
                                             <p:txEl>
-                                              <p:pRg st="1" end="1"/>
+                                              <p:pRg st="0" end="0"/>
                                             </p:txEl>
                                           </p:spTgt>
                                         </p:tgtEl>
@@ -8438,7 +9417,7 @@
                                         <p:tgtEl>
                                           <p:spTgt spid="9">
                                             <p:txEl>
-                                              <p:pRg st="2" end="2"/>
+                                              <p:pRg st="1" end="1"/>
                                             </p:txEl>
                                           </p:spTgt>
                                         </p:tgtEl>
@@ -8456,7 +9435,7 @@
                                         <p:tgtEl>
                                           <p:spTgt spid="9">
                                             <p:txEl>
-                                              <p:pRg st="2" end="2"/>
+                                              <p:pRg st="1" end="1"/>
                                             </p:txEl>
                                           </p:spTgt>
                                         </p:tgtEl>
@@ -8740,242 +9719,6 @@
 </p:sld>
 </file>
 
-<file path=ppt/slides/slide16.xml><?xml version="1.0" encoding="utf-8"?>
-<p:sld xmlns:a="http://schemas.openxmlformats.org/drawingml/2006/main" xmlns:r="http://schemas.openxmlformats.org/officeDocument/2006/relationships" xmlns:p="http://schemas.openxmlformats.org/presentationml/2006/main">
-  <p:cSld>
-    <p:spTree>
-      <p:nvGrpSpPr>
-        <p:cNvPr id="1" name=""/>
-        <p:cNvGrpSpPr/>
-        <p:nvPr/>
-      </p:nvGrpSpPr>
-      <p:grpSpPr>
-        <a:xfrm>
-          <a:off x="0" y="0"/>
-          <a:ext cx="0" cy="0"/>
-          <a:chOff x="0" y="0"/>
-          <a:chExt cx="0" cy="0"/>
-        </a:xfrm>
-      </p:grpSpPr>
-      <p:sp>
-        <p:nvSpPr>
-          <p:cNvPr id="4" name="Title 3">
-            <a:extLst>
-              <a:ext uri="{FF2B5EF4-FFF2-40B4-BE49-F238E27FC236}">
-                <a16:creationId xmlns:a16="http://schemas.microsoft.com/office/drawing/2014/main" id="{5754F991-D8EE-8846-91BE-F9EF73FE3755}"/>
-              </a:ext>
-            </a:extLst>
-          </p:cNvPr>
-          <p:cNvSpPr>
-            <a:spLocks noGrp="1"/>
-          </p:cNvSpPr>
-          <p:nvPr>
-            <p:ph type="ctrTitle"/>
-          </p:nvPr>
-        </p:nvSpPr>
-        <p:spPr/>
-        <p:txBody>
-          <a:bodyPr/>
-          <a:lstStyle/>
-          <a:p>
-            <a:r>
-              <a:rPr lang="en-US" dirty="0"/>
-              <a:t>Let’s do it!</a:t>
-            </a:r>
-          </a:p>
-        </p:txBody>
-      </p:sp>
-      <p:sp>
-        <p:nvSpPr>
-          <p:cNvPr id="5" name="Subtitle 4">
-            <a:extLst>
-              <a:ext uri="{FF2B5EF4-FFF2-40B4-BE49-F238E27FC236}">
-                <a16:creationId xmlns:a16="http://schemas.microsoft.com/office/drawing/2014/main" id="{86F02CB2-F82E-854F-8852-D7CF9DFD0A6A}"/>
-              </a:ext>
-            </a:extLst>
-          </p:cNvPr>
-          <p:cNvSpPr>
-            <a:spLocks noGrp="1"/>
-          </p:cNvSpPr>
-          <p:nvPr>
-            <p:ph type="subTitle" idx="1"/>
-          </p:nvPr>
-        </p:nvSpPr>
-        <p:spPr/>
-        <p:txBody>
-          <a:bodyPr/>
-          <a:lstStyle/>
-          <a:p>
-            <a:endParaRPr lang="en-US"/>
-          </a:p>
-        </p:txBody>
-      </p:sp>
-    </p:spTree>
-    <p:extLst>
-      <p:ext uri="{BB962C8B-B14F-4D97-AF65-F5344CB8AC3E}">
-        <p14:creationId xmlns:p14="http://schemas.microsoft.com/office/powerpoint/2010/main" val="2823262607"/>
-      </p:ext>
-    </p:extLst>
-  </p:cSld>
-  <p:clrMapOvr>
-    <a:masterClrMapping/>
-  </p:clrMapOvr>
-</p:sld>
-</file>
-
-<file path=ppt/slides/slide17.xml><?xml version="1.0" encoding="utf-8"?>
-<p:sld xmlns:a="http://schemas.openxmlformats.org/drawingml/2006/main" xmlns:r="http://schemas.openxmlformats.org/officeDocument/2006/relationships" xmlns:p="http://schemas.openxmlformats.org/presentationml/2006/main">
-  <p:cSld>
-    <p:spTree>
-      <p:nvGrpSpPr>
-        <p:cNvPr id="1" name=""/>
-        <p:cNvGrpSpPr/>
-        <p:nvPr/>
-      </p:nvGrpSpPr>
-      <p:grpSpPr>
-        <a:xfrm>
-          <a:off x="0" y="0"/>
-          <a:ext cx="0" cy="0"/>
-          <a:chOff x="0" y="0"/>
-          <a:chExt cx="0" cy="0"/>
-        </a:xfrm>
-      </p:grpSpPr>
-      <p:sp>
-        <p:nvSpPr>
-          <p:cNvPr id="2" name="Title 1">
-            <a:extLst>
-              <a:ext uri="{FF2B5EF4-FFF2-40B4-BE49-F238E27FC236}">
-                <a16:creationId xmlns:a16="http://schemas.microsoft.com/office/drawing/2014/main" id="{2D1D3786-4DD3-7C48-9A94-B341A7FFFB85}"/>
-              </a:ext>
-            </a:extLst>
-          </p:cNvPr>
-          <p:cNvSpPr>
-            <a:spLocks noGrp="1"/>
-          </p:cNvSpPr>
-          <p:nvPr>
-            <p:ph type="title"/>
-          </p:nvPr>
-        </p:nvSpPr>
-        <p:spPr/>
-        <p:txBody>
-          <a:bodyPr/>
-          <a:lstStyle/>
-          <a:p>
-            <a:r>
-              <a:rPr lang="en-US" dirty="0"/>
-              <a:t>References</a:t>
-            </a:r>
-          </a:p>
-        </p:txBody>
-      </p:sp>
-      <p:sp>
-        <p:nvSpPr>
-          <p:cNvPr id="3" name="Content Placeholder 2">
-            <a:extLst>
-              <a:ext uri="{FF2B5EF4-FFF2-40B4-BE49-F238E27FC236}">
-                <a16:creationId xmlns:a16="http://schemas.microsoft.com/office/drawing/2014/main" id="{E21FA19F-419A-7841-863D-9CE064E37FF2}"/>
-              </a:ext>
-            </a:extLst>
-          </p:cNvPr>
-          <p:cNvSpPr>
-            <a:spLocks noGrp="1"/>
-          </p:cNvSpPr>
-          <p:nvPr>
-            <p:ph idx="1"/>
-          </p:nvPr>
-        </p:nvSpPr>
-        <p:spPr/>
-        <p:txBody>
-          <a:bodyPr/>
-          <a:lstStyle/>
-          <a:p>
-            <a:r>
-              <a:rPr lang="en-US" dirty="0">
-                <a:hlinkClick r:id="rId2"/>
-              </a:rPr>
-              <a:t>Horizontal  Pod Autoscaler</a:t>
-            </a:r>
-            <a:endParaRPr lang="en-US" dirty="0"/>
-          </a:p>
-          <a:p>
-            <a:r>
-              <a:rPr lang="en-US" dirty="0">
-                <a:hlinkClick r:id="rId3"/>
-              </a:rPr>
-              <a:t>Horizontal Pod Autoscaler Walkthrough</a:t>
-            </a:r>
-            <a:endParaRPr lang="en-US" dirty="0"/>
-          </a:p>
-          <a:p>
-            <a:r>
-              <a:rPr lang="en-US" dirty="0">
-                <a:hlinkClick r:id="rId4"/>
-              </a:rPr>
-              <a:t>https://keda.sh/</a:t>
-            </a:r>
-            <a:endParaRPr lang="en-US" dirty="0"/>
-          </a:p>
-          <a:p>
-            <a:r>
-              <a:rPr lang="en-US" dirty="0">
-                <a:hlinkClick r:id="rId5"/>
-              </a:rPr>
-              <a:t>KEDA on GitHub</a:t>
-            </a:r>
-            <a:endParaRPr lang="en-US" dirty="0"/>
-          </a:p>
-          <a:p>
-            <a:r>
-              <a:rPr lang="en-US" dirty="0">
-                <a:hlinkClick r:id="rId6"/>
-              </a:rPr>
-              <a:t>KEDA Samples</a:t>
-            </a:r>
-            <a:endParaRPr lang="en-US" dirty="0"/>
-          </a:p>
-          <a:p>
-            <a:r>
-              <a:rPr lang="en-US" dirty="0">
-                <a:hlinkClick r:id="rId7"/>
-              </a:rPr>
-              <a:t>Https://emadashi.com</a:t>
-            </a:r>
-            <a:r>
-              <a:rPr lang="en-US" dirty="0"/>
-              <a:t> </a:t>
-            </a:r>
-            <a:r>
-              <a:rPr lang="en-US" dirty="0">
-                <a:sym typeface="Wingdings" pitchFamily="2" charset="2"/>
-              </a:rPr>
-              <a:t></a:t>
-            </a:r>
-            <a:endParaRPr lang="en-US" dirty="0"/>
-          </a:p>
-          <a:p>
-            <a:r>
-              <a:rPr lang="en-US" dirty="0">
-                <a:hlinkClick r:id="rId8"/>
-              </a:rPr>
-              <a:t>Mock-server</a:t>
-            </a:r>
-            <a:endParaRPr lang="en-US" dirty="0"/>
-          </a:p>
-        </p:txBody>
-      </p:sp>
-    </p:spTree>
-    <p:extLst>
-      <p:ext uri="{BB962C8B-B14F-4D97-AF65-F5344CB8AC3E}">
-        <p14:creationId xmlns:p14="http://schemas.microsoft.com/office/powerpoint/2010/main" val="2713068039"/>
-      </p:ext>
-    </p:extLst>
-  </p:cSld>
-  <p:clrMapOvr>
-    <a:masterClrMapping/>
-  </p:clrMapOvr>
-</p:sld>
-</file>
-
 <file path=ppt/slides/slide2.xml><?xml version="1.0" encoding="utf-8"?>
 <p:sld xmlns:a="http://schemas.openxmlformats.org/drawingml/2006/main" xmlns:r="http://schemas.openxmlformats.org/officeDocument/2006/relationships" xmlns:p="http://schemas.openxmlformats.org/presentationml/2006/main">
   <p:cSld>
@@ -9104,6 +9847,325 @@
     <p:extLst>
       <p:ext uri="{BB962C8B-B14F-4D97-AF65-F5344CB8AC3E}">
         <p14:creationId xmlns:p14="http://schemas.microsoft.com/office/powerpoint/2010/main" val="3818036105"/>
+      </p:ext>
+    </p:extLst>
+  </p:cSld>
+  <p:clrMapOvr>
+    <a:masterClrMapping/>
+  </p:clrMapOvr>
+</p:sld>
+</file>
+
+<file path=ppt/slides/slide20.xml><?xml version="1.0" encoding="utf-8"?>
+<p:sld xmlns:a="http://schemas.openxmlformats.org/drawingml/2006/main" xmlns:r="http://schemas.openxmlformats.org/officeDocument/2006/relationships" xmlns:p="http://schemas.openxmlformats.org/presentationml/2006/main">
+  <p:cSld>
+    <p:spTree>
+      <p:nvGrpSpPr>
+        <p:cNvPr id="1" name=""/>
+        <p:cNvGrpSpPr/>
+        <p:nvPr/>
+      </p:nvGrpSpPr>
+      <p:grpSpPr>
+        <a:xfrm>
+          <a:off x="0" y="0"/>
+          <a:ext cx="0" cy="0"/>
+          <a:chOff x="0" y="0"/>
+          <a:chExt cx="0" cy="0"/>
+        </a:xfrm>
+      </p:grpSpPr>
+      <p:sp>
+        <p:nvSpPr>
+          <p:cNvPr id="8" name="Title 7">
+            <a:extLst>
+              <a:ext uri="{FF2B5EF4-FFF2-40B4-BE49-F238E27FC236}">
+                <a16:creationId xmlns:a16="http://schemas.microsoft.com/office/drawing/2014/main" id="{97B4083C-A237-8F44-8B9D-04615350ACF1}"/>
+              </a:ext>
+            </a:extLst>
+          </p:cNvPr>
+          <p:cNvSpPr>
+            <a:spLocks noGrp="1"/>
+          </p:cNvSpPr>
+          <p:nvPr>
+            <p:ph type="ctrTitle"/>
+          </p:nvPr>
+        </p:nvSpPr>
+        <p:spPr/>
+        <p:txBody>
+          <a:bodyPr/>
+          <a:lstStyle/>
+          <a:p>
+            <a:r>
+              <a:rPr lang="en-US" dirty="0"/>
+              <a:t>Let’s do it!</a:t>
+            </a:r>
+          </a:p>
+        </p:txBody>
+      </p:sp>
+      <p:sp>
+        <p:nvSpPr>
+          <p:cNvPr id="9" name="Subtitle 8">
+            <a:extLst>
+              <a:ext uri="{FF2B5EF4-FFF2-40B4-BE49-F238E27FC236}">
+                <a16:creationId xmlns:a16="http://schemas.microsoft.com/office/drawing/2014/main" id="{F41C9855-7893-714C-80F6-B34BA2A9EE0A}"/>
+              </a:ext>
+            </a:extLst>
+          </p:cNvPr>
+          <p:cNvSpPr>
+            <a:spLocks noGrp="1"/>
+          </p:cNvSpPr>
+          <p:nvPr>
+            <p:ph type="subTitle" idx="1"/>
+          </p:nvPr>
+        </p:nvSpPr>
+        <p:spPr/>
+        <p:txBody>
+          <a:bodyPr/>
+          <a:lstStyle/>
+          <a:p>
+            <a:endParaRPr lang="en-US"/>
+          </a:p>
+        </p:txBody>
+      </p:sp>
+    </p:spTree>
+    <p:extLst>
+      <p:ext uri="{BB962C8B-B14F-4D97-AF65-F5344CB8AC3E}">
+        <p14:creationId xmlns:p14="http://schemas.microsoft.com/office/powerpoint/2010/main" val="1232865975"/>
+      </p:ext>
+    </p:extLst>
+  </p:cSld>
+  <p:clrMapOvr>
+    <a:masterClrMapping/>
+  </p:clrMapOvr>
+</p:sld>
+</file>
+
+<file path=ppt/slides/slide21.xml><?xml version="1.0" encoding="utf-8"?>
+<p:sld xmlns:a="http://schemas.openxmlformats.org/drawingml/2006/main" xmlns:r="http://schemas.openxmlformats.org/officeDocument/2006/relationships" xmlns:p="http://schemas.openxmlformats.org/presentationml/2006/main">
+  <p:cSld>
+    <p:spTree>
+      <p:nvGrpSpPr>
+        <p:cNvPr id="1" name=""/>
+        <p:cNvGrpSpPr/>
+        <p:nvPr/>
+      </p:nvGrpSpPr>
+      <p:grpSpPr>
+        <a:xfrm>
+          <a:off x="0" y="0"/>
+          <a:ext cx="0" cy="0"/>
+          <a:chOff x="0" y="0"/>
+          <a:chExt cx="0" cy="0"/>
+        </a:xfrm>
+      </p:grpSpPr>
+      <p:sp>
+        <p:nvSpPr>
+          <p:cNvPr id="4" name="Title 3">
+            <a:extLst>
+              <a:ext uri="{FF2B5EF4-FFF2-40B4-BE49-F238E27FC236}">
+                <a16:creationId xmlns:a16="http://schemas.microsoft.com/office/drawing/2014/main" id="{A8FA9065-A2C9-9F42-B178-C988801824D3}"/>
+              </a:ext>
+            </a:extLst>
+          </p:cNvPr>
+          <p:cNvSpPr>
+            <a:spLocks noGrp="1"/>
+          </p:cNvSpPr>
+          <p:nvPr>
+            <p:ph type="ctrTitle"/>
+          </p:nvPr>
+        </p:nvSpPr>
+        <p:spPr/>
+        <p:txBody>
+          <a:bodyPr/>
+          <a:lstStyle/>
+          <a:p>
+            <a:r>
+              <a:rPr lang="en-US"/>
+              <a:t>TriggerAuthentication</a:t>
+            </a:r>
+          </a:p>
+        </p:txBody>
+      </p:sp>
+      <p:sp>
+        <p:nvSpPr>
+          <p:cNvPr id="5" name="Subtitle 4">
+            <a:extLst>
+              <a:ext uri="{FF2B5EF4-FFF2-40B4-BE49-F238E27FC236}">
+                <a16:creationId xmlns:a16="http://schemas.microsoft.com/office/drawing/2014/main" id="{FB423C7E-4B44-B849-8D3E-354D61582ADE}"/>
+              </a:ext>
+            </a:extLst>
+          </p:cNvPr>
+          <p:cNvSpPr>
+            <a:spLocks noGrp="1"/>
+          </p:cNvSpPr>
+          <p:nvPr>
+            <p:ph type="subTitle" idx="1"/>
+          </p:nvPr>
+        </p:nvSpPr>
+        <p:spPr/>
+        <p:txBody>
+          <a:bodyPr/>
+          <a:lstStyle/>
+          <a:p>
+            <a:endParaRPr lang="en-US"/>
+          </a:p>
+        </p:txBody>
+      </p:sp>
+    </p:spTree>
+    <p:extLst>
+      <p:ext uri="{BB962C8B-B14F-4D97-AF65-F5344CB8AC3E}">
+        <p14:creationId xmlns:p14="http://schemas.microsoft.com/office/powerpoint/2010/main" val="2933057112"/>
+      </p:ext>
+    </p:extLst>
+  </p:cSld>
+  <p:clrMapOvr>
+    <a:masterClrMapping/>
+  </p:clrMapOvr>
+</p:sld>
+</file>
+
+<file path=ppt/slides/slide22.xml><?xml version="1.0" encoding="utf-8"?>
+<p:sld xmlns:a="http://schemas.openxmlformats.org/drawingml/2006/main" xmlns:r="http://schemas.openxmlformats.org/officeDocument/2006/relationships" xmlns:p="http://schemas.openxmlformats.org/presentationml/2006/main">
+  <p:cSld>
+    <p:spTree>
+      <p:nvGrpSpPr>
+        <p:cNvPr id="1" name=""/>
+        <p:cNvGrpSpPr/>
+        <p:nvPr/>
+      </p:nvGrpSpPr>
+      <p:grpSpPr>
+        <a:xfrm>
+          <a:off x="0" y="0"/>
+          <a:ext cx="0" cy="0"/>
+          <a:chOff x="0" y="0"/>
+          <a:chExt cx="0" cy="0"/>
+        </a:xfrm>
+      </p:grpSpPr>
+      <p:sp>
+        <p:nvSpPr>
+          <p:cNvPr id="2" name="Title 1">
+            <a:extLst>
+              <a:ext uri="{FF2B5EF4-FFF2-40B4-BE49-F238E27FC236}">
+                <a16:creationId xmlns:a16="http://schemas.microsoft.com/office/drawing/2014/main" id="{2D1D3786-4DD3-7C48-9A94-B341A7FFFB85}"/>
+              </a:ext>
+            </a:extLst>
+          </p:cNvPr>
+          <p:cNvSpPr>
+            <a:spLocks noGrp="1"/>
+          </p:cNvSpPr>
+          <p:nvPr>
+            <p:ph type="title"/>
+          </p:nvPr>
+        </p:nvSpPr>
+        <p:spPr/>
+        <p:txBody>
+          <a:bodyPr/>
+          <a:lstStyle/>
+          <a:p>
+            <a:r>
+              <a:rPr lang="en-US" dirty="0"/>
+              <a:t>References</a:t>
+            </a:r>
+          </a:p>
+        </p:txBody>
+      </p:sp>
+      <p:sp>
+        <p:nvSpPr>
+          <p:cNvPr id="3" name="Content Placeholder 2">
+            <a:extLst>
+              <a:ext uri="{FF2B5EF4-FFF2-40B4-BE49-F238E27FC236}">
+                <a16:creationId xmlns:a16="http://schemas.microsoft.com/office/drawing/2014/main" id="{E21FA19F-419A-7841-863D-9CE064E37FF2}"/>
+              </a:ext>
+            </a:extLst>
+          </p:cNvPr>
+          <p:cNvSpPr>
+            <a:spLocks noGrp="1"/>
+          </p:cNvSpPr>
+          <p:nvPr>
+            <p:ph idx="1"/>
+          </p:nvPr>
+        </p:nvSpPr>
+        <p:spPr/>
+        <p:txBody>
+          <a:bodyPr/>
+          <a:lstStyle/>
+          <a:p>
+            <a:r>
+              <a:rPr lang="en-US" dirty="0">
+                <a:hlinkClick r:id="rId2"/>
+              </a:rPr>
+              <a:t>Horizontal  Pod Autoscaler</a:t>
+            </a:r>
+            <a:endParaRPr lang="en-US" dirty="0"/>
+          </a:p>
+          <a:p>
+            <a:r>
+              <a:rPr lang="en-US" dirty="0">
+                <a:hlinkClick r:id="rId3"/>
+              </a:rPr>
+              <a:t>Horizontal Pod Autoscaler Walkthrough</a:t>
+            </a:r>
+            <a:endParaRPr lang="en-US" dirty="0"/>
+          </a:p>
+          <a:p>
+            <a:r>
+              <a:rPr lang="en-US" dirty="0">
+                <a:hlinkClick r:id="rId4"/>
+              </a:rPr>
+              <a:t>https://keda.sh/</a:t>
+            </a:r>
+            <a:endParaRPr lang="en-US" dirty="0"/>
+          </a:p>
+          <a:p>
+            <a:r>
+              <a:rPr lang="en-US" dirty="0">
+                <a:hlinkClick r:id="rId5"/>
+              </a:rPr>
+              <a:t>KEDA on GitHub</a:t>
+            </a:r>
+            <a:endParaRPr lang="en-US" dirty="0"/>
+          </a:p>
+          <a:p>
+            <a:r>
+              <a:rPr lang="en-US" dirty="0">
+                <a:hlinkClick r:id="rId6"/>
+              </a:rPr>
+              <a:t>KEDA Samples</a:t>
+            </a:r>
+            <a:endParaRPr lang="en-US" dirty="0"/>
+          </a:p>
+          <a:p>
+            <a:r>
+              <a:rPr lang="en-US" dirty="0">
+                <a:hlinkClick r:id="rId7"/>
+              </a:rPr>
+              <a:t>Https://emadashi.com</a:t>
+            </a:r>
+            <a:r>
+              <a:rPr lang="en-US" dirty="0"/>
+              <a:t> </a:t>
+            </a:r>
+            <a:r>
+              <a:rPr lang="en-US" dirty="0">
+                <a:sym typeface="Wingdings" pitchFamily="2" charset="2"/>
+              </a:rPr>
+              <a:t></a:t>
+            </a:r>
+            <a:endParaRPr lang="en-US" dirty="0"/>
+          </a:p>
+          <a:p>
+            <a:r>
+              <a:rPr lang="en-US" dirty="0">
+                <a:hlinkClick r:id="rId8"/>
+              </a:rPr>
+              <a:t>Mock-server</a:t>
+            </a:r>
+            <a:endParaRPr lang="en-US" dirty="0"/>
+          </a:p>
+        </p:txBody>
+      </p:sp>
+    </p:spTree>
+    <p:extLst>
+      <p:ext uri="{BB962C8B-B14F-4D97-AF65-F5344CB8AC3E}">
+        <p14:creationId xmlns:p14="http://schemas.microsoft.com/office/powerpoint/2010/main" val="2713068039"/>
       </p:ext>
     </p:extLst>
   </p:cSld>
@@ -9586,7 +10648,7 @@
             </a:pPr>
             <a:r>
               <a:rPr lang="en-US" sz="2000" dirty="0"/>
-              <a:t>Presentation</a:t>
+              <a:t>Presentation 1: KEDA &amp; Built-in Scalers</a:t>
             </a:r>
           </a:p>
           <a:p>
@@ -9596,7 +10658,14 @@
             </a:pPr>
             <a:r>
               <a:rPr lang="en-US" sz="2000" dirty="0"/>
-              <a:t>Hands on</a:t>
+              <a:t>Workshop 1: RabbitMQ Scaler</a:t>
+            </a:r>
+          </a:p>
+          <a:p>
+            <a:pPr algn="l"/>
+            <a:r>
+              <a:rPr lang="en-US" sz="2000" dirty="0"/>
+              <a:t>-----</a:t>
             </a:r>
           </a:p>
           <a:p>
@@ -9606,7 +10675,59 @@
             </a:pPr>
             <a:r>
               <a:rPr lang="en-US" sz="2000" dirty="0"/>
-              <a:t>10 minutes breaks</a:t>
+              <a:t>Presentation 2: External Scalers</a:t>
+            </a:r>
+          </a:p>
+          <a:p>
+            <a:pPr marL="342900" indent="-342900" algn="l">
+              <a:buFont typeface="Arial" panose="020B0604020202020204" pitchFamily="34" charset="0"/>
+              <a:buChar char="•"/>
+            </a:pPr>
+            <a:r>
+              <a:rPr lang="en-US" sz="2000" dirty="0"/>
+              <a:t>Workshop 2: Building an External Scaler</a:t>
+            </a:r>
+          </a:p>
+          <a:p>
+            <a:pPr algn="l"/>
+            <a:r>
+              <a:rPr lang="en-US" sz="2000" dirty="0"/>
+              <a:t>----</a:t>
+            </a:r>
+          </a:p>
+          <a:p>
+            <a:pPr marL="342900" indent="-342900" algn="l">
+              <a:buFont typeface="Arial" panose="020B0604020202020204" pitchFamily="34" charset="0"/>
+              <a:buChar char="•"/>
+            </a:pPr>
+            <a:r>
+              <a:rPr lang="en-US" sz="2000" dirty="0" err="1"/>
+              <a:t>Misc</a:t>
+            </a:r>
+            <a:r>
+              <a:rPr lang="en-US" sz="2000" dirty="0"/>
+              <a:t>: Authentication</a:t>
+            </a:r>
+          </a:p>
+          <a:p>
+            <a:pPr marL="342900" indent="-342900" algn="l">
+              <a:buFont typeface="Arial" panose="020B0604020202020204" pitchFamily="34" charset="0"/>
+              <a:buChar char="•"/>
+            </a:pPr>
+            <a:endParaRPr lang="en-US" sz="2000" dirty="0"/>
+          </a:p>
+          <a:p>
+            <a:pPr marL="342900" indent="-342900" algn="l">
+              <a:buFont typeface="Arial" panose="020B0604020202020204" pitchFamily="34" charset="0"/>
+              <a:buChar char="•"/>
+            </a:pPr>
+            <a:endParaRPr lang="en-US" sz="2000" dirty="0"/>
+          </a:p>
+          <a:p>
+            <a:pPr algn="l"/>
+            <a:r>
+              <a:rPr lang="en-US" sz="2000" dirty="0"/>
+              <a:t>Breaks will be every 1.5-2.0 hours.</a:t>
             </a:r>
           </a:p>
         </p:txBody>
@@ -11596,15 +12717,7 @@
             <a:pPr lvl="1"/>
             <a:r>
               <a:rPr lang="en-US" dirty="0"/>
-              <a:t>AWS (SQS, </a:t>
-            </a:r>
-            <a:r>
-              <a:rPr lang="en-US" dirty="0" err="1"/>
-              <a:t>CoudWatch</a:t>
-            </a:r>
-            <a:r>
-              <a:rPr lang="en-US" dirty="0"/>
-              <a:t>, Kinesis)</a:t>
+              <a:t>AWS (SQS, CloudWatch, Kinesis)</a:t>
             </a:r>
           </a:p>
           <a:p>

--- a/preso.pptx
+++ b/preso.pptx
@@ -5,7 +5,7 @@
     <p:sldMasterId id="2147483660" r:id="rId1"/>
   </p:sldMasterIdLst>
   <p:notesMasterIdLst>
-    <p:notesMasterId r:id="rId24"/>
+    <p:notesMasterId r:id="rId25"/>
   </p:notesMasterIdLst>
   <p:sldIdLst>
     <p:sldId id="256" r:id="rId2"/>
@@ -29,7 +29,8 @@
     <p:sldId id="274" r:id="rId20"/>
     <p:sldId id="276" r:id="rId21"/>
     <p:sldId id="277" r:id="rId22"/>
-    <p:sldId id="272" r:id="rId23"/>
+    <p:sldId id="278" r:id="rId23"/>
+    <p:sldId id="272" r:id="rId24"/>
   </p:sldIdLst>
   <p:sldSz cx="12192000" cy="6858000"/>
   <p:notesSz cx="6858000" cy="9144000"/>
@@ -218,7 +219,7 @@
           <a:p>
             <a:fld id="{05D5B59A-0EDA-EF41-85FF-03176606BBBE}" type="datetimeFigureOut">
               <a:rPr lang="en-US" smtClean="0"/>
-              <a:t>8/25/20</a:t>
+              <a:t>8/30/20</a:t>
             </a:fld>
             <a:endParaRPr lang="en-US"/>
           </a:p>
@@ -791,7 +792,7 @@
           <a:p>
             <a:fld id="{7C747D7E-6B19-984E-90F5-E9EEF49EFB72}" type="datetimeFigureOut">
               <a:rPr lang="en-US" smtClean="0"/>
-              <a:t>8/25/20</a:t>
+              <a:t>8/30/20</a:t>
             </a:fld>
             <a:endParaRPr lang="en-US"/>
           </a:p>
@@ -961,7 +962,7 @@
           <a:p>
             <a:fld id="{7C747D7E-6B19-984E-90F5-E9EEF49EFB72}" type="datetimeFigureOut">
               <a:rPr lang="en-US" smtClean="0"/>
-              <a:t>8/25/20</a:t>
+              <a:t>8/30/20</a:t>
             </a:fld>
             <a:endParaRPr lang="en-US"/>
           </a:p>
@@ -1141,7 +1142,7 @@
           <a:p>
             <a:fld id="{7C747D7E-6B19-984E-90F5-E9EEF49EFB72}" type="datetimeFigureOut">
               <a:rPr lang="en-US" smtClean="0"/>
-              <a:t>8/25/20</a:t>
+              <a:t>8/30/20</a:t>
             </a:fld>
             <a:endParaRPr lang="en-US"/>
           </a:p>
@@ -1311,7 +1312,7 @@
           <a:p>
             <a:fld id="{7C747D7E-6B19-984E-90F5-E9EEF49EFB72}" type="datetimeFigureOut">
               <a:rPr lang="en-US" smtClean="0"/>
-              <a:t>8/25/20</a:t>
+              <a:t>8/30/20</a:t>
             </a:fld>
             <a:endParaRPr lang="en-US"/>
           </a:p>
@@ -1557,7 +1558,7 @@
           <a:p>
             <a:fld id="{7C747D7E-6B19-984E-90F5-E9EEF49EFB72}" type="datetimeFigureOut">
               <a:rPr lang="en-US" smtClean="0"/>
-              <a:t>8/25/20</a:t>
+              <a:t>8/30/20</a:t>
             </a:fld>
             <a:endParaRPr lang="en-US"/>
           </a:p>
@@ -1789,7 +1790,7 @@
           <a:p>
             <a:fld id="{7C747D7E-6B19-984E-90F5-E9EEF49EFB72}" type="datetimeFigureOut">
               <a:rPr lang="en-US" smtClean="0"/>
-              <a:t>8/25/20</a:t>
+              <a:t>8/30/20</a:t>
             </a:fld>
             <a:endParaRPr lang="en-US"/>
           </a:p>
@@ -2156,7 +2157,7 @@
           <a:p>
             <a:fld id="{7C747D7E-6B19-984E-90F5-E9EEF49EFB72}" type="datetimeFigureOut">
               <a:rPr lang="en-US" smtClean="0"/>
-              <a:t>8/25/20</a:t>
+              <a:t>8/30/20</a:t>
             </a:fld>
             <a:endParaRPr lang="en-US"/>
           </a:p>
@@ -2274,7 +2275,7 @@
           <a:p>
             <a:fld id="{7C747D7E-6B19-984E-90F5-E9EEF49EFB72}" type="datetimeFigureOut">
               <a:rPr lang="en-US" smtClean="0"/>
-              <a:t>8/25/20</a:t>
+              <a:t>8/30/20</a:t>
             </a:fld>
             <a:endParaRPr lang="en-US"/>
           </a:p>
@@ -2369,7 +2370,7 @@
           <a:p>
             <a:fld id="{7C747D7E-6B19-984E-90F5-E9EEF49EFB72}" type="datetimeFigureOut">
               <a:rPr lang="en-US" smtClean="0"/>
-              <a:t>8/25/20</a:t>
+              <a:t>8/30/20</a:t>
             </a:fld>
             <a:endParaRPr lang="en-US"/>
           </a:p>
@@ -2646,7 +2647,7 @@
           <a:p>
             <a:fld id="{7C747D7E-6B19-984E-90F5-E9EEF49EFB72}" type="datetimeFigureOut">
               <a:rPr lang="en-US" smtClean="0"/>
-              <a:t>8/25/20</a:t>
+              <a:t>8/30/20</a:t>
             </a:fld>
             <a:endParaRPr lang="en-US"/>
           </a:p>
@@ -2903,7 +2904,7 @@
           <a:p>
             <a:fld id="{7C747D7E-6B19-984E-90F5-E9EEF49EFB72}" type="datetimeFigureOut">
               <a:rPr lang="en-US" smtClean="0"/>
-              <a:t>8/25/20</a:t>
+              <a:t>8/30/20</a:t>
             </a:fld>
             <a:endParaRPr lang="en-US"/>
           </a:p>
@@ -3116,7 +3117,7 @@
           <a:p>
             <a:fld id="{7C747D7E-6B19-984E-90F5-E9EEF49EFB72}" type="datetimeFigureOut">
               <a:rPr lang="en-US" smtClean="0"/>
-              <a:t>8/25/20</a:t>
+              <a:t>8/30/20</a:t>
             </a:fld>
             <a:endParaRPr lang="en-US"/>
           </a:p>
@@ -9978,9 +9979,10 @@
           <a:lstStyle/>
           <a:p>
             <a:r>
-              <a:rPr lang="en-US"/>
+              <a:rPr lang="en-US" dirty="0" err="1"/>
               <a:t>TriggerAuthentication</a:t>
             </a:r>
+            <a:endParaRPr lang="en-US" dirty="0"/>
           </a:p>
         </p:txBody>
       </p:sp>
@@ -10023,6 +10025,113 @@
 </file>
 
 <file path=ppt/slides/slide22.xml><?xml version="1.0" encoding="utf-8"?>
+<p:sld xmlns:a="http://schemas.openxmlformats.org/drawingml/2006/main" xmlns:r="http://schemas.openxmlformats.org/officeDocument/2006/relationships" xmlns:p="http://schemas.openxmlformats.org/presentationml/2006/main">
+  <p:cSld>
+    <p:spTree>
+      <p:nvGrpSpPr>
+        <p:cNvPr id="1" name=""/>
+        <p:cNvGrpSpPr/>
+        <p:nvPr/>
+      </p:nvGrpSpPr>
+      <p:grpSpPr>
+        <a:xfrm>
+          <a:off x="0" y="0"/>
+          <a:ext cx="0" cy="0"/>
+          <a:chOff x="0" y="0"/>
+          <a:chExt cx="0" cy="0"/>
+        </a:xfrm>
+      </p:grpSpPr>
+      <p:sp>
+        <p:nvSpPr>
+          <p:cNvPr id="2" name="Title 1">
+            <a:extLst>
+              <a:ext uri="{FF2B5EF4-FFF2-40B4-BE49-F238E27FC236}">
+                <a16:creationId xmlns:a16="http://schemas.microsoft.com/office/drawing/2014/main" id="{C696186D-2873-D64B-A221-7EFC31AAB74F}"/>
+              </a:ext>
+            </a:extLst>
+          </p:cNvPr>
+          <p:cNvSpPr>
+            <a:spLocks noGrp="1"/>
+          </p:cNvSpPr>
+          <p:nvPr>
+            <p:ph type="title"/>
+          </p:nvPr>
+        </p:nvSpPr>
+        <p:spPr/>
+        <p:txBody>
+          <a:bodyPr/>
+          <a:lstStyle/>
+          <a:p>
+            <a:r>
+              <a:rPr lang="en-US" dirty="0" err="1"/>
+              <a:t>TriggerAuthentication</a:t>
+            </a:r>
+            <a:endParaRPr lang="en-US" dirty="0"/>
+          </a:p>
+        </p:txBody>
+      </p:sp>
+      <p:sp>
+        <p:nvSpPr>
+          <p:cNvPr id="3" name="Content Placeholder 2">
+            <a:extLst>
+              <a:ext uri="{FF2B5EF4-FFF2-40B4-BE49-F238E27FC236}">
+                <a16:creationId xmlns:a16="http://schemas.microsoft.com/office/drawing/2014/main" id="{543213A9-1EB7-B34D-95D3-82AE1B4AB37E}"/>
+              </a:ext>
+            </a:extLst>
+          </p:cNvPr>
+          <p:cNvSpPr>
+            <a:spLocks noGrp="1"/>
+          </p:cNvSpPr>
+          <p:nvPr>
+            <p:ph idx="1"/>
+          </p:nvPr>
+        </p:nvSpPr>
+        <p:spPr/>
+        <p:txBody>
+          <a:bodyPr/>
+          <a:lstStyle/>
+          <a:p>
+            <a:r>
+              <a:rPr lang="en-US" dirty="0"/>
+              <a:t>Shared authentication</a:t>
+            </a:r>
+          </a:p>
+          <a:p>
+            <a:r>
+              <a:rPr lang="en-US" dirty="0"/>
+              <a:t>Support for referencing secrets directly</a:t>
+            </a:r>
+          </a:p>
+          <a:p>
+            <a:r>
+              <a:rPr lang="en-US" dirty="0"/>
+              <a:t>Managed Identity (e.g. </a:t>
+            </a:r>
+            <a:r>
+              <a:rPr lang="en-US"/>
+              <a:t>Azure Pod </a:t>
+            </a:r>
+            <a:r>
+              <a:rPr lang="en-US" dirty="0"/>
+              <a:t>Identity)</a:t>
+            </a:r>
+          </a:p>
+        </p:txBody>
+      </p:sp>
+    </p:spTree>
+    <p:extLst>
+      <p:ext uri="{BB962C8B-B14F-4D97-AF65-F5344CB8AC3E}">
+        <p14:creationId xmlns:p14="http://schemas.microsoft.com/office/powerpoint/2010/main" val="656369938"/>
+      </p:ext>
+    </p:extLst>
+  </p:cSld>
+  <p:clrMapOvr>
+    <a:masterClrMapping/>
+  </p:clrMapOvr>
+</p:sld>
+</file>
+
+<file path=ppt/slides/slide23.xml><?xml version="1.0" encoding="utf-8"?>
 <p:sld xmlns:a="http://schemas.openxmlformats.org/drawingml/2006/main" xmlns:r="http://schemas.openxmlformats.org/officeDocument/2006/relationships" xmlns:p="http://schemas.openxmlformats.org/presentationml/2006/main">
   <p:cSld>
     <p:spTree>

--- a/preso.pptx
+++ b/preso.pptx
@@ -5,7 +5,7 @@
     <p:sldMasterId id="2147483660" r:id="rId1"/>
   </p:sldMasterIdLst>
   <p:notesMasterIdLst>
-    <p:notesMasterId r:id="rId25"/>
+    <p:notesMasterId r:id="rId27"/>
   </p:notesMasterIdLst>
   <p:sldIdLst>
     <p:sldId id="256" r:id="rId2"/>
@@ -30,7 +30,9 @@
     <p:sldId id="276" r:id="rId21"/>
     <p:sldId id="277" r:id="rId22"/>
     <p:sldId id="278" r:id="rId23"/>
-    <p:sldId id="272" r:id="rId24"/>
+    <p:sldId id="279" r:id="rId24"/>
+    <p:sldId id="280" r:id="rId25"/>
+    <p:sldId id="272" r:id="rId26"/>
   </p:sldIdLst>
   <p:sldSz cx="12192000" cy="6858000"/>
   <p:notesSz cx="6858000" cy="9144000"/>
@@ -219,7 +221,7 @@
           <a:p>
             <a:fld id="{05D5B59A-0EDA-EF41-85FF-03176606BBBE}" type="datetimeFigureOut">
               <a:rPr lang="en-US" smtClean="0"/>
-              <a:t>8/30/20</a:t>
+              <a:t>9/6/20</a:t>
             </a:fld>
             <a:endParaRPr lang="en-US"/>
           </a:p>
@@ -661,6 +663,180 @@
 </p:notes>
 </file>
 
+<file path=ppt/notesSlides/notesSlide3.xml><?xml version="1.0" encoding="utf-8"?>
+<p:notes xmlns:a="http://schemas.openxmlformats.org/drawingml/2006/main" xmlns:r="http://schemas.openxmlformats.org/officeDocument/2006/relationships" xmlns:p="http://schemas.openxmlformats.org/presentationml/2006/main">
+  <p:cSld>
+    <p:spTree>
+      <p:nvGrpSpPr>
+        <p:cNvPr id="1" name=""/>
+        <p:cNvGrpSpPr/>
+        <p:nvPr/>
+      </p:nvGrpSpPr>
+      <p:grpSpPr>
+        <a:xfrm>
+          <a:off x="0" y="0"/>
+          <a:ext cx="0" cy="0"/>
+          <a:chOff x="0" y="0"/>
+          <a:chExt cx="0" cy="0"/>
+        </a:xfrm>
+      </p:grpSpPr>
+      <p:sp>
+        <p:nvSpPr>
+          <p:cNvPr id="2" name="Slide Image Placeholder 1"/>
+          <p:cNvSpPr>
+            <a:spLocks noGrp="1" noRot="1" noChangeAspect="1"/>
+          </p:cNvSpPr>
+          <p:nvPr>
+            <p:ph type="sldImg"/>
+          </p:nvPr>
+        </p:nvSpPr>
+        <p:spPr/>
+      </p:sp>
+      <p:sp>
+        <p:nvSpPr>
+          <p:cNvPr id="3" name="Notes Placeholder 2"/>
+          <p:cNvSpPr>
+            <a:spLocks noGrp="1"/>
+          </p:cNvSpPr>
+          <p:nvPr>
+            <p:ph type="body" idx="1"/>
+          </p:nvPr>
+        </p:nvSpPr>
+        <p:spPr/>
+        <p:txBody>
+          <a:bodyPr/>
+          <a:lstStyle/>
+          <a:p>
+            <a:r>
+              <a:rPr lang="en-US" dirty="0"/>
+              <a:t>Using a secret directly</a:t>
+            </a:r>
+          </a:p>
+        </p:txBody>
+      </p:sp>
+      <p:sp>
+        <p:nvSpPr>
+          <p:cNvPr id="4" name="Slide Number Placeholder 3"/>
+          <p:cNvSpPr>
+            <a:spLocks noGrp="1"/>
+          </p:cNvSpPr>
+          <p:nvPr>
+            <p:ph type="sldNum" sz="quarter" idx="5"/>
+          </p:nvPr>
+        </p:nvSpPr>
+        <p:spPr/>
+        <p:txBody>
+          <a:bodyPr/>
+          <a:lstStyle/>
+          <a:p>
+            <a:fld id="{B786E5CD-0DE5-2548-BADF-C53099846BB2}" type="slidenum">
+              <a:rPr lang="en-US" smtClean="0"/>
+              <a:t>23</a:t>
+            </a:fld>
+            <a:endParaRPr lang="en-US"/>
+          </a:p>
+        </p:txBody>
+      </p:sp>
+    </p:spTree>
+    <p:extLst>
+      <p:ext uri="{BB962C8B-B14F-4D97-AF65-F5344CB8AC3E}">
+        <p14:creationId xmlns:p14="http://schemas.microsoft.com/office/powerpoint/2010/main" val="1771944772"/>
+      </p:ext>
+    </p:extLst>
+  </p:cSld>
+  <p:clrMapOvr>
+    <a:masterClrMapping/>
+  </p:clrMapOvr>
+</p:notes>
+</file>
+
+<file path=ppt/notesSlides/notesSlide4.xml><?xml version="1.0" encoding="utf-8"?>
+<p:notes xmlns:a="http://schemas.openxmlformats.org/drawingml/2006/main" xmlns:r="http://schemas.openxmlformats.org/officeDocument/2006/relationships" xmlns:p="http://schemas.openxmlformats.org/presentationml/2006/main">
+  <p:cSld>
+    <p:spTree>
+      <p:nvGrpSpPr>
+        <p:cNvPr id="1" name=""/>
+        <p:cNvGrpSpPr/>
+        <p:nvPr/>
+      </p:nvGrpSpPr>
+      <p:grpSpPr>
+        <a:xfrm>
+          <a:off x="0" y="0"/>
+          <a:ext cx="0" cy="0"/>
+          <a:chOff x="0" y="0"/>
+          <a:chExt cx="0" cy="0"/>
+        </a:xfrm>
+      </p:grpSpPr>
+      <p:sp>
+        <p:nvSpPr>
+          <p:cNvPr id="2" name="Slide Image Placeholder 1"/>
+          <p:cNvSpPr>
+            <a:spLocks noGrp="1" noRot="1" noChangeAspect="1"/>
+          </p:cNvSpPr>
+          <p:nvPr>
+            <p:ph type="sldImg"/>
+          </p:nvPr>
+        </p:nvSpPr>
+        <p:spPr/>
+      </p:sp>
+      <p:sp>
+        <p:nvSpPr>
+          <p:cNvPr id="3" name="Notes Placeholder 2"/>
+          <p:cNvSpPr>
+            <a:spLocks noGrp="1"/>
+          </p:cNvSpPr>
+          <p:nvPr>
+            <p:ph type="body" idx="1"/>
+          </p:nvPr>
+        </p:nvSpPr>
+        <p:spPr/>
+        <p:txBody>
+          <a:bodyPr/>
+          <a:lstStyle/>
+          <a:p>
+            <a:r>
+              <a:rPr lang="en-US" dirty="0"/>
+              <a:t>Using a secret directly</a:t>
+            </a:r>
+          </a:p>
+        </p:txBody>
+      </p:sp>
+      <p:sp>
+        <p:nvSpPr>
+          <p:cNvPr id="4" name="Slide Number Placeholder 3"/>
+          <p:cNvSpPr>
+            <a:spLocks noGrp="1"/>
+          </p:cNvSpPr>
+          <p:nvPr>
+            <p:ph type="sldNum" sz="quarter" idx="5"/>
+          </p:nvPr>
+        </p:nvSpPr>
+        <p:spPr/>
+        <p:txBody>
+          <a:bodyPr/>
+          <a:lstStyle/>
+          <a:p>
+            <a:fld id="{B786E5CD-0DE5-2548-BADF-C53099846BB2}" type="slidenum">
+              <a:rPr lang="en-US" smtClean="0"/>
+              <a:t>24</a:t>
+            </a:fld>
+            <a:endParaRPr lang="en-US"/>
+          </a:p>
+        </p:txBody>
+      </p:sp>
+    </p:spTree>
+    <p:extLst>
+      <p:ext uri="{BB962C8B-B14F-4D97-AF65-F5344CB8AC3E}">
+        <p14:creationId xmlns:p14="http://schemas.microsoft.com/office/powerpoint/2010/main" val="2855974713"/>
+      </p:ext>
+    </p:extLst>
+  </p:cSld>
+  <p:clrMapOvr>
+    <a:masterClrMapping/>
+  </p:clrMapOvr>
+</p:notes>
+</file>
+
 <file path=ppt/slideLayouts/slideLayout1.xml><?xml version="1.0" encoding="utf-8"?>
 <p:sldLayout xmlns:a="http://schemas.openxmlformats.org/drawingml/2006/main" xmlns:r="http://schemas.openxmlformats.org/officeDocument/2006/relationships" xmlns:p="http://schemas.openxmlformats.org/presentationml/2006/main" type="title" preserve="1">
   <p:cSld name="Title Slide">
@@ -792,7 +968,7 @@
           <a:p>
             <a:fld id="{7C747D7E-6B19-984E-90F5-E9EEF49EFB72}" type="datetimeFigureOut">
               <a:rPr lang="en-US" smtClean="0"/>
-              <a:t>8/30/20</a:t>
+              <a:t>9/6/20</a:t>
             </a:fld>
             <a:endParaRPr lang="en-US"/>
           </a:p>
@@ -962,7 +1138,7 @@
           <a:p>
             <a:fld id="{7C747D7E-6B19-984E-90F5-E9EEF49EFB72}" type="datetimeFigureOut">
               <a:rPr lang="en-US" smtClean="0"/>
-              <a:t>8/30/20</a:t>
+              <a:t>9/6/20</a:t>
             </a:fld>
             <a:endParaRPr lang="en-US"/>
           </a:p>
@@ -1142,7 +1318,7 @@
           <a:p>
             <a:fld id="{7C747D7E-6B19-984E-90F5-E9EEF49EFB72}" type="datetimeFigureOut">
               <a:rPr lang="en-US" smtClean="0"/>
-              <a:t>8/30/20</a:t>
+              <a:t>9/6/20</a:t>
             </a:fld>
             <a:endParaRPr lang="en-US"/>
           </a:p>
@@ -1312,7 +1488,7 @@
           <a:p>
             <a:fld id="{7C747D7E-6B19-984E-90F5-E9EEF49EFB72}" type="datetimeFigureOut">
               <a:rPr lang="en-US" smtClean="0"/>
-              <a:t>8/30/20</a:t>
+              <a:t>9/6/20</a:t>
             </a:fld>
             <a:endParaRPr lang="en-US"/>
           </a:p>
@@ -1558,7 +1734,7 @@
           <a:p>
             <a:fld id="{7C747D7E-6B19-984E-90F5-E9EEF49EFB72}" type="datetimeFigureOut">
               <a:rPr lang="en-US" smtClean="0"/>
-              <a:t>8/30/20</a:t>
+              <a:t>9/6/20</a:t>
             </a:fld>
             <a:endParaRPr lang="en-US"/>
           </a:p>
@@ -1790,7 +1966,7 @@
           <a:p>
             <a:fld id="{7C747D7E-6B19-984E-90F5-E9EEF49EFB72}" type="datetimeFigureOut">
               <a:rPr lang="en-US" smtClean="0"/>
-              <a:t>8/30/20</a:t>
+              <a:t>9/6/20</a:t>
             </a:fld>
             <a:endParaRPr lang="en-US"/>
           </a:p>
@@ -2157,7 +2333,7 @@
           <a:p>
             <a:fld id="{7C747D7E-6B19-984E-90F5-E9EEF49EFB72}" type="datetimeFigureOut">
               <a:rPr lang="en-US" smtClean="0"/>
-              <a:t>8/30/20</a:t>
+              <a:t>9/6/20</a:t>
             </a:fld>
             <a:endParaRPr lang="en-US"/>
           </a:p>
@@ -2275,7 +2451,7 @@
           <a:p>
             <a:fld id="{7C747D7E-6B19-984E-90F5-E9EEF49EFB72}" type="datetimeFigureOut">
               <a:rPr lang="en-US" smtClean="0"/>
-              <a:t>8/30/20</a:t>
+              <a:t>9/6/20</a:t>
             </a:fld>
             <a:endParaRPr lang="en-US"/>
           </a:p>
@@ -2370,7 +2546,7 @@
           <a:p>
             <a:fld id="{7C747D7E-6B19-984E-90F5-E9EEF49EFB72}" type="datetimeFigureOut">
               <a:rPr lang="en-US" smtClean="0"/>
-              <a:t>8/30/20</a:t>
+              <a:t>9/6/20</a:t>
             </a:fld>
             <a:endParaRPr lang="en-US"/>
           </a:p>
@@ -2647,7 +2823,7 @@
           <a:p>
             <a:fld id="{7C747D7E-6B19-984E-90F5-E9EEF49EFB72}" type="datetimeFigureOut">
               <a:rPr lang="en-US" smtClean="0"/>
-              <a:t>8/30/20</a:t>
+              <a:t>9/6/20</a:t>
             </a:fld>
             <a:endParaRPr lang="en-US"/>
           </a:p>
@@ -2904,7 +3080,7 @@
           <a:p>
             <a:fld id="{7C747D7E-6B19-984E-90F5-E9EEF49EFB72}" type="datetimeFigureOut">
               <a:rPr lang="en-US" smtClean="0"/>
-              <a:t>8/30/20</a:t>
+              <a:t>9/6/20</a:t>
             </a:fld>
             <a:endParaRPr lang="en-US"/>
           </a:p>
@@ -3117,7 +3293,7 @@
           <a:p>
             <a:fld id="{7C747D7E-6B19-984E-90F5-E9EEF49EFB72}" type="datetimeFigureOut">
               <a:rPr lang="en-US" smtClean="0"/>
-              <a:t>8/30/20</a:t>
+              <a:t>9/6/20</a:t>
             </a:fld>
             <a:endParaRPr lang="en-US"/>
           </a:p>
@@ -10105,15 +10281,7 @@
           <a:p>
             <a:r>
               <a:rPr lang="en-US" dirty="0"/>
-              <a:t>Managed Identity (e.g. </a:t>
-            </a:r>
-            <a:r>
-              <a:rPr lang="en-US"/>
-              <a:t>Azure Pod </a:t>
-            </a:r>
-            <a:r>
-              <a:rPr lang="en-US" dirty="0"/>
-              <a:t>Identity)</a:t>
+              <a:t>Managed Identity (e.g. Azure Pod Identity)</a:t>
             </a:r>
           </a:p>
         </p:txBody>
@@ -10132,6 +10300,682 @@
 </file>
 
 <file path=ppt/slides/slide23.xml><?xml version="1.0" encoding="utf-8"?>
+<p:sld xmlns:a="http://schemas.openxmlformats.org/drawingml/2006/main" xmlns:r="http://schemas.openxmlformats.org/officeDocument/2006/relationships" xmlns:p="http://schemas.openxmlformats.org/presentationml/2006/main">
+  <p:cSld>
+    <p:spTree>
+      <p:nvGrpSpPr>
+        <p:cNvPr id="1" name=""/>
+        <p:cNvGrpSpPr/>
+        <p:nvPr/>
+      </p:nvGrpSpPr>
+      <p:grpSpPr>
+        <a:xfrm>
+          <a:off x="0" y="0"/>
+          <a:ext cx="0" cy="0"/>
+          <a:chOff x="0" y="0"/>
+          <a:chExt cx="0" cy="0"/>
+        </a:xfrm>
+      </p:grpSpPr>
+      <p:sp>
+        <p:nvSpPr>
+          <p:cNvPr id="4" name="Rectangle 3">
+            <a:extLst>
+              <a:ext uri="{FF2B5EF4-FFF2-40B4-BE49-F238E27FC236}">
+                <a16:creationId xmlns:a16="http://schemas.microsoft.com/office/drawing/2014/main" id="{25EE69ED-EE01-E04D-A7A4-55582069BCB3}"/>
+              </a:ext>
+            </a:extLst>
+          </p:cNvPr>
+          <p:cNvSpPr/>
+          <p:nvPr/>
+        </p:nvSpPr>
+        <p:spPr>
+          <a:xfrm>
+            <a:off x="2998149" y="1367327"/>
+            <a:ext cx="7196984" cy="3785652"/>
+          </a:xfrm>
+          <a:prstGeom prst="rect">
+            <a:avLst/>
+          </a:prstGeom>
+        </p:spPr>
+        <p:txBody>
+          <a:bodyPr wrap="square">
+            <a:spAutoFit/>
+          </a:bodyPr>
+          <a:lstStyle/>
+          <a:p>
+            <a:r>
+              <a:rPr lang="en-AU" sz="2400" dirty="0" err="1">
+                <a:solidFill>
+                  <a:srgbClr val="B8BB26">
+                    <a:alpha val="42000"/>
+                  </a:srgbClr>
+                </a:solidFill>
+                <a:latin typeface="Menlo" panose="020B0609030804020204" pitchFamily="49" charset="0"/>
+              </a:rPr>
+              <a:t>apiVersion</a:t>
+            </a:r>
+            <a:r>
+              <a:rPr lang="en-AU" sz="2400" dirty="0">
+                <a:solidFill>
+                  <a:srgbClr val="B8BB26">
+                    <a:alpha val="42000"/>
+                  </a:srgbClr>
+                </a:solidFill>
+                <a:latin typeface="Menlo" panose="020B0609030804020204" pitchFamily="49" charset="0"/>
+              </a:rPr>
+              <a:t>: keda.k8s.io/v1alpha1</a:t>
+            </a:r>
+          </a:p>
+          <a:p>
+            <a:r>
+              <a:rPr lang="en-AU" sz="2400" dirty="0">
+                <a:solidFill>
+                  <a:srgbClr val="8EC07C"/>
+                </a:solidFill>
+                <a:latin typeface="Menlo" panose="020B0609030804020204" pitchFamily="49" charset="0"/>
+              </a:rPr>
+              <a:t>kind</a:t>
+            </a:r>
+            <a:r>
+              <a:rPr lang="en-AU" sz="2400" dirty="0">
+                <a:solidFill>
+                  <a:srgbClr val="A89984"/>
+                </a:solidFill>
+                <a:latin typeface="Menlo" panose="020B0609030804020204" pitchFamily="49" charset="0"/>
+              </a:rPr>
+              <a:t>:</a:t>
+            </a:r>
+            <a:r>
+              <a:rPr lang="en-AU" sz="2400" dirty="0">
+                <a:solidFill>
+                  <a:srgbClr val="EBDBB2"/>
+                </a:solidFill>
+                <a:latin typeface="Menlo" panose="020B0609030804020204" pitchFamily="49" charset="0"/>
+              </a:rPr>
+              <a:t> </a:t>
+            </a:r>
+            <a:r>
+              <a:rPr lang="en-AU" sz="2400" dirty="0" err="1">
+                <a:solidFill>
+                  <a:srgbClr val="B8BB26"/>
+                </a:solidFill>
+                <a:latin typeface="Menlo" panose="020B0609030804020204" pitchFamily="49" charset="0"/>
+              </a:rPr>
+              <a:t>TriggerAuthentication</a:t>
+            </a:r>
+            <a:endParaRPr lang="en-AU" sz="2400" dirty="0">
+              <a:solidFill>
+                <a:srgbClr val="EBDBB2"/>
+              </a:solidFill>
+              <a:latin typeface="Menlo" panose="020B0609030804020204" pitchFamily="49" charset="0"/>
+            </a:endParaRPr>
+          </a:p>
+          <a:p>
+            <a:r>
+              <a:rPr lang="en-AU" sz="2400" dirty="0">
+                <a:solidFill>
+                  <a:srgbClr val="8EC07C">
+                    <a:alpha val="45000"/>
+                  </a:srgbClr>
+                </a:solidFill>
+                <a:latin typeface="Menlo" panose="020B0609030804020204" pitchFamily="49" charset="0"/>
+              </a:rPr>
+              <a:t>metadata:</a:t>
+            </a:r>
+          </a:p>
+          <a:p>
+            <a:r>
+              <a:rPr lang="en-AU" sz="2400" dirty="0">
+                <a:solidFill>
+                  <a:srgbClr val="8EC07C"/>
+                </a:solidFill>
+                <a:latin typeface="Menlo" panose="020B0609030804020204" pitchFamily="49" charset="0"/>
+              </a:rPr>
+              <a:t>name</a:t>
+            </a:r>
+            <a:r>
+              <a:rPr lang="en-AU" sz="2400" dirty="0">
+                <a:solidFill>
+                  <a:srgbClr val="A89984"/>
+                </a:solidFill>
+                <a:latin typeface="Menlo" panose="020B0609030804020204" pitchFamily="49" charset="0"/>
+              </a:rPr>
+              <a:t>:</a:t>
+            </a:r>
+            <a:r>
+              <a:rPr lang="en-AU" sz="2400" dirty="0">
+                <a:solidFill>
+                  <a:srgbClr val="EBDBB2"/>
+                </a:solidFill>
+                <a:latin typeface="Menlo" panose="020B0609030804020204" pitchFamily="49" charset="0"/>
+              </a:rPr>
+              <a:t> </a:t>
+            </a:r>
+            <a:r>
+              <a:rPr lang="en-AU" sz="2400" dirty="0" err="1">
+                <a:solidFill>
+                  <a:srgbClr val="B8BB26"/>
+                </a:solidFill>
+                <a:latin typeface="Menlo" panose="020B0609030804020204" pitchFamily="49" charset="0"/>
+              </a:rPr>
+              <a:t>rabbitmq</a:t>
+            </a:r>
+            <a:r>
+              <a:rPr lang="en-AU" sz="2400" dirty="0">
+                <a:solidFill>
+                  <a:srgbClr val="B8BB26"/>
+                </a:solidFill>
+                <a:latin typeface="Menlo" panose="020B0609030804020204" pitchFamily="49" charset="0"/>
+              </a:rPr>
+              <a:t>-consumer-trigger</a:t>
+            </a:r>
+            <a:endParaRPr lang="en-AU" sz="2400" dirty="0">
+              <a:solidFill>
+                <a:srgbClr val="EBDBB2"/>
+              </a:solidFill>
+              <a:latin typeface="Menlo" panose="020B0609030804020204" pitchFamily="49" charset="0"/>
+            </a:endParaRPr>
+          </a:p>
+          <a:p>
+            <a:r>
+              <a:rPr lang="en-AU" sz="2400" dirty="0">
+                <a:solidFill>
+                  <a:srgbClr val="B8BB26">
+                    <a:alpha val="42000"/>
+                  </a:srgbClr>
+                </a:solidFill>
+                <a:latin typeface="Menlo" panose="020B0609030804020204" pitchFamily="49" charset="0"/>
+              </a:rPr>
+              <a:t>namespace: default</a:t>
+            </a:r>
+          </a:p>
+          <a:p>
+            <a:r>
+              <a:rPr lang="en-AU" sz="2400" dirty="0">
+                <a:solidFill>
+                  <a:srgbClr val="8EC07C"/>
+                </a:solidFill>
+                <a:latin typeface="Menlo" panose="020B0609030804020204" pitchFamily="49" charset="0"/>
+              </a:rPr>
+              <a:t>spec</a:t>
+            </a:r>
+            <a:r>
+              <a:rPr lang="en-AU" sz="2400" dirty="0">
+                <a:solidFill>
+                  <a:srgbClr val="A89984"/>
+                </a:solidFill>
+                <a:latin typeface="Menlo" panose="020B0609030804020204" pitchFamily="49" charset="0"/>
+              </a:rPr>
+              <a:t>:</a:t>
+            </a:r>
+            <a:endParaRPr lang="en-AU" sz="2400" dirty="0">
+              <a:solidFill>
+                <a:srgbClr val="EBDBB2"/>
+              </a:solidFill>
+              <a:latin typeface="Menlo" panose="020B0609030804020204" pitchFamily="49" charset="0"/>
+            </a:endParaRPr>
+          </a:p>
+          <a:p>
+            <a:r>
+              <a:rPr lang="en-AU" sz="2400" dirty="0" err="1">
+                <a:solidFill>
+                  <a:srgbClr val="8EC07C"/>
+                </a:solidFill>
+                <a:latin typeface="Menlo" panose="020B0609030804020204" pitchFamily="49" charset="0"/>
+              </a:rPr>
+              <a:t>secretTargetRef</a:t>
+            </a:r>
+            <a:r>
+              <a:rPr lang="en-AU" sz="2400" dirty="0">
+                <a:solidFill>
+                  <a:srgbClr val="A89984"/>
+                </a:solidFill>
+                <a:latin typeface="Menlo" panose="020B0609030804020204" pitchFamily="49" charset="0"/>
+              </a:rPr>
+              <a:t>:</a:t>
+            </a:r>
+            <a:endParaRPr lang="en-AU" sz="2400" dirty="0">
+              <a:solidFill>
+                <a:srgbClr val="EBDBB2"/>
+              </a:solidFill>
+              <a:latin typeface="Menlo" panose="020B0609030804020204" pitchFamily="49" charset="0"/>
+            </a:endParaRPr>
+          </a:p>
+          <a:p>
+            <a:r>
+              <a:rPr lang="en-AU" sz="2400" dirty="0">
+                <a:solidFill>
+                  <a:srgbClr val="A89984"/>
+                </a:solidFill>
+                <a:latin typeface="Menlo" panose="020B0609030804020204" pitchFamily="49" charset="0"/>
+              </a:rPr>
+              <a:t>-</a:t>
+            </a:r>
+            <a:r>
+              <a:rPr lang="en-AU" sz="2400" dirty="0">
+                <a:solidFill>
+                  <a:srgbClr val="EBDBB2"/>
+                </a:solidFill>
+                <a:latin typeface="Menlo" panose="020B0609030804020204" pitchFamily="49" charset="0"/>
+              </a:rPr>
+              <a:t> </a:t>
+            </a:r>
+            <a:r>
+              <a:rPr lang="en-AU" sz="2400" dirty="0">
+                <a:solidFill>
+                  <a:srgbClr val="8EC07C"/>
+                </a:solidFill>
+                <a:latin typeface="Menlo" panose="020B0609030804020204" pitchFamily="49" charset="0"/>
+              </a:rPr>
+              <a:t>parameter</a:t>
+            </a:r>
+            <a:r>
+              <a:rPr lang="en-AU" sz="2400" dirty="0">
+                <a:solidFill>
+                  <a:srgbClr val="A89984"/>
+                </a:solidFill>
+                <a:latin typeface="Menlo" panose="020B0609030804020204" pitchFamily="49" charset="0"/>
+              </a:rPr>
+              <a:t>:</a:t>
+            </a:r>
+            <a:r>
+              <a:rPr lang="en-AU" sz="2400" dirty="0">
+                <a:solidFill>
+                  <a:srgbClr val="EBDBB2"/>
+                </a:solidFill>
+                <a:latin typeface="Menlo" panose="020B0609030804020204" pitchFamily="49" charset="0"/>
+              </a:rPr>
+              <a:t> </a:t>
+            </a:r>
+            <a:r>
+              <a:rPr lang="en-AU" sz="2400" dirty="0">
+                <a:solidFill>
+                  <a:srgbClr val="B8BB26"/>
+                </a:solidFill>
+                <a:latin typeface="Menlo" panose="020B0609030804020204" pitchFamily="49" charset="0"/>
+              </a:rPr>
+              <a:t>host</a:t>
+            </a:r>
+            <a:endParaRPr lang="en-AU" sz="2400" dirty="0">
+              <a:solidFill>
+                <a:srgbClr val="EBDBB2"/>
+              </a:solidFill>
+              <a:latin typeface="Menlo" panose="020B0609030804020204" pitchFamily="49" charset="0"/>
+            </a:endParaRPr>
+          </a:p>
+          <a:p>
+            <a:r>
+              <a:rPr lang="en-AU" sz="2400" dirty="0">
+                <a:solidFill>
+                  <a:srgbClr val="8EC07C"/>
+                </a:solidFill>
+                <a:latin typeface="Menlo" panose="020B0609030804020204" pitchFamily="49" charset="0"/>
+              </a:rPr>
+              <a:t>  name</a:t>
+            </a:r>
+            <a:r>
+              <a:rPr lang="en-AU" sz="2400" dirty="0">
+                <a:solidFill>
+                  <a:srgbClr val="A89984"/>
+                </a:solidFill>
+                <a:latin typeface="Menlo" panose="020B0609030804020204" pitchFamily="49" charset="0"/>
+              </a:rPr>
+              <a:t>:</a:t>
+            </a:r>
+            <a:r>
+              <a:rPr lang="en-AU" sz="2400" dirty="0">
+                <a:solidFill>
+                  <a:srgbClr val="EBDBB2"/>
+                </a:solidFill>
+                <a:latin typeface="Menlo" panose="020B0609030804020204" pitchFamily="49" charset="0"/>
+              </a:rPr>
+              <a:t> </a:t>
+            </a:r>
+            <a:r>
+              <a:rPr lang="en-AU" sz="2400" dirty="0" err="1">
+                <a:solidFill>
+                  <a:srgbClr val="B8BB26"/>
+                </a:solidFill>
+                <a:latin typeface="Menlo" panose="020B0609030804020204" pitchFamily="49" charset="0"/>
+              </a:rPr>
+              <a:t>rabbitmq</a:t>
+            </a:r>
+            <a:r>
+              <a:rPr lang="en-AU" sz="2400" dirty="0">
+                <a:solidFill>
+                  <a:srgbClr val="B8BB26"/>
+                </a:solidFill>
+                <a:latin typeface="Menlo" panose="020B0609030804020204" pitchFamily="49" charset="0"/>
+              </a:rPr>
+              <a:t>-consumer-secret</a:t>
+            </a:r>
+            <a:endParaRPr lang="en-AU" sz="2400" dirty="0">
+              <a:solidFill>
+                <a:srgbClr val="EBDBB2"/>
+              </a:solidFill>
+              <a:latin typeface="Menlo" panose="020B0609030804020204" pitchFamily="49" charset="0"/>
+            </a:endParaRPr>
+          </a:p>
+          <a:p>
+            <a:r>
+              <a:rPr lang="en-AU" sz="2400" dirty="0">
+                <a:solidFill>
+                  <a:srgbClr val="8EC07C"/>
+                </a:solidFill>
+                <a:latin typeface="Menlo" panose="020B0609030804020204" pitchFamily="49" charset="0"/>
+              </a:rPr>
+              <a:t>  key</a:t>
+            </a:r>
+            <a:r>
+              <a:rPr lang="en-AU" sz="2400" dirty="0">
+                <a:solidFill>
+                  <a:srgbClr val="A89984"/>
+                </a:solidFill>
+                <a:latin typeface="Menlo" panose="020B0609030804020204" pitchFamily="49" charset="0"/>
+              </a:rPr>
+              <a:t>:</a:t>
+            </a:r>
+            <a:r>
+              <a:rPr lang="en-AU" sz="2400" dirty="0">
+                <a:solidFill>
+                  <a:srgbClr val="EBDBB2"/>
+                </a:solidFill>
+                <a:latin typeface="Menlo" panose="020B0609030804020204" pitchFamily="49" charset="0"/>
+              </a:rPr>
+              <a:t> </a:t>
+            </a:r>
+            <a:r>
+              <a:rPr lang="en-AU" sz="2400" dirty="0" err="1">
+                <a:solidFill>
+                  <a:srgbClr val="B8BB26"/>
+                </a:solidFill>
+                <a:latin typeface="Menlo" panose="020B0609030804020204" pitchFamily="49" charset="0"/>
+              </a:rPr>
+              <a:t>RabbitMqHost</a:t>
+            </a:r>
+            <a:endParaRPr lang="en-AU" sz="2400" b="0" dirty="0">
+              <a:solidFill>
+                <a:srgbClr val="EBDBB2"/>
+              </a:solidFill>
+              <a:effectLst/>
+              <a:latin typeface="Menlo" panose="020B0609030804020204" pitchFamily="49" charset="0"/>
+            </a:endParaRPr>
+          </a:p>
+        </p:txBody>
+      </p:sp>
+    </p:spTree>
+    <p:extLst>
+      <p:ext uri="{BB962C8B-B14F-4D97-AF65-F5344CB8AC3E}">
+        <p14:creationId xmlns:p14="http://schemas.microsoft.com/office/powerpoint/2010/main" val="954341649"/>
+      </p:ext>
+    </p:extLst>
+  </p:cSld>
+  <p:clrMapOvr>
+    <a:masterClrMapping/>
+  </p:clrMapOvr>
+</p:sld>
+</file>
+
+<file path=ppt/slides/slide24.xml><?xml version="1.0" encoding="utf-8"?>
+<p:sld xmlns:a="http://schemas.openxmlformats.org/drawingml/2006/main" xmlns:r="http://schemas.openxmlformats.org/officeDocument/2006/relationships" xmlns:p="http://schemas.openxmlformats.org/presentationml/2006/main">
+  <p:cSld>
+    <p:spTree>
+      <p:nvGrpSpPr>
+        <p:cNvPr id="1" name=""/>
+        <p:cNvGrpSpPr/>
+        <p:nvPr/>
+      </p:nvGrpSpPr>
+      <p:grpSpPr>
+        <a:xfrm>
+          <a:off x="0" y="0"/>
+          <a:ext cx="0" cy="0"/>
+          <a:chOff x="0" y="0"/>
+          <a:chExt cx="0" cy="0"/>
+        </a:xfrm>
+      </p:grpSpPr>
+      <p:sp>
+        <p:nvSpPr>
+          <p:cNvPr id="2" name="Rectangle 1">
+            <a:extLst>
+              <a:ext uri="{FF2B5EF4-FFF2-40B4-BE49-F238E27FC236}">
+                <a16:creationId xmlns:a16="http://schemas.microsoft.com/office/drawing/2014/main" id="{00DF8EFD-5803-CE43-B2E1-6A6188BE4530}"/>
+              </a:ext>
+            </a:extLst>
+          </p:cNvPr>
+          <p:cNvSpPr/>
+          <p:nvPr/>
+        </p:nvSpPr>
+        <p:spPr>
+          <a:xfrm>
+            <a:off x="2932632" y="2090172"/>
+            <a:ext cx="6326736" cy="2677656"/>
+          </a:xfrm>
+          <a:prstGeom prst="rect">
+            <a:avLst/>
+          </a:prstGeom>
+        </p:spPr>
+        <p:txBody>
+          <a:bodyPr wrap="square">
+            <a:spAutoFit/>
+          </a:bodyPr>
+          <a:lstStyle/>
+          <a:p>
+            <a:r>
+              <a:rPr lang="en-US" sz="2400" dirty="0" err="1">
+                <a:solidFill>
+                  <a:srgbClr val="FC5DBA"/>
+                </a:solidFill>
+                <a:latin typeface="Courier" pitchFamily="2" charset="0"/>
+              </a:rPr>
+              <a:t>apiVersion</a:t>
+            </a:r>
+            <a:r>
+              <a:rPr lang="en-US" sz="2400" dirty="0">
+                <a:solidFill>
+                  <a:srgbClr val="F6F6EF"/>
+                </a:solidFill>
+                <a:latin typeface="Courier" pitchFamily="2" charset="0"/>
+              </a:rPr>
+              <a:t>: keda.k8s.io/v1alpha1</a:t>
+            </a:r>
+          </a:p>
+          <a:p>
+            <a:r>
+              <a:rPr lang="en-US" sz="2400" dirty="0">
+                <a:solidFill>
+                  <a:srgbClr val="FC5DBA"/>
+                </a:solidFill>
+                <a:latin typeface="Courier" pitchFamily="2" charset="0"/>
+              </a:rPr>
+              <a:t>kind</a:t>
+            </a:r>
+            <a:r>
+              <a:rPr lang="en-US" sz="2400" dirty="0">
+                <a:solidFill>
+                  <a:srgbClr val="F6F6EF"/>
+                </a:solidFill>
+                <a:latin typeface="Courier" pitchFamily="2" charset="0"/>
+              </a:rPr>
+              <a:t>: </a:t>
+            </a:r>
+            <a:r>
+              <a:rPr lang="en-US" sz="2400" dirty="0" err="1">
+                <a:solidFill>
+                  <a:srgbClr val="F6F6EF"/>
+                </a:solidFill>
+                <a:latin typeface="Courier" pitchFamily="2" charset="0"/>
+              </a:rPr>
+              <a:t>TriggerAuthentication</a:t>
+            </a:r>
+            <a:endParaRPr lang="en-US" sz="2400" dirty="0">
+              <a:solidFill>
+                <a:srgbClr val="F6F6EF"/>
+              </a:solidFill>
+              <a:latin typeface="Courier" pitchFamily="2" charset="0"/>
+            </a:endParaRPr>
+          </a:p>
+          <a:p>
+            <a:r>
+              <a:rPr lang="en-US" sz="2400" dirty="0">
+                <a:solidFill>
+                  <a:srgbClr val="FC5DBA"/>
+                </a:solidFill>
+                <a:latin typeface="Courier" pitchFamily="2" charset="0"/>
+              </a:rPr>
+              <a:t>metadata</a:t>
+            </a:r>
+            <a:r>
+              <a:rPr lang="en-US" sz="2400" dirty="0">
+                <a:solidFill>
+                  <a:srgbClr val="F6F6EF"/>
+                </a:solidFill>
+                <a:latin typeface="Courier" pitchFamily="2" charset="0"/>
+              </a:rPr>
+              <a:t>:  </a:t>
+            </a:r>
+          </a:p>
+          <a:p>
+            <a:r>
+              <a:rPr lang="en-US" sz="2400" dirty="0">
+                <a:solidFill>
+                  <a:srgbClr val="F6F6EF"/>
+                </a:solidFill>
+                <a:latin typeface="Courier" pitchFamily="2" charset="0"/>
+              </a:rPr>
+              <a:t>	</a:t>
+            </a:r>
+            <a:r>
+              <a:rPr lang="en-US" sz="2400" dirty="0">
+                <a:solidFill>
+                  <a:srgbClr val="FC5DBA"/>
+                </a:solidFill>
+                <a:latin typeface="Courier" pitchFamily="2" charset="0"/>
+              </a:rPr>
+              <a:t>name</a:t>
+            </a:r>
+            <a:r>
+              <a:rPr lang="en-US" sz="2400" dirty="0">
+                <a:solidFill>
+                  <a:srgbClr val="F6F6EF"/>
+                </a:solidFill>
+                <a:latin typeface="Courier" pitchFamily="2" charset="0"/>
+              </a:rPr>
+              <a:t>: azure-</a:t>
+            </a:r>
+            <a:r>
+              <a:rPr lang="en-US" sz="2400" dirty="0" err="1">
+                <a:solidFill>
+                  <a:srgbClr val="F6F6EF"/>
+                </a:solidFill>
+                <a:latin typeface="Courier" pitchFamily="2" charset="0"/>
+              </a:rPr>
+              <a:t>servicebus</a:t>
+            </a:r>
+            <a:r>
+              <a:rPr lang="en-US" sz="2400" dirty="0">
+                <a:solidFill>
+                  <a:srgbClr val="F6F6EF"/>
+                </a:solidFill>
+                <a:latin typeface="Courier" pitchFamily="2" charset="0"/>
+              </a:rPr>
+              <a:t>-auth</a:t>
+            </a:r>
+          </a:p>
+          <a:p>
+            <a:r>
+              <a:rPr lang="en-US" sz="2400" dirty="0">
+                <a:solidFill>
+                  <a:srgbClr val="FC5DBA"/>
+                </a:solidFill>
+                <a:latin typeface="Courier" pitchFamily="2" charset="0"/>
+              </a:rPr>
+              <a:t>spec</a:t>
+            </a:r>
+            <a:r>
+              <a:rPr lang="en-US" sz="2400" dirty="0">
+                <a:solidFill>
+                  <a:srgbClr val="F6F6EF"/>
+                </a:solidFill>
+                <a:latin typeface="Courier" pitchFamily="2" charset="0"/>
+              </a:rPr>
+              <a:t>:  </a:t>
+            </a:r>
+          </a:p>
+          <a:p>
+            <a:r>
+              <a:rPr lang="en-US" sz="2400" dirty="0">
+                <a:solidFill>
+                  <a:srgbClr val="F6F6EF"/>
+                </a:solidFill>
+                <a:latin typeface="Courier" pitchFamily="2" charset="0"/>
+              </a:rPr>
+              <a:t>	</a:t>
+            </a:r>
+            <a:r>
+              <a:rPr lang="en-US" sz="2400" dirty="0" err="1">
+                <a:solidFill>
+                  <a:srgbClr val="FC5DBA"/>
+                </a:solidFill>
+                <a:latin typeface="Courier" pitchFamily="2" charset="0"/>
+              </a:rPr>
+              <a:t>podIdentity</a:t>
+            </a:r>
+            <a:r>
+              <a:rPr lang="en-US" sz="2400" dirty="0">
+                <a:solidFill>
+                  <a:srgbClr val="F6F6EF"/>
+                </a:solidFill>
+                <a:latin typeface="Courier" pitchFamily="2" charset="0"/>
+              </a:rPr>
+              <a:t>:    </a:t>
+            </a:r>
+          </a:p>
+          <a:p>
+            <a:r>
+              <a:rPr lang="en-US" sz="2400" dirty="0">
+                <a:solidFill>
+                  <a:srgbClr val="F6F6EF"/>
+                </a:solidFill>
+                <a:latin typeface="Courier" pitchFamily="2" charset="0"/>
+              </a:rPr>
+              <a:t>		</a:t>
+            </a:r>
+            <a:r>
+              <a:rPr lang="en-US" sz="2400" dirty="0">
+                <a:solidFill>
+                  <a:srgbClr val="FC5DBA"/>
+                </a:solidFill>
+                <a:latin typeface="Courier" pitchFamily="2" charset="0"/>
+              </a:rPr>
+              <a:t>provider</a:t>
+            </a:r>
+            <a:r>
+              <a:rPr lang="en-US" sz="2400" dirty="0">
+                <a:solidFill>
+                  <a:srgbClr val="F6F6EF"/>
+                </a:solidFill>
+                <a:latin typeface="Courier" pitchFamily="2" charset="0"/>
+              </a:rPr>
+              <a:t>: azure</a:t>
+            </a:r>
+            <a:endParaRPr lang="en-US" sz="2400" dirty="0"/>
+          </a:p>
+        </p:txBody>
+      </p:sp>
+    </p:spTree>
+    <p:extLst>
+      <p:ext uri="{BB962C8B-B14F-4D97-AF65-F5344CB8AC3E}">
+        <p14:creationId xmlns:p14="http://schemas.microsoft.com/office/powerpoint/2010/main" val="1117636686"/>
+      </p:ext>
+    </p:extLst>
+  </p:cSld>
+  <p:clrMapOvr>
+    <a:masterClrMapping/>
+  </p:clrMapOvr>
+</p:sld>
+</file>
+
+<file path=ppt/slides/slide25.xml><?xml version="1.0" encoding="utf-8"?>
 <p:sld xmlns:a="http://schemas.openxmlformats.org/drawingml/2006/main" xmlns:r="http://schemas.openxmlformats.org/officeDocument/2006/relationships" xmlns:p="http://schemas.openxmlformats.org/presentationml/2006/main">
   <p:cSld>
     <p:spTree>

--- a/preso.pptx
+++ b/preso.pptx
@@ -5,7 +5,7 @@
     <p:sldMasterId id="2147483660" r:id="rId1"/>
   </p:sldMasterIdLst>
   <p:notesMasterIdLst>
-    <p:notesMasterId r:id="rId27"/>
+    <p:notesMasterId r:id="rId28"/>
   </p:notesMasterIdLst>
   <p:sldIdLst>
     <p:sldId id="256" r:id="rId2"/>
@@ -18,8 +18,8 @@
     <p:sldId id="258" r:id="rId9"/>
     <p:sldId id="264" r:id="rId10"/>
     <p:sldId id="259" r:id="rId11"/>
-    <p:sldId id="261" r:id="rId12"/>
-    <p:sldId id="269" r:id="rId13"/>
+    <p:sldId id="269" r:id="rId12"/>
+    <p:sldId id="261" r:id="rId13"/>
     <p:sldId id="260" r:id="rId14"/>
     <p:sldId id="271" r:id="rId15"/>
     <p:sldId id="275" r:id="rId16"/>
@@ -29,10 +29,11 @@
     <p:sldId id="274" r:id="rId20"/>
     <p:sldId id="276" r:id="rId21"/>
     <p:sldId id="277" r:id="rId22"/>
-    <p:sldId id="278" r:id="rId23"/>
-    <p:sldId id="279" r:id="rId24"/>
-    <p:sldId id="280" r:id="rId25"/>
-    <p:sldId id="272" r:id="rId26"/>
+    <p:sldId id="281" r:id="rId23"/>
+    <p:sldId id="278" r:id="rId24"/>
+    <p:sldId id="279" r:id="rId25"/>
+    <p:sldId id="280" r:id="rId26"/>
+    <p:sldId id="272" r:id="rId27"/>
   </p:sldIdLst>
   <p:sldSz cx="12192000" cy="6858000"/>
   <p:notesSz cx="6858000" cy="9144000"/>
@@ -731,7 +732,7 @@
           <a:p>
             <a:fld id="{B786E5CD-0DE5-2548-BADF-C53099846BB2}" type="slidenum">
               <a:rPr lang="en-US" smtClean="0"/>
-              <a:t>23</a:t>
+              <a:t>24</a:t>
             </a:fld>
             <a:endParaRPr lang="en-US"/>
           </a:p>
@@ -818,7 +819,7 @@
           <a:p>
             <a:fld id="{B786E5CD-0DE5-2548-BADF-C53099846BB2}" type="slidenum">
               <a:rPr lang="en-US" smtClean="0"/>
-              <a:t>24</a:t>
+              <a:t>25</a:t>
             </a:fld>
             <a:endParaRPr lang="en-US"/>
           </a:p>
@@ -3917,6 +3918,477 @@
 </file>
 
 <file path=ppt/slides/slide11.xml><?xml version="1.0" encoding="utf-8"?>
+<p:sld xmlns:a="http://schemas.openxmlformats.org/drawingml/2006/main" xmlns:r="http://schemas.openxmlformats.org/officeDocument/2006/relationships" xmlns:p="http://schemas.openxmlformats.org/presentationml/2006/main">
+  <p:cSld>
+    <p:spTree>
+      <p:nvGrpSpPr>
+        <p:cNvPr id="1" name=""/>
+        <p:cNvGrpSpPr/>
+        <p:nvPr/>
+      </p:nvGrpSpPr>
+      <p:grpSpPr>
+        <a:xfrm>
+          <a:off x="0" y="0"/>
+          <a:ext cx="0" cy="0"/>
+          <a:chOff x="0" y="0"/>
+          <a:chExt cx="0" cy="0"/>
+        </a:xfrm>
+      </p:grpSpPr>
+      <p:sp>
+        <p:nvSpPr>
+          <p:cNvPr id="2" name="Rectangle 1">
+            <a:extLst>
+              <a:ext uri="{FF2B5EF4-FFF2-40B4-BE49-F238E27FC236}">
+                <a16:creationId xmlns:a16="http://schemas.microsoft.com/office/drawing/2014/main" id="{A3AD2D6A-50B8-1A4C-ACBE-CB6646F5EA8A}"/>
+              </a:ext>
+            </a:extLst>
+          </p:cNvPr>
+          <p:cNvSpPr/>
+          <p:nvPr/>
+        </p:nvSpPr>
+        <p:spPr>
+          <a:xfrm>
+            <a:off x="1844467" y="3105835"/>
+            <a:ext cx="8503066" cy="400110"/>
+          </a:xfrm>
+          <a:prstGeom prst="rect">
+            <a:avLst/>
+          </a:prstGeom>
+        </p:spPr>
+        <p:txBody>
+          <a:bodyPr wrap="square">
+            <a:spAutoFit/>
+          </a:bodyPr>
+          <a:lstStyle/>
+          <a:p>
+            <a:r>
+              <a:rPr lang="en-AU" sz="2000" dirty="0">
+                <a:solidFill>
+                  <a:schemeClr val="accent1">
+                    <a:lumMod val="75000"/>
+                  </a:schemeClr>
+                </a:solidFill>
+              </a:rPr>
+              <a:t> </a:t>
+            </a:r>
+            <a:r>
+              <a:rPr lang="en-AU" sz="2000" dirty="0" err="1">
+                <a:solidFill>
+                  <a:schemeClr val="tx1">
+                    <a:lumMod val="65000"/>
+                  </a:schemeClr>
+                </a:solidFill>
+              </a:rPr>
+              <a:t>currentReplicas</a:t>
+            </a:r>
+            <a:r>
+              <a:rPr lang="en-AU" sz="2000" dirty="0">
+                <a:solidFill>
+                  <a:schemeClr val="accent1">
+                    <a:lumMod val="75000"/>
+                  </a:schemeClr>
+                </a:solidFill>
+              </a:rPr>
+              <a:t> + </a:t>
+            </a:r>
+            <a:r>
+              <a:rPr lang="en-AU" sz="2000" dirty="0" err="1">
+                <a:solidFill>
+                  <a:schemeClr val="accent2"/>
+                </a:solidFill>
+              </a:rPr>
+              <a:t>desiredReplicas</a:t>
+            </a:r>
+            <a:r>
+              <a:rPr lang="en-AU" sz="2000" dirty="0"/>
+              <a:t>  =  </a:t>
+            </a:r>
+            <a:r>
+              <a:rPr lang="en-AU" sz="2000" dirty="0" err="1">
+                <a:solidFill>
+                  <a:schemeClr val="accent5"/>
+                </a:solidFill>
+              </a:rPr>
+              <a:t>currentMetricValue</a:t>
+            </a:r>
+            <a:r>
+              <a:rPr lang="en-AU" sz="2000" dirty="0"/>
+              <a:t> / </a:t>
+            </a:r>
+            <a:r>
+              <a:rPr lang="en-AU" sz="2000" dirty="0" err="1">
+                <a:solidFill>
+                  <a:schemeClr val="accent6"/>
+                </a:solidFill>
+              </a:rPr>
+              <a:t>targetMetricValue</a:t>
+            </a:r>
+            <a:r>
+              <a:rPr lang="en-AU" sz="2000" dirty="0"/>
+              <a:t> </a:t>
+            </a:r>
+          </a:p>
+        </p:txBody>
+      </p:sp>
+      <p:sp>
+        <p:nvSpPr>
+          <p:cNvPr id="3" name="Rectangle 2">
+            <a:extLst>
+              <a:ext uri="{FF2B5EF4-FFF2-40B4-BE49-F238E27FC236}">
+                <a16:creationId xmlns:a16="http://schemas.microsoft.com/office/drawing/2014/main" id="{7A421F11-B5CC-614A-8638-EC475B4F214F}"/>
+              </a:ext>
+            </a:extLst>
+          </p:cNvPr>
+          <p:cNvSpPr/>
+          <p:nvPr/>
+        </p:nvSpPr>
+        <p:spPr>
+          <a:xfrm>
+            <a:off x="1844467" y="3508114"/>
+            <a:ext cx="8503066" cy="400110"/>
+          </a:xfrm>
+          <a:prstGeom prst="rect">
+            <a:avLst/>
+          </a:prstGeom>
+        </p:spPr>
+        <p:txBody>
+          <a:bodyPr wrap="square">
+            <a:spAutoFit/>
+          </a:bodyPr>
+          <a:lstStyle/>
+          <a:p>
+            <a:r>
+              <a:rPr lang="en-AU" sz="2000" dirty="0"/>
+              <a:t>             </a:t>
+            </a:r>
+            <a:r>
+              <a:rPr lang="en-AU" sz="2000" dirty="0">
+                <a:solidFill>
+                  <a:schemeClr val="tx1">
+                    <a:lumMod val="65000"/>
+                  </a:schemeClr>
+                </a:solidFill>
+              </a:rPr>
+              <a:t>1</a:t>
+            </a:r>
+            <a:r>
+              <a:rPr lang="en-AU" sz="2000" dirty="0"/>
+              <a:t>              +             </a:t>
+            </a:r>
+            <a:r>
+              <a:rPr lang="en-AU" sz="2000" dirty="0">
+                <a:solidFill>
+                  <a:srgbClr val="C00000"/>
+                </a:solidFill>
+              </a:rPr>
+              <a:t>  </a:t>
+            </a:r>
+            <a:r>
+              <a:rPr lang="en-AU" sz="2000" dirty="0"/>
+              <a:t>                 =                                      /                  </a:t>
+            </a:r>
+            <a:r>
+              <a:rPr lang="en-AU" sz="2000" dirty="0">
+                <a:solidFill>
+                  <a:schemeClr val="accent6"/>
+                </a:solidFill>
+              </a:rPr>
+              <a:t>2</a:t>
+            </a:r>
+            <a:r>
+              <a:rPr lang="en-AU" sz="2000" dirty="0"/>
+              <a:t>                </a:t>
+            </a:r>
+            <a:endParaRPr lang="en-US" sz="2000" dirty="0"/>
+          </a:p>
+        </p:txBody>
+      </p:sp>
+      <p:sp>
+        <p:nvSpPr>
+          <p:cNvPr id="4" name="TextBox 3">
+            <a:extLst>
+              <a:ext uri="{FF2B5EF4-FFF2-40B4-BE49-F238E27FC236}">
+                <a16:creationId xmlns:a16="http://schemas.microsoft.com/office/drawing/2014/main" id="{93BAA285-0118-0142-8CFB-90D6C0F6BF1F}"/>
+              </a:ext>
+            </a:extLst>
+          </p:cNvPr>
+          <p:cNvSpPr txBox="1"/>
+          <p:nvPr/>
+        </p:nvSpPr>
+        <p:spPr>
+          <a:xfrm>
+            <a:off x="6588808" y="3538892"/>
+            <a:ext cx="418744" cy="369332"/>
+          </a:xfrm>
+          <a:prstGeom prst="rect">
+            <a:avLst/>
+          </a:prstGeom>
+          <a:noFill/>
+        </p:spPr>
+        <p:txBody>
+          <a:bodyPr wrap="square" rtlCol="0">
+            <a:spAutoFit/>
+          </a:bodyPr>
+          <a:lstStyle/>
+          <a:p>
+            <a:r>
+              <a:rPr lang="en-US" dirty="0">
+                <a:solidFill>
+                  <a:schemeClr val="accent5"/>
+                </a:solidFill>
+              </a:rPr>
+              <a:t>10</a:t>
+            </a:r>
+          </a:p>
+        </p:txBody>
+      </p:sp>
+      <p:sp>
+        <p:nvSpPr>
+          <p:cNvPr id="5" name="TextBox 4">
+            <a:extLst>
+              <a:ext uri="{FF2B5EF4-FFF2-40B4-BE49-F238E27FC236}">
+                <a16:creationId xmlns:a16="http://schemas.microsoft.com/office/drawing/2014/main" id="{2C45A523-32F2-1A46-B9AB-804C4A9AF844}"/>
+              </a:ext>
+            </a:extLst>
+          </p:cNvPr>
+          <p:cNvSpPr txBox="1"/>
+          <p:nvPr/>
+        </p:nvSpPr>
+        <p:spPr>
+          <a:xfrm>
+            <a:off x="4314202" y="3505945"/>
+            <a:ext cx="418744" cy="369332"/>
+          </a:xfrm>
+          <a:prstGeom prst="rect">
+            <a:avLst/>
+          </a:prstGeom>
+          <a:noFill/>
+        </p:spPr>
+        <p:txBody>
+          <a:bodyPr wrap="square" rtlCol="0">
+            <a:spAutoFit/>
+          </a:bodyPr>
+          <a:lstStyle/>
+          <a:p>
+            <a:r>
+              <a:rPr lang="en-US" dirty="0">
+                <a:solidFill>
+                  <a:schemeClr val="accent2"/>
+                </a:solidFill>
+              </a:rPr>
+              <a:t>4</a:t>
+            </a:r>
+          </a:p>
+        </p:txBody>
+      </p:sp>
+    </p:spTree>
+    <p:extLst>
+      <p:ext uri="{BB962C8B-B14F-4D97-AF65-F5344CB8AC3E}">
+        <p14:creationId xmlns:p14="http://schemas.microsoft.com/office/powerpoint/2010/main" val="1722881955"/>
+      </p:ext>
+    </p:extLst>
+  </p:cSld>
+  <p:clrMapOvr>
+    <a:masterClrMapping/>
+  </p:clrMapOvr>
+  <p:timing>
+    <p:tnLst>
+      <p:par>
+        <p:cTn id="1" dur="indefinite" restart="never" nodeType="tmRoot">
+          <p:childTnLst>
+            <p:seq concurrent="1" nextAc="seek">
+              <p:cTn id="2" dur="indefinite" nodeType="mainSeq">
+                <p:childTnLst>
+                  <p:par>
+                    <p:cTn id="3" fill="hold">
+                      <p:stCondLst>
+                        <p:cond delay="indefinite"/>
+                      </p:stCondLst>
+                      <p:childTnLst>
+                        <p:par>
+                          <p:cTn id="4" fill="hold">
+                            <p:stCondLst>
+                              <p:cond delay="0"/>
+                            </p:stCondLst>
+                            <p:childTnLst>
+                              <p:par>
+                                <p:cTn id="5" presetID="10" presetClass="entr" presetSubtype="0" fill="hold" grpId="0" nodeType="clickEffect">
+                                  <p:stCondLst>
+                                    <p:cond delay="0"/>
+                                  </p:stCondLst>
+                                  <p:childTnLst>
+                                    <p:set>
+                                      <p:cBhvr>
+                                        <p:cTn id="6" dur="1" fill="hold">
+                                          <p:stCondLst>
+                                            <p:cond delay="0"/>
+                                          </p:stCondLst>
+                                        </p:cTn>
+                                        <p:tgtEl>
+                                          <p:spTgt spid="3"/>
+                                        </p:tgtEl>
+                                        <p:attrNameLst>
+                                          <p:attrName>style.visibility</p:attrName>
+                                        </p:attrNameLst>
+                                      </p:cBhvr>
+                                      <p:to>
+                                        <p:strVal val="visible"/>
+                                      </p:to>
+                                    </p:set>
+                                    <p:animEffect transition="in" filter="fade">
+                                      <p:cBhvr>
+                                        <p:cTn id="7" dur="500"/>
+                                        <p:tgtEl>
+                                          <p:spTgt spid="3"/>
+                                        </p:tgtEl>
+                                      </p:cBhvr>
+                                    </p:animEffect>
+                                  </p:childTnLst>
+                                </p:cTn>
+                              </p:par>
+                            </p:childTnLst>
+                          </p:cTn>
+                        </p:par>
+                      </p:childTnLst>
+                    </p:cTn>
+                  </p:par>
+                  <p:par>
+                    <p:cTn id="8" fill="hold">
+                      <p:stCondLst>
+                        <p:cond delay="indefinite"/>
+                      </p:stCondLst>
+                      <p:childTnLst>
+                        <p:par>
+                          <p:cTn id="9" fill="hold">
+                            <p:stCondLst>
+                              <p:cond delay="0"/>
+                            </p:stCondLst>
+                            <p:childTnLst>
+                              <p:par>
+                                <p:cTn id="10" presetID="10" presetClass="entr" presetSubtype="0" fill="hold" grpId="0" nodeType="clickEffect">
+                                  <p:stCondLst>
+                                    <p:cond delay="0"/>
+                                  </p:stCondLst>
+                                  <p:childTnLst>
+                                    <p:set>
+                                      <p:cBhvr>
+                                        <p:cTn id="11" dur="1" fill="hold">
+                                          <p:stCondLst>
+                                            <p:cond delay="0"/>
+                                          </p:stCondLst>
+                                        </p:cTn>
+                                        <p:tgtEl>
+                                          <p:spTgt spid="4"/>
+                                        </p:tgtEl>
+                                        <p:attrNameLst>
+                                          <p:attrName>style.visibility</p:attrName>
+                                        </p:attrNameLst>
+                                      </p:cBhvr>
+                                      <p:to>
+                                        <p:strVal val="visible"/>
+                                      </p:to>
+                                    </p:set>
+                                    <p:animEffect transition="in" filter="fade">
+                                      <p:cBhvr>
+                                        <p:cTn id="12" dur="500"/>
+                                        <p:tgtEl>
+                                          <p:spTgt spid="4"/>
+                                        </p:tgtEl>
+                                      </p:cBhvr>
+                                    </p:animEffect>
+                                  </p:childTnLst>
+                                </p:cTn>
+                              </p:par>
+                            </p:childTnLst>
+                          </p:cTn>
+                        </p:par>
+                      </p:childTnLst>
+                    </p:cTn>
+                  </p:par>
+                  <p:par>
+                    <p:cTn id="13" fill="hold">
+                      <p:stCondLst>
+                        <p:cond delay="indefinite"/>
+                      </p:stCondLst>
+                      <p:childTnLst>
+                        <p:par>
+                          <p:cTn id="14" fill="hold">
+                            <p:stCondLst>
+                              <p:cond delay="0"/>
+                            </p:stCondLst>
+                            <p:childTnLst>
+                              <p:par>
+                                <p:cTn id="15" presetID="10" presetClass="entr" presetSubtype="0" fill="hold" grpId="0" nodeType="clickEffect">
+                                  <p:stCondLst>
+                                    <p:cond delay="0"/>
+                                  </p:stCondLst>
+                                  <p:childTnLst>
+                                    <p:set>
+                                      <p:cBhvr>
+                                        <p:cTn id="16" dur="1" fill="hold">
+                                          <p:stCondLst>
+                                            <p:cond delay="0"/>
+                                          </p:stCondLst>
+                                        </p:cTn>
+                                        <p:tgtEl>
+                                          <p:spTgt spid="5"/>
+                                        </p:tgtEl>
+                                        <p:attrNameLst>
+                                          <p:attrName>style.visibility</p:attrName>
+                                        </p:attrNameLst>
+                                      </p:cBhvr>
+                                      <p:to>
+                                        <p:strVal val="visible"/>
+                                      </p:to>
+                                    </p:set>
+                                    <p:animEffect transition="in" filter="fade">
+                                      <p:cBhvr>
+                                        <p:cTn id="17" dur="500"/>
+                                        <p:tgtEl>
+                                          <p:spTgt spid="5"/>
+                                        </p:tgtEl>
+                                      </p:cBhvr>
+                                    </p:animEffect>
+                                  </p:childTnLst>
+                                </p:cTn>
+                              </p:par>
+                            </p:childTnLst>
+                          </p:cTn>
+                        </p:par>
+                      </p:childTnLst>
+                    </p:cTn>
+                  </p:par>
+                </p:childTnLst>
+              </p:cTn>
+              <p:prevCondLst>
+                <p:cond evt="onPrev" delay="0">
+                  <p:tgtEl>
+                    <p:sldTgt/>
+                  </p:tgtEl>
+                </p:cond>
+              </p:prevCondLst>
+              <p:nextCondLst>
+                <p:cond evt="onNext" delay="0">
+                  <p:tgtEl>
+                    <p:sldTgt/>
+                  </p:tgtEl>
+                </p:cond>
+              </p:nextCondLst>
+            </p:seq>
+          </p:childTnLst>
+        </p:cTn>
+      </p:par>
+    </p:tnLst>
+    <p:bldLst>
+      <p:bldP spid="3" grpId="0"/>
+      <p:bldP spid="4" grpId="0"/>
+      <p:bldP spid="5" grpId="0"/>
+    </p:bldLst>
+  </p:timing>
+</p:sld>
+</file>
+
+<file path=ppt/slides/slide12.xml><?xml version="1.0" encoding="utf-8"?>
 <p:sld xmlns:a="http://schemas.openxmlformats.org/drawingml/2006/main" xmlns:r="http://schemas.openxmlformats.org/officeDocument/2006/relationships" xmlns:p="http://schemas.openxmlformats.org/presentationml/2006/main">
   <p:cSld>
     <p:spTree>
@@ -5688,477 +6160,6 @@
       <p:bldP spid="16" grpId="0" animBg="1"/>
       <p:bldP spid="30" grpId="0"/>
       <p:bldP spid="33" grpId="0"/>
-    </p:bldLst>
-  </p:timing>
-</p:sld>
-</file>
-
-<file path=ppt/slides/slide12.xml><?xml version="1.0" encoding="utf-8"?>
-<p:sld xmlns:a="http://schemas.openxmlformats.org/drawingml/2006/main" xmlns:r="http://schemas.openxmlformats.org/officeDocument/2006/relationships" xmlns:p="http://schemas.openxmlformats.org/presentationml/2006/main">
-  <p:cSld>
-    <p:spTree>
-      <p:nvGrpSpPr>
-        <p:cNvPr id="1" name=""/>
-        <p:cNvGrpSpPr/>
-        <p:nvPr/>
-      </p:nvGrpSpPr>
-      <p:grpSpPr>
-        <a:xfrm>
-          <a:off x="0" y="0"/>
-          <a:ext cx="0" cy="0"/>
-          <a:chOff x="0" y="0"/>
-          <a:chExt cx="0" cy="0"/>
-        </a:xfrm>
-      </p:grpSpPr>
-      <p:sp>
-        <p:nvSpPr>
-          <p:cNvPr id="2" name="Rectangle 1">
-            <a:extLst>
-              <a:ext uri="{FF2B5EF4-FFF2-40B4-BE49-F238E27FC236}">
-                <a16:creationId xmlns:a16="http://schemas.microsoft.com/office/drawing/2014/main" id="{A3AD2D6A-50B8-1A4C-ACBE-CB6646F5EA8A}"/>
-              </a:ext>
-            </a:extLst>
-          </p:cNvPr>
-          <p:cNvSpPr/>
-          <p:nvPr/>
-        </p:nvSpPr>
-        <p:spPr>
-          <a:xfrm>
-            <a:off x="1844467" y="3105835"/>
-            <a:ext cx="8503066" cy="400110"/>
-          </a:xfrm>
-          <a:prstGeom prst="rect">
-            <a:avLst/>
-          </a:prstGeom>
-        </p:spPr>
-        <p:txBody>
-          <a:bodyPr wrap="square">
-            <a:spAutoFit/>
-          </a:bodyPr>
-          <a:lstStyle/>
-          <a:p>
-            <a:r>
-              <a:rPr lang="en-AU" sz="2000" dirty="0">
-                <a:solidFill>
-                  <a:schemeClr val="accent1">
-                    <a:lumMod val="75000"/>
-                  </a:schemeClr>
-                </a:solidFill>
-              </a:rPr>
-              <a:t> </a:t>
-            </a:r>
-            <a:r>
-              <a:rPr lang="en-AU" sz="2000" dirty="0" err="1">
-                <a:solidFill>
-                  <a:schemeClr val="tx1">
-                    <a:lumMod val="65000"/>
-                  </a:schemeClr>
-                </a:solidFill>
-              </a:rPr>
-              <a:t>currentReplicas</a:t>
-            </a:r>
-            <a:r>
-              <a:rPr lang="en-AU" sz="2000" dirty="0">
-                <a:solidFill>
-                  <a:schemeClr val="accent1">
-                    <a:lumMod val="75000"/>
-                  </a:schemeClr>
-                </a:solidFill>
-              </a:rPr>
-              <a:t> + </a:t>
-            </a:r>
-            <a:r>
-              <a:rPr lang="en-AU" sz="2000" dirty="0" err="1">
-                <a:solidFill>
-                  <a:schemeClr val="accent2"/>
-                </a:solidFill>
-              </a:rPr>
-              <a:t>desiredReplicas</a:t>
-            </a:r>
-            <a:r>
-              <a:rPr lang="en-AU" sz="2000" dirty="0"/>
-              <a:t>  =  </a:t>
-            </a:r>
-            <a:r>
-              <a:rPr lang="en-AU" sz="2000" dirty="0" err="1">
-                <a:solidFill>
-                  <a:schemeClr val="accent5"/>
-                </a:solidFill>
-              </a:rPr>
-              <a:t>currentMetricValue</a:t>
-            </a:r>
-            <a:r>
-              <a:rPr lang="en-AU" sz="2000" dirty="0"/>
-              <a:t> / </a:t>
-            </a:r>
-            <a:r>
-              <a:rPr lang="en-AU" sz="2000" dirty="0" err="1">
-                <a:solidFill>
-                  <a:schemeClr val="accent6"/>
-                </a:solidFill>
-              </a:rPr>
-              <a:t>targetMetricValue</a:t>
-            </a:r>
-            <a:r>
-              <a:rPr lang="en-AU" sz="2000" dirty="0"/>
-              <a:t> </a:t>
-            </a:r>
-          </a:p>
-        </p:txBody>
-      </p:sp>
-      <p:sp>
-        <p:nvSpPr>
-          <p:cNvPr id="3" name="Rectangle 2">
-            <a:extLst>
-              <a:ext uri="{FF2B5EF4-FFF2-40B4-BE49-F238E27FC236}">
-                <a16:creationId xmlns:a16="http://schemas.microsoft.com/office/drawing/2014/main" id="{7A421F11-B5CC-614A-8638-EC475B4F214F}"/>
-              </a:ext>
-            </a:extLst>
-          </p:cNvPr>
-          <p:cNvSpPr/>
-          <p:nvPr/>
-        </p:nvSpPr>
-        <p:spPr>
-          <a:xfrm>
-            <a:off x="1844467" y="3508114"/>
-            <a:ext cx="8503066" cy="400110"/>
-          </a:xfrm>
-          <a:prstGeom prst="rect">
-            <a:avLst/>
-          </a:prstGeom>
-        </p:spPr>
-        <p:txBody>
-          <a:bodyPr wrap="square">
-            <a:spAutoFit/>
-          </a:bodyPr>
-          <a:lstStyle/>
-          <a:p>
-            <a:r>
-              <a:rPr lang="en-AU" sz="2000" dirty="0"/>
-              <a:t>             </a:t>
-            </a:r>
-            <a:r>
-              <a:rPr lang="en-AU" sz="2000" dirty="0">
-                <a:solidFill>
-                  <a:schemeClr val="tx1">
-                    <a:lumMod val="65000"/>
-                  </a:schemeClr>
-                </a:solidFill>
-              </a:rPr>
-              <a:t>1</a:t>
-            </a:r>
-            <a:r>
-              <a:rPr lang="en-AU" sz="2000" dirty="0"/>
-              <a:t>              +             </a:t>
-            </a:r>
-            <a:r>
-              <a:rPr lang="en-AU" sz="2000" dirty="0">
-                <a:solidFill>
-                  <a:srgbClr val="C00000"/>
-                </a:solidFill>
-              </a:rPr>
-              <a:t>  </a:t>
-            </a:r>
-            <a:r>
-              <a:rPr lang="en-AU" sz="2000" dirty="0"/>
-              <a:t>                 =                                      /                  </a:t>
-            </a:r>
-            <a:r>
-              <a:rPr lang="en-AU" sz="2000" dirty="0">
-                <a:solidFill>
-                  <a:schemeClr val="accent6"/>
-                </a:solidFill>
-              </a:rPr>
-              <a:t>2</a:t>
-            </a:r>
-            <a:r>
-              <a:rPr lang="en-AU" sz="2000" dirty="0"/>
-              <a:t>                </a:t>
-            </a:r>
-            <a:endParaRPr lang="en-US" sz="2000" dirty="0"/>
-          </a:p>
-        </p:txBody>
-      </p:sp>
-      <p:sp>
-        <p:nvSpPr>
-          <p:cNvPr id="4" name="TextBox 3">
-            <a:extLst>
-              <a:ext uri="{FF2B5EF4-FFF2-40B4-BE49-F238E27FC236}">
-                <a16:creationId xmlns:a16="http://schemas.microsoft.com/office/drawing/2014/main" id="{93BAA285-0118-0142-8CFB-90D6C0F6BF1F}"/>
-              </a:ext>
-            </a:extLst>
-          </p:cNvPr>
-          <p:cNvSpPr txBox="1"/>
-          <p:nvPr/>
-        </p:nvSpPr>
-        <p:spPr>
-          <a:xfrm>
-            <a:off x="6588808" y="3538892"/>
-            <a:ext cx="418744" cy="369332"/>
-          </a:xfrm>
-          <a:prstGeom prst="rect">
-            <a:avLst/>
-          </a:prstGeom>
-          <a:noFill/>
-        </p:spPr>
-        <p:txBody>
-          <a:bodyPr wrap="square" rtlCol="0">
-            <a:spAutoFit/>
-          </a:bodyPr>
-          <a:lstStyle/>
-          <a:p>
-            <a:r>
-              <a:rPr lang="en-US" dirty="0">
-                <a:solidFill>
-                  <a:schemeClr val="accent5"/>
-                </a:solidFill>
-              </a:rPr>
-              <a:t>10</a:t>
-            </a:r>
-          </a:p>
-        </p:txBody>
-      </p:sp>
-      <p:sp>
-        <p:nvSpPr>
-          <p:cNvPr id="5" name="TextBox 4">
-            <a:extLst>
-              <a:ext uri="{FF2B5EF4-FFF2-40B4-BE49-F238E27FC236}">
-                <a16:creationId xmlns:a16="http://schemas.microsoft.com/office/drawing/2014/main" id="{2C45A523-32F2-1A46-B9AB-804C4A9AF844}"/>
-              </a:ext>
-            </a:extLst>
-          </p:cNvPr>
-          <p:cNvSpPr txBox="1"/>
-          <p:nvPr/>
-        </p:nvSpPr>
-        <p:spPr>
-          <a:xfrm>
-            <a:off x="4314202" y="3505945"/>
-            <a:ext cx="418744" cy="369332"/>
-          </a:xfrm>
-          <a:prstGeom prst="rect">
-            <a:avLst/>
-          </a:prstGeom>
-          <a:noFill/>
-        </p:spPr>
-        <p:txBody>
-          <a:bodyPr wrap="square" rtlCol="0">
-            <a:spAutoFit/>
-          </a:bodyPr>
-          <a:lstStyle/>
-          <a:p>
-            <a:r>
-              <a:rPr lang="en-US" dirty="0">
-                <a:solidFill>
-                  <a:schemeClr val="accent2"/>
-                </a:solidFill>
-              </a:rPr>
-              <a:t>4</a:t>
-            </a:r>
-          </a:p>
-        </p:txBody>
-      </p:sp>
-    </p:spTree>
-    <p:extLst>
-      <p:ext uri="{BB962C8B-B14F-4D97-AF65-F5344CB8AC3E}">
-        <p14:creationId xmlns:p14="http://schemas.microsoft.com/office/powerpoint/2010/main" val="1722881955"/>
-      </p:ext>
-    </p:extLst>
-  </p:cSld>
-  <p:clrMapOvr>
-    <a:masterClrMapping/>
-  </p:clrMapOvr>
-  <p:timing>
-    <p:tnLst>
-      <p:par>
-        <p:cTn id="1" dur="indefinite" restart="never" nodeType="tmRoot">
-          <p:childTnLst>
-            <p:seq concurrent="1" nextAc="seek">
-              <p:cTn id="2" dur="indefinite" nodeType="mainSeq">
-                <p:childTnLst>
-                  <p:par>
-                    <p:cTn id="3" fill="hold">
-                      <p:stCondLst>
-                        <p:cond delay="indefinite"/>
-                      </p:stCondLst>
-                      <p:childTnLst>
-                        <p:par>
-                          <p:cTn id="4" fill="hold">
-                            <p:stCondLst>
-                              <p:cond delay="0"/>
-                            </p:stCondLst>
-                            <p:childTnLst>
-                              <p:par>
-                                <p:cTn id="5" presetID="10" presetClass="entr" presetSubtype="0" fill="hold" grpId="0" nodeType="clickEffect">
-                                  <p:stCondLst>
-                                    <p:cond delay="0"/>
-                                  </p:stCondLst>
-                                  <p:childTnLst>
-                                    <p:set>
-                                      <p:cBhvr>
-                                        <p:cTn id="6" dur="1" fill="hold">
-                                          <p:stCondLst>
-                                            <p:cond delay="0"/>
-                                          </p:stCondLst>
-                                        </p:cTn>
-                                        <p:tgtEl>
-                                          <p:spTgt spid="3"/>
-                                        </p:tgtEl>
-                                        <p:attrNameLst>
-                                          <p:attrName>style.visibility</p:attrName>
-                                        </p:attrNameLst>
-                                      </p:cBhvr>
-                                      <p:to>
-                                        <p:strVal val="visible"/>
-                                      </p:to>
-                                    </p:set>
-                                    <p:animEffect transition="in" filter="fade">
-                                      <p:cBhvr>
-                                        <p:cTn id="7" dur="500"/>
-                                        <p:tgtEl>
-                                          <p:spTgt spid="3"/>
-                                        </p:tgtEl>
-                                      </p:cBhvr>
-                                    </p:animEffect>
-                                  </p:childTnLst>
-                                </p:cTn>
-                              </p:par>
-                            </p:childTnLst>
-                          </p:cTn>
-                        </p:par>
-                      </p:childTnLst>
-                    </p:cTn>
-                  </p:par>
-                  <p:par>
-                    <p:cTn id="8" fill="hold">
-                      <p:stCondLst>
-                        <p:cond delay="indefinite"/>
-                      </p:stCondLst>
-                      <p:childTnLst>
-                        <p:par>
-                          <p:cTn id="9" fill="hold">
-                            <p:stCondLst>
-                              <p:cond delay="0"/>
-                            </p:stCondLst>
-                            <p:childTnLst>
-                              <p:par>
-                                <p:cTn id="10" presetID="10" presetClass="entr" presetSubtype="0" fill="hold" grpId="0" nodeType="clickEffect">
-                                  <p:stCondLst>
-                                    <p:cond delay="0"/>
-                                  </p:stCondLst>
-                                  <p:childTnLst>
-                                    <p:set>
-                                      <p:cBhvr>
-                                        <p:cTn id="11" dur="1" fill="hold">
-                                          <p:stCondLst>
-                                            <p:cond delay="0"/>
-                                          </p:stCondLst>
-                                        </p:cTn>
-                                        <p:tgtEl>
-                                          <p:spTgt spid="4"/>
-                                        </p:tgtEl>
-                                        <p:attrNameLst>
-                                          <p:attrName>style.visibility</p:attrName>
-                                        </p:attrNameLst>
-                                      </p:cBhvr>
-                                      <p:to>
-                                        <p:strVal val="visible"/>
-                                      </p:to>
-                                    </p:set>
-                                    <p:animEffect transition="in" filter="fade">
-                                      <p:cBhvr>
-                                        <p:cTn id="12" dur="500"/>
-                                        <p:tgtEl>
-                                          <p:spTgt spid="4"/>
-                                        </p:tgtEl>
-                                      </p:cBhvr>
-                                    </p:animEffect>
-                                  </p:childTnLst>
-                                </p:cTn>
-                              </p:par>
-                            </p:childTnLst>
-                          </p:cTn>
-                        </p:par>
-                      </p:childTnLst>
-                    </p:cTn>
-                  </p:par>
-                  <p:par>
-                    <p:cTn id="13" fill="hold">
-                      <p:stCondLst>
-                        <p:cond delay="indefinite"/>
-                      </p:stCondLst>
-                      <p:childTnLst>
-                        <p:par>
-                          <p:cTn id="14" fill="hold">
-                            <p:stCondLst>
-                              <p:cond delay="0"/>
-                            </p:stCondLst>
-                            <p:childTnLst>
-                              <p:par>
-                                <p:cTn id="15" presetID="10" presetClass="entr" presetSubtype="0" fill="hold" grpId="0" nodeType="clickEffect">
-                                  <p:stCondLst>
-                                    <p:cond delay="0"/>
-                                  </p:stCondLst>
-                                  <p:childTnLst>
-                                    <p:set>
-                                      <p:cBhvr>
-                                        <p:cTn id="16" dur="1" fill="hold">
-                                          <p:stCondLst>
-                                            <p:cond delay="0"/>
-                                          </p:stCondLst>
-                                        </p:cTn>
-                                        <p:tgtEl>
-                                          <p:spTgt spid="5"/>
-                                        </p:tgtEl>
-                                        <p:attrNameLst>
-                                          <p:attrName>style.visibility</p:attrName>
-                                        </p:attrNameLst>
-                                      </p:cBhvr>
-                                      <p:to>
-                                        <p:strVal val="visible"/>
-                                      </p:to>
-                                    </p:set>
-                                    <p:animEffect transition="in" filter="fade">
-                                      <p:cBhvr>
-                                        <p:cTn id="17" dur="500"/>
-                                        <p:tgtEl>
-                                          <p:spTgt spid="5"/>
-                                        </p:tgtEl>
-                                      </p:cBhvr>
-                                    </p:animEffect>
-                                  </p:childTnLst>
-                                </p:cTn>
-                              </p:par>
-                            </p:childTnLst>
-                          </p:cTn>
-                        </p:par>
-                      </p:childTnLst>
-                    </p:cTn>
-                  </p:par>
-                </p:childTnLst>
-              </p:cTn>
-              <p:prevCondLst>
-                <p:cond evt="onPrev" delay="0">
-                  <p:tgtEl>
-                    <p:sldTgt/>
-                  </p:tgtEl>
-                </p:cond>
-              </p:prevCondLst>
-              <p:nextCondLst>
-                <p:cond evt="onNext" delay="0">
-                  <p:tgtEl>
-                    <p:sldTgt/>
-                  </p:tgtEl>
-                </p:cond>
-              </p:nextCondLst>
-            </p:seq>
-          </p:childTnLst>
-        </p:cTn>
-      </p:par>
-    </p:tnLst>
-    <p:bldLst>
-      <p:bldP spid="3" grpId="0"/>
-      <p:bldP spid="4" grpId="0"/>
-      <p:bldP spid="5" grpId="0"/>
     </p:bldLst>
   </p:timing>
 </p:sld>
@@ -9472,7 +9473,7 @@
                                         <p:tgtEl>
                                           <p:spTgt spid="9">
                                             <p:txEl>
-                                              <p:pRg st="2" end="2"/>
+                                              <p:pRg st="0" end="0"/>
                                             </p:txEl>
                                           </p:spTgt>
                                         </p:tgtEl>
@@ -9490,7 +9491,7 @@
                                         <p:tgtEl>
                                           <p:spTgt spid="9">
                                             <p:txEl>
-                                              <p:pRg st="2" end="2"/>
+                                              <p:pRg st="0" end="0"/>
                                             </p:txEl>
                                           </p:spTgt>
                                         </p:tgtEl>
@@ -9533,7 +9534,7 @@
                                         <p:tgtEl>
                                           <p:spTgt spid="9">
                                             <p:txEl>
-                                              <p:pRg st="0" end="0"/>
+                                              <p:pRg st="1" end="1"/>
                                             </p:txEl>
                                           </p:spTgt>
                                         </p:tgtEl>
@@ -9551,7 +9552,7 @@
                                         <p:tgtEl>
                                           <p:spTgt spid="9">
                                             <p:txEl>
-                                              <p:pRg st="0" end="0"/>
+                                              <p:pRg st="1" end="1"/>
                                             </p:txEl>
                                           </p:spTgt>
                                         </p:tgtEl>
@@ -9594,7 +9595,7 @@
                                         <p:tgtEl>
                                           <p:spTgt spid="9">
                                             <p:txEl>
-                                              <p:pRg st="1" end="1"/>
+                                              <p:pRg st="2" end="2"/>
                                             </p:txEl>
                                           </p:spTgt>
                                         </p:tgtEl>
@@ -9612,7 +9613,7 @@
                                         <p:tgtEl>
                                           <p:spTgt spid="9">
                                             <p:txEl>
-                                              <p:pRg st="1" end="1"/>
+                                              <p:pRg st="2" end="2"/>
                                             </p:txEl>
                                           </p:spTgt>
                                         </p:tgtEl>
@@ -10155,8 +10156,12 @@
           <a:lstStyle/>
           <a:p>
             <a:r>
-              <a:rPr lang="en-US" dirty="0" err="1"/>
-              <a:t>TriggerAuthentication</a:t>
+              <a:rPr lang="en-US" dirty="0"/>
+              <a:t>Let’s talk </a:t>
+            </a:r>
+            <a:r>
+              <a:rPr lang="en-US"/>
+              <a:t>about Cooldown Again</a:t>
             </a:r>
             <a:endParaRPr lang="en-US" dirty="0"/>
           </a:p>
@@ -10219,10 +10224,10 @@
       </p:grpSpPr>
       <p:sp>
         <p:nvSpPr>
-          <p:cNvPr id="2" name="Title 1">
+          <p:cNvPr id="4" name="Title 3">
             <a:extLst>
               <a:ext uri="{FF2B5EF4-FFF2-40B4-BE49-F238E27FC236}">
-                <a16:creationId xmlns:a16="http://schemas.microsoft.com/office/drawing/2014/main" id="{C696186D-2873-D64B-A221-7EFC31AAB74F}"/>
+                <a16:creationId xmlns:a16="http://schemas.microsoft.com/office/drawing/2014/main" id="{A8FA9065-A2C9-9F42-B178-C988801824D3}"/>
               </a:ext>
             </a:extLst>
           </p:cNvPr>
@@ -10230,7 +10235,7 @@
             <a:spLocks noGrp="1"/>
           </p:cNvSpPr>
           <p:nvPr>
-            <p:ph type="title"/>
+            <p:ph type="ctrTitle"/>
           </p:nvPr>
         </p:nvSpPr>
         <p:spPr/>
@@ -10248,10 +10253,10 @@
       </p:sp>
       <p:sp>
         <p:nvSpPr>
-          <p:cNvPr id="3" name="Content Placeholder 2">
+          <p:cNvPr id="5" name="Subtitle 4">
             <a:extLst>
               <a:ext uri="{FF2B5EF4-FFF2-40B4-BE49-F238E27FC236}">
-                <a16:creationId xmlns:a16="http://schemas.microsoft.com/office/drawing/2014/main" id="{543213A9-1EB7-B34D-95D3-82AE1B4AB37E}"/>
+                <a16:creationId xmlns:a16="http://schemas.microsoft.com/office/drawing/2014/main" id="{FB423C7E-4B44-B849-8D3E-354D61582ADE}"/>
               </a:ext>
             </a:extLst>
           </p:cNvPr>
@@ -10259,7 +10264,7 @@
             <a:spLocks noGrp="1"/>
           </p:cNvSpPr>
           <p:nvPr>
-            <p:ph idx="1"/>
+            <p:ph type="subTitle" idx="1"/>
           </p:nvPr>
         </p:nvSpPr>
         <p:spPr/>
@@ -10267,29 +10272,14 @@
           <a:bodyPr/>
           <a:lstStyle/>
           <a:p>
-            <a:r>
-              <a:rPr lang="en-US" dirty="0"/>
-              <a:t>Shared authentication</a:t>
-            </a:r>
-          </a:p>
-          <a:p>
-            <a:r>
-              <a:rPr lang="en-US" dirty="0"/>
-              <a:t>Support for referencing secrets directly</a:t>
-            </a:r>
-          </a:p>
-          <a:p>
-            <a:r>
-              <a:rPr lang="en-US" dirty="0"/>
-              <a:t>Managed Identity (e.g. Azure Pod Identity)</a:t>
-            </a:r>
+            <a:endParaRPr lang="en-US"/>
           </a:p>
         </p:txBody>
       </p:sp>
     </p:spTree>
     <p:extLst>
       <p:ext uri="{BB962C8B-B14F-4D97-AF65-F5344CB8AC3E}">
-        <p14:creationId xmlns:p14="http://schemas.microsoft.com/office/powerpoint/2010/main" val="656369938"/>
+        <p14:creationId xmlns:p14="http://schemas.microsoft.com/office/powerpoint/2010/main" val="2490197043"/>
       </p:ext>
     </p:extLst>
   </p:cSld>
@@ -10318,395 +10308,77 @@
       </p:grpSpPr>
       <p:sp>
         <p:nvSpPr>
-          <p:cNvPr id="4" name="Rectangle 3">
+          <p:cNvPr id="2" name="Title 1">
             <a:extLst>
               <a:ext uri="{FF2B5EF4-FFF2-40B4-BE49-F238E27FC236}">
-                <a16:creationId xmlns:a16="http://schemas.microsoft.com/office/drawing/2014/main" id="{25EE69ED-EE01-E04D-A7A4-55582069BCB3}"/>
+                <a16:creationId xmlns:a16="http://schemas.microsoft.com/office/drawing/2014/main" id="{C696186D-2873-D64B-A221-7EFC31AAB74F}"/>
               </a:ext>
             </a:extLst>
           </p:cNvPr>
-          <p:cNvSpPr/>
-          <p:nvPr/>
-        </p:nvSpPr>
-        <p:spPr>
-          <a:xfrm>
-            <a:off x="2998149" y="1367327"/>
-            <a:ext cx="7196984" cy="3785652"/>
-          </a:xfrm>
-          <a:prstGeom prst="rect">
-            <a:avLst/>
-          </a:prstGeom>
-        </p:spPr>
-        <p:txBody>
-          <a:bodyPr wrap="square">
-            <a:spAutoFit/>
-          </a:bodyPr>
+          <p:cNvSpPr>
+            <a:spLocks noGrp="1"/>
+          </p:cNvSpPr>
+          <p:nvPr>
+            <p:ph type="title"/>
+          </p:nvPr>
+        </p:nvSpPr>
+        <p:spPr/>
+        <p:txBody>
+          <a:bodyPr/>
           <a:lstStyle/>
           <a:p>
             <a:r>
-              <a:rPr lang="en-AU" sz="2400" dirty="0" err="1">
-                <a:solidFill>
-                  <a:srgbClr val="B8BB26">
-                    <a:alpha val="42000"/>
-                  </a:srgbClr>
-                </a:solidFill>
-                <a:latin typeface="Menlo" panose="020B0609030804020204" pitchFamily="49" charset="0"/>
-              </a:rPr>
-              <a:t>apiVersion</a:t>
-            </a:r>
-            <a:r>
-              <a:rPr lang="en-AU" sz="2400" dirty="0">
-                <a:solidFill>
-                  <a:srgbClr val="B8BB26">
-                    <a:alpha val="42000"/>
-                  </a:srgbClr>
-                </a:solidFill>
-                <a:latin typeface="Menlo" panose="020B0609030804020204" pitchFamily="49" charset="0"/>
-              </a:rPr>
-              <a:t>: keda.k8s.io/v1alpha1</a:t>
-            </a:r>
-          </a:p>
-          <a:p>
-            <a:r>
-              <a:rPr lang="en-AU" sz="2400" dirty="0">
-                <a:solidFill>
-                  <a:srgbClr val="8EC07C"/>
-                </a:solidFill>
-                <a:latin typeface="Menlo" panose="020B0609030804020204" pitchFamily="49" charset="0"/>
-              </a:rPr>
-              <a:t>kind</a:t>
-            </a:r>
-            <a:r>
-              <a:rPr lang="en-AU" sz="2400" dirty="0">
-                <a:solidFill>
-                  <a:srgbClr val="A89984"/>
-                </a:solidFill>
-                <a:latin typeface="Menlo" panose="020B0609030804020204" pitchFamily="49" charset="0"/>
-              </a:rPr>
-              <a:t>:</a:t>
-            </a:r>
-            <a:r>
-              <a:rPr lang="en-AU" sz="2400" dirty="0">
-                <a:solidFill>
-                  <a:srgbClr val="EBDBB2"/>
-                </a:solidFill>
-                <a:latin typeface="Menlo" panose="020B0609030804020204" pitchFamily="49" charset="0"/>
-              </a:rPr>
-              <a:t> </a:t>
-            </a:r>
-            <a:r>
-              <a:rPr lang="en-AU" sz="2400" dirty="0" err="1">
-                <a:solidFill>
-                  <a:srgbClr val="B8BB26"/>
-                </a:solidFill>
-                <a:latin typeface="Menlo" panose="020B0609030804020204" pitchFamily="49" charset="0"/>
-              </a:rPr>
+              <a:rPr lang="en-US" dirty="0" err="1"/>
               <a:t>TriggerAuthentication</a:t>
             </a:r>
-            <a:endParaRPr lang="en-AU" sz="2400" dirty="0">
-              <a:solidFill>
-                <a:srgbClr val="EBDBB2"/>
-              </a:solidFill>
-              <a:latin typeface="Menlo" panose="020B0609030804020204" pitchFamily="49" charset="0"/>
-            </a:endParaRPr>
-          </a:p>
-          <a:p>
-            <a:r>
-              <a:rPr lang="en-AU" sz="2400" dirty="0">
-                <a:solidFill>
-                  <a:srgbClr val="8EC07C">
-                    <a:alpha val="45000"/>
-                  </a:srgbClr>
-                </a:solidFill>
-                <a:latin typeface="Menlo" panose="020B0609030804020204" pitchFamily="49" charset="0"/>
-              </a:rPr>
-              <a:t>metadata:</a:t>
-            </a:r>
-          </a:p>
-          <a:p>
-            <a:r>
-              <a:rPr lang="en-AU" sz="2400" dirty="0">
-                <a:solidFill>
-                  <a:srgbClr val="8EC07C"/>
-                </a:solidFill>
-                <a:latin typeface="Menlo" panose="020B0609030804020204" pitchFamily="49" charset="0"/>
-              </a:rPr>
-              <a:t>name</a:t>
-            </a:r>
-            <a:r>
-              <a:rPr lang="en-AU" sz="2400" dirty="0">
-                <a:solidFill>
-                  <a:srgbClr val="A89984"/>
-                </a:solidFill>
-                <a:latin typeface="Menlo" panose="020B0609030804020204" pitchFamily="49" charset="0"/>
-              </a:rPr>
-              <a:t>:</a:t>
-            </a:r>
-            <a:r>
-              <a:rPr lang="en-AU" sz="2400" dirty="0">
-                <a:solidFill>
-                  <a:srgbClr val="EBDBB2"/>
-                </a:solidFill>
-                <a:latin typeface="Menlo" panose="020B0609030804020204" pitchFamily="49" charset="0"/>
-              </a:rPr>
-              <a:t> </a:t>
-            </a:r>
-            <a:r>
-              <a:rPr lang="en-AU" sz="2400" dirty="0" err="1">
-                <a:solidFill>
-                  <a:srgbClr val="B8BB26"/>
-                </a:solidFill>
-                <a:latin typeface="Menlo" panose="020B0609030804020204" pitchFamily="49" charset="0"/>
-              </a:rPr>
-              <a:t>rabbitmq</a:t>
-            </a:r>
-            <a:r>
-              <a:rPr lang="en-AU" sz="2400" dirty="0">
-                <a:solidFill>
-                  <a:srgbClr val="B8BB26"/>
-                </a:solidFill>
-                <a:latin typeface="Menlo" panose="020B0609030804020204" pitchFamily="49" charset="0"/>
-              </a:rPr>
-              <a:t>-consumer-trigger</a:t>
-            </a:r>
-            <a:endParaRPr lang="en-AU" sz="2400" dirty="0">
-              <a:solidFill>
-                <a:srgbClr val="EBDBB2"/>
-              </a:solidFill>
-              <a:latin typeface="Menlo" panose="020B0609030804020204" pitchFamily="49" charset="0"/>
-            </a:endParaRPr>
-          </a:p>
-          <a:p>
-            <a:r>
-              <a:rPr lang="en-AU" sz="2400" dirty="0">
-                <a:solidFill>
-                  <a:srgbClr val="B8BB26">
-                    <a:alpha val="42000"/>
-                  </a:srgbClr>
-                </a:solidFill>
-                <a:latin typeface="Menlo" panose="020B0609030804020204" pitchFamily="49" charset="0"/>
-              </a:rPr>
-              <a:t>namespace: default</a:t>
-            </a:r>
-          </a:p>
-          <a:p>
-            <a:r>
-              <a:rPr lang="en-AU" sz="2400" dirty="0">
-                <a:solidFill>
-                  <a:srgbClr val="8EC07C"/>
-                </a:solidFill>
-                <a:latin typeface="Menlo" panose="020B0609030804020204" pitchFamily="49" charset="0"/>
-              </a:rPr>
-              <a:t>spec</a:t>
-            </a:r>
-            <a:r>
-              <a:rPr lang="en-AU" sz="2400" dirty="0">
-                <a:solidFill>
-                  <a:srgbClr val="A89984"/>
-                </a:solidFill>
-                <a:latin typeface="Menlo" panose="020B0609030804020204" pitchFamily="49" charset="0"/>
-              </a:rPr>
-              <a:t>:</a:t>
-            </a:r>
-            <a:endParaRPr lang="en-AU" sz="2400" dirty="0">
-              <a:solidFill>
-                <a:srgbClr val="EBDBB2"/>
-              </a:solidFill>
-              <a:latin typeface="Menlo" panose="020B0609030804020204" pitchFamily="49" charset="0"/>
-            </a:endParaRPr>
-          </a:p>
-          <a:p>
-            <a:r>
-              <a:rPr lang="en-AU" sz="2400" dirty="0" err="1">
-                <a:solidFill>
-                  <a:srgbClr val="8EC07C"/>
-                </a:solidFill>
-                <a:latin typeface="Menlo" panose="020B0609030804020204" pitchFamily="49" charset="0"/>
-              </a:rPr>
-              <a:t>secretTargetRef</a:t>
-            </a:r>
-            <a:r>
-              <a:rPr lang="en-AU" sz="2400" dirty="0">
-                <a:solidFill>
-                  <a:srgbClr val="A89984"/>
-                </a:solidFill>
-                <a:latin typeface="Menlo" panose="020B0609030804020204" pitchFamily="49" charset="0"/>
-              </a:rPr>
-              <a:t>:</a:t>
-            </a:r>
-            <a:endParaRPr lang="en-AU" sz="2400" dirty="0">
-              <a:solidFill>
-                <a:srgbClr val="EBDBB2"/>
-              </a:solidFill>
-              <a:latin typeface="Menlo" panose="020B0609030804020204" pitchFamily="49" charset="0"/>
-            </a:endParaRPr>
-          </a:p>
-          <a:p>
-            <a:r>
-              <a:rPr lang="en-AU" sz="2400" dirty="0">
-                <a:solidFill>
-                  <a:srgbClr val="A89984"/>
-                </a:solidFill>
-                <a:latin typeface="Menlo" panose="020B0609030804020204" pitchFamily="49" charset="0"/>
-              </a:rPr>
-              <a:t>-</a:t>
-            </a:r>
-            <a:r>
-              <a:rPr lang="en-AU" sz="2400" dirty="0">
-                <a:solidFill>
-                  <a:srgbClr val="EBDBB2"/>
-                </a:solidFill>
-                <a:latin typeface="Menlo" panose="020B0609030804020204" pitchFamily="49" charset="0"/>
-              </a:rPr>
-              <a:t> </a:t>
-            </a:r>
-            <a:r>
-              <a:rPr lang="en-AU" sz="2400" dirty="0">
-                <a:solidFill>
-                  <a:srgbClr val="8EC07C"/>
-                </a:solidFill>
-                <a:latin typeface="Menlo" panose="020B0609030804020204" pitchFamily="49" charset="0"/>
-              </a:rPr>
-              <a:t>parameter</a:t>
-            </a:r>
-            <a:r>
-              <a:rPr lang="en-AU" sz="2400" dirty="0">
-                <a:solidFill>
-                  <a:srgbClr val="A89984"/>
-                </a:solidFill>
-                <a:latin typeface="Menlo" panose="020B0609030804020204" pitchFamily="49" charset="0"/>
-              </a:rPr>
-              <a:t>:</a:t>
-            </a:r>
-            <a:r>
-              <a:rPr lang="en-AU" sz="2400" dirty="0">
-                <a:solidFill>
-                  <a:srgbClr val="EBDBB2"/>
-                </a:solidFill>
-                <a:latin typeface="Menlo" panose="020B0609030804020204" pitchFamily="49" charset="0"/>
-              </a:rPr>
-              <a:t> </a:t>
-            </a:r>
-            <a:r>
-              <a:rPr lang="en-AU" sz="2400" dirty="0">
-                <a:solidFill>
-                  <a:srgbClr val="B8BB26"/>
-                </a:solidFill>
-                <a:latin typeface="Menlo" panose="020B0609030804020204" pitchFamily="49" charset="0"/>
-              </a:rPr>
-              <a:t>host</a:t>
-            </a:r>
-            <a:endParaRPr lang="en-AU" sz="2400" dirty="0">
-              <a:solidFill>
-                <a:srgbClr val="EBDBB2"/>
-              </a:solidFill>
-              <a:latin typeface="Menlo" panose="020B0609030804020204" pitchFamily="49" charset="0"/>
-            </a:endParaRPr>
-          </a:p>
-          <a:p>
-            <a:r>
-              <a:rPr lang="en-AU" sz="2400" dirty="0">
-                <a:solidFill>
-                  <a:srgbClr val="8EC07C"/>
-                </a:solidFill>
-                <a:latin typeface="Menlo" panose="020B0609030804020204" pitchFamily="49" charset="0"/>
-              </a:rPr>
-              <a:t>  name</a:t>
-            </a:r>
-            <a:r>
-              <a:rPr lang="en-AU" sz="2400" dirty="0">
-                <a:solidFill>
-                  <a:srgbClr val="A89984"/>
-                </a:solidFill>
-                <a:latin typeface="Menlo" panose="020B0609030804020204" pitchFamily="49" charset="0"/>
-              </a:rPr>
-              <a:t>:</a:t>
-            </a:r>
-            <a:r>
-              <a:rPr lang="en-AU" sz="2400" dirty="0">
-                <a:solidFill>
-                  <a:srgbClr val="EBDBB2"/>
-                </a:solidFill>
-                <a:latin typeface="Menlo" panose="020B0609030804020204" pitchFamily="49" charset="0"/>
-              </a:rPr>
-              <a:t> </a:t>
-            </a:r>
-            <a:r>
-              <a:rPr lang="en-AU" sz="2400" dirty="0" err="1">
-                <a:solidFill>
-                  <a:srgbClr val="B8BB26"/>
-                </a:solidFill>
-                <a:latin typeface="Menlo" panose="020B0609030804020204" pitchFamily="49" charset="0"/>
-              </a:rPr>
-              <a:t>rabbitmq</a:t>
-            </a:r>
-            <a:r>
-              <a:rPr lang="en-AU" sz="2400" dirty="0">
-                <a:solidFill>
-                  <a:srgbClr val="B8BB26"/>
-                </a:solidFill>
-                <a:latin typeface="Menlo" panose="020B0609030804020204" pitchFamily="49" charset="0"/>
-              </a:rPr>
-              <a:t>-consumer-secret</a:t>
-            </a:r>
-            <a:endParaRPr lang="en-AU" sz="2400" dirty="0">
-              <a:solidFill>
-                <a:srgbClr val="EBDBB2"/>
-              </a:solidFill>
-              <a:latin typeface="Menlo" panose="020B0609030804020204" pitchFamily="49" charset="0"/>
-            </a:endParaRPr>
-          </a:p>
-          <a:p>
-            <a:r>
-              <a:rPr lang="en-AU" sz="2400" dirty="0">
-                <a:solidFill>
-                  <a:srgbClr val="8EC07C"/>
-                </a:solidFill>
-                <a:latin typeface="Menlo" panose="020B0609030804020204" pitchFamily="49" charset="0"/>
-              </a:rPr>
-              <a:t>  key</a:t>
-            </a:r>
-            <a:r>
-              <a:rPr lang="en-AU" sz="2400" dirty="0">
-                <a:solidFill>
-                  <a:srgbClr val="A89984"/>
-                </a:solidFill>
-                <a:latin typeface="Menlo" panose="020B0609030804020204" pitchFamily="49" charset="0"/>
-              </a:rPr>
-              <a:t>:</a:t>
-            </a:r>
-            <a:r>
-              <a:rPr lang="en-AU" sz="2400" dirty="0">
-                <a:solidFill>
-                  <a:srgbClr val="EBDBB2"/>
-                </a:solidFill>
-                <a:latin typeface="Menlo" panose="020B0609030804020204" pitchFamily="49" charset="0"/>
-              </a:rPr>
-              <a:t> </a:t>
-            </a:r>
-            <a:r>
-              <a:rPr lang="en-AU" sz="2400" dirty="0" err="1">
-                <a:solidFill>
-                  <a:srgbClr val="B8BB26"/>
-                </a:solidFill>
-                <a:latin typeface="Menlo" panose="020B0609030804020204" pitchFamily="49" charset="0"/>
-              </a:rPr>
-              <a:t>RabbitMqHost</a:t>
-            </a:r>
-            <a:endParaRPr lang="en-AU" sz="2400" b="0" dirty="0">
-              <a:solidFill>
-                <a:srgbClr val="EBDBB2"/>
-              </a:solidFill>
-              <a:effectLst/>
-              <a:latin typeface="Menlo" panose="020B0609030804020204" pitchFamily="49" charset="0"/>
-            </a:endParaRPr>
+            <a:endParaRPr lang="en-US" dirty="0"/>
+          </a:p>
+        </p:txBody>
+      </p:sp>
+      <p:sp>
+        <p:nvSpPr>
+          <p:cNvPr id="3" name="Content Placeholder 2">
+            <a:extLst>
+              <a:ext uri="{FF2B5EF4-FFF2-40B4-BE49-F238E27FC236}">
+                <a16:creationId xmlns:a16="http://schemas.microsoft.com/office/drawing/2014/main" id="{543213A9-1EB7-B34D-95D3-82AE1B4AB37E}"/>
+              </a:ext>
+            </a:extLst>
+          </p:cNvPr>
+          <p:cNvSpPr>
+            <a:spLocks noGrp="1"/>
+          </p:cNvSpPr>
+          <p:nvPr>
+            <p:ph idx="1"/>
+          </p:nvPr>
+        </p:nvSpPr>
+        <p:spPr/>
+        <p:txBody>
+          <a:bodyPr/>
+          <a:lstStyle/>
+          <a:p>
+            <a:r>
+              <a:rPr lang="en-US" dirty="0"/>
+              <a:t>Shared authentication</a:t>
+            </a:r>
+          </a:p>
+          <a:p>
+            <a:r>
+              <a:rPr lang="en-US" dirty="0"/>
+              <a:t>Support for referencing secrets directly</a:t>
+            </a:r>
+          </a:p>
+          <a:p>
+            <a:r>
+              <a:rPr lang="en-US" dirty="0"/>
+              <a:t>Managed Identity (e.g. Azure Pod Identity)</a:t>
+            </a:r>
           </a:p>
         </p:txBody>
       </p:sp>
     </p:spTree>
     <p:extLst>
       <p:ext uri="{BB962C8B-B14F-4D97-AF65-F5344CB8AC3E}">
-        <p14:creationId xmlns:p14="http://schemas.microsoft.com/office/powerpoint/2010/main" val="954341649"/>
+        <p14:creationId xmlns:p14="http://schemas.microsoft.com/office/powerpoint/2010/main" val="656369938"/>
       </p:ext>
     </p:extLst>
   </p:cSld>
@@ -10735,6 +10407,423 @@
       </p:grpSpPr>
       <p:sp>
         <p:nvSpPr>
+          <p:cNvPr id="4" name="Rectangle 3">
+            <a:extLst>
+              <a:ext uri="{FF2B5EF4-FFF2-40B4-BE49-F238E27FC236}">
+                <a16:creationId xmlns:a16="http://schemas.microsoft.com/office/drawing/2014/main" id="{25EE69ED-EE01-E04D-A7A4-55582069BCB3}"/>
+              </a:ext>
+            </a:extLst>
+          </p:cNvPr>
+          <p:cNvSpPr/>
+          <p:nvPr/>
+        </p:nvSpPr>
+        <p:spPr>
+          <a:xfrm>
+            <a:off x="2998149" y="1367327"/>
+            <a:ext cx="7196984" cy="3785652"/>
+          </a:xfrm>
+          <a:prstGeom prst="rect">
+            <a:avLst/>
+          </a:prstGeom>
+        </p:spPr>
+        <p:txBody>
+          <a:bodyPr wrap="square">
+            <a:spAutoFit/>
+          </a:bodyPr>
+          <a:lstStyle/>
+          <a:p>
+            <a:r>
+              <a:rPr lang="en-AU" sz="2400" dirty="0" err="1">
+                <a:solidFill>
+                  <a:srgbClr val="B8BB26">
+                    <a:alpha val="42000"/>
+                  </a:srgbClr>
+                </a:solidFill>
+                <a:latin typeface="Menlo" panose="020B0609030804020204" pitchFamily="49" charset="0"/>
+              </a:rPr>
+              <a:t>apiVersion</a:t>
+            </a:r>
+            <a:r>
+              <a:rPr lang="en-AU" sz="2400" dirty="0">
+                <a:solidFill>
+                  <a:srgbClr val="B8BB26">
+                    <a:alpha val="42000"/>
+                  </a:srgbClr>
+                </a:solidFill>
+                <a:latin typeface="Menlo" panose="020B0609030804020204" pitchFamily="49" charset="0"/>
+              </a:rPr>
+              <a:t>: keda.k8s.io/v1alpha1</a:t>
+            </a:r>
+          </a:p>
+          <a:p>
+            <a:r>
+              <a:rPr lang="en-AU" sz="2400" dirty="0">
+                <a:solidFill>
+                  <a:srgbClr val="8EC07C"/>
+                </a:solidFill>
+                <a:latin typeface="Menlo" panose="020B0609030804020204" pitchFamily="49" charset="0"/>
+              </a:rPr>
+              <a:t>kind</a:t>
+            </a:r>
+            <a:r>
+              <a:rPr lang="en-AU" sz="2400" dirty="0">
+                <a:solidFill>
+                  <a:srgbClr val="A89984"/>
+                </a:solidFill>
+                <a:latin typeface="Menlo" panose="020B0609030804020204" pitchFamily="49" charset="0"/>
+              </a:rPr>
+              <a:t>:</a:t>
+            </a:r>
+            <a:r>
+              <a:rPr lang="en-AU" sz="2400" dirty="0">
+                <a:solidFill>
+                  <a:srgbClr val="EBDBB2"/>
+                </a:solidFill>
+                <a:latin typeface="Menlo" panose="020B0609030804020204" pitchFamily="49" charset="0"/>
+              </a:rPr>
+              <a:t> </a:t>
+            </a:r>
+            <a:r>
+              <a:rPr lang="en-AU" sz="2400" dirty="0" err="1">
+                <a:solidFill>
+                  <a:srgbClr val="B8BB26"/>
+                </a:solidFill>
+                <a:latin typeface="Menlo" panose="020B0609030804020204" pitchFamily="49" charset="0"/>
+              </a:rPr>
+              <a:t>TriggerAuthentication</a:t>
+            </a:r>
+            <a:endParaRPr lang="en-AU" sz="2400" dirty="0">
+              <a:solidFill>
+                <a:srgbClr val="EBDBB2"/>
+              </a:solidFill>
+              <a:latin typeface="Menlo" panose="020B0609030804020204" pitchFamily="49" charset="0"/>
+            </a:endParaRPr>
+          </a:p>
+          <a:p>
+            <a:r>
+              <a:rPr lang="en-AU" sz="2400" dirty="0">
+                <a:solidFill>
+                  <a:srgbClr val="8EC07C">
+                    <a:alpha val="45000"/>
+                  </a:srgbClr>
+                </a:solidFill>
+                <a:latin typeface="Menlo" panose="020B0609030804020204" pitchFamily="49" charset="0"/>
+              </a:rPr>
+              <a:t>metadata:</a:t>
+            </a:r>
+          </a:p>
+          <a:p>
+            <a:r>
+              <a:rPr lang="en-AU" sz="2400" dirty="0">
+                <a:solidFill>
+                  <a:srgbClr val="8EC07C"/>
+                </a:solidFill>
+                <a:latin typeface="Menlo" panose="020B0609030804020204" pitchFamily="49" charset="0"/>
+              </a:rPr>
+              <a:t>name</a:t>
+            </a:r>
+            <a:r>
+              <a:rPr lang="en-AU" sz="2400" dirty="0">
+                <a:solidFill>
+                  <a:srgbClr val="A89984"/>
+                </a:solidFill>
+                <a:latin typeface="Menlo" panose="020B0609030804020204" pitchFamily="49" charset="0"/>
+              </a:rPr>
+              <a:t>:</a:t>
+            </a:r>
+            <a:r>
+              <a:rPr lang="en-AU" sz="2400" dirty="0">
+                <a:solidFill>
+                  <a:srgbClr val="EBDBB2"/>
+                </a:solidFill>
+                <a:latin typeface="Menlo" panose="020B0609030804020204" pitchFamily="49" charset="0"/>
+              </a:rPr>
+              <a:t> </a:t>
+            </a:r>
+            <a:r>
+              <a:rPr lang="en-AU" sz="2400" dirty="0" err="1">
+                <a:solidFill>
+                  <a:srgbClr val="B8BB26"/>
+                </a:solidFill>
+                <a:latin typeface="Menlo" panose="020B0609030804020204" pitchFamily="49" charset="0"/>
+              </a:rPr>
+              <a:t>rabbitmq</a:t>
+            </a:r>
+            <a:r>
+              <a:rPr lang="en-AU" sz="2400" dirty="0">
+                <a:solidFill>
+                  <a:srgbClr val="B8BB26"/>
+                </a:solidFill>
+                <a:latin typeface="Menlo" panose="020B0609030804020204" pitchFamily="49" charset="0"/>
+              </a:rPr>
+              <a:t>-consumer-trigger</a:t>
+            </a:r>
+            <a:endParaRPr lang="en-AU" sz="2400" dirty="0">
+              <a:solidFill>
+                <a:srgbClr val="EBDBB2"/>
+              </a:solidFill>
+              <a:latin typeface="Menlo" panose="020B0609030804020204" pitchFamily="49" charset="0"/>
+            </a:endParaRPr>
+          </a:p>
+          <a:p>
+            <a:r>
+              <a:rPr lang="en-AU" sz="2400" dirty="0">
+                <a:solidFill>
+                  <a:srgbClr val="B8BB26">
+                    <a:alpha val="42000"/>
+                  </a:srgbClr>
+                </a:solidFill>
+                <a:latin typeface="Menlo" panose="020B0609030804020204" pitchFamily="49" charset="0"/>
+              </a:rPr>
+              <a:t>namespace: default</a:t>
+            </a:r>
+          </a:p>
+          <a:p>
+            <a:r>
+              <a:rPr lang="en-AU" sz="2400" dirty="0">
+                <a:solidFill>
+                  <a:srgbClr val="8EC07C"/>
+                </a:solidFill>
+                <a:latin typeface="Menlo" panose="020B0609030804020204" pitchFamily="49" charset="0"/>
+              </a:rPr>
+              <a:t>spec</a:t>
+            </a:r>
+            <a:r>
+              <a:rPr lang="en-AU" sz="2400" dirty="0">
+                <a:solidFill>
+                  <a:srgbClr val="A89984"/>
+                </a:solidFill>
+                <a:latin typeface="Menlo" panose="020B0609030804020204" pitchFamily="49" charset="0"/>
+              </a:rPr>
+              <a:t>:</a:t>
+            </a:r>
+            <a:endParaRPr lang="en-AU" sz="2400" dirty="0">
+              <a:solidFill>
+                <a:srgbClr val="EBDBB2"/>
+              </a:solidFill>
+              <a:latin typeface="Menlo" panose="020B0609030804020204" pitchFamily="49" charset="0"/>
+            </a:endParaRPr>
+          </a:p>
+          <a:p>
+            <a:r>
+              <a:rPr lang="en-AU" sz="2400" dirty="0" err="1">
+                <a:solidFill>
+                  <a:srgbClr val="8EC07C"/>
+                </a:solidFill>
+                <a:latin typeface="Menlo" panose="020B0609030804020204" pitchFamily="49" charset="0"/>
+              </a:rPr>
+              <a:t>secretTargetRef</a:t>
+            </a:r>
+            <a:r>
+              <a:rPr lang="en-AU" sz="2400" dirty="0">
+                <a:solidFill>
+                  <a:srgbClr val="A89984"/>
+                </a:solidFill>
+                <a:latin typeface="Menlo" panose="020B0609030804020204" pitchFamily="49" charset="0"/>
+              </a:rPr>
+              <a:t>:</a:t>
+            </a:r>
+            <a:endParaRPr lang="en-AU" sz="2400" dirty="0">
+              <a:solidFill>
+                <a:srgbClr val="EBDBB2"/>
+              </a:solidFill>
+              <a:latin typeface="Menlo" panose="020B0609030804020204" pitchFamily="49" charset="0"/>
+            </a:endParaRPr>
+          </a:p>
+          <a:p>
+            <a:r>
+              <a:rPr lang="en-AU" sz="2400" dirty="0">
+                <a:solidFill>
+                  <a:srgbClr val="A89984"/>
+                </a:solidFill>
+                <a:latin typeface="Menlo" panose="020B0609030804020204" pitchFamily="49" charset="0"/>
+              </a:rPr>
+              <a:t>-</a:t>
+            </a:r>
+            <a:r>
+              <a:rPr lang="en-AU" sz="2400" dirty="0">
+                <a:solidFill>
+                  <a:srgbClr val="EBDBB2"/>
+                </a:solidFill>
+                <a:latin typeface="Menlo" panose="020B0609030804020204" pitchFamily="49" charset="0"/>
+              </a:rPr>
+              <a:t> </a:t>
+            </a:r>
+            <a:r>
+              <a:rPr lang="en-AU" sz="2400" dirty="0">
+                <a:solidFill>
+                  <a:srgbClr val="8EC07C"/>
+                </a:solidFill>
+                <a:latin typeface="Menlo" panose="020B0609030804020204" pitchFamily="49" charset="0"/>
+              </a:rPr>
+              <a:t>parameter</a:t>
+            </a:r>
+            <a:r>
+              <a:rPr lang="en-AU" sz="2400" dirty="0">
+                <a:solidFill>
+                  <a:srgbClr val="A89984"/>
+                </a:solidFill>
+                <a:latin typeface="Menlo" panose="020B0609030804020204" pitchFamily="49" charset="0"/>
+              </a:rPr>
+              <a:t>:</a:t>
+            </a:r>
+            <a:r>
+              <a:rPr lang="en-AU" sz="2400" dirty="0">
+                <a:solidFill>
+                  <a:srgbClr val="EBDBB2"/>
+                </a:solidFill>
+                <a:latin typeface="Menlo" panose="020B0609030804020204" pitchFamily="49" charset="0"/>
+              </a:rPr>
+              <a:t> </a:t>
+            </a:r>
+            <a:r>
+              <a:rPr lang="en-AU" sz="2400" dirty="0">
+                <a:solidFill>
+                  <a:srgbClr val="B8BB26"/>
+                </a:solidFill>
+                <a:latin typeface="Menlo" panose="020B0609030804020204" pitchFamily="49" charset="0"/>
+              </a:rPr>
+              <a:t>host</a:t>
+            </a:r>
+            <a:endParaRPr lang="en-AU" sz="2400" dirty="0">
+              <a:solidFill>
+                <a:srgbClr val="EBDBB2"/>
+              </a:solidFill>
+              <a:latin typeface="Menlo" panose="020B0609030804020204" pitchFamily="49" charset="0"/>
+            </a:endParaRPr>
+          </a:p>
+          <a:p>
+            <a:r>
+              <a:rPr lang="en-AU" sz="2400" dirty="0">
+                <a:solidFill>
+                  <a:srgbClr val="8EC07C"/>
+                </a:solidFill>
+                <a:latin typeface="Menlo" panose="020B0609030804020204" pitchFamily="49" charset="0"/>
+              </a:rPr>
+              <a:t>  name</a:t>
+            </a:r>
+            <a:r>
+              <a:rPr lang="en-AU" sz="2400" dirty="0">
+                <a:solidFill>
+                  <a:srgbClr val="A89984"/>
+                </a:solidFill>
+                <a:latin typeface="Menlo" panose="020B0609030804020204" pitchFamily="49" charset="0"/>
+              </a:rPr>
+              <a:t>:</a:t>
+            </a:r>
+            <a:r>
+              <a:rPr lang="en-AU" sz="2400" dirty="0">
+                <a:solidFill>
+                  <a:srgbClr val="EBDBB2"/>
+                </a:solidFill>
+                <a:latin typeface="Menlo" panose="020B0609030804020204" pitchFamily="49" charset="0"/>
+              </a:rPr>
+              <a:t> </a:t>
+            </a:r>
+            <a:r>
+              <a:rPr lang="en-AU" sz="2400" dirty="0" err="1">
+                <a:solidFill>
+                  <a:srgbClr val="B8BB26"/>
+                </a:solidFill>
+                <a:latin typeface="Menlo" panose="020B0609030804020204" pitchFamily="49" charset="0"/>
+              </a:rPr>
+              <a:t>rabbitmq</a:t>
+            </a:r>
+            <a:r>
+              <a:rPr lang="en-AU" sz="2400" dirty="0">
+                <a:solidFill>
+                  <a:srgbClr val="B8BB26"/>
+                </a:solidFill>
+                <a:latin typeface="Menlo" panose="020B0609030804020204" pitchFamily="49" charset="0"/>
+              </a:rPr>
+              <a:t>-consumer-secret</a:t>
+            </a:r>
+            <a:endParaRPr lang="en-AU" sz="2400" dirty="0">
+              <a:solidFill>
+                <a:srgbClr val="EBDBB2"/>
+              </a:solidFill>
+              <a:latin typeface="Menlo" panose="020B0609030804020204" pitchFamily="49" charset="0"/>
+            </a:endParaRPr>
+          </a:p>
+          <a:p>
+            <a:r>
+              <a:rPr lang="en-AU" sz="2400" dirty="0">
+                <a:solidFill>
+                  <a:srgbClr val="8EC07C"/>
+                </a:solidFill>
+                <a:latin typeface="Menlo" panose="020B0609030804020204" pitchFamily="49" charset="0"/>
+              </a:rPr>
+              <a:t>  key</a:t>
+            </a:r>
+            <a:r>
+              <a:rPr lang="en-AU" sz="2400" dirty="0">
+                <a:solidFill>
+                  <a:srgbClr val="A89984"/>
+                </a:solidFill>
+                <a:latin typeface="Menlo" panose="020B0609030804020204" pitchFamily="49" charset="0"/>
+              </a:rPr>
+              <a:t>:</a:t>
+            </a:r>
+            <a:r>
+              <a:rPr lang="en-AU" sz="2400" dirty="0">
+                <a:solidFill>
+                  <a:srgbClr val="EBDBB2"/>
+                </a:solidFill>
+                <a:latin typeface="Menlo" panose="020B0609030804020204" pitchFamily="49" charset="0"/>
+              </a:rPr>
+              <a:t> </a:t>
+            </a:r>
+            <a:r>
+              <a:rPr lang="en-AU" sz="2400" dirty="0" err="1">
+                <a:solidFill>
+                  <a:srgbClr val="B8BB26"/>
+                </a:solidFill>
+                <a:latin typeface="Menlo" panose="020B0609030804020204" pitchFamily="49" charset="0"/>
+              </a:rPr>
+              <a:t>RabbitMqHost</a:t>
+            </a:r>
+            <a:endParaRPr lang="en-AU" sz="2400" b="0" dirty="0">
+              <a:solidFill>
+                <a:srgbClr val="EBDBB2"/>
+              </a:solidFill>
+              <a:effectLst/>
+              <a:latin typeface="Menlo" panose="020B0609030804020204" pitchFamily="49" charset="0"/>
+            </a:endParaRPr>
+          </a:p>
+        </p:txBody>
+      </p:sp>
+    </p:spTree>
+    <p:extLst>
+      <p:ext uri="{BB962C8B-B14F-4D97-AF65-F5344CB8AC3E}">
+        <p14:creationId xmlns:p14="http://schemas.microsoft.com/office/powerpoint/2010/main" val="954341649"/>
+      </p:ext>
+    </p:extLst>
+  </p:cSld>
+  <p:clrMapOvr>
+    <a:masterClrMapping/>
+  </p:clrMapOvr>
+</p:sld>
+</file>
+
+<file path=ppt/slides/slide25.xml><?xml version="1.0" encoding="utf-8"?>
+<p:sld xmlns:a="http://schemas.openxmlformats.org/drawingml/2006/main" xmlns:r="http://schemas.openxmlformats.org/officeDocument/2006/relationships" xmlns:p="http://schemas.openxmlformats.org/presentationml/2006/main">
+  <p:cSld>
+    <p:spTree>
+      <p:nvGrpSpPr>
+        <p:cNvPr id="1" name=""/>
+        <p:cNvGrpSpPr/>
+        <p:nvPr/>
+      </p:nvGrpSpPr>
+      <p:grpSpPr>
+        <a:xfrm>
+          <a:off x="0" y="0"/>
+          <a:ext cx="0" cy="0"/>
+          <a:chOff x="0" y="0"/>
+          <a:chExt cx="0" cy="0"/>
+        </a:xfrm>
+      </p:grpSpPr>
+      <p:sp>
+        <p:nvSpPr>
           <p:cNvPr id="2" name="Rectangle 1">
             <a:extLst>
               <a:ext uri="{FF2B5EF4-FFF2-40B4-BE49-F238E27FC236}">
@@ -10975,7 +11064,7 @@
 </p:sld>
 </file>
 
-<file path=ppt/slides/slide25.xml><?xml version="1.0" encoding="utf-8"?>
+<file path=ppt/slides/slide26.xml><?xml version="1.0" encoding="utf-8"?>
 <p:sld xmlns:a="http://schemas.openxmlformats.org/drawingml/2006/main" xmlns:r="http://schemas.openxmlformats.org/officeDocument/2006/relationships" xmlns:p="http://schemas.openxmlformats.org/presentationml/2006/main">
   <p:cSld>
     <p:spTree>
@@ -12192,6 +12281,98 @@
           <a:chExt cx="0" cy="0"/>
         </a:xfrm>
       </p:grpSpPr>
+      <p:sp>
+        <p:nvSpPr>
+          <p:cNvPr id="18" name="Target">
+            <a:extLst>
+              <a:ext uri="{FF2B5EF4-FFF2-40B4-BE49-F238E27FC236}">
+                <a16:creationId xmlns:a16="http://schemas.microsoft.com/office/drawing/2014/main" id="{6EF1BEC1-513A-074B-9A67-CDBD0824C1C3}"/>
+              </a:ext>
+            </a:extLst>
+          </p:cNvPr>
+          <p:cNvSpPr/>
+          <p:nvPr/>
+        </p:nvSpPr>
+        <p:spPr>
+          <a:xfrm>
+            <a:off x="3392336" y="2681538"/>
+            <a:ext cx="880217" cy="666571"/>
+          </a:xfrm>
+          <a:prstGeom prst="rect">
+            <a:avLst/>
+          </a:prstGeom>
+        </p:spPr>
+        <p:style>
+          <a:lnRef idx="2">
+            <a:schemeClr val="accent6">
+              <a:shade val="50000"/>
+            </a:schemeClr>
+          </a:lnRef>
+          <a:fillRef idx="1">
+            <a:schemeClr val="accent6"/>
+          </a:fillRef>
+          <a:effectRef idx="0">
+            <a:schemeClr val="accent6"/>
+          </a:effectRef>
+          <a:fontRef idx="minor">
+            <a:schemeClr val="lt1"/>
+          </a:fontRef>
+        </p:style>
+        <p:txBody>
+          <a:bodyPr rtlCol="0" anchor="ctr"/>
+          <a:lstStyle/>
+          <a:p>
+            <a:pPr algn="ctr"/>
+            <a:endParaRPr lang="en-US" dirty="0"/>
+          </a:p>
+        </p:txBody>
+      </p:sp>
+      <p:sp>
+        <p:nvSpPr>
+          <p:cNvPr id="19" name="Target">
+            <a:extLst>
+              <a:ext uri="{FF2B5EF4-FFF2-40B4-BE49-F238E27FC236}">
+                <a16:creationId xmlns:a16="http://schemas.microsoft.com/office/drawing/2014/main" id="{9CBB1B69-E56C-CE41-B620-C61E8766E191}"/>
+              </a:ext>
+            </a:extLst>
+          </p:cNvPr>
+          <p:cNvSpPr/>
+          <p:nvPr/>
+        </p:nvSpPr>
+        <p:spPr>
+          <a:xfrm>
+            <a:off x="3277809" y="2601784"/>
+            <a:ext cx="880217" cy="666571"/>
+          </a:xfrm>
+          <a:prstGeom prst="rect">
+            <a:avLst/>
+          </a:prstGeom>
+        </p:spPr>
+        <p:style>
+          <a:lnRef idx="2">
+            <a:schemeClr val="accent6">
+              <a:shade val="50000"/>
+            </a:schemeClr>
+          </a:lnRef>
+          <a:fillRef idx="1">
+            <a:schemeClr val="accent6"/>
+          </a:fillRef>
+          <a:effectRef idx="0">
+            <a:schemeClr val="accent6"/>
+          </a:effectRef>
+          <a:fontRef idx="minor">
+            <a:schemeClr val="lt1"/>
+          </a:fontRef>
+        </p:style>
+        <p:txBody>
+          <a:bodyPr rtlCol="0" anchor="ctr"/>
+          <a:lstStyle/>
+          <a:p>
+            <a:pPr algn="ctr"/>
+            <a:endParaRPr lang="en-US" dirty="0"/>
+          </a:p>
+        </p:txBody>
+      </p:sp>
       <p:sp>
         <p:nvSpPr>
           <p:cNvPr id="6" name="K8s cluster">
@@ -12679,80 +12860,6 @@
           </a:fontRef>
         </p:style>
       </p:cxnSp>
-      <p:cxnSp>
-        <p:nvCxnSpPr>
-          <p:cNvPr id="31" name="kube-controller to k8s">
-            <a:extLst>
-              <a:ext uri="{FF2B5EF4-FFF2-40B4-BE49-F238E27FC236}">
-                <a16:creationId xmlns:a16="http://schemas.microsoft.com/office/drawing/2014/main" id="{B220B7A4-1290-824D-901D-3B301B338008}"/>
-              </a:ext>
-            </a:extLst>
-          </p:cNvPr>
-          <p:cNvCxnSpPr/>
-          <p:nvPr/>
-        </p:nvCxnSpPr>
-        <p:spPr>
-          <a:xfrm flipV="1">
-            <a:off x="4382219" y="690113"/>
-            <a:ext cx="2303253" cy="439947"/>
-          </a:xfrm>
-          <a:prstGeom prst="straightConnector1">
-            <a:avLst/>
-          </a:prstGeom>
-          <a:ln w="19050">
-            <a:tailEnd type="triangle"/>
-          </a:ln>
-        </p:spPr>
-        <p:style>
-          <a:lnRef idx="1">
-            <a:schemeClr val="accent1"/>
-          </a:lnRef>
-          <a:fillRef idx="0">
-            <a:schemeClr val="accent1"/>
-          </a:fillRef>
-          <a:effectRef idx="0">
-            <a:schemeClr val="accent1"/>
-          </a:effectRef>
-          <a:fontRef idx="minor">
-            <a:schemeClr val="tx1"/>
-          </a:fontRef>
-        </p:style>
-      </p:cxnSp>
-      <p:sp>
-        <p:nvSpPr>
-          <p:cNvPr id="32" name="TextBox 31">
-            <a:extLst>
-              <a:ext uri="{FF2B5EF4-FFF2-40B4-BE49-F238E27FC236}">
-                <a16:creationId xmlns:a16="http://schemas.microsoft.com/office/drawing/2014/main" id="{A512A620-8245-CB4B-A79D-EC86077A749E}"/>
-              </a:ext>
-            </a:extLst>
-          </p:cNvPr>
-          <p:cNvSpPr txBox="1"/>
-          <p:nvPr/>
-        </p:nvSpPr>
-        <p:spPr>
-          <a:xfrm>
-            <a:off x="5842672" y="499817"/>
-            <a:ext cx="292068" cy="369332"/>
-          </a:xfrm>
-          <a:prstGeom prst="rect">
-            <a:avLst/>
-          </a:prstGeom>
-          <a:noFill/>
-        </p:spPr>
-        <p:txBody>
-          <a:bodyPr wrap="none" rtlCol="0">
-            <a:spAutoFit/>
-          </a:bodyPr>
-          <a:lstStyle/>
-          <a:p>
-            <a:r>
-              <a:rPr lang="en-US" dirty="0"/>
-              <a:t>?</a:t>
-            </a:r>
-          </a:p>
-        </p:txBody>
-      </p:sp>
     </p:spTree>
     <p:extLst>
       <p:ext uri="{BB962C8B-B14F-4D97-AF65-F5344CB8AC3E}">
@@ -13169,7 +13276,7 @@
                                           </p:stCondLst>
                                         </p:cTn>
                                         <p:tgtEl>
-                                          <p:spTgt spid="32"/>
+                                          <p:spTgt spid="18"/>
                                         </p:tgtEl>
                                         <p:attrNameLst>
                                           <p:attrName>style.visibility</p:attrName>
@@ -13183,7 +13290,7 @@
                                       <p:cBhvr>
                                         <p:cTn id="41" dur="500"/>
                                         <p:tgtEl>
-                                          <p:spTgt spid="32"/>
+                                          <p:spTgt spid="18"/>
                                         </p:tgtEl>
                                       </p:cBhvr>
                                     </p:animEffect>
@@ -13191,7 +13298,7 @@
                                 </p:cTn>
                               </p:par>
                               <p:par>
-                                <p:cTn id="42" presetID="10" presetClass="entr" presetSubtype="0" fill="hold" nodeType="withEffect">
+                                <p:cTn id="42" presetID="10" presetClass="entr" presetSubtype="0" fill="hold" grpId="0" nodeType="withEffect">
                                   <p:stCondLst>
                                     <p:cond delay="0"/>
                                   </p:stCondLst>
@@ -13204,7 +13311,7 @@
                                           </p:stCondLst>
                                         </p:cTn>
                                         <p:tgtEl>
-                                          <p:spTgt spid="31"/>
+                                          <p:spTgt spid="19"/>
                                         </p:tgtEl>
                                         <p:attrNameLst>
                                           <p:attrName>style.visibility</p:attrName>
@@ -13218,7 +13325,42 @@
                                       <p:cBhvr>
                                         <p:cTn id="44" dur="500"/>
                                         <p:tgtEl>
-                                          <p:spTgt spid="31"/>
+                                          <p:spTgt spid="19"/>
+                                        </p:tgtEl>
+                                      </p:cBhvr>
+                                    </p:animEffect>
+                                  </p:childTnLst>
+                                </p:cTn>
+                              </p:par>
+                              <p:par>
+                                <p:cTn id="45" presetID="10" presetClass="entr" presetSubtype="0" fill="hold" grpId="1" nodeType="withEffect">
+                                  <p:stCondLst>
+                                    <p:cond delay="0"/>
+                                  </p:stCondLst>
+                                  <p:childTnLst>
+                                    <p:set>
+                                      <p:cBhvr>
+                                        <p:cTn id="46" dur="1" fill="hold">
+                                          <p:stCondLst>
+                                            <p:cond delay="0"/>
+                                          </p:stCondLst>
+                                        </p:cTn>
+                                        <p:tgtEl>
+                                          <p:spTgt spid="19"/>
+                                        </p:tgtEl>
+                                        <p:attrNameLst>
+                                          <p:attrName>style.visibility</p:attrName>
+                                        </p:attrNameLst>
+                                      </p:cBhvr>
+                                      <p:to>
+                                        <p:strVal val="visible"/>
+                                      </p:to>
+                                    </p:set>
+                                    <p:animEffect transition="in" filter="fade">
+                                      <p:cBhvr>
+                                        <p:cTn id="47" dur="500"/>
+                                        <p:tgtEl>
+                                          <p:spTgt spid="19"/>
                                         </p:tgtEl>
                                       </p:cBhvr>
                                     </p:animEffect>
@@ -13253,9 +13395,11 @@
       </p:par>
     </p:tnLst>
     <p:bldLst>
+      <p:bldP spid="18" grpId="0" animBg="1"/>
+      <p:bldP spid="19" grpId="0" animBg="1"/>
+      <p:bldP spid="19" grpId="1" animBg="1"/>
       <p:bldP spid="7" grpId="0" animBg="1"/>
       <p:bldP spid="14" grpId="0" animBg="1"/>
-      <p:bldP spid="32" grpId="0"/>
     </p:bldLst>
   </p:timing>
 </p:sld>

--- a/preso.pptx
+++ b/preso.pptx
@@ -5,7 +5,7 @@
     <p:sldMasterId id="2147483660" r:id="rId1"/>
   </p:sldMasterIdLst>
   <p:notesMasterIdLst>
-    <p:notesMasterId r:id="rId28"/>
+    <p:notesMasterId r:id="rId29"/>
   </p:notesMasterIdLst>
   <p:sldIdLst>
     <p:sldId id="256" r:id="rId2"/>
@@ -18,22 +18,23 @@
     <p:sldId id="258" r:id="rId9"/>
     <p:sldId id="264" r:id="rId10"/>
     <p:sldId id="259" r:id="rId11"/>
-    <p:sldId id="269" r:id="rId12"/>
-    <p:sldId id="261" r:id="rId13"/>
-    <p:sldId id="260" r:id="rId14"/>
-    <p:sldId id="271" r:id="rId15"/>
-    <p:sldId id="275" r:id="rId16"/>
-    <p:sldId id="273" r:id="rId17"/>
-    <p:sldId id="265" r:id="rId18"/>
-    <p:sldId id="266" r:id="rId19"/>
-    <p:sldId id="274" r:id="rId20"/>
-    <p:sldId id="276" r:id="rId21"/>
-    <p:sldId id="277" r:id="rId22"/>
-    <p:sldId id="281" r:id="rId23"/>
-    <p:sldId id="278" r:id="rId24"/>
-    <p:sldId id="279" r:id="rId25"/>
-    <p:sldId id="280" r:id="rId26"/>
-    <p:sldId id="272" r:id="rId27"/>
+    <p:sldId id="261" r:id="rId12"/>
+    <p:sldId id="269" r:id="rId13"/>
+    <p:sldId id="282" r:id="rId14"/>
+    <p:sldId id="260" r:id="rId15"/>
+    <p:sldId id="271" r:id="rId16"/>
+    <p:sldId id="275" r:id="rId17"/>
+    <p:sldId id="273" r:id="rId18"/>
+    <p:sldId id="265" r:id="rId19"/>
+    <p:sldId id="266" r:id="rId20"/>
+    <p:sldId id="274" r:id="rId21"/>
+    <p:sldId id="276" r:id="rId22"/>
+    <p:sldId id="277" r:id="rId23"/>
+    <p:sldId id="281" r:id="rId24"/>
+    <p:sldId id="278" r:id="rId25"/>
+    <p:sldId id="279" r:id="rId26"/>
+    <p:sldId id="280" r:id="rId27"/>
+    <p:sldId id="272" r:id="rId28"/>
   </p:sldIdLst>
   <p:sldSz cx="12192000" cy="6858000"/>
   <p:notesSz cx="6858000" cy="9144000"/>
@@ -222,7 +223,7 @@
           <a:p>
             <a:fld id="{05D5B59A-0EDA-EF41-85FF-03176606BBBE}" type="datetimeFigureOut">
               <a:rPr lang="en-US" smtClean="0"/>
-              <a:t>9/6/20</a:t>
+              <a:t>10/12/20</a:t>
             </a:fld>
             <a:endParaRPr lang="en-US"/>
           </a:p>
@@ -535,9 +536,26 @@
           <a:lstStyle/>
           <a:p>
             <a:r>
+              <a:rPr lang="en-US" dirty="0" err="1"/>
+              <a:t>Misc</a:t>
+            </a:r>
+            <a:r>
               <a:rPr lang="en-US" dirty="0"/>
-              <a:t>There isn’t a lot o talk about autoscaling in Kubernetes because it’s not too straightforward.</a:t>
-            </a:r>
+              <a:t>: </a:t>
+            </a:r>
+            <a:r>
+              <a:rPr lang="en-US" dirty="0" err="1"/>
+              <a:t>TriggerAuth</a:t>
+            </a:r>
+            <a:r>
+              <a:rPr lang="en-US" dirty="0"/>
+              <a:t>, </a:t>
+            </a:r>
+            <a:r>
+              <a:rPr lang="en-US" dirty="0" err="1"/>
+              <a:t>VirtualNodes</a:t>
+            </a:r>
+            <a:endParaRPr lang="en-US" dirty="0"/>
           </a:p>
         </p:txBody>
       </p:sp>
@@ -558,7 +576,7 @@
           <a:p>
             <a:fld id="{B786E5CD-0DE5-2548-BADF-C53099846BB2}" type="slidenum">
               <a:rPr lang="en-US" smtClean="0"/>
-              <a:t>6</a:t>
+              <a:t>4</a:t>
             </a:fld>
             <a:endParaRPr lang="en-US"/>
           </a:p>
@@ -567,7 +585,7 @@
     </p:spTree>
     <p:extLst>
       <p:ext uri="{BB962C8B-B14F-4D97-AF65-F5344CB8AC3E}">
-        <p14:creationId xmlns:p14="http://schemas.microsoft.com/office/powerpoint/2010/main" val="2596012429"/>
+        <p14:creationId xmlns:p14="http://schemas.microsoft.com/office/powerpoint/2010/main" val="50510471"/>
       </p:ext>
     </p:extLst>
   </p:cSld>
@@ -623,7 +641,7 @@
           <a:p>
             <a:r>
               <a:rPr lang="en-US" dirty="0"/>
-              <a:t>There are two problems with HPA</a:t>
+              <a:t>There isn’t a lot o talk about autoscaling in Kubernetes because it’s not too straightforward.</a:t>
             </a:r>
           </a:p>
         </p:txBody>
@@ -645,7 +663,7 @@
           <a:p>
             <a:fld id="{B786E5CD-0DE5-2548-BADF-C53099846BB2}" type="slidenum">
               <a:rPr lang="en-US" smtClean="0"/>
-              <a:t>7</a:t>
+              <a:t>6</a:t>
             </a:fld>
             <a:endParaRPr lang="en-US"/>
           </a:p>
@@ -654,7 +672,7 @@
     </p:spTree>
     <p:extLst>
       <p:ext uri="{BB962C8B-B14F-4D97-AF65-F5344CB8AC3E}">
-        <p14:creationId xmlns:p14="http://schemas.microsoft.com/office/powerpoint/2010/main" val="233805483"/>
+        <p14:creationId xmlns:p14="http://schemas.microsoft.com/office/powerpoint/2010/main" val="2596012429"/>
       </p:ext>
     </p:extLst>
   </p:cSld>
@@ -710,7 +728,7 @@
           <a:p>
             <a:r>
               <a:rPr lang="en-US" dirty="0"/>
-              <a:t>Using a secret directly</a:t>
+              <a:t>There are two problems with HPA</a:t>
             </a:r>
           </a:p>
         </p:txBody>
@@ -732,7 +750,7 @@
           <a:p>
             <a:fld id="{B786E5CD-0DE5-2548-BADF-C53099846BB2}" type="slidenum">
               <a:rPr lang="en-US" smtClean="0"/>
-              <a:t>24</a:t>
+              <a:t>7</a:t>
             </a:fld>
             <a:endParaRPr lang="en-US"/>
           </a:p>
@@ -741,7 +759,7 @@
     </p:spTree>
     <p:extLst>
       <p:ext uri="{BB962C8B-B14F-4D97-AF65-F5344CB8AC3E}">
-        <p14:creationId xmlns:p14="http://schemas.microsoft.com/office/powerpoint/2010/main" val="1771944772"/>
+        <p14:creationId xmlns:p14="http://schemas.microsoft.com/office/powerpoint/2010/main" val="233805483"/>
       </p:ext>
     </p:extLst>
   </p:cSld>
@@ -820,6 +838,93 @@
             <a:fld id="{B786E5CD-0DE5-2548-BADF-C53099846BB2}" type="slidenum">
               <a:rPr lang="en-US" smtClean="0"/>
               <a:t>25</a:t>
+            </a:fld>
+            <a:endParaRPr lang="en-US"/>
+          </a:p>
+        </p:txBody>
+      </p:sp>
+    </p:spTree>
+    <p:extLst>
+      <p:ext uri="{BB962C8B-B14F-4D97-AF65-F5344CB8AC3E}">
+        <p14:creationId xmlns:p14="http://schemas.microsoft.com/office/powerpoint/2010/main" val="1771944772"/>
+      </p:ext>
+    </p:extLst>
+  </p:cSld>
+  <p:clrMapOvr>
+    <a:masterClrMapping/>
+  </p:clrMapOvr>
+</p:notes>
+</file>
+
+<file path=ppt/notesSlides/notesSlide5.xml><?xml version="1.0" encoding="utf-8"?>
+<p:notes xmlns:a="http://schemas.openxmlformats.org/drawingml/2006/main" xmlns:r="http://schemas.openxmlformats.org/officeDocument/2006/relationships" xmlns:p="http://schemas.openxmlformats.org/presentationml/2006/main">
+  <p:cSld>
+    <p:spTree>
+      <p:nvGrpSpPr>
+        <p:cNvPr id="1" name=""/>
+        <p:cNvGrpSpPr/>
+        <p:nvPr/>
+      </p:nvGrpSpPr>
+      <p:grpSpPr>
+        <a:xfrm>
+          <a:off x="0" y="0"/>
+          <a:ext cx="0" cy="0"/>
+          <a:chOff x="0" y="0"/>
+          <a:chExt cx="0" cy="0"/>
+        </a:xfrm>
+      </p:grpSpPr>
+      <p:sp>
+        <p:nvSpPr>
+          <p:cNvPr id="2" name="Slide Image Placeholder 1"/>
+          <p:cNvSpPr>
+            <a:spLocks noGrp="1" noRot="1" noChangeAspect="1"/>
+          </p:cNvSpPr>
+          <p:nvPr>
+            <p:ph type="sldImg"/>
+          </p:nvPr>
+        </p:nvSpPr>
+        <p:spPr/>
+      </p:sp>
+      <p:sp>
+        <p:nvSpPr>
+          <p:cNvPr id="3" name="Notes Placeholder 2"/>
+          <p:cNvSpPr>
+            <a:spLocks noGrp="1"/>
+          </p:cNvSpPr>
+          <p:nvPr>
+            <p:ph type="body" idx="1"/>
+          </p:nvPr>
+        </p:nvSpPr>
+        <p:spPr/>
+        <p:txBody>
+          <a:bodyPr/>
+          <a:lstStyle/>
+          <a:p>
+            <a:r>
+              <a:rPr lang="en-US" dirty="0"/>
+              <a:t>Using a secret directly</a:t>
+            </a:r>
+          </a:p>
+        </p:txBody>
+      </p:sp>
+      <p:sp>
+        <p:nvSpPr>
+          <p:cNvPr id="4" name="Slide Number Placeholder 3"/>
+          <p:cNvSpPr>
+            <a:spLocks noGrp="1"/>
+          </p:cNvSpPr>
+          <p:nvPr>
+            <p:ph type="sldNum" sz="quarter" idx="5"/>
+          </p:nvPr>
+        </p:nvSpPr>
+        <p:spPr/>
+        <p:txBody>
+          <a:bodyPr/>
+          <a:lstStyle/>
+          <a:p>
+            <a:fld id="{B786E5CD-0DE5-2548-BADF-C53099846BB2}" type="slidenum">
+              <a:rPr lang="en-US" smtClean="0"/>
+              <a:t>26</a:t>
             </a:fld>
             <a:endParaRPr lang="en-US"/>
           </a:p>
@@ -969,7 +1074,7 @@
           <a:p>
             <a:fld id="{7C747D7E-6B19-984E-90F5-E9EEF49EFB72}" type="datetimeFigureOut">
               <a:rPr lang="en-US" smtClean="0"/>
-              <a:t>9/6/20</a:t>
+              <a:t>10/12/20</a:t>
             </a:fld>
             <a:endParaRPr lang="en-US"/>
           </a:p>
@@ -1139,7 +1244,7 @@
           <a:p>
             <a:fld id="{7C747D7E-6B19-984E-90F5-E9EEF49EFB72}" type="datetimeFigureOut">
               <a:rPr lang="en-US" smtClean="0"/>
-              <a:t>9/6/20</a:t>
+              <a:t>10/12/20</a:t>
             </a:fld>
             <a:endParaRPr lang="en-US"/>
           </a:p>
@@ -1319,7 +1424,7 @@
           <a:p>
             <a:fld id="{7C747D7E-6B19-984E-90F5-E9EEF49EFB72}" type="datetimeFigureOut">
               <a:rPr lang="en-US" smtClean="0"/>
-              <a:t>9/6/20</a:t>
+              <a:t>10/12/20</a:t>
             </a:fld>
             <a:endParaRPr lang="en-US"/>
           </a:p>
@@ -1489,7 +1594,7 @@
           <a:p>
             <a:fld id="{7C747D7E-6B19-984E-90F5-E9EEF49EFB72}" type="datetimeFigureOut">
               <a:rPr lang="en-US" smtClean="0"/>
-              <a:t>9/6/20</a:t>
+              <a:t>10/12/20</a:t>
             </a:fld>
             <a:endParaRPr lang="en-US"/>
           </a:p>
@@ -1735,7 +1840,7 @@
           <a:p>
             <a:fld id="{7C747D7E-6B19-984E-90F5-E9EEF49EFB72}" type="datetimeFigureOut">
               <a:rPr lang="en-US" smtClean="0"/>
-              <a:t>9/6/20</a:t>
+              <a:t>10/12/20</a:t>
             </a:fld>
             <a:endParaRPr lang="en-US"/>
           </a:p>
@@ -1967,7 +2072,7 @@
           <a:p>
             <a:fld id="{7C747D7E-6B19-984E-90F5-E9EEF49EFB72}" type="datetimeFigureOut">
               <a:rPr lang="en-US" smtClean="0"/>
-              <a:t>9/6/20</a:t>
+              <a:t>10/12/20</a:t>
             </a:fld>
             <a:endParaRPr lang="en-US"/>
           </a:p>
@@ -2334,7 +2439,7 @@
           <a:p>
             <a:fld id="{7C747D7E-6B19-984E-90F5-E9EEF49EFB72}" type="datetimeFigureOut">
               <a:rPr lang="en-US" smtClean="0"/>
-              <a:t>9/6/20</a:t>
+              <a:t>10/12/20</a:t>
             </a:fld>
             <a:endParaRPr lang="en-US"/>
           </a:p>
@@ -2452,7 +2557,7 @@
           <a:p>
             <a:fld id="{7C747D7E-6B19-984E-90F5-E9EEF49EFB72}" type="datetimeFigureOut">
               <a:rPr lang="en-US" smtClean="0"/>
-              <a:t>9/6/20</a:t>
+              <a:t>10/12/20</a:t>
             </a:fld>
             <a:endParaRPr lang="en-US"/>
           </a:p>
@@ -2547,7 +2652,7 @@
           <a:p>
             <a:fld id="{7C747D7E-6B19-984E-90F5-E9EEF49EFB72}" type="datetimeFigureOut">
               <a:rPr lang="en-US" smtClean="0"/>
-              <a:t>9/6/20</a:t>
+              <a:t>10/12/20</a:t>
             </a:fld>
             <a:endParaRPr lang="en-US"/>
           </a:p>
@@ -2824,7 +2929,7 @@
           <a:p>
             <a:fld id="{7C747D7E-6B19-984E-90F5-E9EEF49EFB72}" type="datetimeFigureOut">
               <a:rPr lang="en-US" smtClean="0"/>
-              <a:t>9/6/20</a:t>
+              <a:t>10/12/20</a:t>
             </a:fld>
             <a:endParaRPr lang="en-US"/>
           </a:p>
@@ -3081,7 +3186,7 @@
           <a:p>
             <a:fld id="{7C747D7E-6B19-984E-90F5-E9EEF49EFB72}" type="datetimeFigureOut">
               <a:rPr lang="en-US" smtClean="0"/>
-              <a:t>9/6/20</a:t>
+              <a:t>10/12/20</a:t>
             </a:fld>
             <a:endParaRPr lang="en-US"/>
           </a:p>
@@ -3294,7 +3399,7 @@
           <a:p>
             <a:fld id="{7C747D7E-6B19-984E-90F5-E9EEF49EFB72}" type="datetimeFigureOut">
               <a:rPr lang="en-US" smtClean="0"/>
-              <a:t>9/6/20</a:t>
+              <a:t>10/12/20</a:t>
             </a:fld>
             <a:endParaRPr lang="en-US"/>
           </a:p>
@@ -3936,477 +4041,6 @@
       </p:grpSpPr>
       <p:sp>
         <p:nvSpPr>
-          <p:cNvPr id="2" name="Rectangle 1">
-            <a:extLst>
-              <a:ext uri="{FF2B5EF4-FFF2-40B4-BE49-F238E27FC236}">
-                <a16:creationId xmlns:a16="http://schemas.microsoft.com/office/drawing/2014/main" id="{A3AD2D6A-50B8-1A4C-ACBE-CB6646F5EA8A}"/>
-              </a:ext>
-            </a:extLst>
-          </p:cNvPr>
-          <p:cNvSpPr/>
-          <p:nvPr/>
-        </p:nvSpPr>
-        <p:spPr>
-          <a:xfrm>
-            <a:off x="1844467" y="3105835"/>
-            <a:ext cx="8503066" cy="400110"/>
-          </a:xfrm>
-          <a:prstGeom prst="rect">
-            <a:avLst/>
-          </a:prstGeom>
-        </p:spPr>
-        <p:txBody>
-          <a:bodyPr wrap="square">
-            <a:spAutoFit/>
-          </a:bodyPr>
-          <a:lstStyle/>
-          <a:p>
-            <a:r>
-              <a:rPr lang="en-AU" sz="2000" dirty="0">
-                <a:solidFill>
-                  <a:schemeClr val="accent1">
-                    <a:lumMod val="75000"/>
-                  </a:schemeClr>
-                </a:solidFill>
-              </a:rPr>
-              <a:t> </a:t>
-            </a:r>
-            <a:r>
-              <a:rPr lang="en-AU" sz="2000" dirty="0" err="1">
-                <a:solidFill>
-                  <a:schemeClr val="tx1">
-                    <a:lumMod val="65000"/>
-                  </a:schemeClr>
-                </a:solidFill>
-              </a:rPr>
-              <a:t>currentReplicas</a:t>
-            </a:r>
-            <a:r>
-              <a:rPr lang="en-AU" sz="2000" dirty="0">
-                <a:solidFill>
-                  <a:schemeClr val="accent1">
-                    <a:lumMod val="75000"/>
-                  </a:schemeClr>
-                </a:solidFill>
-              </a:rPr>
-              <a:t> + </a:t>
-            </a:r>
-            <a:r>
-              <a:rPr lang="en-AU" sz="2000" dirty="0" err="1">
-                <a:solidFill>
-                  <a:schemeClr val="accent2"/>
-                </a:solidFill>
-              </a:rPr>
-              <a:t>desiredReplicas</a:t>
-            </a:r>
-            <a:r>
-              <a:rPr lang="en-AU" sz="2000" dirty="0"/>
-              <a:t>  =  </a:t>
-            </a:r>
-            <a:r>
-              <a:rPr lang="en-AU" sz="2000" dirty="0" err="1">
-                <a:solidFill>
-                  <a:schemeClr val="accent5"/>
-                </a:solidFill>
-              </a:rPr>
-              <a:t>currentMetricValue</a:t>
-            </a:r>
-            <a:r>
-              <a:rPr lang="en-AU" sz="2000" dirty="0"/>
-              <a:t> / </a:t>
-            </a:r>
-            <a:r>
-              <a:rPr lang="en-AU" sz="2000" dirty="0" err="1">
-                <a:solidFill>
-                  <a:schemeClr val="accent6"/>
-                </a:solidFill>
-              </a:rPr>
-              <a:t>targetMetricValue</a:t>
-            </a:r>
-            <a:r>
-              <a:rPr lang="en-AU" sz="2000" dirty="0"/>
-              <a:t> </a:t>
-            </a:r>
-          </a:p>
-        </p:txBody>
-      </p:sp>
-      <p:sp>
-        <p:nvSpPr>
-          <p:cNvPr id="3" name="Rectangle 2">
-            <a:extLst>
-              <a:ext uri="{FF2B5EF4-FFF2-40B4-BE49-F238E27FC236}">
-                <a16:creationId xmlns:a16="http://schemas.microsoft.com/office/drawing/2014/main" id="{7A421F11-B5CC-614A-8638-EC475B4F214F}"/>
-              </a:ext>
-            </a:extLst>
-          </p:cNvPr>
-          <p:cNvSpPr/>
-          <p:nvPr/>
-        </p:nvSpPr>
-        <p:spPr>
-          <a:xfrm>
-            <a:off x="1844467" y="3508114"/>
-            <a:ext cx="8503066" cy="400110"/>
-          </a:xfrm>
-          <a:prstGeom prst="rect">
-            <a:avLst/>
-          </a:prstGeom>
-        </p:spPr>
-        <p:txBody>
-          <a:bodyPr wrap="square">
-            <a:spAutoFit/>
-          </a:bodyPr>
-          <a:lstStyle/>
-          <a:p>
-            <a:r>
-              <a:rPr lang="en-AU" sz="2000" dirty="0"/>
-              <a:t>             </a:t>
-            </a:r>
-            <a:r>
-              <a:rPr lang="en-AU" sz="2000" dirty="0">
-                <a:solidFill>
-                  <a:schemeClr val="tx1">
-                    <a:lumMod val="65000"/>
-                  </a:schemeClr>
-                </a:solidFill>
-              </a:rPr>
-              <a:t>1</a:t>
-            </a:r>
-            <a:r>
-              <a:rPr lang="en-AU" sz="2000" dirty="0"/>
-              <a:t>              +             </a:t>
-            </a:r>
-            <a:r>
-              <a:rPr lang="en-AU" sz="2000" dirty="0">
-                <a:solidFill>
-                  <a:srgbClr val="C00000"/>
-                </a:solidFill>
-              </a:rPr>
-              <a:t>  </a:t>
-            </a:r>
-            <a:r>
-              <a:rPr lang="en-AU" sz="2000" dirty="0"/>
-              <a:t>                 =                                      /                  </a:t>
-            </a:r>
-            <a:r>
-              <a:rPr lang="en-AU" sz="2000" dirty="0">
-                <a:solidFill>
-                  <a:schemeClr val="accent6"/>
-                </a:solidFill>
-              </a:rPr>
-              <a:t>2</a:t>
-            </a:r>
-            <a:r>
-              <a:rPr lang="en-AU" sz="2000" dirty="0"/>
-              <a:t>                </a:t>
-            </a:r>
-            <a:endParaRPr lang="en-US" sz="2000" dirty="0"/>
-          </a:p>
-        </p:txBody>
-      </p:sp>
-      <p:sp>
-        <p:nvSpPr>
-          <p:cNvPr id="4" name="TextBox 3">
-            <a:extLst>
-              <a:ext uri="{FF2B5EF4-FFF2-40B4-BE49-F238E27FC236}">
-                <a16:creationId xmlns:a16="http://schemas.microsoft.com/office/drawing/2014/main" id="{93BAA285-0118-0142-8CFB-90D6C0F6BF1F}"/>
-              </a:ext>
-            </a:extLst>
-          </p:cNvPr>
-          <p:cNvSpPr txBox="1"/>
-          <p:nvPr/>
-        </p:nvSpPr>
-        <p:spPr>
-          <a:xfrm>
-            <a:off x="6588808" y="3538892"/>
-            <a:ext cx="418744" cy="369332"/>
-          </a:xfrm>
-          <a:prstGeom prst="rect">
-            <a:avLst/>
-          </a:prstGeom>
-          <a:noFill/>
-        </p:spPr>
-        <p:txBody>
-          <a:bodyPr wrap="square" rtlCol="0">
-            <a:spAutoFit/>
-          </a:bodyPr>
-          <a:lstStyle/>
-          <a:p>
-            <a:r>
-              <a:rPr lang="en-US" dirty="0">
-                <a:solidFill>
-                  <a:schemeClr val="accent5"/>
-                </a:solidFill>
-              </a:rPr>
-              <a:t>10</a:t>
-            </a:r>
-          </a:p>
-        </p:txBody>
-      </p:sp>
-      <p:sp>
-        <p:nvSpPr>
-          <p:cNvPr id="5" name="TextBox 4">
-            <a:extLst>
-              <a:ext uri="{FF2B5EF4-FFF2-40B4-BE49-F238E27FC236}">
-                <a16:creationId xmlns:a16="http://schemas.microsoft.com/office/drawing/2014/main" id="{2C45A523-32F2-1A46-B9AB-804C4A9AF844}"/>
-              </a:ext>
-            </a:extLst>
-          </p:cNvPr>
-          <p:cNvSpPr txBox="1"/>
-          <p:nvPr/>
-        </p:nvSpPr>
-        <p:spPr>
-          <a:xfrm>
-            <a:off x="4314202" y="3505945"/>
-            <a:ext cx="418744" cy="369332"/>
-          </a:xfrm>
-          <a:prstGeom prst="rect">
-            <a:avLst/>
-          </a:prstGeom>
-          <a:noFill/>
-        </p:spPr>
-        <p:txBody>
-          <a:bodyPr wrap="square" rtlCol="0">
-            <a:spAutoFit/>
-          </a:bodyPr>
-          <a:lstStyle/>
-          <a:p>
-            <a:r>
-              <a:rPr lang="en-US" dirty="0">
-                <a:solidFill>
-                  <a:schemeClr val="accent2"/>
-                </a:solidFill>
-              </a:rPr>
-              <a:t>4</a:t>
-            </a:r>
-          </a:p>
-        </p:txBody>
-      </p:sp>
-    </p:spTree>
-    <p:extLst>
-      <p:ext uri="{BB962C8B-B14F-4D97-AF65-F5344CB8AC3E}">
-        <p14:creationId xmlns:p14="http://schemas.microsoft.com/office/powerpoint/2010/main" val="1722881955"/>
-      </p:ext>
-    </p:extLst>
-  </p:cSld>
-  <p:clrMapOvr>
-    <a:masterClrMapping/>
-  </p:clrMapOvr>
-  <p:timing>
-    <p:tnLst>
-      <p:par>
-        <p:cTn id="1" dur="indefinite" restart="never" nodeType="tmRoot">
-          <p:childTnLst>
-            <p:seq concurrent="1" nextAc="seek">
-              <p:cTn id="2" dur="indefinite" nodeType="mainSeq">
-                <p:childTnLst>
-                  <p:par>
-                    <p:cTn id="3" fill="hold">
-                      <p:stCondLst>
-                        <p:cond delay="indefinite"/>
-                      </p:stCondLst>
-                      <p:childTnLst>
-                        <p:par>
-                          <p:cTn id="4" fill="hold">
-                            <p:stCondLst>
-                              <p:cond delay="0"/>
-                            </p:stCondLst>
-                            <p:childTnLst>
-                              <p:par>
-                                <p:cTn id="5" presetID="10" presetClass="entr" presetSubtype="0" fill="hold" grpId="0" nodeType="clickEffect">
-                                  <p:stCondLst>
-                                    <p:cond delay="0"/>
-                                  </p:stCondLst>
-                                  <p:childTnLst>
-                                    <p:set>
-                                      <p:cBhvr>
-                                        <p:cTn id="6" dur="1" fill="hold">
-                                          <p:stCondLst>
-                                            <p:cond delay="0"/>
-                                          </p:stCondLst>
-                                        </p:cTn>
-                                        <p:tgtEl>
-                                          <p:spTgt spid="3"/>
-                                        </p:tgtEl>
-                                        <p:attrNameLst>
-                                          <p:attrName>style.visibility</p:attrName>
-                                        </p:attrNameLst>
-                                      </p:cBhvr>
-                                      <p:to>
-                                        <p:strVal val="visible"/>
-                                      </p:to>
-                                    </p:set>
-                                    <p:animEffect transition="in" filter="fade">
-                                      <p:cBhvr>
-                                        <p:cTn id="7" dur="500"/>
-                                        <p:tgtEl>
-                                          <p:spTgt spid="3"/>
-                                        </p:tgtEl>
-                                      </p:cBhvr>
-                                    </p:animEffect>
-                                  </p:childTnLst>
-                                </p:cTn>
-                              </p:par>
-                            </p:childTnLst>
-                          </p:cTn>
-                        </p:par>
-                      </p:childTnLst>
-                    </p:cTn>
-                  </p:par>
-                  <p:par>
-                    <p:cTn id="8" fill="hold">
-                      <p:stCondLst>
-                        <p:cond delay="indefinite"/>
-                      </p:stCondLst>
-                      <p:childTnLst>
-                        <p:par>
-                          <p:cTn id="9" fill="hold">
-                            <p:stCondLst>
-                              <p:cond delay="0"/>
-                            </p:stCondLst>
-                            <p:childTnLst>
-                              <p:par>
-                                <p:cTn id="10" presetID="10" presetClass="entr" presetSubtype="0" fill="hold" grpId="0" nodeType="clickEffect">
-                                  <p:stCondLst>
-                                    <p:cond delay="0"/>
-                                  </p:stCondLst>
-                                  <p:childTnLst>
-                                    <p:set>
-                                      <p:cBhvr>
-                                        <p:cTn id="11" dur="1" fill="hold">
-                                          <p:stCondLst>
-                                            <p:cond delay="0"/>
-                                          </p:stCondLst>
-                                        </p:cTn>
-                                        <p:tgtEl>
-                                          <p:spTgt spid="4"/>
-                                        </p:tgtEl>
-                                        <p:attrNameLst>
-                                          <p:attrName>style.visibility</p:attrName>
-                                        </p:attrNameLst>
-                                      </p:cBhvr>
-                                      <p:to>
-                                        <p:strVal val="visible"/>
-                                      </p:to>
-                                    </p:set>
-                                    <p:animEffect transition="in" filter="fade">
-                                      <p:cBhvr>
-                                        <p:cTn id="12" dur="500"/>
-                                        <p:tgtEl>
-                                          <p:spTgt spid="4"/>
-                                        </p:tgtEl>
-                                      </p:cBhvr>
-                                    </p:animEffect>
-                                  </p:childTnLst>
-                                </p:cTn>
-                              </p:par>
-                            </p:childTnLst>
-                          </p:cTn>
-                        </p:par>
-                      </p:childTnLst>
-                    </p:cTn>
-                  </p:par>
-                  <p:par>
-                    <p:cTn id="13" fill="hold">
-                      <p:stCondLst>
-                        <p:cond delay="indefinite"/>
-                      </p:stCondLst>
-                      <p:childTnLst>
-                        <p:par>
-                          <p:cTn id="14" fill="hold">
-                            <p:stCondLst>
-                              <p:cond delay="0"/>
-                            </p:stCondLst>
-                            <p:childTnLst>
-                              <p:par>
-                                <p:cTn id="15" presetID="10" presetClass="entr" presetSubtype="0" fill="hold" grpId="0" nodeType="clickEffect">
-                                  <p:stCondLst>
-                                    <p:cond delay="0"/>
-                                  </p:stCondLst>
-                                  <p:childTnLst>
-                                    <p:set>
-                                      <p:cBhvr>
-                                        <p:cTn id="16" dur="1" fill="hold">
-                                          <p:stCondLst>
-                                            <p:cond delay="0"/>
-                                          </p:stCondLst>
-                                        </p:cTn>
-                                        <p:tgtEl>
-                                          <p:spTgt spid="5"/>
-                                        </p:tgtEl>
-                                        <p:attrNameLst>
-                                          <p:attrName>style.visibility</p:attrName>
-                                        </p:attrNameLst>
-                                      </p:cBhvr>
-                                      <p:to>
-                                        <p:strVal val="visible"/>
-                                      </p:to>
-                                    </p:set>
-                                    <p:animEffect transition="in" filter="fade">
-                                      <p:cBhvr>
-                                        <p:cTn id="17" dur="500"/>
-                                        <p:tgtEl>
-                                          <p:spTgt spid="5"/>
-                                        </p:tgtEl>
-                                      </p:cBhvr>
-                                    </p:animEffect>
-                                  </p:childTnLst>
-                                </p:cTn>
-                              </p:par>
-                            </p:childTnLst>
-                          </p:cTn>
-                        </p:par>
-                      </p:childTnLst>
-                    </p:cTn>
-                  </p:par>
-                </p:childTnLst>
-              </p:cTn>
-              <p:prevCondLst>
-                <p:cond evt="onPrev" delay="0">
-                  <p:tgtEl>
-                    <p:sldTgt/>
-                  </p:tgtEl>
-                </p:cond>
-              </p:prevCondLst>
-              <p:nextCondLst>
-                <p:cond evt="onNext" delay="0">
-                  <p:tgtEl>
-                    <p:sldTgt/>
-                  </p:tgtEl>
-                </p:cond>
-              </p:nextCondLst>
-            </p:seq>
-          </p:childTnLst>
-        </p:cTn>
-      </p:par>
-    </p:tnLst>
-    <p:bldLst>
-      <p:bldP spid="3" grpId="0"/>
-      <p:bldP spid="4" grpId="0"/>
-      <p:bldP spid="5" grpId="0"/>
-    </p:bldLst>
-  </p:timing>
-</p:sld>
-</file>
-
-<file path=ppt/slides/slide12.xml><?xml version="1.0" encoding="utf-8"?>
-<p:sld xmlns:a="http://schemas.openxmlformats.org/drawingml/2006/main" xmlns:r="http://schemas.openxmlformats.org/officeDocument/2006/relationships" xmlns:p="http://schemas.openxmlformats.org/presentationml/2006/main">
-  <p:cSld>
-    <p:spTree>
-      <p:nvGrpSpPr>
-        <p:cNvPr id="1" name=""/>
-        <p:cNvGrpSpPr/>
-        <p:nvPr/>
-      </p:nvGrpSpPr>
-      <p:grpSpPr>
-        <a:xfrm>
-          <a:off x="0" y="0"/>
-          <a:ext cx="0" cy="0"/>
-          <a:chOff x="0" y="0"/>
-          <a:chExt cx="0" cy="0"/>
-        </a:xfrm>
-      </p:grpSpPr>
-      <p:sp>
-        <p:nvSpPr>
           <p:cNvPr id="4" name="K8s cluster">
             <a:extLst>
               <a:ext uri="{FF2B5EF4-FFF2-40B4-BE49-F238E27FC236}">
@@ -6165,6 +5799,864 @@
 </p:sld>
 </file>
 
+<file path=ppt/slides/slide12.xml><?xml version="1.0" encoding="utf-8"?>
+<p:sld xmlns:a="http://schemas.openxmlformats.org/drawingml/2006/main" xmlns:r="http://schemas.openxmlformats.org/officeDocument/2006/relationships" xmlns:p="http://schemas.openxmlformats.org/presentationml/2006/main">
+  <p:cSld>
+    <p:spTree>
+      <p:nvGrpSpPr>
+        <p:cNvPr id="1" name=""/>
+        <p:cNvGrpSpPr/>
+        <p:nvPr/>
+      </p:nvGrpSpPr>
+      <p:grpSpPr>
+        <a:xfrm>
+          <a:off x="0" y="0"/>
+          <a:ext cx="0" cy="0"/>
+          <a:chOff x="0" y="0"/>
+          <a:chExt cx="0" cy="0"/>
+        </a:xfrm>
+      </p:grpSpPr>
+      <p:sp>
+        <p:nvSpPr>
+          <p:cNvPr id="7" name="TextBox 6">
+            <a:extLst>
+              <a:ext uri="{FF2B5EF4-FFF2-40B4-BE49-F238E27FC236}">
+                <a16:creationId xmlns:a16="http://schemas.microsoft.com/office/drawing/2014/main" id="{F88605C1-7E8F-6746-9819-3D0AAAF8000F}"/>
+              </a:ext>
+            </a:extLst>
+          </p:cNvPr>
+          <p:cNvSpPr txBox="1"/>
+          <p:nvPr/>
+        </p:nvSpPr>
+        <p:spPr>
+          <a:xfrm>
+            <a:off x="1113882" y="2709894"/>
+            <a:ext cx="3662669" cy="584775"/>
+          </a:xfrm>
+          <a:prstGeom prst="rect">
+            <a:avLst/>
+          </a:prstGeom>
+          <a:noFill/>
+        </p:spPr>
+        <p:txBody>
+          <a:bodyPr wrap="none" rtlCol="0">
+            <a:spAutoFit/>
+          </a:bodyPr>
+          <a:lstStyle/>
+          <a:p>
+            <a:r>
+              <a:rPr lang="en-US" sz="3200" dirty="0">
+                <a:solidFill>
+                  <a:schemeClr val="accent2">
+                    <a:lumMod val="75000"/>
+                  </a:schemeClr>
+                </a:solidFill>
+              </a:rPr>
+              <a:t>Current Metric Value</a:t>
+            </a:r>
+            <a:endParaRPr lang="en-US" sz="2400" dirty="0">
+              <a:solidFill>
+                <a:schemeClr val="accent2">
+                  <a:lumMod val="75000"/>
+                </a:schemeClr>
+              </a:solidFill>
+            </a:endParaRPr>
+          </a:p>
+        </p:txBody>
+      </p:sp>
+      <p:cxnSp>
+        <p:nvCxnSpPr>
+          <p:cNvPr id="9" name="Straight Arrow Connector 8">
+            <a:extLst>
+              <a:ext uri="{FF2B5EF4-FFF2-40B4-BE49-F238E27FC236}">
+                <a16:creationId xmlns:a16="http://schemas.microsoft.com/office/drawing/2014/main" id="{B00B2CD9-09D4-C043-84FD-B0EEA7DE341A}"/>
+              </a:ext>
+            </a:extLst>
+          </p:cNvPr>
+          <p:cNvCxnSpPr>
+            <a:cxnSpLocks/>
+          </p:cNvCxnSpPr>
+          <p:nvPr/>
+        </p:nvCxnSpPr>
+        <p:spPr>
+          <a:xfrm>
+            <a:off x="4958252" y="3002282"/>
+            <a:ext cx="2143691" cy="0"/>
+          </a:xfrm>
+          <a:prstGeom prst="straightConnector1">
+            <a:avLst/>
+          </a:prstGeom>
+          <a:ln w="41275">
+            <a:tailEnd type="triangle" w="lg" len="med"/>
+          </a:ln>
+        </p:spPr>
+        <p:style>
+          <a:lnRef idx="3">
+            <a:schemeClr val="accent4"/>
+          </a:lnRef>
+          <a:fillRef idx="0">
+            <a:schemeClr val="accent4"/>
+          </a:fillRef>
+          <a:effectRef idx="2">
+            <a:schemeClr val="accent4"/>
+          </a:effectRef>
+          <a:fontRef idx="minor">
+            <a:schemeClr val="tx1"/>
+          </a:fontRef>
+        </p:style>
+      </p:cxnSp>
+      <p:sp>
+        <p:nvSpPr>
+          <p:cNvPr id="11" name="TextBox 10">
+            <a:extLst>
+              <a:ext uri="{FF2B5EF4-FFF2-40B4-BE49-F238E27FC236}">
+                <a16:creationId xmlns:a16="http://schemas.microsoft.com/office/drawing/2014/main" id="{611C4AD4-7F28-314D-AC64-5187B9F9A21A}"/>
+              </a:ext>
+            </a:extLst>
+          </p:cNvPr>
+          <p:cNvSpPr txBox="1"/>
+          <p:nvPr/>
+        </p:nvSpPr>
+        <p:spPr>
+          <a:xfrm>
+            <a:off x="7415450" y="2709895"/>
+            <a:ext cx="3579221" cy="584775"/>
+          </a:xfrm>
+          <a:prstGeom prst="rect">
+            <a:avLst/>
+          </a:prstGeom>
+          <a:noFill/>
+        </p:spPr>
+        <p:txBody>
+          <a:bodyPr wrap="square" rtlCol="0">
+            <a:spAutoFit/>
+          </a:bodyPr>
+          <a:lstStyle/>
+          <a:p>
+            <a:r>
+              <a:rPr lang="en-US" sz="3200" dirty="0">
+                <a:solidFill>
+                  <a:schemeClr val="accent2">
+                    <a:lumMod val="75000"/>
+                  </a:schemeClr>
+                </a:solidFill>
+              </a:rPr>
+              <a:t>Number of Replicas</a:t>
+            </a:r>
+          </a:p>
+        </p:txBody>
+      </p:sp>
+      <p:sp>
+        <p:nvSpPr>
+          <p:cNvPr id="14" name="TextBox 13">
+            <a:extLst>
+              <a:ext uri="{FF2B5EF4-FFF2-40B4-BE49-F238E27FC236}">
+                <a16:creationId xmlns:a16="http://schemas.microsoft.com/office/drawing/2014/main" id="{FCE5EE56-72F2-1D46-9F8A-8B85C8029723}"/>
+              </a:ext>
+            </a:extLst>
+          </p:cNvPr>
+          <p:cNvSpPr txBox="1"/>
+          <p:nvPr/>
+        </p:nvSpPr>
+        <p:spPr>
+          <a:xfrm>
+            <a:off x="2794481" y="3437059"/>
+            <a:ext cx="601447" cy="584775"/>
+          </a:xfrm>
+          <a:prstGeom prst="rect">
+            <a:avLst/>
+          </a:prstGeom>
+          <a:noFill/>
+        </p:spPr>
+        <p:txBody>
+          <a:bodyPr wrap="none" rtlCol="0">
+            <a:spAutoFit/>
+          </a:bodyPr>
+          <a:lstStyle/>
+          <a:p>
+            <a:r>
+              <a:rPr lang="en-US" sz="3200" dirty="0">
+                <a:solidFill>
+                  <a:schemeClr val="accent6"/>
+                </a:solidFill>
+              </a:rPr>
+              <a:t>10</a:t>
+            </a:r>
+            <a:endParaRPr lang="en-US" sz="2400" dirty="0">
+              <a:solidFill>
+                <a:schemeClr val="accent6"/>
+              </a:solidFill>
+            </a:endParaRPr>
+          </a:p>
+        </p:txBody>
+      </p:sp>
+      <p:sp>
+        <p:nvSpPr>
+          <p:cNvPr id="16" name="TextBox 15">
+            <a:extLst>
+              <a:ext uri="{FF2B5EF4-FFF2-40B4-BE49-F238E27FC236}">
+                <a16:creationId xmlns:a16="http://schemas.microsoft.com/office/drawing/2014/main" id="{82209E2A-ECA2-D04A-A44B-816EB815189D}"/>
+              </a:ext>
+            </a:extLst>
+          </p:cNvPr>
+          <p:cNvSpPr txBox="1"/>
+          <p:nvPr/>
+        </p:nvSpPr>
+        <p:spPr>
+          <a:xfrm>
+            <a:off x="8796072" y="3437059"/>
+            <a:ext cx="601447" cy="584775"/>
+          </a:xfrm>
+          <a:prstGeom prst="rect">
+            <a:avLst/>
+          </a:prstGeom>
+          <a:noFill/>
+        </p:spPr>
+        <p:txBody>
+          <a:bodyPr wrap="square" rtlCol="0">
+            <a:spAutoFit/>
+          </a:bodyPr>
+          <a:lstStyle/>
+          <a:p>
+            <a:pPr algn="ctr"/>
+            <a:r>
+              <a:rPr lang="en-US" sz="3200" dirty="0">
+                <a:solidFill>
+                  <a:schemeClr val="accent6"/>
+                </a:solidFill>
+              </a:rPr>
+              <a:t>5</a:t>
+            </a:r>
+          </a:p>
+        </p:txBody>
+      </p:sp>
+      <p:sp>
+        <p:nvSpPr>
+          <p:cNvPr id="17" name="TextBox 16">
+            <a:extLst>
+              <a:ext uri="{FF2B5EF4-FFF2-40B4-BE49-F238E27FC236}">
+                <a16:creationId xmlns:a16="http://schemas.microsoft.com/office/drawing/2014/main" id="{FCCBF85B-2ECA-B844-B823-B738F0753F6D}"/>
+              </a:ext>
+            </a:extLst>
+          </p:cNvPr>
+          <p:cNvSpPr txBox="1"/>
+          <p:nvPr/>
+        </p:nvSpPr>
+        <p:spPr>
+          <a:xfrm>
+            <a:off x="2212212" y="946409"/>
+            <a:ext cx="7767576" cy="584775"/>
+          </a:xfrm>
+          <a:prstGeom prst="rect">
+            <a:avLst/>
+          </a:prstGeom>
+          <a:noFill/>
+        </p:spPr>
+        <p:txBody>
+          <a:bodyPr wrap="none" rtlCol="0">
+            <a:spAutoFit/>
+          </a:bodyPr>
+          <a:lstStyle/>
+          <a:p>
+            <a:pPr algn="ctr"/>
+            <a:r>
+              <a:rPr lang="en-US" sz="3200" dirty="0"/>
+              <a:t>Target Metric Value: metric value for 1 replica</a:t>
+            </a:r>
+            <a:endParaRPr lang="en-US" sz="2400" dirty="0"/>
+          </a:p>
+        </p:txBody>
+      </p:sp>
+      <p:sp>
+        <p:nvSpPr>
+          <p:cNvPr id="19" name="TextBox 18">
+            <a:extLst>
+              <a:ext uri="{FF2B5EF4-FFF2-40B4-BE49-F238E27FC236}">
+                <a16:creationId xmlns:a16="http://schemas.microsoft.com/office/drawing/2014/main" id="{B49E1289-0F60-E145-8999-180E9018030F}"/>
+              </a:ext>
+            </a:extLst>
+          </p:cNvPr>
+          <p:cNvSpPr txBox="1"/>
+          <p:nvPr/>
+        </p:nvSpPr>
+        <p:spPr>
+          <a:xfrm>
+            <a:off x="5600356" y="1764751"/>
+            <a:ext cx="601447" cy="584775"/>
+          </a:xfrm>
+          <a:prstGeom prst="rect">
+            <a:avLst/>
+          </a:prstGeom>
+          <a:noFill/>
+        </p:spPr>
+        <p:txBody>
+          <a:bodyPr wrap="square" rtlCol="0">
+            <a:spAutoFit/>
+          </a:bodyPr>
+          <a:lstStyle/>
+          <a:p>
+            <a:pPr algn="ctr"/>
+            <a:r>
+              <a:rPr lang="en-US" sz="3200" dirty="0"/>
+              <a:t>2</a:t>
+            </a:r>
+          </a:p>
+        </p:txBody>
+      </p:sp>
+      <p:sp>
+        <p:nvSpPr>
+          <p:cNvPr id="20" name="TextBox 19">
+            <a:extLst>
+              <a:ext uri="{FF2B5EF4-FFF2-40B4-BE49-F238E27FC236}">
+                <a16:creationId xmlns:a16="http://schemas.microsoft.com/office/drawing/2014/main" id="{5229A386-B16E-FD4F-B3E4-827EE2612894}"/>
+              </a:ext>
+            </a:extLst>
+          </p:cNvPr>
+          <p:cNvSpPr txBox="1"/>
+          <p:nvPr/>
+        </p:nvSpPr>
+        <p:spPr>
+          <a:xfrm>
+            <a:off x="2794481" y="3988525"/>
+            <a:ext cx="601447" cy="584775"/>
+          </a:xfrm>
+          <a:prstGeom prst="rect">
+            <a:avLst/>
+          </a:prstGeom>
+          <a:noFill/>
+        </p:spPr>
+        <p:txBody>
+          <a:bodyPr wrap="none" rtlCol="0">
+            <a:spAutoFit/>
+          </a:bodyPr>
+          <a:lstStyle/>
+          <a:p>
+            <a:r>
+              <a:rPr lang="en-US" sz="3200" dirty="0">
+                <a:solidFill>
+                  <a:schemeClr val="accent6"/>
+                </a:solidFill>
+              </a:rPr>
+              <a:t>18</a:t>
+            </a:r>
+            <a:endParaRPr lang="en-US" sz="2400" dirty="0">
+              <a:solidFill>
+                <a:schemeClr val="accent6"/>
+              </a:solidFill>
+            </a:endParaRPr>
+          </a:p>
+        </p:txBody>
+      </p:sp>
+      <p:sp>
+        <p:nvSpPr>
+          <p:cNvPr id="22" name="TextBox 21">
+            <a:extLst>
+              <a:ext uri="{FF2B5EF4-FFF2-40B4-BE49-F238E27FC236}">
+                <a16:creationId xmlns:a16="http://schemas.microsoft.com/office/drawing/2014/main" id="{D5E73661-AC99-3E49-8591-95135ECFA872}"/>
+              </a:ext>
+            </a:extLst>
+          </p:cNvPr>
+          <p:cNvSpPr txBox="1"/>
+          <p:nvPr/>
+        </p:nvSpPr>
+        <p:spPr>
+          <a:xfrm>
+            <a:off x="8796072" y="3988525"/>
+            <a:ext cx="601447" cy="584775"/>
+          </a:xfrm>
+          <a:prstGeom prst="rect">
+            <a:avLst/>
+          </a:prstGeom>
+          <a:noFill/>
+        </p:spPr>
+        <p:txBody>
+          <a:bodyPr wrap="square" rtlCol="0">
+            <a:spAutoFit/>
+          </a:bodyPr>
+          <a:lstStyle/>
+          <a:p>
+            <a:pPr algn="ctr"/>
+            <a:r>
+              <a:rPr lang="en-US" sz="3200" dirty="0">
+                <a:solidFill>
+                  <a:schemeClr val="accent6"/>
+                </a:solidFill>
+              </a:rPr>
+              <a:t>9</a:t>
+            </a:r>
+          </a:p>
+        </p:txBody>
+      </p:sp>
+      <p:sp>
+        <p:nvSpPr>
+          <p:cNvPr id="23" name="TextBox 22">
+            <a:extLst>
+              <a:ext uri="{FF2B5EF4-FFF2-40B4-BE49-F238E27FC236}">
+                <a16:creationId xmlns:a16="http://schemas.microsoft.com/office/drawing/2014/main" id="{E389B6ED-575B-4247-9C8D-5C1171ED084B}"/>
+              </a:ext>
+            </a:extLst>
+          </p:cNvPr>
+          <p:cNvSpPr txBox="1"/>
+          <p:nvPr/>
+        </p:nvSpPr>
+        <p:spPr>
+          <a:xfrm>
+            <a:off x="2898676" y="4633834"/>
+            <a:ext cx="393056" cy="584775"/>
+          </a:xfrm>
+          <a:prstGeom prst="rect">
+            <a:avLst/>
+          </a:prstGeom>
+          <a:noFill/>
+        </p:spPr>
+        <p:txBody>
+          <a:bodyPr wrap="none" rtlCol="0">
+            <a:spAutoFit/>
+          </a:bodyPr>
+          <a:lstStyle/>
+          <a:p>
+            <a:r>
+              <a:rPr lang="en-US" sz="3200" dirty="0">
+                <a:solidFill>
+                  <a:schemeClr val="accent6"/>
+                </a:solidFill>
+              </a:rPr>
+              <a:t>4</a:t>
+            </a:r>
+            <a:endParaRPr lang="en-US" sz="2400" dirty="0">
+              <a:solidFill>
+                <a:schemeClr val="accent6"/>
+              </a:solidFill>
+            </a:endParaRPr>
+          </a:p>
+        </p:txBody>
+      </p:sp>
+      <p:sp>
+        <p:nvSpPr>
+          <p:cNvPr id="25" name="TextBox 24">
+            <a:extLst>
+              <a:ext uri="{FF2B5EF4-FFF2-40B4-BE49-F238E27FC236}">
+                <a16:creationId xmlns:a16="http://schemas.microsoft.com/office/drawing/2014/main" id="{F73C5321-DCF7-3D43-B693-3B18B976AE87}"/>
+              </a:ext>
+            </a:extLst>
+          </p:cNvPr>
+          <p:cNvSpPr txBox="1"/>
+          <p:nvPr/>
+        </p:nvSpPr>
+        <p:spPr>
+          <a:xfrm>
+            <a:off x="8796072" y="4633834"/>
+            <a:ext cx="601447" cy="584775"/>
+          </a:xfrm>
+          <a:prstGeom prst="rect">
+            <a:avLst/>
+          </a:prstGeom>
+          <a:noFill/>
+        </p:spPr>
+        <p:txBody>
+          <a:bodyPr wrap="square" rtlCol="0">
+            <a:spAutoFit/>
+          </a:bodyPr>
+          <a:lstStyle/>
+          <a:p>
+            <a:pPr algn="ctr"/>
+            <a:r>
+              <a:rPr lang="en-US" sz="3200" dirty="0">
+                <a:solidFill>
+                  <a:schemeClr val="accent6"/>
+                </a:solidFill>
+              </a:rPr>
+              <a:t>2</a:t>
+            </a:r>
+          </a:p>
+        </p:txBody>
+      </p:sp>
+    </p:spTree>
+    <p:extLst>
+      <p:ext uri="{BB962C8B-B14F-4D97-AF65-F5344CB8AC3E}">
+        <p14:creationId xmlns:p14="http://schemas.microsoft.com/office/powerpoint/2010/main" val="3401704473"/>
+      </p:ext>
+    </p:extLst>
+  </p:cSld>
+  <p:clrMapOvr>
+    <a:masterClrMapping/>
+  </p:clrMapOvr>
+  <p:timing>
+    <p:tnLst>
+      <p:par>
+        <p:cTn id="1" dur="indefinite" restart="never" nodeType="tmRoot">
+          <p:childTnLst>
+            <p:seq concurrent="1" nextAc="seek">
+              <p:cTn id="2" dur="indefinite" nodeType="mainSeq">
+                <p:childTnLst>
+                  <p:par>
+                    <p:cTn id="3" fill="hold">
+                      <p:stCondLst>
+                        <p:cond delay="indefinite"/>
+                      </p:stCondLst>
+                      <p:childTnLst>
+                        <p:par>
+                          <p:cTn id="4" fill="hold">
+                            <p:stCondLst>
+                              <p:cond delay="0"/>
+                            </p:stCondLst>
+                            <p:childTnLst>
+                              <p:par>
+                                <p:cTn id="5" presetID="10" presetClass="entr" presetSubtype="0" fill="hold" grpId="0" nodeType="clickEffect">
+                                  <p:stCondLst>
+                                    <p:cond delay="0"/>
+                                  </p:stCondLst>
+                                  <p:childTnLst>
+                                    <p:set>
+                                      <p:cBhvr>
+                                        <p:cTn id="6" dur="1" fill="hold">
+                                          <p:stCondLst>
+                                            <p:cond delay="0"/>
+                                          </p:stCondLst>
+                                        </p:cTn>
+                                        <p:tgtEl>
+                                          <p:spTgt spid="7"/>
+                                        </p:tgtEl>
+                                        <p:attrNameLst>
+                                          <p:attrName>style.visibility</p:attrName>
+                                        </p:attrNameLst>
+                                      </p:cBhvr>
+                                      <p:to>
+                                        <p:strVal val="visible"/>
+                                      </p:to>
+                                    </p:set>
+                                    <p:animEffect transition="in" filter="fade">
+                                      <p:cBhvr>
+                                        <p:cTn id="7" dur="500"/>
+                                        <p:tgtEl>
+                                          <p:spTgt spid="7"/>
+                                        </p:tgtEl>
+                                      </p:cBhvr>
+                                    </p:animEffect>
+                                  </p:childTnLst>
+                                </p:cTn>
+                              </p:par>
+                              <p:par>
+                                <p:cTn id="8" presetID="10" presetClass="entr" presetSubtype="0" fill="hold" nodeType="withEffect">
+                                  <p:stCondLst>
+                                    <p:cond delay="0"/>
+                                  </p:stCondLst>
+                                  <p:childTnLst>
+                                    <p:set>
+                                      <p:cBhvr>
+                                        <p:cTn id="9" dur="1" fill="hold">
+                                          <p:stCondLst>
+                                            <p:cond delay="0"/>
+                                          </p:stCondLst>
+                                        </p:cTn>
+                                        <p:tgtEl>
+                                          <p:spTgt spid="9"/>
+                                        </p:tgtEl>
+                                        <p:attrNameLst>
+                                          <p:attrName>style.visibility</p:attrName>
+                                        </p:attrNameLst>
+                                      </p:cBhvr>
+                                      <p:to>
+                                        <p:strVal val="visible"/>
+                                      </p:to>
+                                    </p:set>
+                                    <p:animEffect transition="in" filter="fade">
+                                      <p:cBhvr>
+                                        <p:cTn id="10" dur="500"/>
+                                        <p:tgtEl>
+                                          <p:spTgt spid="9"/>
+                                        </p:tgtEl>
+                                      </p:cBhvr>
+                                    </p:animEffect>
+                                  </p:childTnLst>
+                                </p:cTn>
+                              </p:par>
+                              <p:par>
+                                <p:cTn id="11" presetID="10" presetClass="entr" presetSubtype="0" fill="hold" grpId="0" nodeType="withEffect">
+                                  <p:stCondLst>
+                                    <p:cond delay="0"/>
+                                  </p:stCondLst>
+                                  <p:childTnLst>
+                                    <p:set>
+                                      <p:cBhvr>
+                                        <p:cTn id="12" dur="1" fill="hold">
+                                          <p:stCondLst>
+                                            <p:cond delay="0"/>
+                                          </p:stCondLst>
+                                        </p:cTn>
+                                        <p:tgtEl>
+                                          <p:spTgt spid="11"/>
+                                        </p:tgtEl>
+                                        <p:attrNameLst>
+                                          <p:attrName>style.visibility</p:attrName>
+                                        </p:attrNameLst>
+                                      </p:cBhvr>
+                                      <p:to>
+                                        <p:strVal val="visible"/>
+                                      </p:to>
+                                    </p:set>
+                                    <p:animEffect transition="in" filter="fade">
+                                      <p:cBhvr>
+                                        <p:cTn id="13" dur="500"/>
+                                        <p:tgtEl>
+                                          <p:spTgt spid="11"/>
+                                        </p:tgtEl>
+                                      </p:cBhvr>
+                                    </p:animEffect>
+                                  </p:childTnLst>
+                                </p:cTn>
+                              </p:par>
+                              <p:par>
+                                <p:cTn id="14" presetID="10" presetClass="entr" presetSubtype="0" fill="hold" grpId="0" nodeType="withEffect">
+                                  <p:stCondLst>
+                                    <p:cond delay="0"/>
+                                  </p:stCondLst>
+                                  <p:childTnLst>
+                                    <p:set>
+                                      <p:cBhvr>
+                                        <p:cTn id="15" dur="1" fill="hold">
+                                          <p:stCondLst>
+                                            <p:cond delay="0"/>
+                                          </p:stCondLst>
+                                        </p:cTn>
+                                        <p:tgtEl>
+                                          <p:spTgt spid="14"/>
+                                        </p:tgtEl>
+                                        <p:attrNameLst>
+                                          <p:attrName>style.visibility</p:attrName>
+                                        </p:attrNameLst>
+                                      </p:cBhvr>
+                                      <p:to>
+                                        <p:strVal val="visible"/>
+                                      </p:to>
+                                    </p:set>
+                                    <p:animEffect transition="in" filter="fade">
+                                      <p:cBhvr>
+                                        <p:cTn id="16" dur="500"/>
+                                        <p:tgtEl>
+                                          <p:spTgt spid="14"/>
+                                        </p:tgtEl>
+                                      </p:cBhvr>
+                                    </p:animEffect>
+                                  </p:childTnLst>
+                                </p:cTn>
+                              </p:par>
+                              <p:par>
+                                <p:cTn id="17" presetID="10" presetClass="entr" presetSubtype="0" fill="hold" grpId="0" nodeType="withEffect">
+                                  <p:stCondLst>
+                                    <p:cond delay="0"/>
+                                  </p:stCondLst>
+                                  <p:childTnLst>
+                                    <p:set>
+                                      <p:cBhvr>
+                                        <p:cTn id="18" dur="1" fill="hold">
+                                          <p:stCondLst>
+                                            <p:cond delay="0"/>
+                                          </p:stCondLst>
+                                        </p:cTn>
+                                        <p:tgtEl>
+                                          <p:spTgt spid="16"/>
+                                        </p:tgtEl>
+                                        <p:attrNameLst>
+                                          <p:attrName>style.visibility</p:attrName>
+                                        </p:attrNameLst>
+                                      </p:cBhvr>
+                                      <p:to>
+                                        <p:strVal val="visible"/>
+                                      </p:to>
+                                    </p:set>
+                                    <p:animEffect transition="in" filter="fade">
+                                      <p:cBhvr>
+                                        <p:cTn id="19" dur="500"/>
+                                        <p:tgtEl>
+                                          <p:spTgt spid="16"/>
+                                        </p:tgtEl>
+                                      </p:cBhvr>
+                                    </p:animEffect>
+                                  </p:childTnLst>
+                                </p:cTn>
+                              </p:par>
+                              <p:par>
+                                <p:cTn id="20" presetID="10" presetClass="entr" presetSubtype="0" fill="hold" grpId="0" nodeType="withEffect">
+                                  <p:stCondLst>
+                                    <p:cond delay="0"/>
+                                  </p:stCondLst>
+                                  <p:childTnLst>
+                                    <p:set>
+                                      <p:cBhvr>
+                                        <p:cTn id="21" dur="1" fill="hold">
+                                          <p:stCondLst>
+                                            <p:cond delay="0"/>
+                                          </p:stCondLst>
+                                        </p:cTn>
+                                        <p:tgtEl>
+                                          <p:spTgt spid="20"/>
+                                        </p:tgtEl>
+                                        <p:attrNameLst>
+                                          <p:attrName>style.visibility</p:attrName>
+                                        </p:attrNameLst>
+                                      </p:cBhvr>
+                                      <p:to>
+                                        <p:strVal val="visible"/>
+                                      </p:to>
+                                    </p:set>
+                                    <p:animEffect transition="in" filter="fade">
+                                      <p:cBhvr>
+                                        <p:cTn id="22" dur="500"/>
+                                        <p:tgtEl>
+                                          <p:spTgt spid="20"/>
+                                        </p:tgtEl>
+                                      </p:cBhvr>
+                                    </p:animEffect>
+                                  </p:childTnLst>
+                                </p:cTn>
+                              </p:par>
+                              <p:par>
+                                <p:cTn id="23" presetID="10" presetClass="entr" presetSubtype="0" fill="hold" grpId="0" nodeType="withEffect">
+                                  <p:stCondLst>
+                                    <p:cond delay="0"/>
+                                  </p:stCondLst>
+                                  <p:childTnLst>
+                                    <p:set>
+                                      <p:cBhvr>
+                                        <p:cTn id="24" dur="1" fill="hold">
+                                          <p:stCondLst>
+                                            <p:cond delay="0"/>
+                                          </p:stCondLst>
+                                        </p:cTn>
+                                        <p:tgtEl>
+                                          <p:spTgt spid="22"/>
+                                        </p:tgtEl>
+                                        <p:attrNameLst>
+                                          <p:attrName>style.visibility</p:attrName>
+                                        </p:attrNameLst>
+                                      </p:cBhvr>
+                                      <p:to>
+                                        <p:strVal val="visible"/>
+                                      </p:to>
+                                    </p:set>
+                                    <p:animEffect transition="in" filter="fade">
+                                      <p:cBhvr>
+                                        <p:cTn id="25" dur="500"/>
+                                        <p:tgtEl>
+                                          <p:spTgt spid="22"/>
+                                        </p:tgtEl>
+                                      </p:cBhvr>
+                                    </p:animEffect>
+                                  </p:childTnLst>
+                                </p:cTn>
+                              </p:par>
+                              <p:par>
+                                <p:cTn id="26" presetID="10" presetClass="entr" presetSubtype="0" fill="hold" grpId="0" nodeType="withEffect">
+                                  <p:stCondLst>
+                                    <p:cond delay="0"/>
+                                  </p:stCondLst>
+                                  <p:childTnLst>
+                                    <p:set>
+                                      <p:cBhvr>
+                                        <p:cTn id="27" dur="1" fill="hold">
+                                          <p:stCondLst>
+                                            <p:cond delay="0"/>
+                                          </p:stCondLst>
+                                        </p:cTn>
+                                        <p:tgtEl>
+                                          <p:spTgt spid="23"/>
+                                        </p:tgtEl>
+                                        <p:attrNameLst>
+                                          <p:attrName>style.visibility</p:attrName>
+                                        </p:attrNameLst>
+                                      </p:cBhvr>
+                                      <p:to>
+                                        <p:strVal val="visible"/>
+                                      </p:to>
+                                    </p:set>
+                                    <p:animEffect transition="in" filter="fade">
+                                      <p:cBhvr>
+                                        <p:cTn id="28" dur="500"/>
+                                        <p:tgtEl>
+                                          <p:spTgt spid="23"/>
+                                        </p:tgtEl>
+                                      </p:cBhvr>
+                                    </p:animEffect>
+                                  </p:childTnLst>
+                                </p:cTn>
+                              </p:par>
+                              <p:par>
+                                <p:cTn id="29" presetID="10" presetClass="entr" presetSubtype="0" fill="hold" grpId="0" nodeType="withEffect">
+                                  <p:stCondLst>
+                                    <p:cond delay="0"/>
+                                  </p:stCondLst>
+                                  <p:childTnLst>
+                                    <p:set>
+                                      <p:cBhvr>
+                                        <p:cTn id="30" dur="1" fill="hold">
+                                          <p:stCondLst>
+                                            <p:cond delay="0"/>
+                                          </p:stCondLst>
+                                        </p:cTn>
+                                        <p:tgtEl>
+                                          <p:spTgt spid="25"/>
+                                        </p:tgtEl>
+                                        <p:attrNameLst>
+                                          <p:attrName>style.visibility</p:attrName>
+                                        </p:attrNameLst>
+                                      </p:cBhvr>
+                                      <p:to>
+                                        <p:strVal val="visible"/>
+                                      </p:to>
+                                    </p:set>
+                                    <p:animEffect transition="in" filter="fade">
+                                      <p:cBhvr>
+                                        <p:cTn id="31" dur="500"/>
+                                        <p:tgtEl>
+                                          <p:spTgt spid="25"/>
+                                        </p:tgtEl>
+                                      </p:cBhvr>
+                                    </p:animEffect>
+                                  </p:childTnLst>
+                                </p:cTn>
+                              </p:par>
+                            </p:childTnLst>
+                          </p:cTn>
+                        </p:par>
+                      </p:childTnLst>
+                    </p:cTn>
+                  </p:par>
+                </p:childTnLst>
+              </p:cTn>
+              <p:prevCondLst>
+                <p:cond evt="onPrev" delay="0">
+                  <p:tgtEl>
+                    <p:sldTgt/>
+                  </p:tgtEl>
+                </p:cond>
+              </p:prevCondLst>
+              <p:nextCondLst>
+                <p:cond evt="onNext" delay="0">
+                  <p:tgtEl>
+                    <p:sldTgt/>
+                  </p:tgtEl>
+                </p:cond>
+              </p:nextCondLst>
+            </p:seq>
+          </p:childTnLst>
+        </p:cTn>
+      </p:par>
+    </p:tnLst>
+    <p:bldLst>
+      <p:bldP spid="7" grpId="0"/>
+      <p:bldP spid="11" grpId="0"/>
+      <p:bldP spid="14" grpId="0"/>
+      <p:bldP spid="16" grpId="0"/>
+      <p:bldP spid="20" grpId="0"/>
+      <p:bldP spid="22" grpId="0"/>
+      <p:bldP spid="23" grpId="0"/>
+      <p:bldP spid="25" grpId="0"/>
+    </p:bldLst>
+  </p:timing>
+</p:sld>
+</file>
+
 <file path=ppt/slides/slide13.xml><?xml version="1.0" encoding="utf-8"?>
 <p:sld xmlns:a="http://schemas.openxmlformats.org/drawingml/2006/main" xmlns:r="http://schemas.openxmlformats.org/officeDocument/2006/relationships" xmlns:p="http://schemas.openxmlformats.org/presentationml/2006/main">
   <p:cSld>
@@ -6184,6 +6676,482 @@
       </p:grpSpPr>
       <p:sp>
         <p:nvSpPr>
+          <p:cNvPr id="2" name="Rectangle 1">
+            <a:extLst>
+              <a:ext uri="{FF2B5EF4-FFF2-40B4-BE49-F238E27FC236}">
+                <a16:creationId xmlns:a16="http://schemas.microsoft.com/office/drawing/2014/main" id="{A3AD2D6A-50B8-1A4C-ACBE-CB6646F5EA8A}"/>
+              </a:ext>
+            </a:extLst>
+          </p:cNvPr>
+          <p:cNvSpPr/>
+          <p:nvPr/>
+        </p:nvSpPr>
+        <p:spPr>
+          <a:xfrm>
+            <a:off x="1069403" y="2853287"/>
+            <a:ext cx="9555054" cy="461665"/>
+          </a:xfrm>
+          <a:prstGeom prst="rect">
+            <a:avLst/>
+          </a:prstGeom>
+        </p:spPr>
+        <p:txBody>
+          <a:bodyPr wrap="square">
+            <a:spAutoFit/>
+          </a:bodyPr>
+          <a:lstStyle/>
+          <a:p>
+            <a:r>
+              <a:rPr lang="en-AU" sz="2400" dirty="0" err="1">
+                <a:solidFill>
+                  <a:schemeClr val="accent5"/>
+                </a:solidFill>
+              </a:rPr>
+              <a:t>currentMetricValue</a:t>
+            </a:r>
+            <a:r>
+              <a:rPr lang="en-AU" sz="2400" dirty="0"/>
+              <a:t> / </a:t>
+            </a:r>
+            <a:r>
+              <a:rPr lang="en-AU" sz="2400" dirty="0" err="1">
+                <a:solidFill>
+                  <a:schemeClr val="accent6"/>
+                </a:solidFill>
+              </a:rPr>
+              <a:t>targetMetricValue</a:t>
+            </a:r>
+            <a:r>
+              <a:rPr lang="en-AU" sz="2400" dirty="0"/>
+              <a:t> = </a:t>
+            </a:r>
+            <a:r>
+              <a:rPr lang="en-AU" sz="2400" dirty="0" err="1">
+                <a:solidFill>
+                  <a:schemeClr val="tx1">
+                    <a:lumMod val="65000"/>
+                  </a:schemeClr>
+                </a:solidFill>
+              </a:rPr>
+              <a:t>currentReplicas</a:t>
+            </a:r>
+            <a:r>
+              <a:rPr lang="en-AU" sz="2400" dirty="0">
+                <a:solidFill>
+                  <a:schemeClr val="accent1">
+                    <a:lumMod val="75000"/>
+                  </a:schemeClr>
+                </a:solidFill>
+              </a:rPr>
+              <a:t> + </a:t>
+            </a:r>
+            <a:r>
+              <a:rPr lang="en-AU" sz="2400" dirty="0" err="1">
+                <a:solidFill>
+                  <a:schemeClr val="accent2"/>
+                </a:solidFill>
+              </a:rPr>
+              <a:t>desiredReplicas</a:t>
+            </a:r>
+            <a:r>
+              <a:rPr lang="en-AU" sz="2400" dirty="0"/>
+              <a:t> </a:t>
+            </a:r>
+          </a:p>
+        </p:txBody>
+      </p:sp>
+      <p:sp>
+        <p:nvSpPr>
+          <p:cNvPr id="3" name="Rectangle 2">
+            <a:extLst>
+              <a:ext uri="{FF2B5EF4-FFF2-40B4-BE49-F238E27FC236}">
+                <a16:creationId xmlns:a16="http://schemas.microsoft.com/office/drawing/2014/main" id="{7A421F11-B5CC-614A-8638-EC475B4F214F}"/>
+              </a:ext>
+            </a:extLst>
+          </p:cNvPr>
+          <p:cNvSpPr/>
+          <p:nvPr/>
+        </p:nvSpPr>
+        <p:spPr>
+          <a:xfrm>
+            <a:off x="1844467" y="3941171"/>
+            <a:ext cx="8503066" cy="584775"/>
+          </a:xfrm>
+          <a:prstGeom prst="rect">
+            <a:avLst/>
+          </a:prstGeom>
+        </p:spPr>
+        <p:txBody>
+          <a:bodyPr wrap="square">
+            <a:spAutoFit/>
+          </a:bodyPr>
+          <a:lstStyle/>
+          <a:p>
+            <a:r>
+              <a:rPr lang="en-AU" sz="2000" dirty="0"/>
+              <a:t>                             /                 </a:t>
+            </a:r>
+            <a:r>
+              <a:rPr lang="en-AU" sz="3200" dirty="0">
+                <a:solidFill>
+                  <a:schemeClr val="accent6"/>
+                </a:solidFill>
+              </a:rPr>
+              <a:t>2</a:t>
+            </a:r>
+            <a:r>
+              <a:rPr lang="en-AU" sz="2000" dirty="0">
+                <a:solidFill>
+                  <a:srgbClr val="C00000"/>
+                </a:solidFill>
+              </a:rPr>
+              <a:t>  </a:t>
+            </a:r>
+            <a:r>
+              <a:rPr lang="en-AU" sz="2000" dirty="0"/>
+              <a:t>                    </a:t>
+            </a:r>
+            <a:r>
+              <a:rPr lang="en-AU" sz="2800" dirty="0"/>
+              <a:t>=</a:t>
+            </a:r>
+            <a:r>
+              <a:rPr lang="en-AU" sz="2000" dirty="0"/>
+              <a:t>                  </a:t>
+            </a:r>
+            <a:r>
+              <a:rPr lang="en-AU" sz="3200" dirty="0">
+                <a:solidFill>
+                  <a:schemeClr val="tx1">
+                    <a:lumMod val="65000"/>
+                  </a:schemeClr>
+                </a:solidFill>
+              </a:rPr>
+              <a:t>1</a:t>
+            </a:r>
+            <a:r>
+              <a:rPr lang="en-AU" sz="2000" dirty="0">
+                <a:solidFill>
+                  <a:schemeClr val="tx1">
+                    <a:lumMod val="65000"/>
+                  </a:schemeClr>
+                </a:solidFill>
+              </a:rPr>
+              <a:t>              +</a:t>
+            </a:r>
+            <a:endParaRPr lang="en-US" sz="2000" dirty="0"/>
+          </a:p>
+        </p:txBody>
+      </p:sp>
+      <p:sp>
+        <p:nvSpPr>
+          <p:cNvPr id="4" name="TextBox 3">
+            <a:extLst>
+              <a:ext uri="{FF2B5EF4-FFF2-40B4-BE49-F238E27FC236}">
+                <a16:creationId xmlns:a16="http://schemas.microsoft.com/office/drawing/2014/main" id="{93BAA285-0118-0142-8CFB-90D6C0F6BF1F}"/>
+              </a:ext>
+            </a:extLst>
+          </p:cNvPr>
+          <p:cNvSpPr txBox="1"/>
+          <p:nvPr/>
+        </p:nvSpPr>
+        <p:spPr>
+          <a:xfrm>
+            <a:off x="2565448" y="3971949"/>
+            <a:ext cx="604472" cy="523220"/>
+          </a:xfrm>
+          <a:prstGeom prst="rect">
+            <a:avLst/>
+          </a:prstGeom>
+          <a:noFill/>
+        </p:spPr>
+        <p:txBody>
+          <a:bodyPr wrap="square" rtlCol="0">
+            <a:spAutoFit/>
+          </a:bodyPr>
+          <a:lstStyle/>
+          <a:p>
+            <a:r>
+              <a:rPr lang="en-US" sz="2800" dirty="0">
+                <a:solidFill>
+                  <a:schemeClr val="accent5"/>
+                </a:solidFill>
+              </a:rPr>
+              <a:t>10</a:t>
+            </a:r>
+            <a:endParaRPr lang="en-US" dirty="0">
+              <a:solidFill>
+                <a:schemeClr val="accent5"/>
+              </a:solidFill>
+            </a:endParaRPr>
+          </a:p>
+        </p:txBody>
+      </p:sp>
+      <p:sp>
+        <p:nvSpPr>
+          <p:cNvPr id="5" name="TextBox 4">
+            <a:extLst>
+              <a:ext uri="{FF2B5EF4-FFF2-40B4-BE49-F238E27FC236}">
+                <a16:creationId xmlns:a16="http://schemas.microsoft.com/office/drawing/2014/main" id="{2C45A523-32F2-1A46-B9AB-804C4A9AF844}"/>
+              </a:ext>
+            </a:extLst>
+          </p:cNvPr>
+          <p:cNvSpPr txBox="1"/>
+          <p:nvPr/>
+        </p:nvSpPr>
+        <p:spPr>
+          <a:xfrm>
+            <a:off x="9342549" y="3941171"/>
+            <a:ext cx="418744" cy="523220"/>
+          </a:xfrm>
+          <a:prstGeom prst="rect">
+            <a:avLst/>
+          </a:prstGeom>
+          <a:noFill/>
+        </p:spPr>
+        <p:txBody>
+          <a:bodyPr wrap="square" rtlCol="0">
+            <a:spAutoFit/>
+          </a:bodyPr>
+          <a:lstStyle/>
+          <a:p>
+            <a:r>
+              <a:rPr lang="en-US" sz="2800" dirty="0">
+                <a:solidFill>
+                  <a:schemeClr val="accent2"/>
+                </a:solidFill>
+              </a:rPr>
+              <a:t>4</a:t>
+            </a:r>
+          </a:p>
+        </p:txBody>
+      </p:sp>
+    </p:spTree>
+    <p:extLst>
+      <p:ext uri="{BB962C8B-B14F-4D97-AF65-F5344CB8AC3E}">
+        <p14:creationId xmlns:p14="http://schemas.microsoft.com/office/powerpoint/2010/main" val="495125051"/>
+      </p:ext>
+    </p:extLst>
+  </p:cSld>
+  <p:clrMapOvr>
+    <a:masterClrMapping/>
+  </p:clrMapOvr>
+  <p:timing>
+    <p:tnLst>
+      <p:par>
+        <p:cTn id="1" dur="indefinite" restart="never" nodeType="tmRoot">
+          <p:childTnLst>
+            <p:seq concurrent="1" nextAc="seek">
+              <p:cTn id="2" dur="indefinite" nodeType="mainSeq">
+                <p:childTnLst>
+                  <p:par>
+                    <p:cTn id="3" fill="hold">
+                      <p:stCondLst>
+                        <p:cond delay="indefinite"/>
+                      </p:stCondLst>
+                      <p:childTnLst>
+                        <p:par>
+                          <p:cTn id="4" fill="hold">
+                            <p:stCondLst>
+                              <p:cond delay="0"/>
+                            </p:stCondLst>
+                            <p:childTnLst>
+                              <p:par>
+                                <p:cTn id="5" presetID="10" presetClass="entr" presetSubtype="0" fill="hold" grpId="0" nodeType="clickEffect">
+                                  <p:stCondLst>
+                                    <p:cond delay="0"/>
+                                  </p:stCondLst>
+                                  <p:childTnLst>
+                                    <p:set>
+                                      <p:cBhvr>
+                                        <p:cTn id="6" dur="1" fill="hold">
+                                          <p:stCondLst>
+                                            <p:cond delay="0"/>
+                                          </p:stCondLst>
+                                        </p:cTn>
+                                        <p:tgtEl>
+                                          <p:spTgt spid="3"/>
+                                        </p:tgtEl>
+                                        <p:attrNameLst>
+                                          <p:attrName>style.visibility</p:attrName>
+                                        </p:attrNameLst>
+                                      </p:cBhvr>
+                                      <p:to>
+                                        <p:strVal val="visible"/>
+                                      </p:to>
+                                    </p:set>
+                                    <p:animEffect transition="in" filter="fade">
+                                      <p:cBhvr>
+                                        <p:cTn id="7" dur="500"/>
+                                        <p:tgtEl>
+                                          <p:spTgt spid="3"/>
+                                        </p:tgtEl>
+                                      </p:cBhvr>
+                                    </p:animEffect>
+                                  </p:childTnLst>
+                                </p:cTn>
+                              </p:par>
+                            </p:childTnLst>
+                          </p:cTn>
+                        </p:par>
+                      </p:childTnLst>
+                    </p:cTn>
+                  </p:par>
+                  <p:par>
+                    <p:cTn id="8" fill="hold">
+                      <p:stCondLst>
+                        <p:cond delay="indefinite"/>
+                      </p:stCondLst>
+                      <p:childTnLst>
+                        <p:par>
+                          <p:cTn id="9" fill="hold">
+                            <p:stCondLst>
+                              <p:cond delay="0"/>
+                            </p:stCondLst>
+                            <p:childTnLst>
+                              <p:par>
+                                <p:cTn id="10" presetID="10" presetClass="entr" presetSubtype="0" fill="hold" grpId="0" nodeType="clickEffect">
+                                  <p:stCondLst>
+                                    <p:cond delay="0"/>
+                                  </p:stCondLst>
+                                  <p:childTnLst>
+                                    <p:set>
+                                      <p:cBhvr>
+                                        <p:cTn id="11" dur="1" fill="hold">
+                                          <p:stCondLst>
+                                            <p:cond delay="0"/>
+                                          </p:stCondLst>
+                                        </p:cTn>
+                                        <p:tgtEl>
+                                          <p:spTgt spid="4"/>
+                                        </p:tgtEl>
+                                        <p:attrNameLst>
+                                          <p:attrName>style.visibility</p:attrName>
+                                        </p:attrNameLst>
+                                      </p:cBhvr>
+                                      <p:to>
+                                        <p:strVal val="visible"/>
+                                      </p:to>
+                                    </p:set>
+                                    <p:animEffect transition="in" filter="fade">
+                                      <p:cBhvr>
+                                        <p:cTn id="12" dur="500"/>
+                                        <p:tgtEl>
+                                          <p:spTgt spid="4"/>
+                                        </p:tgtEl>
+                                      </p:cBhvr>
+                                    </p:animEffect>
+                                  </p:childTnLst>
+                                </p:cTn>
+                              </p:par>
+                            </p:childTnLst>
+                          </p:cTn>
+                        </p:par>
+                      </p:childTnLst>
+                    </p:cTn>
+                  </p:par>
+                  <p:par>
+                    <p:cTn id="13" fill="hold">
+                      <p:stCondLst>
+                        <p:cond delay="indefinite"/>
+                      </p:stCondLst>
+                      <p:childTnLst>
+                        <p:par>
+                          <p:cTn id="14" fill="hold">
+                            <p:stCondLst>
+                              <p:cond delay="0"/>
+                            </p:stCondLst>
+                            <p:childTnLst>
+                              <p:par>
+                                <p:cTn id="15" presetID="10" presetClass="entr" presetSubtype="0" fill="hold" grpId="0" nodeType="clickEffect">
+                                  <p:stCondLst>
+                                    <p:cond delay="0"/>
+                                  </p:stCondLst>
+                                  <p:childTnLst>
+                                    <p:set>
+                                      <p:cBhvr>
+                                        <p:cTn id="16" dur="1" fill="hold">
+                                          <p:stCondLst>
+                                            <p:cond delay="0"/>
+                                          </p:stCondLst>
+                                        </p:cTn>
+                                        <p:tgtEl>
+                                          <p:spTgt spid="5"/>
+                                        </p:tgtEl>
+                                        <p:attrNameLst>
+                                          <p:attrName>style.visibility</p:attrName>
+                                        </p:attrNameLst>
+                                      </p:cBhvr>
+                                      <p:to>
+                                        <p:strVal val="visible"/>
+                                      </p:to>
+                                    </p:set>
+                                    <p:animEffect transition="in" filter="fade">
+                                      <p:cBhvr>
+                                        <p:cTn id="17" dur="500"/>
+                                        <p:tgtEl>
+                                          <p:spTgt spid="5"/>
+                                        </p:tgtEl>
+                                      </p:cBhvr>
+                                    </p:animEffect>
+                                  </p:childTnLst>
+                                </p:cTn>
+                              </p:par>
+                            </p:childTnLst>
+                          </p:cTn>
+                        </p:par>
+                      </p:childTnLst>
+                    </p:cTn>
+                  </p:par>
+                </p:childTnLst>
+              </p:cTn>
+              <p:prevCondLst>
+                <p:cond evt="onPrev" delay="0">
+                  <p:tgtEl>
+                    <p:sldTgt/>
+                  </p:tgtEl>
+                </p:cond>
+              </p:prevCondLst>
+              <p:nextCondLst>
+                <p:cond evt="onNext" delay="0">
+                  <p:tgtEl>
+                    <p:sldTgt/>
+                  </p:tgtEl>
+                </p:cond>
+              </p:nextCondLst>
+            </p:seq>
+          </p:childTnLst>
+        </p:cTn>
+      </p:par>
+    </p:tnLst>
+    <p:bldLst>
+      <p:bldP spid="3" grpId="0"/>
+      <p:bldP spid="4" grpId="0"/>
+      <p:bldP spid="5" grpId="0"/>
+    </p:bldLst>
+  </p:timing>
+</p:sld>
+</file>
+
+<file path=ppt/slides/slide14.xml><?xml version="1.0" encoding="utf-8"?>
+<p:sld xmlns:a="http://schemas.openxmlformats.org/drawingml/2006/main" xmlns:r="http://schemas.openxmlformats.org/officeDocument/2006/relationships" xmlns:p="http://schemas.openxmlformats.org/presentationml/2006/main">
+  <p:cSld>
+    <p:spTree>
+      <p:nvGrpSpPr>
+        <p:cNvPr id="1" name=""/>
+        <p:cNvGrpSpPr/>
+        <p:nvPr/>
+      </p:nvGrpSpPr>
+      <p:grpSpPr>
+        <a:xfrm>
+          <a:off x="0" y="0"/>
+          <a:ext cx="0" cy="0"/>
+          <a:chOff x="0" y="0"/>
+          <a:chExt cx="0" cy="0"/>
+        </a:xfrm>
+      </p:grpSpPr>
+      <p:sp>
+        <p:nvSpPr>
           <p:cNvPr id="4" name="Title 3">
             <a:extLst>
               <a:ext uri="{FF2B5EF4-FFF2-40B4-BE49-F238E27FC236}">
@@ -6255,7 +7223,7 @@
 </p:sld>
 </file>
 
-<file path=ppt/slides/slide14.xml><?xml version="1.0" encoding="utf-8"?>
+<file path=ppt/slides/slide15.xml><?xml version="1.0" encoding="utf-8"?>
 <p:sld xmlns:a="http://schemas.openxmlformats.org/drawingml/2006/main" xmlns:r="http://schemas.openxmlformats.org/officeDocument/2006/relationships" xmlns:p="http://schemas.openxmlformats.org/presentationml/2006/main">
   <p:cSld>
     <p:bg>
@@ -6966,89 +7934,6 @@
 </p:sld>
 </file>
 
-<file path=ppt/slides/slide15.xml><?xml version="1.0" encoding="utf-8"?>
-<p:sld xmlns:a="http://schemas.openxmlformats.org/drawingml/2006/main" xmlns:r="http://schemas.openxmlformats.org/officeDocument/2006/relationships" xmlns:p="http://schemas.openxmlformats.org/presentationml/2006/main">
-  <p:cSld>
-    <p:spTree>
-      <p:nvGrpSpPr>
-        <p:cNvPr id="1" name=""/>
-        <p:cNvGrpSpPr/>
-        <p:nvPr/>
-      </p:nvGrpSpPr>
-      <p:grpSpPr>
-        <a:xfrm>
-          <a:off x="0" y="0"/>
-          <a:ext cx="0" cy="0"/>
-          <a:chOff x="0" y="0"/>
-          <a:chExt cx="0" cy="0"/>
-        </a:xfrm>
-      </p:grpSpPr>
-      <p:sp>
-        <p:nvSpPr>
-          <p:cNvPr id="8" name="Title 7">
-            <a:extLst>
-              <a:ext uri="{FF2B5EF4-FFF2-40B4-BE49-F238E27FC236}">
-                <a16:creationId xmlns:a16="http://schemas.microsoft.com/office/drawing/2014/main" id="{97B4083C-A237-8F44-8B9D-04615350ACF1}"/>
-              </a:ext>
-            </a:extLst>
-          </p:cNvPr>
-          <p:cNvSpPr>
-            <a:spLocks noGrp="1"/>
-          </p:cNvSpPr>
-          <p:nvPr>
-            <p:ph type="ctrTitle"/>
-          </p:nvPr>
-        </p:nvSpPr>
-        <p:spPr/>
-        <p:txBody>
-          <a:bodyPr/>
-          <a:lstStyle/>
-          <a:p>
-            <a:r>
-              <a:rPr lang="en-US" dirty="0"/>
-              <a:t>Let’s do it!</a:t>
-            </a:r>
-          </a:p>
-        </p:txBody>
-      </p:sp>
-      <p:sp>
-        <p:nvSpPr>
-          <p:cNvPr id="9" name="Subtitle 8">
-            <a:extLst>
-              <a:ext uri="{FF2B5EF4-FFF2-40B4-BE49-F238E27FC236}">
-                <a16:creationId xmlns:a16="http://schemas.microsoft.com/office/drawing/2014/main" id="{F41C9855-7893-714C-80F6-B34BA2A9EE0A}"/>
-              </a:ext>
-            </a:extLst>
-          </p:cNvPr>
-          <p:cNvSpPr>
-            <a:spLocks noGrp="1"/>
-          </p:cNvSpPr>
-          <p:nvPr>
-            <p:ph type="subTitle" idx="1"/>
-          </p:nvPr>
-        </p:nvSpPr>
-        <p:spPr/>
-        <p:txBody>
-          <a:bodyPr/>
-          <a:lstStyle/>
-          <a:p>
-            <a:endParaRPr lang="en-US"/>
-          </a:p>
-        </p:txBody>
-      </p:sp>
-    </p:spTree>
-    <p:extLst>
-      <p:ext uri="{BB962C8B-B14F-4D97-AF65-F5344CB8AC3E}">
-        <p14:creationId xmlns:p14="http://schemas.microsoft.com/office/powerpoint/2010/main" val="3448386562"/>
-      </p:ext>
-    </p:extLst>
-  </p:cSld>
-  <p:clrMapOvr>
-    <a:masterClrMapping/>
-  </p:clrMapOvr>
-</p:sld>
-</file>
-
 <file path=ppt/slides/slide16.xml><?xml version="1.0" encoding="utf-8"?>
 <p:sld xmlns:a="http://schemas.openxmlformats.org/drawingml/2006/main" xmlns:r="http://schemas.openxmlformats.org/officeDocument/2006/relationships" xmlns:p="http://schemas.openxmlformats.org/presentationml/2006/main">
   <p:cSld>
@@ -7068,6 +7953,89 @@
       </p:grpSpPr>
       <p:sp>
         <p:nvSpPr>
+          <p:cNvPr id="8" name="Title 7">
+            <a:extLst>
+              <a:ext uri="{FF2B5EF4-FFF2-40B4-BE49-F238E27FC236}">
+                <a16:creationId xmlns:a16="http://schemas.microsoft.com/office/drawing/2014/main" id="{97B4083C-A237-8F44-8B9D-04615350ACF1}"/>
+              </a:ext>
+            </a:extLst>
+          </p:cNvPr>
+          <p:cNvSpPr>
+            <a:spLocks noGrp="1"/>
+          </p:cNvSpPr>
+          <p:nvPr>
+            <p:ph type="ctrTitle"/>
+          </p:nvPr>
+        </p:nvSpPr>
+        <p:spPr/>
+        <p:txBody>
+          <a:bodyPr/>
+          <a:lstStyle/>
+          <a:p>
+            <a:r>
+              <a:rPr lang="en-US" dirty="0"/>
+              <a:t>Let’s do it!</a:t>
+            </a:r>
+          </a:p>
+        </p:txBody>
+      </p:sp>
+      <p:sp>
+        <p:nvSpPr>
+          <p:cNvPr id="9" name="Subtitle 8">
+            <a:extLst>
+              <a:ext uri="{FF2B5EF4-FFF2-40B4-BE49-F238E27FC236}">
+                <a16:creationId xmlns:a16="http://schemas.microsoft.com/office/drawing/2014/main" id="{F41C9855-7893-714C-80F6-B34BA2A9EE0A}"/>
+              </a:ext>
+            </a:extLst>
+          </p:cNvPr>
+          <p:cNvSpPr>
+            <a:spLocks noGrp="1"/>
+          </p:cNvSpPr>
+          <p:nvPr>
+            <p:ph type="subTitle" idx="1"/>
+          </p:nvPr>
+        </p:nvSpPr>
+        <p:spPr/>
+        <p:txBody>
+          <a:bodyPr/>
+          <a:lstStyle/>
+          <a:p>
+            <a:endParaRPr lang="en-US"/>
+          </a:p>
+        </p:txBody>
+      </p:sp>
+    </p:spTree>
+    <p:extLst>
+      <p:ext uri="{BB962C8B-B14F-4D97-AF65-F5344CB8AC3E}">
+        <p14:creationId xmlns:p14="http://schemas.microsoft.com/office/powerpoint/2010/main" val="3448386562"/>
+      </p:ext>
+    </p:extLst>
+  </p:cSld>
+  <p:clrMapOvr>
+    <a:masterClrMapping/>
+  </p:clrMapOvr>
+</p:sld>
+</file>
+
+<file path=ppt/slides/slide17.xml><?xml version="1.0" encoding="utf-8"?>
+<p:sld xmlns:a="http://schemas.openxmlformats.org/drawingml/2006/main" xmlns:r="http://schemas.openxmlformats.org/officeDocument/2006/relationships" xmlns:p="http://schemas.openxmlformats.org/presentationml/2006/main">
+  <p:cSld>
+    <p:spTree>
+      <p:nvGrpSpPr>
+        <p:cNvPr id="1" name=""/>
+        <p:cNvGrpSpPr/>
+        <p:nvPr/>
+      </p:nvGrpSpPr>
+      <p:grpSpPr>
+        <a:xfrm>
+          <a:off x="0" y="0"/>
+          <a:ext cx="0" cy="0"/>
+          <a:chOff x="0" y="0"/>
+          <a:chExt cx="0" cy="0"/>
+        </a:xfrm>
+      </p:grpSpPr>
+      <p:sp>
+        <p:nvSpPr>
           <p:cNvPr id="4" name="Title 3">
             <a:extLst>
               <a:ext uri="{FF2B5EF4-FFF2-40B4-BE49-F238E27FC236}">
@@ -7132,7 +8100,7 @@
 </p:sld>
 </file>
 
-<file path=ppt/slides/slide17.xml><?xml version="1.0" encoding="utf-8"?>
+<file path=ppt/slides/slide18.xml><?xml version="1.0" encoding="utf-8"?>
 <p:sld xmlns:a="http://schemas.openxmlformats.org/drawingml/2006/main" xmlns:r="http://schemas.openxmlformats.org/officeDocument/2006/relationships" xmlns:p="http://schemas.openxmlformats.org/presentationml/2006/main">
   <p:cSld>
     <p:spTree>
@@ -9017,7 +9985,7 @@
 </p:sld>
 </file>
 
-<file path=ppt/slides/slide18.xml><?xml version="1.0" encoding="utf-8"?>
+<file path=ppt/slides/slide19.xml><?xml version="1.0" encoding="utf-8"?>
 <p:sld xmlns:a="http://schemas.openxmlformats.org/drawingml/2006/main" xmlns:r="http://schemas.openxmlformats.org/officeDocument/2006/relationships" xmlns:p="http://schemas.openxmlformats.org/presentationml/2006/main">
   <p:cSld>
     <p:spTree>
@@ -9104,796 +10072,6 @@
   <p:clrMapOvr>
     <a:masterClrMapping/>
   </p:clrMapOvr>
-</p:sld>
-</file>
-
-<file path=ppt/slides/slide19.xml><?xml version="1.0" encoding="utf-8"?>
-<p:sld xmlns:a="http://schemas.openxmlformats.org/drawingml/2006/main" xmlns:r="http://schemas.openxmlformats.org/officeDocument/2006/relationships" xmlns:p="http://schemas.openxmlformats.org/presentationml/2006/main">
-  <p:cSld>
-    <p:bg>
-      <p:bgPr>
-        <a:solidFill>
-          <a:schemeClr val="bg1"/>
-        </a:solidFill>
-        <a:effectLst/>
-      </p:bgPr>
-    </p:bg>
-    <p:spTree>
-      <p:nvGrpSpPr>
-        <p:cNvPr id="1" name=""/>
-        <p:cNvGrpSpPr/>
-        <p:nvPr/>
-      </p:nvGrpSpPr>
-      <p:grpSpPr>
-        <a:xfrm>
-          <a:off x="0" y="0"/>
-          <a:ext cx="0" cy="0"/>
-          <a:chOff x="0" y="0"/>
-          <a:chExt cx="0" cy="0"/>
-        </a:xfrm>
-      </p:grpSpPr>
-      <p:sp useBgFill="1">
-        <p:nvSpPr>
-          <p:cNvPr id="12" name="Rectangle 11">
-            <a:extLst>
-              <a:ext uri="{FF2B5EF4-FFF2-40B4-BE49-F238E27FC236}">
-                <a16:creationId xmlns:a16="http://schemas.microsoft.com/office/drawing/2014/main" id="{80DF40B2-80F7-4E71-B46C-284163F3654A}"/>
-              </a:ext>
-              <a:ext uri="{C183D7F6-B498-43B3-948B-1728B52AA6E4}">
-                <adec:decorative xmlns:adec="http://schemas.microsoft.com/office/drawing/2017/decorative" val="1"/>
-              </a:ext>
-            </a:extLst>
-          </p:cNvPr>
-          <p:cNvSpPr>
-            <a:spLocks noGrp="1" noRot="1" noChangeAspect="1" noMove="1" noResize="1" noEditPoints="1" noAdjustHandles="1" noChangeArrowheads="1" noChangeShapeType="1" noTextEdit="1"/>
-          </p:cNvSpPr>
-          <p:nvPr>
-            <p:extLst>
-              <p:ext uri="{386F3935-93C4-4BCD-93E2-E3B085C9AB24}">
-                <p16:designElem xmlns:p16="http://schemas.microsoft.com/office/powerpoint/2015/main" val="1"/>
-              </p:ext>
-            </p:extLst>
-          </p:nvPr>
-        </p:nvSpPr>
-        <p:spPr>
-          <a:xfrm>
-            <a:off x="-1" y="0"/>
-            <a:ext cx="12188952" cy="6858000"/>
-          </a:xfrm>
-          <a:prstGeom prst="rect">
-            <a:avLst/>
-          </a:prstGeom>
-          <a:ln>
-            <a:noFill/>
-          </a:ln>
-        </p:spPr>
-        <p:style>
-          <a:lnRef idx="2">
-            <a:schemeClr val="accent1">
-              <a:shade val="50000"/>
-            </a:schemeClr>
-          </a:lnRef>
-          <a:fillRef idx="1">
-            <a:schemeClr val="accent1"/>
-          </a:fillRef>
-          <a:effectRef idx="0">
-            <a:schemeClr val="accent1"/>
-          </a:effectRef>
-          <a:fontRef idx="minor">
-            <a:schemeClr val="lt1"/>
-          </a:fontRef>
-        </p:style>
-        <p:txBody>
-          <a:bodyPr rtlCol="0" anchor="ctr"/>
-          <a:lstStyle/>
-          <a:p>
-            <a:pPr algn="ctr"/>
-            <a:endParaRPr lang="en-US"/>
-          </a:p>
-        </p:txBody>
-      </p:sp>
-      <p:sp>
-        <p:nvSpPr>
-          <p:cNvPr id="2" name="Title 1">
-            <a:extLst>
-              <a:ext uri="{FF2B5EF4-FFF2-40B4-BE49-F238E27FC236}">
-                <a16:creationId xmlns:a16="http://schemas.microsoft.com/office/drawing/2014/main" id="{CFFF62C6-D536-B340-A938-C2EB3DDF321B}"/>
-              </a:ext>
-            </a:extLst>
-          </p:cNvPr>
-          <p:cNvSpPr>
-            <a:spLocks noGrp="1"/>
-          </p:cNvSpPr>
-          <p:nvPr>
-            <p:ph type="title"/>
-          </p:nvPr>
-        </p:nvSpPr>
-        <p:spPr>
-          <a:xfrm>
-            <a:off x="838199" y="548464"/>
-            <a:ext cx="3807187" cy="2228074"/>
-          </a:xfrm>
-        </p:spPr>
-        <p:txBody>
-          <a:bodyPr>
-            <a:normAutofit/>
-          </a:bodyPr>
-          <a:lstStyle/>
-          <a:p>
-            <a:r>
-              <a:rPr lang="en-US" sz="4000" dirty="0"/>
-              <a:t>Workshop 2 plan</a:t>
-            </a:r>
-          </a:p>
-        </p:txBody>
-      </p:sp>
-      <p:sp>
-        <p:nvSpPr>
-          <p:cNvPr id="9" name="Content Placeholder 8">
-            <a:extLst>
-              <a:ext uri="{FF2B5EF4-FFF2-40B4-BE49-F238E27FC236}">
-                <a16:creationId xmlns:a16="http://schemas.microsoft.com/office/drawing/2014/main" id="{34F53853-5610-4A54-B89C-2ED030ED88B4}"/>
-              </a:ext>
-            </a:extLst>
-          </p:cNvPr>
-          <p:cNvSpPr>
-            <a:spLocks noGrp="1"/>
-          </p:cNvSpPr>
-          <p:nvPr>
-            <p:ph idx="1"/>
-          </p:nvPr>
-        </p:nvSpPr>
-        <p:spPr>
-          <a:xfrm>
-            <a:off x="598206" y="2962279"/>
-            <a:ext cx="4332717" cy="3143241"/>
-          </a:xfrm>
-        </p:spPr>
-        <p:txBody>
-          <a:bodyPr>
-            <a:normAutofit/>
-          </a:bodyPr>
-          <a:lstStyle/>
-          <a:p>
-            <a:pPr marL="457200" indent="-457200">
-              <a:buFont typeface="+mj-lt"/>
-              <a:buAutoNum type="arabicPeriod"/>
-            </a:pPr>
-            <a:r>
-              <a:rPr lang="en-US" sz="2000" dirty="0"/>
-              <a:t>Clean up last demo</a:t>
-            </a:r>
-          </a:p>
-          <a:p>
-            <a:pPr marL="457200" indent="-457200">
-              <a:buFont typeface="+mj-lt"/>
-              <a:buAutoNum type="arabicPeriod"/>
-            </a:pPr>
-            <a:r>
-              <a:rPr lang="en-US" sz="2000" dirty="0"/>
-              <a:t>Create Target Deployment</a:t>
-            </a:r>
-          </a:p>
-          <a:p>
-            <a:pPr marL="457200" indent="-457200">
-              <a:buFont typeface="+mj-lt"/>
-              <a:buAutoNum type="arabicPeriod"/>
-            </a:pPr>
-            <a:r>
-              <a:rPr lang="en-US" sz="2000" dirty="0"/>
-              <a:t>Create External scaler</a:t>
-            </a:r>
-          </a:p>
-          <a:p>
-            <a:pPr marL="457200" indent="-457200">
-              <a:buFont typeface="+mj-lt"/>
-              <a:buAutoNum type="arabicPeriod"/>
-            </a:pPr>
-            <a:r>
-              <a:rPr lang="en-US" sz="2000" dirty="0"/>
-              <a:t>Deploy External scaler </a:t>
-            </a:r>
-          </a:p>
-          <a:p>
-            <a:pPr marL="457200" indent="-457200">
-              <a:buFont typeface="+mj-lt"/>
-              <a:buAutoNum type="arabicPeriod"/>
-            </a:pPr>
-            <a:r>
-              <a:rPr lang="en-US" sz="2000" dirty="0"/>
-              <a:t>Create </a:t>
-            </a:r>
-            <a:r>
-              <a:rPr lang="en-US" sz="2000" dirty="0" err="1"/>
-              <a:t>Mockserver</a:t>
-            </a:r>
-            <a:r>
-              <a:rPr lang="en-US" sz="2000" dirty="0"/>
-              <a:t> (fake metrics)</a:t>
-            </a:r>
-          </a:p>
-          <a:p>
-            <a:pPr marL="457200" indent="-457200">
-              <a:buFont typeface="+mj-lt"/>
-              <a:buAutoNum type="arabicPeriod"/>
-            </a:pPr>
-            <a:r>
-              <a:rPr lang="en-US" sz="2000" dirty="0"/>
-              <a:t>Create </a:t>
-            </a:r>
-            <a:r>
-              <a:rPr lang="en-US" sz="2000" dirty="0" err="1"/>
-              <a:t>ScaledObject</a:t>
-            </a:r>
-            <a:endParaRPr lang="en-US" sz="2000" dirty="0"/>
-          </a:p>
-          <a:p>
-            <a:pPr marL="457200" indent="-457200">
-              <a:buFont typeface="+mj-lt"/>
-              <a:buAutoNum type="arabicPeriod"/>
-            </a:pPr>
-            <a:r>
-              <a:rPr lang="en-US" sz="2000" dirty="0"/>
-              <a:t>Observe scaling </a:t>
-            </a:r>
-            <a:r>
-              <a:rPr lang="en-US" sz="2000" dirty="0">
-                <a:sym typeface="Wingdings" pitchFamily="2" charset="2"/>
-              </a:rPr>
-              <a:t></a:t>
-            </a:r>
-            <a:endParaRPr lang="en-US" sz="2000" dirty="0"/>
-          </a:p>
-        </p:txBody>
-      </p:sp>
-      <p:pic>
-        <p:nvPicPr>
-          <p:cNvPr id="5" name="Content Placeholder 4" descr="A person using a computer&#10;&#10;Description automatically generated">
-            <a:extLst>
-              <a:ext uri="{FF2B5EF4-FFF2-40B4-BE49-F238E27FC236}">
-                <a16:creationId xmlns:a16="http://schemas.microsoft.com/office/drawing/2014/main" id="{CA6F3692-BBC0-A648-B0B3-3B6B7042491B}"/>
-              </a:ext>
-            </a:extLst>
-          </p:cNvPr>
-          <p:cNvPicPr>
-            <a:picLocks noChangeAspect="1"/>
-          </p:cNvPicPr>
-          <p:nvPr/>
-        </p:nvPicPr>
-        <p:blipFill rotWithShape="1">
-          <a:blip r:embed="rId2"/>
-          <a:srcRect r="21461"/>
-          <a:stretch/>
-        </p:blipFill>
-        <p:spPr>
-          <a:xfrm>
-            <a:off x="5010386" y="10"/>
-            <a:ext cx="7181613" cy="6857990"/>
-          </a:xfrm>
-          <a:prstGeom prst="rect">
-            <a:avLst/>
-          </a:prstGeom>
-          <a:effectLst/>
-        </p:spPr>
-      </p:pic>
-      <p:sp>
-        <p:nvSpPr>
-          <p:cNvPr id="6" name="Rectangle 5">
-            <a:extLst>
-              <a:ext uri="{FF2B5EF4-FFF2-40B4-BE49-F238E27FC236}">
-                <a16:creationId xmlns:a16="http://schemas.microsoft.com/office/drawing/2014/main" id="{D8FDDDBB-FB7C-564D-A731-7B3791774239}"/>
-              </a:ext>
-            </a:extLst>
-          </p:cNvPr>
-          <p:cNvSpPr/>
-          <p:nvPr/>
-        </p:nvSpPr>
-        <p:spPr>
-          <a:xfrm>
-            <a:off x="9703912" y="6580991"/>
-            <a:ext cx="2485039" cy="276999"/>
-          </a:xfrm>
-          <a:prstGeom prst="rect">
-            <a:avLst/>
-          </a:prstGeom>
-        </p:spPr>
-        <p:txBody>
-          <a:bodyPr wrap="none">
-            <a:spAutoFit/>
-          </a:bodyPr>
-          <a:lstStyle/>
-          <a:p>
-            <a:r>
-              <a:rPr lang="en-AU" sz="1200" dirty="0"/>
-              <a:t>Photo by </a:t>
-            </a:r>
-            <a:r>
-              <a:rPr lang="en-AU" sz="1200" b="1" dirty="0">
-                <a:hlinkClick r:id="rId3"/>
-              </a:rPr>
-              <a:t>energepic.com</a:t>
-            </a:r>
-            <a:r>
-              <a:rPr lang="en-AU" sz="1200" dirty="0"/>
-              <a:t> from </a:t>
-            </a:r>
-            <a:r>
-              <a:rPr lang="en-AU" sz="1200" b="1" dirty="0">
-                <a:hlinkClick r:id="rId4"/>
-              </a:rPr>
-              <a:t>Pexels</a:t>
-            </a:r>
-            <a:endParaRPr lang="en-AU" sz="1200" dirty="0"/>
-          </a:p>
-        </p:txBody>
-      </p:sp>
-    </p:spTree>
-    <p:extLst>
-      <p:ext uri="{BB962C8B-B14F-4D97-AF65-F5344CB8AC3E}">
-        <p14:creationId xmlns:p14="http://schemas.microsoft.com/office/powerpoint/2010/main" val="1304970078"/>
-      </p:ext>
-    </p:extLst>
-  </p:cSld>
-  <p:clrMapOvr>
-    <a:masterClrMapping/>
-  </p:clrMapOvr>
-  <p:timing>
-    <p:tnLst>
-      <p:par>
-        <p:cTn id="1" dur="indefinite" restart="never" nodeType="tmRoot">
-          <p:childTnLst>
-            <p:seq concurrent="1" nextAc="seek">
-              <p:cTn id="2" dur="indefinite" nodeType="mainSeq">
-                <p:childTnLst>
-                  <p:par>
-                    <p:cTn id="3" fill="hold">
-                      <p:stCondLst>
-                        <p:cond delay="indefinite"/>
-                      </p:stCondLst>
-                      <p:childTnLst>
-                        <p:par>
-                          <p:cTn id="4" fill="hold">
-                            <p:stCondLst>
-                              <p:cond delay="0"/>
-                            </p:stCondLst>
-                            <p:childTnLst>
-                              <p:par>
-                                <p:cTn id="5" presetID="10" presetClass="entr" presetSubtype="0" fill="hold" nodeType="clickEffect">
-                                  <p:stCondLst>
-                                    <p:cond delay="0"/>
-                                  </p:stCondLst>
-                                  <p:childTnLst>
-                                    <p:set>
-                                      <p:cBhvr>
-                                        <p:cTn id="6" dur="1" fill="hold">
-                                          <p:stCondLst>
-                                            <p:cond delay="0"/>
-                                          </p:stCondLst>
-                                        </p:cTn>
-                                        <p:tgtEl>
-                                          <p:spTgt spid="9">
-                                            <p:txEl>
-                                              <p:pRg st="0" end="0"/>
-                                            </p:txEl>
-                                          </p:spTgt>
-                                        </p:tgtEl>
-                                        <p:attrNameLst>
-                                          <p:attrName>style.visibility</p:attrName>
-                                        </p:attrNameLst>
-                                      </p:cBhvr>
-                                      <p:to>
-                                        <p:strVal val="visible"/>
-                                      </p:to>
-                                    </p:set>
-                                    <p:animEffect transition="in" filter="fade">
-                                      <p:cBhvr>
-                                        <p:cTn id="7" dur="500"/>
-                                        <p:tgtEl>
-                                          <p:spTgt spid="9">
-                                            <p:txEl>
-                                              <p:pRg st="0" end="0"/>
-                                            </p:txEl>
-                                          </p:spTgt>
-                                        </p:tgtEl>
-                                      </p:cBhvr>
-                                    </p:animEffect>
-                                  </p:childTnLst>
-                                </p:cTn>
-                              </p:par>
-                            </p:childTnLst>
-                          </p:cTn>
-                        </p:par>
-                      </p:childTnLst>
-                    </p:cTn>
-                  </p:par>
-                  <p:par>
-                    <p:cTn id="8" fill="hold">
-                      <p:stCondLst>
-                        <p:cond delay="indefinite"/>
-                      </p:stCondLst>
-                      <p:childTnLst>
-                        <p:par>
-                          <p:cTn id="9" fill="hold">
-                            <p:stCondLst>
-                              <p:cond delay="0"/>
-                            </p:stCondLst>
-                            <p:childTnLst>
-                              <p:par>
-                                <p:cTn id="10" presetID="10" presetClass="entr" presetSubtype="0" fill="hold" nodeType="clickEffect">
-                                  <p:stCondLst>
-                                    <p:cond delay="0"/>
-                                  </p:stCondLst>
-                                  <p:childTnLst>
-                                    <p:set>
-                                      <p:cBhvr>
-                                        <p:cTn id="11" dur="1" fill="hold">
-                                          <p:stCondLst>
-                                            <p:cond delay="0"/>
-                                          </p:stCondLst>
-                                        </p:cTn>
-                                        <p:tgtEl>
-                                          <p:spTgt spid="9">
-                                            <p:txEl>
-                                              <p:pRg st="1" end="1"/>
-                                            </p:txEl>
-                                          </p:spTgt>
-                                        </p:tgtEl>
-                                        <p:attrNameLst>
-                                          <p:attrName>style.visibility</p:attrName>
-                                        </p:attrNameLst>
-                                      </p:cBhvr>
-                                      <p:to>
-                                        <p:strVal val="visible"/>
-                                      </p:to>
-                                    </p:set>
-                                    <p:animEffect transition="in" filter="fade">
-                                      <p:cBhvr>
-                                        <p:cTn id="12" dur="500"/>
-                                        <p:tgtEl>
-                                          <p:spTgt spid="9">
-                                            <p:txEl>
-                                              <p:pRg st="1" end="1"/>
-                                            </p:txEl>
-                                          </p:spTgt>
-                                        </p:tgtEl>
-                                      </p:cBhvr>
-                                    </p:animEffect>
-                                  </p:childTnLst>
-                                </p:cTn>
-                              </p:par>
-                            </p:childTnLst>
-                          </p:cTn>
-                        </p:par>
-                      </p:childTnLst>
-                    </p:cTn>
-                  </p:par>
-                  <p:par>
-                    <p:cTn id="13" fill="hold">
-                      <p:stCondLst>
-                        <p:cond delay="indefinite"/>
-                      </p:stCondLst>
-                      <p:childTnLst>
-                        <p:par>
-                          <p:cTn id="14" fill="hold">
-                            <p:stCondLst>
-                              <p:cond delay="0"/>
-                            </p:stCondLst>
-                            <p:childTnLst>
-                              <p:par>
-                                <p:cTn id="15" presetID="10" presetClass="entr" presetSubtype="0" fill="hold" nodeType="clickEffect">
-                                  <p:stCondLst>
-                                    <p:cond delay="0"/>
-                                  </p:stCondLst>
-                                  <p:childTnLst>
-                                    <p:set>
-                                      <p:cBhvr>
-                                        <p:cTn id="16" dur="1" fill="hold">
-                                          <p:stCondLst>
-                                            <p:cond delay="0"/>
-                                          </p:stCondLst>
-                                        </p:cTn>
-                                        <p:tgtEl>
-                                          <p:spTgt spid="9">
-                                            <p:txEl>
-                                              <p:pRg st="2" end="2"/>
-                                            </p:txEl>
-                                          </p:spTgt>
-                                        </p:tgtEl>
-                                        <p:attrNameLst>
-                                          <p:attrName>style.visibility</p:attrName>
-                                        </p:attrNameLst>
-                                      </p:cBhvr>
-                                      <p:to>
-                                        <p:strVal val="visible"/>
-                                      </p:to>
-                                    </p:set>
-                                    <p:animEffect transition="in" filter="fade">
-                                      <p:cBhvr>
-                                        <p:cTn id="17" dur="500"/>
-                                        <p:tgtEl>
-                                          <p:spTgt spid="9">
-                                            <p:txEl>
-                                              <p:pRg st="2" end="2"/>
-                                            </p:txEl>
-                                          </p:spTgt>
-                                        </p:tgtEl>
-                                      </p:cBhvr>
-                                    </p:animEffect>
-                                  </p:childTnLst>
-                                </p:cTn>
-                              </p:par>
-                            </p:childTnLst>
-                          </p:cTn>
-                        </p:par>
-                      </p:childTnLst>
-                    </p:cTn>
-                  </p:par>
-                  <p:par>
-                    <p:cTn id="18" fill="hold">
-                      <p:stCondLst>
-                        <p:cond delay="indefinite"/>
-                      </p:stCondLst>
-                      <p:childTnLst>
-                        <p:par>
-                          <p:cTn id="19" fill="hold">
-                            <p:stCondLst>
-                              <p:cond delay="0"/>
-                            </p:stCondLst>
-                            <p:childTnLst>
-                              <p:par>
-                                <p:cTn id="20" presetID="10" presetClass="entr" presetSubtype="0" fill="hold" nodeType="clickEffect">
-                                  <p:stCondLst>
-                                    <p:cond delay="0"/>
-                                  </p:stCondLst>
-                                  <p:childTnLst>
-                                    <p:set>
-                                      <p:cBhvr>
-                                        <p:cTn id="21" dur="1" fill="hold">
-                                          <p:stCondLst>
-                                            <p:cond delay="0"/>
-                                          </p:stCondLst>
-                                        </p:cTn>
-                                        <p:tgtEl>
-                                          <p:spTgt spid="9">
-                                            <p:txEl>
-                                              <p:pRg st="3" end="3"/>
-                                            </p:txEl>
-                                          </p:spTgt>
-                                        </p:tgtEl>
-                                        <p:attrNameLst>
-                                          <p:attrName>style.visibility</p:attrName>
-                                        </p:attrNameLst>
-                                      </p:cBhvr>
-                                      <p:to>
-                                        <p:strVal val="visible"/>
-                                      </p:to>
-                                    </p:set>
-                                    <p:animEffect transition="in" filter="fade">
-                                      <p:cBhvr>
-                                        <p:cTn id="22" dur="500"/>
-                                        <p:tgtEl>
-                                          <p:spTgt spid="9">
-                                            <p:txEl>
-                                              <p:pRg st="3" end="3"/>
-                                            </p:txEl>
-                                          </p:spTgt>
-                                        </p:tgtEl>
-                                      </p:cBhvr>
-                                    </p:animEffect>
-                                  </p:childTnLst>
-                                </p:cTn>
-                              </p:par>
-                            </p:childTnLst>
-                          </p:cTn>
-                        </p:par>
-                      </p:childTnLst>
-                    </p:cTn>
-                  </p:par>
-                  <p:par>
-                    <p:cTn id="23" fill="hold">
-                      <p:stCondLst>
-                        <p:cond delay="indefinite"/>
-                      </p:stCondLst>
-                      <p:childTnLst>
-                        <p:par>
-                          <p:cTn id="24" fill="hold">
-                            <p:stCondLst>
-                              <p:cond delay="0"/>
-                            </p:stCondLst>
-                            <p:childTnLst>
-                              <p:par>
-                                <p:cTn id="25" presetID="10" presetClass="entr" presetSubtype="0" fill="hold" nodeType="clickEffect">
-                                  <p:stCondLst>
-                                    <p:cond delay="0"/>
-                                  </p:stCondLst>
-                                  <p:childTnLst>
-                                    <p:set>
-                                      <p:cBhvr>
-                                        <p:cTn id="26" dur="1" fill="hold">
-                                          <p:stCondLst>
-                                            <p:cond delay="0"/>
-                                          </p:stCondLst>
-                                        </p:cTn>
-                                        <p:tgtEl>
-                                          <p:spTgt spid="9">
-                                            <p:txEl>
-                                              <p:pRg st="4" end="4"/>
-                                            </p:txEl>
-                                          </p:spTgt>
-                                        </p:tgtEl>
-                                        <p:attrNameLst>
-                                          <p:attrName>style.visibility</p:attrName>
-                                        </p:attrNameLst>
-                                      </p:cBhvr>
-                                      <p:to>
-                                        <p:strVal val="visible"/>
-                                      </p:to>
-                                    </p:set>
-                                    <p:animEffect transition="in" filter="fade">
-                                      <p:cBhvr>
-                                        <p:cTn id="27" dur="500"/>
-                                        <p:tgtEl>
-                                          <p:spTgt spid="9">
-                                            <p:txEl>
-                                              <p:pRg st="4" end="4"/>
-                                            </p:txEl>
-                                          </p:spTgt>
-                                        </p:tgtEl>
-                                      </p:cBhvr>
-                                    </p:animEffect>
-                                  </p:childTnLst>
-                                </p:cTn>
-                              </p:par>
-                            </p:childTnLst>
-                          </p:cTn>
-                        </p:par>
-                      </p:childTnLst>
-                    </p:cTn>
-                  </p:par>
-                  <p:par>
-                    <p:cTn id="28" fill="hold">
-                      <p:stCondLst>
-                        <p:cond delay="indefinite"/>
-                      </p:stCondLst>
-                      <p:childTnLst>
-                        <p:par>
-                          <p:cTn id="29" fill="hold">
-                            <p:stCondLst>
-                              <p:cond delay="0"/>
-                            </p:stCondLst>
-                            <p:childTnLst>
-                              <p:par>
-                                <p:cTn id="30" presetID="10" presetClass="entr" presetSubtype="0" fill="hold" nodeType="clickEffect">
-                                  <p:stCondLst>
-                                    <p:cond delay="0"/>
-                                  </p:stCondLst>
-                                  <p:childTnLst>
-                                    <p:set>
-                                      <p:cBhvr>
-                                        <p:cTn id="31" dur="1" fill="hold">
-                                          <p:stCondLst>
-                                            <p:cond delay="0"/>
-                                          </p:stCondLst>
-                                        </p:cTn>
-                                        <p:tgtEl>
-                                          <p:spTgt spid="9">
-                                            <p:txEl>
-                                              <p:pRg st="5" end="5"/>
-                                            </p:txEl>
-                                          </p:spTgt>
-                                        </p:tgtEl>
-                                        <p:attrNameLst>
-                                          <p:attrName>style.visibility</p:attrName>
-                                        </p:attrNameLst>
-                                      </p:cBhvr>
-                                      <p:to>
-                                        <p:strVal val="visible"/>
-                                      </p:to>
-                                    </p:set>
-                                    <p:animEffect transition="in" filter="fade">
-                                      <p:cBhvr>
-                                        <p:cTn id="32" dur="500"/>
-                                        <p:tgtEl>
-                                          <p:spTgt spid="9">
-                                            <p:txEl>
-                                              <p:pRg st="5" end="5"/>
-                                            </p:txEl>
-                                          </p:spTgt>
-                                        </p:tgtEl>
-                                      </p:cBhvr>
-                                    </p:animEffect>
-                                  </p:childTnLst>
-                                </p:cTn>
-                              </p:par>
-                            </p:childTnLst>
-                          </p:cTn>
-                        </p:par>
-                      </p:childTnLst>
-                    </p:cTn>
-                  </p:par>
-                  <p:par>
-                    <p:cTn id="33" fill="hold">
-                      <p:stCondLst>
-                        <p:cond delay="indefinite"/>
-                      </p:stCondLst>
-                      <p:childTnLst>
-                        <p:par>
-                          <p:cTn id="34" fill="hold">
-                            <p:stCondLst>
-                              <p:cond delay="0"/>
-                            </p:stCondLst>
-                            <p:childTnLst>
-                              <p:par>
-                                <p:cTn id="35" presetID="10" presetClass="entr" presetSubtype="0" fill="hold" nodeType="clickEffect">
-                                  <p:stCondLst>
-                                    <p:cond delay="0"/>
-                                  </p:stCondLst>
-                                  <p:childTnLst>
-                                    <p:set>
-                                      <p:cBhvr>
-                                        <p:cTn id="36" dur="1" fill="hold">
-                                          <p:stCondLst>
-                                            <p:cond delay="0"/>
-                                          </p:stCondLst>
-                                        </p:cTn>
-                                        <p:tgtEl>
-                                          <p:spTgt spid="9">
-                                            <p:txEl>
-                                              <p:pRg st="6" end="6"/>
-                                            </p:txEl>
-                                          </p:spTgt>
-                                        </p:tgtEl>
-                                        <p:attrNameLst>
-                                          <p:attrName>style.visibility</p:attrName>
-                                        </p:attrNameLst>
-                                      </p:cBhvr>
-                                      <p:to>
-                                        <p:strVal val="visible"/>
-                                      </p:to>
-                                    </p:set>
-                                    <p:animEffect transition="in" filter="fade">
-                                      <p:cBhvr>
-                                        <p:cTn id="37" dur="500"/>
-                                        <p:tgtEl>
-                                          <p:spTgt spid="9">
-                                            <p:txEl>
-                                              <p:pRg st="6" end="6"/>
-                                            </p:txEl>
-                                          </p:spTgt>
-                                        </p:tgtEl>
-                                      </p:cBhvr>
-                                    </p:animEffect>
-                                  </p:childTnLst>
-                                </p:cTn>
-                              </p:par>
-                            </p:childTnLst>
-                          </p:cTn>
-                        </p:par>
-                      </p:childTnLst>
-                    </p:cTn>
-                  </p:par>
-                </p:childTnLst>
-              </p:cTn>
-              <p:prevCondLst>
-                <p:cond evt="onPrev" delay="0">
-                  <p:tgtEl>
-                    <p:sldTgt/>
-                  </p:tgtEl>
-                </p:cond>
-              </p:prevCondLst>
-              <p:nextCondLst>
-                <p:cond evt="onNext" delay="0">
-                  <p:tgtEl>
-                    <p:sldTgt/>
-                  </p:tgtEl>
-                </p:cond>
-              </p:nextCondLst>
-            </p:seq>
-          </p:childTnLst>
-        </p:cTn>
-      </p:par>
-    </p:tnLst>
-  </p:timing>
 </p:sld>
 </file>
 
@@ -10037,6 +10215,14 @@
 <file path=ppt/slides/slide20.xml><?xml version="1.0" encoding="utf-8"?>
 <p:sld xmlns:a="http://schemas.openxmlformats.org/drawingml/2006/main" xmlns:r="http://schemas.openxmlformats.org/officeDocument/2006/relationships" xmlns:p="http://schemas.openxmlformats.org/presentationml/2006/main">
   <p:cSld>
+    <p:bg>
+      <p:bgPr>
+        <a:solidFill>
+          <a:schemeClr val="bg1"/>
+        </a:solidFill>
+        <a:effectLst/>
+      </p:bgPr>
+    </p:bg>
     <p:spTree>
       <p:nvGrpSpPr>
         <p:cNvPr id="1" name=""/>
@@ -10051,12 +10237,72 @@
           <a:chExt cx="0" cy="0"/>
         </a:xfrm>
       </p:grpSpPr>
-      <p:sp>
-        <p:nvSpPr>
-          <p:cNvPr id="8" name="Title 7">
+      <p:sp useBgFill="1">
+        <p:nvSpPr>
+          <p:cNvPr id="12" name="Rectangle 11">
             <a:extLst>
               <a:ext uri="{FF2B5EF4-FFF2-40B4-BE49-F238E27FC236}">
-                <a16:creationId xmlns:a16="http://schemas.microsoft.com/office/drawing/2014/main" id="{97B4083C-A237-8F44-8B9D-04615350ACF1}"/>
+                <a16:creationId xmlns:a16="http://schemas.microsoft.com/office/drawing/2014/main" id="{80DF40B2-80F7-4E71-B46C-284163F3654A}"/>
+              </a:ext>
+              <a:ext uri="{C183D7F6-B498-43B3-948B-1728B52AA6E4}">
+                <adec:decorative xmlns:adec="http://schemas.microsoft.com/office/drawing/2017/decorative" val="1"/>
+              </a:ext>
+            </a:extLst>
+          </p:cNvPr>
+          <p:cNvSpPr>
+            <a:spLocks noGrp="1" noRot="1" noChangeAspect="1" noMove="1" noResize="1" noEditPoints="1" noAdjustHandles="1" noChangeArrowheads="1" noChangeShapeType="1" noTextEdit="1"/>
+          </p:cNvSpPr>
+          <p:nvPr>
+            <p:extLst>
+              <p:ext uri="{386F3935-93C4-4BCD-93E2-E3B085C9AB24}">
+                <p16:designElem xmlns:p16="http://schemas.microsoft.com/office/powerpoint/2015/main" val="1"/>
+              </p:ext>
+            </p:extLst>
+          </p:nvPr>
+        </p:nvSpPr>
+        <p:spPr>
+          <a:xfrm>
+            <a:off x="-1" y="0"/>
+            <a:ext cx="12188952" cy="6858000"/>
+          </a:xfrm>
+          <a:prstGeom prst="rect">
+            <a:avLst/>
+          </a:prstGeom>
+          <a:ln>
+            <a:noFill/>
+          </a:ln>
+        </p:spPr>
+        <p:style>
+          <a:lnRef idx="2">
+            <a:schemeClr val="accent1">
+              <a:shade val="50000"/>
+            </a:schemeClr>
+          </a:lnRef>
+          <a:fillRef idx="1">
+            <a:schemeClr val="accent1"/>
+          </a:fillRef>
+          <a:effectRef idx="0">
+            <a:schemeClr val="accent1"/>
+          </a:effectRef>
+          <a:fontRef idx="minor">
+            <a:schemeClr val="lt1"/>
+          </a:fontRef>
+        </p:style>
+        <p:txBody>
+          <a:bodyPr rtlCol="0" anchor="ctr"/>
+          <a:lstStyle/>
+          <a:p>
+            <a:pPr algn="ctr"/>
+            <a:endParaRPr lang="en-US"/>
+          </a:p>
+        </p:txBody>
+      </p:sp>
+      <p:sp>
+        <p:nvSpPr>
+          <p:cNvPr id="2" name="Title 1">
+            <a:extLst>
+              <a:ext uri="{FF2B5EF4-FFF2-40B4-BE49-F238E27FC236}">
+                <a16:creationId xmlns:a16="http://schemas.microsoft.com/office/drawing/2014/main" id="{CFFF62C6-D536-B340-A938-C2EB3DDF321B}"/>
               </a:ext>
             </a:extLst>
           </p:cNvPr>
@@ -10064,27 +10310,34 @@
             <a:spLocks noGrp="1"/>
           </p:cNvSpPr>
           <p:nvPr>
-            <p:ph type="ctrTitle"/>
+            <p:ph type="title"/>
           </p:nvPr>
         </p:nvSpPr>
-        <p:spPr/>
-        <p:txBody>
-          <a:bodyPr/>
+        <p:spPr>
+          <a:xfrm>
+            <a:off x="838199" y="548464"/>
+            <a:ext cx="3807187" cy="2228074"/>
+          </a:xfrm>
+        </p:spPr>
+        <p:txBody>
+          <a:bodyPr>
+            <a:normAutofit/>
+          </a:bodyPr>
           <a:lstStyle/>
           <a:p>
             <a:r>
-              <a:rPr lang="en-US" dirty="0"/>
-              <a:t>Let’s do it!</a:t>
-            </a:r>
-          </a:p>
-        </p:txBody>
-      </p:sp>
-      <p:sp>
-        <p:nvSpPr>
-          <p:cNvPr id="9" name="Subtitle 8">
+              <a:rPr lang="en-US" sz="4000" dirty="0"/>
+              <a:t>Workshop 2 plan</a:t>
+            </a:r>
+          </a:p>
+        </p:txBody>
+      </p:sp>
+      <p:sp>
+        <p:nvSpPr>
+          <p:cNvPr id="9" name="Content Placeholder 8">
             <a:extLst>
               <a:ext uri="{FF2B5EF4-FFF2-40B4-BE49-F238E27FC236}">
-                <a16:creationId xmlns:a16="http://schemas.microsoft.com/office/drawing/2014/main" id="{F41C9855-7893-714C-80F6-B34BA2A9EE0A}"/>
+                <a16:creationId xmlns:a16="http://schemas.microsoft.com/office/drawing/2014/main" id="{34F53853-5610-4A54-B89C-2ED030ED88B4}"/>
               </a:ext>
             </a:extLst>
           </p:cNvPr>
@@ -10092,28 +10345,660 @@
             <a:spLocks noGrp="1"/>
           </p:cNvSpPr>
           <p:nvPr>
-            <p:ph type="subTitle" idx="1"/>
+            <p:ph idx="1"/>
           </p:nvPr>
         </p:nvSpPr>
-        <p:spPr/>
-        <p:txBody>
-          <a:bodyPr/>
+        <p:spPr>
+          <a:xfrm>
+            <a:off x="598206" y="2962279"/>
+            <a:ext cx="4332717" cy="3143241"/>
+          </a:xfrm>
+        </p:spPr>
+        <p:txBody>
+          <a:bodyPr>
+            <a:normAutofit/>
+          </a:bodyPr>
           <a:lstStyle/>
           <a:p>
-            <a:endParaRPr lang="en-US"/>
+            <a:pPr marL="457200" indent="-457200">
+              <a:buFont typeface="+mj-lt"/>
+              <a:buAutoNum type="arabicPeriod"/>
+            </a:pPr>
+            <a:r>
+              <a:rPr lang="en-US" sz="2000" dirty="0"/>
+              <a:t>Clean up last demo</a:t>
+            </a:r>
+          </a:p>
+          <a:p>
+            <a:pPr marL="457200" indent="-457200">
+              <a:buFont typeface="+mj-lt"/>
+              <a:buAutoNum type="arabicPeriod"/>
+            </a:pPr>
+            <a:r>
+              <a:rPr lang="en-US" sz="2000" dirty="0"/>
+              <a:t>Create Target Deployment</a:t>
+            </a:r>
+          </a:p>
+          <a:p>
+            <a:pPr marL="457200" indent="-457200">
+              <a:buFont typeface="+mj-lt"/>
+              <a:buAutoNum type="arabicPeriod"/>
+            </a:pPr>
+            <a:r>
+              <a:rPr lang="en-US" sz="2000" dirty="0"/>
+              <a:t>Create External scaler</a:t>
+            </a:r>
+          </a:p>
+          <a:p>
+            <a:pPr marL="457200" indent="-457200">
+              <a:buFont typeface="+mj-lt"/>
+              <a:buAutoNum type="arabicPeriod"/>
+            </a:pPr>
+            <a:r>
+              <a:rPr lang="en-US" sz="2000" dirty="0"/>
+              <a:t>Deploy External scaler </a:t>
+            </a:r>
+          </a:p>
+          <a:p>
+            <a:pPr marL="457200" indent="-457200">
+              <a:buFont typeface="+mj-lt"/>
+              <a:buAutoNum type="arabicPeriod"/>
+            </a:pPr>
+            <a:r>
+              <a:rPr lang="en-US" sz="2000" dirty="0"/>
+              <a:t>Create </a:t>
+            </a:r>
+            <a:r>
+              <a:rPr lang="en-US" sz="2000" dirty="0" err="1"/>
+              <a:t>Mockserver</a:t>
+            </a:r>
+            <a:r>
+              <a:rPr lang="en-US" sz="2000" dirty="0"/>
+              <a:t> (fake metrics)</a:t>
+            </a:r>
+          </a:p>
+          <a:p>
+            <a:pPr marL="457200" indent="-457200">
+              <a:buFont typeface="+mj-lt"/>
+              <a:buAutoNum type="arabicPeriod"/>
+            </a:pPr>
+            <a:r>
+              <a:rPr lang="en-US" sz="2000" dirty="0"/>
+              <a:t>Create </a:t>
+            </a:r>
+            <a:r>
+              <a:rPr lang="en-US" sz="2000" dirty="0" err="1"/>
+              <a:t>ScaledObject</a:t>
+            </a:r>
+            <a:endParaRPr lang="en-US" sz="2000" dirty="0"/>
+          </a:p>
+          <a:p>
+            <a:pPr marL="457200" indent="-457200">
+              <a:buFont typeface="+mj-lt"/>
+              <a:buAutoNum type="arabicPeriod"/>
+            </a:pPr>
+            <a:r>
+              <a:rPr lang="en-US" sz="2000" dirty="0"/>
+              <a:t>Observe scaling </a:t>
+            </a:r>
+            <a:r>
+              <a:rPr lang="en-US" sz="2000" dirty="0">
+                <a:sym typeface="Wingdings" pitchFamily="2" charset="2"/>
+              </a:rPr>
+              <a:t></a:t>
+            </a:r>
+            <a:endParaRPr lang="en-US" sz="2000" dirty="0"/>
+          </a:p>
+        </p:txBody>
+      </p:sp>
+      <p:pic>
+        <p:nvPicPr>
+          <p:cNvPr id="5" name="Content Placeholder 4" descr="A person using a computer&#10;&#10;Description automatically generated">
+            <a:extLst>
+              <a:ext uri="{FF2B5EF4-FFF2-40B4-BE49-F238E27FC236}">
+                <a16:creationId xmlns:a16="http://schemas.microsoft.com/office/drawing/2014/main" id="{CA6F3692-BBC0-A648-B0B3-3B6B7042491B}"/>
+              </a:ext>
+            </a:extLst>
+          </p:cNvPr>
+          <p:cNvPicPr>
+            <a:picLocks noChangeAspect="1"/>
+          </p:cNvPicPr>
+          <p:nvPr/>
+        </p:nvPicPr>
+        <p:blipFill rotWithShape="1">
+          <a:blip r:embed="rId2"/>
+          <a:srcRect r="21461"/>
+          <a:stretch/>
+        </p:blipFill>
+        <p:spPr>
+          <a:xfrm>
+            <a:off x="5010386" y="10"/>
+            <a:ext cx="7181613" cy="6857990"/>
+          </a:xfrm>
+          <a:prstGeom prst="rect">
+            <a:avLst/>
+          </a:prstGeom>
+          <a:effectLst/>
+        </p:spPr>
+      </p:pic>
+      <p:sp>
+        <p:nvSpPr>
+          <p:cNvPr id="6" name="Rectangle 5">
+            <a:extLst>
+              <a:ext uri="{FF2B5EF4-FFF2-40B4-BE49-F238E27FC236}">
+                <a16:creationId xmlns:a16="http://schemas.microsoft.com/office/drawing/2014/main" id="{D8FDDDBB-FB7C-564D-A731-7B3791774239}"/>
+              </a:ext>
+            </a:extLst>
+          </p:cNvPr>
+          <p:cNvSpPr/>
+          <p:nvPr/>
+        </p:nvSpPr>
+        <p:spPr>
+          <a:xfrm>
+            <a:off x="9703912" y="6580991"/>
+            <a:ext cx="2485039" cy="276999"/>
+          </a:xfrm>
+          <a:prstGeom prst="rect">
+            <a:avLst/>
+          </a:prstGeom>
+        </p:spPr>
+        <p:txBody>
+          <a:bodyPr wrap="none">
+            <a:spAutoFit/>
+          </a:bodyPr>
+          <a:lstStyle/>
+          <a:p>
+            <a:r>
+              <a:rPr lang="en-AU" sz="1200" dirty="0"/>
+              <a:t>Photo by </a:t>
+            </a:r>
+            <a:r>
+              <a:rPr lang="en-AU" sz="1200" b="1" dirty="0">
+                <a:hlinkClick r:id="rId3"/>
+              </a:rPr>
+              <a:t>energepic.com</a:t>
+            </a:r>
+            <a:r>
+              <a:rPr lang="en-AU" sz="1200" dirty="0"/>
+              <a:t> from </a:t>
+            </a:r>
+            <a:r>
+              <a:rPr lang="en-AU" sz="1200" b="1" dirty="0">
+                <a:hlinkClick r:id="rId4"/>
+              </a:rPr>
+              <a:t>Pexels</a:t>
+            </a:r>
+            <a:endParaRPr lang="en-AU" sz="1200" dirty="0"/>
           </a:p>
         </p:txBody>
       </p:sp>
     </p:spTree>
     <p:extLst>
       <p:ext uri="{BB962C8B-B14F-4D97-AF65-F5344CB8AC3E}">
-        <p14:creationId xmlns:p14="http://schemas.microsoft.com/office/powerpoint/2010/main" val="1232865975"/>
+        <p14:creationId xmlns:p14="http://schemas.microsoft.com/office/powerpoint/2010/main" val="1304970078"/>
       </p:ext>
     </p:extLst>
   </p:cSld>
   <p:clrMapOvr>
     <a:masterClrMapping/>
   </p:clrMapOvr>
+  <p:timing>
+    <p:tnLst>
+      <p:par>
+        <p:cTn id="1" dur="indefinite" restart="never" nodeType="tmRoot">
+          <p:childTnLst>
+            <p:seq concurrent="1" nextAc="seek">
+              <p:cTn id="2" dur="indefinite" nodeType="mainSeq">
+                <p:childTnLst>
+                  <p:par>
+                    <p:cTn id="3" fill="hold">
+                      <p:stCondLst>
+                        <p:cond delay="indefinite"/>
+                      </p:stCondLst>
+                      <p:childTnLst>
+                        <p:par>
+                          <p:cTn id="4" fill="hold">
+                            <p:stCondLst>
+                              <p:cond delay="0"/>
+                            </p:stCondLst>
+                            <p:childTnLst>
+                              <p:par>
+                                <p:cTn id="5" presetID="10" presetClass="entr" presetSubtype="0" fill="hold" nodeType="clickEffect">
+                                  <p:stCondLst>
+                                    <p:cond delay="0"/>
+                                  </p:stCondLst>
+                                  <p:childTnLst>
+                                    <p:set>
+                                      <p:cBhvr>
+                                        <p:cTn id="6" dur="1" fill="hold">
+                                          <p:stCondLst>
+                                            <p:cond delay="0"/>
+                                          </p:stCondLst>
+                                        </p:cTn>
+                                        <p:tgtEl>
+                                          <p:spTgt spid="9">
+                                            <p:txEl>
+                                              <p:pRg st="0" end="0"/>
+                                            </p:txEl>
+                                          </p:spTgt>
+                                        </p:tgtEl>
+                                        <p:attrNameLst>
+                                          <p:attrName>style.visibility</p:attrName>
+                                        </p:attrNameLst>
+                                      </p:cBhvr>
+                                      <p:to>
+                                        <p:strVal val="visible"/>
+                                      </p:to>
+                                    </p:set>
+                                    <p:animEffect transition="in" filter="fade">
+                                      <p:cBhvr>
+                                        <p:cTn id="7" dur="500"/>
+                                        <p:tgtEl>
+                                          <p:spTgt spid="9">
+                                            <p:txEl>
+                                              <p:pRg st="0" end="0"/>
+                                            </p:txEl>
+                                          </p:spTgt>
+                                        </p:tgtEl>
+                                      </p:cBhvr>
+                                    </p:animEffect>
+                                  </p:childTnLst>
+                                </p:cTn>
+                              </p:par>
+                            </p:childTnLst>
+                          </p:cTn>
+                        </p:par>
+                      </p:childTnLst>
+                    </p:cTn>
+                  </p:par>
+                  <p:par>
+                    <p:cTn id="8" fill="hold">
+                      <p:stCondLst>
+                        <p:cond delay="indefinite"/>
+                      </p:stCondLst>
+                      <p:childTnLst>
+                        <p:par>
+                          <p:cTn id="9" fill="hold">
+                            <p:stCondLst>
+                              <p:cond delay="0"/>
+                            </p:stCondLst>
+                            <p:childTnLst>
+                              <p:par>
+                                <p:cTn id="10" presetID="10" presetClass="entr" presetSubtype="0" fill="hold" nodeType="clickEffect">
+                                  <p:stCondLst>
+                                    <p:cond delay="0"/>
+                                  </p:stCondLst>
+                                  <p:childTnLst>
+                                    <p:set>
+                                      <p:cBhvr>
+                                        <p:cTn id="11" dur="1" fill="hold">
+                                          <p:stCondLst>
+                                            <p:cond delay="0"/>
+                                          </p:stCondLst>
+                                        </p:cTn>
+                                        <p:tgtEl>
+                                          <p:spTgt spid="9">
+                                            <p:txEl>
+                                              <p:pRg st="1" end="1"/>
+                                            </p:txEl>
+                                          </p:spTgt>
+                                        </p:tgtEl>
+                                        <p:attrNameLst>
+                                          <p:attrName>style.visibility</p:attrName>
+                                        </p:attrNameLst>
+                                      </p:cBhvr>
+                                      <p:to>
+                                        <p:strVal val="visible"/>
+                                      </p:to>
+                                    </p:set>
+                                    <p:animEffect transition="in" filter="fade">
+                                      <p:cBhvr>
+                                        <p:cTn id="12" dur="500"/>
+                                        <p:tgtEl>
+                                          <p:spTgt spid="9">
+                                            <p:txEl>
+                                              <p:pRg st="1" end="1"/>
+                                            </p:txEl>
+                                          </p:spTgt>
+                                        </p:tgtEl>
+                                      </p:cBhvr>
+                                    </p:animEffect>
+                                  </p:childTnLst>
+                                </p:cTn>
+                              </p:par>
+                            </p:childTnLst>
+                          </p:cTn>
+                        </p:par>
+                      </p:childTnLst>
+                    </p:cTn>
+                  </p:par>
+                  <p:par>
+                    <p:cTn id="13" fill="hold">
+                      <p:stCondLst>
+                        <p:cond delay="indefinite"/>
+                      </p:stCondLst>
+                      <p:childTnLst>
+                        <p:par>
+                          <p:cTn id="14" fill="hold">
+                            <p:stCondLst>
+                              <p:cond delay="0"/>
+                            </p:stCondLst>
+                            <p:childTnLst>
+                              <p:par>
+                                <p:cTn id="15" presetID="10" presetClass="entr" presetSubtype="0" fill="hold" nodeType="clickEffect">
+                                  <p:stCondLst>
+                                    <p:cond delay="0"/>
+                                  </p:stCondLst>
+                                  <p:childTnLst>
+                                    <p:set>
+                                      <p:cBhvr>
+                                        <p:cTn id="16" dur="1" fill="hold">
+                                          <p:stCondLst>
+                                            <p:cond delay="0"/>
+                                          </p:stCondLst>
+                                        </p:cTn>
+                                        <p:tgtEl>
+                                          <p:spTgt spid="9">
+                                            <p:txEl>
+                                              <p:pRg st="2" end="2"/>
+                                            </p:txEl>
+                                          </p:spTgt>
+                                        </p:tgtEl>
+                                        <p:attrNameLst>
+                                          <p:attrName>style.visibility</p:attrName>
+                                        </p:attrNameLst>
+                                      </p:cBhvr>
+                                      <p:to>
+                                        <p:strVal val="visible"/>
+                                      </p:to>
+                                    </p:set>
+                                    <p:animEffect transition="in" filter="fade">
+                                      <p:cBhvr>
+                                        <p:cTn id="17" dur="500"/>
+                                        <p:tgtEl>
+                                          <p:spTgt spid="9">
+                                            <p:txEl>
+                                              <p:pRg st="2" end="2"/>
+                                            </p:txEl>
+                                          </p:spTgt>
+                                        </p:tgtEl>
+                                      </p:cBhvr>
+                                    </p:animEffect>
+                                  </p:childTnLst>
+                                </p:cTn>
+                              </p:par>
+                            </p:childTnLst>
+                          </p:cTn>
+                        </p:par>
+                      </p:childTnLst>
+                    </p:cTn>
+                  </p:par>
+                  <p:par>
+                    <p:cTn id="18" fill="hold">
+                      <p:stCondLst>
+                        <p:cond delay="indefinite"/>
+                      </p:stCondLst>
+                      <p:childTnLst>
+                        <p:par>
+                          <p:cTn id="19" fill="hold">
+                            <p:stCondLst>
+                              <p:cond delay="0"/>
+                            </p:stCondLst>
+                            <p:childTnLst>
+                              <p:par>
+                                <p:cTn id="20" presetID="10" presetClass="entr" presetSubtype="0" fill="hold" nodeType="clickEffect">
+                                  <p:stCondLst>
+                                    <p:cond delay="0"/>
+                                  </p:stCondLst>
+                                  <p:childTnLst>
+                                    <p:set>
+                                      <p:cBhvr>
+                                        <p:cTn id="21" dur="1" fill="hold">
+                                          <p:stCondLst>
+                                            <p:cond delay="0"/>
+                                          </p:stCondLst>
+                                        </p:cTn>
+                                        <p:tgtEl>
+                                          <p:spTgt spid="9">
+                                            <p:txEl>
+                                              <p:pRg st="3" end="3"/>
+                                            </p:txEl>
+                                          </p:spTgt>
+                                        </p:tgtEl>
+                                        <p:attrNameLst>
+                                          <p:attrName>style.visibility</p:attrName>
+                                        </p:attrNameLst>
+                                      </p:cBhvr>
+                                      <p:to>
+                                        <p:strVal val="visible"/>
+                                      </p:to>
+                                    </p:set>
+                                    <p:animEffect transition="in" filter="fade">
+                                      <p:cBhvr>
+                                        <p:cTn id="22" dur="500"/>
+                                        <p:tgtEl>
+                                          <p:spTgt spid="9">
+                                            <p:txEl>
+                                              <p:pRg st="3" end="3"/>
+                                            </p:txEl>
+                                          </p:spTgt>
+                                        </p:tgtEl>
+                                      </p:cBhvr>
+                                    </p:animEffect>
+                                  </p:childTnLst>
+                                </p:cTn>
+                              </p:par>
+                            </p:childTnLst>
+                          </p:cTn>
+                        </p:par>
+                      </p:childTnLst>
+                    </p:cTn>
+                  </p:par>
+                  <p:par>
+                    <p:cTn id="23" fill="hold">
+                      <p:stCondLst>
+                        <p:cond delay="indefinite"/>
+                      </p:stCondLst>
+                      <p:childTnLst>
+                        <p:par>
+                          <p:cTn id="24" fill="hold">
+                            <p:stCondLst>
+                              <p:cond delay="0"/>
+                            </p:stCondLst>
+                            <p:childTnLst>
+                              <p:par>
+                                <p:cTn id="25" presetID="10" presetClass="entr" presetSubtype="0" fill="hold" nodeType="clickEffect">
+                                  <p:stCondLst>
+                                    <p:cond delay="0"/>
+                                  </p:stCondLst>
+                                  <p:childTnLst>
+                                    <p:set>
+                                      <p:cBhvr>
+                                        <p:cTn id="26" dur="1" fill="hold">
+                                          <p:stCondLst>
+                                            <p:cond delay="0"/>
+                                          </p:stCondLst>
+                                        </p:cTn>
+                                        <p:tgtEl>
+                                          <p:spTgt spid="9">
+                                            <p:txEl>
+                                              <p:pRg st="4" end="4"/>
+                                            </p:txEl>
+                                          </p:spTgt>
+                                        </p:tgtEl>
+                                        <p:attrNameLst>
+                                          <p:attrName>style.visibility</p:attrName>
+                                        </p:attrNameLst>
+                                      </p:cBhvr>
+                                      <p:to>
+                                        <p:strVal val="visible"/>
+                                      </p:to>
+                                    </p:set>
+                                    <p:animEffect transition="in" filter="fade">
+                                      <p:cBhvr>
+                                        <p:cTn id="27" dur="500"/>
+                                        <p:tgtEl>
+                                          <p:spTgt spid="9">
+                                            <p:txEl>
+                                              <p:pRg st="4" end="4"/>
+                                            </p:txEl>
+                                          </p:spTgt>
+                                        </p:tgtEl>
+                                      </p:cBhvr>
+                                    </p:animEffect>
+                                  </p:childTnLst>
+                                </p:cTn>
+                              </p:par>
+                            </p:childTnLst>
+                          </p:cTn>
+                        </p:par>
+                      </p:childTnLst>
+                    </p:cTn>
+                  </p:par>
+                  <p:par>
+                    <p:cTn id="28" fill="hold">
+                      <p:stCondLst>
+                        <p:cond delay="indefinite"/>
+                      </p:stCondLst>
+                      <p:childTnLst>
+                        <p:par>
+                          <p:cTn id="29" fill="hold">
+                            <p:stCondLst>
+                              <p:cond delay="0"/>
+                            </p:stCondLst>
+                            <p:childTnLst>
+                              <p:par>
+                                <p:cTn id="30" presetID="10" presetClass="entr" presetSubtype="0" fill="hold" nodeType="clickEffect">
+                                  <p:stCondLst>
+                                    <p:cond delay="0"/>
+                                  </p:stCondLst>
+                                  <p:childTnLst>
+                                    <p:set>
+                                      <p:cBhvr>
+                                        <p:cTn id="31" dur="1" fill="hold">
+                                          <p:stCondLst>
+                                            <p:cond delay="0"/>
+                                          </p:stCondLst>
+                                        </p:cTn>
+                                        <p:tgtEl>
+                                          <p:spTgt spid="9">
+                                            <p:txEl>
+                                              <p:pRg st="5" end="5"/>
+                                            </p:txEl>
+                                          </p:spTgt>
+                                        </p:tgtEl>
+                                        <p:attrNameLst>
+                                          <p:attrName>style.visibility</p:attrName>
+                                        </p:attrNameLst>
+                                      </p:cBhvr>
+                                      <p:to>
+                                        <p:strVal val="visible"/>
+                                      </p:to>
+                                    </p:set>
+                                    <p:animEffect transition="in" filter="fade">
+                                      <p:cBhvr>
+                                        <p:cTn id="32" dur="500"/>
+                                        <p:tgtEl>
+                                          <p:spTgt spid="9">
+                                            <p:txEl>
+                                              <p:pRg st="5" end="5"/>
+                                            </p:txEl>
+                                          </p:spTgt>
+                                        </p:tgtEl>
+                                      </p:cBhvr>
+                                    </p:animEffect>
+                                  </p:childTnLst>
+                                </p:cTn>
+                              </p:par>
+                            </p:childTnLst>
+                          </p:cTn>
+                        </p:par>
+                      </p:childTnLst>
+                    </p:cTn>
+                  </p:par>
+                  <p:par>
+                    <p:cTn id="33" fill="hold">
+                      <p:stCondLst>
+                        <p:cond delay="indefinite"/>
+                      </p:stCondLst>
+                      <p:childTnLst>
+                        <p:par>
+                          <p:cTn id="34" fill="hold">
+                            <p:stCondLst>
+                              <p:cond delay="0"/>
+                            </p:stCondLst>
+                            <p:childTnLst>
+                              <p:par>
+                                <p:cTn id="35" presetID="10" presetClass="entr" presetSubtype="0" fill="hold" nodeType="clickEffect">
+                                  <p:stCondLst>
+                                    <p:cond delay="0"/>
+                                  </p:stCondLst>
+                                  <p:childTnLst>
+                                    <p:set>
+                                      <p:cBhvr>
+                                        <p:cTn id="36" dur="1" fill="hold">
+                                          <p:stCondLst>
+                                            <p:cond delay="0"/>
+                                          </p:stCondLst>
+                                        </p:cTn>
+                                        <p:tgtEl>
+                                          <p:spTgt spid="9">
+                                            <p:txEl>
+                                              <p:pRg st="6" end="6"/>
+                                            </p:txEl>
+                                          </p:spTgt>
+                                        </p:tgtEl>
+                                        <p:attrNameLst>
+                                          <p:attrName>style.visibility</p:attrName>
+                                        </p:attrNameLst>
+                                      </p:cBhvr>
+                                      <p:to>
+                                        <p:strVal val="visible"/>
+                                      </p:to>
+                                    </p:set>
+                                    <p:animEffect transition="in" filter="fade">
+                                      <p:cBhvr>
+                                        <p:cTn id="37" dur="500"/>
+                                        <p:tgtEl>
+                                          <p:spTgt spid="9">
+                                            <p:txEl>
+                                              <p:pRg st="6" end="6"/>
+                                            </p:txEl>
+                                          </p:spTgt>
+                                        </p:tgtEl>
+                                      </p:cBhvr>
+                                    </p:animEffect>
+                                  </p:childTnLst>
+                                </p:cTn>
+                              </p:par>
+                            </p:childTnLst>
+                          </p:cTn>
+                        </p:par>
+                      </p:childTnLst>
+                    </p:cTn>
+                  </p:par>
+                </p:childTnLst>
+              </p:cTn>
+              <p:prevCondLst>
+                <p:cond evt="onPrev" delay="0">
+                  <p:tgtEl>
+                    <p:sldTgt/>
+                  </p:tgtEl>
+                </p:cond>
+              </p:prevCondLst>
+              <p:nextCondLst>
+                <p:cond evt="onNext" delay="0">
+                  <p:tgtEl>
+                    <p:sldTgt/>
+                  </p:tgtEl>
+                </p:cond>
+              </p:nextCondLst>
+            </p:seq>
+          </p:childTnLst>
+        </p:cTn>
+      </p:par>
+    </p:tnLst>
+  </p:timing>
 </p:sld>
 </file>
 
@@ -10136,10 +11021,10 @@
       </p:grpSpPr>
       <p:sp>
         <p:nvSpPr>
-          <p:cNvPr id="4" name="Title 3">
+          <p:cNvPr id="8" name="Title 7">
             <a:extLst>
               <a:ext uri="{FF2B5EF4-FFF2-40B4-BE49-F238E27FC236}">
-                <a16:creationId xmlns:a16="http://schemas.microsoft.com/office/drawing/2014/main" id="{A8FA9065-A2C9-9F42-B178-C988801824D3}"/>
+                <a16:creationId xmlns:a16="http://schemas.microsoft.com/office/drawing/2014/main" id="{97B4083C-A237-8F44-8B9D-04615350ACF1}"/>
               </a:ext>
             </a:extLst>
           </p:cNvPr>
@@ -10157,22 +11042,17 @@
           <a:p>
             <a:r>
               <a:rPr lang="en-US" dirty="0"/>
-              <a:t>Let’s talk </a:t>
-            </a:r>
-            <a:r>
-              <a:rPr lang="en-US"/>
-              <a:t>about Cooldown Again</a:t>
-            </a:r>
-            <a:endParaRPr lang="en-US" dirty="0"/>
-          </a:p>
-        </p:txBody>
-      </p:sp>
-      <p:sp>
-        <p:nvSpPr>
-          <p:cNvPr id="5" name="Subtitle 4">
+              <a:t>Let’s do it!</a:t>
+            </a:r>
+          </a:p>
+        </p:txBody>
+      </p:sp>
+      <p:sp>
+        <p:nvSpPr>
+          <p:cNvPr id="9" name="Subtitle 8">
             <a:extLst>
               <a:ext uri="{FF2B5EF4-FFF2-40B4-BE49-F238E27FC236}">
-                <a16:creationId xmlns:a16="http://schemas.microsoft.com/office/drawing/2014/main" id="{FB423C7E-4B44-B849-8D3E-354D61582ADE}"/>
+                <a16:creationId xmlns:a16="http://schemas.microsoft.com/office/drawing/2014/main" id="{F41C9855-7893-714C-80F6-B34BA2A9EE0A}"/>
               </a:ext>
             </a:extLst>
           </p:cNvPr>
@@ -10195,7 +11075,7 @@
     </p:spTree>
     <p:extLst>
       <p:ext uri="{BB962C8B-B14F-4D97-AF65-F5344CB8AC3E}">
-        <p14:creationId xmlns:p14="http://schemas.microsoft.com/office/powerpoint/2010/main" val="2933057112"/>
+        <p14:creationId xmlns:p14="http://schemas.microsoft.com/office/powerpoint/2010/main" val="1232865975"/>
       </p:ext>
     </p:extLst>
   </p:cSld>
@@ -10244,8 +11124,12 @@
           <a:lstStyle/>
           <a:p>
             <a:r>
-              <a:rPr lang="en-US" dirty="0" err="1"/>
-              <a:t>TriggerAuthentication</a:t>
+              <a:rPr lang="en-US" dirty="0"/>
+              <a:t>Let’s talk </a:t>
+            </a:r>
+            <a:r>
+              <a:rPr lang="en-US"/>
+              <a:t>about Cooldown Again</a:t>
             </a:r>
             <a:endParaRPr lang="en-US" dirty="0"/>
           </a:p>
@@ -10279,7 +11163,7 @@
     </p:spTree>
     <p:extLst>
       <p:ext uri="{BB962C8B-B14F-4D97-AF65-F5344CB8AC3E}">
-        <p14:creationId xmlns:p14="http://schemas.microsoft.com/office/powerpoint/2010/main" val="2490197043"/>
+        <p14:creationId xmlns:p14="http://schemas.microsoft.com/office/powerpoint/2010/main" val="2933057112"/>
       </p:ext>
     </p:extLst>
   </p:cSld>
@@ -10308,10 +11192,10 @@
       </p:grpSpPr>
       <p:sp>
         <p:nvSpPr>
-          <p:cNvPr id="2" name="Title 1">
+          <p:cNvPr id="4" name="Title 3">
             <a:extLst>
               <a:ext uri="{FF2B5EF4-FFF2-40B4-BE49-F238E27FC236}">
-                <a16:creationId xmlns:a16="http://schemas.microsoft.com/office/drawing/2014/main" id="{C696186D-2873-D64B-A221-7EFC31AAB74F}"/>
+                <a16:creationId xmlns:a16="http://schemas.microsoft.com/office/drawing/2014/main" id="{A8FA9065-A2C9-9F42-B178-C988801824D3}"/>
               </a:ext>
             </a:extLst>
           </p:cNvPr>
@@ -10319,7 +11203,7 @@
             <a:spLocks noGrp="1"/>
           </p:cNvSpPr>
           <p:nvPr>
-            <p:ph type="title"/>
+            <p:ph type="ctrTitle"/>
           </p:nvPr>
         </p:nvSpPr>
         <p:spPr/>
@@ -10337,10 +11221,10 @@
       </p:sp>
       <p:sp>
         <p:nvSpPr>
-          <p:cNvPr id="3" name="Content Placeholder 2">
+          <p:cNvPr id="5" name="Subtitle 4">
             <a:extLst>
               <a:ext uri="{FF2B5EF4-FFF2-40B4-BE49-F238E27FC236}">
-                <a16:creationId xmlns:a16="http://schemas.microsoft.com/office/drawing/2014/main" id="{543213A9-1EB7-B34D-95D3-82AE1B4AB37E}"/>
+                <a16:creationId xmlns:a16="http://schemas.microsoft.com/office/drawing/2014/main" id="{FB423C7E-4B44-B849-8D3E-354D61582ADE}"/>
               </a:ext>
             </a:extLst>
           </p:cNvPr>
@@ -10348,7 +11232,7 @@
             <a:spLocks noGrp="1"/>
           </p:cNvSpPr>
           <p:nvPr>
-            <p:ph idx="1"/>
+            <p:ph type="subTitle" idx="1"/>
           </p:nvPr>
         </p:nvSpPr>
         <p:spPr/>
@@ -10356,29 +11240,14 @@
           <a:bodyPr/>
           <a:lstStyle/>
           <a:p>
-            <a:r>
-              <a:rPr lang="en-US" dirty="0"/>
-              <a:t>Shared authentication</a:t>
-            </a:r>
-          </a:p>
-          <a:p>
-            <a:r>
-              <a:rPr lang="en-US" dirty="0"/>
-              <a:t>Support for referencing secrets directly</a:t>
-            </a:r>
-          </a:p>
-          <a:p>
-            <a:r>
-              <a:rPr lang="en-US" dirty="0"/>
-              <a:t>Managed Identity (e.g. Azure Pod Identity)</a:t>
-            </a:r>
+            <a:endParaRPr lang="en-US"/>
           </a:p>
         </p:txBody>
       </p:sp>
     </p:spTree>
     <p:extLst>
       <p:ext uri="{BB962C8B-B14F-4D97-AF65-F5344CB8AC3E}">
-        <p14:creationId xmlns:p14="http://schemas.microsoft.com/office/powerpoint/2010/main" val="656369938"/>
+        <p14:creationId xmlns:p14="http://schemas.microsoft.com/office/powerpoint/2010/main" val="2490197043"/>
       </p:ext>
     </p:extLst>
   </p:cSld>
@@ -10407,395 +11276,77 @@
       </p:grpSpPr>
       <p:sp>
         <p:nvSpPr>
-          <p:cNvPr id="4" name="Rectangle 3">
+          <p:cNvPr id="2" name="Title 1">
             <a:extLst>
               <a:ext uri="{FF2B5EF4-FFF2-40B4-BE49-F238E27FC236}">
-                <a16:creationId xmlns:a16="http://schemas.microsoft.com/office/drawing/2014/main" id="{25EE69ED-EE01-E04D-A7A4-55582069BCB3}"/>
+                <a16:creationId xmlns:a16="http://schemas.microsoft.com/office/drawing/2014/main" id="{C696186D-2873-D64B-A221-7EFC31AAB74F}"/>
               </a:ext>
             </a:extLst>
           </p:cNvPr>
-          <p:cNvSpPr/>
-          <p:nvPr/>
-        </p:nvSpPr>
-        <p:spPr>
-          <a:xfrm>
-            <a:off x="2998149" y="1367327"/>
-            <a:ext cx="7196984" cy="3785652"/>
-          </a:xfrm>
-          <a:prstGeom prst="rect">
-            <a:avLst/>
-          </a:prstGeom>
-        </p:spPr>
-        <p:txBody>
-          <a:bodyPr wrap="square">
-            <a:spAutoFit/>
-          </a:bodyPr>
+          <p:cNvSpPr>
+            <a:spLocks noGrp="1"/>
+          </p:cNvSpPr>
+          <p:nvPr>
+            <p:ph type="title"/>
+          </p:nvPr>
+        </p:nvSpPr>
+        <p:spPr/>
+        <p:txBody>
+          <a:bodyPr/>
           <a:lstStyle/>
           <a:p>
             <a:r>
-              <a:rPr lang="en-AU" sz="2400" dirty="0" err="1">
-                <a:solidFill>
-                  <a:srgbClr val="B8BB26">
-                    <a:alpha val="42000"/>
-                  </a:srgbClr>
-                </a:solidFill>
-                <a:latin typeface="Menlo" panose="020B0609030804020204" pitchFamily="49" charset="0"/>
-              </a:rPr>
-              <a:t>apiVersion</a:t>
-            </a:r>
-            <a:r>
-              <a:rPr lang="en-AU" sz="2400" dirty="0">
-                <a:solidFill>
-                  <a:srgbClr val="B8BB26">
-                    <a:alpha val="42000"/>
-                  </a:srgbClr>
-                </a:solidFill>
-                <a:latin typeface="Menlo" panose="020B0609030804020204" pitchFamily="49" charset="0"/>
-              </a:rPr>
-              <a:t>: keda.k8s.io/v1alpha1</a:t>
-            </a:r>
-          </a:p>
-          <a:p>
-            <a:r>
-              <a:rPr lang="en-AU" sz="2400" dirty="0">
-                <a:solidFill>
-                  <a:srgbClr val="8EC07C"/>
-                </a:solidFill>
-                <a:latin typeface="Menlo" panose="020B0609030804020204" pitchFamily="49" charset="0"/>
-              </a:rPr>
-              <a:t>kind</a:t>
-            </a:r>
-            <a:r>
-              <a:rPr lang="en-AU" sz="2400" dirty="0">
-                <a:solidFill>
-                  <a:srgbClr val="A89984"/>
-                </a:solidFill>
-                <a:latin typeface="Menlo" panose="020B0609030804020204" pitchFamily="49" charset="0"/>
-              </a:rPr>
-              <a:t>:</a:t>
-            </a:r>
-            <a:r>
-              <a:rPr lang="en-AU" sz="2400" dirty="0">
-                <a:solidFill>
-                  <a:srgbClr val="EBDBB2"/>
-                </a:solidFill>
-                <a:latin typeface="Menlo" panose="020B0609030804020204" pitchFamily="49" charset="0"/>
-              </a:rPr>
-              <a:t> </a:t>
-            </a:r>
-            <a:r>
-              <a:rPr lang="en-AU" sz="2400" dirty="0" err="1">
-                <a:solidFill>
-                  <a:srgbClr val="B8BB26"/>
-                </a:solidFill>
-                <a:latin typeface="Menlo" panose="020B0609030804020204" pitchFamily="49" charset="0"/>
-              </a:rPr>
+              <a:rPr lang="en-US" dirty="0" err="1"/>
               <a:t>TriggerAuthentication</a:t>
             </a:r>
-            <a:endParaRPr lang="en-AU" sz="2400" dirty="0">
-              <a:solidFill>
-                <a:srgbClr val="EBDBB2"/>
-              </a:solidFill>
-              <a:latin typeface="Menlo" panose="020B0609030804020204" pitchFamily="49" charset="0"/>
-            </a:endParaRPr>
-          </a:p>
-          <a:p>
-            <a:r>
-              <a:rPr lang="en-AU" sz="2400" dirty="0">
-                <a:solidFill>
-                  <a:srgbClr val="8EC07C">
-                    <a:alpha val="45000"/>
-                  </a:srgbClr>
-                </a:solidFill>
-                <a:latin typeface="Menlo" panose="020B0609030804020204" pitchFamily="49" charset="0"/>
-              </a:rPr>
-              <a:t>metadata:</a:t>
-            </a:r>
-          </a:p>
-          <a:p>
-            <a:r>
-              <a:rPr lang="en-AU" sz="2400" dirty="0">
-                <a:solidFill>
-                  <a:srgbClr val="8EC07C"/>
-                </a:solidFill>
-                <a:latin typeface="Menlo" panose="020B0609030804020204" pitchFamily="49" charset="0"/>
-              </a:rPr>
-              <a:t>name</a:t>
-            </a:r>
-            <a:r>
-              <a:rPr lang="en-AU" sz="2400" dirty="0">
-                <a:solidFill>
-                  <a:srgbClr val="A89984"/>
-                </a:solidFill>
-                <a:latin typeface="Menlo" panose="020B0609030804020204" pitchFamily="49" charset="0"/>
-              </a:rPr>
-              <a:t>:</a:t>
-            </a:r>
-            <a:r>
-              <a:rPr lang="en-AU" sz="2400" dirty="0">
-                <a:solidFill>
-                  <a:srgbClr val="EBDBB2"/>
-                </a:solidFill>
-                <a:latin typeface="Menlo" panose="020B0609030804020204" pitchFamily="49" charset="0"/>
-              </a:rPr>
-              <a:t> </a:t>
-            </a:r>
-            <a:r>
-              <a:rPr lang="en-AU" sz="2400" dirty="0" err="1">
-                <a:solidFill>
-                  <a:srgbClr val="B8BB26"/>
-                </a:solidFill>
-                <a:latin typeface="Menlo" panose="020B0609030804020204" pitchFamily="49" charset="0"/>
-              </a:rPr>
-              <a:t>rabbitmq</a:t>
-            </a:r>
-            <a:r>
-              <a:rPr lang="en-AU" sz="2400" dirty="0">
-                <a:solidFill>
-                  <a:srgbClr val="B8BB26"/>
-                </a:solidFill>
-                <a:latin typeface="Menlo" panose="020B0609030804020204" pitchFamily="49" charset="0"/>
-              </a:rPr>
-              <a:t>-consumer-trigger</a:t>
-            </a:r>
-            <a:endParaRPr lang="en-AU" sz="2400" dirty="0">
-              <a:solidFill>
-                <a:srgbClr val="EBDBB2"/>
-              </a:solidFill>
-              <a:latin typeface="Menlo" panose="020B0609030804020204" pitchFamily="49" charset="0"/>
-            </a:endParaRPr>
-          </a:p>
-          <a:p>
-            <a:r>
-              <a:rPr lang="en-AU" sz="2400" dirty="0">
-                <a:solidFill>
-                  <a:srgbClr val="B8BB26">
-                    <a:alpha val="42000"/>
-                  </a:srgbClr>
-                </a:solidFill>
-                <a:latin typeface="Menlo" panose="020B0609030804020204" pitchFamily="49" charset="0"/>
-              </a:rPr>
-              <a:t>namespace: default</a:t>
-            </a:r>
-          </a:p>
-          <a:p>
-            <a:r>
-              <a:rPr lang="en-AU" sz="2400" dirty="0">
-                <a:solidFill>
-                  <a:srgbClr val="8EC07C"/>
-                </a:solidFill>
-                <a:latin typeface="Menlo" panose="020B0609030804020204" pitchFamily="49" charset="0"/>
-              </a:rPr>
-              <a:t>spec</a:t>
-            </a:r>
-            <a:r>
-              <a:rPr lang="en-AU" sz="2400" dirty="0">
-                <a:solidFill>
-                  <a:srgbClr val="A89984"/>
-                </a:solidFill>
-                <a:latin typeface="Menlo" panose="020B0609030804020204" pitchFamily="49" charset="0"/>
-              </a:rPr>
-              <a:t>:</a:t>
-            </a:r>
-            <a:endParaRPr lang="en-AU" sz="2400" dirty="0">
-              <a:solidFill>
-                <a:srgbClr val="EBDBB2"/>
-              </a:solidFill>
-              <a:latin typeface="Menlo" panose="020B0609030804020204" pitchFamily="49" charset="0"/>
-            </a:endParaRPr>
-          </a:p>
-          <a:p>
-            <a:r>
-              <a:rPr lang="en-AU" sz="2400" dirty="0" err="1">
-                <a:solidFill>
-                  <a:srgbClr val="8EC07C"/>
-                </a:solidFill>
-                <a:latin typeface="Menlo" panose="020B0609030804020204" pitchFamily="49" charset="0"/>
-              </a:rPr>
-              <a:t>secretTargetRef</a:t>
-            </a:r>
-            <a:r>
-              <a:rPr lang="en-AU" sz="2400" dirty="0">
-                <a:solidFill>
-                  <a:srgbClr val="A89984"/>
-                </a:solidFill>
-                <a:latin typeface="Menlo" panose="020B0609030804020204" pitchFamily="49" charset="0"/>
-              </a:rPr>
-              <a:t>:</a:t>
-            </a:r>
-            <a:endParaRPr lang="en-AU" sz="2400" dirty="0">
-              <a:solidFill>
-                <a:srgbClr val="EBDBB2"/>
-              </a:solidFill>
-              <a:latin typeface="Menlo" panose="020B0609030804020204" pitchFamily="49" charset="0"/>
-            </a:endParaRPr>
-          </a:p>
-          <a:p>
-            <a:r>
-              <a:rPr lang="en-AU" sz="2400" dirty="0">
-                <a:solidFill>
-                  <a:srgbClr val="A89984"/>
-                </a:solidFill>
-                <a:latin typeface="Menlo" panose="020B0609030804020204" pitchFamily="49" charset="0"/>
-              </a:rPr>
-              <a:t>-</a:t>
-            </a:r>
-            <a:r>
-              <a:rPr lang="en-AU" sz="2400" dirty="0">
-                <a:solidFill>
-                  <a:srgbClr val="EBDBB2"/>
-                </a:solidFill>
-                <a:latin typeface="Menlo" panose="020B0609030804020204" pitchFamily="49" charset="0"/>
-              </a:rPr>
-              <a:t> </a:t>
-            </a:r>
-            <a:r>
-              <a:rPr lang="en-AU" sz="2400" dirty="0">
-                <a:solidFill>
-                  <a:srgbClr val="8EC07C"/>
-                </a:solidFill>
-                <a:latin typeface="Menlo" panose="020B0609030804020204" pitchFamily="49" charset="0"/>
-              </a:rPr>
-              <a:t>parameter</a:t>
-            </a:r>
-            <a:r>
-              <a:rPr lang="en-AU" sz="2400" dirty="0">
-                <a:solidFill>
-                  <a:srgbClr val="A89984"/>
-                </a:solidFill>
-                <a:latin typeface="Menlo" panose="020B0609030804020204" pitchFamily="49" charset="0"/>
-              </a:rPr>
-              <a:t>:</a:t>
-            </a:r>
-            <a:r>
-              <a:rPr lang="en-AU" sz="2400" dirty="0">
-                <a:solidFill>
-                  <a:srgbClr val="EBDBB2"/>
-                </a:solidFill>
-                <a:latin typeface="Menlo" panose="020B0609030804020204" pitchFamily="49" charset="0"/>
-              </a:rPr>
-              <a:t> </a:t>
-            </a:r>
-            <a:r>
-              <a:rPr lang="en-AU" sz="2400" dirty="0">
-                <a:solidFill>
-                  <a:srgbClr val="B8BB26"/>
-                </a:solidFill>
-                <a:latin typeface="Menlo" panose="020B0609030804020204" pitchFamily="49" charset="0"/>
-              </a:rPr>
-              <a:t>host</a:t>
-            </a:r>
-            <a:endParaRPr lang="en-AU" sz="2400" dirty="0">
-              <a:solidFill>
-                <a:srgbClr val="EBDBB2"/>
-              </a:solidFill>
-              <a:latin typeface="Menlo" panose="020B0609030804020204" pitchFamily="49" charset="0"/>
-            </a:endParaRPr>
-          </a:p>
-          <a:p>
-            <a:r>
-              <a:rPr lang="en-AU" sz="2400" dirty="0">
-                <a:solidFill>
-                  <a:srgbClr val="8EC07C"/>
-                </a:solidFill>
-                <a:latin typeface="Menlo" panose="020B0609030804020204" pitchFamily="49" charset="0"/>
-              </a:rPr>
-              <a:t>  name</a:t>
-            </a:r>
-            <a:r>
-              <a:rPr lang="en-AU" sz="2400" dirty="0">
-                <a:solidFill>
-                  <a:srgbClr val="A89984"/>
-                </a:solidFill>
-                <a:latin typeface="Menlo" panose="020B0609030804020204" pitchFamily="49" charset="0"/>
-              </a:rPr>
-              <a:t>:</a:t>
-            </a:r>
-            <a:r>
-              <a:rPr lang="en-AU" sz="2400" dirty="0">
-                <a:solidFill>
-                  <a:srgbClr val="EBDBB2"/>
-                </a:solidFill>
-                <a:latin typeface="Menlo" panose="020B0609030804020204" pitchFamily="49" charset="0"/>
-              </a:rPr>
-              <a:t> </a:t>
-            </a:r>
-            <a:r>
-              <a:rPr lang="en-AU" sz="2400" dirty="0" err="1">
-                <a:solidFill>
-                  <a:srgbClr val="B8BB26"/>
-                </a:solidFill>
-                <a:latin typeface="Menlo" panose="020B0609030804020204" pitchFamily="49" charset="0"/>
-              </a:rPr>
-              <a:t>rabbitmq</a:t>
-            </a:r>
-            <a:r>
-              <a:rPr lang="en-AU" sz="2400" dirty="0">
-                <a:solidFill>
-                  <a:srgbClr val="B8BB26"/>
-                </a:solidFill>
-                <a:latin typeface="Menlo" panose="020B0609030804020204" pitchFamily="49" charset="0"/>
-              </a:rPr>
-              <a:t>-consumer-secret</a:t>
-            </a:r>
-            <a:endParaRPr lang="en-AU" sz="2400" dirty="0">
-              <a:solidFill>
-                <a:srgbClr val="EBDBB2"/>
-              </a:solidFill>
-              <a:latin typeface="Menlo" panose="020B0609030804020204" pitchFamily="49" charset="0"/>
-            </a:endParaRPr>
-          </a:p>
-          <a:p>
-            <a:r>
-              <a:rPr lang="en-AU" sz="2400" dirty="0">
-                <a:solidFill>
-                  <a:srgbClr val="8EC07C"/>
-                </a:solidFill>
-                <a:latin typeface="Menlo" panose="020B0609030804020204" pitchFamily="49" charset="0"/>
-              </a:rPr>
-              <a:t>  key</a:t>
-            </a:r>
-            <a:r>
-              <a:rPr lang="en-AU" sz="2400" dirty="0">
-                <a:solidFill>
-                  <a:srgbClr val="A89984"/>
-                </a:solidFill>
-                <a:latin typeface="Menlo" panose="020B0609030804020204" pitchFamily="49" charset="0"/>
-              </a:rPr>
-              <a:t>:</a:t>
-            </a:r>
-            <a:r>
-              <a:rPr lang="en-AU" sz="2400" dirty="0">
-                <a:solidFill>
-                  <a:srgbClr val="EBDBB2"/>
-                </a:solidFill>
-                <a:latin typeface="Menlo" panose="020B0609030804020204" pitchFamily="49" charset="0"/>
-              </a:rPr>
-              <a:t> </a:t>
-            </a:r>
-            <a:r>
-              <a:rPr lang="en-AU" sz="2400" dirty="0" err="1">
-                <a:solidFill>
-                  <a:srgbClr val="B8BB26"/>
-                </a:solidFill>
-                <a:latin typeface="Menlo" panose="020B0609030804020204" pitchFamily="49" charset="0"/>
-              </a:rPr>
-              <a:t>RabbitMqHost</a:t>
-            </a:r>
-            <a:endParaRPr lang="en-AU" sz="2400" b="0" dirty="0">
-              <a:solidFill>
-                <a:srgbClr val="EBDBB2"/>
-              </a:solidFill>
-              <a:effectLst/>
-              <a:latin typeface="Menlo" panose="020B0609030804020204" pitchFamily="49" charset="0"/>
-            </a:endParaRPr>
+            <a:endParaRPr lang="en-US" dirty="0"/>
+          </a:p>
+        </p:txBody>
+      </p:sp>
+      <p:sp>
+        <p:nvSpPr>
+          <p:cNvPr id="3" name="Content Placeholder 2">
+            <a:extLst>
+              <a:ext uri="{FF2B5EF4-FFF2-40B4-BE49-F238E27FC236}">
+                <a16:creationId xmlns:a16="http://schemas.microsoft.com/office/drawing/2014/main" id="{543213A9-1EB7-B34D-95D3-82AE1B4AB37E}"/>
+              </a:ext>
+            </a:extLst>
+          </p:cNvPr>
+          <p:cNvSpPr>
+            <a:spLocks noGrp="1"/>
+          </p:cNvSpPr>
+          <p:nvPr>
+            <p:ph idx="1"/>
+          </p:nvPr>
+        </p:nvSpPr>
+        <p:spPr/>
+        <p:txBody>
+          <a:bodyPr/>
+          <a:lstStyle/>
+          <a:p>
+            <a:r>
+              <a:rPr lang="en-US" dirty="0"/>
+              <a:t>Shared authentication</a:t>
+            </a:r>
+          </a:p>
+          <a:p>
+            <a:r>
+              <a:rPr lang="en-US" dirty="0"/>
+              <a:t>Support for referencing secrets directly</a:t>
+            </a:r>
+          </a:p>
+          <a:p>
+            <a:r>
+              <a:rPr lang="en-US" dirty="0"/>
+              <a:t>Managed Identity (e.g. Azure Pod Identity)</a:t>
+            </a:r>
           </a:p>
         </p:txBody>
       </p:sp>
     </p:spTree>
     <p:extLst>
       <p:ext uri="{BB962C8B-B14F-4D97-AF65-F5344CB8AC3E}">
-        <p14:creationId xmlns:p14="http://schemas.microsoft.com/office/powerpoint/2010/main" val="954341649"/>
+        <p14:creationId xmlns:p14="http://schemas.microsoft.com/office/powerpoint/2010/main" val="656369938"/>
       </p:ext>
     </p:extLst>
   </p:cSld>
@@ -10824,6 +11375,423 @@
       </p:grpSpPr>
       <p:sp>
         <p:nvSpPr>
+          <p:cNvPr id="4" name="Rectangle 3">
+            <a:extLst>
+              <a:ext uri="{FF2B5EF4-FFF2-40B4-BE49-F238E27FC236}">
+                <a16:creationId xmlns:a16="http://schemas.microsoft.com/office/drawing/2014/main" id="{25EE69ED-EE01-E04D-A7A4-55582069BCB3}"/>
+              </a:ext>
+            </a:extLst>
+          </p:cNvPr>
+          <p:cNvSpPr/>
+          <p:nvPr/>
+        </p:nvSpPr>
+        <p:spPr>
+          <a:xfrm>
+            <a:off x="3369179" y="1997839"/>
+            <a:ext cx="5453642" cy="2862322"/>
+          </a:xfrm>
+          <a:prstGeom prst="rect">
+            <a:avLst/>
+          </a:prstGeom>
+        </p:spPr>
+        <p:txBody>
+          <a:bodyPr wrap="square">
+            <a:spAutoFit/>
+          </a:bodyPr>
+          <a:lstStyle/>
+          <a:p>
+            <a:r>
+              <a:rPr lang="en-AU" dirty="0" err="1">
+                <a:solidFill>
+                  <a:srgbClr val="B8BB26">
+                    <a:alpha val="42000"/>
+                  </a:srgbClr>
+                </a:solidFill>
+                <a:latin typeface="Menlo" panose="020B0609030804020204" pitchFamily="49" charset="0"/>
+              </a:rPr>
+              <a:t>apiVersion</a:t>
+            </a:r>
+            <a:r>
+              <a:rPr lang="en-AU" dirty="0">
+                <a:solidFill>
+                  <a:srgbClr val="B8BB26">
+                    <a:alpha val="42000"/>
+                  </a:srgbClr>
+                </a:solidFill>
+                <a:latin typeface="Menlo" panose="020B0609030804020204" pitchFamily="49" charset="0"/>
+              </a:rPr>
+              <a:t>: keda.k8s.io/v1alpha1</a:t>
+            </a:r>
+          </a:p>
+          <a:p>
+            <a:r>
+              <a:rPr lang="en-AU" dirty="0">
+                <a:solidFill>
+                  <a:srgbClr val="8EC07C"/>
+                </a:solidFill>
+                <a:latin typeface="Menlo" panose="020B0609030804020204" pitchFamily="49" charset="0"/>
+              </a:rPr>
+              <a:t>kind</a:t>
+            </a:r>
+            <a:r>
+              <a:rPr lang="en-AU" dirty="0">
+                <a:solidFill>
+                  <a:srgbClr val="A89984"/>
+                </a:solidFill>
+                <a:latin typeface="Menlo" panose="020B0609030804020204" pitchFamily="49" charset="0"/>
+              </a:rPr>
+              <a:t>:</a:t>
+            </a:r>
+            <a:r>
+              <a:rPr lang="en-AU" dirty="0">
+                <a:solidFill>
+                  <a:srgbClr val="EBDBB2"/>
+                </a:solidFill>
+                <a:latin typeface="Menlo" panose="020B0609030804020204" pitchFamily="49" charset="0"/>
+              </a:rPr>
+              <a:t> </a:t>
+            </a:r>
+            <a:r>
+              <a:rPr lang="en-AU" dirty="0" err="1">
+                <a:solidFill>
+                  <a:srgbClr val="B8BB26"/>
+                </a:solidFill>
+                <a:latin typeface="Menlo" panose="020B0609030804020204" pitchFamily="49" charset="0"/>
+              </a:rPr>
+              <a:t>TriggerAuthentication</a:t>
+            </a:r>
+            <a:endParaRPr lang="en-AU" dirty="0">
+              <a:solidFill>
+                <a:srgbClr val="EBDBB2"/>
+              </a:solidFill>
+              <a:latin typeface="Menlo" panose="020B0609030804020204" pitchFamily="49" charset="0"/>
+            </a:endParaRPr>
+          </a:p>
+          <a:p>
+            <a:r>
+              <a:rPr lang="en-AU" dirty="0">
+                <a:solidFill>
+                  <a:srgbClr val="8EC07C">
+                    <a:alpha val="45000"/>
+                  </a:srgbClr>
+                </a:solidFill>
+                <a:latin typeface="Menlo" panose="020B0609030804020204" pitchFamily="49" charset="0"/>
+              </a:rPr>
+              <a:t>metadata:</a:t>
+            </a:r>
+          </a:p>
+          <a:p>
+            <a:r>
+              <a:rPr lang="en-AU" dirty="0">
+                <a:solidFill>
+                  <a:srgbClr val="8EC07C"/>
+                </a:solidFill>
+                <a:latin typeface="Menlo" panose="020B0609030804020204" pitchFamily="49" charset="0"/>
+              </a:rPr>
+              <a:t>name</a:t>
+            </a:r>
+            <a:r>
+              <a:rPr lang="en-AU" dirty="0">
+                <a:solidFill>
+                  <a:srgbClr val="A89984"/>
+                </a:solidFill>
+                <a:latin typeface="Menlo" panose="020B0609030804020204" pitchFamily="49" charset="0"/>
+              </a:rPr>
+              <a:t>:</a:t>
+            </a:r>
+            <a:r>
+              <a:rPr lang="en-AU" dirty="0">
+                <a:solidFill>
+                  <a:srgbClr val="EBDBB2"/>
+                </a:solidFill>
+                <a:latin typeface="Menlo" panose="020B0609030804020204" pitchFamily="49" charset="0"/>
+              </a:rPr>
+              <a:t> </a:t>
+            </a:r>
+            <a:r>
+              <a:rPr lang="en-AU" dirty="0" err="1">
+                <a:solidFill>
+                  <a:srgbClr val="B8BB26"/>
+                </a:solidFill>
+                <a:latin typeface="Menlo" panose="020B0609030804020204" pitchFamily="49" charset="0"/>
+              </a:rPr>
+              <a:t>rabbitmq</a:t>
+            </a:r>
+            <a:r>
+              <a:rPr lang="en-AU" dirty="0">
+                <a:solidFill>
+                  <a:srgbClr val="B8BB26"/>
+                </a:solidFill>
+                <a:latin typeface="Menlo" panose="020B0609030804020204" pitchFamily="49" charset="0"/>
+              </a:rPr>
+              <a:t>-consumer-trigger</a:t>
+            </a:r>
+            <a:endParaRPr lang="en-AU" dirty="0">
+              <a:solidFill>
+                <a:srgbClr val="EBDBB2"/>
+              </a:solidFill>
+              <a:latin typeface="Menlo" panose="020B0609030804020204" pitchFamily="49" charset="0"/>
+            </a:endParaRPr>
+          </a:p>
+          <a:p>
+            <a:r>
+              <a:rPr lang="en-AU" dirty="0">
+                <a:solidFill>
+                  <a:srgbClr val="B8BB26">
+                    <a:alpha val="42000"/>
+                  </a:srgbClr>
+                </a:solidFill>
+                <a:latin typeface="Menlo" panose="020B0609030804020204" pitchFamily="49" charset="0"/>
+              </a:rPr>
+              <a:t>namespace: default</a:t>
+            </a:r>
+          </a:p>
+          <a:p>
+            <a:r>
+              <a:rPr lang="en-AU" dirty="0">
+                <a:solidFill>
+                  <a:srgbClr val="8EC07C"/>
+                </a:solidFill>
+                <a:latin typeface="Menlo" panose="020B0609030804020204" pitchFamily="49" charset="0"/>
+              </a:rPr>
+              <a:t>spec</a:t>
+            </a:r>
+            <a:r>
+              <a:rPr lang="en-AU" dirty="0">
+                <a:solidFill>
+                  <a:srgbClr val="A89984"/>
+                </a:solidFill>
+                <a:latin typeface="Menlo" panose="020B0609030804020204" pitchFamily="49" charset="0"/>
+              </a:rPr>
+              <a:t>:</a:t>
+            </a:r>
+            <a:endParaRPr lang="en-AU" dirty="0">
+              <a:solidFill>
+                <a:srgbClr val="EBDBB2"/>
+              </a:solidFill>
+              <a:latin typeface="Menlo" panose="020B0609030804020204" pitchFamily="49" charset="0"/>
+            </a:endParaRPr>
+          </a:p>
+          <a:p>
+            <a:r>
+              <a:rPr lang="en-AU" dirty="0" err="1">
+                <a:solidFill>
+                  <a:srgbClr val="8EC07C"/>
+                </a:solidFill>
+                <a:latin typeface="Menlo" panose="020B0609030804020204" pitchFamily="49" charset="0"/>
+              </a:rPr>
+              <a:t>secretTargetRef</a:t>
+            </a:r>
+            <a:r>
+              <a:rPr lang="en-AU" dirty="0">
+                <a:solidFill>
+                  <a:srgbClr val="A89984"/>
+                </a:solidFill>
+                <a:latin typeface="Menlo" panose="020B0609030804020204" pitchFamily="49" charset="0"/>
+              </a:rPr>
+              <a:t>:</a:t>
+            </a:r>
+            <a:endParaRPr lang="en-AU" dirty="0">
+              <a:solidFill>
+                <a:srgbClr val="EBDBB2"/>
+              </a:solidFill>
+              <a:latin typeface="Menlo" panose="020B0609030804020204" pitchFamily="49" charset="0"/>
+            </a:endParaRPr>
+          </a:p>
+          <a:p>
+            <a:r>
+              <a:rPr lang="en-AU" dirty="0">
+                <a:solidFill>
+                  <a:srgbClr val="A89984"/>
+                </a:solidFill>
+                <a:latin typeface="Menlo" panose="020B0609030804020204" pitchFamily="49" charset="0"/>
+              </a:rPr>
+              <a:t>-</a:t>
+            </a:r>
+            <a:r>
+              <a:rPr lang="en-AU" dirty="0">
+                <a:solidFill>
+                  <a:srgbClr val="EBDBB2"/>
+                </a:solidFill>
+                <a:latin typeface="Menlo" panose="020B0609030804020204" pitchFamily="49" charset="0"/>
+              </a:rPr>
+              <a:t> </a:t>
+            </a:r>
+            <a:r>
+              <a:rPr lang="en-AU" dirty="0">
+                <a:solidFill>
+                  <a:srgbClr val="8EC07C"/>
+                </a:solidFill>
+                <a:latin typeface="Menlo" panose="020B0609030804020204" pitchFamily="49" charset="0"/>
+              </a:rPr>
+              <a:t>parameter</a:t>
+            </a:r>
+            <a:r>
+              <a:rPr lang="en-AU" dirty="0">
+                <a:solidFill>
+                  <a:srgbClr val="A89984"/>
+                </a:solidFill>
+                <a:latin typeface="Menlo" panose="020B0609030804020204" pitchFamily="49" charset="0"/>
+              </a:rPr>
+              <a:t>:</a:t>
+            </a:r>
+            <a:r>
+              <a:rPr lang="en-AU" dirty="0">
+                <a:solidFill>
+                  <a:srgbClr val="EBDBB2"/>
+                </a:solidFill>
+                <a:latin typeface="Menlo" panose="020B0609030804020204" pitchFamily="49" charset="0"/>
+              </a:rPr>
+              <a:t> </a:t>
+            </a:r>
+            <a:r>
+              <a:rPr lang="en-AU" dirty="0">
+                <a:solidFill>
+                  <a:srgbClr val="B8BB26"/>
+                </a:solidFill>
+                <a:latin typeface="Menlo" panose="020B0609030804020204" pitchFamily="49" charset="0"/>
+              </a:rPr>
+              <a:t>host</a:t>
+            </a:r>
+            <a:endParaRPr lang="en-AU" dirty="0">
+              <a:solidFill>
+                <a:srgbClr val="EBDBB2"/>
+              </a:solidFill>
+              <a:latin typeface="Menlo" panose="020B0609030804020204" pitchFamily="49" charset="0"/>
+            </a:endParaRPr>
+          </a:p>
+          <a:p>
+            <a:r>
+              <a:rPr lang="en-AU" dirty="0">
+                <a:solidFill>
+                  <a:srgbClr val="8EC07C"/>
+                </a:solidFill>
+                <a:latin typeface="Menlo" panose="020B0609030804020204" pitchFamily="49" charset="0"/>
+              </a:rPr>
+              <a:t>  name</a:t>
+            </a:r>
+            <a:r>
+              <a:rPr lang="en-AU" dirty="0">
+                <a:solidFill>
+                  <a:srgbClr val="A89984"/>
+                </a:solidFill>
+                <a:latin typeface="Menlo" panose="020B0609030804020204" pitchFamily="49" charset="0"/>
+              </a:rPr>
+              <a:t>:</a:t>
+            </a:r>
+            <a:r>
+              <a:rPr lang="en-AU" dirty="0">
+                <a:solidFill>
+                  <a:srgbClr val="EBDBB2"/>
+                </a:solidFill>
+                <a:latin typeface="Menlo" panose="020B0609030804020204" pitchFamily="49" charset="0"/>
+              </a:rPr>
+              <a:t> </a:t>
+            </a:r>
+            <a:r>
+              <a:rPr lang="en-AU" dirty="0" err="1">
+                <a:solidFill>
+                  <a:srgbClr val="B8BB26"/>
+                </a:solidFill>
+                <a:latin typeface="Menlo" panose="020B0609030804020204" pitchFamily="49" charset="0"/>
+              </a:rPr>
+              <a:t>rabbitmq</a:t>
+            </a:r>
+            <a:r>
+              <a:rPr lang="en-AU" dirty="0">
+                <a:solidFill>
+                  <a:srgbClr val="B8BB26"/>
+                </a:solidFill>
+                <a:latin typeface="Menlo" panose="020B0609030804020204" pitchFamily="49" charset="0"/>
+              </a:rPr>
+              <a:t>-consumer-secret</a:t>
+            </a:r>
+            <a:endParaRPr lang="en-AU" dirty="0">
+              <a:solidFill>
+                <a:srgbClr val="EBDBB2"/>
+              </a:solidFill>
+              <a:latin typeface="Menlo" panose="020B0609030804020204" pitchFamily="49" charset="0"/>
+            </a:endParaRPr>
+          </a:p>
+          <a:p>
+            <a:r>
+              <a:rPr lang="en-AU" dirty="0">
+                <a:solidFill>
+                  <a:srgbClr val="8EC07C"/>
+                </a:solidFill>
+                <a:latin typeface="Menlo" panose="020B0609030804020204" pitchFamily="49" charset="0"/>
+              </a:rPr>
+              <a:t>  key</a:t>
+            </a:r>
+            <a:r>
+              <a:rPr lang="en-AU" dirty="0">
+                <a:solidFill>
+                  <a:srgbClr val="A89984"/>
+                </a:solidFill>
+                <a:latin typeface="Menlo" panose="020B0609030804020204" pitchFamily="49" charset="0"/>
+              </a:rPr>
+              <a:t>:</a:t>
+            </a:r>
+            <a:r>
+              <a:rPr lang="en-AU" dirty="0">
+                <a:solidFill>
+                  <a:srgbClr val="EBDBB2"/>
+                </a:solidFill>
+                <a:latin typeface="Menlo" panose="020B0609030804020204" pitchFamily="49" charset="0"/>
+              </a:rPr>
+              <a:t> </a:t>
+            </a:r>
+            <a:r>
+              <a:rPr lang="en-AU" dirty="0" err="1">
+                <a:solidFill>
+                  <a:srgbClr val="B8BB26"/>
+                </a:solidFill>
+                <a:latin typeface="Menlo" panose="020B0609030804020204" pitchFamily="49" charset="0"/>
+              </a:rPr>
+              <a:t>RabbitMqHost</a:t>
+            </a:r>
+            <a:endParaRPr lang="en-AU" b="0" dirty="0">
+              <a:solidFill>
+                <a:srgbClr val="EBDBB2"/>
+              </a:solidFill>
+              <a:effectLst/>
+              <a:latin typeface="Menlo" panose="020B0609030804020204" pitchFamily="49" charset="0"/>
+            </a:endParaRPr>
+          </a:p>
+        </p:txBody>
+      </p:sp>
+    </p:spTree>
+    <p:extLst>
+      <p:ext uri="{BB962C8B-B14F-4D97-AF65-F5344CB8AC3E}">
+        <p14:creationId xmlns:p14="http://schemas.microsoft.com/office/powerpoint/2010/main" val="954341649"/>
+      </p:ext>
+    </p:extLst>
+  </p:cSld>
+  <p:clrMapOvr>
+    <a:masterClrMapping/>
+  </p:clrMapOvr>
+</p:sld>
+</file>
+
+<file path=ppt/slides/slide26.xml><?xml version="1.0" encoding="utf-8"?>
+<p:sld xmlns:a="http://schemas.openxmlformats.org/drawingml/2006/main" xmlns:r="http://schemas.openxmlformats.org/officeDocument/2006/relationships" xmlns:p="http://schemas.openxmlformats.org/presentationml/2006/main">
+  <p:cSld>
+    <p:spTree>
+      <p:nvGrpSpPr>
+        <p:cNvPr id="1" name=""/>
+        <p:cNvGrpSpPr/>
+        <p:nvPr/>
+      </p:nvGrpSpPr>
+      <p:grpSpPr>
+        <a:xfrm>
+          <a:off x="0" y="0"/>
+          <a:ext cx="0" cy="0"/>
+          <a:chOff x="0" y="0"/>
+          <a:chExt cx="0" cy="0"/>
+        </a:xfrm>
+      </p:grpSpPr>
+      <p:sp>
+        <p:nvSpPr>
           <p:cNvPr id="2" name="Rectangle 1">
             <a:extLst>
               <a:ext uri="{FF2B5EF4-FFF2-40B4-BE49-F238E27FC236}">
@@ -10836,8 +11804,8 @@
         </p:nvSpPr>
         <p:spPr>
           <a:xfrm>
-            <a:off x="2932632" y="2090172"/>
-            <a:ext cx="6326736" cy="2677656"/>
+            <a:off x="3614159" y="2413338"/>
+            <a:ext cx="4963682" cy="2031325"/>
           </a:xfrm>
           <a:prstGeom prst="rect">
             <a:avLst/>
@@ -10850,7 +11818,7 @@
           <a:lstStyle/>
           <a:p>
             <a:r>
-              <a:rPr lang="en-US" sz="2400" dirty="0" err="1">
+              <a:rPr lang="en-US" dirty="0" err="1">
                 <a:solidFill>
                   <a:srgbClr val="FC5DBA"/>
                 </a:solidFill>
@@ -10859,7 +11827,7 @@
               <a:t>apiVersion</a:t>
             </a:r>
             <a:r>
-              <a:rPr lang="en-US" sz="2400" dirty="0">
+              <a:rPr lang="en-US" dirty="0">
                 <a:solidFill>
                   <a:srgbClr val="F6F6EF"/>
                 </a:solidFill>
@@ -10870,7 +11838,7 @@
           </a:p>
           <a:p>
             <a:r>
-              <a:rPr lang="en-US" sz="2400" dirty="0">
+              <a:rPr lang="en-US" dirty="0">
                 <a:solidFill>
                   <a:srgbClr val="FC5DBA"/>
                 </a:solidFill>
@@ -10879,7 +11847,7 @@
               <a:t>kind</a:t>
             </a:r>
             <a:r>
-              <a:rPr lang="en-US" sz="2400" dirty="0">
+              <a:rPr lang="en-US" dirty="0">
                 <a:solidFill>
                   <a:srgbClr val="F6F6EF"/>
                 </a:solidFill>
@@ -10888,7 +11856,7 @@
               <a:t>: </a:t>
             </a:r>
             <a:r>
-              <a:rPr lang="en-US" sz="2400" dirty="0" err="1">
+              <a:rPr lang="en-US" dirty="0" err="1">
                 <a:solidFill>
                   <a:srgbClr val="F6F6EF"/>
                 </a:solidFill>
@@ -10896,7 +11864,7 @@
               </a:rPr>
               <a:t>TriggerAuthentication</a:t>
             </a:r>
-            <a:endParaRPr lang="en-US" sz="2400" dirty="0">
+            <a:endParaRPr lang="en-US" dirty="0">
               <a:solidFill>
                 <a:srgbClr val="F6F6EF"/>
               </a:solidFill>
@@ -10905,7 +11873,7 @@
           </a:p>
           <a:p>
             <a:r>
-              <a:rPr lang="en-US" sz="2400" dirty="0">
+              <a:rPr lang="en-US" dirty="0">
                 <a:solidFill>
                   <a:srgbClr val="FC5DBA"/>
                 </a:solidFill>
@@ -10914,7 +11882,7 @@
               <a:t>metadata</a:t>
             </a:r>
             <a:r>
-              <a:rPr lang="en-US" sz="2400" dirty="0">
+              <a:rPr lang="en-US" dirty="0">
                 <a:solidFill>
                   <a:srgbClr val="F6F6EF"/>
                 </a:solidFill>
@@ -10925,7 +11893,7 @@
           </a:p>
           <a:p>
             <a:r>
-              <a:rPr lang="en-US" sz="2400" dirty="0">
+              <a:rPr lang="en-US" dirty="0">
                 <a:solidFill>
                   <a:srgbClr val="F6F6EF"/>
                 </a:solidFill>
@@ -10934,7 +11902,7 @@
               <a:t>	</a:t>
             </a:r>
             <a:r>
-              <a:rPr lang="en-US" sz="2400" dirty="0">
+              <a:rPr lang="en-US" dirty="0">
                 <a:solidFill>
                   <a:srgbClr val="FC5DBA"/>
                 </a:solidFill>
@@ -10943,7 +11911,7 @@
               <a:t>name</a:t>
             </a:r>
             <a:r>
-              <a:rPr lang="en-US" sz="2400" dirty="0">
+              <a:rPr lang="en-US" dirty="0">
                 <a:solidFill>
                   <a:srgbClr val="F6F6EF"/>
                 </a:solidFill>
@@ -10952,7 +11920,7 @@
               <a:t>: azure-</a:t>
             </a:r>
             <a:r>
-              <a:rPr lang="en-US" sz="2400" dirty="0" err="1">
+              <a:rPr lang="en-US" dirty="0" err="1">
                 <a:solidFill>
                   <a:srgbClr val="F6F6EF"/>
                 </a:solidFill>
@@ -10961,7 +11929,7 @@
               <a:t>servicebus</a:t>
             </a:r>
             <a:r>
-              <a:rPr lang="en-US" sz="2400" dirty="0">
+              <a:rPr lang="en-US" dirty="0">
                 <a:solidFill>
                   <a:srgbClr val="F6F6EF"/>
                 </a:solidFill>
@@ -10972,7 +11940,7 @@
           </a:p>
           <a:p>
             <a:r>
-              <a:rPr lang="en-US" sz="2400" dirty="0">
+              <a:rPr lang="en-US" dirty="0">
                 <a:solidFill>
                   <a:srgbClr val="FC5DBA"/>
                 </a:solidFill>
@@ -10981,7 +11949,7 @@
               <a:t>spec</a:t>
             </a:r>
             <a:r>
-              <a:rPr lang="en-US" sz="2400" dirty="0">
+              <a:rPr lang="en-US" dirty="0">
                 <a:solidFill>
                   <a:srgbClr val="F6F6EF"/>
                 </a:solidFill>
@@ -10992,7 +11960,7 @@
           </a:p>
           <a:p>
             <a:r>
-              <a:rPr lang="en-US" sz="2400" dirty="0">
+              <a:rPr lang="en-US" dirty="0">
                 <a:solidFill>
                   <a:srgbClr val="F6F6EF"/>
                 </a:solidFill>
@@ -11001,7 +11969,7 @@
               <a:t>	</a:t>
             </a:r>
             <a:r>
-              <a:rPr lang="en-US" sz="2400" dirty="0" err="1">
+              <a:rPr lang="en-US" dirty="0" err="1">
                 <a:solidFill>
                   <a:srgbClr val="FC5DBA"/>
                 </a:solidFill>
@@ -11010,7 +11978,7 @@
               <a:t>podIdentity</a:t>
             </a:r>
             <a:r>
-              <a:rPr lang="en-US" sz="2400" dirty="0">
+              <a:rPr lang="en-US" dirty="0">
                 <a:solidFill>
                   <a:srgbClr val="F6F6EF"/>
                 </a:solidFill>
@@ -11021,7 +11989,7 @@
           </a:p>
           <a:p>
             <a:r>
-              <a:rPr lang="en-US" sz="2400" dirty="0">
+              <a:rPr lang="en-US" dirty="0">
                 <a:solidFill>
                   <a:srgbClr val="F6F6EF"/>
                 </a:solidFill>
@@ -11030,7 +11998,7 @@
               <a:t>		</a:t>
             </a:r>
             <a:r>
-              <a:rPr lang="en-US" sz="2400" dirty="0">
+              <a:rPr lang="en-US" dirty="0">
                 <a:solidFill>
                   <a:srgbClr val="FC5DBA"/>
                 </a:solidFill>
@@ -11039,7 +12007,7 @@
               <a:t>provider</a:t>
             </a:r>
             <a:r>
-              <a:rPr lang="en-US" sz="2400" dirty="0">
+              <a:rPr lang="en-US" dirty="0">
                 <a:solidFill>
                   <a:srgbClr val="F6F6EF"/>
                 </a:solidFill>
@@ -11047,7 +12015,7 @@
               </a:rPr>
               <a:t>: azure</a:t>
             </a:r>
-            <a:endParaRPr lang="en-US" sz="2400" dirty="0"/>
+            <a:endParaRPr lang="en-US" dirty="0"/>
           </a:p>
         </p:txBody>
       </p:sp>
@@ -11064,7 +12032,7 @@
 </p:sld>
 </file>
 
-<file path=ppt/slides/slide26.xml><?xml version="1.0" encoding="utf-8"?>
+<file path=ppt/slides/slide27.xml><?xml version="1.0" encoding="utf-8"?>
 <p:sld xmlns:a="http://schemas.openxmlformats.org/drawingml/2006/main" xmlns:r="http://schemas.openxmlformats.org/officeDocument/2006/relationships" xmlns:p="http://schemas.openxmlformats.org/presentationml/2006/main">
   <p:cSld>
     <p:spTree>
@@ -11525,7 +12493,7 @@
           <p:nvPr/>
         </p:nvPicPr>
         <p:blipFill rotWithShape="1">
-          <a:blip r:embed="rId2"/>
+          <a:blip r:embed="rId3"/>
           <a:srcRect t="9091" r="23298"/>
           <a:stretch/>
         </p:blipFill>
@@ -11746,10 +12714,7 @@
               <a:rPr lang="en-US" sz="2000" dirty="0" err="1"/>
               <a:t>Misc</a:t>
             </a:r>
-            <a:r>
-              <a:rPr lang="en-US" sz="2000" dirty="0"/>
-              <a:t>: Authentication</a:t>
-            </a:r>
+            <a:endParaRPr lang="en-US" sz="2000" dirty="0"/>
           </a:p>
           <a:p>
             <a:pPr marL="342900" indent="-342900" algn="l">
@@ -11807,7 +12772,7 @@
             </a:r>
             <a:r>
               <a:rPr lang="en-AU" sz="1050" b="1" dirty="0">
-                <a:hlinkClick r:id="rId3"/>
+                <a:hlinkClick r:id="rId4"/>
               </a:rPr>
               <a:t>fauxels</a:t>
             </a:r>
@@ -11817,7 +12782,7 @@
             </a:r>
             <a:r>
               <a:rPr lang="en-AU" sz="1050" b="1" dirty="0">
-                <a:hlinkClick r:id="rId4"/>
+                <a:hlinkClick r:id="rId5"/>
               </a:rPr>
               <a:t>Pexels</a:t>
             </a:r>

--- a/preso.pptx
+++ b/preso.pptx
@@ -5,7 +5,7 @@
     <p:sldMasterId id="2147483660" r:id="rId1"/>
   </p:sldMasterIdLst>
   <p:notesMasterIdLst>
-    <p:notesMasterId r:id="rId29"/>
+    <p:notesMasterId r:id="rId33"/>
   </p:notesMasterIdLst>
   <p:sldIdLst>
     <p:sldId id="256" r:id="rId2"/>
@@ -34,7 +34,11 @@
     <p:sldId id="278" r:id="rId25"/>
     <p:sldId id="279" r:id="rId26"/>
     <p:sldId id="280" r:id="rId27"/>
-    <p:sldId id="272" r:id="rId28"/>
+    <p:sldId id="283" r:id="rId28"/>
+    <p:sldId id="286" r:id="rId29"/>
+    <p:sldId id="284" r:id="rId30"/>
+    <p:sldId id="285" r:id="rId31"/>
+    <p:sldId id="272" r:id="rId32"/>
   </p:sldIdLst>
   <p:sldSz cx="12192000" cy="6858000"/>
   <p:notesSz cx="6858000" cy="9144000"/>
@@ -134,6 +138,49 @@
     </a:lvl9pPr>
   </p:defaultTextStyle>
   <p:extLst>
+    <p:ext uri="{521415D9-36F7-43E2-AB2F-B90AF26B5E84}">
+      <p14:sectionLst xmlns:p14="http://schemas.microsoft.com/office/powerpoint/2010/main">
+        <p14:section name="Default Section" id="{597FB0A4-B227-C949-A8C5-CF4C334A0E4F}">
+          <p14:sldIdLst>
+            <p14:sldId id="256"/>
+            <p14:sldId id="267"/>
+            <p14:sldId id="268"/>
+            <p14:sldId id="270"/>
+            <p14:sldId id="257"/>
+            <p14:sldId id="262"/>
+            <p14:sldId id="263"/>
+            <p14:sldId id="258"/>
+            <p14:sldId id="264"/>
+            <p14:sldId id="259"/>
+            <p14:sldId id="261"/>
+            <p14:sldId id="269"/>
+            <p14:sldId id="282"/>
+            <p14:sldId id="260"/>
+            <p14:sldId id="271"/>
+            <p14:sldId id="275"/>
+            <p14:sldId id="273"/>
+            <p14:sldId id="265"/>
+            <p14:sldId id="266"/>
+            <p14:sldId id="274"/>
+            <p14:sldId id="276"/>
+            <p14:sldId id="277"/>
+            <p14:sldId id="281"/>
+            <p14:sldId id="278"/>
+            <p14:sldId id="279"/>
+            <p14:sldId id="280"/>
+            <p14:sldId id="283"/>
+            <p14:sldId id="286"/>
+            <p14:sldId id="284"/>
+            <p14:sldId id="285"/>
+          </p14:sldIdLst>
+        </p14:section>
+        <p14:section name="Untitled Section" id="{633B44FF-52FB-1B40-B524-34B258814AB6}">
+          <p14:sldIdLst>
+            <p14:sldId id="272"/>
+          </p14:sldIdLst>
+        </p14:section>
+      </p14:sectionLst>
+    </p:ext>
     <p:ext uri="{EFAFB233-063F-42B5-8137-9DF3F51BA10A}">
       <p15:sldGuideLst xmlns:p15="http://schemas.microsoft.com/office/powerpoint/2012/main"/>
     </p:ext>
@@ -934,6 +981,109 @@
     <p:extLst>
       <p:ext uri="{BB962C8B-B14F-4D97-AF65-F5344CB8AC3E}">
         <p14:creationId xmlns:p14="http://schemas.microsoft.com/office/powerpoint/2010/main" val="2855974713"/>
+      </p:ext>
+    </p:extLst>
+  </p:cSld>
+  <p:clrMapOvr>
+    <a:masterClrMapping/>
+  </p:clrMapOvr>
+</p:notes>
+</file>
+
+<file path=ppt/notesSlides/notesSlide6.xml><?xml version="1.0" encoding="utf-8"?>
+<p:notes xmlns:a="http://schemas.openxmlformats.org/drawingml/2006/main" xmlns:r="http://schemas.openxmlformats.org/officeDocument/2006/relationships" xmlns:p="http://schemas.openxmlformats.org/presentationml/2006/main">
+  <p:cSld>
+    <p:spTree>
+      <p:nvGrpSpPr>
+        <p:cNvPr id="1" name=""/>
+        <p:cNvGrpSpPr/>
+        <p:nvPr/>
+      </p:nvGrpSpPr>
+      <p:grpSpPr>
+        <a:xfrm>
+          <a:off x="0" y="0"/>
+          <a:ext cx="0" cy="0"/>
+          <a:chOff x="0" y="0"/>
+          <a:chExt cx="0" cy="0"/>
+        </a:xfrm>
+      </p:grpSpPr>
+      <p:sp>
+        <p:nvSpPr>
+          <p:cNvPr id="2" name="Slide Image Placeholder 1"/>
+          <p:cNvSpPr>
+            <a:spLocks noGrp="1" noRot="1" noChangeAspect="1"/>
+          </p:cNvSpPr>
+          <p:nvPr>
+            <p:ph type="sldImg"/>
+          </p:nvPr>
+        </p:nvSpPr>
+        <p:spPr/>
+      </p:sp>
+      <p:sp>
+        <p:nvSpPr>
+          <p:cNvPr id="3" name="Notes Placeholder 2"/>
+          <p:cNvSpPr>
+            <a:spLocks noGrp="1"/>
+          </p:cNvSpPr>
+          <p:nvPr>
+            <p:ph type="body" idx="1"/>
+          </p:nvPr>
+        </p:nvSpPr>
+        <p:spPr/>
+        <p:txBody>
+          <a:bodyPr/>
+          <a:lstStyle/>
+          <a:p>
+            <a:r>
+              <a:rPr lang="en-US" dirty="0"/>
+              <a:t>https://</a:t>
+            </a:r>
+            <a:r>
+              <a:rPr lang="en-US" dirty="0" err="1"/>
+              <a:t>kubernetes.io</a:t>
+            </a:r>
+            <a:r>
+              <a:rPr lang="en-US" dirty="0"/>
+              <a:t>/docs/tasks/run-application/horizontal-pod-</a:t>
+            </a:r>
+            <a:r>
+              <a:rPr lang="en-US" dirty="0" err="1"/>
+              <a:t>autoscale</a:t>
+            </a:r>
+            <a:r>
+              <a:rPr lang="en-US" dirty="0"/>
+              <a:t>/#support-for-configurable-scaling-behavior</a:t>
+            </a:r>
+          </a:p>
+        </p:txBody>
+      </p:sp>
+      <p:sp>
+        <p:nvSpPr>
+          <p:cNvPr id="4" name="Slide Number Placeholder 3"/>
+          <p:cNvSpPr>
+            <a:spLocks noGrp="1"/>
+          </p:cNvSpPr>
+          <p:nvPr>
+            <p:ph type="sldNum" sz="quarter" idx="5"/>
+          </p:nvPr>
+        </p:nvSpPr>
+        <p:spPr/>
+        <p:txBody>
+          <a:bodyPr/>
+          <a:lstStyle/>
+          <a:p>
+            <a:fld id="{B786E5CD-0DE5-2548-BADF-C53099846BB2}" type="slidenum">
+              <a:rPr lang="en-US" smtClean="0"/>
+              <a:t>29</a:t>
+            </a:fld>
+            <a:endParaRPr lang="en-US"/>
+          </a:p>
+        </p:txBody>
+      </p:sp>
+    </p:spTree>
+    <p:extLst>
+      <p:ext uri="{BB962C8B-B14F-4D97-AF65-F5344CB8AC3E}">
+        <p14:creationId xmlns:p14="http://schemas.microsoft.com/office/powerpoint/2010/main" val="3863880312"/>
       </p:ext>
     </p:extLst>
   </p:cSld>
@@ -12054,7 +12204,90 @@
           <p:cNvPr id="2" name="Title 1">
             <a:extLst>
               <a:ext uri="{FF2B5EF4-FFF2-40B4-BE49-F238E27FC236}">
-                <a16:creationId xmlns:a16="http://schemas.microsoft.com/office/drawing/2014/main" id="{2D1D3786-4DD3-7C48-9A94-B341A7FFFB85}"/>
+                <a16:creationId xmlns:a16="http://schemas.microsoft.com/office/drawing/2014/main" id="{ED4AA061-E079-7445-BE17-1CA2E5E615C2}"/>
+              </a:ext>
+            </a:extLst>
+          </p:cNvPr>
+          <p:cNvSpPr>
+            <a:spLocks noGrp="1"/>
+          </p:cNvSpPr>
+          <p:nvPr>
+            <p:ph type="ctrTitle"/>
+          </p:nvPr>
+        </p:nvSpPr>
+        <p:spPr/>
+        <p:txBody>
+          <a:bodyPr/>
+          <a:lstStyle/>
+          <a:p>
+            <a:r>
+              <a:rPr lang="en-US" dirty="0"/>
+              <a:t>Changes in 2.0</a:t>
+            </a:r>
+          </a:p>
+        </p:txBody>
+      </p:sp>
+      <p:sp>
+        <p:nvSpPr>
+          <p:cNvPr id="3" name="Subtitle 2">
+            <a:extLst>
+              <a:ext uri="{FF2B5EF4-FFF2-40B4-BE49-F238E27FC236}">
+                <a16:creationId xmlns:a16="http://schemas.microsoft.com/office/drawing/2014/main" id="{75490EA6-F67A-AD40-99A7-8A49B1664175}"/>
+              </a:ext>
+            </a:extLst>
+          </p:cNvPr>
+          <p:cNvSpPr>
+            <a:spLocks noGrp="1"/>
+          </p:cNvSpPr>
+          <p:nvPr>
+            <p:ph type="subTitle" idx="1"/>
+          </p:nvPr>
+        </p:nvSpPr>
+        <p:spPr/>
+        <p:txBody>
+          <a:bodyPr/>
+          <a:lstStyle/>
+          <a:p>
+            <a:endParaRPr lang="en-US"/>
+          </a:p>
+        </p:txBody>
+      </p:sp>
+    </p:spTree>
+    <p:extLst>
+      <p:ext uri="{BB962C8B-B14F-4D97-AF65-F5344CB8AC3E}">
+        <p14:creationId xmlns:p14="http://schemas.microsoft.com/office/powerpoint/2010/main" val="485600423"/>
+      </p:ext>
+    </p:extLst>
+  </p:cSld>
+  <p:clrMapOvr>
+    <a:masterClrMapping/>
+  </p:clrMapOvr>
+</p:sld>
+</file>
+
+<file path=ppt/slides/slide28.xml><?xml version="1.0" encoding="utf-8"?>
+<p:sld xmlns:a="http://schemas.openxmlformats.org/drawingml/2006/main" xmlns:r="http://schemas.openxmlformats.org/officeDocument/2006/relationships" xmlns:p="http://schemas.openxmlformats.org/presentationml/2006/main">
+  <p:cSld>
+    <p:spTree>
+      <p:nvGrpSpPr>
+        <p:cNvPr id="1" name=""/>
+        <p:cNvGrpSpPr/>
+        <p:nvPr/>
+      </p:nvGrpSpPr>
+      <p:grpSpPr>
+        <a:xfrm>
+          <a:off x="0" y="0"/>
+          <a:ext cx="0" cy="0"/>
+          <a:chOff x="0" y="0"/>
+          <a:chExt cx="0" cy="0"/>
+        </a:xfrm>
+      </p:grpSpPr>
+      <p:sp>
+        <p:nvSpPr>
+          <p:cNvPr id="2" name="Title 1">
+            <a:extLst>
+              <a:ext uri="{FF2B5EF4-FFF2-40B4-BE49-F238E27FC236}">
+                <a16:creationId xmlns:a16="http://schemas.microsoft.com/office/drawing/2014/main" id="{704FBABF-67D8-AB45-8220-0327929CD936}"/>
               </a:ext>
             </a:extLst>
           </p:cNvPr>
@@ -12072,17 +12305,25 @@
           <a:p>
             <a:r>
               <a:rPr lang="en-US" dirty="0"/>
-              <a:t>References</a:t>
-            </a:r>
-          </a:p>
-        </p:txBody>
-      </p:sp>
-      <p:sp>
-        <p:nvSpPr>
-          <p:cNvPr id="3" name="Content Placeholder 2">
+              <a:t>Renaming of </a:t>
+            </a:r>
+            <a:r>
+              <a:rPr lang="en-US" dirty="0" err="1"/>
+              <a:t>ScaledObject</a:t>
+            </a:r>
+            <a:r>
+              <a:rPr lang="en-US" dirty="0"/>
+              <a:t> Properties</a:t>
+            </a:r>
+          </a:p>
+        </p:txBody>
+      </p:sp>
+      <p:sp>
+        <p:nvSpPr>
+          <p:cNvPr id="5" name="Content Placeholder 4">
             <a:extLst>
               <a:ext uri="{FF2B5EF4-FFF2-40B4-BE49-F238E27FC236}">
-                <a16:creationId xmlns:a16="http://schemas.microsoft.com/office/drawing/2014/main" id="{E21FA19F-419A-7841-863D-9CE064E37FF2}"/>
+                <a16:creationId xmlns:a16="http://schemas.microsoft.com/office/drawing/2014/main" id="{BC4536DB-8A29-704A-AF89-A4C5E7BC6086}"/>
               </a:ext>
             </a:extLst>
           </p:cNvPr>
@@ -12095,87 +12336,894 @@
         </p:nvSpPr>
         <p:spPr/>
         <p:txBody>
-          <a:bodyPr/>
+          <a:bodyPr>
+            <a:normAutofit/>
+          </a:bodyPr>
           <a:lstStyle/>
           <a:p>
             <a:r>
-              <a:rPr lang="en-US" dirty="0">
-                <a:hlinkClick r:id="rId2"/>
-              </a:rPr>
-              <a:t>Horizontal  Pod Autoscaler</a:t>
-            </a:r>
-            <a:endParaRPr lang="en-US" dirty="0"/>
-          </a:p>
-          <a:p>
-            <a:r>
-              <a:rPr lang="en-US" dirty="0">
-                <a:hlinkClick r:id="rId3"/>
-              </a:rPr>
-              <a:t>Horizontal Pod Autoscaler Walkthrough</a:t>
-            </a:r>
-            <a:endParaRPr lang="en-US" dirty="0"/>
-          </a:p>
-          <a:p>
-            <a:r>
-              <a:rPr lang="en-US" dirty="0">
-                <a:hlinkClick r:id="rId4"/>
-              </a:rPr>
-              <a:t>https://keda.sh/</a:t>
-            </a:r>
-            <a:endParaRPr lang="en-US" dirty="0"/>
-          </a:p>
-          <a:p>
-            <a:r>
-              <a:rPr lang="en-US" dirty="0">
-                <a:hlinkClick r:id="rId5"/>
-              </a:rPr>
-              <a:t>KEDA on GitHub</a:t>
-            </a:r>
-            <a:endParaRPr lang="en-US" dirty="0"/>
-          </a:p>
-          <a:p>
-            <a:r>
-              <a:rPr lang="en-US" dirty="0">
-                <a:hlinkClick r:id="rId6"/>
-              </a:rPr>
-              <a:t>KEDA Samples</a:t>
-            </a:r>
-            <a:endParaRPr lang="en-US" dirty="0"/>
-          </a:p>
-          <a:p>
-            <a:r>
-              <a:rPr lang="en-US" dirty="0">
-                <a:hlinkClick r:id="rId7"/>
-              </a:rPr>
-              <a:t>Https://emadashi.com</a:t>
-            </a:r>
-            <a:r>
-              <a:rPr lang="en-US" dirty="0"/>
-              <a:t> </a:t>
-            </a:r>
-            <a:r>
-              <a:rPr lang="en-US" dirty="0">
-                <a:sym typeface="Wingdings" pitchFamily="2" charset="2"/>
-              </a:rPr>
-              <a:t></a:t>
-            </a:r>
-            <a:endParaRPr lang="en-US" dirty="0"/>
-          </a:p>
-          <a:p>
-            <a:r>
-              <a:rPr lang="en-US" dirty="0">
-                <a:hlinkClick r:id="rId8"/>
-              </a:rPr>
-              <a:t>Mock-server</a:t>
-            </a:r>
-            <a:endParaRPr lang="en-US" dirty="0"/>
+              <a:rPr lang="en-AU" sz="2400" dirty="0" err="1">
+                <a:solidFill>
+                  <a:schemeClr val="accent2"/>
+                </a:solidFill>
+              </a:rPr>
+              <a:t>apiVersion</a:t>
+            </a:r>
+            <a:r>
+              <a:rPr lang="en-AU" sz="2400" dirty="0"/>
+              <a:t> property from </a:t>
+            </a:r>
+            <a:r>
+              <a:rPr lang="en-AU" sz="2400" dirty="0">
+                <a:solidFill>
+                  <a:schemeClr val="accent6"/>
+                </a:solidFill>
+              </a:rPr>
+              <a:t>keda.k8s.io/v1alpha1</a:t>
+            </a:r>
+            <a:r>
+              <a:rPr lang="en-AU" sz="2400" dirty="0"/>
+              <a:t> to </a:t>
+            </a:r>
+            <a:r>
+              <a:rPr lang="en-AU" sz="2400" dirty="0" err="1">
+                <a:solidFill>
+                  <a:schemeClr val="accent6"/>
+                </a:solidFill>
+              </a:rPr>
+              <a:t>keda.sh</a:t>
+            </a:r>
+            <a:r>
+              <a:rPr lang="en-AU" sz="2400" dirty="0">
+                <a:solidFill>
+                  <a:schemeClr val="accent6"/>
+                </a:solidFill>
+              </a:rPr>
+              <a:t>/v1alpha1</a:t>
+            </a:r>
+          </a:p>
+          <a:p>
+            <a:r>
+              <a:rPr lang="en-AU" sz="2400" dirty="0"/>
+              <a:t>Rename property </a:t>
+            </a:r>
+            <a:r>
+              <a:rPr lang="en-AU" sz="2400" dirty="0" err="1">
+                <a:solidFill>
+                  <a:schemeClr val="accent6"/>
+                </a:solidFill>
+              </a:rPr>
+              <a:t>spec.scaleTargetRef.deploymentName</a:t>
+            </a:r>
+            <a:r>
+              <a:rPr lang="en-AU" sz="2400" dirty="0"/>
+              <a:t> to </a:t>
+            </a:r>
+            <a:r>
+              <a:rPr lang="en-AU" sz="2400" dirty="0" err="1">
+                <a:solidFill>
+                  <a:schemeClr val="accent6"/>
+                </a:solidFill>
+              </a:rPr>
+              <a:t>spec.scaleTargetRef.name</a:t>
+            </a:r>
+            <a:endParaRPr lang="en-AU" sz="2400" dirty="0">
+              <a:solidFill>
+                <a:schemeClr val="accent6"/>
+              </a:solidFill>
+            </a:endParaRPr>
+          </a:p>
+          <a:p>
+            <a:r>
+              <a:rPr lang="en-AU" sz="2400" dirty="0"/>
+              <a:t>Rename property </a:t>
+            </a:r>
+            <a:r>
+              <a:rPr lang="en-AU" sz="2400" dirty="0" err="1">
+                <a:solidFill>
+                  <a:schemeClr val="accent6"/>
+                </a:solidFill>
+              </a:rPr>
+              <a:t>spec.scaleTargetRef.containerName</a:t>
+            </a:r>
+            <a:r>
+              <a:rPr lang="en-AU" sz="2400" dirty="0"/>
+              <a:t> to </a:t>
+            </a:r>
+            <a:r>
+              <a:rPr lang="en-AU" sz="2400" dirty="0" err="1">
+                <a:solidFill>
+                  <a:schemeClr val="accent6"/>
+                </a:solidFill>
+              </a:rPr>
+              <a:t>spec.scaleTargetRef.envSourceContainerName</a:t>
+            </a:r>
+            <a:endParaRPr lang="en-US" sz="2400" dirty="0">
+              <a:solidFill>
+                <a:schemeClr val="accent6"/>
+              </a:solidFill>
+            </a:endParaRPr>
           </a:p>
         </p:txBody>
       </p:sp>
     </p:spTree>
     <p:extLst>
       <p:ext uri="{BB962C8B-B14F-4D97-AF65-F5344CB8AC3E}">
-        <p14:creationId xmlns:p14="http://schemas.microsoft.com/office/powerpoint/2010/main" val="2713068039"/>
+        <p14:creationId xmlns:p14="http://schemas.microsoft.com/office/powerpoint/2010/main" val="4170605026"/>
+      </p:ext>
+    </p:extLst>
+  </p:cSld>
+  <p:clrMapOvr>
+    <a:masterClrMapping/>
+  </p:clrMapOvr>
+</p:sld>
+</file>
+
+<file path=ppt/slides/slide29.xml><?xml version="1.0" encoding="utf-8"?>
+<p:sld xmlns:a="http://schemas.openxmlformats.org/drawingml/2006/main" xmlns:r="http://schemas.openxmlformats.org/officeDocument/2006/relationships" xmlns:p="http://schemas.openxmlformats.org/presentationml/2006/main">
+  <p:cSld>
+    <p:spTree>
+      <p:nvGrpSpPr>
+        <p:cNvPr id="1" name=""/>
+        <p:cNvGrpSpPr/>
+        <p:nvPr/>
+      </p:nvGrpSpPr>
+      <p:grpSpPr>
+        <a:xfrm>
+          <a:off x="0" y="0"/>
+          <a:ext cx="0" cy="0"/>
+          <a:chOff x="0" y="0"/>
+          <a:chExt cx="0" cy="0"/>
+        </a:xfrm>
+      </p:grpSpPr>
+      <p:sp>
+        <p:nvSpPr>
+          <p:cNvPr id="2" name="Title 1">
+            <a:extLst>
+              <a:ext uri="{FF2B5EF4-FFF2-40B4-BE49-F238E27FC236}">
+                <a16:creationId xmlns:a16="http://schemas.microsoft.com/office/drawing/2014/main" id="{406DC07D-25D6-584E-AF65-8960CD5C7DE2}"/>
+              </a:ext>
+            </a:extLst>
+          </p:cNvPr>
+          <p:cNvSpPr>
+            <a:spLocks noGrp="1"/>
+          </p:cNvSpPr>
+          <p:nvPr>
+            <p:ph type="title"/>
+          </p:nvPr>
+        </p:nvSpPr>
+        <p:spPr/>
+        <p:txBody>
+          <a:bodyPr/>
+          <a:lstStyle/>
+          <a:p>
+            <a:r>
+              <a:rPr lang="en-US" dirty="0"/>
+              <a:t>HPA Scaling </a:t>
+            </a:r>
+            <a:r>
+              <a:rPr lang="en-US" dirty="0" err="1"/>
+              <a:t>Behaviour</a:t>
+            </a:r>
+            <a:endParaRPr lang="en-US" dirty="0"/>
+          </a:p>
+        </p:txBody>
+      </p:sp>
+      <p:sp>
+        <p:nvSpPr>
+          <p:cNvPr id="6" name="Rectangle 5">
+            <a:extLst>
+              <a:ext uri="{FF2B5EF4-FFF2-40B4-BE49-F238E27FC236}">
+                <a16:creationId xmlns:a16="http://schemas.microsoft.com/office/drawing/2014/main" id="{857C0700-F5AD-554A-BEFA-84275462E591}"/>
+              </a:ext>
+            </a:extLst>
+          </p:cNvPr>
+          <p:cNvSpPr/>
+          <p:nvPr/>
+        </p:nvSpPr>
+        <p:spPr>
+          <a:xfrm>
+            <a:off x="3116367" y="1691561"/>
+            <a:ext cx="6096000" cy="4801314"/>
+          </a:xfrm>
+          <a:prstGeom prst="rect">
+            <a:avLst/>
+          </a:prstGeom>
+        </p:spPr>
+        <p:txBody>
+          <a:bodyPr>
+            <a:spAutoFit/>
+          </a:bodyPr>
+          <a:lstStyle/>
+          <a:p>
+            <a:r>
+              <a:rPr lang="en-AU" b="1" dirty="0" err="1">
+                <a:solidFill>
+                  <a:srgbClr val="AA22FF"/>
+                </a:solidFill>
+              </a:rPr>
+              <a:t>behavior</a:t>
+            </a:r>
+            <a:r>
+              <a:rPr lang="en-AU" dirty="0"/>
+              <a:t>:</a:t>
+            </a:r>
+            <a:r>
+              <a:rPr lang="en-AU" dirty="0">
+                <a:solidFill>
+                  <a:srgbClr val="BBBBBB"/>
+                </a:solidFill>
+              </a:rPr>
+              <a:t> </a:t>
+            </a:r>
+          </a:p>
+          <a:p>
+            <a:r>
+              <a:rPr lang="en-AU" b="1" dirty="0">
+                <a:solidFill>
+                  <a:srgbClr val="BBBBBB"/>
+                </a:solidFill>
+              </a:rPr>
+              <a:t>	</a:t>
+            </a:r>
+            <a:r>
+              <a:rPr lang="en-AU" b="1" dirty="0" err="1">
+                <a:solidFill>
+                  <a:srgbClr val="AA22FF"/>
+                </a:solidFill>
+              </a:rPr>
+              <a:t>scaleDown</a:t>
+            </a:r>
+            <a:r>
+              <a:rPr lang="en-AU" dirty="0"/>
+              <a:t>:</a:t>
+            </a:r>
+            <a:r>
+              <a:rPr lang="en-AU" dirty="0">
+                <a:solidFill>
+                  <a:srgbClr val="BBBBBB"/>
+                </a:solidFill>
+              </a:rPr>
+              <a:t> </a:t>
+            </a:r>
+          </a:p>
+          <a:p>
+            <a:r>
+              <a:rPr lang="en-AU" b="1" dirty="0">
+                <a:solidFill>
+                  <a:srgbClr val="BBBBBB"/>
+                </a:solidFill>
+              </a:rPr>
+              <a:t>		</a:t>
+            </a:r>
+            <a:r>
+              <a:rPr lang="en-AU" b="1" dirty="0" err="1">
+                <a:solidFill>
+                  <a:srgbClr val="AA22FF"/>
+                </a:solidFill>
+              </a:rPr>
+              <a:t>stabilizationWindowSeconds</a:t>
+            </a:r>
+            <a:r>
+              <a:rPr lang="en-AU" dirty="0"/>
+              <a:t>:</a:t>
+            </a:r>
+            <a:r>
+              <a:rPr lang="en-AU" dirty="0">
+                <a:solidFill>
+                  <a:srgbClr val="BBBBBB"/>
+                </a:solidFill>
+              </a:rPr>
+              <a:t> </a:t>
+            </a:r>
+            <a:r>
+              <a:rPr lang="en-AU" dirty="0">
+                <a:solidFill>
+                  <a:srgbClr val="666666"/>
+                </a:solidFill>
+              </a:rPr>
+              <a:t>300</a:t>
+            </a:r>
+            <a:r>
+              <a:rPr lang="en-AU" dirty="0">
+                <a:solidFill>
+                  <a:srgbClr val="BBBBBB"/>
+                </a:solidFill>
+              </a:rPr>
+              <a:t> </a:t>
+            </a:r>
+          </a:p>
+          <a:p>
+            <a:r>
+              <a:rPr lang="en-AU" b="1" dirty="0">
+                <a:solidFill>
+                  <a:srgbClr val="BBBBBB"/>
+                </a:solidFill>
+              </a:rPr>
+              <a:t>		</a:t>
+            </a:r>
+            <a:r>
+              <a:rPr lang="en-AU" b="1" dirty="0">
+                <a:solidFill>
+                  <a:srgbClr val="AA22FF"/>
+                </a:solidFill>
+              </a:rPr>
+              <a:t>policies</a:t>
+            </a:r>
+            <a:r>
+              <a:rPr lang="en-AU" dirty="0"/>
+              <a:t>:</a:t>
+            </a:r>
+            <a:r>
+              <a:rPr lang="en-AU" dirty="0">
+                <a:solidFill>
+                  <a:srgbClr val="BBBBBB"/>
+                </a:solidFill>
+              </a:rPr>
+              <a:t> </a:t>
+            </a:r>
+          </a:p>
+          <a:p>
+            <a:r>
+              <a:rPr lang="en-AU" dirty="0">
+                <a:solidFill>
+                  <a:srgbClr val="BBBBBB"/>
+                </a:solidFill>
+              </a:rPr>
+              <a:t>			</a:t>
+            </a:r>
+            <a:r>
+              <a:rPr lang="en-AU" dirty="0"/>
+              <a:t>- </a:t>
+            </a:r>
+            <a:r>
+              <a:rPr lang="en-AU" b="1" dirty="0">
+                <a:solidFill>
+                  <a:srgbClr val="AA22FF"/>
+                </a:solidFill>
+              </a:rPr>
+              <a:t>type</a:t>
+            </a:r>
+            <a:r>
+              <a:rPr lang="en-AU" dirty="0"/>
+              <a:t>:</a:t>
+            </a:r>
+            <a:r>
+              <a:rPr lang="en-AU" dirty="0">
+                <a:solidFill>
+                  <a:srgbClr val="BBBBBB"/>
+                </a:solidFill>
+              </a:rPr>
+              <a:t> </a:t>
+            </a:r>
+            <a:r>
+              <a:rPr lang="en-AU" dirty="0"/>
+              <a:t>Percent</a:t>
+            </a:r>
+            <a:r>
+              <a:rPr lang="en-AU" dirty="0">
+                <a:solidFill>
+                  <a:srgbClr val="BBBBBB"/>
+                </a:solidFill>
+              </a:rPr>
+              <a:t> </a:t>
+            </a:r>
+          </a:p>
+          <a:p>
+            <a:r>
+              <a:rPr lang="en-AU" b="1" dirty="0">
+                <a:solidFill>
+                  <a:srgbClr val="BBBBBB"/>
+                </a:solidFill>
+              </a:rPr>
+              <a:t>			  </a:t>
+            </a:r>
+            <a:r>
+              <a:rPr lang="en-AU" b="1" dirty="0">
+                <a:solidFill>
+                  <a:srgbClr val="AA22FF"/>
+                </a:solidFill>
+              </a:rPr>
+              <a:t>value</a:t>
+            </a:r>
+            <a:r>
+              <a:rPr lang="en-AU" dirty="0"/>
+              <a:t>:</a:t>
+            </a:r>
+            <a:r>
+              <a:rPr lang="en-AU" dirty="0">
+                <a:solidFill>
+                  <a:srgbClr val="BBBBBB"/>
+                </a:solidFill>
+              </a:rPr>
+              <a:t> </a:t>
+            </a:r>
+            <a:r>
+              <a:rPr lang="en-AU" dirty="0">
+                <a:solidFill>
+                  <a:srgbClr val="666666"/>
+                </a:solidFill>
+              </a:rPr>
+              <a:t>100</a:t>
+            </a:r>
+            <a:r>
+              <a:rPr lang="en-AU" dirty="0">
+                <a:solidFill>
+                  <a:srgbClr val="BBBBBB"/>
+                </a:solidFill>
+              </a:rPr>
+              <a:t> </a:t>
+            </a:r>
+          </a:p>
+          <a:p>
+            <a:r>
+              <a:rPr lang="en-AU" b="1" dirty="0">
+                <a:solidFill>
+                  <a:srgbClr val="BBBBBB"/>
+                </a:solidFill>
+              </a:rPr>
+              <a:t>			  </a:t>
+            </a:r>
+            <a:r>
+              <a:rPr lang="en-AU" b="1" dirty="0" err="1">
+                <a:solidFill>
+                  <a:srgbClr val="AA22FF"/>
+                </a:solidFill>
+              </a:rPr>
+              <a:t>periodSeconds</a:t>
+            </a:r>
+            <a:r>
+              <a:rPr lang="en-AU" dirty="0"/>
+              <a:t>:</a:t>
+            </a:r>
+            <a:r>
+              <a:rPr lang="en-AU" dirty="0">
+                <a:solidFill>
+                  <a:srgbClr val="BBBBBB"/>
+                </a:solidFill>
+              </a:rPr>
+              <a:t> </a:t>
+            </a:r>
+            <a:r>
+              <a:rPr lang="en-AU" dirty="0">
+                <a:solidFill>
+                  <a:srgbClr val="666666"/>
+                </a:solidFill>
+              </a:rPr>
+              <a:t>15</a:t>
+            </a:r>
+            <a:r>
+              <a:rPr lang="en-AU" dirty="0">
+                <a:solidFill>
+                  <a:srgbClr val="BBBBBB"/>
+                </a:solidFill>
+              </a:rPr>
+              <a:t> </a:t>
+            </a:r>
+          </a:p>
+          <a:p>
+            <a:r>
+              <a:rPr lang="en-AU" b="1" dirty="0">
+                <a:solidFill>
+                  <a:srgbClr val="BBBBBB"/>
+                </a:solidFill>
+              </a:rPr>
+              <a:t>	</a:t>
+            </a:r>
+            <a:r>
+              <a:rPr lang="en-AU" b="1" dirty="0" err="1">
+                <a:solidFill>
+                  <a:srgbClr val="AA22FF"/>
+                </a:solidFill>
+              </a:rPr>
+              <a:t>scaleUp</a:t>
+            </a:r>
+            <a:r>
+              <a:rPr lang="en-AU" dirty="0"/>
+              <a:t>:</a:t>
+            </a:r>
+            <a:r>
+              <a:rPr lang="en-AU" dirty="0">
+                <a:solidFill>
+                  <a:srgbClr val="BBBBBB"/>
+                </a:solidFill>
+              </a:rPr>
+              <a:t> </a:t>
+            </a:r>
+          </a:p>
+          <a:p>
+            <a:r>
+              <a:rPr lang="en-AU" b="1" dirty="0">
+                <a:solidFill>
+                  <a:srgbClr val="BBBBBB"/>
+                </a:solidFill>
+              </a:rPr>
+              <a:t>		</a:t>
+            </a:r>
+            <a:r>
+              <a:rPr lang="en-AU" b="1" dirty="0" err="1">
+                <a:solidFill>
+                  <a:srgbClr val="AA22FF"/>
+                </a:solidFill>
+              </a:rPr>
+              <a:t>stabilizationWindowSeconds</a:t>
+            </a:r>
+            <a:r>
+              <a:rPr lang="en-AU" dirty="0"/>
+              <a:t>:</a:t>
+            </a:r>
+            <a:r>
+              <a:rPr lang="en-AU" dirty="0">
+                <a:solidFill>
+                  <a:srgbClr val="BBBBBB"/>
+                </a:solidFill>
+              </a:rPr>
+              <a:t> </a:t>
+            </a:r>
+            <a:r>
+              <a:rPr lang="en-AU" dirty="0">
+                <a:solidFill>
+                  <a:srgbClr val="666666"/>
+                </a:solidFill>
+              </a:rPr>
+              <a:t>0</a:t>
+            </a:r>
+            <a:r>
+              <a:rPr lang="en-AU" dirty="0">
+                <a:solidFill>
+                  <a:srgbClr val="BBBBBB"/>
+                </a:solidFill>
+              </a:rPr>
+              <a:t> </a:t>
+            </a:r>
+          </a:p>
+          <a:p>
+            <a:r>
+              <a:rPr lang="en-AU" b="1" dirty="0">
+                <a:solidFill>
+                  <a:srgbClr val="BBBBBB"/>
+                </a:solidFill>
+              </a:rPr>
+              <a:t>		</a:t>
+            </a:r>
+            <a:r>
+              <a:rPr lang="en-AU" b="1" dirty="0">
+                <a:solidFill>
+                  <a:srgbClr val="AA22FF"/>
+                </a:solidFill>
+              </a:rPr>
+              <a:t>policies</a:t>
+            </a:r>
+            <a:r>
+              <a:rPr lang="en-AU" dirty="0"/>
+              <a:t>:</a:t>
+            </a:r>
+            <a:r>
+              <a:rPr lang="en-AU" dirty="0">
+                <a:solidFill>
+                  <a:srgbClr val="BBBBBB"/>
+                </a:solidFill>
+              </a:rPr>
+              <a:t> </a:t>
+            </a:r>
+          </a:p>
+          <a:p>
+            <a:r>
+              <a:rPr lang="en-AU" dirty="0">
+                <a:solidFill>
+                  <a:srgbClr val="BBBBBB"/>
+                </a:solidFill>
+              </a:rPr>
+              <a:t>			</a:t>
+            </a:r>
+            <a:r>
+              <a:rPr lang="en-AU" dirty="0"/>
+              <a:t>- </a:t>
+            </a:r>
+            <a:r>
+              <a:rPr lang="en-AU" b="1" dirty="0">
+                <a:solidFill>
+                  <a:srgbClr val="AA22FF"/>
+                </a:solidFill>
+              </a:rPr>
+              <a:t>type</a:t>
+            </a:r>
+            <a:r>
+              <a:rPr lang="en-AU" dirty="0"/>
+              <a:t>:</a:t>
+            </a:r>
+            <a:r>
+              <a:rPr lang="en-AU" dirty="0">
+                <a:solidFill>
+                  <a:srgbClr val="BBBBBB"/>
+                </a:solidFill>
+              </a:rPr>
+              <a:t> </a:t>
+            </a:r>
+            <a:r>
+              <a:rPr lang="en-AU" dirty="0"/>
+              <a:t>Percent</a:t>
+            </a:r>
+            <a:r>
+              <a:rPr lang="en-AU" dirty="0">
+                <a:solidFill>
+                  <a:srgbClr val="BBBBBB"/>
+                </a:solidFill>
+              </a:rPr>
+              <a:t> </a:t>
+            </a:r>
+          </a:p>
+          <a:p>
+            <a:r>
+              <a:rPr lang="en-AU" b="1" dirty="0">
+                <a:solidFill>
+                  <a:srgbClr val="BBBBBB"/>
+                </a:solidFill>
+              </a:rPr>
+              <a:t>			  </a:t>
+            </a:r>
+            <a:r>
+              <a:rPr lang="en-AU" b="1" dirty="0">
+                <a:solidFill>
+                  <a:srgbClr val="AA22FF"/>
+                </a:solidFill>
+              </a:rPr>
+              <a:t>value</a:t>
+            </a:r>
+            <a:r>
+              <a:rPr lang="en-AU" dirty="0"/>
+              <a:t>:</a:t>
+            </a:r>
+            <a:r>
+              <a:rPr lang="en-AU" dirty="0">
+                <a:solidFill>
+                  <a:srgbClr val="BBBBBB"/>
+                </a:solidFill>
+              </a:rPr>
+              <a:t> </a:t>
+            </a:r>
+            <a:r>
+              <a:rPr lang="en-AU" dirty="0">
+                <a:solidFill>
+                  <a:srgbClr val="666666"/>
+                </a:solidFill>
+              </a:rPr>
+              <a:t>100</a:t>
+            </a:r>
+            <a:r>
+              <a:rPr lang="en-AU" dirty="0">
+                <a:solidFill>
+                  <a:srgbClr val="BBBBBB"/>
+                </a:solidFill>
+              </a:rPr>
+              <a:t> </a:t>
+            </a:r>
+          </a:p>
+          <a:p>
+            <a:r>
+              <a:rPr lang="en-AU" b="1" dirty="0">
+                <a:solidFill>
+                  <a:srgbClr val="BBBBBB"/>
+                </a:solidFill>
+              </a:rPr>
+              <a:t>			  </a:t>
+            </a:r>
+            <a:r>
+              <a:rPr lang="en-AU" b="1" dirty="0" err="1">
+                <a:solidFill>
+                  <a:srgbClr val="AA22FF"/>
+                </a:solidFill>
+              </a:rPr>
+              <a:t>periodSeconds</a:t>
+            </a:r>
+            <a:r>
+              <a:rPr lang="en-AU" dirty="0"/>
+              <a:t>:</a:t>
+            </a:r>
+            <a:r>
+              <a:rPr lang="en-AU" dirty="0">
+                <a:solidFill>
+                  <a:srgbClr val="BBBBBB"/>
+                </a:solidFill>
+              </a:rPr>
+              <a:t> </a:t>
+            </a:r>
+            <a:r>
+              <a:rPr lang="en-AU" dirty="0">
+                <a:solidFill>
+                  <a:srgbClr val="666666"/>
+                </a:solidFill>
+              </a:rPr>
+              <a:t>15</a:t>
+            </a:r>
+            <a:r>
+              <a:rPr lang="en-AU" dirty="0">
+                <a:solidFill>
+                  <a:srgbClr val="BBBBBB"/>
+                </a:solidFill>
+              </a:rPr>
+              <a:t> </a:t>
+            </a:r>
+          </a:p>
+          <a:p>
+            <a:r>
+              <a:rPr lang="en-AU" dirty="0">
+                <a:solidFill>
+                  <a:srgbClr val="BBBBBB"/>
+                </a:solidFill>
+              </a:rPr>
+              <a:t>			</a:t>
+            </a:r>
+            <a:r>
+              <a:rPr lang="en-AU" dirty="0"/>
+              <a:t>- </a:t>
+            </a:r>
+            <a:r>
+              <a:rPr lang="en-AU" b="1" dirty="0">
+                <a:solidFill>
+                  <a:srgbClr val="AA22FF"/>
+                </a:solidFill>
+              </a:rPr>
+              <a:t>type</a:t>
+            </a:r>
+            <a:r>
+              <a:rPr lang="en-AU" dirty="0"/>
+              <a:t>:</a:t>
+            </a:r>
+            <a:r>
+              <a:rPr lang="en-AU" dirty="0">
+                <a:solidFill>
+                  <a:srgbClr val="BBBBBB"/>
+                </a:solidFill>
+              </a:rPr>
+              <a:t> </a:t>
+            </a:r>
+            <a:r>
+              <a:rPr lang="en-AU" dirty="0"/>
+              <a:t>Pods</a:t>
+            </a:r>
+            <a:r>
+              <a:rPr lang="en-AU" dirty="0">
+                <a:solidFill>
+                  <a:srgbClr val="BBBBBB"/>
+                </a:solidFill>
+              </a:rPr>
+              <a:t> </a:t>
+            </a:r>
+          </a:p>
+          <a:p>
+            <a:r>
+              <a:rPr lang="en-AU" b="1" dirty="0">
+                <a:solidFill>
+                  <a:srgbClr val="BBBBBB"/>
+                </a:solidFill>
+              </a:rPr>
+              <a:t>			  </a:t>
+            </a:r>
+            <a:r>
+              <a:rPr lang="en-AU" b="1" dirty="0">
+                <a:solidFill>
+                  <a:srgbClr val="AA22FF"/>
+                </a:solidFill>
+              </a:rPr>
+              <a:t>value</a:t>
+            </a:r>
+            <a:r>
+              <a:rPr lang="en-AU" dirty="0"/>
+              <a:t>:</a:t>
+            </a:r>
+            <a:r>
+              <a:rPr lang="en-AU" dirty="0">
+                <a:solidFill>
+                  <a:srgbClr val="BBBBBB"/>
+                </a:solidFill>
+              </a:rPr>
+              <a:t> </a:t>
+            </a:r>
+            <a:r>
+              <a:rPr lang="en-AU" dirty="0">
+                <a:solidFill>
+                  <a:srgbClr val="666666"/>
+                </a:solidFill>
+              </a:rPr>
+              <a:t>4</a:t>
+            </a:r>
+            <a:r>
+              <a:rPr lang="en-AU" dirty="0">
+                <a:solidFill>
+                  <a:srgbClr val="BBBBBB"/>
+                </a:solidFill>
+              </a:rPr>
+              <a:t> </a:t>
+            </a:r>
+          </a:p>
+          <a:p>
+            <a:r>
+              <a:rPr lang="en-AU" b="1" dirty="0">
+                <a:solidFill>
+                  <a:srgbClr val="BBBBBB"/>
+                </a:solidFill>
+              </a:rPr>
+              <a:t>			  </a:t>
+            </a:r>
+            <a:r>
+              <a:rPr lang="en-AU" b="1" dirty="0" err="1">
+                <a:solidFill>
+                  <a:srgbClr val="AA22FF"/>
+                </a:solidFill>
+              </a:rPr>
+              <a:t>periodSeconds</a:t>
+            </a:r>
+            <a:r>
+              <a:rPr lang="en-AU" dirty="0"/>
+              <a:t>:</a:t>
+            </a:r>
+            <a:r>
+              <a:rPr lang="en-AU" dirty="0">
+                <a:solidFill>
+                  <a:srgbClr val="BBBBBB"/>
+                </a:solidFill>
+              </a:rPr>
+              <a:t> </a:t>
+            </a:r>
+            <a:r>
+              <a:rPr lang="en-AU" dirty="0">
+                <a:solidFill>
+                  <a:srgbClr val="666666"/>
+                </a:solidFill>
+              </a:rPr>
+              <a:t>15</a:t>
+            </a:r>
+            <a:r>
+              <a:rPr lang="en-AU" dirty="0">
+                <a:solidFill>
+                  <a:srgbClr val="BBBBBB"/>
+                </a:solidFill>
+              </a:rPr>
+              <a:t> </a:t>
+            </a:r>
+          </a:p>
+          <a:p>
+            <a:r>
+              <a:rPr lang="en-AU" b="1" dirty="0">
+                <a:solidFill>
+                  <a:srgbClr val="BBBBBB"/>
+                </a:solidFill>
+              </a:rPr>
+              <a:t>			</a:t>
+            </a:r>
+            <a:r>
+              <a:rPr lang="en-AU" b="1" dirty="0" err="1">
+                <a:solidFill>
+                  <a:srgbClr val="AA22FF"/>
+                </a:solidFill>
+              </a:rPr>
+              <a:t>selectPolicy</a:t>
+            </a:r>
+            <a:r>
+              <a:rPr lang="en-AU" dirty="0"/>
+              <a:t>:</a:t>
+            </a:r>
+            <a:r>
+              <a:rPr lang="en-AU" dirty="0">
+                <a:solidFill>
+                  <a:srgbClr val="BBBBBB"/>
+                </a:solidFill>
+              </a:rPr>
+              <a:t> </a:t>
+            </a:r>
+            <a:r>
+              <a:rPr lang="en-AU" dirty="0"/>
+              <a:t>Max</a:t>
+            </a:r>
+            <a:endParaRPr lang="en-US" dirty="0"/>
+          </a:p>
+        </p:txBody>
+      </p:sp>
+    </p:spTree>
+    <p:extLst>
+      <p:ext uri="{BB962C8B-B14F-4D97-AF65-F5344CB8AC3E}">
+        <p14:creationId xmlns:p14="http://schemas.microsoft.com/office/powerpoint/2010/main" val="1420190481"/>
       </p:ext>
     </p:extLst>
   </p:cSld>
@@ -12449,6 +13497,242 @@
   </p:cSld>
   <p:clrMapOvr>
     <a:overrideClrMapping bg1="dk1" tx1="lt1" bg2="dk2" tx2="lt2" accent1="accent1" accent2="accent2" accent3="accent3" accent4="accent4" accent5="accent5" accent6="accent6" hlink="hlink" folHlink="folHlink"/>
+  </p:clrMapOvr>
+</p:sld>
+</file>
+
+<file path=ppt/slides/slide30.xml><?xml version="1.0" encoding="utf-8"?>
+<p:sld xmlns:a="http://schemas.openxmlformats.org/drawingml/2006/main" xmlns:r="http://schemas.openxmlformats.org/officeDocument/2006/relationships" xmlns:p="http://schemas.openxmlformats.org/presentationml/2006/main">
+  <p:cSld>
+    <p:spTree>
+      <p:nvGrpSpPr>
+        <p:cNvPr id="1" name=""/>
+        <p:cNvGrpSpPr/>
+        <p:nvPr/>
+      </p:nvGrpSpPr>
+      <p:grpSpPr>
+        <a:xfrm>
+          <a:off x="0" y="0"/>
+          <a:ext cx="0" cy="0"/>
+          <a:chOff x="0" y="0"/>
+          <a:chExt cx="0" cy="0"/>
+        </a:xfrm>
+      </p:grpSpPr>
+      <p:sp>
+        <p:nvSpPr>
+          <p:cNvPr id="2" name="Title 1">
+            <a:extLst>
+              <a:ext uri="{FF2B5EF4-FFF2-40B4-BE49-F238E27FC236}">
+                <a16:creationId xmlns:a16="http://schemas.microsoft.com/office/drawing/2014/main" id="{E59C5EC4-8F33-8447-AEBC-570DEE91594F}"/>
+              </a:ext>
+            </a:extLst>
+          </p:cNvPr>
+          <p:cNvSpPr>
+            <a:spLocks noGrp="1"/>
+          </p:cNvSpPr>
+          <p:nvPr>
+            <p:ph type="title"/>
+          </p:nvPr>
+        </p:nvSpPr>
+        <p:spPr/>
+        <p:txBody>
+          <a:bodyPr/>
+          <a:lstStyle/>
+          <a:p>
+            <a:r>
+              <a:rPr lang="en-US" dirty="0"/>
+              <a:t>External Push Scaler</a:t>
+            </a:r>
+          </a:p>
+        </p:txBody>
+      </p:sp>
+      <p:sp>
+        <p:nvSpPr>
+          <p:cNvPr id="3" name="Content Placeholder 2">
+            <a:extLst>
+              <a:ext uri="{FF2B5EF4-FFF2-40B4-BE49-F238E27FC236}">
+                <a16:creationId xmlns:a16="http://schemas.microsoft.com/office/drawing/2014/main" id="{F3095ABA-0D6A-9A4E-A022-6373257ED5D4}"/>
+              </a:ext>
+            </a:extLst>
+          </p:cNvPr>
+          <p:cNvSpPr>
+            <a:spLocks noGrp="1"/>
+          </p:cNvSpPr>
+          <p:nvPr>
+            <p:ph idx="1"/>
+          </p:nvPr>
+        </p:nvSpPr>
+        <p:spPr/>
+        <p:txBody>
+          <a:bodyPr/>
+          <a:lstStyle/>
+          <a:p>
+            <a:endParaRPr lang="en-US"/>
+          </a:p>
+        </p:txBody>
+      </p:sp>
+    </p:spTree>
+    <p:extLst>
+      <p:ext uri="{BB962C8B-B14F-4D97-AF65-F5344CB8AC3E}">
+        <p14:creationId xmlns:p14="http://schemas.microsoft.com/office/powerpoint/2010/main" val="609336991"/>
+      </p:ext>
+    </p:extLst>
+  </p:cSld>
+  <p:clrMapOvr>
+    <a:masterClrMapping/>
+  </p:clrMapOvr>
+</p:sld>
+</file>
+
+<file path=ppt/slides/slide31.xml><?xml version="1.0" encoding="utf-8"?>
+<p:sld xmlns:a="http://schemas.openxmlformats.org/drawingml/2006/main" xmlns:r="http://schemas.openxmlformats.org/officeDocument/2006/relationships" xmlns:p="http://schemas.openxmlformats.org/presentationml/2006/main">
+  <p:cSld>
+    <p:spTree>
+      <p:nvGrpSpPr>
+        <p:cNvPr id="1" name=""/>
+        <p:cNvGrpSpPr/>
+        <p:nvPr/>
+      </p:nvGrpSpPr>
+      <p:grpSpPr>
+        <a:xfrm>
+          <a:off x="0" y="0"/>
+          <a:ext cx="0" cy="0"/>
+          <a:chOff x="0" y="0"/>
+          <a:chExt cx="0" cy="0"/>
+        </a:xfrm>
+      </p:grpSpPr>
+      <p:sp>
+        <p:nvSpPr>
+          <p:cNvPr id="2" name="Title 1">
+            <a:extLst>
+              <a:ext uri="{FF2B5EF4-FFF2-40B4-BE49-F238E27FC236}">
+                <a16:creationId xmlns:a16="http://schemas.microsoft.com/office/drawing/2014/main" id="{2D1D3786-4DD3-7C48-9A94-B341A7FFFB85}"/>
+              </a:ext>
+            </a:extLst>
+          </p:cNvPr>
+          <p:cNvSpPr>
+            <a:spLocks noGrp="1"/>
+          </p:cNvSpPr>
+          <p:nvPr>
+            <p:ph type="title"/>
+          </p:nvPr>
+        </p:nvSpPr>
+        <p:spPr/>
+        <p:txBody>
+          <a:bodyPr/>
+          <a:lstStyle/>
+          <a:p>
+            <a:r>
+              <a:rPr lang="en-US" dirty="0"/>
+              <a:t>References</a:t>
+            </a:r>
+          </a:p>
+        </p:txBody>
+      </p:sp>
+      <p:sp>
+        <p:nvSpPr>
+          <p:cNvPr id="3" name="Content Placeholder 2">
+            <a:extLst>
+              <a:ext uri="{FF2B5EF4-FFF2-40B4-BE49-F238E27FC236}">
+                <a16:creationId xmlns:a16="http://schemas.microsoft.com/office/drawing/2014/main" id="{E21FA19F-419A-7841-863D-9CE064E37FF2}"/>
+              </a:ext>
+            </a:extLst>
+          </p:cNvPr>
+          <p:cNvSpPr>
+            <a:spLocks noGrp="1"/>
+          </p:cNvSpPr>
+          <p:nvPr>
+            <p:ph idx="1"/>
+          </p:nvPr>
+        </p:nvSpPr>
+        <p:spPr/>
+        <p:txBody>
+          <a:bodyPr/>
+          <a:lstStyle/>
+          <a:p>
+            <a:r>
+              <a:rPr lang="en-US" dirty="0">
+                <a:hlinkClick r:id="rId2"/>
+              </a:rPr>
+              <a:t>Horizontal  Pod Autoscaler</a:t>
+            </a:r>
+            <a:endParaRPr lang="en-US" dirty="0"/>
+          </a:p>
+          <a:p>
+            <a:r>
+              <a:rPr lang="en-US" dirty="0">
+                <a:hlinkClick r:id="rId3"/>
+              </a:rPr>
+              <a:t>Horizontal Pod Autoscaler Walkthrough</a:t>
+            </a:r>
+            <a:endParaRPr lang="en-US" dirty="0"/>
+          </a:p>
+          <a:p>
+            <a:r>
+              <a:rPr lang="en-US" dirty="0">
+                <a:hlinkClick r:id="rId4"/>
+              </a:rPr>
+              <a:t>https://keda.sh/</a:t>
+            </a:r>
+            <a:endParaRPr lang="en-US" dirty="0"/>
+          </a:p>
+          <a:p>
+            <a:r>
+              <a:rPr lang="en-US" dirty="0">
+                <a:hlinkClick r:id="rId5"/>
+              </a:rPr>
+              <a:t>KEDA on GitHub</a:t>
+            </a:r>
+            <a:endParaRPr lang="en-US" dirty="0"/>
+          </a:p>
+          <a:p>
+            <a:r>
+              <a:rPr lang="en-US" dirty="0">
+                <a:hlinkClick r:id="rId6"/>
+              </a:rPr>
+              <a:t>KEDA Samples</a:t>
+            </a:r>
+            <a:endParaRPr lang="en-US" dirty="0"/>
+          </a:p>
+          <a:p>
+            <a:r>
+              <a:rPr lang="en-US" dirty="0">
+                <a:hlinkClick r:id="rId7"/>
+              </a:rPr>
+              <a:t>Https://emadashi.com</a:t>
+            </a:r>
+            <a:r>
+              <a:rPr lang="en-US" dirty="0"/>
+              <a:t> </a:t>
+            </a:r>
+            <a:r>
+              <a:rPr lang="en-US" dirty="0">
+                <a:sym typeface="Wingdings" pitchFamily="2" charset="2"/>
+              </a:rPr>
+              <a:t></a:t>
+            </a:r>
+            <a:endParaRPr lang="en-US" dirty="0"/>
+          </a:p>
+          <a:p>
+            <a:r>
+              <a:rPr lang="en-US" dirty="0">
+                <a:hlinkClick r:id="rId8"/>
+              </a:rPr>
+              <a:t>Mock-server</a:t>
+            </a:r>
+            <a:endParaRPr lang="en-US" dirty="0"/>
+          </a:p>
+        </p:txBody>
+      </p:sp>
+    </p:spTree>
+    <p:extLst>
+      <p:ext uri="{BB962C8B-B14F-4D97-AF65-F5344CB8AC3E}">
+        <p14:creationId xmlns:p14="http://schemas.microsoft.com/office/powerpoint/2010/main" val="2713068039"/>
+      </p:ext>
+    </p:extLst>
+  </p:cSld>
+  <p:clrMapOvr>
+    <a:masterClrMapping/>
   </p:clrMapOvr>
 </p:sld>
 </file>
